--- a/themes/mellow_yellow.pptx
+++ b/themes/mellow_yellow.pptx
@@ -1,49 +1,49 @@
 
 <file path=ppt/presentation.xml><?xml version="1.0" encoding="utf-8"?>
-<p:presentation xmlns:a="http://schemas.openxmlformats.org/drawingml/2006/main" xmlns:r="http://schemas.openxmlformats.org/officeDocument/2006/relationships" xmlns:mc="http://schemas.openxmlformats.org/markup-compatibility/2006" xmlns:mv="urn:schemas-microsoft-com:mac:vml" xmlns:p="http://schemas.openxmlformats.org/presentationml/2006/main" xmlns:c="http://schemas.openxmlformats.org/drawingml/2006/chart" xmlns:dgm="http://schemas.openxmlformats.org/drawingml/2006/diagram" xmlns:o="urn:schemas-microsoft-com:office:office" xmlns:v="urn:schemas-microsoft-com:vml" xmlns:pvml="urn:schemas-microsoft-com:office:powerpoint" xmlns:com="http://schemas.openxmlformats.org/drawingml/2006/compatibility" xmlns:p14="http://schemas.microsoft.com/office/powerpoint/2010/main" xmlns:p15="http://schemas.microsoft.com/office/powerpoint/2012/main" xmlns:ahyp="http://schemas.microsoft.com/office/drawing/2018/hyperlinkcolor" autoCompressPictures="0" embedTrueTypeFonts="1" strictFirstAndLastChars="0" saveSubsetFonts="1">
+<p:presentation xmlns:a="http://schemas.openxmlformats.org/drawingml/2006/main" xmlns:r="http://schemas.openxmlformats.org/officeDocument/2006/relationships" xmlns:p="http://schemas.openxmlformats.org/presentationml/2006/main" strictFirstAndLastChars="0" embedTrueTypeFonts="1" saveSubsetFonts="1" autoCompressPictures="0">
   <p:sldMasterIdLst>
-    <p:sldMasterId id="2147483659" r:id="rId4"/>
+    <p:sldMasterId id="2147483659" r:id="rId1"/>
   </p:sldMasterIdLst>
   <p:notesMasterIdLst>
-    <p:notesMasterId r:id="rId5"/>
+    <p:notesMasterId r:id="rId12"/>
   </p:notesMasterIdLst>
   <p:sldIdLst>
-    <p:sldId id="256" r:id="rId6"/>
-    <p:sldId id="257" r:id="rId7"/>
-    <p:sldId id="258" r:id="rId8"/>
-    <p:sldId id="259" r:id="rId9"/>
-    <p:sldId id="260" r:id="rId10"/>
-    <p:sldId id="261" r:id="rId11"/>
-    <p:sldId id="262" r:id="rId12"/>
-    <p:sldId id="263" r:id="rId13"/>
-    <p:sldId id="264" r:id="rId14"/>
-    <p:sldId id="265" r:id="rId15"/>
+    <p:sldId id="256" r:id="rId2"/>
+    <p:sldId id="257" r:id="rId3"/>
+    <p:sldId id="258" r:id="rId4"/>
+    <p:sldId id="259" r:id="rId5"/>
+    <p:sldId id="260" r:id="rId6"/>
+    <p:sldId id="261" r:id="rId7"/>
+    <p:sldId id="262" r:id="rId8"/>
+    <p:sldId id="263" r:id="rId9"/>
+    <p:sldId id="264" r:id="rId10"/>
+    <p:sldId id="265" r:id="rId11"/>
   </p:sldIdLst>
-  <p:sldSz cy="5143500" cx="9144000"/>
+  <p:sldSz cx="9144000" cy="5143500" type="screen16x9"/>
   <p:notesSz cx="6858000" cy="9144000"/>
   <p:embeddedFontLst>
     <p:embeddedFont>
-      <p:font typeface="Oswald Light"/>
+      <p:font typeface="Bungee" pitchFamily="2" charset="0"/>
+      <p:regular r:id="rId13"/>
+    </p:embeddedFont>
+    <p:embeddedFont>
+      <p:font typeface="Oswald" panose="00000500000000000000" pitchFamily="2" charset="0"/>
+      <p:regular r:id="rId14"/>
+      <p:bold r:id="rId15"/>
+    </p:embeddedFont>
+    <p:embeddedFont>
+      <p:font typeface="Oswald Light" panose="00000400000000000000" pitchFamily="2" charset="0"/>
       <p:regular r:id="rId16"/>
       <p:bold r:id="rId17"/>
     </p:embeddedFont>
     <p:embeddedFont>
-      <p:font typeface="Bungee"/>
+      <p:font typeface="Oswald SemiBold" panose="00000700000000000000" pitchFamily="2" charset="0"/>
       <p:regular r:id="rId18"/>
-    </p:embeddedFont>
-    <p:embeddedFont>
-      <p:font typeface="Oswald SemiBold"/>
-      <p:regular r:id="rId19"/>
-      <p:bold r:id="rId20"/>
-    </p:embeddedFont>
-    <p:embeddedFont>
-      <p:font typeface="Oswald"/>
-      <p:regular r:id="rId21"/>
-      <p:bold r:id="rId22"/>
+      <p:bold r:id="rId19"/>
     </p:embeddedFont>
   </p:embeddedFontLst>
   <p:defaultTextStyle>
-    <a:defPPr lvl="0" marR="0" rtl="0" algn="l">
+    <a:defPPr marR="0" lvl="0" algn="l" rtl="0">
       <a:lnSpc>
         <a:spcPct val="100000"/>
       </a:lnSpc>
@@ -54,7 +54,7 @@
         <a:spcPts val="0"/>
       </a:spcAft>
     </a:defPPr>
-    <a:lvl1pPr lvl="0" marR="0" rtl="0" algn="l">
+    <a:lvl1pPr marR="0" lvl="0" algn="l" rtl="0">
       <a:lnSpc>
         <a:spcPct val="100000"/>
       </a:lnSpc>
@@ -68,7 +68,7 @@
         <a:srgbClr val="000000"/>
       </a:buClr>
       <a:buFont typeface="Arial"/>
-      <a:defRPr b="0" i="0" sz="1400" u="none" cap="none" strike="noStrike">
+      <a:defRPr sz="1400" b="0" i="0" u="none" strike="noStrike" cap="none">
         <a:solidFill>
           <a:srgbClr val="000000"/>
         </a:solidFill>
@@ -78,7 +78,7 @@
         <a:sym typeface="Arial"/>
       </a:defRPr>
     </a:lvl1pPr>
-    <a:lvl2pPr lvl="1" marR="0" rtl="0" algn="l">
+    <a:lvl2pPr marR="0" lvl="1" algn="l" rtl="0">
       <a:lnSpc>
         <a:spcPct val="100000"/>
       </a:lnSpc>
@@ -92,7 +92,7 @@
         <a:srgbClr val="000000"/>
       </a:buClr>
       <a:buFont typeface="Arial"/>
-      <a:defRPr b="0" i="0" sz="1400" u="none" cap="none" strike="noStrike">
+      <a:defRPr sz="1400" b="0" i="0" u="none" strike="noStrike" cap="none">
         <a:solidFill>
           <a:srgbClr val="000000"/>
         </a:solidFill>
@@ -102,7 +102,7 @@
         <a:sym typeface="Arial"/>
       </a:defRPr>
     </a:lvl2pPr>
-    <a:lvl3pPr lvl="2" marR="0" rtl="0" algn="l">
+    <a:lvl3pPr marR="0" lvl="2" algn="l" rtl="0">
       <a:lnSpc>
         <a:spcPct val="100000"/>
       </a:lnSpc>
@@ -116,7 +116,7 @@
         <a:srgbClr val="000000"/>
       </a:buClr>
       <a:buFont typeface="Arial"/>
-      <a:defRPr b="0" i="0" sz="1400" u="none" cap="none" strike="noStrike">
+      <a:defRPr sz="1400" b="0" i="0" u="none" strike="noStrike" cap="none">
         <a:solidFill>
           <a:srgbClr val="000000"/>
         </a:solidFill>
@@ -126,7 +126,7 @@
         <a:sym typeface="Arial"/>
       </a:defRPr>
     </a:lvl3pPr>
-    <a:lvl4pPr lvl="3" marR="0" rtl="0" algn="l">
+    <a:lvl4pPr marR="0" lvl="3" algn="l" rtl="0">
       <a:lnSpc>
         <a:spcPct val="100000"/>
       </a:lnSpc>
@@ -140,7 +140,7 @@
         <a:srgbClr val="000000"/>
       </a:buClr>
       <a:buFont typeface="Arial"/>
-      <a:defRPr b="0" i="0" sz="1400" u="none" cap="none" strike="noStrike">
+      <a:defRPr sz="1400" b="0" i="0" u="none" strike="noStrike" cap="none">
         <a:solidFill>
           <a:srgbClr val="000000"/>
         </a:solidFill>
@@ -150,7 +150,7 @@
         <a:sym typeface="Arial"/>
       </a:defRPr>
     </a:lvl4pPr>
-    <a:lvl5pPr lvl="4" marR="0" rtl="0" algn="l">
+    <a:lvl5pPr marR="0" lvl="4" algn="l" rtl="0">
       <a:lnSpc>
         <a:spcPct val="100000"/>
       </a:lnSpc>
@@ -164,7 +164,7 @@
         <a:srgbClr val="000000"/>
       </a:buClr>
       <a:buFont typeface="Arial"/>
-      <a:defRPr b="0" i="0" sz="1400" u="none" cap="none" strike="noStrike">
+      <a:defRPr sz="1400" b="0" i="0" u="none" strike="noStrike" cap="none">
         <a:solidFill>
           <a:srgbClr val="000000"/>
         </a:solidFill>
@@ -174,7 +174,7 @@
         <a:sym typeface="Arial"/>
       </a:defRPr>
     </a:lvl5pPr>
-    <a:lvl6pPr lvl="5" marR="0" rtl="0" algn="l">
+    <a:lvl6pPr marR="0" lvl="5" algn="l" rtl="0">
       <a:lnSpc>
         <a:spcPct val="100000"/>
       </a:lnSpc>
@@ -188,7 +188,7 @@
         <a:srgbClr val="000000"/>
       </a:buClr>
       <a:buFont typeface="Arial"/>
-      <a:defRPr b="0" i="0" sz="1400" u="none" cap="none" strike="noStrike">
+      <a:defRPr sz="1400" b="0" i="0" u="none" strike="noStrike" cap="none">
         <a:solidFill>
           <a:srgbClr val="000000"/>
         </a:solidFill>
@@ -198,7 +198,7 @@
         <a:sym typeface="Arial"/>
       </a:defRPr>
     </a:lvl6pPr>
-    <a:lvl7pPr lvl="6" marR="0" rtl="0" algn="l">
+    <a:lvl7pPr marR="0" lvl="6" algn="l" rtl="0">
       <a:lnSpc>
         <a:spcPct val="100000"/>
       </a:lnSpc>
@@ -212,7 +212,7 @@
         <a:srgbClr val="000000"/>
       </a:buClr>
       <a:buFont typeface="Arial"/>
-      <a:defRPr b="0" i="0" sz="1400" u="none" cap="none" strike="noStrike">
+      <a:defRPr sz="1400" b="0" i="0" u="none" strike="noStrike" cap="none">
         <a:solidFill>
           <a:srgbClr val="000000"/>
         </a:solidFill>
@@ -222,7 +222,7 @@
         <a:sym typeface="Arial"/>
       </a:defRPr>
     </a:lvl7pPr>
-    <a:lvl8pPr lvl="7" marR="0" rtl="0" algn="l">
+    <a:lvl8pPr marR="0" lvl="7" algn="l" rtl="0">
       <a:lnSpc>
         <a:spcPct val="100000"/>
       </a:lnSpc>
@@ -236,7 +236,7 @@
         <a:srgbClr val="000000"/>
       </a:buClr>
       <a:buFont typeface="Arial"/>
-      <a:defRPr b="0" i="0" sz="1400" u="none" cap="none" strike="noStrike">
+      <a:defRPr sz="1400" b="0" i="0" u="none" strike="noStrike" cap="none">
         <a:solidFill>
           <a:srgbClr val="000000"/>
         </a:solidFill>
@@ -246,7 +246,7 @@
         <a:sym typeface="Arial"/>
       </a:defRPr>
     </a:lvl8pPr>
-    <a:lvl9pPr lvl="8" marR="0" rtl="0" algn="l">
+    <a:lvl9pPr marR="0" lvl="8" algn="l" rtl="0">
       <a:lnSpc>
         <a:spcPct val="100000"/>
       </a:lnSpc>
@@ -260,7 +260,7 @@
         <a:srgbClr val="000000"/>
       </a:buClr>
       <a:buFont typeface="Arial"/>
-      <a:defRPr b="0" i="0" sz="1400" u="none" cap="none" strike="noStrike">
+      <a:defRPr sz="1400" b="0" i="0" u="none" strike="noStrike" cap="none">
         <a:solidFill>
           <a:srgbClr val="000000"/>
         </a:solidFill>
@@ -273,7 +273,7 @@
   </p:defaultTextStyle>
   <p:extLst>
     <p:ext uri="{EFAFB233-063F-42B5-8137-9DF3F51BA10A}">
-      <p15:sldGuideLst>
+      <p15:sldGuideLst xmlns:p15="http://schemas.microsoft.com/office/powerpoint/2012/main">
         <p15:guide id="1" orient="horz" pos="1620">
           <p15:clr>
             <a:srgbClr val="747775"/>
@@ -291,11 +291,16 @@
 </file>
 
 <file path=ppt/notesMasters/notesMaster1.xml><?xml version="1.0" encoding="utf-8"?>
-<p:notesMaster xmlns:a="http://schemas.openxmlformats.org/drawingml/2006/main" xmlns:r="http://schemas.openxmlformats.org/officeDocument/2006/relationships" xmlns:mc="http://schemas.openxmlformats.org/markup-compatibility/2006" xmlns:mv="urn:schemas-microsoft-com:mac:vml" xmlns:p="http://schemas.openxmlformats.org/presentationml/2006/main" xmlns:c="http://schemas.openxmlformats.org/drawingml/2006/chart" xmlns:dgm="http://schemas.openxmlformats.org/drawingml/2006/diagram" xmlns:o="urn:schemas-microsoft-com:office:office" xmlns:v="urn:schemas-microsoft-com:vml" xmlns:pvml="urn:schemas-microsoft-com:office:powerpoint" xmlns:com="http://schemas.openxmlformats.org/drawingml/2006/compatibility" xmlns:p14="http://schemas.microsoft.com/office/powerpoint/2010/main" xmlns:p15="http://schemas.microsoft.com/office/powerpoint/2012/main" xmlns:ahyp="http://schemas.microsoft.com/office/drawing/2018/hyperlinkcolor">
+<p:notesMaster xmlns:a="http://schemas.openxmlformats.org/drawingml/2006/main" xmlns:r="http://schemas.openxmlformats.org/officeDocument/2006/relationships" xmlns:p="http://schemas.openxmlformats.org/presentationml/2006/main">
   <p:cSld>
+    <p:bg>
+      <p:bgRef idx="1001">
+        <a:schemeClr val="bg1"/>
+      </p:bgRef>
+    </p:bg>
     <p:spTree>
       <p:nvGrpSpPr>
-        <p:cNvPr id="2" name="Shape 2"/>
+        <p:cNvPr id="1" name="Shape 2"/>
         <p:cNvGrpSpPr/>
         <p:nvPr/>
       </p:nvGrpSpPr>
@@ -310,9 +315,11 @@
       <p:sp>
         <p:nvSpPr>
           <p:cNvPr id="3" name="Google Shape;3;n"/>
-          <p:cNvSpPr/>
+          <p:cNvSpPr>
+            <a:spLocks noGrp="1" noRot="1" noChangeAspect="1"/>
+          </p:cNvSpPr>
           <p:nvPr>
-            <p:ph idx="2" type="sldImg"/>
+            <p:ph type="sldImg" idx="2"/>
           </p:nvPr>
         </p:nvSpPr>
         <p:spPr>
@@ -321,9 +328,13 @@
             <a:ext cx="6096075" cy="3429000"/>
           </a:xfrm>
           <a:custGeom>
-            <a:rect b="b" l="l" r="r" t="t"/>
+            <a:avLst/>
+            <a:gdLst/>
+            <a:ahLst/>
+            <a:cxnLst/>
+            <a:rect l="l" t="t" r="r" b="b"/>
             <a:pathLst>
-              <a:path extrusionOk="0" h="120000" w="120000">
+              <a:path w="120000" h="120000" extrusionOk="0">
                 <a:moveTo>
                   <a:pt x="0" y="0"/>
                 </a:moveTo>
@@ -341,23 +352,25 @@
             </a:pathLst>
           </a:custGeom>
           <a:noFill/>
-          <a:ln cap="flat" cmpd="sng" w="9525">
+          <a:ln w="9525" cap="flat" cmpd="sng">
             <a:solidFill>
               <a:srgbClr val="000000"/>
             </a:solidFill>
             <a:prstDash val="solid"/>
             <a:round/>
-            <a:headEnd len="sm" w="sm" type="none"/>
-            <a:tailEnd len="sm" w="sm" type="none"/>
+            <a:headEnd type="none" w="sm" len="sm"/>
+            <a:tailEnd type="none" w="sm" len="sm"/>
           </a:ln>
         </p:spPr>
       </p:sp>
       <p:sp>
         <p:nvSpPr>
           <p:cNvPr id="4" name="Google Shape;4;n"/>
-          <p:cNvSpPr txBox="1"/>
+          <p:cNvSpPr txBox="1">
+            <a:spLocks noGrp="1"/>
+          </p:cNvSpPr>
           <p:nvPr>
-            <p:ph idx="1" type="body"/>
+            <p:ph type="body" idx="1"/>
           </p:nvPr>
         </p:nvSpPr>
         <p:spPr>
@@ -374,11 +387,11 @@
           </a:ln>
         </p:spPr>
         <p:txBody>
-          <a:bodyPr anchorCtr="0" anchor="t" bIns="91425" lIns="91425" spcFirstLastPara="1" rIns="91425" wrap="square" tIns="91425">
+          <a:bodyPr spcFirstLastPara="1" wrap="square" lIns="91425" tIns="91425" rIns="91425" bIns="91425" anchor="t" anchorCtr="0">
             <a:noAutofit/>
           </a:bodyPr>
           <a:lstStyle>
-            <a:lvl1pPr indent="-298450" lvl="0" marL="457200">
+            <a:lvl1pPr marL="457200" lvl="0" indent="-298450">
               <a:spcBef>
                 <a:spcPts val="0"/>
               </a:spcBef>
@@ -389,7 +402,7 @@
               <a:buChar char="●"/>
               <a:defRPr sz="1100"/>
             </a:lvl1pPr>
-            <a:lvl2pPr indent="-298450" lvl="1" marL="914400">
+            <a:lvl2pPr marL="914400" lvl="1" indent="-298450">
               <a:spcBef>
                 <a:spcPts val="0"/>
               </a:spcBef>
@@ -400,7 +413,7 @@
               <a:buChar char="○"/>
               <a:defRPr sz="1100"/>
             </a:lvl2pPr>
-            <a:lvl3pPr indent="-298450" lvl="2" marL="1371600">
+            <a:lvl3pPr marL="1371600" lvl="2" indent="-298450">
               <a:spcBef>
                 <a:spcPts val="0"/>
               </a:spcBef>
@@ -411,7 +424,7 @@
               <a:buChar char="■"/>
               <a:defRPr sz="1100"/>
             </a:lvl3pPr>
-            <a:lvl4pPr indent="-298450" lvl="3" marL="1828800">
+            <a:lvl4pPr marL="1828800" lvl="3" indent="-298450">
               <a:spcBef>
                 <a:spcPts val="0"/>
               </a:spcBef>
@@ -422,7 +435,7 @@
               <a:buChar char="●"/>
               <a:defRPr sz="1100"/>
             </a:lvl4pPr>
-            <a:lvl5pPr indent="-298450" lvl="4" marL="2286000">
+            <a:lvl5pPr marL="2286000" lvl="4" indent="-298450">
               <a:spcBef>
                 <a:spcPts val="0"/>
               </a:spcBef>
@@ -433,7 +446,7 @@
               <a:buChar char="○"/>
               <a:defRPr sz="1100"/>
             </a:lvl5pPr>
-            <a:lvl6pPr indent="-298450" lvl="5" marL="2743200">
+            <a:lvl6pPr marL="2743200" lvl="5" indent="-298450">
               <a:spcBef>
                 <a:spcPts val="0"/>
               </a:spcBef>
@@ -444,7 +457,7 @@
               <a:buChar char="■"/>
               <a:defRPr sz="1100"/>
             </a:lvl6pPr>
-            <a:lvl7pPr indent="-298450" lvl="6" marL="3200400">
+            <a:lvl7pPr marL="3200400" lvl="6" indent="-298450">
               <a:spcBef>
                 <a:spcPts val="0"/>
               </a:spcBef>
@@ -455,7 +468,7 @@
               <a:buChar char="●"/>
               <a:defRPr sz="1100"/>
             </a:lvl7pPr>
-            <a:lvl8pPr indent="-298450" lvl="7" marL="3657600">
+            <a:lvl8pPr marL="3657600" lvl="7" indent="-298450">
               <a:spcBef>
                 <a:spcPts val="0"/>
               </a:spcBef>
@@ -466,7 +479,7 @@
               <a:buChar char="○"/>
               <a:defRPr sz="1100"/>
             </a:lvl8pPr>
-            <a:lvl9pPr indent="-298450" lvl="8" marL="4114800">
+            <a:lvl9pPr marL="4114800" lvl="8" indent="-298450">
               <a:spcBef>
                 <a:spcPts val="0"/>
               </a:spcBef>
@@ -478,14 +491,16 @@
               <a:defRPr sz="1100"/>
             </a:lvl9pPr>
           </a:lstStyle>
-          <a:p/>
+          <a:p>
+            <a:endParaRPr/>
+          </a:p>
         </p:txBody>
       </p:sp>
     </p:spTree>
   </p:cSld>
-  <p:clrMap accent1="accent1" accent2="accent2" accent3="accent3" accent4="accent4" accent5="accent5" accent6="accent6" bg1="lt1" bg2="dk2" tx1="dk1" tx2="lt2" folHlink="folHlink" hlink="hlink"/>
+  <p:clrMap bg1="lt1" tx1="dk1" bg2="dk2" tx2="lt2" accent1="accent1" accent2="accent2" accent3="accent3" accent4="accent4" accent5="accent5" accent6="accent6" hlink="hlink" folHlink="folHlink"/>
   <p:notesStyle>
-    <a:defPPr lvl="0" marR="0" rtl="0" algn="l">
+    <a:defPPr marR="0" lvl="0" algn="l" rtl="0">
       <a:lnSpc>
         <a:spcPct val="100000"/>
       </a:lnSpc>
@@ -496,7 +511,7 @@
         <a:spcPts val="0"/>
       </a:spcAft>
     </a:defPPr>
-    <a:lvl1pPr lvl="0" marR="0" rtl="0" algn="l">
+    <a:lvl1pPr marR="0" lvl="0" algn="l" rtl="0">
       <a:lnSpc>
         <a:spcPct val="100000"/>
       </a:lnSpc>
@@ -510,7 +525,7 @@
         <a:srgbClr val="000000"/>
       </a:buClr>
       <a:buFont typeface="Arial"/>
-      <a:defRPr b="0" i="0" sz="1400" u="none" cap="none" strike="noStrike">
+      <a:defRPr sz="1400" b="0" i="0" u="none" strike="noStrike" cap="none">
         <a:solidFill>
           <a:srgbClr val="000000"/>
         </a:solidFill>
@@ -520,7 +535,7 @@
         <a:sym typeface="Arial"/>
       </a:defRPr>
     </a:lvl1pPr>
-    <a:lvl2pPr lvl="1" marR="0" rtl="0" algn="l">
+    <a:lvl2pPr marR="0" lvl="1" algn="l" rtl="0">
       <a:lnSpc>
         <a:spcPct val="100000"/>
       </a:lnSpc>
@@ -534,7 +549,7 @@
         <a:srgbClr val="000000"/>
       </a:buClr>
       <a:buFont typeface="Arial"/>
-      <a:defRPr b="0" i="0" sz="1400" u="none" cap="none" strike="noStrike">
+      <a:defRPr sz="1400" b="0" i="0" u="none" strike="noStrike" cap="none">
         <a:solidFill>
           <a:srgbClr val="000000"/>
         </a:solidFill>
@@ -544,7 +559,7 @@
         <a:sym typeface="Arial"/>
       </a:defRPr>
     </a:lvl2pPr>
-    <a:lvl3pPr lvl="2" marR="0" rtl="0" algn="l">
+    <a:lvl3pPr marR="0" lvl="2" algn="l" rtl="0">
       <a:lnSpc>
         <a:spcPct val="100000"/>
       </a:lnSpc>
@@ -558,7 +573,7 @@
         <a:srgbClr val="000000"/>
       </a:buClr>
       <a:buFont typeface="Arial"/>
-      <a:defRPr b="0" i="0" sz="1400" u="none" cap="none" strike="noStrike">
+      <a:defRPr sz="1400" b="0" i="0" u="none" strike="noStrike" cap="none">
         <a:solidFill>
           <a:srgbClr val="000000"/>
         </a:solidFill>
@@ -568,7 +583,7 @@
         <a:sym typeface="Arial"/>
       </a:defRPr>
     </a:lvl3pPr>
-    <a:lvl4pPr lvl="3" marR="0" rtl="0" algn="l">
+    <a:lvl4pPr marR="0" lvl="3" algn="l" rtl="0">
       <a:lnSpc>
         <a:spcPct val="100000"/>
       </a:lnSpc>
@@ -582,7 +597,7 @@
         <a:srgbClr val="000000"/>
       </a:buClr>
       <a:buFont typeface="Arial"/>
-      <a:defRPr b="0" i="0" sz="1400" u="none" cap="none" strike="noStrike">
+      <a:defRPr sz="1400" b="0" i="0" u="none" strike="noStrike" cap="none">
         <a:solidFill>
           <a:srgbClr val="000000"/>
         </a:solidFill>
@@ -592,7 +607,7 @@
         <a:sym typeface="Arial"/>
       </a:defRPr>
     </a:lvl4pPr>
-    <a:lvl5pPr lvl="4" marR="0" rtl="0" algn="l">
+    <a:lvl5pPr marR="0" lvl="4" algn="l" rtl="0">
       <a:lnSpc>
         <a:spcPct val="100000"/>
       </a:lnSpc>
@@ -606,7 +621,7 @@
         <a:srgbClr val="000000"/>
       </a:buClr>
       <a:buFont typeface="Arial"/>
-      <a:defRPr b="0" i="0" sz="1400" u="none" cap="none" strike="noStrike">
+      <a:defRPr sz="1400" b="0" i="0" u="none" strike="noStrike" cap="none">
         <a:solidFill>
           <a:srgbClr val="000000"/>
         </a:solidFill>
@@ -616,7 +631,7 @@
         <a:sym typeface="Arial"/>
       </a:defRPr>
     </a:lvl5pPr>
-    <a:lvl6pPr lvl="5" marR="0" rtl="0" algn="l">
+    <a:lvl6pPr marR="0" lvl="5" algn="l" rtl="0">
       <a:lnSpc>
         <a:spcPct val="100000"/>
       </a:lnSpc>
@@ -630,7 +645,7 @@
         <a:srgbClr val="000000"/>
       </a:buClr>
       <a:buFont typeface="Arial"/>
-      <a:defRPr b="0" i="0" sz="1400" u="none" cap="none" strike="noStrike">
+      <a:defRPr sz="1400" b="0" i="0" u="none" strike="noStrike" cap="none">
         <a:solidFill>
           <a:srgbClr val="000000"/>
         </a:solidFill>
@@ -640,7 +655,7 @@
         <a:sym typeface="Arial"/>
       </a:defRPr>
     </a:lvl6pPr>
-    <a:lvl7pPr lvl="6" marR="0" rtl="0" algn="l">
+    <a:lvl7pPr marR="0" lvl="6" algn="l" rtl="0">
       <a:lnSpc>
         <a:spcPct val="100000"/>
       </a:lnSpc>
@@ -654,7 +669,7 @@
         <a:srgbClr val="000000"/>
       </a:buClr>
       <a:buFont typeface="Arial"/>
-      <a:defRPr b="0" i="0" sz="1400" u="none" cap="none" strike="noStrike">
+      <a:defRPr sz="1400" b="0" i="0" u="none" strike="noStrike" cap="none">
         <a:solidFill>
           <a:srgbClr val="000000"/>
         </a:solidFill>
@@ -664,7 +679,7 @@
         <a:sym typeface="Arial"/>
       </a:defRPr>
     </a:lvl7pPr>
-    <a:lvl8pPr lvl="7" marR="0" rtl="0" algn="l">
+    <a:lvl8pPr marR="0" lvl="7" algn="l" rtl="0">
       <a:lnSpc>
         <a:spcPct val="100000"/>
       </a:lnSpc>
@@ -678,7 +693,7 @@
         <a:srgbClr val="000000"/>
       </a:buClr>
       <a:buFont typeface="Arial"/>
-      <a:defRPr b="0" i="0" sz="1400" u="none" cap="none" strike="noStrike">
+      <a:defRPr sz="1400" b="0" i="0" u="none" strike="noStrike" cap="none">
         <a:solidFill>
           <a:srgbClr val="000000"/>
         </a:solidFill>
@@ -688,7 +703,7 @@
         <a:sym typeface="Arial"/>
       </a:defRPr>
     </a:lvl8pPr>
-    <a:lvl9pPr lvl="8" marR="0" rtl="0" algn="l">
+    <a:lvl9pPr marR="0" lvl="8" algn="l" rtl="0">
       <a:lnSpc>
         <a:spcPct val="100000"/>
       </a:lnSpc>
@@ -702,7 +717,7 @@
         <a:srgbClr val="000000"/>
       </a:buClr>
       <a:buFont typeface="Arial"/>
-      <a:defRPr b="0" i="0" sz="1400" u="none" cap="none" strike="noStrike">
+      <a:defRPr sz="1400" b="0" i="0" u="none" strike="noStrike" cap="none">
         <a:solidFill>
           <a:srgbClr val="000000"/>
         </a:solidFill>
@@ -717,11 +732,11 @@
 </file>
 
 <file path=ppt/notesSlides/notesSlide1.xml><?xml version="1.0" encoding="utf-8"?>
-<p:notes xmlns:a="http://schemas.openxmlformats.org/drawingml/2006/main" xmlns:r="http://schemas.openxmlformats.org/officeDocument/2006/relationships" xmlns:mc="http://schemas.openxmlformats.org/markup-compatibility/2006" xmlns:mv="urn:schemas-microsoft-com:mac:vml" xmlns:p="http://schemas.openxmlformats.org/presentationml/2006/main" xmlns:c="http://schemas.openxmlformats.org/drawingml/2006/chart" xmlns:dgm="http://schemas.openxmlformats.org/drawingml/2006/diagram" xmlns:o="urn:schemas-microsoft-com:office:office" xmlns:v="urn:schemas-microsoft-com:vml" xmlns:pvml="urn:schemas-microsoft-com:office:powerpoint" xmlns:com="http://schemas.openxmlformats.org/drawingml/2006/compatibility" xmlns:p14="http://schemas.microsoft.com/office/powerpoint/2010/main" xmlns:p15="http://schemas.microsoft.com/office/powerpoint/2012/main" xmlns:ahyp="http://schemas.microsoft.com/office/drawing/2018/hyperlinkcolor" showMasterPhAnim="0" showMasterSp="0">
+<p:notes xmlns:a="http://schemas.openxmlformats.org/drawingml/2006/main" xmlns:r="http://schemas.openxmlformats.org/officeDocument/2006/relationships" xmlns:p="http://schemas.openxmlformats.org/presentationml/2006/main" showMasterSp="0" showMasterPhAnim="0">
   <p:cSld>
     <p:spTree>
       <p:nvGrpSpPr>
-        <p:cNvPr id="50" name="Shape 50"/>
+        <p:cNvPr id="1" name="Shape 50"/>
         <p:cNvGrpSpPr/>
         <p:nvPr/>
       </p:nvGrpSpPr>
@@ -736,9 +751,11 @@
       <p:sp>
         <p:nvSpPr>
           <p:cNvPr id="51" name="Google Shape;51;p:notes"/>
-          <p:cNvSpPr/>
+          <p:cNvSpPr>
+            <a:spLocks noGrp="1" noRot="1" noChangeAspect="1"/>
+          </p:cNvSpPr>
           <p:nvPr>
-            <p:ph idx="2" type="sldImg"/>
+            <p:ph type="sldImg" idx="2"/>
           </p:nvPr>
         </p:nvSpPr>
         <p:spPr>
@@ -747,9 +764,13 @@
             <a:ext cx="6096075" cy="3429000"/>
           </a:xfrm>
           <a:custGeom>
-            <a:rect b="b" l="l" r="r" t="t"/>
+            <a:avLst/>
+            <a:gdLst/>
+            <a:ahLst/>
+            <a:cxnLst/>
+            <a:rect l="l" t="t" r="r" b="b"/>
             <a:pathLst>
-              <a:path extrusionOk="0" h="120000" w="120000">
+              <a:path w="120000" h="120000" extrusionOk="0">
                 <a:moveTo>
                   <a:pt x="0" y="0"/>
                 </a:moveTo>
@@ -771,9 +792,11 @@
       <p:sp>
         <p:nvSpPr>
           <p:cNvPr id="52" name="Google Shape;52;p:notes"/>
-          <p:cNvSpPr txBox="1"/>
+          <p:cNvSpPr txBox="1">
+            <a:spLocks noGrp="1"/>
+          </p:cNvSpPr>
           <p:nvPr>
-            <p:ph idx="1" type="body"/>
+            <p:ph type="body" idx="1"/>
           </p:nvPr>
         </p:nvSpPr>
         <p:spPr>
@@ -786,12 +809,12 @@
           </a:prstGeom>
         </p:spPr>
         <p:txBody>
-          <a:bodyPr anchorCtr="0" anchor="t" bIns="91425" lIns="91425" spcFirstLastPara="1" rIns="91425" wrap="square" tIns="91425">
+          <a:bodyPr spcFirstLastPara="1" wrap="square" lIns="91425" tIns="91425" rIns="91425" bIns="91425" anchor="t" anchorCtr="0">
             <a:noAutofit/>
           </a:bodyPr>
           <a:lstStyle/>
           <a:p>
-            <a:pPr indent="0" lvl="0" marL="0" rtl="0" algn="l">
+            <a:pPr marL="0" lvl="0" indent="0" algn="l" rtl="0">
               <a:spcBef>
                 <a:spcPts val="0"/>
               </a:spcBef>
@@ -800,9 +823,6 @@
               </a:spcAft>
               <a:buNone/>
             </a:pPr>
-            <a:r>
-              <a:t/>
-            </a:r>
             <a:endParaRPr/>
           </a:p>
         </p:txBody>
@@ -816,11 +836,11 @@
 </file>
 
 <file path=ppt/notesSlides/notesSlide10.xml><?xml version="1.0" encoding="utf-8"?>
-<p:notes xmlns:a="http://schemas.openxmlformats.org/drawingml/2006/main" xmlns:r="http://schemas.openxmlformats.org/officeDocument/2006/relationships" xmlns:mc="http://schemas.openxmlformats.org/markup-compatibility/2006" xmlns:mv="urn:schemas-microsoft-com:mac:vml" xmlns:p="http://schemas.openxmlformats.org/presentationml/2006/main" xmlns:c="http://schemas.openxmlformats.org/drawingml/2006/chart" xmlns:dgm="http://schemas.openxmlformats.org/drawingml/2006/diagram" xmlns:o="urn:schemas-microsoft-com:office:office" xmlns:v="urn:schemas-microsoft-com:vml" xmlns:pvml="urn:schemas-microsoft-com:office:powerpoint" xmlns:com="http://schemas.openxmlformats.org/drawingml/2006/compatibility" xmlns:p14="http://schemas.microsoft.com/office/powerpoint/2010/main" xmlns:p15="http://schemas.microsoft.com/office/powerpoint/2012/main" xmlns:ahyp="http://schemas.microsoft.com/office/drawing/2018/hyperlinkcolor" showMasterPhAnim="0" showMasterSp="0">
+<p:notes xmlns:a="http://schemas.openxmlformats.org/drawingml/2006/main" xmlns:r="http://schemas.openxmlformats.org/officeDocument/2006/relationships" xmlns:p="http://schemas.openxmlformats.org/presentationml/2006/main" showMasterSp="0" showMasterPhAnim="0">
   <p:cSld>
     <p:spTree>
       <p:nvGrpSpPr>
-        <p:cNvPr id="156" name="Shape 156"/>
+        <p:cNvPr id="1" name="Shape 156"/>
         <p:cNvGrpSpPr/>
         <p:nvPr/>
       </p:nvGrpSpPr>
@@ -835,9 +855,11 @@
       <p:sp>
         <p:nvSpPr>
           <p:cNvPr id="157" name="Google Shape;157;g2a2c8ed4687_0_161:notes"/>
-          <p:cNvSpPr/>
+          <p:cNvSpPr>
+            <a:spLocks noGrp="1" noRot="1" noChangeAspect="1"/>
+          </p:cNvSpPr>
           <p:nvPr>
-            <p:ph idx="2" type="sldImg"/>
+            <p:ph type="sldImg" idx="2"/>
           </p:nvPr>
         </p:nvSpPr>
         <p:spPr>
@@ -846,9 +868,13 @@
             <a:ext cx="6096000" cy="3429000"/>
           </a:xfrm>
           <a:custGeom>
-            <a:rect b="b" l="l" r="r" t="t"/>
+            <a:avLst/>
+            <a:gdLst/>
+            <a:ahLst/>
+            <a:cxnLst/>
+            <a:rect l="l" t="t" r="r" b="b"/>
             <a:pathLst>
-              <a:path extrusionOk="0" h="120000" w="120000">
+              <a:path w="120000" h="120000" extrusionOk="0">
                 <a:moveTo>
                   <a:pt x="0" y="0"/>
                 </a:moveTo>
@@ -870,9 +896,11 @@
       <p:sp>
         <p:nvSpPr>
           <p:cNvPr id="158" name="Google Shape;158;g2a2c8ed4687_0_161:notes"/>
-          <p:cNvSpPr txBox="1"/>
+          <p:cNvSpPr txBox="1">
+            <a:spLocks noGrp="1"/>
+          </p:cNvSpPr>
           <p:nvPr>
-            <p:ph idx="1" type="body"/>
+            <p:ph type="body" idx="1"/>
           </p:nvPr>
         </p:nvSpPr>
         <p:spPr>
@@ -885,12 +913,12 @@
           </a:prstGeom>
         </p:spPr>
         <p:txBody>
-          <a:bodyPr anchorCtr="0" anchor="t" bIns="91425" lIns="91425" spcFirstLastPara="1" rIns="91425" wrap="square" tIns="91425">
+          <a:bodyPr spcFirstLastPara="1" wrap="square" lIns="91425" tIns="91425" rIns="91425" bIns="91425" anchor="t" anchorCtr="0">
             <a:noAutofit/>
           </a:bodyPr>
           <a:lstStyle/>
           <a:p>
-            <a:pPr indent="0" lvl="0" marL="0" rtl="0" algn="l">
+            <a:pPr marL="0" lvl="0" indent="0" algn="l" rtl="0">
               <a:spcBef>
                 <a:spcPts val="0"/>
               </a:spcBef>
@@ -899,9 +927,6 @@
               </a:spcAft>
               <a:buNone/>
             </a:pPr>
-            <a:r>
-              <a:t/>
-            </a:r>
             <a:endParaRPr/>
           </a:p>
         </p:txBody>
@@ -915,11 +940,11 @@
 </file>
 
 <file path=ppt/notesSlides/notesSlide2.xml><?xml version="1.0" encoding="utf-8"?>
-<p:notes xmlns:a="http://schemas.openxmlformats.org/drawingml/2006/main" xmlns:r="http://schemas.openxmlformats.org/officeDocument/2006/relationships" xmlns:mc="http://schemas.openxmlformats.org/markup-compatibility/2006" xmlns:mv="urn:schemas-microsoft-com:mac:vml" xmlns:p="http://schemas.openxmlformats.org/presentationml/2006/main" xmlns:c="http://schemas.openxmlformats.org/drawingml/2006/chart" xmlns:dgm="http://schemas.openxmlformats.org/drawingml/2006/diagram" xmlns:o="urn:schemas-microsoft-com:office:office" xmlns:v="urn:schemas-microsoft-com:vml" xmlns:pvml="urn:schemas-microsoft-com:office:powerpoint" xmlns:com="http://schemas.openxmlformats.org/drawingml/2006/compatibility" xmlns:p14="http://schemas.microsoft.com/office/powerpoint/2010/main" xmlns:p15="http://schemas.microsoft.com/office/powerpoint/2012/main" xmlns:ahyp="http://schemas.microsoft.com/office/drawing/2018/hyperlinkcolor" showMasterPhAnim="0" showMasterSp="0">
+<p:notes xmlns:a="http://schemas.openxmlformats.org/drawingml/2006/main" xmlns:r="http://schemas.openxmlformats.org/officeDocument/2006/relationships" xmlns:p="http://schemas.openxmlformats.org/presentationml/2006/main" showMasterSp="0" showMasterPhAnim="0">
   <p:cSld>
     <p:spTree>
       <p:nvGrpSpPr>
-        <p:cNvPr id="59" name="Shape 59"/>
+        <p:cNvPr id="1" name="Shape 59"/>
         <p:cNvGrpSpPr/>
         <p:nvPr/>
       </p:nvGrpSpPr>
@@ -934,20 +959,26 @@
       <p:sp>
         <p:nvSpPr>
           <p:cNvPr id="60" name="Google Shape;60;g2a2c8ed4687_0_6:notes"/>
-          <p:cNvSpPr/>
+          <p:cNvSpPr>
+            <a:spLocks noGrp="1" noRot="1" noChangeAspect="1"/>
+          </p:cNvSpPr>
           <p:nvPr>
-            <p:ph idx="2" type="sldImg"/>
+            <p:ph type="sldImg" idx="2"/>
           </p:nvPr>
         </p:nvSpPr>
         <p:spPr>
           <a:xfrm>
-            <a:off x="381300" y="685800"/>
+            <a:off x="381000" y="685800"/>
             <a:ext cx="6096000" cy="3429000"/>
           </a:xfrm>
           <a:custGeom>
-            <a:rect b="b" l="l" r="r" t="t"/>
+            <a:avLst/>
+            <a:gdLst/>
+            <a:ahLst/>
+            <a:cxnLst/>
+            <a:rect l="l" t="t" r="r" b="b"/>
             <a:pathLst>
-              <a:path extrusionOk="0" h="120000" w="120000">
+              <a:path w="120000" h="120000" extrusionOk="0">
                 <a:moveTo>
                   <a:pt x="0" y="0"/>
                 </a:moveTo>
@@ -969,9 +1000,11 @@
       <p:sp>
         <p:nvSpPr>
           <p:cNvPr id="61" name="Google Shape;61;g2a2c8ed4687_0_6:notes"/>
-          <p:cNvSpPr txBox="1"/>
+          <p:cNvSpPr txBox="1">
+            <a:spLocks noGrp="1"/>
+          </p:cNvSpPr>
           <p:nvPr>
-            <p:ph idx="1" type="body"/>
+            <p:ph type="body" idx="1"/>
           </p:nvPr>
         </p:nvSpPr>
         <p:spPr>
@@ -984,12 +1017,12 @@
           </a:prstGeom>
         </p:spPr>
         <p:txBody>
-          <a:bodyPr anchorCtr="0" anchor="t" bIns="91425" lIns="91425" spcFirstLastPara="1" rIns="91425" wrap="square" tIns="91425">
+          <a:bodyPr spcFirstLastPara="1" wrap="square" lIns="91425" tIns="91425" rIns="91425" bIns="91425" anchor="t" anchorCtr="0">
             <a:noAutofit/>
           </a:bodyPr>
           <a:lstStyle/>
           <a:p>
-            <a:pPr indent="0" lvl="0" marL="0" rtl="0" algn="l">
+            <a:pPr marL="0" lvl="0" indent="0" algn="l" rtl="0">
               <a:spcBef>
                 <a:spcPts val="0"/>
               </a:spcBef>
@@ -998,9 +1031,6 @@
               </a:spcAft>
               <a:buNone/>
             </a:pPr>
-            <a:r>
-              <a:t/>
-            </a:r>
             <a:endParaRPr/>
           </a:p>
         </p:txBody>
@@ -1014,11 +1044,11 @@
 </file>
 
 <file path=ppt/notesSlides/notesSlide3.xml><?xml version="1.0" encoding="utf-8"?>
-<p:notes xmlns:a="http://schemas.openxmlformats.org/drawingml/2006/main" xmlns:r="http://schemas.openxmlformats.org/officeDocument/2006/relationships" xmlns:mc="http://schemas.openxmlformats.org/markup-compatibility/2006" xmlns:mv="urn:schemas-microsoft-com:mac:vml" xmlns:p="http://schemas.openxmlformats.org/presentationml/2006/main" xmlns:c="http://schemas.openxmlformats.org/drawingml/2006/chart" xmlns:dgm="http://schemas.openxmlformats.org/drawingml/2006/diagram" xmlns:o="urn:schemas-microsoft-com:office:office" xmlns:v="urn:schemas-microsoft-com:vml" xmlns:pvml="urn:schemas-microsoft-com:office:powerpoint" xmlns:com="http://schemas.openxmlformats.org/drawingml/2006/compatibility" xmlns:p14="http://schemas.microsoft.com/office/powerpoint/2010/main" xmlns:p15="http://schemas.microsoft.com/office/powerpoint/2012/main" xmlns:ahyp="http://schemas.microsoft.com/office/drawing/2018/hyperlinkcolor" showMasterPhAnim="0" showMasterSp="0">
+<p:notes xmlns:a="http://schemas.openxmlformats.org/drawingml/2006/main" xmlns:r="http://schemas.openxmlformats.org/officeDocument/2006/relationships" xmlns:p="http://schemas.openxmlformats.org/presentationml/2006/main" showMasterSp="0" showMasterPhAnim="0">
   <p:cSld>
     <p:spTree>
       <p:nvGrpSpPr>
-        <p:cNvPr id="69" name="Shape 69"/>
+        <p:cNvPr id="1" name="Shape 69"/>
         <p:cNvGrpSpPr/>
         <p:nvPr/>
       </p:nvGrpSpPr>
@@ -1033,20 +1063,26 @@
       <p:sp>
         <p:nvSpPr>
           <p:cNvPr id="70" name="Google Shape;70;g2a2c8ed4687_0_26:notes"/>
-          <p:cNvSpPr/>
+          <p:cNvSpPr>
+            <a:spLocks noGrp="1" noRot="1" noChangeAspect="1"/>
+          </p:cNvSpPr>
           <p:nvPr>
-            <p:ph idx="2" type="sldImg"/>
+            <p:ph type="sldImg" idx="2"/>
           </p:nvPr>
         </p:nvSpPr>
         <p:spPr>
           <a:xfrm>
-            <a:off x="381300" y="685800"/>
+            <a:off x="381000" y="685800"/>
             <a:ext cx="6096000" cy="3429000"/>
           </a:xfrm>
           <a:custGeom>
-            <a:rect b="b" l="l" r="r" t="t"/>
+            <a:avLst/>
+            <a:gdLst/>
+            <a:ahLst/>
+            <a:cxnLst/>
+            <a:rect l="l" t="t" r="r" b="b"/>
             <a:pathLst>
-              <a:path extrusionOk="0" h="120000" w="120000">
+              <a:path w="120000" h="120000" extrusionOk="0">
                 <a:moveTo>
                   <a:pt x="0" y="0"/>
                 </a:moveTo>
@@ -1068,9 +1104,11 @@
       <p:sp>
         <p:nvSpPr>
           <p:cNvPr id="71" name="Google Shape;71;g2a2c8ed4687_0_26:notes"/>
-          <p:cNvSpPr txBox="1"/>
+          <p:cNvSpPr txBox="1">
+            <a:spLocks noGrp="1"/>
+          </p:cNvSpPr>
           <p:nvPr>
-            <p:ph idx="1" type="body"/>
+            <p:ph type="body" idx="1"/>
           </p:nvPr>
         </p:nvSpPr>
         <p:spPr>
@@ -1083,12 +1121,12 @@
           </a:prstGeom>
         </p:spPr>
         <p:txBody>
-          <a:bodyPr anchorCtr="0" anchor="t" bIns="91425" lIns="91425" spcFirstLastPara="1" rIns="91425" wrap="square" tIns="91425">
+          <a:bodyPr spcFirstLastPara="1" wrap="square" lIns="91425" tIns="91425" rIns="91425" bIns="91425" anchor="t" anchorCtr="0">
             <a:noAutofit/>
           </a:bodyPr>
           <a:lstStyle/>
           <a:p>
-            <a:pPr indent="0" lvl="0" marL="0" rtl="0" algn="l">
+            <a:pPr marL="0" lvl="0" indent="0" algn="l" rtl="0">
               <a:spcBef>
                 <a:spcPts val="0"/>
               </a:spcBef>
@@ -1097,9 +1135,6 @@
               </a:spcAft>
               <a:buNone/>
             </a:pPr>
-            <a:r>
-              <a:t/>
-            </a:r>
             <a:endParaRPr/>
           </a:p>
         </p:txBody>
@@ -1113,11 +1148,11 @@
 </file>
 
 <file path=ppt/notesSlides/notesSlide4.xml><?xml version="1.0" encoding="utf-8"?>
-<p:notes xmlns:a="http://schemas.openxmlformats.org/drawingml/2006/main" xmlns:r="http://schemas.openxmlformats.org/officeDocument/2006/relationships" xmlns:mc="http://schemas.openxmlformats.org/markup-compatibility/2006" xmlns:mv="urn:schemas-microsoft-com:mac:vml" xmlns:p="http://schemas.openxmlformats.org/presentationml/2006/main" xmlns:c="http://schemas.openxmlformats.org/drawingml/2006/chart" xmlns:dgm="http://schemas.openxmlformats.org/drawingml/2006/diagram" xmlns:o="urn:schemas-microsoft-com:office:office" xmlns:v="urn:schemas-microsoft-com:vml" xmlns:pvml="urn:schemas-microsoft-com:office:powerpoint" xmlns:com="http://schemas.openxmlformats.org/drawingml/2006/compatibility" xmlns:p14="http://schemas.microsoft.com/office/powerpoint/2010/main" xmlns:p15="http://schemas.microsoft.com/office/powerpoint/2012/main" xmlns:ahyp="http://schemas.microsoft.com/office/drawing/2018/hyperlinkcolor" showMasterPhAnim="0" showMasterSp="0">
+<p:notes xmlns:a="http://schemas.openxmlformats.org/drawingml/2006/main" xmlns:r="http://schemas.openxmlformats.org/officeDocument/2006/relationships" xmlns:p="http://schemas.openxmlformats.org/presentationml/2006/main" showMasterSp="0" showMasterPhAnim="0">
   <p:cSld>
     <p:spTree>
       <p:nvGrpSpPr>
-        <p:cNvPr id="80" name="Shape 80"/>
+        <p:cNvPr id="1" name="Shape 80"/>
         <p:cNvGrpSpPr/>
         <p:nvPr/>
       </p:nvGrpSpPr>
@@ -1132,9 +1167,11 @@
       <p:sp>
         <p:nvSpPr>
           <p:cNvPr id="81" name="Google Shape;81;g2a2c8ed4687_0_45:notes"/>
-          <p:cNvSpPr/>
+          <p:cNvSpPr>
+            <a:spLocks noGrp="1" noRot="1" noChangeAspect="1"/>
+          </p:cNvSpPr>
           <p:nvPr>
-            <p:ph idx="2" type="sldImg"/>
+            <p:ph type="sldImg" idx="2"/>
           </p:nvPr>
         </p:nvSpPr>
         <p:spPr>
@@ -1143,9 +1180,13 @@
             <a:ext cx="6096000" cy="3429000"/>
           </a:xfrm>
           <a:custGeom>
-            <a:rect b="b" l="l" r="r" t="t"/>
+            <a:avLst/>
+            <a:gdLst/>
+            <a:ahLst/>
+            <a:cxnLst/>
+            <a:rect l="l" t="t" r="r" b="b"/>
             <a:pathLst>
-              <a:path extrusionOk="0" h="120000" w="120000">
+              <a:path w="120000" h="120000" extrusionOk="0">
                 <a:moveTo>
                   <a:pt x="0" y="0"/>
                 </a:moveTo>
@@ -1167,9 +1208,11 @@
       <p:sp>
         <p:nvSpPr>
           <p:cNvPr id="82" name="Google Shape;82;g2a2c8ed4687_0_45:notes"/>
-          <p:cNvSpPr txBox="1"/>
+          <p:cNvSpPr txBox="1">
+            <a:spLocks noGrp="1"/>
+          </p:cNvSpPr>
           <p:nvPr>
-            <p:ph idx="1" type="body"/>
+            <p:ph type="body" idx="1"/>
           </p:nvPr>
         </p:nvSpPr>
         <p:spPr>
@@ -1182,12 +1225,12 @@
           </a:prstGeom>
         </p:spPr>
         <p:txBody>
-          <a:bodyPr anchorCtr="0" anchor="t" bIns="91425" lIns="91425" spcFirstLastPara="1" rIns="91425" wrap="square" tIns="91425">
+          <a:bodyPr spcFirstLastPara="1" wrap="square" lIns="91425" tIns="91425" rIns="91425" bIns="91425" anchor="t" anchorCtr="0">
             <a:noAutofit/>
           </a:bodyPr>
           <a:lstStyle/>
           <a:p>
-            <a:pPr indent="0" lvl="0" marL="0" rtl="0" algn="l">
+            <a:pPr marL="0" lvl="0" indent="0" algn="l" rtl="0">
               <a:spcBef>
                 <a:spcPts val="0"/>
               </a:spcBef>
@@ -1196,9 +1239,6 @@
               </a:spcAft>
               <a:buNone/>
             </a:pPr>
-            <a:r>
-              <a:t/>
-            </a:r>
             <a:endParaRPr/>
           </a:p>
         </p:txBody>
@@ -1212,11 +1252,11 @@
 </file>
 
 <file path=ppt/notesSlides/notesSlide5.xml><?xml version="1.0" encoding="utf-8"?>
-<p:notes xmlns:a="http://schemas.openxmlformats.org/drawingml/2006/main" xmlns:r="http://schemas.openxmlformats.org/officeDocument/2006/relationships" xmlns:mc="http://schemas.openxmlformats.org/markup-compatibility/2006" xmlns:mv="urn:schemas-microsoft-com:mac:vml" xmlns:p="http://schemas.openxmlformats.org/presentationml/2006/main" xmlns:c="http://schemas.openxmlformats.org/drawingml/2006/chart" xmlns:dgm="http://schemas.openxmlformats.org/drawingml/2006/diagram" xmlns:o="urn:schemas-microsoft-com:office:office" xmlns:v="urn:schemas-microsoft-com:vml" xmlns:pvml="urn:schemas-microsoft-com:office:powerpoint" xmlns:com="http://schemas.openxmlformats.org/drawingml/2006/compatibility" xmlns:p14="http://schemas.microsoft.com/office/powerpoint/2010/main" xmlns:p15="http://schemas.microsoft.com/office/powerpoint/2012/main" xmlns:ahyp="http://schemas.microsoft.com/office/drawing/2018/hyperlinkcolor" showMasterPhAnim="0" showMasterSp="0">
+<p:notes xmlns:a="http://schemas.openxmlformats.org/drawingml/2006/main" xmlns:r="http://schemas.openxmlformats.org/officeDocument/2006/relationships" xmlns:p="http://schemas.openxmlformats.org/presentationml/2006/main" showMasterSp="0" showMasterPhAnim="0">
   <p:cSld>
     <p:spTree>
       <p:nvGrpSpPr>
-        <p:cNvPr id="90" name="Shape 90"/>
+        <p:cNvPr id="1" name="Shape 90"/>
         <p:cNvGrpSpPr/>
         <p:nvPr/>
       </p:nvGrpSpPr>
@@ -1231,9 +1271,11 @@
       <p:sp>
         <p:nvSpPr>
           <p:cNvPr id="91" name="Google Shape;91;g2a2c8ed4687_0_66:notes"/>
-          <p:cNvSpPr/>
+          <p:cNvSpPr>
+            <a:spLocks noGrp="1" noRot="1" noChangeAspect="1"/>
+          </p:cNvSpPr>
           <p:nvPr>
-            <p:ph idx="2" type="sldImg"/>
+            <p:ph type="sldImg" idx="2"/>
           </p:nvPr>
         </p:nvSpPr>
         <p:spPr>
@@ -1242,9 +1284,13 @@
             <a:ext cx="6096000" cy="3429000"/>
           </a:xfrm>
           <a:custGeom>
-            <a:rect b="b" l="l" r="r" t="t"/>
+            <a:avLst/>
+            <a:gdLst/>
+            <a:ahLst/>
+            <a:cxnLst/>
+            <a:rect l="l" t="t" r="r" b="b"/>
             <a:pathLst>
-              <a:path extrusionOk="0" h="120000" w="120000">
+              <a:path w="120000" h="120000" extrusionOk="0">
                 <a:moveTo>
                   <a:pt x="0" y="0"/>
                 </a:moveTo>
@@ -1266,9 +1312,11 @@
       <p:sp>
         <p:nvSpPr>
           <p:cNvPr id="92" name="Google Shape;92;g2a2c8ed4687_0_66:notes"/>
-          <p:cNvSpPr txBox="1"/>
+          <p:cNvSpPr txBox="1">
+            <a:spLocks noGrp="1"/>
+          </p:cNvSpPr>
           <p:nvPr>
-            <p:ph idx="1" type="body"/>
+            <p:ph type="body" idx="1"/>
           </p:nvPr>
         </p:nvSpPr>
         <p:spPr>
@@ -1281,12 +1329,12 @@
           </a:prstGeom>
         </p:spPr>
         <p:txBody>
-          <a:bodyPr anchorCtr="0" anchor="t" bIns="91425" lIns="91425" spcFirstLastPara="1" rIns="91425" wrap="square" tIns="91425">
+          <a:bodyPr spcFirstLastPara="1" wrap="square" lIns="91425" tIns="91425" rIns="91425" bIns="91425" anchor="t" anchorCtr="0">
             <a:noAutofit/>
           </a:bodyPr>
           <a:lstStyle/>
           <a:p>
-            <a:pPr indent="0" lvl="0" marL="0" rtl="0" algn="l">
+            <a:pPr marL="0" lvl="0" indent="0" algn="l" rtl="0">
               <a:spcBef>
                 <a:spcPts val="0"/>
               </a:spcBef>
@@ -1295,9 +1343,6 @@
               </a:spcAft>
               <a:buNone/>
             </a:pPr>
-            <a:r>
-              <a:t/>
-            </a:r>
             <a:endParaRPr/>
           </a:p>
         </p:txBody>
@@ -1311,11 +1356,11 @@
 </file>
 
 <file path=ppt/notesSlides/notesSlide6.xml><?xml version="1.0" encoding="utf-8"?>
-<p:notes xmlns:a="http://schemas.openxmlformats.org/drawingml/2006/main" xmlns:r="http://schemas.openxmlformats.org/officeDocument/2006/relationships" xmlns:mc="http://schemas.openxmlformats.org/markup-compatibility/2006" xmlns:mv="urn:schemas-microsoft-com:mac:vml" xmlns:p="http://schemas.openxmlformats.org/presentationml/2006/main" xmlns:c="http://schemas.openxmlformats.org/drawingml/2006/chart" xmlns:dgm="http://schemas.openxmlformats.org/drawingml/2006/diagram" xmlns:o="urn:schemas-microsoft-com:office:office" xmlns:v="urn:schemas-microsoft-com:vml" xmlns:pvml="urn:schemas-microsoft-com:office:powerpoint" xmlns:com="http://schemas.openxmlformats.org/drawingml/2006/compatibility" xmlns:p14="http://schemas.microsoft.com/office/powerpoint/2010/main" xmlns:p15="http://schemas.microsoft.com/office/powerpoint/2012/main" xmlns:ahyp="http://schemas.microsoft.com/office/drawing/2018/hyperlinkcolor" showMasterPhAnim="0" showMasterSp="0">
+<p:notes xmlns:a="http://schemas.openxmlformats.org/drawingml/2006/main" xmlns:r="http://schemas.openxmlformats.org/officeDocument/2006/relationships" xmlns:p="http://schemas.openxmlformats.org/presentationml/2006/main" showMasterSp="0" showMasterPhAnim="0">
   <p:cSld>
     <p:spTree>
       <p:nvGrpSpPr>
-        <p:cNvPr id="107" name="Shape 107"/>
+        <p:cNvPr id="1" name="Shape 107"/>
         <p:cNvGrpSpPr/>
         <p:nvPr/>
       </p:nvGrpSpPr>
@@ -1330,9 +1375,11 @@
       <p:sp>
         <p:nvSpPr>
           <p:cNvPr id="108" name="Google Shape;108;g2a2c8ed4687_0_84:notes"/>
-          <p:cNvSpPr/>
+          <p:cNvSpPr>
+            <a:spLocks noGrp="1" noRot="1" noChangeAspect="1"/>
+          </p:cNvSpPr>
           <p:nvPr>
-            <p:ph idx="2" type="sldImg"/>
+            <p:ph type="sldImg" idx="2"/>
           </p:nvPr>
         </p:nvSpPr>
         <p:spPr>
@@ -1341,9 +1388,13 @@
             <a:ext cx="6096000" cy="3429000"/>
           </a:xfrm>
           <a:custGeom>
-            <a:rect b="b" l="l" r="r" t="t"/>
+            <a:avLst/>
+            <a:gdLst/>
+            <a:ahLst/>
+            <a:cxnLst/>
+            <a:rect l="l" t="t" r="r" b="b"/>
             <a:pathLst>
-              <a:path extrusionOk="0" h="120000" w="120000">
+              <a:path w="120000" h="120000" extrusionOk="0">
                 <a:moveTo>
                   <a:pt x="0" y="0"/>
                 </a:moveTo>
@@ -1365,9 +1416,11 @@
       <p:sp>
         <p:nvSpPr>
           <p:cNvPr id="109" name="Google Shape;109;g2a2c8ed4687_0_84:notes"/>
-          <p:cNvSpPr txBox="1"/>
+          <p:cNvSpPr txBox="1">
+            <a:spLocks noGrp="1"/>
+          </p:cNvSpPr>
           <p:nvPr>
-            <p:ph idx="1" type="body"/>
+            <p:ph type="body" idx="1"/>
           </p:nvPr>
         </p:nvSpPr>
         <p:spPr>
@@ -1380,12 +1433,12 @@
           </a:prstGeom>
         </p:spPr>
         <p:txBody>
-          <a:bodyPr anchorCtr="0" anchor="t" bIns="91425" lIns="91425" spcFirstLastPara="1" rIns="91425" wrap="square" tIns="91425">
+          <a:bodyPr spcFirstLastPara="1" wrap="square" lIns="91425" tIns="91425" rIns="91425" bIns="91425" anchor="t" anchorCtr="0">
             <a:noAutofit/>
           </a:bodyPr>
           <a:lstStyle/>
           <a:p>
-            <a:pPr indent="0" lvl="0" marL="0" rtl="0" algn="l">
+            <a:pPr marL="0" lvl="0" indent="0" algn="l" rtl="0">
               <a:spcBef>
                 <a:spcPts val="0"/>
               </a:spcBef>
@@ -1394,9 +1447,6 @@
               </a:spcAft>
               <a:buNone/>
             </a:pPr>
-            <a:r>
-              <a:t/>
-            </a:r>
             <a:endParaRPr/>
           </a:p>
         </p:txBody>
@@ -1410,11 +1460,11 @@
 </file>
 
 <file path=ppt/notesSlides/notesSlide7.xml><?xml version="1.0" encoding="utf-8"?>
-<p:notes xmlns:a="http://schemas.openxmlformats.org/drawingml/2006/main" xmlns:r="http://schemas.openxmlformats.org/officeDocument/2006/relationships" xmlns:mc="http://schemas.openxmlformats.org/markup-compatibility/2006" xmlns:mv="urn:schemas-microsoft-com:mac:vml" xmlns:p="http://schemas.openxmlformats.org/presentationml/2006/main" xmlns:c="http://schemas.openxmlformats.org/drawingml/2006/chart" xmlns:dgm="http://schemas.openxmlformats.org/drawingml/2006/diagram" xmlns:o="urn:schemas-microsoft-com:office:office" xmlns:v="urn:schemas-microsoft-com:vml" xmlns:pvml="urn:schemas-microsoft-com:office:powerpoint" xmlns:com="http://schemas.openxmlformats.org/drawingml/2006/compatibility" xmlns:p14="http://schemas.microsoft.com/office/powerpoint/2010/main" xmlns:p15="http://schemas.microsoft.com/office/powerpoint/2012/main" xmlns:ahyp="http://schemas.microsoft.com/office/drawing/2018/hyperlinkcolor" showMasterPhAnim="0" showMasterSp="0">
+<p:notes xmlns:a="http://schemas.openxmlformats.org/drawingml/2006/main" xmlns:r="http://schemas.openxmlformats.org/officeDocument/2006/relationships" xmlns:p="http://schemas.openxmlformats.org/presentationml/2006/main" showMasterSp="0" showMasterPhAnim="0">
   <p:cSld>
     <p:spTree>
       <p:nvGrpSpPr>
-        <p:cNvPr id="122" name="Shape 122"/>
+        <p:cNvPr id="1" name="Shape 122"/>
         <p:cNvGrpSpPr/>
         <p:nvPr/>
       </p:nvGrpSpPr>
@@ -1429,9 +1479,11 @@
       <p:sp>
         <p:nvSpPr>
           <p:cNvPr id="123" name="Google Shape;123;g2a2c8ed4687_0_100:notes"/>
-          <p:cNvSpPr/>
+          <p:cNvSpPr>
+            <a:spLocks noGrp="1" noRot="1" noChangeAspect="1"/>
+          </p:cNvSpPr>
           <p:nvPr>
-            <p:ph idx="2" type="sldImg"/>
+            <p:ph type="sldImg" idx="2"/>
           </p:nvPr>
         </p:nvSpPr>
         <p:spPr>
@@ -1440,9 +1492,13 @@
             <a:ext cx="6096000" cy="3429000"/>
           </a:xfrm>
           <a:custGeom>
-            <a:rect b="b" l="l" r="r" t="t"/>
+            <a:avLst/>
+            <a:gdLst/>
+            <a:ahLst/>
+            <a:cxnLst/>
+            <a:rect l="l" t="t" r="r" b="b"/>
             <a:pathLst>
-              <a:path extrusionOk="0" h="120000" w="120000">
+              <a:path w="120000" h="120000" extrusionOk="0">
                 <a:moveTo>
                   <a:pt x="0" y="0"/>
                 </a:moveTo>
@@ -1464,9 +1520,11 @@
       <p:sp>
         <p:nvSpPr>
           <p:cNvPr id="124" name="Google Shape;124;g2a2c8ed4687_0_100:notes"/>
-          <p:cNvSpPr txBox="1"/>
+          <p:cNvSpPr txBox="1">
+            <a:spLocks noGrp="1"/>
+          </p:cNvSpPr>
           <p:nvPr>
-            <p:ph idx="1" type="body"/>
+            <p:ph type="body" idx="1"/>
           </p:nvPr>
         </p:nvSpPr>
         <p:spPr>
@@ -1479,12 +1537,12 @@
           </a:prstGeom>
         </p:spPr>
         <p:txBody>
-          <a:bodyPr anchorCtr="0" anchor="t" bIns="91425" lIns="91425" spcFirstLastPara="1" rIns="91425" wrap="square" tIns="91425">
+          <a:bodyPr spcFirstLastPara="1" wrap="square" lIns="91425" tIns="91425" rIns="91425" bIns="91425" anchor="t" anchorCtr="0">
             <a:noAutofit/>
           </a:bodyPr>
           <a:lstStyle/>
           <a:p>
-            <a:pPr indent="0" lvl="0" marL="0" rtl="0" algn="l">
+            <a:pPr marL="0" lvl="0" indent="0" algn="l" rtl="0">
               <a:spcBef>
                 <a:spcPts val="0"/>
               </a:spcBef>
@@ -1493,9 +1551,6 @@
               </a:spcAft>
               <a:buNone/>
             </a:pPr>
-            <a:r>
-              <a:t/>
-            </a:r>
             <a:endParaRPr/>
           </a:p>
         </p:txBody>
@@ -1509,11 +1564,11 @@
 </file>
 
 <file path=ppt/notesSlides/notesSlide8.xml><?xml version="1.0" encoding="utf-8"?>
-<p:notes xmlns:a="http://schemas.openxmlformats.org/drawingml/2006/main" xmlns:r="http://schemas.openxmlformats.org/officeDocument/2006/relationships" xmlns:mc="http://schemas.openxmlformats.org/markup-compatibility/2006" xmlns:mv="urn:schemas-microsoft-com:mac:vml" xmlns:p="http://schemas.openxmlformats.org/presentationml/2006/main" xmlns:c="http://schemas.openxmlformats.org/drawingml/2006/chart" xmlns:dgm="http://schemas.openxmlformats.org/drawingml/2006/diagram" xmlns:o="urn:schemas-microsoft-com:office:office" xmlns:v="urn:schemas-microsoft-com:vml" xmlns:pvml="urn:schemas-microsoft-com:office:powerpoint" xmlns:com="http://schemas.openxmlformats.org/drawingml/2006/compatibility" xmlns:p14="http://schemas.microsoft.com/office/powerpoint/2010/main" xmlns:p15="http://schemas.microsoft.com/office/powerpoint/2012/main" xmlns:ahyp="http://schemas.microsoft.com/office/drawing/2018/hyperlinkcolor" showMasterPhAnim="0" showMasterSp="0">
+<p:notes xmlns:a="http://schemas.openxmlformats.org/drawingml/2006/main" xmlns:r="http://schemas.openxmlformats.org/officeDocument/2006/relationships" xmlns:p="http://schemas.openxmlformats.org/presentationml/2006/main" showMasterSp="0" showMasterPhAnim="0">
   <p:cSld>
     <p:spTree>
       <p:nvGrpSpPr>
-        <p:cNvPr id="135" name="Shape 135"/>
+        <p:cNvPr id="1" name="Shape 135"/>
         <p:cNvGrpSpPr/>
         <p:nvPr/>
       </p:nvGrpSpPr>
@@ -1528,9 +1583,11 @@
       <p:sp>
         <p:nvSpPr>
           <p:cNvPr id="136" name="Google Shape;136;g2a2c8ed4687_0_116:notes"/>
-          <p:cNvSpPr/>
+          <p:cNvSpPr>
+            <a:spLocks noGrp="1" noRot="1" noChangeAspect="1"/>
+          </p:cNvSpPr>
           <p:nvPr>
-            <p:ph idx="2" type="sldImg"/>
+            <p:ph type="sldImg" idx="2"/>
           </p:nvPr>
         </p:nvSpPr>
         <p:spPr>
@@ -1539,9 +1596,13 @@
             <a:ext cx="6096000" cy="3429000"/>
           </a:xfrm>
           <a:custGeom>
-            <a:rect b="b" l="l" r="r" t="t"/>
+            <a:avLst/>
+            <a:gdLst/>
+            <a:ahLst/>
+            <a:cxnLst/>
+            <a:rect l="l" t="t" r="r" b="b"/>
             <a:pathLst>
-              <a:path extrusionOk="0" h="120000" w="120000">
+              <a:path w="120000" h="120000" extrusionOk="0">
                 <a:moveTo>
                   <a:pt x="0" y="0"/>
                 </a:moveTo>
@@ -1563,9 +1624,11 @@
       <p:sp>
         <p:nvSpPr>
           <p:cNvPr id="137" name="Google Shape;137;g2a2c8ed4687_0_116:notes"/>
-          <p:cNvSpPr txBox="1"/>
+          <p:cNvSpPr txBox="1">
+            <a:spLocks noGrp="1"/>
+          </p:cNvSpPr>
           <p:nvPr>
-            <p:ph idx="1" type="body"/>
+            <p:ph type="body" idx="1"/>
           </p:nvPr>
         </p:nvSpPr>
         <p:spPr>
@@ -1578,12 +1641,12 @@
           </a:prstGeom>
         </p:spPr>
         <p:txBody>
-          <a:bodyPr anchorCtr="0" anchor="t" bIns="91425" lIns="91425" spcFirstLastPara="1" rIns="91425" wrap="square" tIns="91425">
+          <a:bodyPr spcFirstLastPara="1" wrap="square" lIns="91425" tIns="91425" rIns="91425" bIns="91425" anchor="t" anchorCtr="0">
             <a:noAutofit/>
           </a:bodyPr>
           <a:lstStyle/>
           <a:p>
-            <a:pPr indent="0" lvl="0" marL="0" rtl="0" algn="l">
+            <a:pPr marL="0" lvl="0" indent="0" algn="l" rtl="0">
               <a:spcBef>
                 <a:spcPts val="0"/>
               </a:spcBef>
@@ -1592,9 +1655,6 @@
               </a:spcAft>
               <a:buNone/>
             </a:pPr>
-            <a:r>
-              <a:t/>
-            </a:r>
             <a:endParaRPr/>
           </a:p>
         </p:txBody>
@@ -1608,11 +1668,11 @@
 </file>
 
 <file path=ppt/notesSlides/notesSlide9.xml><?xml version="1.0" encoding="utf-8"?>
-<p:notes xmlns:a="http://schemas.openxmlformats.org/drawingml/2006/main" xmlns:r="http://schemas.openxmlformats.org/officeDocument/2006/relationships" xmlns:mc="http://schemas.openxmlformats.org/markup-compatibility/2006" xmlns:mv="urn:schemas-microsoft-com:mac:vml" xmlns:p="http://schemas.openxmlformats.org/presentationml/2006/main" xmlns:c="http://schemas.openxmlformats.org/drawingml/2006/chart" xmlns:dgm="http://schemas.openxmlformats.org/drawingml/2006/diagram" xmlns:o="urn:schemas-microsoft-com:office:office" xmlns:v="urn:schemas-microsoft-com:vml" xmlns:pvml="urn:schemas-microsoft-com:office:powerpoint" xmlns:com="http://schemas.openxmlformats.org/drawingml/2006/compatibility" xmlns:p14="http://schemas.microsoft.com/office/powerpoint/2010/main" xmlns:p15="http://schemas.microsoft.com/office/powerpoint/2012/main" xmlns:ahyp="http://schemas.microsoft.com/office/drawing/2018/hyperlinkcolor" showMasterPhAnim="0" showMasterSp="0">
+<p:notes xmlns:a="http://schemas.openxmlformats.org/drawingml/2006/main" xmlns:r="http://schemas.openxmlformats.org/officeDocument/2006/relationships" xmlns:p="http://schemas.openxmlformats.org/presentationml/2006/main" showMasterSp="0" showMasterPhAnim="0">
   <p:cSld>
     <p:spTree>
       <p:nvGrpSpPr>
-        <p:cNvPr id="146" name="Shape 146"/>
+        <p:cNvPr id="1" name="Shape 146"/>
         <p:cNvGrpSpPr/>
         <p:nvPr/>
       </p:nvGrpSpPr>
@@ -1627,9 +1687,11 @@
       <p:sp>
         <p:nvSpPr>
           <p:cNvPr id="147" name="Google Shape;147;g2a2c8ed4687_0_151:notes"/>
-          <p:cNvSpPr/>
+          <p:cNvSpPr>
+            <a:spLocks noGrp="1" noRot="1" noChangeAspect="1"/>
+          </p:cNvSpPr>
           <p:nvPr>
-            <p:ph idx="2" type="sldImg"/>
+            <p:ph type="sldImg" idx="2"/>
           </p:nvPr>
         </p:nvSpPr>
         <p:spPr>
@@ -1638,9 +1700,13 @@
             <a:ext cx="6096000" cy="3429000"/>
           </a:xfrm>
           <a:custGeom>
-            <a:rect b="b" l="l" r="r" t="t"/>
+            <a:avLst/>
+            <a:gdLst/>
+            <a:ahLst/>
+            <a:cxnLst/>
+            <a:rect l="l" t="t" r="r" b="b"/>
             <a:pathLst>
-              <a:path extrusionOk="0" h="120000" w="120000">
+              <a:path w="120000" h="120000" extrusionOk="0">
                 <a:moveTo>
                   <a:pt x="0" y="0"/>
                 </a:moveTo>
@@ -1662,9 +1728,11 @@
       <p:sp>
         <p:nvSpPr>
           <p:cNvPr id="148" name="Google Shape;148;g2a2c8ed4687_0_151:notes"/>
-          <p:cNvSpPr txBox="1"/>
+          <p:cNvSpPr txBox="1">
+            <a:spLocks noGrp="1"/>
+          </p:cNvSpPr>
           <p:nvPr>
-            <p:ph idx="1" type="body"/>
+            <p:ph type="body" idx="1"/>
           </p:nvPr>
         </p:nvSpPr>
         <p:spPr>
@@ -1677,12 +1745,12 @@
           </a:prstGeom>
         </p:spPr>
         <p:txBody>
-          <a:bodyPr anchorCtr="0" anchor="t" bIns="91425" lIns="91425" spcFirstLastPara="1" rIns="91425" wrap="square" tIns="91425">
+          <a:bodyPr spcFirstLastPara="1" wrap="square" lIns="91425" tIns="91425" rIns="91425" bIns="91425" anchor="t" anchorCtr="0">
             <a:noAutofit/>
           </a:bodyPr>
           <a:lstStyle/>
           <a:p>
-            <a:pPr indent="0" lvl="0" marL="0" rtl="0" algn="l">
+            <a:pPr marL="0" lvl="0" indent="0" algn="l" rtl="0">
               <a:spcBef>
                 <a:spcPts val="0"/>
               </a:spcBef>
@@ -1691,9 +1759,6 @@
               </a:spcAft>
               <a:buNone/>
             </a:pPr>
-            <a:r>
-              <a:t/>
-            </a:r>
             <a:endParaRPr/>
           </a:p>
         </p:txBody>
@@ -1707,11 +1772,11 @@
 </file>
 
 <file path=ppt/slideLayouts/slideLayout1.xml><?xml version="1.0" encoding="utf-8"?>
-<p:sldLayout xmlns:a="http://schemas.openxmlformats.org/drawingml/2006/main" xmlns:r="http://schemas.openxmlformats.org/officeDocument/2006/relationships" xmlns:mc="http://schemas.openxmlformats.org/markup-compatibility/2006" xmlns:mv="urn:schemas-microsoft-com:mac:vml" xmlns:p="http://schemas.openxmlformats.org/presentationml/2006/main" xmlns:c="http://schemas.openxmlformats.org/drawingml/2006/chart" xmlns:dgm="http://schemas.openxmlformats.org/drawingml/2006/diagram" xmlns:o="urn:schemas-microsoft-com:office:office" xmlns:v="urn:schemas-microsoft-com:vml" xmlns:pvml="urn:schemas-microsoft-com:office:powerpoint" xmlns:com="http://schemas.openxmlformats.org/drawingml/2006/compatibility" xmlns:p14="http://schemas.microsoft.com/office/powerpoint/2010/main" xmlns:p15="http://schemas.microsoft.com/office/powerpoint/2012/main" xmlns:ahyp="http://schemas.microsoft.com/office/drawing/2018/hyperlinkcolor" matchingName="Title slide" type="title">
+<p:sldLayout xmlns:a="http://schemas.openxmlformats.org/drawingml/2006/main" xmlns:r="http://schemas.openxmlformats.org/officeDocument/2006/relationships" xmlns:p="http://schemas.openxmlformats.org/presentationml/2006/main" matchingName="Title slide" type="title">
   <p:cSld name="TITLE">
     <p:spTree>
       <p:nvGrpSpPr>
-        <p:cNvPr id="9" name="Shape 9"/>
+        <p:cNvPr id="1" name="Shape 9"/>
         <p:cNvGrpSpPr/>
         <p:nvPr/>
       </p:nvGrpSpPr>
@@ -1726,7 +1791,9 @@
       <p:sp>
         <p:nvSpPr>
           <p:cNvPr id="10" name="Google Shape;10;p2"/>
-          <p:cNvSpPr txBox="1"/>
+          <p:cNvSpPr txBox="1">
+            <a:spLocks noGrp="1"/>
+          </p:cNvSpPr>
           <p:nvPr>
             <p:ph type="ctrTitle"/>
           </p:nvPr>
@@ -1741,7 +1808,7 @@
           </a:prstGeom>
         </p:spPr>
         <p:txBody>
-          <a:bodyPr anchorCtr="0" anchor="b" bIns="91425" lIns="91425" spcFirstLastPara="1" rIns="91425" wrap="square" tIns="91425">
+          <a:bodyPr spcFirstLastPara="1" wrap="square" lIns="91425" tIns="91425" rIns="91425" bIns="91425" anchor="b" anchorCtr="0">
             <a:normAutofit/>
           </a:bodyPr>
           <a:lstStyle>
@@ -1845,15 +1912,19 @@
               <a:defRPr sz="5200"/>
             </a:lvl9pPr>
           </a:lstStyle>
-          <a:p/>
+          <a:p>
+            <a:endParaRPr/>
+          </a:p>
         </p:txBody>
       </p:sp>
       <p:sp>
         <p:nvSpPr>
           <p:cNvPr id="11" name="Google Shape;11;p2"/>
-          <p:cNvSpPr txBox="1"/>
+          <p:cNvSpPr txBox="1">
+            <a:spLocks noGrp="1"/>
+          </p:cNvSpPr>
           <p:nvPr>
-            <p:ph idx="1" type="subTitle"/>
+            <p:ph type="subTitle" idx="1"/>
           </p:nvPr>
         </p:nvSpPr>
         <p:spPr>
@@ -1866,7 +1937,7 @@
           </a:prstGeom>
         </p:spPr>
         <p:txBody>
-          <a:bodyPr anchorCtr="0" anchor="t" bIns="91425" lIns="91425" spcFirstLastPara="1" rIns="91425" wrap="square" tIns="91425">
+          <a:bodyPr spcFirstLastPara="1" wrap="square" lIns="91425" tIns="91425" rIns="91425" bIns="91425" anchor="t" anchorCtr="0">
             <a:normAutofit/>
           </a:bodyPr>
           <a:lstStyle>
@@ -1997,15 +2068,19 @@
               <a:defRPr sz="2800"/>
             </a:lvl9pPr>
           </a:lstStyle>
-          <a:p/>
+          <a:p>
+            <a:endParaRPr/>
+          </a:p>
         </p:txBody>
       </p:sp>
       <p:sp>
         <p:nvSpPr>
           <p:cNvPr id="12" name="Google Shape;12;p2"/>
-          <p:cNvSpPr txBox="1"/>
+          <p:cNvSpPr txBox="1">
+            <a:spLocks noGrp="1"/>
+          </p:cNvSpPr>
           <p:nvPr>
-            <p:ph idx="12" type="sldNum"/>
+            <p:ph type="sldNum" idx="12"/>
           </p:nvPr>
         </p:nvSpPr>
         <p:spPr>
@@ -2018,7 +2093,7 @@
           </a:prstGeom>
         </p:spPr>
         <p:txBody>
-          <a:bodyPr anchorCtr="0" anchor="ctr" bIns="91425" lIns="91425" spcFirstLastPara="1" rIns="91425" wrap="square" tIns="91425">
+          <a:bodyPr spcFirstLastPara="1" wrap="square" lIns="91425" tIns="91425" rIns="91425" bIns="91425" anchor="ctr" anchorCtr="0">
             <a:normAutofit/>
           </a:bodyPr>
           <a:lstStyle>
@@ -2060,7 +2135,7 @@
             </a:lvl9pPr>
           </a:lstStyle>
           <a:p>
-            <a:pPr indent="0" lvl="0" marL="0" rtl="0" algn="r">
+            <a:pPr marL="0" lvl="0" indent="0" algn="r" rtl="0">
               <a:spcBef>
                 <a:spcPts val="0"/>
               </a:spcBef>
@@ -2086,11 +2161,11 @@
 </file>
 
 <file path=ppt/slideLayouts/slideLayout10.xml><?xml version="1.0" encoding="utf-8"?>
-<p:sldLayout xmlns:a="http://schemas.openxmlformats.org/drawingml/2006/main" xmlns:r="http://schemas.openxmlformats.org/officeDocument/2006/relationships" xmlns:mc="http://schemas.openxmlformats.org/markup-compatibility/2006" xmlns:mv="urn:schemas-microsoft-com:mac:vml" xmlns:p="http://schemas.openxmlformats.org/presentationml/2006/main" xmlns:c="http://schemas.openxmlformats.org/drawingml/2006/chart" xmlns:dgm="http://schemas.openxmlformats.org/drawingml/2006/diagram" xmlns:o="urn:schemas-microsoft-com:office:office" xmlns:v="urn:schemas-microsoft-com:vml" xmlns:pvml="urn:schemas-microsoft-com:office:powerpoint" xmlns:com="http://schemas.openxmlformats.org/drawingml/2006/compatibility" xmlns:p14="http://schemas.microsoft.com/office/powerpoint/2010/main" xmlns:p15="http://schemas.microsoft.com/office/powerpoint/2012/main" xmlns:ahyp="http://schemas.microsoft.com/office/drawing/2018/hyperlinkcolor" matchingName="Big number">
+<p:sldLayout xmlns:a="http://schemas.openxmlformats.org/drawingml/2006/main" xmlns:r="http://schemas.openxmlformats.org/officeDocument/2006/relationships" xmlns:p="http://schemas.openxmlformats.org/presentationml/2006/main" matchingName="Big number">
   <p:cSld name="BIG_NUMBER">
     <p:spTree>
       <p:nvGrpSpPr>
-        <p:cNvPr id="44" name="Shape 44"/>
+        <p:cNvPr id="1" name="Shape 44"/>
         <p:cNvGrpSpPr/>
         <p:nvPr/>
       </p:nvGrpSpPr>
@@ -2105,9 +2180,11 @@
       <p:sp>
         <p:nvSpPr>
           <p:cNvPr id="45" name="Google Shape;45;p11"/>
-          <p:cNvSpPr txBox="1"/>
+          <p:cNvSpPr txBox="1">
+            <a:spLocks noGrp="1"/>
+          </p:cNvSpPr>
           <p:nvPr>
-            <p:ph hasCustomPrompt="1" type="title"/>
+            <p:ph type="title" hasCustomPrompt="1"/>
           </p:nvPr>
         </p:nvSpPr>
         <p:spPr>
@@ -2120,7 +2197,7 @@
           </a:prstGeom>
         </p:spPr>
         <p:txBody>
-          <a:bodyPr anchorCtr="0" anchor="b" bIns="91425" lIns="91425" spcFirstLastPara="1" rIns="91425" wrap="square" tIns="91425">
+          <a:bodyPr spcFirstLastPara="1" wrap="square" lIns="91425" tIns="91425" rIns="91425" bIns="91425" anchor="b" anchorCtr="0">
             <a:normAutofit/>
           </a:bodyPr>
           <a:lstStyle>
@@ -2234,9 +2311,11 @@
       <p:sp>
         <p:nvSpPr>
           <p:cNvPr id="46" name="Google Shape;46;p11"/>
-          <p:cNvSpPr txBox="1"/>
+          <p:cNvSpPr txBox="1">
+            <a:spLocks noGrp="1"/>
+          </p:cNvSpPr>
           <p:nvPr>
-            <p:ph idx="1" type="body"/>
+            <p:ph type="body" idx="1"/>
           </p:nvPr>
         </p:nvSpPr>
         <p:spPr>
@@ -2249,11 +2328,11 @@
           </a:prstGeom>
         </p:spPr>
         <p:txBody>
-          <a:bodyPr anchorCtr="0" anchor="t" bIns="91425" lIns="91425" spcFirstLastPara="1" rIns="91425" wrap="square" tIns="91425">
+          <a:bodyPr spcFirstLastPara="1" wrap="square" lIns="91425" tIns="91425" rIns="91425" bIns="91425" anchor="t" anchorCtr="0">
             <a:normAutofit/>
           </a:bodyPr>
           <a:lstStyle>
-            <a:lvl1pPr indent="-342900" lvl="0" marL="457200" algn="ctr">
+            <a:lvl1pPr marL="457200" lvl="0" indent="-342900" algn="ctr">
               <a:spcBef>
                 <a:spcPts val="0"/>
               </a:spcBef>
@@ -2264,7 +2343,7 @@
               <a:buChar char="●"/>
               <a:defRPr/>
             </a:lvl1pPr>
-            <a:lvl2pPr indent="-317500" lvl="1" marL="914400" algn="ctr">
+            <a:lvl2pPr marL="914400" lvl="1" indent="-317500" algn="ctr">
               <a:spcBef>
                 <a:spcPts val="0"/>
               </a:spcBef>
@@ -2275,7 +2354,7 @@
               <a:buChar char="○"/>
               <a:defRPr/>
             </a:lvl2pPr>
-            <a:lvl3pPr indent="-317500" lvl="2" marL="1371600" algn="ctr">
+            <a:lvl3pPr marL="1371600" lvl="2" indent="-317500" algn="ctr">
               <a:spcBef>
                 <a:spcPts val="0"/>
               </a:spcBef>
@@ -2286,7 +2365,7 @@
               <a:buChar char="■"/>
               <a:defRPr/>
             </a:lvl3pPr>
-            <a:lvl4pPr indent="-317500" lvl="3" marL="1828800" algn="ctr">
+            <a:lvl4pPr marL="1828800" lvl="3" indent="-317500" algn="ctr">
               <a:spcBef>
                 <a:spcPts val="0"/>
               </a:spcBef>
@@ -2297,7 +2376,7 @@
               <a:buChar char="●"/>
               <a:defRPr/>
             </a:lvl4pPr>
-            <a:lvl5pPr indent="-317500" lvl="4" marL="2286000" algn="ctr">
+            <a:lvl5pPr marL="2286000" lvl="4" indent="-317500" algn="ctr">
               <a:spcBef>
                 <a:spcPts val="0"/>
               </a:spcBef>
@@ -2308,7 +2387,7 @@
               <a:buChar char="○"/>
               <a:defRPr/>
             </a:lvl5pPr>
-            <a:lvl6pPr indent="-317500" lvl="5" marL="2743200" algn="ctr">
+            <a:lvl6pPr marL="2743200" lvl="5" indent="-317500" algn="ctr">
               <a:spcBef>
                 <a:spcPts val="0"/>
               </a:spcBef>
@@ -2319,7 +2398,7 @@
               <a:buChar char="■"/>
               <a:defRPr/>
             </a:lvl6pPr>
-            <a:lvl7pPr indent="-317500" lvl="6" marL="3200400" algn="ctr">
+            <a:lvl7pPr marL="3200400" lvl="6" indent="-317500" algn="ctr">
               <a:spcBef>
                 <a:spcPts val="0"/>
               </a:spcBef>
@@ -2330,7 +2409,7 @@
               <a:buChar char="●"/>
               <a:defRPr/>
             </a:lvl7pPr>
-            <a:lvl8pPr indent="-317500" lvl="7" marL="3657600" algn="ctr">
+            <a:lvl8pPr marL="3657600" lvl="7" indent="-317500" algn="ctr">
               <a:spcBef>
                 <a:spcPts val="0"/>
               </a:spcBef>
@@ -2341,7 +2420,7 @@
               <a:buChar char="○"/>
               <a:defRPr/>
             </a:lvl8pPr>
-            <a:lvl9pPr indent="-317500" lvl="8" marL="4114800" algn="ctr">
+            <a:lvl9pPr marL="4114800" lvl="8" indent="-317500" algn="ctr">
               <a:spcBef>
                 <a:spcPts val="0"/>
               </a:spcBef>
@@ -2353,15 +2432,19 @@
               <a:defRPr/>
             </a:lvl9pPr>
           </a:lstStyle>
-          <a:p/>
+          <a:p>
+            <a:endParaRPr/>
+          </a:p>
         </p:txBody>
       </p:sp>
       <p:sp>
         <p:nvSpPr>
           <p:cNvPr id="47" name="Google Shape;47;p11"/>
-          <p:cNvSpPr txBox="1"/>
+          <p:cNvSpPr txBox="1">
+            <a:spLocks noGrp="1"/>
+          </p:cNvSpPr>
           <p:nvPr>
-            <p:ph idx="12" type="sldNum"/>
+            <p:ph type="sldNum" idx="12"/>
           </p:nvPr>
         </p:nvSpPr>
         <p:spPr>
@@ -2374,7 +2457,7 @@
           </a:prstGeom>
         </p:spPr>
         <p:txBody>
-          <a:bodyPr anchorCtr="0" anchor="ctr" bIns="91425" lIns="91425" spcFirstLastPara="1" rIns="91425" wrap="square" tIns="91425">
+          <a:bodyPr spcFirstLastPara="1" wrap="square" lIns="91425" tIns="91425" rIns="91425" bIns="91425" anchor="ctr" anchorCtr="0">
             <a:normAutofit/>
           </a:bodyPr>
           <a:lstStyle>
@@ -2416,7 +2499,7 @@
             </a:lvl9pPr>
           </a:lstStyle>
           <a:p>
-            <a:pPr indent="0" lvl="0" marL="0" rtl="0" algn="r">
+            <a:pPr marL="0" lvl="0" indent="0" algn="r" rtl="0">
               <a:spcBef>
                 <a:spcPts val="0"/>
               </a:spcBef>
@@ -2442,11 +2525,11 @@
 </file>
 
 <file path=ppt/slideLayouts/slideLayout11.xml><?xml version="1.0" encoding="utf-8"?>
-<p:sldLayout xmlns:a="http://schemas.openxmlformats.org/drawingml/2006/main" xmlns:r="http://schemas.openxmlformats.org/officeDocument/2006/relationships" xmlns:mc="http://schemas.openxmlformats.org/markup-compatibility/2006" xmlns:mv="urn:schemas-microsoft-com:mac:vml" xmlns:p="http://schemas.openxmlformats.org/presentationml/2006/main" xmlns:c="http://schemas.openxmlformats.org/drawingml/2006/chart" xmlns:dgm="http://schemas.openxmlformats.org/drawingml/2006/diagram" xmlns:o="urn:schemas-microsoft-com:office:office" xmlns:v="urn:schemas-microsoft-com:vml" xmlns:pvml="urn:schemas-microsoft-com:office:powerpoint" xmlns:com="http://schemas.openxmlformats.org/drawingml/2006/compatibility" xmlns:p14="http://schemas.microsoft.com/office/powerpoint/2010/main" xmlns:p15="http://schemas.microsoft.com/office/powerpoint/2012/main" xmlns:ahyp="http://schemas.microsoft.com/office/drawing/2018/hyperlinkcolor" matchingName="Blank" type="blank">
+<p:sldLayout xmlns:a="http://schemas.openxmlformats.org/drawingml/2006/main" xmlns:r="http://schemas.openxmlformats.org/officeDocument/2006/relationships" xmlns:p="http://schemas.openxmlformats.org/presentationml/2006/main" matchingName="Blank" type="blank">
   <p:cSld name="BLANK">
     <p:spTree>
       <p:nvGrpSpPr>
-        <p:cNvPr id="48" name="Shape 48"/>
+        <p:cNvPr id="1" name="Shape 48"/>
         <p:cNvGrpSpPr/>
         <p:nvPr/>
       </p:nvGrpSpPr>
@@ -2461,9 +2544,11 @@
       <p:sp>
         <p:nvSpPr>
           <p:cNvPr id="49" name="Google Shape;49;p12"/>
-          <p:cNvSpPr txBox="1"/>
+          <p:cNvSpPr txBox="1">
+            <a:spLocks noGrp="1"/>
+          </p:cNvSpPr>
           <p:nvPr>
-            <p:ph idx="12" type="sldNum"/>
+            <p:ph type="sldNum" idx="12"/>
           </p:nvPr>
         </p:nvSpPr>
         <p:spPr>
@@ -2476,7 +2561,7 @@
           </a:prstGeom>
         </p:spPr>
         <p:txBody>
-          <a:bodyPr anchorCtr="0" anchor="ctr" bIns="91425" lIns="91425" spcFirstLastPara="1" rIns="91425" wrap="square" tIns="91425">
+          <a:bodyPr spcFirstLastPara="1" wrap="square" lIns="91425" tIns="91425" rIns="91425" bIns="91425" anchor="ctr" anchorCtr="0">
             <a:normAutofit/>
           </a:bodyPr>
           <a:lstStyle>
@@ -2518,7 +2603,7 @@
             </a:lvl9pPr>
           </a:lstStyle>
           <a:p>
-            <a:pPr indent="0" lvl="0" marL="0" rtl="0" algn="r">
+            <a:pPr marL="0" lvl="0" indent="0" algn="r" rtl="0">
               <a:spcBef>
                 <a:spcPts val="0"/>
               </a:spcBef>
@@ -2544,11 +2629,11 @@
 </file>
 
 <file path=ppt/slideLayouts/slideLayout2.xml><?xml version="1.0" encoding="utf-8"?>
-<p:sldLayout xmlns:a="http://schemas.openxmlformats.org/drawingml/2006/main" xmlns:r="http://schemas.openxmlformats.org/officeDocument/2006/relationships" xmlns:mc="http://schemas.openxmlformats.org/markup-compatibility/2006" xmlns:mv="urn:schemas-microsoft-com:mac:vml" xmlns:p="http://schemas.openxmlformats.org/presentationml/2006/main" xmlns:c="http://schemas.openxmlformats.org/drawingml/2006/chart" xmlns:dgm="http://schemas.openxmlformats.org/drawingml/2006/diagram" xmlns:o="urn:schemas-microsoft-com:office:office" xmlns:v="urn:schemas-microsoft-com:vml" xmlns:pvml="urn:schemas-microsoft-com:office:powerpoint" xmlns:com="http://schemas.openxmlformats.org/drawingml/2006/compatibility" xmlns:p14="http://schemas.microsoft.com/office/powerpoint/2010/main" xmlns:p15="http://schemas.microsoft.com/office/powerpoint/2012/main" xmlns:ahyp="http://schemas.microsoft.com/office/drawing/2018/hyperlinkcolor" matchingName="Section header" type="secHead">
+<p:sldLayout xmlns:a="http://schemas.openxmlformats.org/drawingml/2006/main" xmlns:r="http://schemas.openxmlformats.org/officeDocument/2006/relationships" xmlns:p="http://schemas.openxmlformats.org/presentationml/2006/main" matchingName="Section header" type="secHead">
   <p:cSld name="SECTION_HEADER">
     <p:spTree>
       <p:nvGrpSpPr>
-        <p:cNvPr id="13" name="Shape 13"/>
+        <p:cNvPr id="1" name="Shape 13"/>
         <p:cNvGrpSpPr/>
         <p:nvPr/>
       </p:nvGrpSpPr>
@@ -2563,7 +2648,9 @@
       <p:sp>
         <p:nvSpPr>
           <p:cNvPr id="14" name="Google Shape;14;p3"/>
-          <p:cNvSpPr txBox="1"/>
+          <p:cNvSpPr txBox="1">
+            <a:spLocks noGrp="1"/>
+          </p:cNvSpPr>
           <p:nvPr>
             <p:ph type="title"/>
           </p:nvPr>
@@ -2578,7 +2665,7 @@
           </a:prstGeom>
         </p:spPr>
         <p:txBody>
-          <a:bodyPr anchorCtr="0" anchor="ctr" bIns="91425" lIns="91425" spcFirstLastPara="1" rIns="91425" wrap="square" tIns="91425">
+          <a:bodyPr spcFirstLastPara="1" wrap="square" lIns="91425" tIns="91425" rIns="91425" bIns="91425" anchor="ctr" anchorCtr="0">
             <a:normAutofit/>
           </a:bodyPr>
           <a:lstStyle>
@@ -2682,15 +2769,19 @@
               <a:defRPr sz="3600"/>
             </a:lvl9pPr>
           </a:lstStyle>
-          <a:p/>
+          <a:p>
+            <a:endParaRPr/>
+          </a:p>
         </p:txBody>
       </p:sp>
       <p:sp>
         <p:nvSpPr>
           <p:cNvPr id="15" name="Google Shape;15;p3"/>
-          <p:cNvSpPr txBox="1"/>
+          <p:cNvSpPr txBox="1">
+            <a:spLocks noGrp="1"/>
+          </p:cNvSpPr>
           <p:nvPr>
-            <p:ph idx="12" type="sldNum"/>
+            <p:ph type="sldNum" idx="12"/>
           </p:nvPr>
         </p:nvSpPr>
         <p:spPr>
@@ -2703,7 +2794,7 @@
           </a:prstGeom>
         </p:spPr>
         <p:txBody>
-          <a:bodyPr anchorCtr="0" anchor="ctr" bIns="91425" lIns="91425" spcFirstLastPara="1" rIns="91425" wrap="square" tIns="91425">
+          <a:bodyPr spcFirstLastPara="1" wrap="square" lIns="91425" tIns="91425" rIns="91425" bIns="91425" anchor="ctr" anchorCtr="0">
             <a:normAutofit/>
           </a:bodyPr>
           <a:lstStyle>
@@ -2745,7 +2836,7 @@
             </a:lvl9pPr>
           </a:lstStyle>
           <a:p>
-            <a:pPr indent="0" lvl="0" marL="0" rtl="0" algn="r">
+            <a:pPr marL="0" lvl="0" indent="0" algn="r" rtl="0">
               <a:spcBef>
                 <a:spcPts val="0"/>
               </a:spcBef>
@@ -2771,11 +2862,11 @@
 </file>
 
 <file path=ppt/slideLayouts/slideLayout3.xml><?xml version="1.0" encoding="utf-8"?>
-<p:sldLayout xmlns:a="http://schemas.openxmlformats.org/drawingml/2006/main" xmlns:r="http://schemas.openxmlformats.org/officeDocument/2006/relationships" xmlns:mc="http://schemas.openxmlformats.org/markup-compatibility/2006" xmlns:mv="urn:schemas-microsoft-com:mac:vml" xmlns:p="http://schemas.openxmlformats.org/presentationml/2006/main" xmlns:c="http://schemas.openxmlformats.org/drawingml/2006/chart" xmlns:dgm="http://schemas.openxmlformats.org/drawingml/2006/diagram" xmlns:o="urn:schemas-microsoft-com:office:office" xmlns:v="urn:schemas-microsoft-com:vml" xmlns:pvml="urn:schemas-microsoft-com:office:powerpoint" xmlns:com="http://schemas.openxmlformats.org/drawingml/2006/compatibility" xmlns:p14="http://schemas.microsoft.com/office/powerpoint/2010/main" xmlns:p15="http://schemas.microsoft.com/office/powerpoint/2012/main" xmlns:ahyp="http://schemas.microsoft.com/office/drawing/2018/hyperlinkcolor" matchingName="Title and body" type="tx">
+<p:sldLayout xmlns:a="http://schemas.openxmlformats.org/drawingml/2006/main" xmlns:r="http://schemas.openxmlformats.org/officeDocument/2006/relationships" xmlns:p="http://schemas.openxmlformats.org/presentationml/2006/main" matchingName="Title and body" type="tx">
   <p:cSld name="TITLE_AND_BODY">
     <p:spTree>
       <p:nvGrpSpPr>
-        <p:cNvPr id="16" name="Shape 16"/>
+        <p:cNvPr id="1" name="Shape 16"/>
         <p:cNvGrpSpPr/>
         <p:nvPr/>
       </p:nvGrpSpPr>
@@ -2790,7 +2881,9 @@
       <p:sp>
         <p:nvSpPr>
           <p:cNvPr id="17" name="Google Shape;17;p4"/>
-          <p:cNvSpPr txBox="1"/>
+          <p:cNvSpPr txBox="1">
+            <a:spLocks noGrp="1"/>
+          </p:cNvSpPr>
           <p:nvPr>
             <p:ph type="title"/>
           </p:nvPr>
@@ -2805,7 +2898,7 @@
           </a:prstGeom>
         </p:spPr>
         <p:txBody>
-          <a:bodyPr anchorCtr="0" anchor="t" bIns="91425" lIns="91425" spcFirstLastPara="1" rIns="91425" wrap="square" tIns="91425">
+          <a:bodyPr spcFirstLastPara="1" wrap="square" lIns="91425" tIns="91425" rIns="91425" bIns="91425" anchor="t" anchorCtr="0">
             <a:normAutofit/>
           </a:bodyPr>
           <a:lstStyle>
@@ -2909,15 +3002,19 @@
               <a:defRPr/>
             </a:lvl9pPr>
           </a:lstStyle>
-          <a:p/>
+          <a:p>
+            <a:endParaRPr/>
+          </a:p>
         </p:txBody>
       </p:sp>
       <p:sp>
         <p:nvSpPr>
           <p:cNvPr id="18" name="Google Shape;18;p4"/>
-          <p:cNvSpPr txBox="1"/>
+          <p:cNvSpPr txBox="1">
+            <a:spLocks noGrp="1"/>
+          </p:cNvSpPr>
           <p:nvPr>
-            <p:ph idx="1" type="body"/>
+            <p:ph type="body" idx="1"/>
           </p:nvPr>
         </p:nvSpPr>
         <p:spPr>
@@ -2930,11 +3027,11 @@
           </a:prstGeom>
         </p:spPr>
         <p:txBody>
-          <a:bodyPr anchorCtr="0" anchor="t" bIns="91425" lIns="91425" spcFirstLastPara="1" rIns="91425" wrap="square" tIns="91425">
+          <a:bodyPr spcFirstLastPara="1" wrap="square" lIns="91425" tIns="91425" rIns="91425" bIns="91425" anchor="t" anchorCtr="0">
             <a:normAutofit/>
           </a:bodyPr>
           <a:lstStyle>
-            <a:lvl1pPr indent="-342900" lvl="0" marL="457200">
+            <a:lvl1pPr marL="457200" lvl="0" indent="-342900">
               <a:spcBef>
                 <a:spcPts val="0"/>
               </a:spcBef>
@@ -2945,7 +3042,7 @@
               <a:buChar char="●"/>
               <a:defRPr/>
             </a:lvl1pPr>
-            <a:lvl2pPr indent="-317500" lvl="1" marL="914400">
+            <a:lvl2pPr marL="914400" lvl="1" indent="-317500">
               <a:spcBef>
                 <a:spcPts val="0"/>
               </a:spcBef>
@@ -2956,7 +3053,7 @@
               <a:buChar char="○"/>
               <a:defRPr/>
             </a:lvl2pPr>
-            <a:lvl3pPr indent="-317500" lvl="2" marL="1371600">
+            <a:lvl3pPr marL="1371600" lvl="2" indent="-317500">
               <a:spcBef>
                 <a:spcPts val="0"/>
               </a:spcBef>
@@ -2967,7 +3064,7 @@
               <a:buChar char="■"/>
               <a:defRPr/>
             </a:lvl3pPr>
-            <a:lvl4pPr indent="-317500" lvl="3" marL="1828800">
+            <a:lvl4pPr marL="1828800" lvl="3" indent="-317500">
               <a:spcBef>
                 <a:spcPts val="0"/>
               </a:spcBef>
@@ -2978,7 +3075,7 @@
               <a:buChar char="●"/>
               <a:defRPr/>
             </a:lvl4pPr>
-            <a:lvl5pPr indent="-317500" lvl="4" marL="2286000">
+            <a:lvl5pPr marL="2286000" lvl="4" indent="-317500">
               <a:spcBef>
                 <a:spcPts val="0"/>
               </a:spcBef>
@@ -2989,7 +3086,7 @@
               <a:buChar char="○"/>
               <a:defRPr/>
             </a:lvl5pPr>
-            <a:lvl6pPr indent="-317500" lvl="5" marL="2743200">
+            <a:lvl6pPr marL="2743200" lvl="5" indent="-317500">
               <a:spcBef>
                 <a:spcPts val="0"/>
               </a:spcBef>
@@ -3000,7 +3097,7 @@
               <a:buChar char="■"/>
               <a:defRPr/>
             </a:lvl6pPr>
-            <a:lvl7pPr indent="-317500" lvl="6" marL="3200400">
+            <a:lvl7pPr marL="3200400" lvl="6" indent="-317500">
               <a:spcBef>
                 <a:spcPts val="0"/>
               </a:spcBef>
@@ -3011,7 +3108,7 @@
               <a:buChar char="●"/>
               <a:defRPr/>
             </a:lvl7pPr>
-            <a:lvl8pPr indent="-317500" lvl="7" marL="3657600">
+            <a:lvl8pPr marL="3657600" lvl="7" indent="-317500">
               <a:spcBef>
                 <a:spcPts val="0"/>
               </a:spcBef>
@@ -3022,7 +3119,7 @@
               <a:buChar char="○"/>
               <a:defRPr/>
             </a:lvl8pPr>
-            <a:lvl9pPr indent="-317500" lvl="8" marL="4114800">
+            <a:lvl9pPr marL="4114800" lvl="8" indent="-317500">
               <a:spcBef>
                 <a:spcPts val="0"/>
               </a:spcBef>
@@ -3034,15 +3131,19 @@
               <a:defRPr/>
             </a:lvl9pPr>
           </a:lstStyle>
-          <a:p/>
+          <a:p>
+            <a:endParaRPr/>
+          </a:p>
         </p:txBody>
       </p:sp>
       <p:sp>
         <p:nvSpPr>
           <p:cNvPr id="19" name="Google Shape;19;p4"/>
-          <p:cNvSpPr txBox="1"/>
+          <p:cNvSpPr txBox="1">
+            <a:spLocks noGrp="1"/>
+          </p:cNvSpPr>
           <p:nvPr>
-            <p:ph idx="12" type="sldNum"/>
+            <p:ph type="sldNum" idx="12"/>
           </p:nvPr>
         </p:nvSpPr>
         <p:spPr>
@@ -3055,7 +3156,7 @@
           </a:prstGeom>
         </p:spPr>
         <p:txBody>
-          <a:bodyPr anchorCtr="0" anchor="ctr" bIns="91425" lIns="91425" spcFirstLastPara="1" rIns="91425" wrap="square" tIns="91425">
+          <a:bodyPr spcFirstLastPara="1" wrap="square" lIns="91425" tIns="91425" rIns="91425" bIns="91425" anchor="ctr" anchorCtr="0">
             <a:normAutofit/>
           </a:bodyPr>
           <a:lstStyle>
@@ -3097,7 +3198,7 @@
             </a:lvl9pPr>
           </a:lstStyle>
           <a:p>
-            <a:pPr indent="0" lvl="0" marL="0" rtl="0" algn="r">
+            <a:pPr marL="0" lvl="0" indent="0" algn="r" rtl="0">
               <a:spcBef>
                 <a:spcPts val="0"/>
               </a:spcBef>
@@ -3123,11 +3224,11 @@
 </file>
 
 <file path=ppt/slideLayouts/slideLayout4.xml><?xml version="1.0" encoding="utf-8"?>
-<p:sldLayout xmlns:a="http://schemas.openxmlformats.org/drawingml/2006/main" xmlns:r="http://schemas.openxmlformats.org/officeDocument/2006/relationships" xmlns:mc="http://schemas.openxmlformats.org/markup-compatibility/2006" xmlns:mv="urn:schemas-microsoft-com:mac:vml" xmlns:p="http://schemas.openxmlformats.org/presentationml/2006/main" xmlns:c="http://schemas.openxmlformats.org/drawingml/2006/chart" xmlns:dgm="http://schemas.openxmlformats.org/drawingml/2006/diagram" xmlns:o="urn:schemas-microsoft-com:office:office" xmlns:v="urn:schemas-microsoft-com:vml" xmlns:pvml="urn:schemas-microsoft-com:office:powerpoint" xmlns:com="http://schemas.openxmlformats.org/drawingml/2006/compatibility" xmlns:p14="http://schemas.microsoft.com/office/powerpoint/2010/main" xmlns:p15="http://schemas.microsoft.com/office/powerpoint/2012/main" xmlns:ahyp="http://schemas.microsoft.com/office/drawing/2018/hyperlinkcolor" matchingName="Title and two columns" type="twoColTx">
+<p:sldLayout xmlns:a="http://schemas.openxmlformats.org/drawingml/2006/main" xmlns:r="http://schemas.openxmlformats.org/officeDocument/2006/relationships" xmlns:p="http://schemas.openxmlformats.org/presentationml/2006/main" matchingName="Title and two columns" type="twoColTx">
   <p:cSld name="TITLE_AND_TWO_COLUMNS">
     <p:spTree>
       <p:nvGrpSpPr>
-        <p:cNvPr id="20" name="Shape 20"/>
+        <p:cNvPr id="1" name="Shape 20"/>
         <p:cNvGrpSpPr/>
         <p:nvPr/>
       </p:nvGrpSpPr>
@@ -3142,7 +3243,9 @@
       <p:sp>
         <p:nvSpPr>
           <p:cNvPr id="21" name="Google Shape;21;p5"/>
-          <p:cNvSpPr txBox="1"/>
+          <p:cNvSpPr txBox="1">
+            <a:spLocks noGrp="1"/>
+          </p:cNvSpPr>
           <p:nvPr>
             <p:ph type="title"/>
           </p:nvPr>
@@ -3157,7 +3260,7 @@
           </a:prstGeom>
         </p:spPr>
         <p:txBody>
-          <a:bodyPr anchorCtr="0" anchor="t" bIns="91425" lIns="91425" spcFirstLastPara="1" rIns="91425" wrap="square" tIns="91425">
+          <a:bodyPr spcFirstLastPara="1" wrap="square" lIns="91425" tIns="91425" rIns="91425" bIns="91425" anchor="t" anchorCtr="0">
             <a:normAutofit/>
           </a:bodyPr>
           <a:lstStyle>
@@ -3261,15 +3364,19 @@
               <a:defRPr/>
             </a:lvl9pPr>
           </a:lstStyle>
-          <a:p/>
+          <a:p>
+            <a:endParaRPr/>
+          </a:p>
         </p:txBody>
       </p:sp>
       <p:sp>
         <p:nvSpPr>
           <p:cNvPr id="22" name="Google Shape;22;p5"/>
-          <p:cNvSpPr txBox="1"/>
+          <p:cNvSpPr txBox="1">
+            <a:spLocks noGrp="1"/>
+          </p:cNvSpPr>
           <p:nvPr>
-            <p:ph idx="1" type="body"/>
+            <p:ph type="body" idx="1"/>
           </p:nvPr>
         </p:nvSpPr>
         <p:spPr>
@@ -3282,11 +3389,11 @@
           </a:prstGeom>
         </p:spPr>
         <p:txBody>
-          <a:bodyPr anchorCtr="0" anchor="t" bIns="91425" lIns="91425" spcFirstLastPara="1" rIns="91425" wrap="square" tIns="91425">
+          <a:bodyPr spcFirstLastPara="1" wrap="square" lIns="91425" tIns="91425" rIns="91425" bIns="91425" anchor="t" anchorCtr="0">
             <a:normAutofit/>
           </a:bodyPr>
           <a:lstStyle>
-            <a:lvl1pPr indent="-317500" lvl="0" marL="457200">
+            <a:lvl1pPr marL="457200" lvl="0" indent="-317500">
               <a:spcBef>
                 <a:spcPts val="0"/>
               </a:spcBef>
@@ -3297,7 +3404,7 @@
               <a:buChar char="●"/>
               <a:defRPr sz="1400"/>
             </a:lvl1pPr>
-            <a:lvl2pPr indent="-304800" lvl="1" marL="914400">
+            <a:lvl2pPr marL="914400" lvl="1" indent="-304800">
               <a:spcBef>
                 <a:spcPts val="0"/>
               </a:spcBef>
@@ -3308,7 +3415,7 @@
               <a:buChar char="○"/>
               <a:defRPr sz="1200"/>
             </a:lvl2pPr>
-            <a:lvl3pPr indent="-304800" lvl="2" marL="1371600">
+            <a:lvl3pPr marL="1371600" lvl="2" indent="-304800">
               <a:spcBef>
                 <a:spcPts val="0"/>
               </a:spcBef>
@@ -3319,7 +3426,7 @@
               <a:buChar char="■"/>
               <a:defRPr sz="1200"/>
             </a:lvl3pPr>
-            <a:lvl4pPr indent="-304800" lvl="3" marL="1828800">
+            <a:lvl4pPr marL="1828800" lvl="3" indent="-304800">
               <a:spcBef>
                 <a:spcPts val="0"/>
               </a:spcBef>
@@ -3330,7 +3437,7 @@
               <a:buChar char="●"/>
               <a:defRPr sz="1200"/>
             </a:lvl4pPr>
-            <a:lvl5pPr indent="-304800" lvl="4" marL="2286000">
+            <a:lvl5pPr marL="2286000" lvl="4" indent="-304800">
               <a:spcBef>
                 <a:spcPts val="0"/>
               </a:spcBef>
@@ -3341,7 +3448,7 @@
               <a:buChar char="○"/>
               <a:defRPr sz="1200"/>
             </a:lvl5pPr>
-            <a:lvl6pPr indent="-304800" lvl="5" marL="2743200">
+            <a:lvl6pPr marL="2743200" lvl="5" indent="-304800">
               <a:spcBef>
                 <a:spcPts val="0"/>
               </a:spcBef>
@@ -3352,7 +3459,7 @@
               <a:buChar char="■"/>
               <a:defRPr sz="1200"/>
             </a:lvl6pPr>
-            <a:lvl7pPr indent="-304800" lvl="6" marL="3200400">
+            <a:lvl7pPr marL="3200400" lvl="6" indent="-304800">
               <a:spcBef>
                 <a:spcPts val="0"/>
               </a:spcBef>
@@ -3363,7 +3470,7 @@
               <a:buChar char="●"/>
               <a:defRPr sz="1200"/>
             </a:lvl7pPr>
-            <a:lvl8pPr indent="-304800" lvl="7" marL="3657600">
+            <a:lvl8pPr marL="3657600" lvl="7" indent="-304800">
               <a:spcBef>
                 <a:spcPts val="0"/>
               </a:spcBef>
@@ -3374,7 +3481,7 @@
               <a:buChar char="○"/>
               <a:defRPr sz="1200"/>
             </a:lvl8pPr>
-            <a:lvl9pPr indent="-304800" lvl="8" marL="4114800">
+            <a:lvl9pPr marL="4114800" lvl="8" indent="-304800">
               <a:spcBef>
                 <a:spcPts val="0"/>
               </a:spcBef>
@@ -3386,15 +3493,19 @@
               <a:defRPr sz="1200"/>
             </a:lvl9pPr>
           </a:lstStyle>
-          <a:p/>
+          <a:p>
+            <a:endParaRPr/>
+          </a:p>
         </p:txBody>
       </p:sp>
       <p:sp>
         <p:nvSpPr>
           <p:cNvPr id="23" name="Google Shape;23;p5"/>
-          <p:cNvSpPr txBox="1"/>
+          <p:cNvSpPr txBox="1">
+            <a:spLocks noGrp="1"/>
+          </p:cNvSpPr>
           <p:nvPr>
-            <p:ph idx="2" type="body"/>
+            <p:ph type="body" idx="2"/>
           </p:nvPr>
         </p:nvSpPr>
         <p:spPr>
@@ -3407,11 +3518,11 @@
           </a:prstGeom>
         </p:spPr>
         <p:txBody>
-          <a:bodyPr anchorCtr="0" anchor="t" bIns="91425" lIns="91425" spcFirstLastPara="1" rIns="91425" wrap="square" tIns="91425">
+          <a:bodyPr spcFirstLastPara="1" wrap="square" lIns="91425" tIns="91425" rIns="91425" bIns="91425" anchor="t" anchorCtr="0">
             <a:normAutofit/>
           </a:bodyPr>
           <a:lstStyle>
-            <a:lvl1pPr indent="-317500" lvl="0" marL="457200">
+            <a:lvl1pPr marL="457200" lvl="0" indent="-317500">
               <a:spcBef>
                 <a:spcPts val="0"/>
               </a:spcBef>
@@ -3422,7 +3533,7 @@
               <a:buChar char="●"/>
               <a:defRPr sz="1400"/>
             </a:lvl1pPr>
-            <a:lvl2pPr indent="-304800" lvl="1" marL="914400">
+            <a:lvl2pPr marL="914400" lvl="1" indent="-304800">
               <a:spcBef>
                 <a:spcPts val="0"/>
               </a:spcBef>
@@ -3433,7 +3544,7 @@
               <a:buChar char="○"/>
               <a:defRPr sz="1200"/>
             </a:lvl2pPr>
-            <a:lvl3pPr indent="-304800" lvl="2" marL="1371600">
+            <a:lvl3pPr marL="1371600" lvl="2" indent="-304800">
               <a:spcBef>
                 <a:spcPts val="0"/>
               </a:spcBef>
@@ -3444,7 +3555,7 @@
               <a:buChar char="■"/>
               <a:defRPr sz="1200"/>
             </a:lvl3pPr>
-            <a:lvl4pPr indent="-304800" lvl="3" marL="1828800">
+            <a:lvl4pPr marL="1828800" lvl="3" indent="-304800">
               <a:spcBef>
                 <a:spcPts val="0"/>
               </a:spcBef>
@@ -3455,7 +3566,7 @@
               <a:buChar char="●"/>
               <a:defRPr sz="1200"/>
             </a:lvl4pPr>
-            <a:lvl5pPr indent="-304800" lvl="4" marL="2286000">
+            <a:lvl5pPr marL="2286000" lvl="4" indent="-304800">
               <a:spcBef>
                 <a:spcPts val="0"/>
               </a:spcBef>
@@ -3466,7 +3577,7 @@
               <a:buChar char="○"/>
               <a:defRPr sz="1200"/>
             </a:lvl5pPr>
-            <a:lvl6pPr indent="-304800" lvl="5" marL="2743200">
+            <a:lvl6pPr marL="2743200" lvl="5" indent="-304800">
               <a:spcBef>
                 <a:spcPts val="0"/>
               </a:spcBef>
@@ -3477,7 +3588,7 @@
               <a:buChar char="■"/>
               <a:defRPr sz="1200"/>
             </a:lvl6pPr>
-            <a:lvl7pPr indent="-304800" lvl="6" marL="3200400">
+            <a:lvl7pPr marL="3200400" lvl="6" indent="-304800">
               <a:spcBef>
                 <a:spcPts val="0"/>
               </a:spcBef>
@@ -3488,7 +3599,7 @@
               <a:buChar char="●"/>
               <a:defRPr sz="1200"/>
             </a:lvl7pPr>
-            <a:lvl8pPr indent="-304800" lvl="7" marL="3657600">
+            <a:lvl8pPr marL="3657600" lvl="7" indent="-304800">
               <a:spcBef>
                 <a:spcPts val="0"/>
               </a:spcBef>
@@ -3499,7 +3610,7 @@
               <a:buChar char="○"/>
               <a:defRPr sz="1200"/>
             </a:lvl8pPr>
-            <a:lvl9pPr indent="-304800" lvl="8" marL="4114800">
+            <a:lvl9pPr marL="4114800" lvl="8" indent="-304800">
               <a:spcBef>
                 <a:spcPts val="0"/>
               </a:spcBef>
@@ -3511,15 +3622,19 @@
               <a:defRPr sz="1200"/>
             </a:lvl9pPr>
           </a:lstStyle>
-          <a:p/>
+          <a:p>
+            <a:endParaRPr/>
+          </a:p>
         </p:txBody>
       </p:sp>
       <p:sp>
         <p:nvSpPr>
           <p:cNvPr id="24" name="Google Shape;24;p5"/>
-          <p:cNvSpPr txBox="1"/>
+          <p:cNvSpPr txBox="1">
+            <a:spLocks noGrp="1"/>
+          </p:cNvSpPr>
           <p:nvPr>
-            <p:ph idx="12" type="sldNum"/>
+            <p:ph type="sldNum" idx="12"/>
           </p:nvPr>
         </p:nvSpPr>
         <p:spPr>
@@ -3532,7 +3647,7 @@
           </a:prstGeom>
         </p:spPr>
         <p:txBody>
-          <a:bodyPr anchorCtr="0" anchor="ctr" bIns="91425" lIns="91425" spcFirstLastPara="1" rIns="91425" wrap="square" tIns="91425">
+          <a:bodyPr spcFirstLastPara="1" wrap="square" lIns="91425" tIns="91425" rIns="91425" bIns="91425" anchor="ctr" anchorCtr="0">
             <a:normAutofit/>
           </a:bodyPr>
           <a:lstStyle>
@@ -3574,7 +3689,7 @@
             </a:lvl9pPr>
           </a:lstStyle>
           <a:p>
-            <a:pPr indent="0" lvl="0" marL="0" rtl="0" algn="r">
+            <a:pPr marL="0" lvl="0" indent="0" algn="r" rtl="0">
               <a:spcBef>
                 <a:spcPts val="0"/>
               </a:spcBef>
@@ -3600,11 +3715,11 @@
 </file>
 
 <file path=ppt/slideLayouts/slideLayout5.xml><?xml version="1.0" encoding="utf-8"?>
-<p:sldLayout xmlns:a="http://schemas.openxmlformats.org/drawingml/2006/main" xmlns:r="http://schemas.openxmlformats.org/officeDocument/2006/relationships" xmlns:mc="http://schemas.openxmlformats.org/markup-compatibility/2006" xmlns:mv="urn:schemas-microsoft-com:mac:vml" xmlns:p="http://schemas.openxmlformats.org/presentationml/2006/main" xmlns:c="http://schemas.openxmlformats.org/drawingml/2006/chart" xmlns:dgm="http://schemas.openxmlformats.org/drawingml/2006/diagram" xmlns:o="urn:schemas-microsoft-com:office:office" xmlns:v="urn:schemas-microsoft-com:vml" xmlns:pvml="urn:schemas-microsoft-com:office:powerpoint" xmlns:com="http://schemas.openxmlformats.org/drawingml/2006/compatibility" xmlns:p14="http://schemas.microsoft.com/office/powerpoint/2010/main" xmlns:p15="http://schemas.microsoft.com/office/powerpoint/2012/main" xmlns:ahyp="http://schemas.microsoft.com/office/drawing/2018/hyperlinkcolor" matchingName="Title only" type="titleOnly">
+<p:sldLayout xmlns:a="http://schemas.openxmlformats.org/drawingml/2006/main" xmlns:r="http://schemas.openxmlformats.org/officeDocument/2006/relationships" xmlns:p="http://schemas.openxmlformats.org/presentationml/2006/main" matchingName="Title only" type="titleOnly">
   <p:cSld name="TITLE_ONLY">
     <p:spTree>
       <p:nvGrpSpPr>
-        <p:cNvPr id="25" name="Shape 25"/>
+        <p:cNvPr id="1" name="Shape 25"/>
         <p:cNvGrpSpPr/>
         <p:nvPr/>
       </p:nvGrpSpPr>
@@ -3619,7 +3734,9 @@
       <p:sp>
         <p:nvSpPr>
           <p:cNvPr id="26" name="Google Shape;26;p6"/>
-          <p:cNvSpPr txBox="1"/>
+          <p:cNvSpPr txBox="1">
+            <a:spLocks noGrp="1"/>
+          </p:cNvSpPr>
           <p:nvPr>
             <p:ph type="title"/>
           </p:nvPr>
@@ -3634,7 +3751,7 @@
           </a:prstGeom>
         </p:spPr>
         <p:txBody>
-          <a:bodyPr anchorCtr="0" anchor="t" bIns="91425" lIns="91425" spcFirstLastPara="1" rIns="91425" wrap="square" tIns="91425">
+          <a:bodyPr spcFirstLastPara="1" wrap="square" lIns="91425" tIns="91425" rIns="91425" bIns="91425" anchor="t" anchorCtr="0">
             <a:normAutofit/>
           </a:bodyPr>
           <a:lstStyle>
@@ -3738,15 +3855,19 @@
               <a:defRPr/>
             </a:lvl9pPr>
           </a:lstStyle>
-          <a:p/>
+          <a:p>
+            <a:endParaRPr/>
+          </a:p>
         </p:txBody>
       </p:sp>
       <p:sp>
         <p:nvSpPr>
           <p:cNvPr id="27" name="Google Shape;27;p6"/>
-          <p:cNvSpPr txBox="1"/>
+          <p:cNvSpPr txBox="1">
+            <a:spLocks noGrp="1"/>
+          </p:cNvSpPr>
           <p:nvPr>
-            <p:ph idx="12" type="sldNum"/>
+            <p:ph type="sldNum" idx="12"/>
           </p:nvPr>
         </p:nvSpPr>
         <p:spPr>
@@ -3759,7 +3880,7 @@
           </a:prstGeom>
         </p:spPr>
         <p:txBody>
-          <a:bodyPr anchorCtr="0" anchor="ctr" bIns="91425" lIns="91425" spcFirstLastPara="1" rIns="91425" wrap="square" tIns="91425">
+          <a:bodyPr spcFirstLastPara="1" wrap="square" lIns="91425" tIns="91425" rIns="91425" bIns="91425" anchor="ctr" anchorCtr="0">
             <a:normAutofit/>
           </a:bodyPr>
           <a:lstStyle>
@@ -3801,7 +3922,7 @@
             </a:lvl9pPr>
           </a:lstStyle>
           <a:p>
-            <a:pPr indent="0" lvl="0" marL="0" rtl="0" algn="r">
+            <a:pPr marL="0" lvl="0" indent="0" algn="r" rtl="0">
               <a:spcBef>
                 <a:spcPts val="0"/>
               </a:spcBef>
@@ -3827,11 +3948,11 @@
 </file>
 
 <file path=ppt/slideLayouts/slideLayout6.xml><?xml version="1.0" encoding="utf-8"?>
-<p:sldLayout xmlns:a="http://schemas.openxmlformats.org/drawingml/2006/main" xmlns:r="http://schemas.openxmlformats.org/officeDocument/2006/relationships" xmlns:mc="http://schemas.openxmlformats.org/markup-compatibility/2006" xmlns:mv="urn:schemas-microsoft-com:mac:vml" xmlns:p="http://schemas.openxmlformats.org/presentationml/2006/main" xmlns:c="http://schemas.openxmlformats.org/drawingml/2006/chart" xmlns:dgm="http://schemas.openxmlformats.org/drawingml/2006/diagram" xmlns:o="urn:schemas-microsoft-com:office:office" xmlns:v="urn:schemas-microsoft-com:vml" xmlns:pvml="urn:schemas-microsoft-com:office:powerpoint" xmlns:com="http://schemas.openxmlformats.org/drawingml/2006/compatibility" xmlns:p14="http://schemas.microsoft.com/office/powerpoint/2010/main" xmlns:p15="http://schemas.microsoft.com/office/powerpoint/2012/main" xmlns:ahyp="http://schemas.microsoft.com/office/drawing/2018/hyperlinkcolor" matchingName="One column text">
+<p:sldLayout xmlns:a="http://schemas.openxmlformats.org/drawingml/2006/main" xmlns:r="http://schemas.openxmlformats.org/officeDocument/2006/relationships" xmlns:p="http://schemas.openxmlformats.org/presentationml/2006/main" matchingName="One column text">
   <p:cSld name="ONE_COLUMN_TEXT">
     <p:spTree>
       <p:nvGrpSpPr>
-        <p:cNvPr id="28" name="Shape 28"/>
+        <p:cNvPr id="1" name="Shape 28"/>
         <p:cNvGrpSpPr/>
         <p:nvPr/>
       </p:nvGrpSpPr>
@@ -3846,7 +3967,9 @@
       <p:sp>
         <p:nvSpPr>
           <p:cNvPr id="29" name="Google Shape;29;p7"/>
-          <p:cNvSpPr txBox="1"/>
+          <p:cNvSpPr txBox="1">
+            <a:spLocks noGrp="1"/>
+          </p:cNvSpPr>
           <p:nvPr>
             <p:ph type="title"/>
           </p:nvPr>
@@ -3861,7 +3984,7 @@
           </a:prstGeom>
         </p:spPr>
         <p:txBody>
-          <a:bodyPr anchorCtr="0" anchor="b" bIns="91425" lIns="91425" spcFirstLastPara="1" rIns="91425" wrap="square" tIns="91425">
+          <a:bodyPr spcFirstLastPara="1" wrap="square" lIns="91425" tIns="91425" rIns="91425" bIns="91425" anchor="b" anchorCtr="0">
             <a:normAutofit/>
           </a:bodyPr>
           <a:lstStyle>
@@ -3965,15 +4088,19 @@
               <a:defRPr sz="2400"/>
             </a:lvl9pPr>
           </a:lstStyle>
-          <a:p/>
+          <a:p>
+            <a:endParaRPr/>
+          </a:p>
         </p:txBody>
       </p:sp>
       <p:sp>
         <p:nvSpPr>
           <p:cNvPr id="30" name="Google Shape;30;p7"/>
-          <p:cNvSpPr txBox="1"/>
+          <p:cNvSpPr txBox="1">
+            <a:spLocks noGrp="1"/>
+          </p:cNvSpPr>
           <p:nvPr>
-            <p:ph idx="1" type="body"/>
+            <p:ph type="body" idx="1"/>
           </p:nvPr>
         </p:nvSpPr>
         <p:spPr>
@@ -3986,11 +4113,11 @@
           </a:prstGeom>
         </p:spPr>
         <p:txBody>
-          <a:bodyPr anchorCtr="0" anchor="t" bIns="91425" lIns="91425" spcFirstLastPara="1" rIns="91425" wrap="square" tIns="91425">
+          <a:bodyPr spcFirstLastPara="1" wrap="square" lIns="91425" tIns="91425" rIns="91425" bIns="91425" anchor="t" anchorCtr="0">
             <a:normAutofit/>
           </a:bodyPr>
           <a:lstStyle>
-            <a:lvl1pPr indent="-304800" lvl="0" marL="457200">
+            <a:lvl1pPr marL="457200" lvl="0" indent="-304800">
               <a:spcBef>
                 <a:spcPts val="0"/>
               </a:spcBef>
@@ -4001,7 +4128,7 @@
               <a:buChar char="●"/>
               <a:defRPr sz="1200"/>
             </a:lvl1pPr>
-            <a:lvl2pPr indent="-304800" lvl="1" marL="914400">
+            <a:lvl2pPr marL="914400" lvl="1" indent="-304800">
               <a:spcBef>
                 <a:spcPts val="0"/>
               </a:spcBef>
@@ -4012,7 +4139,7 @@
               <a:buChar char="○"/>
               <a:defRPr sz="1200"/>
             </a:lvl2pPr>
-            <a:lvl3pPr indent="-304800" lvl="2" marL="1371600">
+            <a:lvl3pPr marL="1371600" lvl="2" indent="-304800">
               <a:spcBef>
                 <a:spcPts val="0"/>
               </a:spcBef>
@@ -4023,7 +4150,7 @@
               <a:buChar char="■"/>
               <a:defRPr sz="1200"/>
             </a:lvl3pPr>
-            <a:lvl4pPr indent="-304800" lvl="3" marL="1828800">
+            <a:lvl4pPr marL="1828800" lvl="3" indent="-304800">
               <a:spcBef>
                 <a:spcPts val="0"/>
               </a:spcBef>
@@ -4034,7 +4161,7 @@
               <a:buChar char="●"/>
               <a:defRPr sz="1200"/>
             </a:lvl4pPr>
-            <a:lvl5pPr indent="-304800" lvl="4" marL="2286000">
+            <a:lvl5pPr marL="2286000" lvl="4" indent="-304800">
               <a:spcBef>
                 <a:spcPts val="0"/>
               </a:spcBef>
@@ -4045,7 +4172,7 @@
               <a:buChar char="○"/>
               <a:defRPr sz="1200"/>
             </a:lvl5pPr>
-            <a:lvl6pPr indent="-304800" lvl="5" marL="2743200">
+            <a:lvl6pPr marL="2743200" lvl="5" indent="-304800">
               <a:spcBef>
                 <a:spcPts val="0"/>
               </a:spcBef>
@@ -4056,7 +4183,7 @@
               <a:buChar char="■"/>
               <a:defRPr sz="1200"/>
             </a:lvl6pPr>
-            <a:lvl7pPr indent="-304800" lvl="6" marL="3200400">
+            <a:lvl7pPr marL="3200400" lvl="6" indent="-304800">
               <a:spcBef>
                 <a:spcPts val="0"/>
               </a:spcBef>
@@ -4067,7 +4194,7 @@
               <a:buChar char="●"/>
               <a:defRPr sz="1200"/>
             </a:lvl7pPr>
-            <a:lvl8pPr indent="-304800" lvl="7" marL="3657600">
+            <a:lvl8pPr marL="3657600" lvl="7" indent="-304800">
               <a:spcBef>
                 <a:spcPts val="0"/>
               </a:spcBef>
@@ -4078,7 +4205,7 @@
               <a:buChar char="○"/>
               <a:defRPr sz="1200"/>
             </a:lvl8pPr>
-            <a:lvl9pPr indent="-304800" lvl="8" marL="4114800">
+            <a:lvl9pPr marL="4114800" lvl="8" indent="-304800">
               <a:spcBef>
                 <a:spcPts val="0"/>
               </a:spcBef>
@@ -4090,15 +4217,19 @@
               <a:defRPr sz="1200"/>
             </a:lvl9pPr>
           </a:lstStyle>
-          <a:p/>
+          <a:p>
+            <a:endParaRPr/>
+          </a:p>
         </p:txBody>
       </p:sp>
       <p:sp>
         <p:nvSpPr>
           <p:cNvPr id="31" name="Google Shape;31;p7"/>
-          <p:cNvSpPr txBox="1"/>
+          <p:cNvSpPr txBox="1">
+            <a:spLocks noGrp="1"/>
+          </p:cNvSpPr>
           <p:nvPr>
-            <p:ph idx="12" type="sldNum"/>
+            <p:ph type="sldNum" idx="12"/>
           </p:nvPr>
         </p:nvSpPr>
         <p:spPr>
@@ -4111,7 +4242,7 @@
           </a:prstGeom>
         </p:spPr>
         <p:txBody>
-          <a:bodyPr anchorCtr="0" anchor="ctr" bIns="91425" lIns="91425" spcFirstLastPara="1" rIns="91425" wrap="square" tIns="91425">
+          <a:bodyPr spcFirstLastPara="1" wrap="square" lIns="91425" tIns="91425" rIns="91425" bIns="91425" anchor="ctr" anchorCtr="0">
             <a:normAutofit/>
           </a:bodyPr>
           <a:lstStyle>
@@ -4153,7 +4284,7 @@
             </a:lvl9pPr>
           </a:lstStyle>
           <a:p>
-            <a:pPr indent="0" lvl="0" marL="0" rtl="0" algn="r">
+            <a:pPr marL="0" lvl="0" indent="0" algn="r" rtl="0">
               <a:spcBef>
                 <a:spcPts val="0"/>
               </a:spcBef>
@@ -4179,11 +4310,11 @@
 </file>
 
 <file path=ppt/slideLayouts/slideLayout7.xml><?xml version="1.0" encoding="utf-8"?>
-<p:sldLayout xmlns:a="http://schemas.openxmlformats.org/drawingml/2006/main" xmlns:r="http://schemas.openxmlformats.org/officeDocument/2006/relationships" xmlns:mc="http://schemas.openxmlformats.org/markup-compatibility/2006" xmlns:mv="urn:schemas-microsoft-com:mac:vml" xmlns:p="http://schemas.openxmlformats.org/presentationml/2006/main" xmlns:c="http://schemas.openxmlformats.org/drawingml/2006/chart" xmlns:dgm="http://schemas.openxmlformats.org/drawingml/2006/diagram" xmlns:o="urn:schemas-microsoft-com:office:office" xmlns:v="urn:schemas-microsoft-com:vml" xmlns:pvml="urn:schemas-microsoft-com:office:powerpoint" xmlns:com="http://schemas.openxmlformats.org/drawingml/2006/compatibility" xmlns:p14="http://schemas.microsoft.com/office/powerpoint/2010/main" xmlns:p15="http://schemas.microsoft.com/office/powerpoint/2012/main" xmlns:ahyp="http://schemas.microsoft.com/office/drawing/2018/hyperlinkcolor" matchingName="Main point">
+<p:sldLayout xmlns:a="http://schemas.openxmlformats.org/drawingml/2006/main" xmlns:r="http://schemas.openxmlformats.org/officeDocument/2006/relationships" xmlns:p="http://schemas.openxmlformats.org/presentationml/2006/main" matchingName="Main point">
   <p:cSld name="MAIN_POINT">
     <p:spTree>
       <p:nvGrpSpPr>
-        <p:cNvPr id="32" name="Shape 32"/>
+        <p:cNvPr id="1" name="Shape 32"/>
         <p:cNvGrpSpPr/>
         <p:nvPr/>
       </p:nvGrpSpPr>
@@ -4198,7 +4329,9 @@
       <p:sp>
         <p:nvSpPr>
           <p:cNvPr id="33" name="Google Shape;33;p8"/>
-          <p:cNvSpPr txBox="1"/>
+          <p:cNvSpPr txBox="1">
+            <a:spLocks noGrp="1"/>
+          </p:cNvSpPr>
           <p:nvPr>
             <p:ph type="title"/>
           </p:nvPr>
@@ -4213,7 +4346,7 @@
           </a:prstGeom>
         </p:spPr>
         <p:txBody>
-          <a:bodyPr anchorCtr="0" anchor="ctr" bIns="91425" lIns="91425" spcFirstLastPara="1" rIns="91425" wrap="square" tIns="91425">
+          <a:bodyPr spcFirstLastPara="1" wrap="square" lIns="91425" tIns="91425" rIns="91425" bIns="91425" anchor="ctr" anchorCtr="0">
             <a:normAutofit/>
           </a:bodyPr>
           <a:lstStyle>
@@ -4317,15 +4450,19 @@
               <a:defRPr sz="4800"/>
             </a:lvl9pPr>
           </a:lstStyle>
-          <a:p/>
+          <a:p>
+            <a:endParaRPr/>
+          </a:p>
         </p:txBody>
       </p:sp>
       <p:sp>
         <p:nvSpPr>
           <p:cNvPr id="34" name="Google Shape;34;p8"/>
-          <p:cNvSpPr txBox="1"/>
+          <p:cNvSpPr txBox="1">
+            <a:spLocks noGrp="1"/>
+          </p:cNvSpPr>
           <p:nvPr>
-            <p:ph idx="12" type="sldNum"/>
+            <p:ph type="sldNum" idx="12"/>
           </p:nvPr>
         </p:nvSpPr>
         <p:spPr>
@@ -4338,7 +4475,7 @@
           </a:prstGeom>
         </p:spPr>
         <p:txBody>
-          <a:bodyPr anchorCtr="0" anchor="ctr" bIns="91425" lIns="91425" spcFirstLastPara="1" rIns="91425" wrap="square" tIns="91425">
+          <a:bodyPr spcFirstLastPara="1" wrap="square" lIns="91425" tIns="91425" rIns="91425" bIns="91425" anchor="ctr" anchorCtr="0">
             <a:normAutofit/>
           </a:bodyPr>
           <a:lstStyle>
@@ -4380,7 +4517,7 @@
             </a:lvl9pPr>
           </a:lstStyle>
           <a:p>
-            <a:pPr indent="0" lvl="0" marL="0" rtl="0" algn="r">
+            <a:pPr marL="0" lvl="0" indent="0" algn="r" rtl="0">
               <a:spcBef>
                 <a:spcPts val="0"/>
               </a:spcBef>
@@ -4406,11 +4543,11 @@
 </file>
 
 <file path=ppt/slideLayouts/slideLayout8.xml><?xml version="1.0" encoding="utf-8"?>
-<p:sldLayout xmlns:a="http://schemas.openxmlformats.org/drawingml/2006/main" xmlns:r="http://schemas.openxmlformats.org/officeDocument/2006/relationships" xmlns:mc="http://schemas.openxmlformats.org/markup-compatibility/2006" xmlns:mv="urn:schemas-microsoft-com:mac:vml" xmlns:p="http://schemas.openxmlformats.org/presentationml/2006/main" xmlns:c="http://schemas.openxmlformats.org/drawingml/2006/chart" xmlns:dgm="http://schemas.openxmlformats.org/drawingml/2006/diagram" xmlns:o="urn:schemas-microsoft-com:office:office" xmlns:v="urn:schemas-microsoft-com:vml" xmlns:pvml="urn:schemas-microsoft-com:office:powerpoint" xmlns:com="http://schemas.openxmlformats.org/drawingml/2006/compatibility" xmlns:p14="http://schemas.microsoft.com/office/powerpoint/2010/main" xmlns:p15="http://schemas.microsoft.com/office/powerpoint/2012/main" xmlns:ahyp="http://schemas.microsoft.com/office/drawing/2018/hyperlinkcolor" matchingName="Section title and description">
+<p:sldLayout xmlns:a="http://schemas.openxmlformats.org/drawingml/2006/main" xmlns:r="http://schemas.openxmlformats.org/officeDocument/2006/relationships" xmlns:p="http://schemas.openxmlformats.org/presentationml/2006/main" matchingName="Section title and description">
   <p:cSld name="SECTION_TITLE_AND_DESCRIPTION">
     <p:spTree>
       <p:nvGrpSpPr>
-        <p:cNvPr id="35" name="Shape 35"/>
+        <p:cNvPr id="1" name="Shape 35"/>
         <p:cNvGrpSpPr/>
         <p:nvPr/>
       </p:nvGrpSpPr>
@@ -4444,12 +4581,12 @@
           </a:ln>
         </p:spPr>
         <p:txBody>
-          <a:bodyPr anchorCtr="0" anchor="ctr" bIns="91425" lIns="91425" spcFirstLastPara="1" rIns="91425" wrap="square" tIns="91425">
+          <a:bodyPr spcFirstLastPara="1" wrap="square" lIns="91425" tIns="91425" rIns="91425" bIns="91425" anchor="ctr" anchorCtr="0">
             <a:noAutofit/>
           </a:bodyPr>
           <a:lstStyle/>
           <a:p>
-            <a:pPr indent="0" lvl="0" marL="0" rtl="0" algn="l">
+            <a:pPr marL="0" lvl="0" indent="0" algn="l" rtl="0">
               <a:spcBef>
                 <a:spcPts val="0"/>
               </a:spcBef>
@@ -4458,9 +4595,6 @@
               </a:spcAft>
               <a:buNone/>
             </a:pPr>
-            <a:r>
-              <a:t/>
-            </a:r>
             <a:endParaRPr/>
           </a:p>
         </p:txBody>
@@ -4468,7 +4602,9 @@
       <p:sp>
         <p:nvSpPr>
           <p:cNvPr id="37" name="Google Shape;37;p9"/>
-          <p:cNvSpPr txBox="1"/>
+          <p:cNvSpPr txBox="1">
+            <a:spLocks noGrp="1"/>
+          </p:cNvSpPr>
           <p:nvPr>
             <p:ph type="title"/>
           </p:nvPr>
@@ -4483,7 +4619,7 @@
           </a:prstGeom>
         </p:spPr>
         <p:txBody>
-          <a:bodyPr anchorCtr="0" anchor="b" bIns="91425" lIns="91425" spcFirstLastPara="1" rIns="91425" wrap="square" tIns="91425">
+          <a:bodyPr spcFirstLastPara="1" wrap="square" lIns="91425" tIns="91425" rIns="91425" bIns="91425" anchor="b" anchorCtr="0">
             <a:normAutofit/>
           </a:bodyPr>
           <a:lstStyle>
@@ -4587,15 +4723,19 @@
               <a:defRPr sz="4200"/>
             </a:lvl9pPr>
           </a:lstStyle>
-          <a:p/>
+          <a:p>
+            <a:endParaRPr/>
+          </a:p>
         </p:txBody>
       </p:sp>
       <p:sp>
         <p:nvSpPr>
           <p:cNvPr id="38" name="Google Shape;38;p9"/>
-          <p:cNvSpPr txBox="1"/>
+          <p:cNvSpPr txBox="1">
+            <a:spLocks noGrp="1"/>
+          </p:cNvSpPr>
           <p:nvPr>
-            <p:ph idx="1" type="subTitle"/>
+            <p:ph type="subTitle" idx="1"/>
           </p:nvPr>
         </p:nvSpPr>
         <p:spPr>
@@ -4608,7 +4748,7 @@
           </a:prstGeom>
         </p:spPr>
         <p:txBody>
-          <a:bodyPr anchorCtr="0" anchor="t" bIns="91425" lIns="91425" spcFirstLastPara="1" rIns="91425" wrap="square" tIns="91425">
+          <a:bodyPr spcFirstLastPara="1" wrap="square" lIns="91425" tIns="91425" rIns="91425" bIns="91425" anchor="t" anchorCtr="0">
             <a:normAutofit/>
           </a:bodyPr>
           <a:lstStyle>
@@ -4739,15 +4879,19 @@
               <a:defRPr sz="2100"/>
             </a:lvl9pPr>
           </a:lstStyle>
-          <a:p/>
+          <a:p>
+            <a:endParaRPr/>
+          </a:p>
         </p:txBody>
       </p:sp>
       <p:sp>
         <p:nvSpPr>
           <p:cNvPr id="39" name="Google Shape;39;p9"/>
-          <p:cNvSpPr txBox="1"/>
+          <p:cNvSpPr txBox="1">
+            <a:spLocks noGrp="1"/>
+          </p:cNvSpPr>
           <p:nvPr>
-            <p:ph idx="2" type="body"/>
+            <p:ph type="body" idx="2"/>
           </p:nvPr>
         </p:nvSpPr>
         <p:spPr>
@@ -4760,11 +4904,11 @@
           </a:prstGeom>
         </p:spPr>
         <p:txBody>
-          <a:bodyPr anchorCtr="0" anchor="ctr" bIns="91425" lIns="91425" spcFirstLastPara="1" rIns="91425" wrap="square" tIns="91425">
+          <a:bodyPr spcFirstLastPara="1" wrap="square" lIns="91425" tIns="91425" rIns="91425" bIns="91425" anchor="ctr" anchorCtr="0">
             <a:normAutofit/>
           </a:bodyPr>
           <a:lstStyle>
-            <a:lvl1pPr indent="-342900" lvl="0" marL="457200">
+            <a:lvl1pPr marL="457200" lvl="0" indent="-342900">
               <a:spcBef>
                 <a:spcPts val="0"/>
               </a:spcBef>
@@ -4775,7 +4919,7 @@
               <a:buChar char="●"/>
               <a:defRPr/>
             </a:lvl1pPr>
-            <a:lvl2pPr indent="-317500" lvl="1" marL="914400">
+            <a:lvl2pPr marL="914400" lvl="1" indent="-317500">
               <a:spcBef>
                 <a:spcPts val="0"/>
               </a:spcBef>
@@ -4786,7 +4930,7 @@
               <a:buChar char="○"/>
               <a:defRPr/>
             </a:lvl2pPr>
-            <a:lvl3pPr indent="-317500" lvl="2" marL="1371600">
+            <a:lvl3pPr marL="1371600" lvl="2" indent="-317500">
               <a:spcBef>
                 <a:spcPts val="0"/>
               </a:spcBef>
@@ -4797,7 +4941,7 @@
               <a:buChar char="■"/>
               <a:defRPr/>
             </a:lvl3pPr>
-            <a:lvl4pPr indent="-317500" lvl="3" marL="1828800">
+            <a:lvl4pPr marL="1828800" lvl="3" indent="-317500">
               <a:spcBef>
                 <a:spcPts val="0"/>
               </a:spcBef>
@@ -4808,7 +4952,7 @@
               <a:buChar char="●"/>
               <a:defRPr/>
             </a:lvl4pPr>
-            <a:lvl5pPr indent="-317500" lvl="4" marL="2286000">
+            <a:lvl5pPr marL="2286000" lvl="4" indent="-317500">
               <a:spcBef>
                 <a:spcPts val="0"/>
               </a:spcBef>
@@ -4819,7 +4963,7 @@
               <a:buChar char="○"/>
               <a:defRPr/>
             </a:lvl5pPr>
-            <a:lvl6pPr indent="-317500" lvl="5" marL="2743200">
+            <a:lvl6pPr marL="2743200" lvl="5" indent="-317500">
               <a:spcBef>
                 <a:spcPts val="0"/>
               </a:spcBef>
@@ -4830,7 +4974,7 @@
               <a:buChar char="■"/>
               <a:defRPr/>
             </a:lvl6pPr>
-            <a:lvl7pPr indent="-317500" lvl="6" marL="3200400">
+            <a:lvl7pPr marL="3200400" lvl="6" indent="-317500">
               <a:spcBef>
                 <a:spcPts val="0"/>
               </a:spcBef>
@@ -4841,7 +4985,7 @@
               <a:buChar char="●"/>
               <a:defRPr/>
             </a:lvl7pPr>
-            <a:lvl8pPr indent="-317500" lvl="7" marL="3657600">
+            <a:lvl8pPr marL="3657600" lvl="7" indent="-317500">
               <a:spcBef>
                 <a:spcPts val="0"/>
               </a:spcBef>
@@ -4852,7 +4996,7 @@
               <a:buChar char="○"/>
               <a:defRPr/>
             </a:lvl8pPr>
-            <a:lvl9pPr indent="-317500" lvl="8" marL="4114800">
+            <a:lvl9pPr marL="4114800" lvl="8" indent="-317500">
               <a:spcBef>
                 <a:spcPts val="0"/>
               </a:spcBef>
@@ -4864,15 +5008,19 @@
               <a:defRPr/>
             </a:lvl9pPr>
           </a:lstStyle>
-          <a:p/>
+          <a:p>
+            <a:endParaRPr/>
+          </a:p>
         </p:txBody>
       </p:sp>
       <p:sp>
         <p:nvSpPr>
           <p:cNvPr id="40" name="Google Shape;40;p9"/>
-          <p:cNvSpPr txBox="1"/>
+          <p:cNvSpPr txBox="1">
+            <a:spLocks noGrp="1"/>
+          </p:cNvSpPr>
           <p:nvPr>
-            <p:ph idx="12" type="sldNum"/>
+            <p:ph type="sldNum" idx="12"/>
           </p:nvPr>
         </p:nvSpPr>
         <p:spPr>
@@ -4885,7 +5033,7 @@
           </a:prstGeom>
         </p:spPr>
         <p:txBody>
-          <a:bodyPr anchorCtr="0" anchor="ctr" bIns="91425" lIns="91425" spcFirstLastPara="1" rIns="91425" wrap="square" tIns="91425">
+          <a:bodyPr spcFirstLastPara="1" wrap="square" lIns="91425" tIns="91425" rIns="91425" bIns="91425" anchor="ctr" anchorCtr="0">
             <a:normAutofit/>
           </a:bodyPr>
           <a:lstStyle>
@@ -4927,7 +5075,7 @@
             </a:lvl9pPr>
           </a:lstStyle>
           <a:p>
-            <a:pPr indent="0" lvl="0" marL="0" rtl="0" algn="r">
+            <a:pPr marL="0" lvl="0" indent="0" algn="r" rtl="0">
               <a:spcBef>
                 <a:spcPts val="0"/>
               </a:spcBef>
@@ -4953,11 +5101,11 @@
 </file>
 
 <file path=ppt/slideLayouts/slideLayout9.xml><?xml version="1.0" encoding="utf-8"?>
-<p:sldLayout xmlns:a="http://schemas.openxmlformats.org/drawingml/2006/main" xmlns:r="http://schemas.openxmlformats.org/officeDocument/2006/relationships" xmlns:mc="http://schemas.openxmlformats.org/markup-compatibility/2006" xmlns:mv="urn:schemas-microsoft-com:mac:vml" xmlns:p="http://schemas.openxmlformats.org/presentationml/2006/main" xmlns:c="http://schemas.openxmlformats.org/drawingml/2006/chart" xmlns:dgm="http://schemas.openxmlformats.org/drawingml/2006/diagram" xmlns:o="urn:schemas-microsoft-com:office:office" xmlns:v="urn:schemas-microsoft-com:vml" xmlns:pvml="urn:schemas-microsoft-com:office:powerpoint" xmlns:com="http://schemas.openxmlformats.org/drawingml/2006/compatibility" xmlns:p14="http://schemas.microsoft.com/office/powerpoint/2010/main" xmlns:p15="http://schemas.microsoft.com/office/powerpoint/2012/main" xmlns:ahyp="http://schemas.microsoft.com/office/drawing/2018/hyperlinkcolor" matchingName="Caption">
+<p:sldLayout xmlns:a="http://schemas.openxmlformats.org/drawingml/2006/main" xmlns:r="http://schemas.openxmlformats.org/officeDocument/2006/relationships" xmlns:p="http://schemas.openxmlformats.org/presentationml/2006/main" matchingName="Caption">
   <p:cSld name="CAPTION_ONLY">
     <p:spTree>
       <p:nvGrpSpPr>
-        <p:cNvPr id="41" name="Shape 41"/>
+        <p:cNvPr id="1" name="Shape 41"/>
         <p:cNvGrpSpPr/>
         <p:nvPr/>
       </p:nvGrpSpPr>
@@ -4972,9 +5120,11 @@
       <p:sp>
         <p:nvSpPr>
           <p:cNvPr id="42" name="Google Shape;42;p10"/>
-          <p:cNvSpPr txBox="1"/>
+          <p:cNvSpPr txBox="1">
+            <a:spLocks noGrp="1"/>
+          </p:cNvSpPr>
           <p:nvPr>
-            <p:ph idx="1" type="body"/>
+            <p:ph type="body" idx="1"/>
           </p:nvPr>
         </p:nvSpPr>
         <p:spPr>
@@ -4987,11 +5137,11 @@
           </a:prstGeom>
         </p:spPr>
         <p:txBody>
-          <a:bodyPr anchorCtr="0" anchor="ctr" bIns="91425" lIns="91425" spcFirstLastPara="1" rIns="91425" wrap="square" tIns="91425">
+          <a:bodyPr spcFirstLastPara="1" wrap="square" lIns="91425" tIns="91425" rIns="91425" bIns="91425" anchor="ctr" anchorCtr="0">
             <a:normAutofit/>
           </a:bodyPr>
           <a:lstStyle>
-            <a:lvl1pPr indent="-228600" lvl="0" marL="457200">
+            <a:lvl1pPr marL="457200" lvl="0" indent="-228600">
               <a:lnSpc>
                 <a:spcPct val="100000"/>
               </a:lnSpc>
@@ -5006,15 +5156,19 @@
               <a:defRPr/>
             </a:lvl1pPr>
           </a:lstStyle>
-          <a:p/>
+          <a:p>
+            <a:endParaRPr/>
+          </a:p>
         </p:txBody>
       </p:sp>
       <p:sp>
         <p:nvSpPr>
           <p:cNvPr id="43" name="Google Shape;43;p10"/>
-          <p:cNvSpPr txBox="1"/>
+          <p:cNvSpPr txBox="1">
+            <a:spLocks noGrp="1"/>
+          </p:cNvSpPr>
           <p:nvPr>
-            <p:ph idx="12" type="sldNum"/>
+            <p:ph type="sldNum" idx="12"/>
           </p:nvPr>
         </p:nvSpPr>
         <p:spPr>
@@ -5027,7 +5181,7 @@
           </a:prstGeom>
         </p:spPr>
         <p:txBody>
-          <a:bodyPr anchorCtr="0" anchor="ctr" bIns="91425" lIns="91425" spcFirstLastPara="1" rIns="91425" wrap="square" tIns="91425">
+          <a:bodyPr spcFirstLastPara="1" wrap="square" lIns="91425" tIns="91425" rIns="91425" bIns="91425" anchor="ctr" anchorCtr="0">
             <a:normAutofit/>
           </a:bodyPr>
           <a:lstStyle>
@@ -5069,7 +5223,7 @@
             </a:lvl9pPr>
           </a:lstStyle>
           <a:p>
-            <a:pPr indent="0" lvl="0" marL="0" rtl="0" algn="r">
+            <a:pPr marL="0" lvl="0" indent="0" algn="r" rtl="0">
               <a:spcBef>
                 <a:spcPts val="0"/>
               </a:spcBef>
@@ -5095,18 +5249,19 @@
 </file>
 
 <file path=ppt/slideMasters/slideMaster1.xml><?xml version="1.0" encoding="utf-8"?>
-<p:sldMaster xmlns:a="http://schemas.openxmlformats.org/drawingml/2006/main" xmlns:r="http://schemas.openxmlformats.org/officeDocument/2006/relationships" xmlns:mc="http://schemas.openxmlformats.org/markup-compatibility/2006" xmlns:mv="urn:schemas-microsoft-com:mac:vml" xmlns:p="http://schemas.openxmlformats.org/presentationml/2006/main" xmlns:c="http://schemas.openxmlformats.org/drawingml/2006/chart" xmlns:dgm="http://schemas.openxmlformats.org/drawingml/2006/diagram" xmlns:o="urn:schemas-microsoft-com:office:office" xmlns:v="urn:schemas-microsoft-com:vml" xmlns:pvml="urn:schemas-microsoft-com:office:powerpoint" xmlns:com="http://schemas.openxmlformats.org/drawingml/2006/compatibility" xmlns:p14="http://schemas.microsoft.com/office/powerpoint/2010/main" xmlns:p15="http://schemas.microsoft.com/office/powerpoint/2012/main" xmlns:ahyp="http://schemas.microsoft.com/office/drawing/2018/hyperlinkcolor">
+<p:sldMaster xmlns:a="http://schemas.openxmlformats.org/drawingml/2006/main" xmlns:r="http://schemas.openxmlformats.org/officeDocument/2006/relationships" xmlns:p="http://schemas.openxmlformats.org/presentationml/2006/main">
   <p:cSld name="simple-light-2">
     <p:bg>
       <p:bgPr>
         <a:solidFill>
           <a:schemeClr val="lt1"/>
         </a:solidFill>
+        <a:effectLst/>
       </p:bgPr>
     </p:bg>
     <p:spTree>
       <p:nvGrpSpPr>
-        <p:cNvPr id="5" name="Shape 5"/>
+        <p:cNvPr id="1" name="Shape 5"/>
         <p:cNvGrpSpPr/>
         <p:nvPr/>
       </p:nvGrpSpPr>
@@ -5121,7 +5276,9 @@
       <p:sp>
         <p:nvSpPr>
           <p:cNvPr id="6" name="Google Shape;6;p1"/>
-          <p:cNvSpPr txBox="1"/>
+          <p:cNvSpPr txBox="1">
+            <a:spLocks noGrp="1"/>
+          </p:cNvSpPr>
           <p:nvPr>
             <p:ph type="title"/>
           </p:nvPr>
@@ -5140,7 +5297,7 @@
           </a:ln>
         </p:spPr>
         <p:txBody>
-          <a:bodyPr anchorCtr="0" anchor="t" bIns="91425" lIns="91425" spcFirstLastPara="1" rIns="91425" wrap="square" tIns="91425">
+          <a:bodyPr spcFirstLastPara="1" wrap="square" lIns="91425" tIns="91425" rIns="91425" bIns="91425" anchor="t" anchorCtr="0">
             <a:normAutofit/>
           </a:bodyPr>
           <a:lstStyle>
@@ -5307,15 +5464,19 @@
               </a:defRPr>
             </a:lvl9pPr>
           </a:lstStyle>
-          <a:p/>
+          <a:p>
+            <a:endParaRPr/>
+          </a:p>
         </p:txBody>
       </p:sp>
       <p:sp>
         <p:nvSpPr>
           <p:cNvPr id="7" name="Google Shape;7;p1"/>
-          <p:cNvSpPr txBox="1"/>
+          <p:cNvSpPr txBox="1">
+            <a:spLocks noGrp="1"/>
+          </p:cNvSpPr>
           <p:nvPr>
-            <p:ph idx="1" type="body"/>
+            <p:ph type="body" idx="1"/>
           </p:nvPr>
         </p:nvSpPr>
         <p:spPr>
@@ -5332,11 +5493,11 @@
           </a:ln>
         </p:spPr>
         <p:txBody>
-          <a:bodyPr anchorCtr="0" anchor="t" bIns="91425" lIns="91425" spcFirstLastPara="1" rIns="91425" wrap="square" tIns="91425">
+          <a:bodyPr spcFirstLastPara="1" wrap="square" lIns="91425" tIns="91425" rIns="91425" bIns="91425" anchor="t" anchorCtr="0">
             <a:normAutofit/>
           </a:bodyPr>
           <a:lstStyle>
-            <a:lvl1pPr indent="-342900" lvl="0" marL="457200">
+            <a:lvl1pPr marL="457200" lvl="0" indent="-342900">
               <a:lnSpc>
                 <a:spcPct val="115000"/>
               </a:lnSpc>
@@ -5357,7 +5518,7 @@
                 </a:solidFill>
               </a:defRPr>
             </a:lvl1pPr>
-            <a:lvl2pPr indent="-317500" lvl="1" marL="914400">
+            <a:lvl2pPr marL="914400" lvl="1" indent="-317500">
               <a:lnSpc>
                 <a:spcPct val="115000"/>
               </a:lnSpc>
@@ -5378,7 +5539,7 @@
                 </a:solidFill>
               </a:defRPr>
             </a:lvl2pPr>
-            <a:lvl3pPr indent="-317500" lvl="2" marL="1371600">
+            <a:lvl3pPr marL="1371600" lvl="2" indent="-317500">
               <a:lnSpc>
                 <a:spcPct val="115000"/>
               </a:lnSpc>
@@ -5399,7 +5560,7 @@
                 </a:solidFill>
               </a:defRPr>
             </a:lvl3pPr>
-            <a:lvl4pPr indent="-317500" lvl="3" marL="1828800">
+            <a:lvl4pPr marL="1828800" lvl="3" indent="-317500">
               <a:lnSpc>
                 <a:spcPct val="115000"/>
               </a:lnSpc>
@@ -5420,7 +5581,7 @@
                 </a:solidFill>
               </a:defRPr>
             </a:lvl4pPr>
-            <a:lvl5pPr indent="-317500" lvl="4" marL="2286000">
+            <a:lvl5pPr marL="2286000" lvl="4" indent="-317500">
               <a:lnSpc>
                 <a:spcPct val="115000"/>
               </a:lnSpc>
@@ -5441,7 +5602,7 @@
                 </a:solidFill>
               </a:defRPr>
             </a:lvl5pPr>
-            <a:lvl6pPr indent="-317500" lvl="5" marL="2743200">
+            <a:lvl6pPr marL="2743200" lvl="5" indent="-317500">
               <a:lnSpc>
                 <a:spcPct val="115000"/>
               </a:lnSpc>
@@ -5462,7 +5623,7 @@
                 </a:solidFill>
               </a:defRPr>
             </a:lvl6pPr>
-            <a:lvl7pPr indent="-317500" lvl="6" marL="3200400">
+            <a:lvl7pPr marL="3200400" lvl="6" indent="-317500">
               <a:lnSpc>
                 <a:spcPct val="115000"/>
               </a:lnSpc>
@@ -5483,7 +5644,7 @@
                 </a:solidFill>
               </a:defRPr>
             </a:lvl7pPr>
-            <a:lvl8pPr indent="-317500" lvl="7" marL="3657600">
+            <a:lvl8pPr marL="3657600" lvl="7" indent="-317500">
               <a:lnSpc>
                 <a:spcPct val="115000"/>
               </a:lnSpc>
@@ -5504,7 +5665,7 @@
                 </a:solidFill>
               </a:defRPr>
             </a:lvl8pPr>
-            <a:lvl9pPr indent="-317500" lvl="8" marL="4114800">
+            <a:lvl9pPr marL="4114800" lvl="8" indent="-317500">
               <a:lnSpc>
                 <a:spcPct val="115000"/>
               </a:lnSpc>
@@ -5526,15 +5687,19 @@
               </a:defRPr>
             </a:lvl9pPr>
           </a:lstStyle>
-          <a:p/>
+          <a:p>
+            <a:endParaRPr/>
+          </a:p>
         </p:txBody>
       </p:sp>
       <p:sp>
         <p:nvSpPr>
           <p:cNvPr id="8" name="Google Shape;8;p1"/>
-          <p:cNvSpPr txBox="1"/>
+          <p:cNvSpPr txBox="1">
+            <a:spLocks noGrp="1"/>
+          </p:cNvSpPr>
           <p:nvPr>
-            <p:ph idx="12" type="sldNum"/>
+            <p:ph type="sldNum" idx="12"/>
           </p:nvPr>
         </p:nvSpPr>
         <p:spPr>
@@ -5551,7 +5716,7 @@
           </a:ln>
         </p:spPr>
         <p:txBody>
-          <a:bodyPr anchorCtr="0" anchor="ctr" bIns="91425" lIns="91425" spcFirstLastPara="1" rIns="91425" wrap="square" tIns="91425">
+          <a:bodyPr spcFirstLastPara="1" wrap="square" lIns="91425" tIns="91425" rIns="91425" bIns="91425" anchor="ctr" anchorCtr="0">
             <a:normAutofit/>
           </a:bodyPr>
           <a:lstStyle>
@@ -5629,7 +5794,7 @@
             </a:lvl9pPr>
           </a:lstStyle>
           <a:p>
-            <a:pPr indent="0" lvl="0" marL="0" rtl="0" algn="r">
+            <a:pPr marL="0" lvl="0" indent="0" algn="r" rtl="0">
               <a:spcBef>
                 <a:spcPts val="0"/>
               </a:spcBef>
@@ -5648,7 +5813,7 @@
       </p:sp>
     </p:spTree>
   </p:cSld>
-  <p:clrMap accent1="accent1" accent2="accent2" accent3="accent3" accent4="accent4" accent5="accent5" accent6="accent6" bg1="lt1" bg2="dk2" tx1="dk1" tx2="lt2" folHlink="folHlink" hlink="hlink"/>
+  <p:clrMap bg1="lt1" tx1="dk1" bg2="dk2" tx2="lt2" accent1="accent1" accent2="accent2" accent3="accent3" accent4="accent4" accent5="accent5" accent6="accent6" hlink="hlink" folHlink="folHlink"/>
   <p:sldLayoutIdLst>
     <p:sldLayoutId id="2147483648" r:id="rId1"/>
     <p:sldLayoutId id="2147483649" r:id="rId2"/>
@@ -5662,10 +5827,10 @@
     <p:sldLayoutId id="2147483657" r:id="rId10"/>
     <p:sldLayoutId id="2147483658" r:id="rId11"/>
   </p:sldLayoutIdLst>
-  <p:hf dt="0" ftr="0" hdr="0" sldNum="0"/>
+  <p:hf sldNum="0" hdr="0" ftr="0" dt="0"/>
   <p:txStyles>
     <p:titleStyle>
-      <a:defPPr lvl="0" marR="0" rtl="0" algn="l">
+      <a:defPPr marR="0" lvl="0" algn="l" rtl="0">
         <a:lnSpc>
           <a:spcPct val="100000"/>
         </a:lnSpc>
@@ -5676,7 +5841,7 @@
           <a:spcPts val="0"/>
         </a:spcAft>
       </a:defPPr>
-      <a:lvl1pPr lvl="0" marR="0" rtl="0" algn="l">
+      <a:lvl1pPr marR="0" lvl="0" algn="l" rtl="0">
         <a:lnSpc>
           <a:spcPct val="100000"/>
         </a:lnSpc>
@@ -5690,7 +5855,7 @@
           <a:srgbClr val="000000"/>
         </a:buClr>
         <a:buFont typeface="Arial"/>
-        <a:defRPr b="0" i="0" sz="1400" u="none" cap="none" strike="noStrike">
+        <a:defRPr sz="1400" b="0" i="0" u="none" strike="noStrike" cap="none">
           <a:solidFill>
             <a:srgbClr val="000000"/>
           </a:solidFill>
@@ -5700,7 +5865,7 @@
           <a:sym typeface="Arial"/>
         </a:defRPr>
       </a:lvl1pPr>
-      <a:lvl2pPr lvl="1" marR="0" rtl="0" algn="l">
+      <a:lvl2pPr marR="0" lvl="1" algn="l" rtl="0">
         <a:lnSpc>
           <a:spcPct val="100000"/>
         </a:lnSpc>
@@ -5714,7 +5879,7 @@
           <a:srgbClr val="000000"/>
         </a:buClr>
         <a:buFont typeface="Arial"/>
-        <a:defRPr b="0" i="0" sz="1400" u="none" cap="none" strike="noStrike">
+        <a:defRPr sz="1400" b="0" i="0" u="none" strike="noStrike" cap="none">
           <a:solidFill>
             <a:srgbClr val="000000"/>
           </a:solidFill>
@@ -5724,7 +5889,7 @@
           <a:sym typeface="Arial"/>
         </a:defRPr>
       </a:lvl2pPr>
-      <a:lvl3pPr lvl="2" marR="0" rtl="0" algn="l">
+      <a:lvl3pPr marR="0" lvl="2" algn="l" rtl="0">
         <a:lnSpc>
           <a:spcPct val="100000"/>
         </a:lnSpc>
@@ -5738,7 +5903,7 @@
           <a:srgbClr val="000000"/>
         </a:buClr>
         <a:buFont typeface="Arial"/>
-        <a:defRPr b="0" i="0" sz="1400" u="none" cap="none" strike="noStrike">
+        <a:defRPr sz="1400" b="0" i="0" u="none" strike="noStrike" cap="none">
           <a:solidFill>
             <a:srgbClr val="000000"/>
           </a:solidFill>
@@ -5748,7 +5913,7 @@
           <a:sym typeface="Arial"/>
         </a:defRPr>
       </a:lvl3pPr>
-      <a:lvl4pPr lvl="3" marR="0" rtl="0" algn="l">
+      <a:lvl4pPr marR="0" lvl="3" algn="l" rtl="0">
         <a:lnSpc>
           <a:spcPct val="100000"/>
         </a:lnSpc>
@@ -5762,7 +5927,7 @@
           <a:srgbClr val="000000"/>
         </a:buClr>
         <a:buFont typeface="Arial"/>
-        <a:defRPr b="0" i="0" sz="1400" u="none" cap="none" strike="noStrike">
+        <a:defRPr sz="1400" b="0" i="0" u="none" strike="noStrike" cap="none">
           <a:solidFill>
             <a:srgbClr val="000000"/>
           </a:solidFill>
@@ -5772,7 +5937,7 @@
           <a:sym typeface="Arial"/>
         </a:defRPr>
       </a:lvl4pPr>
-      <a:lvl5pPr lvl="4" marR="0" rtl="0" algn="l">
+      <a:lvl5pPr marR="0" lvl="4" algn="l" rtl="0">
         <a:lnSpc>
           <a:spcPct val="100000"/>
         </a:lnSpc>
@@ -5786,7 +5951,7 @@
           <a:srgbClr val="000000"/>
         </a:buClr>
         <a:buFont typeface="Arial"/>
-        <a:defRPr b="0" i="0" sz="1400" u="none" cap="none" strike="noStrike">
+        <a:defRPr sz="1400" b="0" i="0" u="none" strike="noStrike" cap="none">
           <a:solidFill>
             <a:srgbClr val="000000"/>
           </a:solidFill>
@@ -5796,7 +5961,7 @@
           <a:sym typeface="Arial"/>
         </a:defRPr>
       </a:lvl5pPr>
-      <a:lvl6pPr lvl="5" marR="0" rtl="0" algn="l">
+      <a:lvl6pPr marR="0" lvl="5" algn="l" rtl="0">
         <a:lnSpc>
           <a:spcPct val="100000"/>
         </a:lnSpc>
@@ -5810,7 +5975,7 @@
           <a:srgbClr val="000000"/>
         </a:buClr>
         <a:buFont typeface="Arial"/>
-        <a:defRPr b="0" i="0" sz="1400" u="none" cap="none" strike="noStrike">
+        <a:defRPr sz="1400" b="0" i="0" u="none" strike="noStrike" cap="none">
           <a:solidFill>
             <a:srgbClr val="000000"/>
           </a:solidFill>
@@ -5820,7 +5985,7 @@
           <a:sym typeface="Arial"/>
         </a:defRPr>
       </a:lvl6pPr>
-      <a:lvl7pPr lvl="6" marR="0" rtl="0" algn="l">
+      <a:lvl7pPr marR="0" lvl="6" algn="l" rtl="0">
         <a:lnSpc>
           <a:spcPct val="100000"/>
         </a:lnSpc>
@@ -5834,7 +5999,7 @@
           <a:srgbClr val="000000"/>
         </a:buClr>
         <a:buFont typeface="Arial"/>
-        <a:defRPr b="0" i="0" sz="1400" u="none" cap="none" strike="noStrike">
+        <a:defRPr sz="1400" b="0" i="0" u="none" strike="noStrike" cap="none">
           <a:solidFill>
             <a:srgbClr val="000000"/>
           </a:solidFill>
@@ -5844,7 +6009,7 @@
           <a:sym typeface="Arial"/>
         </a:defRPr>
       </a:lvl7pPr>
-      <a:lvl8pPr lvl="7" marR="0" rtl="0" algn="l">
+      <a:lvl8pPr marR="0" lvl="7" algn="l" rtl="0">
         <a:lnSpc>
           <a:spcPct val="100000"/>
         </a:lnSpc>
@@ -5858,7 +6023,7 @@
           <a:srgbClr val="000000"/>
         </a:buClr>
         <a:buFont typeface="Arial"/>
-        <a:defRPr b="0" i="0" sz="1400" u="none" cap="none" strike="noStrike">
+        <a:defRPr sz="1400" b="0" i="0" u="none" strike="noStrike" cap="none">
           <a:solidFill>
             <a:srgbClr val="000000"/>
           </a:solidFill>
@@ -5868,7 +6033,7 @@
           <a:sym typeface="Arial"/>
         </a:defRPr>
       </a:lvl8pPr>
-      <a:lvl9pPr lvl="8" marR="0" rtl="0" algn="l">
+      <a:lvl9pPr marR="0" lvl="8" algn="l" rtl="0">
         <a:lnSpc>
           <a:spcPct val="100000"/>
         </a:lnSpc>
@@ -5882,7 +6047,7 @@
           <a:srgbClr val="000000"/>
         </a:buClr>
         <a:buFont typeface="Arial"/>
-        <a:defRPr b="0" i="0" sz="1400" u="none" cap="none" strike="noStrike">
+        <a:defRPr sz="1400" b="0" i="0" u="none" strike="noStrike" cap="none">
           <a:solidFill>
             <a:srgbClr val="000000"/>
           </a:solidFill>
@@ -5894,7 +6059,7 @@
       </a:lvl9pPr>
     </p:titleStyle>
     <p:bodyStyle>
-      <a:defPPr lvl="0" marR="0" rtl="0" algn="l">
+      <a:defPPr marR="0" lvl="0" algn="l" rtl="0">
         <a:lnSpc>
           <a:spcPct val="100000"/>
         </a:lnSpc>
@@ -5905,7 +6070,7 @@
           <a:spcPts val="0"/>
         </a:spcAft>
       </a:defPPr>
-      <a:lvl1pPr lvl="0" marR="0" rtl="0" algn="l">
+      <a:lvl1pPr marR="0" lvl="0" algn="l" rtl="0">
         <a:lnSpc>
           <a:spcPct val="100000"/>
         </a:lnSpc>
@@ -5919,7 +6084,7 @@
           <a:srgbClr val="000000"/>
         </a:buClr>
         <a:buFont typeface="Arial"/>
-        <a:defRPr b="0" i="0" sz="1400" u="none" cap="none" strike="noStrike">
+        <a:defRPr sz="1400" b="0" i="0" u="none" strike="noStrike" cap="none">
           <a:solidFill>
             <a:srgbClr val="000000"/>
           </a:solidFill>
@@ -5929,7 +6094,7 @@
           <a:sym typeface="Arial"/>
         </a:defRPr>
       </a:lvl1pPr>
-      <a:lvl2pPr lvl="1" marR="0" rtl="0" algn="l">
+      <a:lvl2pPr marR="0" lvl="1" algn="l" rtl="0">
         <a:lnSpc>
           <a:spcPct val="100000"/>
         </a:lnSpc>
@@ -5943,7 +6108,7 @@
           <a:srgbClr val="000000"/>
         </a:buClr>
         <a:buFont typeface="Arial"/>
-        <a:defRPr b="0" i="0" sz="1400" u="none" cap="none" strike="noStrike">
+        <a:defRPr sz="1400" b="0" i="0" u="none" strike="noStrike" cap="none">
           <a:solidFill>
             <a:srgbClr val="000000"/>
           </a:solidFill>
@@ -5953,7 +6118,7 @@
           <a:sym typeface="Arial"/>
         </a:defRPr>
       </a:lvl2pPr>
-      <a:lvl3pPr lvl="2" marR="0" rtl="0" algn="l">
+      <a:lvl3pPr marR="0" lvl="2" algn="l" rtl="0">
         <a:lnSpc>
           <a:spcPct val="100000"/>
         </a:lnSpc>
@@ -5967,7 +6132,7 @@
           <a:srgbClr val="000000"/>
         </a:buClr>
         <a:buFont typeface="Arial"/>
-        <a:defRPr b="0" i="0" sz="1400" u="none" cap="none" strike="noStrike">
+        <a:defRPr sz="1400" b="0" i="0" u="none" strike="noStrike" cap="none">
           <a:solidFill>
             <a:srgbClr val="000000"/>
           </a:solidFill>
@@ -5977,7 +6142,7 @@
           <a:sym typeface="Arial"/>
         </a:defRPr>
       </a:lvl3pPr>
-      <a:lvl4pPr lvl="3" marR="0" rtl="0" algn="l">
+      <a:lvl4pPr marR="0" lvl="3" algn="l" rtl="0">
         <a:lnSpc>
           <a:spcPct val="100000"/>
         </a:lnSpc>
@@ -5991,7 +6156,7 @@
           <a:srgbClr val="000000"/>
         </a:buClr>
         <a:buFont typeface="Arial"/>
-        <a:defRPr b="0" i="0" sz="1400" u="none" cap="none" strike="noStrike">
+        <a:defRPr sz="1400" b="0" i="0" u="none" strike="noStrike" cap="none">
           <a:solidFill>
             <a:srgbClr val="000000"/>
           </a:solidFill>
@@ -6001,7 +6166,7 @@
           <a:sym typeface="Arial"/>
         </a:defRPr>
       </a:lvl4pPr>
-      <a:lvl5pPr lvl="4" marR="0" rtl="0" algn="l">
+      <a:lvl5pPr marR="0" lvl="4" algn="l" rtl="0">
         <a:lnSpc>
           <a:spcPct val="100000"/>
         </a:lnSpc>
@@ -6015,7 +6180,7 @@
           <a:srgbClr val="000000"/>
         </a:buClr>
         <a:buFont typeface="Arial"/>
-        <a:defRPr b="0" i="0" sz="1400" u="none" cap="none" strike="noStrike">
+        <a:defRPr sz="1400" b="0" i="0" u="none" strike="noStrike" cap="none">
           <a:solidFill>
             <a:srgbClr val="000000"/>
           </a:solidFill>
@@ -6025,7 +6190,7 @@
           <a:sym typeface="Arial"/>
         </a:defRPr>
       </a:lvl5pPr>
-      <a:lvl6pPr lvl="5" marR="0" rtl="0" algn="l">
+      <a:lvl6pPr marR="0" lvl="5" algn="l" rtl="0">
         <a:lnSpc>
           <a:spcPct val="100000"/>
         </a:lnSpc>
@@ -6039,7 +6204,7 @@
           <a:srgbClr val="000000"/>
         </a:buClr>
         <a:buFont typeface="Arial"/>
-        <a:defRPr b="0" i="0" sz="1400" u="none" cap="none" strike="noStrike">
+        <a:defRPr sz="1400" b="0" i="0" u="none" strike="noStrike" cap="none">
           <a:solidFill>
             <a:srgbClr val="000000"/>
           </a:solidFill>
@@ -6049,7 +6214,7 @@
           <a:sym typeface="Arial"/>
         </a:defRPr>
       </a:lvl6pPr>
-      <a:lvl7pPr lvl="6" marR="0" rtl="0" algn="l">
+      <a:lvl7pPr marR="0" lvl="6" algn="l" rtl="0">
         <a:lnSpc>
           <a:spcPct val="100000"/>
         </a:lnSpc>
@@ -6063,7 +6228,7 @@
           <a:srgbClr val="000000"/>
         </a:buClr>
         <a:buFont typeface="Arial"/>
-        <a:defRPr b="0" i="0" sz="1400" u="none" cap="none" strike="noStrike">
+        <a:defRPr sz="1400" b="0" i="0" u="none" strike="noStrike" cap="none">
           <a:solidFill>
             <a:srgbClr val="000000"/>
           </a:solidFill>
@@ -6073,7 +6238,7 @@
           <a:sym typeface="Arial"/>
         </a:defRPr>
       </a:lvl7pPr>
-      <a:lvl8pPr lvl="7" marR="0" rtl="0" algn="l">
+      <a:lvl8pPr marR="0" lvl="7" algn="l" rtl="0">
         <a:lnSpc>
           <a:spcPct val="100000"/>
         </a:lnSpc>
@@ -6087,7 +6252,7 @@
           <a:srgbClr val="000000"/>
         </a:buClr>
         <a:buFont typeface="Arial"/>
-        <a:defRPr b="0" i="0" sz="1400" u="none" cap="none" strike="noStrike">
+        <a:defRPr sz="1400" b="0" i="0" u="none" strike="noStrike" cap="none">
           <a:solidFill>
             <a:srgbClr val="000000"/>
           </a:solidFill>
@@ -6097,7 +6262,7 @@
           <a:sym typeface="Arial"/>
         </a:defRPr>
       </a:lvl8pPr>
-      <a:lvl9pPr lvl="8" marR="0" rtl="0" algn="l">
+      <a:lvl9pPr marR="0" lvl="8" algn="l" rtl="0">
         <a:lnSpc>
           <a:spcPct val="100000"/>
         </a:lnSpc>
@@ -6111,7 +6276,7 @@
           <a:srgbClr val="000000"/>
         </a:buClr>
         <a:buFont typeface="Arial"/>
-        <a:defRPr b="0" i="0" sz="1400" u="none" cap="none" strike="noStrike">
+        <a:defRPr sz="1400" b="0" i="0" u="none" strike="noStrike" cap="none">
           <a:solidFill>
             <a:srgbClr val="000000"/>
           </a:solidFill>
@@ -6123,7 +6288,7 @@
       </a:lvl9pPr>
     </p:bodyStyle>
     <p:otherStyle>
-      <a:defPPr lvl="0" marR="0" rtl="0" algn="l">
+      <a:defPPr marR="0" lvl="0" algn="l" rtl="0">
         <a:lnSpc>
           <a:spcPct val="100000"/>
         </a:lnSpc>
@@ -6134,7 +6299,7 @@
           <a:spcPts val="0"/>
         </a:spcAft>
       </a:defPPr>
-      <a:lvl1pPr lvl="0" marR="0" rtl="0" algn="l">
+      <a:lvl1pPr marR="0" lvl="0" algn="l" rtl="0">
         <a:lnSpc>
           <a:spcPct val="100000"/>
         </a:lnSpc>
@@ -6148,7 +6313,7 @@
           <a:srgbClr val="000000"/>
         </a:buClr>
         <a:buFont typeface="Arial"/>
-        <a:defRPr b="0" i="0" sz="1400" u="none" cap="none" strike="noStrike">
+        <a:defRPr sz="1400" b="0" i="0" u="none" strike="noStrike" cap="none">
           <a:solidFill>
             <a:srgbClr val="000000"/>
           </a:solidFill>
@@ -6158,7 +6323,7 @@
           <a:sym typeface="Arial"/>
         </a:defRPr>
       </a:lvl1pPr>
-      <a:lvl2pPr lvl="1" marR="0" rtl="0" algn="l">
+      <a:lvl2pPr marR="0" lvl="1" algn="l" rtl="0">
         <a:lnSpc>
           <a:spcPct val="100000"/>
         </a:lnSpc>
@@ -6172,7 +6337,7 @@
           <a:srgbClr val="000000"/>
         </a:buClr>
         <a:buFont typeface="Arial"/>
-        <a:defRPr b="0" i="0" sz="1400" u="none" cap="none" strike="noStrike">
+        <a:defRPr sz="1400" b="0" i="0" u="none" strike="noStrike" cap="none">
           <a:solidFill>
             <a:srgbClr val="000000"/>
           </a:solidFill>
@@ -6182,7 +6347,7 @@
           <a:sym typeface="Arial"/>
         </a:defRPr>
       </a:lvl2pPr>
-      <a:lvl3pPr lvl="2" marR="0" rtl="0" algn="l">
+      <a:lvl3pPr marR="0" lvl="2" algn="l" rtl="0">
         <a:lnSpc>
           <a:spcPct val="100000"/>
         </a:lnSpc>
@@ -6196,7 +6361,7 @@
           <a:srgbClr val="000000"/>
         </a:buClr>
         <a:buFont typeface="Arial"/>
-        <a:defRPr b="0" i="0" sz="1400" u="none" cap="none" strike="noStrike">
+        <a:defRPr sz="1400" b="0" i="0" u="none" strike="noStrike" cap="none">
           <a:solidFill>
             <a:srgbClr val="000000"/>
           </a:solidFill>
@@ -6206,7 +6371,7 @@
           <a:sym typeface="Arial"/>
         </a:defRPr>
       </a:lvl3pPr>
-      <a:lvl4pPr lvl="3" marR="0" rtl="0" algn="l">
+      <a:lvl4pPr marR="0" lvl="3" algn="l" rtl="0">
         <a:lnSpc>
           <a:spcPct val="100000"/>
         </a:lnSpc>
@@ -6220,7 +6385,7 @@
           <a:srgbClr val="000000"/>
         </a:buClr>
         <a:buFont typeface="Arial"/>
-        <a:defRPr b="0" i="0" sz="1400" u="none" cap="none" strike="noStrike">
+        <a:defRPr sz="1400" b="0" i="0" u="none" strike="noStrike" cap="none">
           <a:solidFill>
             <a:srgbClr val="000000"/>
           </a:solidFill>
@@ -6230,7 +6395,7 @@
           <a:sym typeface="Arial"/>
         </a:defRPr>
       </a:lvl4pPr>
-      <a:lvl5pPr lvl="4" marR="0" rtl="0" algn="l">
+      <a:lvl5pPr marR="0" lvl="4" algn="l" rtl="0">
         <a:lnSpc>
           <a:spcPct val="100000"/>
         </a:lnSpc>
@@ -6244,7 +6409,7 @@
           <a:srgbClr val="000000"/>
         </a:buClr>
         <a:buFont typeface="Arial"/>
-        <a:defRPr b="0" i="0" sz="1400" u="none" cap="none" strike="noStrike">
+        <a:defRPr sz="1400" b="0" i="0" u="none" strike="noStrike" cap="none">
           <a:solidFill>
             <a:srgbClr val="000000"/>
           </a:solidFill>
@@ -6254,7 +6419,7 @@
           <a:sym typeface="Arial"/>
         </a:defRPr>
       </a:lvl5pPr>
-      <a:lvl6pPr lvl="5" marR="0" rtl="0" algn="l">
+      <a:lvl6pPr marR="0" lvl="5" algn="l" rtl="0">
         <a:lnSpc>
           <a:spcPct val="100000"/>
         </a:lnSpc>
@@ -6268,7 +6433,7 @@
           <a:srgbClr val="000000"/>
         </a:buClr>
         <a:buFont typeface="Arial"/>
-        <a:defRPr b="0" i="0" sz="1400" u="none" cap="none" strike="noStrike">
+        <a:defRPr sz="1400" b="0" i="0" u="none" strike="noStrike" cap="none">
           <a:solidFill>
             <a:srgbClr val="000000"/>
           </a:solidFill>
@@ -6278,7 +6443,7 @@
           <a:sym typeface="Arial"/>
         </a:defRPr>
       </a:lvl6pPr>
-      <a:lvl7pPr lvl="6" marR="0" rtl="0" algn="l">
+      <a:lvl7pPr marR="0" lvl="6" algn="l" rtl="0">
         <a:lnSpc>
           <a:spcPct val="100000"/>
         </a:lnSpc>
@@ -6292,7 +6457,7 @@
           <a:srgbClr val="000000"/>
         </a:buClr>
         <a:buFont typeface="Arial"/>
-        <a:defRPr b="0" i="0" sz="1400" u="none" cap="none" strike="noStrike">
+        <a:defRPr sz="1400" b="0" i="0" u="none" strike="noStrike" cap="none">
           <a:solidFill>
             <a:srgbClr val="000000"/>
           </a:solidFill>
@@ -6302,7 +6467,7 @@
           <a:sym typeface="Arial"/>
         </a:defRPr>
       </a:lvl7pPr>
-      <a:lvl8pPr lvl="7" marR="0" rtl="0" algn="l">
+      <a:lvl8pPr marR="0" lvl="7" algn="l" rtl="0">
         <a:lnSpc>
           <a:spcPct val="100000"/>
         </a:lnSpc>
@@ -6316,7 +6481,7 @@
           <a:srgbClr val="000000"/>
         </a:buClr>
         <a:buFont typeface="Arial"/>
-        <a:defRPr b="0" i="0" sz="1400" u="none" cap="none" strike="noStrike">
+        <a:defRPr sz="1400" b="0" i="0" u="none" strike="noStrike" cap="none">
           <a:solidFill>
             <a:srgbClr val="000000"/>
           </a:solidFill>
@@ -6326,7 +6491,7 @@
           <a:sym typeface="Arial"/>
         </a:defRPr>
       </a:lvl8pPr>
-      <a:lvl9pPr lvl="8" marR="0" rtl="0" algn="l">
+      <a:lvl9pPr marR="0" lvl="8" algn="l" rtl="0">
         <a:lnSpc>
           <a:spcPct val="100000"/>
         </a:lnSpc>
@@ -6340,7 +6505,7 @@
           <a:srgbClr val="000000"/>
         </a:buClr>
         <a:buFont typeface="Arial"/>
-        <a:defRPr b="0" i="0" sz="1400" u="none" cap="none" strike="noStrike">
+        <a:defRPr sz="1400" b="0" i="0" u="none" strike="noStrike" cap="none">
           <a:solidFill>
             <a:srgbClr val="000000"/>
           </a:solidFill>
@@ -6356,11 +6521,11 @@
 </file>
 
 <file path=ppt/slides/slide1.xml><?xml version="1.0" encoding="utf-8"?>
-<p:sld xmlns:a="http://schemas.openxmlformats.org/drawingml/2006/main" xmlns:r="http://schemas.openxmlformats.org/officeDocument/2006/relationships" xmlns:mc="http://schemas.openxmlformats.org/markup-compatibility/2006" xmlns:mv="urn:schemas-microsoft-com:mac:vml" xmlns:p="http://schemas.openxmlformats.org/presentationml/2006/main" xmlns:c="http://schemas.openxmlformats.org/drawingml/2006/chart" xmlns:dgm="http://schemas.openxmlformats.org/drawingml/2006/diagram" xmlns:o="urn:schemas-microsoft-com:office:office" xmlns:v="urn:schemas-microsoft-com:vml" xmlns:pvml="urn:schemas-microsoft-com:office:powerpoint" xmlns:com="http://schemas.openxmlformats.org/drawingml/2006/compatibility" xmlns:p14="http://schemas.microsoft.com/office/powerpoint/2010/main" xmlns:p15="http://schemas.microsoft.com/office/powerpoint/2012/main" xmlns:ahyp="http://schemas.microsoft.com/office/drawing/2018/hyperlinkcolor">
+<p:sld xmlns:a="http://schemas.openxmlformats.org/drawingml/2006/main" xmlns:r="http://schemas.openxmlformats.org/officeDocument/2006/relationships" xmlns:p="http://schemas.openxmlformats.org/presentationml/2006/main">
   <p:cSld>
     <p:spTree>
       <p:nvGrpSpPr>
-        <p:cNvPr id="53" name="Shape 53"/>
+        <p:cNvPr id="1" name="Shape 53"/>
         <p:cNvGrpSpPr/>
         <p:nvPr/>
       </p:nvGrpSpPr>
@@ -6394,12 +6559,12 @@
           </a:ln>
         </p:spPr>
         <p:txBody>
-          <a:bodyPr anchorCtr="0" anchor="ctr" bIns="91425" lIns="91425" spcFirstLastPara="1" rIns="91425" wrap="square" tIns="91425">
+          <a:bodyPr spcFirstLastPara="1" wrap="square" lIns="91425" tIns="91425" rIns="91425" bIns="91425" anchor="ctr" anchorCtr="0">
             <a:noAutofit/>
           </a:bodyPr>
           <a:lstStyle/>
           <a:p>
-            <a:pPr indent="0" lvl="0" marL="0" rtl="0" algn="l">
+            <a:pPr marL="0" lvl="0" indent="0" algn="l" rtl="0">
               <a:spcBef>
                 <a:spcPts val="0"/>
               </a:spcBef>
@@ -6408,9 +6573,6 @@
               </a:spcAft>
               <a:buNone/>
             </a:pPr>
-            <a:r>
-              <a:t/>
-            </a:r>
             <a:endParaRPr/>
           </a:p>
         </p:txBody>
@@ -6428,29 +6590,29 @@
           </a:xfrm>
           <a:prstGeom prst="diagStripe">
             <a:avLst>
-              <a:gd fmla="val 50000" name="adj"/>
+              <a:gd name="adj" fmla="val 50000"/>
             </a:avLst>
           </a:prstGeom>
           <a:solidFill>
             <a:srgbClr val="FFC971"/>
           </a:solidFill>
-          <a:ln cap="flat" cmpd="sng" w="9525">
+          <a:ln w="9525" cap="flat" cmpd="sng">
             <a:solidFill>
               <a:srgbClr val="FFC971"/>
             </a:solidFill>
             <a:prstDash val="solid"/>
             <a:round/>
-            <a:headEnd len="sm" w="sm" type="none"/>
-            <a:tailEnd len="sm" w="sm" type="none"/>
+            <a:headEnd type="none" w="sm" len="sm"/>
+            <a:tailEnd type="none" w="sm" len="sm"/>
           </a:ln>
         </p:spPr>
         <p:txBody>
-          <a:bodyPr anchorCtr="0" anchor="ctr" bIns="91425" lIns="91425" spcFirstLastPara="1" rIns="91425" wrap="square" tIns="91425">
+          <a:bodyPr spcFirstLastPara="1" wrap="square" lIns="91425" tIns="91425" rIns="91425" bIns="91425" anchor="ctr" anchorCtr="0">
             <a:noAutofit/>
           </a:bodyPr>
           <a:lstStyle/>
           <a:p>
-            <a:pPr indent="0" lvl="0" marL="0" rtl="0" algn="l">
+            <a:pPr marL="0" lvl="0" indent="0" algn="l" rtl="0">
               <a:spcBef>
                 <a:spcPts val="0"/>
               </a:spcBef>
@@ -6459,9 +6621,6 @@
               </a:spcAft>
               <a:buNone/>
             </a:pPr>
-            <a:r>
-              <a:t/>
-            </a:r>
             <a:endParaRPr/>
           </a:p>
         </p:txBody>
@@ -6486,12 +6645,12 @@
           </a:ln>
         </p:spPr>
         <p:txBody>
-          <a:bodyPr anchorCtr="0" anchor="b" bIns="91425" lIns="91425" spcFirstLastPara="1" rIns="91425" wrap="square" tIns="91425">
+          <a:bodyPr spcFirstLastPara="1" wrap="square" lIns="91425" tIns="91425" rIns="91425" bIns="91425" anchor="b" anchorCtr="0">
             <a:noAutofit/>
           </a:bodyPr>
           <a:lstStyle/>
           <a:p>
-            <a:pPr indent="0" lvl="0" marL="0" rtl="0" algn="ctr">
+            <a:pPr marL="0" lvl="0" indent="0" algn="ctr" rtl="0">
               <a:spcBef>
                 <a:spcPts val="0"/>
               </a:spcBef>
@@ -6541,12 +6700,12 @@
           </a:ln>
         </p:spPr>
         <p:txBody>
-          <a:bodyPr anchorCtr="0" anchor="t" bIns="91425" lIns="91425" spcFirstLastPara="1" rIns="91425" wrap="square" tIns="91425">
+          <a:bodyPr spcFirstLastPara="1" wrap="square" lIns="91425" tIns="91425" rIns="91425" bIns="91425" anchor="t" anchorCtr="0">
             <a:noAutofit/>
           </a:bodyPr>
           <a:lstStyle/>
           <a:p>
-            <a:pPr indent="0" lvl="0" marL="0" rtl="0" algn="ctr">
+            <a:pPr marL="0" lvl="0" indent="0" algn="ctr" rtl="0">
               <a:spcBef>
                 <a:spcPts val="0"/>
               </a:spcBef>
@@ -6592,7 +6751,7 @@
           </a:xfrm>
           <a:prstGeom prst="donut">
             <a:avLst>
-              <a:gd fmla="val 25000" name="adj"/>
+              <a:gd name="adj" fmla="val 25000"/>
             </a:avLst>
           </a:prstGeom>
           <a:solidFill>
@@ -6603,12 +6762,12 @@
           </a:ln>
         </p:spPr>
         <p:txBody>
-          <a:bodyPr anchorCtr="0" anchor="ctr" bIns="91425" lIns="91425" spcFirstLastPara="1" rIns="91425" wrap="square" tIns="91425">
+          <a:bodyPr spcFirstLastPara="1" wrap="square" lIns="91425" tIns="91425" rIns="91425" bIns="91425" anchor="ctr" anchorCtr="0">
             <a:noAutofit/>
           </a:bodyPr>
           <a:lstStyle/>
           <a:p>
-            <a:pPr indent="0" lvl="0" marL="0" rtl="0" algn="l">
+            <a:pPr marL="0" lvl="0" indent="0" algn="l" rtl="0">
               <a:spcBef>
                 <a:spcPts val="0"/>
               </a:spcBef>
@@ -6617,9 +6776,6 @@
               </a:spcAft>
               <a:buNone/>
             </a:pPr>
-            <a:r>
-              <a:t/>
-            </a:r>
             <a:endParaRPr/>
           </a:p>
         </p:txBody>
@@ -6633,11 +6789,11 @@
 </file>
 
 <file path=ppt/slides/slide10.xml><?xml version="1.0" encoding="utf-8"?>
-<p:sld xmlns:a="http://schemas.openxmlformats.org/drawingml/2006/main" xmlns:r="http://schemas.openxmlformats.org/officeDocument/2006/relationships" xmlns:mc="http://schemas.openxmlformats.org/markup-compatibility/2006" xmlns:mv="urn:schemas-microsoft-com:mac:vml" xmlns:p="http://schemas.openxmlformats.org/presentationml/2006/main" xmlns:c="http://schemas.openxmlformats.org/drawingml/2006/chart" xmlns:dgm="http://schemas.openxmlformats.org/drawingml/2006/diagram" xmlns:o="urn:schemas-microsoft-com:office:office" xmlns:v="urn:schemas-microsoft-com:vml" xmlns:pvml="urn:schemas-microsoft-com:office:powerpoint" xmlns:com="http://schemas.openxmlformats.org/drawingml/2006/compatibility" xmlns:p14="http://schemas.microsoft.com/office/powerpoint/2010/main" xmlns:p15="http://schemas.microsoft.com/office/powerpoint/2012/main" xmlns:ahyp="http://schemas.microsoft.com/office/drawing/2018/hyperlinkcolor">
+<p:sld xmlns:a="http://schemas.openxmlformats.org/drawingml/2006/main" xmlns:r="http://schemas.openxmlformats.org/officeDocument/2006/relationships" xmlns:p="http://schemas.openxmlformats.org/presentationml/2006/main">
   <p:cSld>
     <p:spTree>
       <p:nvGrpSpPr>
-        <p:cNvPr id="159" name="Shape 159"/>
+        <p:cNvPr id="1" name="Shape 159"/>
         <p:cNvGrpSpPr/>
         <p:nvPr/>
       </p:nvGrpSpPr>
@@ -6662,7 +6818,7 @@
           </a:xfrm>
           <a:prstGeom prst="donut">
             <a:avLst>
-              <a:gd fmla="val 25000" name="adj"/>
+              <a:gd name="adj" fmla="val 25000"/>
             </a:avLst>
           </a:prstGeom>
           <a:solidFill>
@@ -6673,12 +6829,12 @@
           </a:ln>
         </p:spPr>
         <p:txBody>
-          <a:bodyPr anchorCtr="0" anchor="ctr" bIns="91425" lIns="91425" spcFirstLastPara="1" rIns="91425" wrap="square" tIns="91425">
+          <a:bodyPr spcFirstLastPara="1" wrap="square" lIns="91425" tIns="91425" rIns="91425" bIns="91425" anchor="ctr" anchorCtr="0">
             <a:noAutofit/>
           </a:bodyPr>
           <a:lstStyle/>
           <a:p>
-            <a:pPr indent="0" lvl="0" marL="0" rtl="0" algn="l">
+            <a:pPr marL="0" lvl="0" indent="0" algn="l" rtl="0">
               <a:spcBef>
                 <a:spcPts val="0"/>
               </a:spcBef>
@@ -6687,9 +6843,6 @@
               </a:spcAft>
               <a:buNone/>
             </a:pPr>
-            <a:r>
-              <a:t/>
-            </a:r>
             <a:endParaRPr/>
           </a:p>
         </p:txBody>
@@ -6707,7 +6860,7 @@
           </a:xfrm>
           <a:prstGeom prst="diagStripe">
             <a:avLst>
-              <a:gd fmla="val 50000" name="adj"/>
+              <a:gd name="adj" fmla="val 50000"/>
             </a:avLst>
           </a:prstGeom>
           <a:solidFill>
@@ -6718,12 +6871,12 @@
           </a:ln>
         </p:spPr>
         <p:txBody>
-          <a:bodyPr anchorCtr="0" anchor="ctr" bIns="91425" lIns="91425" spcFirstLastPara="1" rIns="91425" wrap="square" tIns="91425">
+          <a:bodyPr spcFirstLastPara="1" wrap="square" lIns="91425" tIns="91425" rIns="91425" bIns="91425" anchor="ctr" anchorCtr="0">
             <a:noAutofit/>
           </a:bodyPr>
           <a:lstStyle/>
           <a:p>
-            <a:pPr indent="0" lvl="0" marL="0" rtl="0" algn="l">
+            <a:pPr marL="0" lvl="0" indent="0" algn="l" rtl="0">
               <a:spcBef>
                 <a:spcPts val="0"/>
               </a:spcBef>
@@ -6732,9 +6885,6 @@
               </a:spcAft>
               <a:buNone/>
             </a:pPr>
-            <a:r>
-              <a:t/>
-            </a:r>
             <a:endParaRPr/>
           </a:p>
         </p:txBody>
@@ -6752,7 +6902,7 @@
           </a:xfrm>
           <a:prstGeom prst="diagStripe">
             <a:avLst>
-              <a:gd fmla="val 50000" name="adj"/>
+              <a:gd name="adj" fmla="val 50000"/>
             </a:avLst>
           </a:prstGeom>
           <a:solidFill>
@@ -6763,12 +6913,12 @@
           </a:ln>
         </p:spPr>
         <p:txBody>
-          <a:bodyPr anchorCtr="0" anchor="ctr" bIns="91425" lIns="91425" spcFirstLastPara="1" rIns="91425" wrap="square" tIns="91425">
+          <a:bodyPr spcFirstLastPara="1" wrap="square" lIns="91425" tIns="91425" rIns="91425" bIns="91425" anchor="ctr" anchorCtr="0">
             <a:noAutofit/>
           </a:bodyPr>
           <a:lstStyle/>
           <a:p>
-            <a:pPr indent="0" lvl="0" marL="0" rtl="0" algn="l">
+            <a:pPr marL="0" lvl="0" indent="0" algn="l" rtl="0">
               <a:spcBef>
                 <a:spcPts val="0"/>
               </a:spcBef>
@@ -6777,9 +6927,6 @@
               </a:spcAft>
               <a:buNone/>
             </a:pPr>
-            <a:r>
-              <a:t/>
-            </a:r>
             <a:endParaRPr/>
           </a:p>
         </p:txBody>
@@ -6797,7 +6944,7 @@
           </a:xfrm>
           <a:prstGeom prst="diagStripe">
             <a:avLst>
-              <a:gd fmla="val 50000" name="adj"/>
+              <a:gd name="adj" fmla="val 50000"/>
             </a:avLst>
           </a:prstGeom>
           <a:solidFill>
@@ -6808,12 +6955,12 @@
           </a:ln>
         </p:spPr>
         <p:txBody>
-          <a:bodyPr anchorCtr="0" anchor="ctr" bIns="91425" lIns="91425" spcFirstLastPara="1" rIns="91425" wrap="square" tIns="91425">
+          <a:bodyPr spcFirstLastPara="1" wrap="square" lIns="91425" tIns="91425" rIns="91425" bIns="91425" anchor="ctr" anchorCtr="0">
             <a:noAutofit/>
           </a:bodyPr>
           <a:lstStyle/>
           <a:p>
-            <a:pPr indent="0" lvl="0" marL="0" rtl="0" algn="l">
+            <a:pPr marL="0" lvl="0" indent="0" algn="l" rtl="0">
               <a:spcBef>
                 <a:spcPts val="0"/>
               </a:spcBef>
@@ -6822,9 +6969,6 @@
               </a:spcAft>
               <a:buNone/>
             </a:pPr>
-            <a:r>
-              <a:t/>
-            </a:r>
             <a:endParaRPr/>
           </a:p>
         </p:txBody>
@@ -6849,12 +6993,12 @@
           </a:ln>
         </p:spPr>
         <p:txBody>
-          <a:bodyPr anchorCtr="0" anchor="b" bIns="91425" lIns="91425" spcFirstLastPara="1" rIns="91425" wrap="square" tIns="91425">
+          <a:bodyPr spcFirstLastPara="1" wrap="square" lIns="91425" tIns="91425" rIns="91425" bIns="91425" anchor="b" anchorCtr="0">
             <a:noAutofit/>
           </a:bodyPr>
           <a:lstStyle/>
           <a:p>
-            <a:pPr indent="0" lvl="0" marL="0" rtl="0" algn="ctr">
+            <a:pPr marL="0" lvl="0" indent="0" algn="ctr" rtl="0">
               <a:spcBef>
                 <a:spcPts val="0"/>
               </a:spcBef>
@@ -6904,12 +7048,12 @@
           </a:ln>
         </p:spPr>
         <p:txBody>
-          <a:bodyPr anchorCtr="0" anchor="t" bIns="91425" lIns="91425" spcFirstLastPara="1" rIns="91425" wrap="square" tIns="91425">
+          <a:bodyPr spcFirstLastPara="1" wrap="square" lIns="91425" tIns="91425" rIns="91425" bIns="91425" anchor="t" anchorCtr="0">
             <a:noAutofit/>
           </a:bodyPr>
           <a:lstStyle/>
           <a:p>
-            <a:pPr indent="0" lvl="0" marL="0" rtl="0" algn="l">
+            <a:pPr marL="0" lvl="0" indent="0" algn="l" rtl="0">
               <a:lnSpc>
                 <a:spcPct val="115000"/>
               </a:lnSpc>
@@ -6921,9 +7065,6 @@
               </a:spcAft>
               <a:buNone/>
             </a:pPr>
-            <a:r>
-              <a:t/>
-            </a:r>
             <a:endParaRPr>
               <a:solidFill>
                 <a:srgbClr val="595959"/>
@@ -6945,11 +7086,11 @@
 </file>
 
 <file path=ppt/slides/slide2.xml><?xml version="1.0" encoding="utf-8"?>
-<p:sld xmlns:a="http://schemas.openxmlformats.org/drawingml/2006/main" xmlns:r="http://schemas.openxmlformats.org/officeDocument/2006/relationships" xmlns:mc="http://schemas.openxmlformats.org/markup-compatibility/2006" xmlns:mv="urn:schemas-microsoft-com:mac:vml" xmlns:p="http://schemas.openxmlformats.org/presentationml/2006/main" xmlns:c="http://schemas.openxmlformats.org/drawingml/2006/chart" xmlns:dgm="http://schemas.openxmlformats.org/drawingml/2006/diagram" xmlns:o="urn:schemas-microsoft-com:office:office" xmlns:v="urn:schemas-microsoft-com:vml" xmlns:pvml="urn:schemas-microsoft-com:office:powerpoint" xmlns:com="http://schemas.openxmlformats.org/drawingml/2006/compatibility" xmlns:p14="http://schemas.microsoft.com/office/powerpoint/2010/main" xmlns:p15="http://schemas.microsoft.com/office/powerpoint/2012/main" xmlns:ahyp="http://schemas.microsoft.com/office/drawing/2018/hyperlinkcolor">
+<p:sld xmlns:a="http://schemas.openxmlformats.org/drawingml/2006/main" xmlns:r="http://schemas.openxmlformats.org/officeDocument/2006/relationships" xmlns:p="http://schemas.openxmlformats.org/presentationml/2006/main">
   <p:cSld>
     <p:spTree>
       <p:nvGrpSpPr>
-        <p:cNvPr id="62" name="Shape 62"/>
+        <p:cNvPr id="1" name="Shape 62"/>
         <p:cNvGrpSpPr/>
         <p:nvPr/>
       </p:nvGrpSpPr>
@@ -6983,12 +7124,12 @@
           </a:ln>
         </p:spPr>
         <p:txBody>
-          <a:bodyPr anchorCtr="0" anchor="ctr" bIns="91425" lIns="91425" spcFirstLastPara="1" rIns="91425" wrap="square" tIns="91425">
+          <a:bodyPr spcFirstLastPara="1" wrap="square" lIns="91425" tIns="91425" rIns="91425" bIns="91425" anchor="ctr" anchorCtr="0">
             <a:noAutofit/>
           </a:bodyPr>
           <a:lstStyle/>
           <a:p>
-            <a:pPr indent="0" lvl="0" marL="0" rtl="0" algn="l">
+            <a:pPr marL="0" lvl="0" indent="0" algn="l" rtl="0">
               <a:spcBef>
                 <a:spcPts val="0"/>
               </a:spcBef>
@@ -6997,9 +7138,6 @@
               </a:spcAft>
               <a:buNone/>
             </a:pPr>
-            <a:r>
-              <a:t/>
-            </a:r>
             <a:endParaRPr/>
           </a:p>
         </p:txBody>
@@ -7026,12 +7164,12 @@
           </a:ln>
         </p:spPr>
         <p:txBody>
-          <a:bodyPr anchorCtr="0" anchor="ctr" bIns="91425" lIns="91425" spcFirstLastPara="1" rIns="91425" wrap="square" tIns="91425">
+          <a:bodyPr spcFirstLastPara="1" wrap="square" lIns="91425" tIns="91425" rIns="91425" bIns="91425" anchor="ctr" anchorCtr="0">
             <a:noAutofit/>
           </a:bodyPr>
           <a:lstStyle/>
           <a:p>
-            <a:pPr indent="0" lvl="0" marL="0" rtl="0" algn="l">
+            <a:pPr marL="0" lvl="0" indent="0" algn="l" rtl="0">
               <a:spcBef>
                 <a:spcPts val="0"/>
               </a:spcBef>
@@ -7040,9 +7178,6 @@
               </a:spcAft>
               <a:buNone/>
             </a:pPr>
-            <a:r>
-              <a:t/>
-            </a:r>
             <a:endParaRPr/>
           </a:p>
         </p:txBody>
@@ -7067,12 +7202,12 @@
           </a:ln>
         </p:spPr>
         <p:txBody>
-          <a:bodyPr anchorCtr="0" anchor="t" bIns="91425" lIns="91425" spcFirstLastPara="1" rIns="91425" wrap="square" tIns="91425">
+          <a:bodyPr spcFirstLastPara="1" wrap="square" lIns="91425" tIns="91425" rIns="91425" bIns="91425" anchor="t" anchorCtr="0">
             <a:noAutofit/>
           </a:bodyPr>
           <a:lstStyle/>
           <a:p>
-            <a:pPr indent="0" lvl="0" marL="0" rtl="0" algn="l">
+            <a:pPr marL="0" lvl="0" indent="0" algn="l" rtl="0">
               <a:spcBef>
                 <a:spcPts val="0"/>
               </a:spcBef>
@@ -7111,7 +7246,7 @@
         <p:spPr>
           <a:xfrm>
             <a:off x="311700" y="1152475"/>
-            <a:ext cx="8520600" cy="3416400"/>
+            <a:ext cx="7422525" cy="3416400"/>
           </a:xfrm>
           <a:prstGeom prst="rect">
             <a:avLst/>
@@ -7122,12 +7257,12 @@
           </a:ln>
         </p:spPr>
         <p:txBody>
-          <a:bodyPr anchorCtr="0" anchor="t" bIns="91425" lIns="91425" spcFirstLastPara="1" rIns="91425" wrap="square" tIns="91425">
+          <a:bodyPr spcFirstLastPara="1" wrap="square" lIns="91425" tIns="91425" rIns="91425" bIns="91425" anchor="t" anchorCtr="0">
             <a:noAutofit/>
           </a:bodyPr>
           <a:lstStyle/>
           <a:p>
-            <a:pPr indent="0" lvl="0" marL="0" rtl="0" algn="l">
+            <a:pPr marL="0" lvl="0" indent="0" algn="l" rtl="0">
               <a:lnSpc>
                 <a:spcPct val="115000"/>
               </a:lnSpc>
@@ -7185,12 +7320,12 @@
           </a:ln>
         </p:spPr>
         <p:txBody>
-          <a:bodyPr anchorCtr="0" anchor="ctr" bIns="91425" lIns="91425" spcFirstLastPara="1" rIns="91425" wrap="square" tIns="91425">
+          <a:bodyPr spcFirstLastPara="1" wrap="square" lIns="91425" tIns="91425" rIns="91425" bIns="91425" anchor="ctr" anchorCtr="0">
             <a:noAutofit/>
           </a:bodyPr>
           <a:lstStyle/>
           <a:p>
-            <a:pPr indent="0" lvl="0" marL="0" rtl="0" algn="l">
+            <a:pPr marL="0" lvl="0" indent="0" algn="l" rtl="0">
               <a:spcBef>
                 <a:spcPts val="0"/>
               </a:spcBef>
@@ -7199,9 +7334,6 @@
               </a:spcAft>
               <a:buNone/>
             </a:pPr>
-            <a:r>
-              <a:t/>
-            </a:r>
             <a:endParaRPr/>
           </a:p>
         </p:txBody>
@@ -7228,12 +7360,12 @@
           </a:ln>
         </p:spPr>
         <p:txBody>
-          <a:bodyPr anchorCtr="0" anchor="ctr" bIns="91425" lIns="91425" spcFirstLastPara="1" rIns="91425" wrap="square" tIns="91425">
+          <a:bodyPr spcFirstLastPara="1" wrap="square" lIns="91425" tIns="91425" rIns="91425" bIns="91425" anchor="ctr" anchorCtr="0">
             <a:noAutofit/>
           </a:bodyPr>
           <a:lstStyle/>
           <a:p>
-            <a:pPr indent="0" lvl="0" marL="0" rtl="0" algn="l">
+            <a:pPr marL="0" lvl="0" indent="0" algn="l" rtl="0">
               <a:spcBef>
                 <a:spcPts val="0"/>
               </a:spcBef>
@@ -7242,9 +7374,6 @@
               </a:spcAft>
               <a:buNone/>
             </a:pPr>
-            <a:r>
-              <a:t/>
-            </a:r>
             <a:endParaRPr/>
           </a:p>
         </p:txBody>
@@ -7258,11 +7387,11 @@
 </file>
 
 <file path=ppt/slides/slide3.xml><?xml version="1.0" encoding="utf-8"?>
-<p:sld xmlns:a="http://schemas.openxmlformats.org/drawingml/2006/main" xmlns:r="http://schemas.openxmlformats.org/officeDocument/2006/relationships" xmlns:mc="http://schemas.openxmlformats.org/markup-compatibility/2006" xmlns:mv="urn:schemas-microsoft-com:mac:vml" xmlns:p="http://schemas.openxmlformats.org/presentationml/2006/main" xmlns:c="http://schemas.openxmlformats.org/drawingml/2006/chart" xmlns:dgm="http://schemas.openxmlformats.org/drawingml/2006/diagram" xmlns:o="urn:schemas-microsoft-com:office:office" xmlns:v="urn:schemas-microsoft-com:vml" xmlns:pvml="urn:schemas-microsoft-com:office:powerpoint" xmlns:com="http://schemas.openxmlformats.org/drawingml/2006/compatibility" xmlns:p14="http://schemas.microsoft.com/office/powerpoint/2010/main" xmlns:p15="http://schemas.microsoft.com/office/powerpoint/2012/main" xmlns:ahyp="http://schemas.microsoft.com/office/drawing/2018/hyperlinkcolor">
+<p:sld xmlns:a="http://schemas.openxmlformats.org/drawingml/2006/main" xmlns:r="http://schemas.openxmlformats.org/officeDocument/2006/relationships" xmlns:p="http://schemas.openxmlformats.org/presentationml/2006/main">
   <p:cSld>
     <p:spTree>
       <p:nvGrpSpPr>
-        <p:cNvPr id="72" name="Shape 72"/>
+        <p:cNvPr id="1" name="Shape 72"/>
         <p:cNvGrpSpPr/>
         <p:nvPr/>
       </p:nvGrpSpPr>
@@ -7296,12 +7425,12 @@
           </a:ln>
         </p:spPr>
         <p:txBody>
-          <a:bodyPr anchorCtr="0" anchor="ctr" bIns="91425" lIns="91425" spcFirstLastPara="1" rIns="91425" wrap="square" tIns="91425">
+          <a:bodyPr spcFirstLastPara="1" wrap="square" lIns="91425" tIns="91425" rIns="91425" bIns="91425" anchor="ctr" anchorCtr="0">
             <a:noAutofit/>
           </a:bodyPr>
           <a:lstStyle/>
           <a:p>
-            <a:pPr indent="0" lvl="0" marL="0" rtl="0" algn="l">
+            <a:pPr marL="0" lvl="0" indent="0" algn="l" rtl="0">
               <a:spcBef>
                 <a:spcPts val="0"/>
               </a:spcBef>
@@ -7310,9 +7439,6 @@
               </a:spcAft>
               <a:buNone/>
             </a:pPr>
-            <a:r>
-              <a:t/>
-            </a:r>
             <a:endParaRPr/>
           </a:p>
         </p:txBody>
@@ -7339,12 +7465,12 @@
           </a:ln>
         </p:spPr>
         <p:txBody>
-          <a:bodyPr anchorCtr="0" anchor="ctr" bIns="91425" lIns="91425" spcFirstLastPara="1" rIns="91425" wrap="square" tIns="91425">
+          <a:bodyPr spcFirstLastPara="1" wrap="square" lIns="91425" tIns="91425" rIns="91425" bIns="91425" anchor="ctr" anchorCtr="0">
             <a:noAutofit/>
           </a:bodyPr>
           <a:lstStyle/>
           <a:p>
-            <a:pPr indent="0" lvl="0" marL="0" rtl="0" algn="l">
+            <a:pPr marL="0" lvl="0" indent="0" algn="l" rtl="0">
               <a:spcBef>
                 <a:spcPts val="0"/>
               </a:spcBef>
@@ -7353,9 +7479,6 @@
               </a:spcAft>
               <a:buNone/>
             </a:pPr>
-            <a:r>
-              <a:t/>
-            </a:r>
             <a:endParaRPr/>
           </a:p>
         </p:txBody>
@@ -7382,12 +7505,12 @@
           </a:ln>
         </p:spPr>
         <p:txBody>
-          <a:bodyPr anchorCtr="0" anchor="ctr" bIns="91425" lIns="91425" spcFirstLastPara="1" rIns="91425" wrap="square" tIns="91425">
+          <a:bodyPr spcFirstLastPara="1" wrap="square" lIns="91425" tIns="91425" rIns="91425" bIns="91425" anchor="ctr" anchorCtr="0">
             <a:noAutofit/>
           </a:bodyPr>
           <a:lstStyle/>
           <a:p>
-            <a:pPr indent="0" lvl="0" marL="0" rtl="0" algn="l">
+            <a:pPr marL="0" lvl="0" indent="0" algn="l" rtl="0">
               <a:spcBef>
                 <a:spcPts val="0"/>
               </a:spcBef>
@@ -7396,9 +7519,6 @@
               </a:spcAft>
               <a:buNone/>
             </a:pPr>
-            <a:r>
-              <a:t/>
-            </a:r>
             <a:endParaRPr/>
           </a:p>
         </p:txBody>
@@ -7425,12 +7545,12 @@
           </a:ln>
         </p:spPr>
         <p:txBody>
-          <a:bodyPr anchorCtr="0" anchor="ctr" bIns="91425" lIns="91425" spcFirstLastPara="1" rIns="91425" wrap="square" tIns="91425">
+          <a:bodyPr spcFirstLastPara="1" wrap="square" lIns="91425" tIns="91425" rIns="91425" bIns="91425" anchor="ctr" anchorCtr="0">
             <a:noAutofit/>
           </a:bodyPr>
           <a:lstStyle/>
           <a:p>
-            <a:pPr indent="0" lvl="0" marL="0" rtl="0" algn="l">
+            <a:pPr marL="0" lvl="0" indent="0" algn="l" rtl="0">
               <a:spcBef>
                 <a:spcPts val="0"/>
               </a:spcBef>
@@ -7439,9 +7559,6 @@
               </a:spcAft>
               <a:buNone/>
             </a:pPr>
-            <a:r>
-              <a:t/>
-            </a:r>
             <a:endParaRPr/>
           </a:p>
         </p:txBody>
@@ -7466,12 +7583,12 @@
           </a:ln>
         </p:spPr>
         <p:txBody>
-          <a:bodyPr anchorCtr="0" anchor="t" bIns="91425" lIns="91425" spcFirstLastPara="1" rIns="91425" wrap="square" tIns="91425">
+          <a:bodyPr spcFirstLastPara="1" wrap="square" lIns="91425" tIns="91425" rIns="91425" bIns="91425" anchor="t" anchorCtr="0">
             <a:noAutofit/>
           </a:bodyPr>
           <a:lstStyle/>
           <a:p>
-            <a:pPr indent="0" lvl="0" marL="0" rtl="0" algn="l">
+            <a:pPr marL="0" lvl="0" indent="0" algn="l" rtl="0">
               <a:spcBef>
                 <a:spcPts val="0"/>
               </a:spcBef>
@@ -7509,8 +7626,8 @@
         </p:nvSpPr>
         <p:spPr>
           <a:xfrm>
-            <a:off x="311700" y="1152475"/>
-            <a:ext cx="3999900" cy="3416400"/>
+            <a:off x="311699" y="1152475"/>
+            <a:ext cx="3545925" cy="3416400"/>
           </a:xfrm>
           <a:prstGeom prst="rect">
             <a:avLst/>
@@ -7521,12 +7638,12 @@
           </a:ln>
         </p:spPr>
         <p:txBody>
-          <a:bodyPr anchorCtr="0" anchor="t" bIns="91425" lIns="91425" spcFirstLastPara="1" rIns="91425" wrap="square" tIns="91425">
+          <a:bodyPr spcFirstLastPara="1" wrap="square" lIns="91425" tIns="91425" rIns="91425" bIns="91425" anchor="t" anchorCtr="0">
             <a:noAutofit/>
           </a:bodyPr>
           <a:lstStyle/>
           <a:p>
-            <a:pPr indent="0" lvl="0" marL="0" rtl="0" algn="l">
+            <a:pPr marL="0" lvl="0" indent="0" algn="l" rtl="0">
               <a:lnSpc>
                 <a:spcPct val="115000"/>
               </a:lnSpc>
@@ -7539,7 +7656,7 @@
               <a:buNone/>
             </a:pPr>
             <a:r>
-              <a:rPr lang="en">
+              <a:rPr lang="en" dirty="0">
                 <a:solidFill>
                   <a:srgbClr val="595959"/>
                 </a:solidFill>
@@ -7550,7 +7667,7 @@
               </a:rPr>
               <a:t>$text.leftbox</a:t>
             </a:r>
-            <a:endParaRPr>
+            <a:endParaRPr dirty="0">
               <a:solidFill>
                 <a:srgbClr val="595959"/>
               </a:solidFill>
@@ -7570,8 +7687,8 @@
         </p:nvSpPr>
         <p:spPr>
           <a:xfrm>
-            <a:off x="4832400" y="1152475"/>
-            <a:ext cx="3999900" cy="3416400"/>
+            <a:off x="4572000" y="1152475"/>
+            <a:ext cx="3082875" cy="3416400"/>
           </a:xfrm>
           <a:prstGeom prst="rect">
             <a:avLst/>
@@ -7582,12 +7699,12 @@
           </a:ln>
         </p:spPr>
         <p:txBody>
-          <a:bodyPr anchorCtr="0" anchor="t" bIns="91425" lIns="91425" spcFirstLastPara="1" rIns="91425" wrap="square" tIns="91425">
+          <a:bodyPr spcFirstLastPara="1" wrap="square" lIns="91425" tIns="91425" rIns="91425" bIns="91425" anchor="t" anchorCtr="0">
             <a:noAutofit/>
           </a:bodyPr>
           <a:lstStyle/>
           <a:p>
-            <a:pPr indent="0" lvl="0" marL="0" rtl="0" algn="l">
+            <a:pPr marL="0" lvl="0" indent="0" algn="l" rtl="0">
               <a:lnSpc>
                 <a:spcPct val="115000"/>
               </a:lnSpc>
@@ -7600,7 +7717,7 @@
               <a:buNone/>
             </a:pPr>
             <a:r>
-              <a:rPr lang="en">
+              <a:rPr lang="en" dirty="0">
                 <a:solidFill>
                   <a:schemeClr val="dk2"/>
                 </a:solidFill>
@@ -7611,7 +7728,7 @@
               </a:rPr>
               <a:t>$text.rightbox</a:t>
             </a:r>
-            <a:endParaRPr>
+            <a:endParaRPr dirty="0">
               <a:solidFill>
                 <a:srgbClr val="595959"/>
               </a:solidFill>
@@ -7632,11 +7749,11 @@
 </file>
 
 <file path=ppt/slides/slide4.xml><?xml version="1.0" encoding="utf-8"?>
-<p:sld xmlns:a="http://schemas.openxmlformats.org/drawingml/2006/main" xmlns:r="http://schemas.openxmlformats.org/officeDocument/2006/relationships" xmlns:mc="http://schemas.openxmlformats.org/markup-compatibility/2006" xmlns:mv="urn:schemas-microsoft-com:mac:vml" xmlns:p="http://schemas.openxmlformats.org/presentationml/2006/main" xmlns:c="http://schemas.openxmlformats.org/drawingml/2006/chart" xmlns:dgm="http://schemas.openxmlformats.org/drawingml/2006/diagram" xmlns:o="urn:schemas-microsoft-com:office:office" xmlns:v="urn:schemas-microsoft-com:vml" xmlns:pvml="urn:schemas-microsoft-com:office:powerpoint" xmlns:com="http://schemas.openxmlformats.org/drawingml/2006/compatibility" xmlns:p14="http://schemas.microsoft.com/office/powerpoint/2010/main" xmlns:p15="http://schemas.microsoft.com/office/powerpoint/2012/main" xmlns:ahyp="http://schemas.microsoft.com/office/drawing/2018/hyperlinkcolor">
+<p:sld xmlns:a="http://schemas.openxmlformats.org/drawingml/2006/main" xmlns:r="http://schemas.openxmlformats.org/officeDocument/2006/relationships" xmlns:p="http://schemas.openxmlformats.org/presentationml/2006/main">
   <p:cSld>
     <p:spTree>
       <p:nvGrpSpPr>
-        <p:cNvPr id="83" name="Shape 83"/>
+        <p:cNvPr id="1" name="Shape 83"/>
         <p:cNvGrpSpPr/>
         <p:nvPr/>
       </p:nvGrpSpPr>
@@ -7661,7 +7778,7 @@
           </a:xfrm>
           <a:prstGeom prst="donut">
             <a:avLst>
-              <a:gd fmla="val 25000" name="adj"/>
+              <a:gd name="adj" fmla="val 25000"/>
             </a:avLst>
           </a:prstGeom>
           <a:solidFill>
@@ -7672,12 +7789,12 @@
           </a:ln>
         </p:spPr>
         <p:txBody>
-          <a:bodyPr anchorCtr="0" anchor="ctr" bIns="91425" lIns="91425" spcFirstLastPara="1" rIns="91425" wrap="square" tIns="91425">
+          <a:bodyPr spcFirstLastPara="1" wrap="square" lIns="91425" tIns="91425" rIns="91425" bIns="91425" anchor="ctr" anchorCtr="0">
             <a:noAutofit/>
           </a:bodyPr>
           <a:lstStyle/>
           <a:p>
-            <a:pPr indent="0" lvl="0" marL="0" rtl="0" algn="l">
+            <a:pPr marL="0" lvl="0" indent="0" algn="l" rtl="0">
               <a:spcBef>
                 <a:spcPts val="0"/>
               </a:spcBef>
@@ -7686,9 +7803,6 @@
               </a:spcAft>
               <a:buNone/>
             </a:pPr>
-            <a:r>
-              <a:t/>
-            </a:r>
             <a:endParaRPr/>
           </a:p>
         </p:txBody>
@@ -7706,7 +7820,7 @@
           </a:xfrm>
           <a:prstGeom prst="diagStripe">
             <a:avLst>
-              <a:gd fmla="val 50000" name="adj"/>
+              <a:gd name="adj" fmla="val 50000"/>
             </a:avLst>
           </a:prstGeom>
           <a:solidFill>
@@ -7717,12 +7831,12 @@
           </a:ln>
         </p:spPr>
         <p:txBody>
-          <a:bodyPr anchorCtr="0" anchor="ctr" bIns="91425" lIns="91425" spcFirstLastPara="1" rIns="91425" wrap="square" tIns="91425">
+          <a:bodyPr spcFirstLastPara="1" wrap="square" lIns="91425" tIns="91425" rIns="91425" bIns="91425" anchor="ctr" anchorCtr="0">
             <a:noAutofit/>
           </a:bodyPr>
           <a:lstStyle/>
           <a:p>
-            <a:pPr indent="0" lvl="0" marL="0" rtl="0" algn="l">
+            <a:pPr marL="0" lvl="0" indent="0" algn="l" rtl="0">
               <a:spcBef>
                 <a:spcPts val="0"/>
               </a:spcBef>
@@ -7731,9 +7845,6 @@
               </a:spcAft>
               <a:buNone/>
             </a:pPr>
-            <a:r>
-              <a:t/>
-            </a:r>
             <a:endParaRPr/>
           </a:p>
         </p:txBody>
@@ -7751,7 +7862,7 @@
           </a:xfrm>
           <a:prstGeom prst="diagStripe">
             <a:avLst>
-              <a:gd fmla="val 50000" name="adj"/>
+              <a:gd name="adj" fmla="val 50000"/>
             </a:avLst>
           </a:prstGeom>
           <a:solidFill>
@@ -7762,12 +7873,12 @@
           </a:ln>
         </p:spPr>
         <p:txBody>
-          <a:bodyPr anchorCtr="0" anchor="ctr" bIns="91425" lIns="91425" spcFirstLastPara="1" rIns="91425" wrap="square" tIns="91425">
+          <a:bodyPr spcFirstLastPara="1" wrap="square" lIns="91425" tIns="91425" rIns="91425" bIns="91425" anchor="ctr" anchorCtr="0">
             <a:noAutofit/>
           </a:bodyPr>
           <a:lstStyle/>
           <a:p>
-            <a:pPr indent="0" lvl="0" marL="0" rtl="0" algn="l">
+            <a:pPr marL="0" lvl="0" indent="0" algn="l" rtl="0">
               <a:spcBef>
                 <a:spcPts val="0"/>
               </a:spcBef>
@@ -7776,9 +7887,6 @@
               </a:spcAft>
               <a:buNone/>
             </a:pPr>
-            <a:r>
-              <a:t/>
-            </a:r>
             <a:endParaRPr/>
           </a:p>
         </p:txBody>
@@ -7796,7 +7904,7 @@
           </a:xfrm>
           <a:prstGeom prst="diagStripe">
             <a:avLst>
-              <a:gd fmla="val 50000" name="adj"/>
+              <a:gd name="adj" fmla="val 50000"/>
             </a:avLst>
           </a:prstGeom>
           <a:solidFill>
@@ -7807,12 +7915,12 @@
           </a:ln>
         </p:spPr>
         <p:txBody>
-          <a:bodyPr anchorCtr="0" anchor="ctr" bIns="91425" lIns="91425" spcFirstLastPara="1" rIns="91425" wrap="square" tIns="91425">
+          <a:bodyPr spcFirstLastPara="1" wrap="square" lIns="91425" tIns="91425" rIns="91425" bIns="91425" anchor="ctr" anchorCtr="0">
             <a:noAutofit/>
           </a:bodyPr>
           <a:lstStyle/>
           <a:p>
-            <a:pPr indent="0" lvl="0" marL="0" rtl="0" algn="l">
+            <a:pPr marL="0" lvl="0" indent="0" algn="l" rtl="0">
               <a:spcBef>
                 <a:spcPts val="0"/>
               </a:spcBef>
@@ -7821,9 +7929,6 @@
               </a:spcAft>
               <a:buNone/>
             </a:pPr>
-            <a:r>
-              <a:t/>
-            </a:r>
             <a:endParaRPr/>
           </a:p>
         </p:txBody>
@@ -7848,12 +7953,12 @@
           </a:ln>
         </p:spPr>
         <p:txBody>
-          <a:bodyPr anchorCtr="0" anchor="b" bIns="91425" lIns="91425" spcFirstLastPara="1" rIns="91425" wrap="square" tIns="91425">
+          <a:bodyPr spcFirstLastPara="1" wrap="square" lIns="91425" tIns="91425" rIns="91425" bIns="91425" anchor="b" anchorCtr="0">
             <a:noAutofit/>
           </a:bodyPr>
           <a:lstStyle/>
           <a:p>
-            <a:pPr indent="0" lvl="0" marL="0" rtl="0" algn="ctr">
+            <a:pPr marL="0" lvl="0" indent="0" algn="ctr" rtl="0">
               <a:spcBef>
                 <a:spcPts val="0"/>
               </a:spcBef>
@@ -7903,12 +8008,12 @@
           </a:ln>
         </p:spPr>
         <p:txBody>
-          <a:bodyPr anchorCtr="0" anchor="t" bIns="91425" lIns="91425" spcFirstLastPara="1" rIns="91425" wrap="square" tIns="91425">
+          <a:bodyPr spcFirstLastPara="1" wrap="square" lIns="91425" tIns="91425" rIns="91425" bIns="91425" anchor="t" anchorCtr="0">
             <a:noAutofit/>
           </a:bodyPr>
           <a:lstStyle/>
           <a:p>
-            <a:pPr indent="0" lvl="0" marL="0" rtl="0" algn="ctr">
+            <a:pPr marL="0" lvl="0" indent="0" algn="ctr" rtl="0">
               <a:lnSpc>
                 <a:spcPct val="115000"/>
               </a:lnSpc>
@@ -7953,11 +8058,11 @@
 </file>
 
 <file path=ppt/slides/slide5.xml><?xml version="1.0" encoding="utf-8"?>
-<p:sld xmlns:a="http://schemas.openxmlformats.org/drawingml/2006/main" xmlns:r="http://schemas.openxmlformats.org/officeDocument/2006/relationships" xmlns:mc="http://schemas.openxmlformats.org/markup-compatibility/2006" xmlns:mv="urn:schemas-microsoft-com:mac:vml" xmlns:p="http://schemas.openxmlformats.org/presentationml/2006/main" xmlns:c="http://schemas.openxmlformats.org/drawingml/2006/chart" xmlns:dgm="http://schemas.openxmlformats.org/drawingml/2006/diagram" xmlns:o="urn:schemas-microsoft-com:office:office" xmlns:v="urn:schemas-microsoft-com:vml" xmlns:pvml="urn:schemas-microsoft-com:office:powerpoint" xmlns:com="http://schemas.openxmlformats.org/drawingml/2006/compatibility" xmlns:p14="http://schemas.microsoft.com/office/powerpoint/2010/main" xmlns:p15="http://schemas.microsoft.com/office/powerpoint/2012/main" xmlns:ahyp="http://schemas.microsoft.com/office/drawing/2018/hyperlinkcolor">
+<p:sld xmlns:a="http://schemas.openxmlformats.org/drawingml/2006/main" xmlns:r="http://schemas.openxmlformats.org/officeDocument/2006/relationships" xmlns:p="http://schemas.openxmlformats.org/presentationml/2006/main">
   <p:cSld>
     <p:spTree>
       <p:nvGrpSpPr>
-        <p:cNvPr id="93" name="Shape 93"/>
+        <p:cNvPr id="1" name="Shape 93"/>
         <p:cNvGrpSpPr/>
         <p:nvPr/>
       </p:nvGrpSpPr>
@@ -7991,12 +8096,12 @@
           </a:ln>
         </p:spPr>
         <p:txBody>
-          <a:bodyPr anchorCtr="0" anchor="ctr" bIns="91425" lIns="91425" spcFirstLastPara="1" rIns="91425" wrap="square" tIns="91425">
+          <a:bodyPr spcFirstLastPara="1" wrap="square" lIns="91425" tIns="91425" rIns="91425" bIns="91425" anchor="ctr" anchorCtr="0">
             <a:noAutofit/>
           </a:bodyPr>
           <a:lstStyle/>
           <a:p>
-            <a:pPr indent="0" lvl="0" marL="0" rtl="0" algn="l">
+            <a:pPr marL="0" lvl="0" indent="0" algn="l" rtl="0">
               <a:spcBef>
                 <a:spcPts val="0"/>
               </a:spcBef>
@@ -8005,9 +8110,6 @@
               </a:spcAft>
               <a:buNone/>
             </a:pPr>
-            <a:r>
-              <a:t/>
-            </a:r>
             <a:endParaRPr/>
           </a:p>
         </p:txBody>
@@ -8034,12 +8136,12 @@
           </a:ln>
         </p:spPr>
         <p:txBody>
-          <a:bodyPr anchorCtr="0" anchor="ctr" bIns="91425" lIns="91425" spcFirstLastPara="1" rIns="91425" wrap="square" tIns="91425">
+          <a:bodyPr spcFirstLastPara="1" wrap="square" lIns="91425" tIns="91425" rIns="91425" bIns="91425" anchor="ctr" anchorCtr="0">
             <a:noAutofit/>
           </a:bodyPr>
           <a:lstStyle/>
           <a:p>
-            <a:pPr indent="0" lvl="0" marL="0" rtl="0" algn="l">
+            <a:pPr marL="0" lvl="0" indent="0" algn="l" rtl="0">
               <a:spcBef>
                 <a:spcPts val="0"/>
               </a:spcBef>
@@ -8048,9 +8150,6 @@
               </a:spcAft>
               <a:buNone/>
             </a:pPr>
-            <a:r>
-              <a:t/>
-            </a:r>
             <a:endParaRPr/>
           </a:p>
         </p:txBody>
@@ -8075,12 +8174,12 @@
           </a:ln>
         </p:spPr>
         <p:txBody>
-          <a:bodyPr anchorCtr="0" anchor="ctr" bIns="91425" lIns="91425" spcFirstLastPara="1" rIns="91425" wrap="square" tIns="91425">
+          <a:bodyPr spcFirstLastPara="1" wrap="square" lIns="91425" tIns="91425" rIns="91425" bIns="91425" anchor="ctr" anchorCtr="0">
             <a:noAutofit/>
           </a:bodyPr>
           <a:lstStyle/>
           <a:p>
-            <a:pPr indent="0" lvl="0" marL="0" rtl="0" algn="ctr">
+            <a:pPr marL="0" lvl="0" indent="0" algn="ctr" rtl="0">
               <a:lnSpc>
                 <a:spcPct val="115000"/>
               </a:lnSpc>
@@ -8130,12 +8229,12 @@
           </a:ln>
         </p:spPr>
         <p:txBody>
-          <a:bodyPr anchorCtr="0" anchor="ctr" bIns="91425" lIns="91425" spcFirstLastPara="1" rIns="91425" wrap="square" tIns="91425">
+          <a:bodyPr spcFirstLastPara="1" wrap="square" lIns="91425" tIns="91425" rIns="91425" bIns="91425" anchor="ctr" anchorCtr="0">
             <a:normAutofit/>
           </a:bodyPr>
           <a:lstStyle/>
           <a:p>
-            <a:pPr indent="0" lvl="0" marL="0" rtl="0" algn="l">
+            <a:pPr marL="0" lvl="0" indent="0" algn="l" rtl="0">
               <a:lnSpc>
                 <a:spcPct val="115000"/>
               </a:lnSpc>
@@ -8185,12 +8284,12 @@
           </a:ln>
         </p:spPr>
         <p:txBody>
-          <a:bodyPr anchorCtr="0" anchor="ctr" bIns="91425" lIns="91425" spcFirstLastPara="1" rIns="91425" wrap="square" tIns="91425">
+          <a:bodyPr spcFirstLastPara="1" wrap="square" lIns="91425" tIns="91425" rIns="91425" bIns="91425" anchor="ctr" anchorCtr="0">
             <a:noAutofit/>
           </a:bodyPr>
           <a:lstStyle/>
           <a:p>
-            <a:pPr indent="0" lvl="0" marL="0" rtl="0" algn="ctr">
+            <a:pPr marL="0" lvl="0" indent="0" algn="ctr" rtl="0">
               <a:lnSpc>
                 <a:spcPct val="115000"/>
               </a:lnSpc>
@@ -8240,12 +8339,12 @@
           </a:ln>
         </p:spPr>
         <p:txBody>
-          <a:bodyPr anchorCtr="0" anchor="ctr" bIns="91425" lIns="91425" spcFirstLastPara="1" rIns="91425" wrap="square" tIns="91425">
+          <a:bodyPr spcFirstLastPara="1" wrap="square" lIns="91425" tIns="91425" rIns="91425" bIns="91425" anchor="ctr" anchorCtr="0">
             <a:normAutofit/>
           </a:bodyPr>
           <a:lstStyle/>
           <a:p>
-            <a:pPr indent="0" lvl="0" marL="0" marR="0" rtl="0" algn="l">
+            <a:pPr marL="0" marR="0" lvl="0" indent="0" algn="l" rtl="0">
               <a:lnSpc>
                 <a:spcPct val="115000"/>
               </a:lnSpc>
@@ -8295,12 +8394,12 @@
           </a:ln>
         </p:spPr>
         <p:txBody>
-          <a:bodyPr anchorCtr="0" anchor="ctr" bIns="91425" lIns="91425" spcFirstLastPara="1" rIns="91425" wrap="square" tIns="91425">
+          <a:bodyPr spcFirstLastPara="1" wrap="square" lIns="91425" tIns="91425" rIns="91425" bIns="91425" anchor="ctr" anchorCtr="0">
             <a:noAutofit/>
           </a:bodyPr>
           <a:lstStyle/>
           <a:p>
-            <a:pPr indent="0" lvl="0" marL="0" rtl="0" algn="ctr">
+            <a:pPr marL="0" lvl="0" indent="0" algn="ctr" rtl="0">
               <a:lnSpc>
                 <a:spcPct val="115000"/>
               </a:lnSpc>
@@ -8350,12 +8449,12 @@
           </a:ln>
         </p:spPr>
         <p:txBody>
-          <a:bodyPr anchorCtr="0" anchor="ctr" bIns="91425" lIns="91425" spcFirstLastPara="1" rIns="91425" wrap="square" tIns="91425">
+          <a:bodyPr spcFirstLastPara="1" wrap="square" lIns="91425" tIns="91425" rIns="91425" bIns="91425" anchor="ctr" anchorCtr="0">
             <a:normAutofit/>
           </a:bodyPr>
           <a:lstStyle/>
           <a:p>
-            <a:pPr indent="0" lvl="0" marL="0" marR="0" rtl="0" algn="l">
+            <a:pPr marL="0" marR="0" lvl="0" indent="0" algn="l" rtl="0">
               <a:lnSpc>
                 <a:spcPct val="115000"/>
               </a:lnSpc>
@@ -8405,12 +8504,12 @@
           </a:ln>
         </p:spPr>
         <p:txBody>
-          <a:bodyPr anchorCtr="0" anchor="ctr" bIns="91425" lIns="91425" spcFirstLastPara="1" rIns="91425" wrap="square" tIns="91425">
+          <a:bodyPr spcFirstLastPara="1" wrap="square" lIns="91425" tIns="91425" rIns="91425" bIns="91425" anchor="ctr" anchorCtr="0">
             <a:noAutofit/>
           </a:bodyPr>
           <a:lstStyle/>
           <a:p>
-            <a:pPr indent="0" lvl="0" marL="0" rtl="0" algn="ctr">
+            <a:pPr marL="0" lvl="0" indent="0" algn="ctr" rtl="0">
               <a:lnSpc>
                 <a:spcPct val="115000"/>
               </a:lnSpc>
@@ -8460,12 +8559,12 @@
           </a:ln>
         </p:spPr>
         <p:txBody>
-          <a:bodyPr anchorCtr="0" anchor="ctr" bIns="91425" lIns="91425" spcFirstLastPara="1" rIns="91425" wrap="square" tIns="91425">
+          <a:bodyPr spcFirstLastPara="1" wrap="square" lIns="91425" tIns="91425" rIns="91425" bIns="91425" anchor="ctr" anchorCtr="0">
             <a:normAutofit/>
           </a:bodyPr>
           <a:lstStyle/>
           <a:p>
-            <a:pPr indent="0" lvl="0" marL="0" marR="0" rtl="0" algn="l">
+            <a:pPr marL="0" marR="0" lvl="0" indent="0" algn="l" rtl="0">
               <a:lnSpc>
                 <a:spcPct val="115000"/>
               </a:lnSpc>
@@ -8515,12 +8614,12 @@
           </a:ln>
         </p:spPr>
         <p:txBody>
-          <a:bodyPr anchorCtr="0" anchor="ctr" bIns="91425" lIns="91425" spcFirstLastPara="1" rIns="91425" wrap="square" tIns="91425">
+          <a:bodyPr spcFirstLastPara="1" wrap="square" lIns="91425" tIns="91425" rIns="91425" bIns="91425" anchor="ctr" anchorCtr="0">
             <a:noAutofit/>
           </a:bodyPr>
           <a:lstStyle/>
           <a:p>
-            <a:pPr indent="0" lvl="0" marL="0" rtl="0" algn="ctr">
+            <a:pPr marL="0" lvl="0" indent="0" algn="ctr" rtl="0">
               <a:lnSpc>
                 <a:spcPct val="115000"/>
               </a:lnSpc>
@@ -8570,12 +8669,12 @@
           </a:ln>
         </p:spPr>
         <p:txBody>
-          <a:bodyPr anchorCtr="0" anchor="ctr" bIns="91425" lIns="91425" spcFirstLastPara="1" rIns="91425" wrap="square" tIns="91425">
+          <a:bodyPr spcFirstLastPara="1" wrap="square" lIns="91425" tIns="91425" rIns="91425" bIns="91425" anchor="ctr" anchorCtr="0">
             <a:normAutofit/>
           </a:bodyPr>
           <a:lstStyle/>
           <a:p>
-            <a:pPr indent="0" lvl="0" marL="0" marR="0" rtl="0" algn="l">
+            <a:pPr marL="0" marR="0" lvl="0" indent="0" algn="l" rtl="0">
               <a:lnSpc>
                 <a:spcPct val="115000"/>
               </a:lnSpc>
@@ -8625,12 +8724,12 @@
           </a:ln>
         </p:spPr>
         <p:txBody>
-          <a:bodyPr anchorCtr="0" anchor="t" bIns="91425" lIns="91425" spcFirstLastPara="1" rIns="91425" wrap="square" tIns="91425">
+          <a:bodyPr spcFirstLastPara="1" wrap="square" lIns="91425" tIns="91425" rIns="91425" bIns="91425" anchor="t" anchorCtr="0">
             <a:noAutofit/>
           </a:bodyPr>
           <a:lstStyle/>
           <a:p>
-            <a:pPr indent="0" lvl="0" marL="0" rtl="0" algn="l">
+            <a:pPr marL="0" lvl="0" indent="0" algn="l" rtl="0">
               <a:spcBef>
                 <a:spcPts val="0"/>
               </a:spcBef>
@@ -8669,11 +8768,11 @@
 </file>
 
 <file path=ppt/slides/slide6.xml><?xml version="1.0" encoding="utf-8"?>
-<p:sld xmlns:a="http://schemas.openxmlformats.org/drawingml/2006/main" xmlns:r="http://schemas.openxmlformats.org/officeDocument/2006/relationships" xmlns:mc="http://schemas.openxmlformats.org/markup-compatibility/2006" xmlns:mv="urn:schemas-microsoft-com:mac:vml" xmlns:p="http://schemas.openxmlformats.org/presentationml/2006/main" xmlns:c="http://schemas.openxmlformats.org/drawingml/2006/chart" xmlns:dgm="http://schemas.openxmlformats.org/drawingml/2006/diagram" xmlns:o="urn:schemas-microsoft-com:office:office" xmlns:v="urn:schemas-microsoft-com:vml" xmlns:pvml="urn:schemas-microsoft-com:office:powerpoint" xmlns:com="http://schemas.openxmlformats.org/drawingml/2006/compatibility" xmlns:p14="http://schemas.microsoft.com/office/powerpoint/2010/main" xmlns:p15="http://schemas.microsoft.com/office/powerpoint/2012/main" xmlns:ahyp="http://schemas.microsoft.com/office/drawing/2018/hyperlinkcolor">
+<p:sld xmlns:a="http://schemas.openxmlformats.org/drawingml/2006/main" xmlns:r="http://schemas.openxmlformats.org/officeDocument/2006/relationships" xmlns:p="http://schemas.openxmlformats.org/presentationml/2006/main">
   <p:cSld>
     <p:spTree>
       <p:nvGrpSpPr>
-        <p:cNvPr id="110" name="Shape 110"/>
+        <p:cNvPr id="1" name="Shape 110"/>
         <p:cNvGrpSpPr/>
         <p:nvPr/>
       </p:nvGrpSpPr>
@@ -8707,12 +8806,12 @@
           </a:ln>
         </p:spPr>
         <p:txBody>
-          <a:bodyPr anchorCtr="0" anchor="ctr" bIns="91425" lIns="91425" spcFirstLastPara="1" rIns="91425" wrap="square" tIns="91425">
+          <a:bodyPr spcFirstLastPara="1" wrap="square" lIns="91425" tIns="91425" rIns="91425" bIns="91425" anchor="ctr" anchorCtr="0">
             <a:noAutofit/>
           </a:bodyPr>
           <a:lstStyle/>
           <a:p>
-            <a:pPr indent="0" lvl="0" marL="0" rtl="0" algn="l">
+            <a:pPr marL="0" lvl="0" indent="0" algn="l" rtl="0">
               <a:spcBef>
                 <a:spcPts val="0"/>
               </a:spcBef>
@@ -8721,9 +8820,6 @@
               </a:spcAft>
               <a:buNone/>
             </a:pPr>
-            <a:r>
-              <a:t/>
-            </a:r>
             <a:endParaRPr/>
           </a:p>
         </p:txBody>
@@ -8750,12 +8846,12 @@
           </a:ln>
         </p:spPr>
         <p:txBody>
-          <a:bodyPr anchorCtr="0" anchor="ctr" bIns="91425" lIns="91425" spcFirstLastPara="1" rIns="91425" wrap="square" tIns="91425">
+          <a:bodyPr spcFirstLastPara="1" wrap="square" lIns="91425" tIns="91425" rIns="91425" bIns="91425" anchor="ctr" anchorCtr="0">
             <a:noAutofit/>
           </a:bodyPr>
           <a:lstStyle/>
           <a:p>
-            <a:pPr indent="0" lvl="0" marL="0" rtl="0" algn="l">
+            <a:pPr marL="0" lvl="0" indent="0" algn="l" rtl="0">
               <a:spcBef>
                 <a:spcPts val="0"/>
               </a:spcBef>
@@ -8764,9 +8860,6 @@
               </a:spcAft>
               <a:buNone/>
             </a:pPr>
-            <a:r>
-              <a:t/>
-            </a:r>
             <a:endParaRPr/>
           </a:p>
         </p:txBody>
@@ -8791,12 +8884,12 @@
           </a:ln>
         </p:spPr>
         <p:txBody>
-          <a:bodyPr anchorCtr="0" anchor="ctr" bIns="91425" lIns="91425" spcFirstLastPara="1" rIns="91425" wrap="square" tIns="91425">
+          <a:bodyPr spcFirstLastPara="1" wrap="square" lIns="91425" tIns="91425" rIns="91425" bIns="91425" anchor="ctr" anchorCtr="0">
             <a:noAutofit/>
           </a:bodyPr>
           <a:lstStyle/>
           <a:p>
-            <a:pPr indent="0" lvl="0" marL="0" rtl="0" algn="ctr">
+            <a:pPr marL="0" lvl="0" indent="0" algn="ctr" rtl="0">
               <a:lnSpc>
                 <a:spcPct val="115000"/>
               </a:lnSpc>
@@ -8846,12 +8939,12 @@
           </a:ln>
         </p:spPr>
         <p:txBody>
-          <a:bodyPr anchorCtr="0" anchor="ctr" bIns="91425" lIns="91425" spcFirstLastPara="1" rIns="91425" wrap="square" tIns="91425">
+          <a:bodyPr spcFirstLastPara="1" wrap="square" lIns="91425" tIns="91425" rIns="91425" bIns="91425" anchor="ctr" anchorCtr="0">
             <a:normAutofit/>
           </a:bodyPr>
           <a:lstStyle/>
           <a:p>
-            <a:pPr indent="0" lvl="0" marL="0" rtl="0" algn="l">
+            <a:pPr marL="0" lvl="0" indent="0" algn="l" rtl="0">
               <a:lnSpc>
                 <a:spcPct val="115000"/>
               </a:lnSpc>
@@ -8901,12 +8994,12 @@
           </a:ln>
         </p:spPr>
         <p:txBody>
-          <a:bodyPr anchorCtr="0" anchor="ctr" bIns="91425" lIns="91425" spcFirstLastPara="1" rIns="91425" wrap="square" tIns="91425">
+          <a:bodyPr spcFirstLastPara="1" wrap="square" lIns="91425" tIns="91425" rIns="91425" bIns="91425" anchor="ctr" anchorCtr="0">
             <a:noAutofit/>
           </a:bodyPr>
           <a:lstStyle/>
           <a:p>
-            <a:pPr indent="0" lvl="0" marL="0" rtl="0" algn="ctr">
+            <a:pPr marL="0" lvl="0" indent="0" algn="ctr" rtl="0">
               <a:lnSpc>
                 <a:spcPct val="115000"/>
               </a:lnSpc>
@@ -8956,12 +9049,12 @@
           </a:ln>
         </p:spPr>
         <p:txBody>
-          <a:bodyPr anchorCtr="0" anchor="ctr" bIns="91425" lIns="91425" spcFirstLastPara="1" rIns="91425" wrap="square" tIns="91425">
+          <a:bodyPr spcFirstLastPara="1" wrap="square" lIns="91425" tIns="91425" rIns="91425" bIns="91425" anchor="ctr" anchorCtr="0">
             <a:normAutofit/>
           </a:bodyPr>
           <a:lstStyle/>
           <a:p>
-            <a:pPr indent="0" lvl="0" marL="0" marR="0" rtl="0" algn="l">
+            <a:pPr marL="0" marR="0" lvl="0" indent="0" algn="l" rtl="0">
               <a:lnSpc>
                 <a:spcPct val="115000"/>
               </a:lnSpc>
@@ -9011,12 +9104,12 @@
           </a:ln>
         </p:spPr>
         <p:txBody>
-          <a:bodyPr anchorCtr="0" anchor="ctr" bIns="91425" lIns="91425" spcFirstLastPara="1" rIns="91425" wrap="square" tIns="91425">
+          <a:bodyPr spcFirstLastPara="1" wrap="square" lIns="91425" tIns="91425" rIns="91425" bIns="91425" anchor="ctr" anchorCtr="0">
             <a:noAutofit/>
           </a:bodyPr>
           <a:lstStyle/>
           <a:p>
-            <a:pPr indent="0" lvl="0" marL="0" rtl="0" algn="ctr">
+            <a:pPr marL="0" lvl="0" indent="0" algn="ctr" rtl="0">
               <a:lnSpc>
                 <a:spcPct val="115000"/>
               </a:lnSpc>
@@ -9066,12 +9159,12 @@
           </a:ln>
         </p:spPr>
         <p:txBody>
-          <a:bodyPr anchorCtr="0" anchor="ctr" bIns="91425" lIns="91425" spcFirstLastPara="1" rIns="91425" wrap="square" tIns="91425">
+          <a:bodyPr spcFirstLastPara="1" wrap="square" lIns="91425" tIns="91425" rIns="91425" bIns="91425" anchor="ctr" anchorCtr="0">
             <a:normAutofit/>
           </a:bodyPr>
           <a:lstStyle/>
           <a:p>
-            <a:pPr indent="0" lvl="0" marL="0" marR="0" rtl="0" algn="l">
+            <a:pPr marL="0" marR="0" lvl="0" indent="0" algn="l" rtl="0">
               <a:lnSpc>
                 <a:spcPct val="115000"/>
               </a:lnSpc>
@@ -9121,12 +9214,12 @@
           </a:ln>
         </p:spPr>
         <p:txBody>
-          <a:bodyPr anchorCtr="0" anchor="ctr" bIns="91425" lIns="91425" spcFirstLastPara="1" rIns="91425" wrap="square" tIns="91425">
+          <a:bodyPr spcFirstLastPara="1" wrap="square" lIns="91425" tIns="91425" rIns="91425" bIns="91425" anchor="ctr" anchorCtr="0">
             <a:noAutofit/>
           </a:bodyPr>
           <a:lstStyle/>
           <a:p>
-            <a:pPr indent="0" lvl="0" marL="0" rtl="0" algn="ctr">
+            <a:pPr marL="0" lvl="0" indent="0" algn="ctr" rtl="0">
               <a:lnSpc>
                 <a:spcPct val="115000"/>
               </a:lnSpc>
@@ -9176,12 +9269,12 @@
           </a:ln>
         </p:spPr>
         <p:txBody>
-          <a:bodyPr anchorCtr="0" anchor="ctr" bIns="91425" lIns="91425" spcFirstLastPara="1" rIns="91425" wrap="square" tIns="91425">
+          <a:bodyPr spcFirstLastPara="1" wrap="square" lIns="91425" tIns="91425" rIns="91425" bIns="91425" anchor="ctr" anchorCtr="0">
             <a:normAutofit/>
           </a:bodyPr>
           <a:lstStyle/>
           <a:p>
-            <a:pPr indent="0" lvl="0" marL="0" marR="0" rtl="0" algn="l">
+            <a:pPr marL="0" marR="0" lvl="0" indent="0" algn="l" rtl="0">
               <a:lnSpc>
                 <a:spcPct val="115000"/>
               </a:lnSpc>
@@ -9231,12 +9324,12 @@
           </a:ln>
         </p:spPr>
         <p:txBody>
-          <a:bodyPr anchorCtr="0" anchor="t" bIns="91425" lIns="91425" spcFirstLastPara="1" rIns="91425" wrap="square" tIns="91425">
+          <a:bodyPr spcFirstLastPara="1" wrap="square" lIns="91425" tIns="91425" rIns="91425" bIns="91425" anchor="t" anchorCtr="0">
             <a:noAutofit/>
           </a:bodyPr>
           <a:lstStyle/>
           <a:p>
-            <a:pPr indent="0" lvl="0" marL="0" rtl="0" algn="l">
+            <a:pPr marL="0" lvl="0" indent="0" algn="l" rtl="0">
               <a:spcBef>
                 <a:spcPts val="0"/>
               </a:spcBef>
@@ -9275,11 +9368,11 @@
 </file>
 
 <file path=ppt/slides/slide7.xml><?xml version="1.0" encoding="utf-8"?>
-<p:sld xmlns:a="http://schemas.openxmlformats.org/drawingml/2006/main" xmlns:r="http://schemas.openxmlformats.org/officeDocument/2006/relationships" xmlns:mc="http://schemas.openxmlformats.org/markup-compatibility/2006" xmlns:mv="urn:schemas-microsoft-com:mac:vml" xmlns:p="http://schemas.openxmlformats.org/presentationml/2006/main" xmlns:c="http://schemas.openxmlformats.org/drawingml/2006/chart" xmlns:dgm="http://schemas.openxmlformats.org/drawingml/2006/diagram" xmlns:o="urn:schemas-microsoft-com:office:office" xmlns:v="urn:schemas-microsoft-com:vml" xmlns:pvml="urn:schemas-microsoft-com:office:powerpoint" xmlns:com="http://schemas.openxmlformats.org/drawingml/2006/compatibility" xmlns:p14="http://schemas.microsoft.com/office/powerpoint/2010/main" xmlns:p15="http://schemas.microsoft.com/office/powerpoint/2012/main" xmlns:ahyp="http://schemas.microsoft.com/office/drawing/2018/hyperlinkcolor">
+<p:sld xmlns:a="http://schemas.openxmlformats.org/drawingml/2006/main" xmlns:r="http://schemas.openxmlformats.org/officeDocument/2006/relationships" xmlns:p="http://schemas.openxmlformats.org/presentationml/2006/main">
   <p:cSld>
     <p:spTree>
       <p:nvGrpSpPr>
-        <p:cNvPr id="125" name="Shape 125"/>
+        <p:cNvPr id="1" name="Shape 125"/>
         <p:cNvGrpSpPr/>
         <p:nvPr/>
       </p:nvGrpSpPr>
@@ -9313,12 +9406,12 @@
           </a:ln>
         </p:spPr>
         <p:txBody>
-          <a:bodyPr anchorCtr="0" anchor="ctr" bIns="91425" lIns="91425" spcFirstLastPara="1" rIns="91425" wrap="square" tIns="91425">
+          <a:bodyPr spcFirstLastPara="1" wrap="square" lIns="91425" tIns="91425" rIns="91425" bIns="91425" anchor="ctr" anchorCtr="0">
             <a:noAutofit/>
           </a:bodyPr>
           <a:lstStyle/>
           <a:p>
-            <a:pPr indent="0" lvl="0" marL="0" rtl="0" algn="l">
+            <a:pPr marL="0" lvl="0" indent="0" algn="l" rtl="0">
               <a:spcBef>
                 <a:spcPts val="0"/>
               </a:spcBef>
@@ -9327,9 +9420,6 @@
               </a:spcAft>
               <a:buNone/>
             </a:pPr>
-            <a:r>
-              <a:t/>
-            </a:r>
             <a:endParaRPr/>
           </a:p>
         </p:txBody>
@@ -9356,12 +9446,12 @@
           </a:ln>
         </p:spPr>
         <p:txBody>
-          <a:bodyPr anchorCtr="0" anchor="ctr" bIns="91425" lIns="91425" spcFirstLastPara="1" rIns="91425" wrap="square" tIns="91425">
+          <a:bodyPr spcFirstLastPara="1" wrap="square" lIns="91425" tIns="91425" rIns="91425" bIns="91425" anchor="ctr" anchorCtr="0">
             <a:noAutofit/>
           </a:bodyPr>
           <a:lstStyle/>
           <a:p>
-            <a:pPr indent="0" lvl="0" marL="0" rtl="0" algn="l">
+            <a:pPr marL="0" lvl="0" indent="0" algn="l" rtl="0">
               <a:spcBef>
                 <a:spcPts val="0"/>
               </a:spcBef>
@@ -9370,9 +9460,6 @@
               </a:spcAft>
               <a:buNone/>
             </a:pPr>
-            <a:r>
-              <a:t/>
-            </a:r>
             <a:endParaRPr/>
           </a:p>
         </p:txBody>
@@ -9397,12 +9484,12 @@
           </a:ln>
         </p:spPr>
         <p:txBody>
-          <a:bodyPr anchorCtr="0" anchor="ctr" bIns="91425" lIns="91425" spcFirstLastPara="1" rIns="91425" wrap="square" tIns="91425">
+          <a:bodyPr spcFirstLastPara="1" wrap="square" lIns="91425" tIns="91425" rIns="91425" bIns="91425" anchor="ctr" anchorCtr="0">
             <a:noAutofit/>
           </a:bodyPr>
           <a:lstStyle/>
           <a:p>
-            <a:pPr indent="0" lvl="0" marL="0" rtl="0" algn="ctr">
+            <a:pPr marL="0" lvl="0" indent="0" algn="ctr" rtl="0">
               <a:lnSpc>
                 <a:spcPct val="115000"/>
               </a:lnSpc>
@@ -9452,12 +9539,12 @@
           </a:ln>
         </p:spPr>
         <p:txBody>
-          <a:bodyPr anchorCtr="0" anchor="ctr" bIns="91425" lIns="91425" spcFirstLastPara="1" rIns="91425" wrap="square" tIns="91425">
+          <a:bodyPr spcFirstLastPara="1" wrap="square" lIns="91425" tIns="91425" rIns="91425" bIns="91425" anchor="ctr" anchorCtr="0">
             <a:normAutofit/>
           </a:bodyPr>
           <a:lstStyle/>
           <a:p>
-            <a:pPr indent="0" lvl="0" marL="0" rtl="0" algn="l">
+            <a:pPr marL="0" lvl="0" indent="0" algn="l" rtl="0">
               <a:lnSpc>
                 <a:spcPct val="115000"/>
               </a:lnSpc>
@@ -9507,12 +9594,12 @@
           </a:ln>
         </p:spPr>
         <p:txBody>
-          <a:bodyPr anchorCtr="0" anchor="ctr" bIns="91425" lIns="91425" spcFirstLastPara="1" rIns="91425" wrap="square" tIns="91425">
+          <a:bodyPr spcFirstLastPara="1" wrap="square" lIns="91425" tIns="91425" rIns="91425" bIns="91425" anchor="ctr" anchorCtr="0">
             <a:noAutofit/>
           </a:bodyPr>
           <a:lstStyle/>
           <a:p>
-            <a:pPr indent="0" lvl="0" marL="0" rtl="0" algn="ctr">
+            <a:pPr marL="0" lvl="0" indent="0" algn="ctr" rtl="0">
               <a:lnSpc>
                 <a:spcPct val="115000"/>
               </a:lnSpc>
@@ -9562,12 +9649,12 @@
           </a:ln>
         </p:spPr>
         <p:txBody>
-          <a:bodyPr anchorCtr="0" anchor="ctr" bIns="91425" lIns="91425" spcFirstLastPara="1" rIns="91425" wrap="square" tIns="91425">
+          <a:bodyPr spcFirstLastPara="1" wrap="square" lIns="91425" tIns="91425" rIns="91425" bIns="91425" anchor="ctr" anchorCtr="0">
             <a:normAutofit/>
           </a:bodyPr>
           <a:lstStyle/>
           <a:p>
-            <a:pPr indent="0" lvl="0" marL="0" marR="0" rtl="0" algn="l">
+            <a:pPr marL="0" marR="0" lvl="0" indent="0" algn="l" rtl="0">
               <a:lnSpc>
                 <a:spcPct val="115000"/>
               </a:lnSpc>
@@ -9617,12 +9704,12 @@
           </a:ln>
         </p:spPr>
         <p:txBody>
-          <a:bodyPr anchorCtr="0" anchor="ctr" bIns="91425" lIns="91425" spcFirstLastPara="1" rIns="91425" wrap="square" tIns="91425">
+          <a:bodyPr spcFirstLastPara="1" wrap="square" lIns="91425" tIns="91425" rIns="91425" bIns="91425" anchor="ctr" anchorCtr="0">
             <a:noAutofit/>
           </a:bodyPr>
           <a:lstStyle/>
           <a:p>
-            <a:pPr indent="0" lvl="0" marL="0" rtl="0" algn="ctr">
+            <a:pPr marL="0" lvl="0" indent="0" algn="ctr" rtl="0">
               <a:lnSpc>
                 <a:spcPct val="115000"/>
               </a:lnSpc>
@@ -9672,12 +9759,12 @@
           </a:ln>
         </p:spPr>
         <p:txBody>
-          <a:bodyPr anchorCtr="0" anchor="ctr" bIns="91425" lIns="91425" spcFirstLastPara="1" rIns="91425" wrap="square" tIns="91425">
+          <a:bodyPr spcFirstLastPara="1" wrap="square" lIns="91425" tIns="91425" rIns="91425" bIns="91425" anchor="ctr" anchorCtr="0">
             <a:normAutofit/>
           </a:bodyPr>
           <a:lstStyle/>
           <a:p>
-            <a:pPr indent="0" lvl="0" marL="0" marR="0" rtl="0" algn="l">
+            <a:pPr marL="0" marR="0" lvl="0" indent="0" algn="l" rtl="0">
               <a:lnSpc>
                 <a:spcPct val="115000"/>
               </a:lnSpc>
@@ -9727,12 +9814,12 @@
           </a:ln>
         </p:spPr>
         <p:txBody>
-          <a:bodyPr anchorCtr="0" anchor="t" bIns="91425" lIns="91425" spcFirstLastPara="1" rIns="91425" wrap="square" tIns="91425">
+          <a:bodyPr spcFirstLastPara="1" wrap="square" lIns="91425" tIns="91425" rIns="91425" bIns="91425" anchor="t" anchorCtr="0">
             <a:noAutofit/>
           </a:bodyPr>
           <a:lstStyle/>
           <a:p>
-            <a:pPr indent="0" lvl="0" marL="0" rtl="0" algn="l">
+            <a:pPr marL="0" lvl="0" indent="0" algn="l" rtl="0">
               <a:spcBef>
                 <a:spcPts val="0"/>
               </a:spcBef>
@@ -9771,11 +9858,11 @@
 </file>
 
 <file path=ppt/slides/slide8.xml><?xml version="1.0" encoding="utf-8"?>
-<p:sld xmlns:a="http://schemas.openxmlformats.org/drawingml/2006/main" xmlns:r="http://schemas.openxmlformats.org/officeDocument/2006/relationships" xmlns:mc="http://schemas.openxmlformats.org/markup-compatibility/2006" xmlns:mv="urn:schemas-microsoft-com:mac:vml" xmlns:p="http://schemas.openxmlformats.org/presentationml/2006/main" xmlns:c="http://schemas.openxmlformats.org/drawingml/2006/chart" xmlns:dgm="http://schemas.openxmlformats.org/drawingml/2006/diagram" xmlns:o="urn:schemas-microsoft-com:office:office" xmlns:v="urn:schemas-microsoft-com:vml" xmlns:pvml="urn:schemas-microsoft-com:office:powerpoint" xmlns:com="http://schemas.openxmlformats.org/drawingml/2006/compatibility" xmlns:p14="http://schemas.microsoft.com/office/powerpoint/2010/main" xmlns:p15="http://schemas.microsoft.com/office/powerpoint/2012/main" xmlns:ahyp="http://schemas.microsoft.com/office/drawing/2018/hyperlinkcolor">
+<p:sld xmlns:a="http://schemas.openxmlformats.org/drawingml/2006/main" xmlns:r="http://schemas.openxmlformats.org/officeDocument/2006/relationships" xmlns:p="http://schemas.openxmlformats.org/presentationml/2006/main">
   <p:cSld>
     <p:spTree>
       <p:nvGrpSpPr>
-        <p:cNvPr id="138" name="Shape 138"/>
+        <p:cNvPr id="1" name="Shape 138"/>
         <p:cNvGrpSpPr/>
         <p:nvPr/>
       </p:nvGrpSpPr>
@@ -9809,12 +9896,12 @@
           </a:ln>
         </p:spPr>
         <p:txBody>
-          <a:bodyPr anchorCtr="0" anchor="ctr" bIns="91425" lIns="91425" spcFirstLastPara="1" rIns="91425" wrap="square" tIns="91425">
+          <a:bodyPr spcFirstLastPara="1" wrap="square" lIns="91425" tIns="91425" rIns="91425" bIns="91425" anchor="ctr" anchorCtr="0">
             <a:noAutofit/>
           </a:bodyPr>
           <a:lstStyle/>
           <a:p>
-            <a:pPr indent="0" lvl="0" marL="0" rtl="0" algn="l">
+            <a:pPr marL="0" lvl="0" indent="0" algn="l" rtl="0">
               <a:spcBef>
                 <a:spcPts val="0"/>
               </a:spcBef>
@@ -9823,9 +9910,6 @@
               </a:spcAft>
               <a:buNone/>
             </a:pPr>
-            <a:r>
-              <a:t/>
-            </a:r>
             <a:endParaRPr/>
           </a:p>
         </p:txBody>
@@ -9852,12 +9936,12 @@
           </a:ln>
         </p:spPr>
         <p:txBody>
-          <a:bodyPr anchorCtr="0" anchor="ctr" bIns="91425" lIns="91425" spcFirstLastPara="1" rIns="91425" wrap="square" tIns="91425">
+          <a:bodyPr spcFirstLastPara="1" wrap="square" lIns="91425" tIns="91425" rIns="91425" bIns="91425" anchor="ctr" anchorCtr="0">
             <a:noAutofit/>
           </a:bodyPr>
           <a:lstStyle/>
           <a:p>
-            <a:pPr indent="0" lvl="0" marL="0" rtl="0" algn="l">
+            <a:pPr marL="0" lvl="0" indent="0" algn="l" rtl="0">
               <a:spcBef>
                 <a:spcPts val="0"/>
               </a:spcBef>
@@ -9866,9 +9950,6 @@
               </a:spcAft>
               <a:buNone/>
             </a:pPr>
-            <a:r>
-              <a:t/>
-            </a:r>
             <a:endParaRPr/>
           </a:p>
         </p:txBody>
@@ -9893,12 +9974,12 @@
           </a:ln>
         </p:spPr>
         <p:txBody>
-          <a:bodyPr anchorCtr="0" anchor="ctr" bIns="91425" lIns="91425" spcFirstLastPara="1" rIns="91425" wrap="square" tIns="91425">
+          <a:bodyPr spcFirstLastPara="1" wrap="square" lIns="91425" tIns="91425" rIns="91425" bIns="91425" anchor="ctr" anchorCtr="0">
             <a:noAutofit/>
           </a:bodyPr>
           <a:lstStyle/>
           <a:p>
-            <a:pPr indent="0" lvl="0" marL="0" rtl="0" algn="ctr">
+            <a:pPr marL="0" lvl="0" indent="0" algn="ctr" rtl="0">
               <a:lnSpc>
                 <a:spcPct val="115000"/>
               </a:lnSpc>
@@ -9948,12 +10029,12 @@
           </a:ln>
         </p:spPr>
         <p:txBody>
-          <a:bodyPr anchorCtr="0" anchor="ctr" bIns="91425" lIns="91425" spcFirstLastPara="1" rIns="91425" wrap="square" tIns="91425">
+          <a:bodyPr spcFirstLastPara="1" wrap="square" lIns="91425" tIns="91425" rIns="91425" bIns="91425" anchor="ctr" anchorCtr="0">
             <a:normAutofit/>
           </a:bodyPr>
           <a:lstStyle/>
           <a:p>
-            <a:pPr indent="0" lvl="0" marL="0" rtl="0" algn="l">
+            <a:pPr marL="0" lvl="0" indent="0" algn="l" rtl="0">
               <a:lnSpc>
                 <a:spcPct val="115000"/>
               </a:lnSpc>
@@ -10003,12 +10084,12 @@
           </a:ln>
         </p:spPr>
         <p:txBody>
-          <a:bodyPr anchorCtr="0" anchor="ctr" bIns="91425" lIns="91425" spcFirstLastPara="1" rIns="91425" wrap="square" tIns="91425">
+          <a:bodyPr spcFirstLastPara="1" wrap="square" lIns="91425" tIns="91425" rIns="91425" bIns="91425" anchor="ctr" anchorCtr="0">
             <a:noAutofit/>
           </a:bodyPr>
           <a:lstStyle/>
           <a:p>
-            <a:pPr indent="0" lvl="0" marL="0" rtl="0" algn="ctr">
+            <a:pPr marL="0" lvl="0" indent="0" algn="ctr" rtl="0">
               <a:lnSpc>
                 <a:spcPct val="115000"/>
               </a:lnSpc>
@@ -10058,12 +10139,12 @@
           </a:ln>
         </p:spPr>
         <p:txBody>
-          <a:bodyPr anchorCtr="0" anchor="ctr" bIns="91425" lIns="91425" spcFirstLastPara="1" rIns="91425" wrap="square" tIns="91425">
+          <a:bodyPr spcFirstLastPara="1" wrap="square" lIns="91425" tIns="91425" rIns="91425" bIns="91425" anchor="ctr" anchorCtr="0">
             <a:normAutofit/>
           </a:bodyPr>
           <a:lstStyle/>
           <a:p>
-            <a:pPr indent="0" lvl="0" marL="0" marR="0" rtl="0" algn="l">
+            <a:pPr marL="0" marR="0" lvl="0" indent="0" algn="l" rtl="0">
               <a:lnSpc>
                 <a:spcPct val="115000"/>
               </a:lnSpc>
@@ -10113,12 +10194,12 @@
           </a:ln>
         </p:spPr>
         <p:txBody>
-          <a:bodyPr anchorCtr="0" anchor="t" bIns="91425" lIns="91425" spcFirstLastPara="1" rIns="91425" wrap="square" tIns="91425">
+          <a:bodyPr spcFirstLastPara="1" wrap="square" lIns="91425" tIns="91425" rIns="91425" bIns="91425" anchor="t" anchorCtr="0">
             <a:noAutofit/>
           </a:bodyPr>
           <a:lstStyle/>
           <a:p>
-            <a:pPr indent="0" lvl="0" marL="0" rtl="0" algn="l">
+            <a:pPr marL="0" lvl="0" indent="0" algn="l" rtl="0">
               <a:spcBef>
                 <a:spcPts val="0"/>
               </a:spcBef>
@@ -10157,11 +10238,11 @@
 </file>
 
 <file path=ppt/slides/slide9.xml><?xml version="1.0" encoding="utf-8"?>
-<p:sld xmlns:a="http://schemas.openxmlformats.org/drawingml/2006/main" xmlns:r="http://schemas.openxmlformats.org/officeDocument/2006/relationships" xmlns:mc="http://schemas.openxmlformats.org/markup-compatibility/2006" xmlns:mv="urn:schemas-microsoft-com:mac:vml" xmlns:p="http://schemas.openxmlformats.org/presentationml/2006/main" xmlns:c="http://schemas.openxmlformats.org/drawingml/2006/chart" xmlns:dgm="http://schemas.openxmlformats.org/drawingml/2006/diagram" xmlns:o="urn:schemas-microsoft-com:office:office" xmlns:v="urn:schemas-microsoft-com:vml" xmlns:pvml="urn:schemas-microsoft-com:office:powerpoint" xmlns:com="http://schemas.openxmlformats.org/drawingml/2006/compatibility" xmlns:p14="http://schemas.microsoft.com/office/powerpoint/2010/main" xmlns:p15="http://schemas.microsoft.com/office/powerpoint/2012/main" xmlns:ahyp="http://schemas.microsoft.com/office/drawing/2018/hyperlinkcolor">
+<p:sld xmlns:a="http://schemas.openxmlformats.org/drawingml/2006/main" xmlns:r="http://schemas.openxmlformats.org/officeDocument/2006/relationships" xmlns:p="http://schemas.openxmlformats.org/presentationml/2006/main">
   <p:cSld>
     <p:spTree>
       <p:nvGrpSpPr>
-        <p:cNvPr id="149" name="Shape 149"/>
+        <p:cNvPr id="1" name="Shape 149"/>
         <p:cNvGrpSpPr/>
         <p:nvPr/>
       </p:nvGrpSpPr>
@@ -10186,7 +10267,7 @@
           </a:xfrm>
           <a:prstGeom prst="donut">
             <a:avLst>
-              <a:gd fmla="val 25000" name="adj"/>
+              <a:gd name="adj" fmla="val 25000"/>
             </a:avLst>
           </a:prstGeom>
           <a:solidFill>
@@ -10197,12 +10278,12 @@
           </a:ln>
         </p:spPr>
         <p:txBody>
-          <a:bodyPr anchorCtr="0" anchor="ctr" bIns="91425" lIns="91425" spcFirstLastPara="1" rIns="91425" wrap="square" tIns="91425">
+          <a:bodyPr spcFirstLastPara="1" wrap="square" lIns="91425" tIns="91425" rIns="91425" bIns="91425" anchor="ctr" anchorCtr="0">
             <a:noAutofit/>
           </a:bodyPr>
           <a:lstStyle/>
           <a:p>
-            <a:pPr indent="0" lvl="0" marL="0" rtl="0" algn="l">
+            <a:pPr marL="0" lvl="0" indent="0" algn="l" rtl="0">
               <a:spcBef>
                 <a:spcPts val="0"/>
               </a:spcBef>
@@ -10211,9 +10292,6 @@
               </a:spcAft>
               <a:buNone/>
             </a:pPr>
-            <a:r>
-              <a:t/>
-            </a:r>
             <a:endParaRPr/>
           </a:p>
         </p:txBody>
@@ -10231,7 +10309,7 @@
           </a:xfrm>
           <a:prstGeom prst="diagStripe">
             <a:avLst>
-              <a:gd fmla="val 50000" name="adj"/>
+              <a:gd name="adj" fmla="val 50000"/>
             </a:avLst>
           </a:prstGeom>
           <a:solidFill>
@@ -10242,12 +10320,12 @@
           </a:ln>
         </p:spPr>
         <p:txBody>
-          <a:bodyPr anchorCtr="0" anchor="ctr" bIns="91425" lIns="91425" spcFirstLastPara="1" rIns="91425" wrap="square" tIns="91425">
+          <a:bodyPr spcFirstLastPara="1" wrap="square" lIns="91425" tIns="91425" rIns="91425" bIns="91425" anchor="ctr" anchorCtr="0">
             <a:noAutofit/>
           </a:bodyPr>
           <a:lstStyle/>
           <a:p>
-            <a:pPr indent="0" lvl="0" marL="0" rtl="0" algn="l">
+            <a:pPr marL="0" lvl="0" indent="0" algn="l" rtl="0">
               <a:spcBef>
                 <a:spcPts val="0"/>
               </a:spcBef>
@@ -10256,9 +10334,6 @@
               </a:spcAft>
               <a:buNone/>
             </a:pPr>
-            <a:r>
-              <a:t/>
-            </a:r>
             <a:endParaRPr/>
           </a:p>
         </p:txBody>
@@ -10276,7 +10351,7 @@
           </a:xfrm>
           <a:prstGeom prst="diagStripe">
             <a:avLst>
-              <a:gd fmla="val 50000" name="adj"/>
+              <a:gd name="adj" fmla="val 50000"/>
             </a:avLst>
           </a:prstGeom>
           <a:solidFill>
@@ -10287,12 +10362,12 @@
           </a:ln>
         </p:spPr>
         <p:txBody>
-          <a:bodyPr anchorCtr="0" anchor="ctr" bIns="91425" lIns="91425" spcFirstLastPara="1" rIns="91425" wrap="square" tIns="91425">
+          <a:bodyPr spcFirstLastPara="1" wrap="square" lIns="91425" tIns="91425" rIns="91425" bIns="91425" anchor="ctr" anchorCtr="0">
             <a:noAutofit/>
           </a:bodyPr>
           <a:lstStyle/>
           <a:p>
-            <a:pPr indent="0" lvl="0" marL="0" rtl="0" algn="l">
+            <a:pPr marL="0" lvl="0" indent="0" algn="l" rtl="0">
               <a:spcBef>
                 <a:spcPts val="0"/>
               </a:spcBef>
@@ -10301,9 +10376,6 @@
               </a:spcAft>
               <a:buNone/>
             </a:pPr>
-            <a:r>
-              <a:t/>
-            </a:r>
             <a:endParaRPr/>
           </a:p>
         </p:txBody>
@@ -10321,7 +10393,7 @@
           </a:xfrm>
           <a:prstGeom prst="diagStripe">
             <a:avLst>
-              <a:gd fmla="val 50000" name="adj"/>
+              <a:gd name="adj" fmla="val 50000"/>
             </a:avLst>
           </a:prstGeom>
           <a:solidFill>
@@ -10332,12 +10404,12 @@
           </a:ln>
         </p:spPr>
         <p:txBody>
-          <a:bodyPr anchorCtr="0" anchor="ctr" bIns="91425" lIns="91425" spcFirstLastPara="1" rIns="91425" wrap="square" tIns="91425">
+          <a:bodyPr spcFirstLastPara="1" wrap="square" lIns="91425" tIns="91425" rIns="91425" bIns="91425" anchor="ctr" anchorCtr="0">
             <a:noAutofit/>
           </a:bodyPr>
           <a:lstStyle/>
           <a:p>
-            <a:pPr indent="0" lvl="0" marL="0" rtl="0" algn="l">
+            <a:pPr marL="0" lvl="0" indent="0" algn="l" rtl="0">
               <a:spcBef>
                 <a:spcPts val="0"/>
               </a:spcBef>
@@ -10346,9 +10418,6 @@
               </a:spcAft>
               <a:buNone/>
             </a:pPr>
-            <a:r>
-              <a:t/>
-            </a:r>
             <a:endParaRPr/>
           </a:p>
         </p:txBody>
@@ -10373,12 +10442,12 @@
           </a:ln>
         </p:spPr>
         <p:txBody>
-          <a:bodyPr anchorCtr="0" anchor="b" bIns="91425" lIns="91425" spcFirstLastPara="1" rIns="91425" wrap="square" tIns="91425">
+          <a:bodyPr spcFirstLastPara="1" wrap="square" lIns="91425" tIns="91425" rIns="91425" bIns="91425" anchor="b" anchorCtr="0">
             <a:noAutofit/>
           </a:bodyPr>
           <a:lstStyle/>
           <a:p>
-            <a:pPr indent="0" lvl="0" marL="0" rtl="0" algn="ctr">
+            <a:pPr marL="0" lvl="0" indent="0" algn="ctr" rtl="0">
               <a:spcBef>
                 <a:spcPts val="0"/>
               </a:spcBef>
@@ -10428,12 +10497,12 @@
           </a:ln>
         </p:spPr>
         <p:txBody>
-          <a:bodyPr anchorCtr="0" anchor="t" bIns="91425" lIns="91425" spcFirstLastPara="1" rIns="91425" wrap="square" tIns="91425">
+          <a:bodyPr spcFirstLastPara="1" wrap="square" lIns="91425" tIns="91425" rIns="91425" bIns="91425" anchor="t" anchorCtr="0">
             <a:noAutofit/>
           </a:bodyPr>
           <a:lstStyle/>
           <a:p>
-            <a:pPr indent="0" lvl="0" marL="0" rtl="0" algn="l">
+            <a:pPr marL="0" lvl="0" indent="0" algn="l" rtl="0">
               <a:lnSpc>
                 <a:spcPct val="115000"/>
               </a:lnSpc>
@@ -10445,9 +10514,6 @@
               </a:spcAft>
               <a:buNone/>
             </a:pPr>
-            <a:r>
-              <a:t/>
-            </a:r>
             <a:endParaRPr>
               <a:solidFill>
                 <a:srgbClr val="595959"/>
@@ -10469,7 +10535,7 @@
 </file>
 
 <file path=ppt/theme/theme1.xml><?xml version="1.0" encoding="utf-8"?>
-<a:theme xmlns:a="http://schemas.openxmlformats.org/drawingml/2006/main" xmlns:r="http://schemas.openxmlformats.org/officeDocument/2006/relationships" name="Simple Light">
+<a:theme xmlns:a="http://schemas.openxmlformats.org/drawingml/2006/main" name="Simple Light">
   <a:themeElements>
     <a:clrScheme name="Simple Light">
       <a:dk1>
@@ -10744,11 +10810,13 @@
       </a:bgFillStyleLst>
     </a:fmtScheme>
   </a:themeElements>
+  <a:objectDefaults/>
+  <a:extraClrSchemeLst/>
 </a:theme>
 </file>
 
 <file path=ppt/theme/theme2.xml><?xml version="1.0" encoding="utf-8"?>
-<a:theme xmlns:a="http://schemas.openxmlformats.org/drawingml/2006/main" xmlns:r="http://schemas.openxmlformats.org/officeDocument/2006/relationships">
+<a:theme xmlns:a="http://schemas.openxmlformats.org/drawingml/2006/main">
   <a:themeElements>
     <a:clrScheme name="Default">
       <a:dk1>
@@ -11023,5 +11091,7 @@
       </a:bgFillStyleLst>
     </a:fmtScheme>
   </a:themeElements>
+  <a:objectDefaults/>
+  <a:extraClrSchemeLst/>
 </a:theme>
 </file>
--- a/themes/mellow_yellow.pptx
+++ b/themes/mellow_yellow.pptx
@@ -1,49 +1,49 @@
 
 <file path=ppt/presentation.xml><?xml version="1.0" encoding="utf-8"?>
-<p:presentation xmlns:a="http://schemas.openxmlformats.org/drawingml/2006/main" xmlns:r="http://schemas.openxmlformats.org/officeDocument/2006/relationships" xmlns:p="http://schemas.openxmlformats.org/presentationml/2006/main" strictFirstAndLastChars="0" embedTrueTypeFonts="1" saveSubsetFonts="1" autoCompressPictures="0">
+<p:presentation xmlns:a="http://schemas.openxmlformats.org/drawingml/2006/main" xmlns:r="http://schemas.openxmlformats.org/officeDocument/2006/relationships" xmlns:mc="http://schemas.openxmlformats.org/markup-compatibility/2006" xmlns:mv="urn:schemas-microsoft-com:mac:vml" xmlns:p="http://schemas.openxmlformats.org/presentationml/2006/main" xmlns:c="http://schemas.openxmlformats.org/drawingml/2006/chart" xmlns:dgm="http://schemas.openxmlformats.org/drawingml/2006/diagram" xmlns:o="urn:schemas-microsoft-com:office:office" xmlns:v="urn:schemas-microsoft-com:vml" xmlns:pvml="urn:schemas-microsoft-com:office:powerpoint" xmlns:com="http://schemas.openxmlformats.org/drawingml/2006/compatibility" xmlns:p14="http://schemas.microsoft.com/office/powerpoint/2010/main" xmlns:p15="http://schemas.microsoft.com/office/powerpoint/2012/main" xmlns:ahyp="http://schemas.microsoft.com/office/drawing/2018/hyperlinkcolor" autoCompressPictures="0" embedTrueTypeFonts="1" strictFirstAndLastChars="0" saveSubsetFonts="1">
   <p:sldMasterIdLst>
-    <p:sldMasterId id="2147483659" r:id="rId1"/>
+    <p:sldMasterId id="2147483659" r:id="rId4"/>
   </p:sldMasterIdLst>
   <p:notesMasterIdLst>
-    <p:notesMasterId r:id="rId12"/>
+    <p:notesMasterId r:id="rId5"/>
   </p:notesMasterIdLst>
   <p:sldIdLst>
-    <p:sldId id="256" r:id="rId2"/>
-    <p:sldId id="257" r:id="rId3"/>
-    <p:sldId id="258" r:id="rId4"/>
-    <p:sldId id="259" r:id="rId5"/>
-    <p:sldId id="260" r:id="rId6"/>
-    <p:sldId id="261" r:id="rId7"/>
-    <p:sldId id="262" r:id="rId8"/>
-    <p:sldId id="263" r:id="rId9"/>
-    <p:sldId id="264" r:id="rId10"/>
-    <p:sldId id="265" r:id="rId11"/>
+    <p:sldId id="256" r:id="rId6"/>
+    <p:sldId id="257" r:id="rId7"/>
+    <p:sldId id="258" r:id="rId8"/>
+    <p:sldId id="259" r:id="rId9"/>
+    <p:sldId id="260" r:id="rId10"/>
+    <p:sldId id="261" r:id="rId11"/>
+    <p:sldId id="262" r:id="rId12"/>
+    <p:sldId id="263" r:id="rId13"/>
+    <p:sldId id="264" r:id="rId14"/>
+    <p:sldId id="265" r:id="rId15"/>
   </p:sldIdLst>
-  <p:sldSz cx="9144000" cy="5143500" type="screen16x9"/>
+  <p:sldSz cy="5143500" cx="9144000"/>
   <p:notesSz cx="6858000" cy="9144000"/>
   <p:embeddedFontLst>
     <p:embeddedFont>
-      <p:font typeface="Bungee" pitchFamily="2" charset="0"/>
-      <p:regular r:id="rId13"/>
-    </p:embeddedFont>
-    <p:embeddedFont>
-      <p:font typeface="Oswald" panose="00000500000000000000" pitchFamily="2" charset="0"/>
-      <p:regular r:id="rId14"/>
-      <p:bold r:id="rId15"/>
-    </p:embeddedFont>
-    <p:embeddedFont>
-      <p:font typeface="Oswald Light" panose="00000400000000000000" pitchFamily="2" charset="0"/>
+      <p:font typeface="Oswald Light"/>
       <p:regular r:id="rId16"/>
       <p:bold r:id="rId17"/>
     </p:embeddedFont>
     <p:embeddedFont>
-      <p:font typeface="Oswald SemiBold" panose="00000700000000000000" pitchFamily="2" charset="0"/>
+      <p:font typeface="Bungee"/>
       <p:regular r:id="rId18"/>
-      <p:bold r:id="rId19"/>
+    </p:embeddedFont>
+    <p:embeddedFont>
+      <p:font typeface="Oswald SemiBold"/>
+      <p:regular r:id="rId19"/>
+      <p:bold r:id="rId20"/>
+    </p:embeddedFont>
+    <p:embeddedFont>
+      <p:font typeface="Oswald"/>
+      <p:regular r:id="rId21"/>
+      <p:bold r:id="rId22"/>
     </p:embeddedFont>
   </p:embeddedFontLst>
   <p:defaultTextStyle>
-    <a:defPPr marR="0" lvl="0" algn="l" rtl="0">
+    <a:defPPr lvl="0" marR="0" rtl="0" algn="l">
       <a:lnSpc>
         <a:spcPct val="100000"/>
       </a:lnSpc>
@@ -54,7 +54,7 @@
         <a:spcPts val="0"/>
       </a:spcAft>
     </a:defPPr>
-    <a:lvl1pPr marR="0" lvl="0" algn="l" rtl="0">
+    <a:lvl1pPr lvl="0" marR="0" rtl="0" algn="l">
       <a:lnSpc>
         <a:spcPct val="100000"/>
       </a:lnSpc>
@@ -68,7 +68,7 @@
         <a:srgbClr val="000000"/>
       </a:buClr>
       <a:buFont typeface="Arial"/>
-      <a:defRPr sz="1400" b="0" i="0" u="none" strike="noStrike" cap="none">
+      <a:defRPr b="0" i="0" sz="1400" u="none" cap="none" strike="noStrike">
         <a:solidFill>
           <a:srgbClr val="000000"/>
         </a:solidFill>
@@ -78,7 +78,7 @@
         <a:sym typeface="Arial"/>
       </a:defRPr>
     </a:lvl1pPr>
-    <a:lvl2pPr marR="0" lvl="1" algn="l" rtl="0">
+    <a:lvl2pPr lvl="1" marR="0" rtl="0" algn="l">
       <a:lnSpc>
         <a:spcPct val="100000"/>
       </a:lnSpc>
@@ -92,7 +92,7 @@
         <a:srgbClr val="000000"/>
       </a:buClr>
       <a:buFont typeface="Arial"/>
-      <a:defRPr sz="1400" b="0" i="0" u="none" strike="noStrike" cap="none">
+      <a:defRPr b="0" i="0" sz="1400" u="none" cap="none" strike="noStrike">
         <a:solidFill>
           <a:srgbClr val="000000"/>
         </a:solidFill>
@@ -102,7 +102,7 @@
         <a:sym typeface="Arial"/>
       </a:defRPr>
     </a:lvl2pPr>
-    <a:lvl3pPr marR="0" lvl="2" algn="l" rtl="0">
+    <a:lvl3pPr lvl="2" marR="0" rtl="0" algn="l">
       <a:lnSpc>
         <a:spcPct val="100000"/>
       </a:lnSpc>
@@ -116,7 +116,7 @@
         <a:srgbClr val="000000"/>
       </a:buClr>
       <a:buFont typeface="Arial"/>
-      <a:defRPr sz="1400" b="0" i="0" u="none" strike="noStrike" cap="none">
+      <a:defRPr b="0" i="0" sz="1400" u="none" cap="none" strike="noStrike">
         <a:solidFill>
           <a:srgbClr val="000000"/>
         </a:solidFill>
@@ -126,7 +126,7 @@
         <a:sym typeface="Arial"/>
       </a:defRPr>
     </a:lvl3pPr>
-    <a:lvl4pPr marR="0" lvl="3" algn="l" rtl="0">
+    <a:lvl4pPr lvl="3" marR="0" rtl="0" algn="l">
       <a:lnSpc>
         <a:spcPct val="100000"/>
       </a:lnSpc>
@@ -140,7 +140,7 @@
         <a:srgbClr val="000000"/>
       </a:buClr>
       <a:buFont typeface="Arial"/>
-      <a:defRPr sz="1400" b="0" i="0" u="none" strike="noStrike" cap="none">
+      <a:defRPr b="0" i="0" sz="1400" u="none" cap="none" strike="noStrike">
         <a:solidFill>
           <a:srgbClr val="000000"/>
         </a:solidFill>
@@ -150,7 +150,7 @@
         <a:sym typeface="Arial"/>
       </a:defRPr>
     </a:lvl4pPr>
-    <a:lvl5pPr marR="0" lvl="4" algn="l" rtl="0">
+    <a:lvl5pPr lvl="4" marR="0" rtl="0" algn="l">
       <a:lnSpc>
         <a:spcPct val="100000"/>
       </a:lnSpc>
@@ -164,7 +164,7 @@
         <a:srgbClr val="000000"/>
       </a:buClr>
       <a:buFont typeface="Arial"/>
-      <a:defRPr sz="1400" b="0" i="0" u="none" strike="noStrike" cap="none">
+      <a:defRPr b="0" i="0" sz="1400" u="none" cap="none" strike="noStrike">
         <a:solidFill>
           <a:srgbClr val="000000"/>
         </a:solidFill>
@@ -174,7 +174,7 @@
         <a:sym typeface="Arial"/>
       </a:defRPr>
     </a:lvl5pPr>
-    <a:lvl6pPr marR="0" lvl="5" algn="l" rtl="0">
+    <a:lvl6pPr lvl="5" marR="0" rtl="0" algn="l">
       <a:lnSpc>
         <a:spcPct val="100000"/>
       </a:lnSpc>
@@ -188,7 +188,7 @@
         <a:srgbClr val="000000"/>
       </a:buClr>
       <a:buFont typeface="Arial"/>
-      <a:defRPr sz="1400" b="0" i="0" u="none" strike="noStrike" cap="none">
+      <a:defRPr b="0" i="0" sz="1400" u="none" cap="none" strike="noStrike">
         <a:solidFill>
           <a:srgbClr val="000000"/>
         </a:solidFill>
@@ -198,7 +198,7 @@
         <a:sym typeface="Arial"/>
       </a:defRPr>
     </a:lvl6pPr>
-    <a:lvl7pPr marR="0" lvl="6" algn="l" rtl="0">
+    <a:lvl7pPr lvl="6" marR="0" rtl="0" algn="l">
       <a:lnSpc>
         <a:spcPct val="100000"/>
       </a:lnSpc>
@@ -212,7 +212,7 @@
         <a:srgbClr val="000000"/>
       </a:buClr>
       <a:buFont typeface="Arial"/>
-      <a:defRPr sz="1400" b="0" i="0" u="none" strike="noStrike" cap="none">
+      <a:defRPr b="0" i="0" sz="1400" u="none" cap="none" strike="noStrike">
         <a:solidFill>
           <a:srgbClr val="000000"/>
         </a:solidFill>
@@ -222,7 +222,7 @@
         <a:sym typeface="Arial"/>
       </a:defRPr>
     </a:lvl7pPr>
-    <a:lvl8pPr marR="0" lvl="7" algn="l" rtl="0">
+    <a:lvl8pPr lvl="7" marR="0" rtl="0" algn="l">
       <a:lnSpc>
         <a:spcPct val="100000"/>
       </a:lnSpc>
@@ -236,7 +236,7 @@
         <a:srgbClr val="000000"/>
       </a:buClr>
       <a:buFont typeface="Arial"/>
-      <a:defRPr sz="1400" b="0" i="0" u="none" strike="noStrike" cap="none">
+      <a:defRPr b="0" i="0" sz="1400" u="none" cap="none" strike="noStrike">
         <a:solidFill>
           <a:srgbClr val="000000"/>
         </a:solidFill>
@@ -246,7 +246,7 @@
         <a:sym typeface="Arial"/>
       </a:defRPr>
     </a:lvl8pPr>
-    <a:lvl9pPr marR="0" lvl="8" algn="l" rtl="0">
+    <a:lvl9pPr lvl="8" marR="0" rtl="0" algn="l">
       <a:lnSpc>
         <a:spcPct val="100000"/>
       </a:lnSpc>
@@ -260,7 +260,7 @@
         <a:srgbClr val="000000"/>
       </a:buClr>
       <a:buFont typeface="Arial"/>
-      <a:defRPr sz="1400" b="0" i="0" u="none" strike="noStrike" cap="none">
+      <a:defRPr b="0" i="0" sz="1400" u="none" cap="none" strike="noStrike">
         <a:solidFill>
           <a:srgbClr val="000000"/>
         </a:solidFill>
@@ -273,7 +273,7 @@
   </p:defaultTextStyle>
   <p:extLst>
     <p:ext uri="{EFAFB233-063F-42B5-8137-9DF3F51BA10A}">
-      <p15:sldGuideLst xmlns:p15="http://schemas.microsoft.com/office/powerpoint/2012/main">
+      <p15:sldGuideLst>
         <p15:guide id="1" orient="horz" pos="1620">
           <p15:clr>
             <a:srgbClr val="747775"/>
@@ -291,16 +291,11 @@
 </file>
 
 <file path=ppt/notesMasters/notesMaster1.xml><?xml version="1.0" encoding="utf-8"?>
-<p:notesMaster xmlns:a="http://schemas.openxmlformats.org/drawingml/2006/main" xmlns:r="http://schemas.openxmlformats.org/officeDocument/2006/relationships" xmlns:p="http://schemas.openxmlformats.org/presentationml/2006/main">
+<p:notesMaster xmlns:a="http://schemas.openxmlformats.org/drawingml/2006/main" xmlns:r="http://schemas.openxmlformats.org/officeDocument/2006/relationships" xmlns:mc="http://schemas.openxmlformats.org/markup-compatibility/2006" xmlns:mv="urn:schemas-microsoft-com:mac:vml" xmlns:p="http://schemas.openxmlformats.org/presentationml/2006/main" xmlns:c="http://schemas.openxmlformats.org/drawingml/2006/chart" xmlns:dgm="http://schemas.openxmlformats.org/drawingml/2006/diagram" xmlns:o="urn:schemas-microsoft-com:office:office" xmlns:v="urn:schemas-microsoft-com:vml" xmlns:pvml="urn:schemas-microsoft-com:office:powerpoint" xmlns:com="http://schemas.openxmlformats.org/drawingml/2006/compatibility" xmlns:p14="http://schemas.microsoft.com/office/powerpoint/2010/main" xmlns:p15="http://schemas.microsoft.com/office/powerpoint/2012/main" xmlns:ahyp="http://schemas.microsoft.com/office/drawing/2018/hyperlinkcolor">
   <p:cSld>
-    <p:bg>
-      <p:bgRef idx="1001">
-        <a:schemeClr val="bg1"/>
-      </p:bgRef>
-    </p:bg>
     <p:spTree>
       <p:nvGrpSpPr>
-        <p:cNvPr id="1" name="Shape 2"/>
+        <p:cNvPr id="2" name="Shape 2"/>
         <p:cNvGrpSpPr/>
         <p:nvPr/>
       </p:nvGrpSpPr>
@@ -315,11 +310,9 @@
       <p:sp>
         <p:nvSpPr>
           <p:cNvPr id="3" name="Google Shape;3;n"/>
-          <p:cNvSpPr>
-            <a:spLocks noGrp="1" noRot="1" noChangeAspect="1"/>
-          </p:cNvSpPr>
+          <p:cNvSpPr/>
           <p:nvPr>
-            <p:ph type="sldImg" idx="2"/>
+            <p:ph idx="2" type="sldImg"/>
           </p:nvPr>
         </p:nvSpPr>
         <p:spPr>
@@ -328,13 +321,9 @@
             <a:ext cx="6096075" cy="3429000"/>
           </a:xfrm>
           <a:custGeom>
-            <a:avLst/>
-            <a:gdLst/>
-            <a:ahLst/>
-            <a:cxnLst/>
-            <a:rect l="l" t="t" r="r" b="b"/>
+            <a:rect b="b" l="l" r="r" t="t"/>
             <a:pathLst>
-              <a:path w="120000" h="120000" extrusionOk="0">
+              <a:path extrusionOk="0" h="120000" w="120000">
                 <a:moveTo>
                   <a:pt x="0" y="0"/>
                 </a:moveTo>
@@ -352,25 +341,23 @@
             </a:pathLst>
           </a:custGeom>
           <a:noFill/>
-          <a:ln w="9525" cap="flat" cmpd="sng">
+          <a:ln cap="flat" cmpd="sng" w="9525">
             <a:solidFill>
               <a:srgbClr val="000000"/>
             </a:solidFill>
             <a:prstDash val="solid"/>
             <a:round/>
-            <a:headEnd type="none" w="sm" len="sm"/>
-            <a:tailEnd type="none" w="sm" len="sm"/>
+            <a:headEnd len="sm" w="sm" type="none"/>
+            <a:tailEnd len="sm" w="sm" type="none"/>
           </a:ln>
         </p:spPr>
       </p:sp>
       <p:sp>
         <p:nvSpPr>
           <p:cNvPr id="4" name="Google Shape;4;n"/>
-          <p:cNvSpPr txBox="1">
-            <a:spLocks noGrp="1"/>
-          </p:cNvSpPr>
+          <p:cNvSpPr txBox="1"/>
           <p:nvPr>
-            <p:ph type="body" idx="1"/>
+            <p:ph idx="1" type="body"/>
           </p:nvPr>
         </p:nvSpPr>
         <p:spPr>
@@ -387,11 +374,11 @@
           </a:ln>
         </p:spPr>
         <p:txBody>
-          <a:bodyPr spcFirstLastPara="1" wrap="square" lIns="91425" tIns="91425" rIns="91425" bIns="91425" anchor="t" anchorCtr="0">
+          <a:bodyPr anchorCtr="0" anchor="t" bIns="91425" lIns="91425" spcFirstLastPara="1" rIns="91425" wrap="square" tIns="91425">
             <a:noAutofit/>
           </a:bodyPr>
           <a:lstStyle>
-            <a:lvl1pPr marL="457200" lvl="0" indent="-298450">
+            <a:lvl1pPr indent="-298450" lvl="0" marL="457200">
               <a:spcBef>
                 <a:spcPts val="0"/>
               </a:spcBef>
@@ -402,7 +389,7 @@
               <a:buChar char="●"/>
               <a:defRPr sz="1100"/>
             </a:lvl1pPr>
-            <a:lvl2pPr marL="914400" lvl="1" indent="-298450">
+            <a:lvl2pPr indent="-298450" lvl="1" marL="914400">
               <a:spcBef>
                 <a:spcPts val="0"/>
               </a:spcBef>
@@ -413,7 +400,7 @@
               <a:buChar char="○"/>
               <a:defRPr sz="1100"/>
             </a:lvl2pPr>
-            <a:lvl3pPr marL="1371600" lvl="2" indent="-298450">
+            <a:lvl3pPr indent="-298450" lvl="2" marL="1371600">
               <a:spcBef>
                 <a:spcPts val="0"/>
               </a:spcBef>
@@ -424,7 +411,7 @@
               <a:buChar char="■"/>
               <a:defRPr sz="1100"/>
             </a:lvl3pPr>
-            <a:lvl4pPr marL="1828800" lvl="3" indent="-298450">
+            <a:lvl4pPr indent="-298450" lvl="3" marL="1828800">
               <a:spcBef>
                 <a:spcPts val="0"/>
               </a:spcBef>
@@ -435,7 +422,7 @@
               <a:buChar char="●"/>
               <a:defRPr sz="1100"/>
             </a:lvl4pPr>
-            <a:lvl5pPr marL="2286000" lvl="4" indent="-298450">
+            <a:lvl5pPr indent="-298450" lvl="4" marL="2286000">
               <a:spcBef>
                 <a:spcPts val="0"/>
               </a:spcBef>
@@ -446,7 +433,7 @@
               <a:buChar char="○"/>
               <a:defRPr sz="1100"/>
             </a:lvl5pPr>
-            <a:lvl6pPr marL="2743200" lvl="5" indent="-298450">
+            <a:lvl6pPr indent="-298450" lvl="5" marL="2743200">
               <a:spcBef>
                 <a:spcPts val="0"/>
               </a:spcBef>
@@ -457,7 +444,7 @@
               <a:buChar char="■"/>
               <a:defRPr sz="1100"/>
             </a:lvl6pPr>
-            <a:lvl7pPr marL="3200400" lvl="6" indent="-298450">
+            <a:lvl7pPr indent="-298450" lvl="6" marL="3200400">
               <a:spcBef>
                 <a:spcPts val="0"/>
               </a:spcBef>
@@ -468,7 +455,7 @@
               <a:buChar char="●"/>
               <a:defRPr sz="1100"/>
             </a:lvl7pPr>
-            <a:lvl8pPr marL="3657600" lvl="7" indent="-298450">
+            <a:lvl8pPr indent="-298450" lvl="7" marL="3657600">
               <a:spcBef>
                 <a:spcPts val="0"/>
               </a:spcBef>
@@ -479,7 +466,7 @@
               <a:buChar char="○"/>
               <a:defRPr sz="1100"/>
             </a:lvl8pPr>
-            <a:lvl9pPr marL="4114800" lvl="8" indent="-298450">
+            <a:lvl9pPr indent="-298450" lvl="8" marL="4114800">
               <a:spcBef>
                 <a:spcPts val="0"/>
               </a:spcBef>
@@ -491,16 +478,14 @@
               <a:defRPr sz="1100"/>
             </a:lvl9pPr>
           </a:lstStyle>
-          <a:p>
-            <a:endParaRPr/>
-          </a:p>
+          <a:p/>
         </p:txBody>
       </p:sp>
     </p:spTree>
   </p:cSld>
-  <p:clrMap bg1="lt1" tx1="dk1" bg2="dk2" tx2="lt2" accent1="accent1" accent2="accent2" accent3="accent3" accent4="accent4" accent5="accent5" accent6="accent6" hlink="hlink" folHlink="folHlink"/>
+  <p:clrMap accent1="accent1" accent2="accent2" accent3="accent3" accent4="accent4" accent5="accent5" accent6="accent6" bg1="lt1" bg2="dk2" tx1="dk1" tx2="lt2" folHlink="folHlink" hlink="hlink"/>
   <p:notesStyle>
-    <a:defPPr marR="0" lvl="0" algn="l" rtl="0">
+    <a:defPPr lvl="0" marR="0" rtl="0" algn="l">
       <a:lnSpc>
         <a:spcPct val="100000"/>
       </a:lnSpc>
@@ -511,7 +496,7 @@
         <a:spcPts val="0"/>
       </a:spcAft>
     </a:defPPr>
-    <a:lvl1pPr marR="0" lvl="0" algn="l" rtl="0">
+    <a:lvl1pPr lvl="0" marR="0" rtl="0" algn="l">
       <a:lnSpc>
         <a:spcPct val="100000"/>
       </a:lnSpc>
@@ -525,7 +510,7 @@
         <a:srgbClr val="000000"/>
       </a:buClr>
       <a:buFont typeface="Arial"/>
-      <a:defRPr sz="1400" b="0" i="0" u="none" strike="noStrike" cap="none">
+      <a:defRPr b="0" i="0" sz="1400" u="none" cap="none" strike="noStrike">
         <a:solidFill>
           <a:srgbClr val="000000"/>
         </a:solidFill>
@@ -535,7 +520,7 @@
         <a:sym typeface="Arial"/>
       </a:defRPr>
     </a:lvl1pPr>
-    <a:lvl2pPr marR="0" lvl="1" algn="l" rtl="0">
+    <a:lvl2pPr lvl="1" marR="0" rtl="0" algn="l">
       <a:lnSpc>
         <a:spcPct val="100000"/>
       </a:lnSpc>
@@ -549,7 +534,7 @@
         <a:srgbClr val="000000"/>
       </a:buClr>
       <a:buFont typeface="Arial"/>
-      <a:defRPr sz="1400" b="0" i="0" u="none" strike="noStrike" cap="none">
+      <a:defRPr b="0" i="0" sz="1400" u="none" cap="none" strike="noStrike">
         <a:solidFill>
           <a:srgbClr val="000000"/>
         </a:solidFill>
@@ -559,7 +544,7 @@
         <a:sym typeface="Arial"/>
       </a:defRPr>
     </a:lvl2pPr>
-    <a:lvl3pPr marR="0" lvl="2" algn="l" rtl="0">
+    <a:lvl3pPr lvl="2" marR="0" rtl="0" algn="l">
       <a:lnSpc>
         <a:spcPct val="100000"/>
       </a:lnSpc>
@@ -573,7 +558,7 @@
         <a:srgbClr val="000000"/>
       </a:buClr>
       <a:buFont typeface="Arial"/>
-      <a:defRPr sz="1400" b="0" i="0" u="none" strike="noStrike" cap="none">
+      <a:defRPr b="0" i="0" sz="1400" u="none" cap="none" strike="noStrike">
         <a:solidFill>
           <a:srgbClr val="000000"/>
         </a:solidFill>
@@ -583,7 +568,7 @@
         <a:sym typeface="Arial"/>
       </a:defRPr>
     </a:lvl3pPr>
-    <a:lvl4pPr marR="0" lvl="3" algn="l" rtl="0">
+    <a:lvl4pPr lvl="3" marR="0" rtl="0" algn="l">
       <a:lnSpc>
         <a:spcPct val="100000"/>
       </a:lnSpc>
@@ -597,7 +582,7 @@
         <a:srgbClr val="000000"/>
       </a:buClr>
       <a:buFont typeface="Arial"/>
-      <a:defRPr sz="1400" b="0" i="0" u="none" strike="noStrike" cap="none">
+      <a:defRPr b="0" i="0" sz="1400" u="none" cap="none" strike="noStrike">
         <a:solidFill>
           <a:srgbClr val="000000"/>
         </a:solidFill>
@@ -607,7 +592,7 @@
         <a:sym typeface="Arial"/>
       </a:defRPr>
     </a:lvl4pPr>
-    <a:lvl5pPr marR="0" lvl="4" algn="l" rtl="0">
+    <a:lvl5pPr lvl="4" marR="0" rtl="0" algn="l">
       <a:lnSpc>
         <a:spcPct val="100000"/>
       </a:lnSpc>
@@ -621,7 +606,7 @@
         <a:srgbClr val="000000"/>
       </a:buClr>
       <a:buFont typeface="Arial"/>
-      <a:defRPr sz="1400" b="0" i="0" u="none" strike="noStrike" cap="none">
+      <a:defRPr b="0" i="0" sz="1400" u="none" cap="none" strike="noStrike">
         <a:solidFill>
           <a:srgbClr val="000000"/>
         </a:solidFill>
@@ -631,7 +616,7 @@
         <a:sym typeface="Arial"/>
       </a:defRPr>
     </a:lvl5pPr>
-    <a:lvl6pPr marR="0" lvl="5" algn="l" rtl="0">
+    <a:lvl6pPr lvl="5" marR="0" rtl="0" algn="l">
       <a:lnSpc>
         <a:spcPct val="100000"/>
       </a:lnSpc>
@@ -645,7 +630,7 @@
         <a:srgbClr val="000000"/>
       </a:buClr>
       <a:buFont typeface="Arial"/>
-      <a:defRPr sz="1400" b="0" i="0" u="none" strike="noStrike" cap="none">
+      <a:defRPr b="0" i="0" sz="1400" u="none" cap="none" strike="noStrike">
         <a:solidFill>
           <a:srgbClr val="000000"/>
         </a:solidFill>
@@ -655,7 +640,7 @@
         <a:sym typeface="Arial"/>
       </a:defRPr>
     </a:lvl6pPr>
-    <a:lvl7pPr marR="0" lvl="6" algn="l" rtl="0">
+    <a:lvl7pPr lvl="6" marR="0" rtl="0" algn="l">
       <a:lnSpc>
         <a:spcPct val="100000"/>
       </a:lnSpc>
@@ -669,7 +654,7 @@
         <a:srgbClr val="000000"/>
       </a:buClr>
       <a:buFont typeface="Arial"/>
-      <a:defRPr sz="1400" b="0" i="0" u="none" strike="noStrike" cap="none">
+      <a:defRPr b="0" i="0" sz="1400" u="none" cap="none" strike="noStrike">
         <a:solidFill>
           <a:srgbClr val="000000"/>
         </a:solidFill>
@@ -679,7 +664,7 @@
         <a:sym typeface="Arial"/>
       </a:defRPr>
     </a:lvl7pPr>
-    <a:lvl8pPr marR="0" lvl="7" algn="l" rtl="0">
+    <a:lvl8pPr lvl="7" marR="0" rtl="0" algn="l">
       <a:lnSpc>
         <a:spcPct val="100000"/>
       </a:lnSpc>
@@ -693,7 +678,7 @@
         <a:srgbClr val="000000"/>
       </a:buClr>
       <a:buFont typeface="Arial"/>
-      <a:defRPr sz="1400" b="0" i="0" u="none" strike="noStrike" cap="none">
+      <a:defRPr b="0" i="0" sz="1400" u="none" cap="none" strike="noStrike">
         <a:solidFill>
           <a:srgbClr val="000000"/>
         </a:solidFill>
@@ -703,7 +688,7 @@
         <a:sym typeface="Arial"/>
       </a:defRPr>
     </a:lvl8pPr>
-    <a:lvl9pPr marR="0" lvl="8" algn="l" rtl="0">
+    <a:lvl9pPr lvl="8" marR="0" rtl="0" algn="l">
       <a:lnSpc>
         <a:spcPct val="100000"/>
       </a:lnSpc>
@@ -717,7 +702,7 @@
         <a:srgbClr val="000000"/>
       </a:buClr>
       <a:buFont typeface="Arial"/>
-      <a:defRPr sz="1400" b="0" i="0" u="none" strike="noStrike" cap="none">
+      <a:defRPr b="0" i="0" sz="1400" u="none" cap="none" strike="noStrike">
         <a:solidFill>
           <a:srgbClr val="000000"/>
         </a:solidFill>
@@ -732,11 +717,11 @@
 </file>
 
 <file path=ppt/notesSlides/notesSlide1.xml><?xml version="1.0" encoding="utf-8"?>
-<p:notes xmlns:a="http://schemas.openxmlformats.org/drawingml/2006/main" xmlns:r="http://schemas.openxmlformats.org/officeDocument/2006/relationships" xmlns:p="http://schemas.openxmlformats.org/presentationml/2006/main" showMasterSp="0" showMasterPhAnim="0">
+<p:notes xmlns:a="http://schemas.openxmlformats.org/drawingml/2006/main" xmlns:r="http://schemas.openxmlformats.org/officeDocument/2006/relationships" xmlns:mc="http://schemas.openxmlformats.org/markup-compatibility/2006" xmlns:mv="urn:schemas-microsoft-com:mac:vml" xmlns:p="http://schemas.openxmlformats.org/presentationml/2006/main" xmlns:c="http://schemas.openxmlformats.org/drawingml/2006/chart" xmlns:dgm="http://schemas.openxmlformats.org/drawingml/2006/diagram" xmlns:o="urn:schemas-microsoft-com:office:office" xmlns:v="urn:schemas-microsoft-com:vml" xmlns:pvml="urn:schemas-microsoft-com:office:powerpoint" xmlns:com="http://schemas.openxmlformats.org/drawingml/2006/compatibility" xmlns:p14="http://schemas.microsoft.com/office/powerpoint/2010/main" xmlns:p15="http://schemas.microsoft.com/office/powerpoint/2012/main" xmlns:ahyp="http://schemas.microsoft.com/office/drawing/2018/hyperlinkcolor" showMasterPhAnim="0" showMasterSp="0">
   <p:cSld>
     <p:spTree>
       <p:nvGrpSpPr>
-        <p:cNvPr id="1" name="Shape 50"/>
+        <p:cNvPr id="50" name="Shape 50"/>
         <p:cNvGrpSpPr/>
         <p:nvPr/>
       </p:nvGrpSpPr>
@@ -751,11 +736,9 @@
       <p:sp>
         <p:nvSpPr>
           <p:cNvPr id="51" name="Google Shape;51;p:notes"/>
-          <p:cNvSpPr>
-            <a:spLocks noGrp="1" noRot="1" noChangeAspect="1"/>
-          </p:cNvSpPr>
+          <p:cNvSpPr/>
           <p:nvPr>
-            <p:ph type="sldImg" idx="2"/>
+            <p:ph idx="2" type="sldImg"/>
           </p:nvPr>
         </p:nvSpPr>
         <p:spPr>
@@ -764,13 +747,9 @@
             <a:ext cx="6096075" cy="3429000"/>
           </a:xfrm>
           <a:custGeom>
-            <a:avLst/>
-            <a:gdLst/>
-            <a:ahLst/>
-            <a:cxnLst/>
-            <a:rect l="l" t="t" r="r" b="b"/>
+            <a:rect b="b" l="l" r="r" t="t"/>
             <a:pathLst>
-              <a:path w="120000" h="120000" extrusionOk="0">
+              <a:path extrusionOk="0" h="120000" w="120000">
                 <a:moveTo>
                   <a:pt x="0" y="0"/>
                 </a:moveTo>
@@ -792,11 +771,9 @@
       <p:sp>
         <p:nvSpPr>
           <p:cNvPr id="52" name="Google Shape;52;p:notes"/>
-          <p:cNvSpPr txBox="1">
-            <a:spLocks noGrp="1"/>
-          </p:cNvSpPr>
+          <p:cNvSpPr txBox="1"/>
           <p:nvPr>
-            <p:ph type="body" idx="1"/>
+            <p:ph idx="1" type="body"/>
           </p:nvPr>
         </p:nvSpPr>
         <p:spPr>
@@ -809,12 +786,12 @@
           </a:prstGeom>
         </p:spPr>
         <p:txBody>
-          <a:bodyPr spcFirstLastPara="1" wrap="square" lIns="91425" tIns="91425" rIns="91425" bIns="91425" anchor="t" anchorCtr="0">
+          <a:bodyPr anchorCtr="0" anchor="t" bIns="91425" lIns="91425" spcFirstLastPara="1" rIns="91425" wrap="square" tIns="91425">
             <a:noAutofit/>
           </a:bodyPr>
           <a:lstStyle/>
           <a:p>
-            <a:pPr marL="0" lvl="0" indent="0" algn="l" rtl="0">
+            <a:pPr indent="0" lvl="0" marL="0" rtl="0" algn="l">
               <a:spcBef>
                 <a:spcPts val="0"/>
               </a:spcBef>
@@ -823,6 +800,9 @@
               </a:spcAft>
               <a:buNone/>
             </a:pPr>
+            <a:r>
+              <a:t/>
+            </a:r>
             <a:endParaRPr/>
           </a:p>
         </p:txBody>
@@ -836,11 +816,11 @@
 </file>
 
 <file path=ppt/notesSlides/notesSlide10.xml><?xml version="1.0" encoding="utf-8"?>
-<p:notes xmlns:a="http://schemas.openxmlformats.org/drawingml/2006/main" xmlns:r="http://schemas.openxmlformats.org/officeDocument/2006/relationships" xmlns:p="http://schemas.openxmlformats.org/presentationml/2006/main" showMasterSp="0" showMasterPhAnim="0">
+<p:notes xmlns:a="http://schemas.openxmlformats.org/drawingml/2006/main" xmlns:r="http://schemas.openxmlformats.org/officeDocument/2006/relationships" xmlns:mc="http://schemas.openxmlformats.org/markup-compatibility/2006" xmlns:mv="urn:schemas-microsoft-com:mac:vml" xmlns:p="http://schemas.openxmlformats.org/presentationml/2006/main" xmlns:c="http://schemas.openxmlformats.org/drawingml/2006/chart" xmlns:dgm="http://schemas.openxmlformats.org/drawingml/2006/diagram" xmlns:o="urn:schemas-microsoft-com:office:office" xmlns:v="urn:schemas-microsoft-com:vml" xmlns:pvml="urn:schemas-microsoft-com:office:powerpoint" xmlns:com="http://schemas.openxmlformats.org/drawingml/2006/compatibility" xmlns:p14="http://schemas.microsoft.com/office/powerpoint/2010/main" xmlns:p15="http://schemas.microsoft.com/office/powerpoint/2012/main" xmlns:ahyp="http://schemas.microsoft.com/office/drawing/2018/hyperlinkcolor" showMasterPhAnim="0" showMasterSp="0">
   <p:cSld>
     <p:spTree>
       <p:nvGrpSpPr>
-        <p:cNvPr id="1" name="Shape 156"/>
+        <p:cNvPr id="156" name="Shape 156"/>
         <p:cNvGrpSpPr/>
         <p:nvPr/>
       </p:nvGrpSpPr>
@@ -855,11 +835,9 @@
       <p:sp>
         <p:nvSpPr>
           <p:cNvPr id="157" name="Google Shape;157;g2a2c8ed4687_0_161:notes"/>
-          <p:cNvSpPr>
-            <a:spLocks noGrp="1" noRot="1" noChangeAspect="1"/>
-          </p:cNvSpPr>
+          <p:cNvSpPr/>
           <p:nvPr>
-            <p:ph type="sldImg" idx="2"/>
+            <p:ph idx="2" type="sldImg"/>
           </p:nvPr>
         </p:nvSpPr>
         <p:spPr>
@@ -868,13 +846,9 @@
             <a:ext cx="6096000" cy="3429000"/>
           </a:xfrm>
           <a:custGeom>
-            <a:avLst/>
-            <a:gdLst/>
-            <a:ahLst/>
-            <a:cxnLst/>
-            <a:rect l="l" t="t" r="r" b="b"/>
+            <a:rect b="b" l="l" r="r" t="t"/>
             <a:pathLst>
-              <a:path w="120000" h="120000" extrusionOk="0">
+              <a:path extrusionOk="0" h="120000" w="120000">
                 <a:moveTo>
                   <a:pt x="0" y="0"/>
                 </a:moveTo>
@@ -896,11 +870,9 @@
       <p:sp>
         <p:nvSpPr>
           <p:cNvPr id="158" name="Google Shape;158;g2a2c8ed4687_0_161:notes"/>
-          <p:cNvSpPr txBox="1">
-            <a:spLocks noGrp="1"/>
-          </p:cNvSpPr>
+          <p:cNvSpPr txBox="1"/>
           <p:nvPr>
-            <p:ph type="body" idx="1"/>
+            <p:ph idx="1" type="body"/>
           </p:nvPr>
         </p:nvSpPr>
         <p:spPr>
@@ -913,12 +885,12 @@
           </a:prstGeom>
         </p:spPr>
         <p:txBody>
-          <a:bodyPr spcFirstLastPara="1" wrap="square" lIns="91425" tIns="91425" rIns="91425" bIns="91425" anchor="t" anchorCtr="0">
+          <a:bodyPr anchorCtr="0" anchor="t" bIns="91425" lIns="91425" spcFirstLastPara="1" rIns="91425" wrap="square" tIns="91425">
             <a:noAutofit/>
           </a:bodyPr>
           <a:lstStyle/>
           <a:p>
-            <a:pPr marL="0" lvl="0" indent="0" algn="l" rtl="0">
+            <a:pPr indent="0" lvl="0" marL="0" rtl="0" algn="l">
               <a:spcBef>
                 <a:spcPts val="0"/>
               </a:spcBef>
@@ -927,6 +899,9 @@
               </a:spcAft>
               <a:buNone/>
             </a:pPr>
+            <a:r>
+              <a:t/>
+            </a:r>
             <a:endParaRPr/>
           </a:p>
         </p:txBody>
@@ -940,11 +915,11 @@
 </file>
 
 <file path=ppt/notesSlides/notesSlide2.xml><?xml version="1.0" encoding="utf-8"?>
-<p:notes xmlns:a="http://schemas.openxmlformats.org/drawingml/2006/main" xmlns:r="http://schemas.openxmlformats.org/officeDocument/2006/relationships" xmlns:p="http://schemas.openxmlformats.org/presentationml/2006/main" showMasterSp="0" showMasterPhAnim="0">
+<p:notes xmlns:a="http://schemas.openxmlformats.org/drawingml/2006/main" xmlns:r="http://schemas.openxmlformats.org/officeDocument/2006/relationships" xmlns:mc="http://schemas.openxmlformats.org/markup-compatibility/2006" xmlns:mv="urn:schemas-microsoft-com:mac:vml" xmlns:p="http://schemas.openxmlformats.org/presentationml/2006/main" xmlns:c="http://schemas.openxmlformats.org/drawingml/2006/chart" xmlns:dgm="http://schemas.openxmlformats.org/drawingml/2006/diagram" xmlns:o="urn:schemas-microsoft-com:office:office" xmlns:v="urn:schemas-microsoft-com:vml" xmlns:pvml="urn:schemas-microsoft-com:office:powerpoint" xmlns:com="http://schemas.openxmlformats.org/drawingml/2006/compatibility" xmlns:p14="http://schemas.microsoft.com/office/powerpoint/2010/main" xmlns:p15="http://schemas.microsoft.com/office/powerpoint/2012/main" xmlns:ahyp="http://schemas.microsoft.com/office/drawing/2018/hyperlinkcolor" showMasterPhAnim="0" showMasterSp="0">
   <p:cSld>
     <p:spTree>
       <p:nvGrpSpPr>
-        <p:cNvPr id="1" name="Shape 59"/>
+        <p:cNvPr id="59" name="Shape 59"/>
         <p:cNvGrpSpPr/>
         <p:nvPr/>
       </p:nvGrpSpPr>
@@ -959,26 +934,20 @@
       <p:sp>
         <p:nvSpPr>
           <p:cNvPr id="60" name="Google Shape;60;g2a2c8ed4687_0_6:notes"/>
-          <p:cNvSpPr>
-            <a:spLocks noGrp="1" noRot="1" noChangeAspect="1"/>
-          </p:cNvSpPr>
+          <p:cNvSpPr/>
           <p:nvPr>
-            <p:ph type="sldImg" idx="2"/>
+            <p:ph idx="2" type="sldImg"/>
           </p:nvPr>
         </p:nvSpPr>
         <p:spPr>
           <a:xfrm>
-            <a:off x="381000" y="685800"/>
+            <a:off x="381300" y="685800"/>
             <a:ext cx="6096000" cy="3429000"/>
           </a:xfrm>
           <a:custGeom>
-            <a:avLst/>
-            <a:gdLst/>
-            <a:ahLst/>
-            <a:cxnLst/>
-            <a:rect l="l" t="t" r="r" b="b"/>
+            <a:rect b="b" l="l" r="r" t="t"/>
             <a:pathLst>
-              <a:path w="120000" h="120000" extrusionOk="0">
+              <a:path extrusionOk="0" h="120000" w="120000">
                 <a:moveTo>
                   <a:pt x="0" y="0"/>
                 </a:moveTo>
@@ -1000,11 +969,9 @@
       <p:sp>
         <p:nvSpPr>
           <p:cNvPr id="61" name="Google Shape;61;g2a2c8ed4687_0_6:notes"/>
-          <p:cNvSpPr txBox="1">
-            <a:spLocks noGrp="1"/>
-          </p:cNvSpPr>
+          <p:cNvSpPr txBox="1"/>
           <p:nvPr>
-            <p:ph type="body" idx="1"/>
+            <p:ph idx="1" type="body"/>
           </p:nvPr>
         </p:nvSpPr>
         <p:spPr>
@@ -1017,12 +984,12 @@
           </a:prstGeom>
         </p:spPr>
         <p:txBody>
-          <a:bodyPr spcFirstLastPara="1" wrap="square" lIns="91425" tIns="91425" rIns="91425" bIns="91425" anchor="t" anchorCtr="0">
+          <a:bodyPr anchorCtr="0" anchor="t" bIns="91425" lIns="91425" spcFirstLastPara="1" rIns="91425" wrap="square" tIns="91425">
             <a:noAutofit/>
           </a:bodyPr>
           <a:lstStyle/>
           <a:p>
-            <a:pPr marL="0" lvl="0" indent="0" algn="l" rtl="0">
+            <a:pPr indent="0" lvl="0" marL="0" rtl="0" algn="l">
               <a:spcBef>
                 <a:spcPts val="0"/>
               </a:spcBef>
@@ -1031,6 +998,9 @@
               </a:spcAft>
               <a:buNone/>
             </a:pPr>
+            <a:r>
+              <a:t/>
+            </a:r>
             <a:endParaRPr/>
           </a:p>
         </p:txBody>
@@ -1044,11 +1014,11 @@
 </file>
 
 <file path=ppt/notesSlides/notesSlide3.xml><?xml version="1.0" encoding="utf-8"?>
-<p:notes xmlns:a="http://schemas.openxmlformats.org/drawingml/2006/main" xmlns:r="http://schemas.openxmlformats.org/officeDocument/2006/relationships" xmlns:p="http://schemas.openxmlformats.org/presentationml/2006/main" showMasterSp="0" showMasterPhAnim="0">
+<p:notes xmlns:a="http://schemas.openxmlformats.org/drawingml/2006/main" xmlns:r="http://schemas.openxmlformats.org/officeDocument/2006/relationships" xmlns:mc="http://schemas.openxmlformats.org/markup-compatibility/2006" xmlns:mv="urn:schemas-microsoft-com:mac:vml" xmlns:p="http://schemas.openxmlformats.org/presentationml/2006/main" xmlns:c="http://schemas.openxmlformats.org/drawingml/2006/chart" xmlns:dgm="http://schemas.openxmlformats.org/drawingml/2006/diagram" xmlns:o="urn:schemas-microsoft-com:office:office" xmlns:v="urn:schemas-microsoft-com:vml" xmlns:pvml="urn:schemas-microsoft-com:office:powerpoint" xmlns:com="http://schemas.openxmlformats.org/drawingml/2006/compatibility" xmlns:p14="http://schemas.microsoft.com/office/powerpoint/2010/main" xmlns:p15="http://schemas.microsoft.com/office/powerpoint/2012/main" xmlns:ahyp="http://schemas.microsoft.com/office/drawing/2018/hyperlinkcolor" showMasterPhAnim="0" showMasterSp="0">
   <p:cSld>
     <p:spTree>
       <p:nvGrpSpPr>
-        <p:cNvPr id="1" name="Shape 69"/>
+        <p:cNvPr id="69" name="Shape 69"/>
         <p:cNvGrpSpPr/>
         <p:nvPr/>
       </p:nvGrpSpPr>
@@ -1063,26 +1033,20 @@
       <p:sp>
         <p:nvSpPr>
           <p:cNvPr id="70" name="Google Shape;70;g2a2c8ed4687_0_26:notes"/>
-          <p:cNvSpPr>
-            <a:spLocks noGrp="1" noRot="1" noChangeAspect="1"/>
-          </p:cNvSpPr>
+          <p:cNvSpPr/>
           <p:nvPr>
-            <p:ph type="sldImg" idx="2"/>
+            <p:ph idx="2" type="sldImg"/>
           </p:nvPr>
         </p:nvSpPr>
         <p:spPr>
           <a:xfrm>
-            <a:off x="381000" y="685800"/>
+            <a:off x="381300" y="685800"/>
             <a:ext cx="6096000" cy="3429000"/>
           </a:xfrm>
           <a:custGeom>
-            <a:avLst/>
-            <a:gdLst/>
-            <a:ahLst/>
-            <a:cxnLst/>
-            <a:rect l="l" t="t" r="r" b="b"/>
+            <a:rect b="b" l="l" r="r" t="t"/>
             <a:pathLst>
-              <a:path w="120000" h="120000" extrusionOk="0">
+              <a:path extrusionOk="0" h="120000" w="120000">
                 <a:moveTo>
                   <a:pt x="0" y="0"/>
                 </a:moveTo>
@@ -1104,11 +1068,9 @@
       <p:sp>
         <p:nvSpPr>
           <p:cNvPr id="71" name="Google Shape;71;g2a2c8ed4687_0_26:notes"/>
-          <p:cNvSpPr txBox="1">
-            <a:spLocks noGrp="1"/>
-          </p:cNvSpPr>
+          <p:cNvSpPr txBox="1"/>
           <p:nvPr>
-            <p:ph type="body" idx="1"/>
+            <p:ph idx="1" type="body"/>
           </p:nvPr>
         </p:nvSpPr>
         <p:spPr>
@@ -1121,12 +1083,12 @@
           </a:prstGeom>
         </p:spPr>
         <p:txBody>
-          <a:bodyPr spcFirstLastPara="1" wrap="square" lIns="91425" tIns="91425" rIns="91425" bIns="91425" anchor="t" anchorCtr="0">
+          <a:bodyPr anchorCtr="0" anchor="t" bIns="91425" lIns="91425" spcFirstLastPara="1" rIns="91425" wrap="square" tIns="91425">
             <a:noAutofit/>
           </a:bodyPr>
           <a:lstStyle/>
           <a:p>
-            <a:pPr marL="0" lvl="0" indent="0" algn="l" rtl="0">
+            <a:pPr indent="0" lvl="0" marL="0" rtl="0" algn="l">
               <a:spcBef>
                 <a:spcPts val="0"/>
               </a:spcBef>
@@ -1135,6 +1097,9 @@
               </a:spcAft>
               <a:buNone/>
             </a:pPr>
+            <a:r>
+              <a:t/>
+            </a:r>
             <a:endParaRPr/>
           </a:p>
         </p:txBody>
@@ -1148,11 +1113,11 @@
 </file>
 
 <file path=ppt/notesSlides/notesSlide4.xml><?xml version="1.0" encoding="utf-8"?>
-<p:notes xmlns:a="http://schemas.openxmlformats.org/drawingml/2006/main" xmlns:r="http://schemas.openxmlformats.org/officeDocument/2006/relationships" xmlns:p="http://schemas.openxmlformats.org/presentationml/2006/main" showMasterSp="0" showMasterPhAnim="0">
+<p:notes xmlns:a="http://schemas.openxmlformats.org/drawingml/2006/main" xmlns:r="http://schemas.openxmlformats.org/officeDocument/2006/relationships" xmlns:mc="http://schemas.openxmlformats.org/markup-compatibility/2006" xmlns:mv="urn:schemas-microsoft-com:mac:vml" xmlns:p="http://schemas.openxmlformats.org/presentationml/2006/main" xmlns:c="http://schemas.openxmlformats.org/drawingml/2006/chart" xmlns:dgm="http://schemas.openxmlformats.org/drawingml/2006/diagram" xmlns:o="urn:schemas-microsoft-com:office:office" xmlns:v="urn:schemas-microsoft-com:vml" xmlns:pvml="urn:schemas-microsoft-com:office:powerpoint" xmlns:com="http://schemas.openxmlformats.org/drawingml/2006/compatibility" xmlns:p14="http://schemas.microsoft.com/office/powerpoint/2010/main" xmlns:p15="http://schemas.microsoft.com/office/powerpoint/2012/main" xmlns:ahyp="http://schemas.microsoft.com/office/drawing/2018/hyperlinkcolor" showMasterPhAnim="0" showMasterSp="0">
   <p:cSld>
     <p:spTree>
       <p:nvGrpSpPr>
-        <p:cNvPr id="1" name="Shape 80"/>
+        <p:cNvPr id="80" name="Shape 80"/>
         <p:cNvGrpSpPr/>
         <p:nvPr/>
       </p:nvGrpSpPr>
@@ -1167,11 +1132,9 @@
       <p:sp>
         <p:nvSpPr>
           <p:cNvPr id="81" name="Google Shape;81;g2a2c8ed4687_0_45:notes"/>
-          <p:cNvSpPr>
-            <a:spLocks noGrp="1" noRot="1" noChangeAspect="1"/>
-          </p:cNvSpPr>
+          <p:cNvSpPr/>
           <p:nvPr>
-            <p:ph type="sldImg" idx="2"/>
+            <p:ph idx="2" type="sldImg"/>
           </p:nvPr>
         </p:nvSpPr>
         <p:spPr>
@@ -1180,13 +1143,9 @@
             <a:ext cx="6096000" cy="3429000"/>
           </a:xfrm>
           <a:custGeom>
-            <a:avLst/>
-            <a:gdLst/>
-            <a:ahLst/>
-            <a:cxnLst/>
-            <a:rect l="l" t="t" r="r" b="b"/>
+            <a:rect b="b" l="l" r="r" t="t"/>
             <a:pathLst>
-              <a:path w="120000" h="120000" extrusionOk="0">
+              <a:path extrusionOk="0" h="120000" w="120000">
                 <a:moveTo>
                   <a:pt x="0" y="0"/>
                 </a:moveTo>
@@ -1208,11 +1167,9 @@
       <p:sp>
         <p:nvSpPr>
           <p:cNvPr id="82" name="Google Shape;82;g2a2c8ed4687_0_45:notes"/>
-          <p:cNvSpPr txBox="1">
-            <a:spLocks noGrp="1"/>
-          </p:cNvSpPr>
+          <p:cNvSpPr txBox="1"/>
           <p:nvPr>
-            <p:ph type="body" idx="1"/>
+            <p:ph idx="1" type="body"/>
           </p:nvPr>
         </p:nvSpPr>
         <p:spPr>
@@ -1225,12 +1182,12 @@
           </a:prstGeom>
         </p:spPr>
         <p:txBody>
-          <a:bodyPr spcFirstLastPara="1" wrap="square" lIns="91425" tIns="91425" rIns="91425" bIns="91425" anchor="t" anchorCtr="0">
+          <a:bodyPr anchorCtr="0" anchor="t" bIns="91425" lIns="91425" spcFirstLastPara="1" rIns="91425" wrap="square" tIns="91425">
             <a:noAutofit/>
           </a:bodyPr>
           <a:lstStyle/>
           <a:p>
-            <a:pPr marL="0" lvl="0" indent="0" algn="l" rtl="0">
+            <a:pPr indent="0" lvl="0" marL="0" rtl="0" algn="l">
               <a:spcBef>
                 <a:spcPts val="0"/>
               </a:spcBef>
@@ -1239,6 +1196,9 @@
               </a:spcAft>
               <a:buNone/>
             </a:pPr>
+            <a:r>
+              <a:t/>
+            </a:r>
             <a:endParaRPr/>
           </a:p>
         </p:txBody>
@@ -1252,11 +1212,11 @@
 </file>
 
 <file path=ppt/notesSlides/notesSlide5.xml><?xml version="1.0" encoding="utf-8"?>
-<p:notes xmlns:a="http://schemas.openxmlformats.org/drawingml/2006/main" xmlns:r="http://schemas.openxmlformats.org/officeDocument/2006/relationships" xmlns:p="http://schemas.openxmlformats.org/presentationml/2006/main" showMasterSp="0" showMasterPhAnim="0">
+<p:notes xmlns:a="http://schemas.openxmlformats.org/drawingml/2006/main" xmlns:r="http://schemas.openxmlformats.org/officeDocument/2006/relationships" xmlns:mc="http://schemas.openxmlformats.org/markup-compatibility/2006" xmlns:mv="urn:schemas-microsoft-com:mac:vml" xmlns:p="http://schemas.openxmlformats.org/presentationml/2006/main" xmlns:c="http://schemas.openxmlformats.org/drawingml/2006/chart" xmlns:dgm="http://schemas.openxmlformats.org/drawingml/2006/diagram" xmlns:o="urn:schemas-microsoft-com:office:office" xmlns:v="urn:schemas-microsoft-com:vml" xmlns:pvml="urn:schemas-microsoft-com:office:powerpoint" xmlns:com="http://schemas.openxmlformats.org/drawingml/2006/compatibility" xmlns:p14="http://schemas.microsoft.com/office/powerpoint/2010/main" xmlns:p15="http://schemas.microsoft.com/office/powerpoint/2012/main" xmlns:ahyp="http://schemas.microsoft.com/office/drawing/2018/hyperlinkcolor" showMasterPhAnim="0" showMasterSp="0">
   <p:cSld>
     <p:spTree>
       <p:nvGrpSpPr>
-        <p:cNvPr id="1" name="Shape 90"/>
+        <p:cNvPr id="90" name="Shape 90"/>
         <p:cNvGrpSpPr/>
         <p:nvPr/>
       </p:nvGrpSpPr>
@@ -1271,11 +1231,9 @@
       <p:sp>
         <p:nvSpPr>
           <p:cNvPr id="91" name="Google Shape;91;g2a2c8ed4687_0_66:notes"/>
-          <p:cNvSpPr>
-            <a:spLocks noGrp="1" noRot="1" noChangeAspect="1"/>
-          </p:cNvSpPr>
+          <p:cNvSpPr/>
           <p:nvPr>
-            <p:ph type="sldImg" idx="2"/>
+            <p:ph idx="2" type="sldImg"/>
           </p:nvPr>
         </p:nvSpPr>
         <p:spPr>
@@ -1284,13 +1242,9 @@
             <a:ext cx="6096000" cy="3429000"/>
           </a:xfrm>
           <a:custGeom>
-            <a:avLst/>
-            <a:gdLst/>
-            <a:ahLst/>
-            <a:cxnLst/>
-            <a:rect l="l" t="t" r="r" b="b"/>
+            <a:rect b="b" l="l" r="r" t="t"/>
             <a:pathLst>
-              <a:path w="120000" h="120000" extrusionOk="0">
+              <a:path extrusionOk="0" h="120000" w="120000">
                 <a:moveTo>
                   <a:pt x="0" y="0"/>
                 </a:moveTo>
@@ -1312,11 +1266,9 @@
       <p:sp>
         <p:nvSpPr>
           <p:cNvPr id="92" name="Google Shape;92;g2a2c8ed4687_0_66:notes"/>
-          <p:cNvSpPr txBox="1">
-            <a:spLocks noGrp="1"/>
-          </p:cNvSpPr>
+          <p:cNvSpPr txBox="1"/>
           <p:nvPr>
-            <p:ph type="body" idx="1"/>
+            <p:ph idx="1" type="body"/>
           </p:nvPr>
         </p:nvSpPr>
         <p:spPr>
@@ -1329,12 +1281,12 @@
           </a:prstGeom>
         </p:spPr>
         <p:txBody>
-          <a:bodyPr spcFirstLastPara="1" wrap="square" lIns="91425" tIns="91425" rIns="91425" bIns="91425" anchor="t" anchorCtr="0">
+          <a:bodyPr anchorCtr="0" anchor="t" bIns="91425" lIns="91425" spcFirstLastPara="1" rIns="91425" wrap="square" tIns="91425">
             <a:noAutofit/>
           </a:bodyPr>
           <a:lstStyle/>
           <a:p>
-            <a:pPr marL="0" lvl="0" indent="0" algn="l" rtl="0">
+            <a:pPr indent="0" lvl="0" marL="0" rtl="0" algn="l">
               <a:spcBef>
                 <a:spcPts val="0"/>
               </a:spcBef>
@@ -1343,6 +1295,9 @@
               </a:spcAft>
               <a:buNone/>
             </a:pPr>
+            <a:r>
+              <a:t/>
+            </a:r>
             <a:endParaRPr/>
           </a:p>
         </p:txBody>
@@ -1356,11 +1311,11 @@
 </file>
 
 <file path=ppt/notesSlides/notesSlide6.xml><?xml version="1.0" encoding="utf-8"?>
-<p:notes xmlns:a="http://schemas.openxmlformats.org/drawingml/2006/main" xmlns:r="http://schemas.openxmlformats.org/officeDocument/2006/relationships" xmlns:p="http://schemas.openxmlformats.org/presentationml/2006/main" showMasterSp="0" showMasterPhAnim="0">
+<p:notes xmlns:a="http://schemas.openxmlformats.org/drawingml/2006/main" xmlns:r="http://schemas.openxmlformats.org/officeDocument/2006/relationships" xmlns:mc="http://schemas.openxmlformats.org/markup-compatibility/2006" xmlns:mv="urn:schemas-microsoft-com:mac:vml" xmlns:p="http://schemas.openxmlformats.org/presentationml/2006/main" xmlns:c="http://schemas.openxmlformats.org/drawingml/2006/chart" xmlns:dgm="http://schemas.openxmlformats.org/drawingml/2006/diagram" xmlns:o="urn:schemas-microsoft-com:office:office" xmlns:v="urn:schemas-microsoft-com:vml" xmlns:pvml="urn:schemas-microsoft-com:office:powerpoint" xmlns:com="http://schemas.openxmlformats.org/drawingml/2006/compatibility" xmlns:p14="http://schemas.microsoft.com/office/powerpoint/2010/main" xmlns:p15="http://schemas.microsoft.com/office/powerpoint/2012/main" xmlns:ahyp="http://schemas.microsoft.com/office/drawing/2018/hyperlinkcolor" showMasterPhAnim="0" showMasterSp="0">
   <p:cSld>
     <p:spTree>
       <p:nvGrpSpPr>
-        <p:cNvPr id="1" name="Shape 107"/>
+        <p:cNvPr id="107" name="Shape 107"/>
         <p:cNvGrpSpPr/>
         <p:nvPr/>
       </p:nvGrpSpPr>
@@ -1375,11 +1330,9 @@
       <p:sp>
         <p:nvSpPr>
           <p:cNvPr id="108" name="Google Shape;108;g2a2c8ed4687_0_84:notes"/>
-          <p:cNvSpPr>
-            <a:spLocks noGrp="1" noRot="1" noChangeAspect="1"/>
-          </p:cNvSpPr>
+          <p:cNvSpPr/>
           <p:nvPr>
-            <p:ph type="sldImg" idx="2"/>
+            <p:ph idx="2" type="sldImg"/>
           </p:nvPr>
         </p:nvSpPr>
         <p:spPr>
@@ -1388,13 +1341,9 @@
             <a:ext cx="6096000" cy="3429000"/>
           </a:xfrm>
           <a:custGeom>
-            <a:avLst/>
-            <a:gdLst/>
-            <a:ahLst/>
-            <a:cxnLst/>
-            <a:rect l="l" t="t" r="r" b="b"/>
+            <a:rect b="b" l="l" r="r" t="t"/>
             <a:pathLst>
-              <a:path w="120000" h="120000" extrusionOk="0">
+              <a:path extrusionOk="0" h="120000" w="120000">
                 <a:moveTo>
                   <a:pt x="0" y="0"/>
                 </a:moveTo>
@@ -1416,11 +1365,9 @@
       <p:sp>
         <p:nvSpPr>
           <p:cNvPr id="109" name="Google Shape;109;g2a2c8ed4687_0_84:notes"/>
-          <p:cNvSpPr txBox="1">
-            <a:spLocks noGrp="1"/>
-          </p:cNvSpPr>
+          <p:cNvSpPr txBox="1"/>
           <p:nvPr>
-            <p:ph type="body" idx="1"/>
+            <p:ph idx="1" type="body"/>
           </p:nvPr>
         </p:nvSpPr>
         <p:spPr>
@@ -1433,12 +1380,12 @@
           </a:prstGeom>
         </p:spPr>
         <p:txBody>
-          <a:bodyPr spcFirstLastPara="1" wrap="square" lIns="91425" tIns="91425" rIns="91425" bIns="91425" anchor="t" anchorCtr="0">
+          <a:bodyPr anchorCtr="0" anchor="t" bIns="91425" lIns="91425" spcFirstLastPara="1" rIns="91425" wrap="square" tIns="91425">
             <a:noAutofit/>
           </a:bodyPr>
           <a:lstStyle/>
           <a:p>
-            <a:pPr marL="0" lvl="0" indent="0" algn="l" rtl="0">
+            <a:pPr indent="0" lvl="0" marL="0" rtl="0" algn="l">
               <a:spcBef>
                 <a:spcPts val="0"/>
               </a:spcBef>
@@ -1447,6 +1394,9 @@
               </a:spcAft>
               <a:buNone/>
             </a:pPr>
+            <a:r>
+              <a:t/>
+            </a:r>
             <a:endParaRPr/>
           </a:p>
         </p:txBody>
@@ -1460,11 +1410,11 @@
 </file>
 
 <file path=ppt/notesSlides/notesSlide7.xml><?xml version="1.0" encoding="utf-8"?>
-<p:notes xmlns:a="http://schemas.openxmlformats.org/drawingml/2006/main" xmlns:r="http://schemas.openxmlformats.org/officeDocument/2006/relationships" xmlns:p="http://schemas.openxmlformats.org/presentationml/2006/main" showMasterSp="0" showMasterPhAnim="0">
+<p:notes xmlns:a="http://schemas.openxmlformats.org/drawingml/2006/main" xmlns:r="http://schemas.openxmlformats.org/officeDocument/2006/relationships" xmlns:mc="http://schemas.openxmlformats.org/markup-compatibility/2006" xmlns:mv="urn:schemas-microsoft-com:mac:vml" xmlns:p="http://schemas.openxmlformats.org/presentationml/2006/main" xmlns:c="http://schemas.openxmlformats.org/drawingml/2006/chart" xmlns:dgm="http://schemas.openxmlformats.org/drawingml/2006/diagram" xmlns:o="urn:schemas-microsoft-com:office:office" xmlns:v="urn:schemas-microsoft-com:vml" xmlns:pvml="urn:schemas-microsoft-com:office:powerpoint" xmlns:com="http://schemas.openxmlformats.org/drawingml/2006/compatibility" xmlns:p14="http://schemas.microsoft.com/office/powerpoint/2010/main" xmlns:p15="http://schemas.microsoft.com/office/powerpoint/2012/main" xmlns:ahyp="http://schemas.microsoft.com/office/drawing/2018/hyperlinkcolor" showMasterPhAnim="0" showMasterSp="0">
   <p:cSld>
     <p:spTree>
       <p:nvGrpSpPr>
-        <p:cNvPr id="1" name="Shape 122"/>
+        <p:cNvPr id="122" name="Shape 122"/>
         <p:cNvGrpSpPr/>
         <p:nvPr/>
       </p:nvGrpSpPr>
@@ -1479,11 +1429,9 @@
       <p:sp>
         <p:nvSpPr>
           <p:cNvPr id="123" name="Google Shape;123;g2a2c8ed4687_0_100:notes"/>
-          <p:cNvSpPr>
-            <a:spLocks noGrp="1" noRot="1" noChangeAspect="1"/>
-          </p:cNvSpPr>
+          <p:cNvSpPr/>
           <p:nvPr>
-            <p:ph type="sldImg" idx="2"/>
+            <p:ph idx="2" type="sldImg"/>
           </p:nvPr>
         </p:nvSpPr>
         <p:spPr>
@@ -1492,13 +1440,9 @@
             <a:ext cx="6096000" cy="3429000"/>
           </a:xfrm>
           <a:custGeom>
-            <a:avLst/>
-            <a:gdLst/>
-            <a:ahLst/>
-            <a:cxnLst/>
-            <a:rect l="l" t="t" r="r" b="b"/>
+            <a:rect b="b" l="l" r="r" t="t"/>
             <a:pathLst>
-              <a:path w="120000" h="120000" extrusionOk="0">
+              <a:path extrusionOk="0" h="120000" w="120000">
                 <a:moveTo>
                   <a:pt x="0" y="0"/>
                 </a:moveTo>
@@ -1520,11 +1464,9 @@
       <p:sp>
         <p:nvSpPr>
           <p:cNvPr id="124" name="Google Shape;124;g2a2c8ed4687_0_100:notes"/>
-          <p:cNvSpPr txBox="1">
-            <a:spLocks noGrp="1"/>
-          </p:cNvSpPr>
+          <p:cNvSpPr txBox="1"/>
           <p:nvPr>
-            <p:ph type="body" idx="1"/>
+            <p:ph idx="1" type="body"/>
           </p:nvPr>
         </p:nvSpPr>
         <p:spPr>
@@ -1537,12 +1479,12 @@
           </a:prstGeom>
         </p:spPr>
         <p:txBody>
-          <a:bodyPr spcFirstLastPara="1" wrap="square" lIns="91425" tIns="91425" rIns="91425" bIns="91425" anchor="t" anchorCtr="0">
+          <a:bodyPr anchorCtr="0" anchor="t" bIns="91425" lIns="91425" spcFirstLastPara="1" rIns="91425" wrap="square" tIns="91425">
             <a:noAutofit/>
           </a:bodyPr>
           <a:lstStyle/>
           <a:p>
-            <a:pPr marL="0" lvl="0" indent="0" algn="l" rtl="0">
+            <a:pPr indent="0" lvl="0" marL="0" rtl="0" algn="l">
               <a:spcBef>
                 <a:spcPts val="0"/>
               </a:spcBef>
@@ -1551,6 +1493,9 @@
               </a:spcAft>
               <a:buNone/>
             </a:pPr>
+            <a:r>
+              <a:t/>
+            </a:r>
             <a:endParaRPr/>
           </a:p>
         </p:txBody>
@@ -1564,11 +1509,11 @@
 </file>
 
 <file path=ppt/notesSlides/notesSlide8.xml><?xml version="1.0" encoding="utf-8"?>
-<p:notes xmlns:a="http://schemas.openxmlformats.org/drawingml/2006/main" xmlns:r="http://schemas.openxmlformats.org/officeDocument/2006/relationships" xmlns:p="http://schemas.openxmlformats.org/presentationml/2006/main" showMasterSp="0" showMasterPhAnim="0">
+<p:notes xmlns:a="http://schemas.openxmlformats.org/drawingml/2006/main" xmlns:r="http://schemas.openxmlformats.org/officeDocument/2006/relationships" xmlns:mc="http://schemas.openxmlformats.org/markup-compatibility/2006" xmlns:mv="urn:schemas-microsoft-com:mac:vml" xmlns:p="http://schemas.openxmlformats.org/presentationml/2006/main" xmlns:c="http://schemas.openxmlformats.org/drawingml/2006/chart" xmlns:dgm="http://schemas.openxmlformats.org/drawingml/2006/diagram" xmlns:o="urn:schemas-microsoft-com:office:office" xmlns:v="urn:schemas-microsoft-com:vml" xmlns:pvml="urn:schemas-microsoft-com:office:powerpoint" xmlns:com="http://schemas.openxmlformats.org/drawingml/2006/compatibility" xmlns:p14="http://schemas.microsoft.com/office/powerpoint/2010/main" xmlns:p15="http://schemas.microsoft.com/office/powerpoint/2012/main" xmlns:ahyp="http://schemas.microsoft.com/office/drawing/2018/hyperlinkcolor" showMasterPhAnim="0" showMasterSp="0">
   <p:cSld>
     <p:spTree>
       <p:nvGrpSpPr>
-        <p:cNvPr id="1" name="Shape 135"/>
+        <p:cNvPr id="135" name="Shape 135"/>
         <p:cNvGrpSpPr/>
         <p:nvPr/>
       </p:nvGrpSpPr>
@@ -1583,11 +1528,9 @@
       <p:sp>
         <p:nvSpPr>
           <p:cNvPr id="136" name="Google Shape;136;g2a2c8ed4687_0_116:notes"/>
-          <p:cNvSpPr>
-            <a:spLocks noGrp="1" noRot="1" noChangeAspect="1"/>
-          </p:cNvSpPr>
+          <p:cNvSpPr/>
           <p:nvPr>
-            <p:ph type="sldImg" idx="2"/>
+            <p:ph idx="2" type="sldImg"/>
           </p:nvPr>
         </p:nvSpPr>
         <p:spPr>
@@ -1596,13 +1539,9 @@
             <a:ext cx="6096000" cy="3429000"/>
           </a:xfrm>
           <a:custGeom>
-            <a:avLst/>
-            <a:gdLst/>
-            <a:ahLst/>
-            <a:cxnLst/>
-            <a:rect l="l" t="t" r="r" b="b"/>
+            <a:rect b="b" l="l" r="r" t="t"/>
             <a:pathLst>
-              <a:path w="120000" h="120000" extrusionOk="0">
+              <a:path extrusionOk="0" h="120000" w="120000">
                 <a:moveTo>
                   <a:pt x="0" y="0"/>
                 </a:moveTo>
@@ -1624,11 +1563,9 @@
       <p:sp>
         <p:nvSpPr>
           <p:cNvPr id="137" name="Google Shape;137;g2a2c8ed4687_0_116:notes"/>
-          <p:cNvSpPr txBox="1">
-            <a:spLocks noGrp="1"/>
-          </p:cNvSpPr>
+          <p:cNvSpPr txBox="1"/>
           <p:nvPr>
-            <p:ph type="body" idx="1"/>
+            <p:ph idx="1" type="body"/>
           </p:nvPr>
         </p:nvSpPr>
         <p:spPr>
@@ -1641,12 +1578,12 @@
           </a:prstGeom>
         </p:spPr>
         <p:txBody>
-          <a:bodyPr spcFirstLastPara="1" wrap="square" lIns="91425" tIns="91425" rIns="91425" bIns="91425" anchor="t" anchorCtr="0">
+          <a:bodyPr anchorCtr="0" anchor="t" bIns="91425" lIns="91425" spcFirstLastPara="1" rIns="91425" wrap="square" tIns="91425">
             <a:noAutofit/>
           </a:bodyPr>
           <a:lstStyle/>
           <a:p>
-            <a:pPr marL="0" lvl="0" indent="0" algn="l" rtl="0">
+            <a:pPr indent="0" lvl="0" marL="0" rtl="0" algn="l">
               <a:spcBef>
                 <a:spcPts val="0"/>
               </a:spcBef>
@@ -1655,6 +1592,9 @@
               </a:spcAft>
               <a:buNone/>
             </a:pPr>
+            <a:r>
+              <a:t/>
+            </a:r>
             <a:endParaRPr/>
           </a:p>
         </p:txBody>
@@ -1668,11 +1608,11 @@
 </file>
 
 <file path=ppt/notesSlides/notesSlide9.xml><?xml version="1.0" encoding="utf-8"?>
-<p:notes xmlns:a="http://schemas.openxmlformats.org/drawingml/2006/main" xmlns:r="http://schemas.openxmlformats.org/officeDocument/2006/relationships" xmlns:p="http://schemas.openxmlformats.org/presentationml/2006/main" showMasterSp="0" showMasterPhAnim="0">
+<p:notes xmlns:a="http://schemas.openxmlformats.org/drawingml/2006/main" xmlns:r="http://schemas.openxmlformats.org/officeDocument/2006/relationships" xmlns:mc="http://schemas.openxmlformats.org/markup-compatibility/2006" xmlns:mv="urn:schemas-microsoft-com:mac:vml" xmlns:p="http://schemas.openxmlformats.org/presentationml/2006/main" xmlns:c="http://schemas.openxmlformats.org/drawingml/2006/chart" xmlns:dgm="http://schemas.openxmlformats.org/drawingml/2006/diagram" xmlns:o="urn:schemas-microsoft-com:office:office" xmlns:v="urn:schemas-microsoft-com:vml" xmlns:pvml="urn:schemas-microsoft-com:office:powerpoint" xmlns:com="http://schemas.openxmlformats.org/drawingml/2006/compatibility" xmlns:p14="http://schemas.microsoft.com/office/powerpoint/2010/main" xmlns:p15="http://schemas.microsoft.com/office/powerpoint/2012/main" xmlns:ahyp="http://schemas.microsoft.com/office/drawing/2018/hyperlinkcolor" showMasterPhAnim="0" showMasterSp="0">
   <p:cSld>
     <p:spTree>
       <p:nvGrpSpPr>
-        <p:cNvPr id="1" name="Shape 146"/>
+        <p:cNvPr id="146" name="Shape 146"/>
         <p:cNvGrpSpPr/>
         <p:nvPr/>
       </p:nvGrpSpPr>
@@ -1687,11 +1627,9 @@
       <p:sp>
         <p:nvSpPr>
           <p:cNvPr id="147" name="Google Shape;147;g2a2c8ed4687_0_151:notes"/>
-          <p:cNvSpPr>
-            <a:spLocks noGrp="1" noRot="1" noChangeAspect="1"/>
-          </p:cNvSpPr>
+          <p:cNvSpPr/>
           <p:nvPr>
-            <p:ph type="sldImg" idx="2"/>
+            <p:ph idx="2" type="sldImg"/>
           </p:nvPr>
         </p:nvSpPr>
         <p:spPr>
@@ -1700,13 +1638,9 @@
             <a:ext cx="6096000" cy="3429000"/>
           </a:xfrm>
           <a:custGeom>
-            <a:avLst/>
-            <a:gdLst/>
-            <a:ahLst/>
-            <a:cxnLst/>
-            <a:rect l="l" t="t" r="r" b="b"/>
+            <a:rect b="b" l="l" r="r" t="t"/>
             <a:pathLst>
-              <a:path w="120000" h="120000" extrusionOk="0">
+              <a:path extrusionOk="0" h="120000" w="120000">
                 <a:moveTo>
                   <a:pt x="0" y="0"/>
                 </a:moveTo>
@@ -1728,11 +1662,9 @@
       <p:sp>
         <p:nvSpPr>
           <p:cNvPr id="148" name="Google Shape;148;g2a2c8ed4687_0_151:notes"/>
-          <p:cNvSpPr txBox="1">
-            <a:spLocks noGrp="1"/>
-          </p:cNvSpPr>
+          <p:cNvSpPr txBox="1"/>
           <p:nvPr>
-            <p:ph type="body" idx="1"/>
+            <p:ph idx="1" type="body"/>
           </p:nvPr>
         </p:nvSpPr>
         <p:spPr>
@@ -1745,12 +1677,12 @@
           </a:prstGeom>
         </p:spPr>
         <p:txBody>
-          <a:bodyPr spcFirstLastPara="1" wrap="square" lIns="91425" tIns="91425" rIns="91425" bIns="91425" anchor="t" anchorCtr="0">
+          <a:bodyPr anchorCtr="0" anchor="t" bIns="91425" lIns="91425" spcFirstLastPara="1" rIns="91425" wrap="square" tIns="91425">
             <a:noAutofit/>
           </a:bodyPr>
           <a:lstStyle/>
           <a:p>
-            <a:pPr marL="0" lvl="0" indent="0" algn="l" rtl="0">
+            <a:pPr indent="0" lvl="0" marL="0" rtl="0" algn="l">
               <a:spcBef>
                 <a:spcPts val="0"/>
               </a:spcBef>
@@ -1759,6 +1691,9 @@
               </a:spcAft>
               <a:buNone/>
             </a:pPr>
+            <a:r>
+              <a:t/>
+            </a:r>
             <a:endParaRPr/>
           </a:p>
         </p:txBody>
@@ -1772,11 +1707,11 @@
 </file>
 
 <file path=ppt/slideLayouts/slideLayout1.xml><?xml version="1.0" encoding="utf-8"?>
-<p:sldLayout xmlns:a="http://schemas.openxmlformats.org/drawingml/2006/main" xmlns:r="http://schemas.openxmlformats.org/officeDocument/2006/relationships" xmlns:p="http://schemas.openxmlformats.org/presentationml/2006/main" matchingName="Title slide" type="title">
+<p:sldLayout xmlns:a="http://schemas.openxmlformats.org/drawingml/2006/main" xmlns:r="http://schemas.openxmlformats.org/officeDocument/2006/relationships" xmlns:mc="http://schemas.openxmlformats.org/markup-compatibility/2006" xmlns:mv="urn:schemas-microsoft-com:mac:vml" xmlns:p="http://schemas.openxmlformats.org/presentationml/2006/main" xmlns:c="http://schemas.openxmlformats.org/drawingml/2006/chart" xmlns:dgm="http://schemas.openxmlformats.org/drawingml/2006/diagram" xmlns:o="urn:schemas-microsoft-com:office:office" xmlns:v="urn:schemas-microsoft-com:vml" xmlns:pvml="urn:schemas-microsoft-com:office:powerpoint" xmlns:com="http://schemas.openxmlformats.org/drawingml/2006/compatibility" xmlns:p14="http://schemas.microsoft.com/office/powerpoint/2010/main" xmlns:p15="http://schemas.microsoft.com/office/powerpoint/2012/main" xmlns:ahyp="http://schemas.microsoft.com/office/drawing/2018/hyperlinkcolor" matchingName="Title slide" type="title">
   <p:cSld name="TITLE">
     <p:spTree>
       <p:nvGrpSpPr>
-        <p:cNvPr id="1" name="Shape 9"/>
+        <p:cNvPr id="9" name="Shape 9"/>
         <p:cNvGrpSpPr/>
         <p:nvPr/>
       </p:nvGrpSpPr>
@@ -1791,9 +1726,7 @@
       <p:sp>
         <p:nvSpPr>
           <p:cNvPr id="10" name="Google Shape;10;p2"/>
-          <p:cNvSpPr txBox="1">
-            <a:spLocks noGrp="1"/>
-          </p:cNvSpPr>
+          <p:cNvSpPr txBox="1"/>
           <p:nvPr>
             <p:ph type="ctrTitle"/>
           </p:nvPr>
@@ -1808,7 +1741,7 @@
           </a:prstGeom>
         </p:spPr>
         <p:txBody>
-          <a:bodyPr spcFirstLastPara="1" wrap="square" lIns="91425" tIns="91425" rIns="91425" bIns="91425" anchor="b" anchorCtr="0">
+          <a:bodyPr anchorCtr="0" anchor="b" bIns="91425" lIns="91425" spcFirstLastPara="1" rIns="91425" wrap="square" tIns="91425">
             <a:normAutofit/>
           </a:bodyPr>
           <a:lstStyle>
@@ -1912,19 +1845,15 @@
               <a:defRPr sz="5200"/>
             </a:lvl9pPr>
           </a:lstStyle>
-          <a:p>
-            <a:endParaRPr/>
-          </a:p>
+          <a:p/>
         </p:txBody>
       </p:sp>
       <p:sp>
         <p:nvSpPr>
           <p:cNvPr id="11" name="Google Shape;11;p2"/>
-          <p:cNvSpPr txBox="1">
-            <a:spLocks noGrp="1"/>
-          </p:cNvSpPr>
+          <p:cNvSpPr txBox="1"/>
           <p:nvPr>
-            <p:ph type="subTitle" idx="1"/>
+            <p:ph idx="1" type="subTitle"/>
           </p:nvPr>
         </p:nvSpPr>
         <p:spPr>
@@ -1937,7 +1866,7 @@
           </a:prstGeom>
         </p:spPr>
         <p:txBody>
-          <a:bodyPr spcFirstLastPara="1" wrap="square" lIns="91425" tIns="91425" rIns="91425" bIns="91425" anchor="t" anchorCtr="0">
+          <a:bodyPr anchorCtr="0" anchor="t" bIns="91425" lIns="91425" spcFirstLastPara="1" rIns="91425" wrap="square" tIns="91425">
             <a:normAutofit/>
           </a:bodyPr>
           <a:lstStyle>
@@ -2068,19 +1997,15 @@
               <a:defRPr sz="2800"/>
             </a:lvl9pPr>
           </a:lstStyle>
-          <a:p>
-            <a:endParaRPr/>
-          </a:p>
+          <a:p/>
         </p:txBody>
       </p:sp>
       <p:sp>
         <p:nvSpPr>
           <p:cNvPr id="12" name="Google Shape;12;p2"/>
-          <p:cNvSpPr txBox="1">
-            <a:spLocks noGrp="1"/>
-          </p:cNvSpPr>
+          <p:cNvSpPr txBox="1"/>
           <p:nvPr>
-            <p:ph type="sldNum" idx="12"/>
+            <p:ph idx="12" type="sldNum"/>
           </p:nvPr>
         </p:nvSpPr>
         <p:spPr>
@@ -2093,7 +2018,7 @@
           </a:prstGeom>
         </p:spPr>
         <p:txBody>
-          <a:bodyPr spcFirstLastPara="1" wrap="square" lIns="91425" tIns="91425" rIns="91425" bIns="91425" anchor="ctr" anchorCtr="0">
+          <a:bodyPr anchorCtr="0" anchor="ctr" bIns="91425" lIns="91425" spcFirstLastPara="1" rIns="91425" wrap="square" tIns="91425">
             <a:normAutofit/>
           </a:bodyPr>
           <a:lstStyle>
@@ -2135,7 +2060,7 @@
             </a:lvl9pPr>
           </a:lstStyle>
           <a:p>
-            <a:pPr marL="0" lvl="0" indent="0" algn="r" rtl="0">
+            <a:pPr indent="0" lvl="0" marL="0" rtl="0" algn="r">
               <a:spcBef>
                 <a:spcPts val="0"/>
               </a:spcBef>
@@ -2161,11 +2086,11 @@
 </file>
 
 <file path=ppt/slideLayouts/slideLayout10.xml><?xml version="1.0" encoding="utf-8"?>
-<p:sldLayout xmlns:a="http://schemas.openxmlformats.org/drawingml/2006/main" xmlns:r="http://schemas.openxmlformats.org/officeDocument/2006/relationships" xmlns:p="http://schemas.openxmlformats.org/presentationml/2006/main" matchingName="Big number">
+<p:sldLayout xmlns:a="http://schemas.openxmlformats.org/drawingml/2006/main" xmlns:r="http://schemas.openxmlformats.org/officeDocument/2006/relationships" xmlns:mc="http://schemas.openxmlformats.org/markup-compatibility/2006" xmlns:mv="urn:schemas-microsoft-com:mac:vml" xmlns:p="http://schemas.openxmlformats.org/presentationml/2006/main" xmlns:c="http://schemas.openxmlformats.org/drawingml/2006/chart" xmlns:dgm="http://schemas.openxmlformats.org/drawingml/2006/diagram" xmlns:o="urn:schemas-microsoft-com:office:office" xmlns:v="urn:schemas-microsoft-com:vml" xmlns:pvml="urn:schemas-microsoft-com:office:powerpoint" xmlns:com="http://schemas.openxmlformats.org/drawingml/2006/compatibility" xmlns:p14="http://schemas.microsoft.com/office/powerpoint/2010/main" xmlns:p15="http://schemas.microsoft.com/office/powerpoint/2012/main" xmlns:ahyp="http://schemas.microsoft.com/office/drawing/2018/hyperlinkcolor" matchingName="Big number">
   <p:cSld name="BIG_NUMBER">
     <p:spTree>
       <p:nvGrpSpPr>
-        <p:cNvPr id="1" name="Shape 44"/>
+        <p:cNvPr id="44" name="Shape 44"/>
         <p:cNvGrpSpPr/>
         <p:nvPr/>
       </p:nvGrpSpPr>
@@ -2180,11 +2105,9 @@
       <p:sp>
         <p:nvSpPr>
           <p:cNvPr id="45" name="Google Shape;45;p11"/>
-          <p:cNvSpPr txBox="1">
-            <a:spLocks noGrp="1"/>
-          </p:cNvSpPr>
+          <p:cNvSpPr txBox="1"/>
           <p:nvPr>
-            <p:ph type="title" hasCustomPrompt="1"/>
+            <p:ph hasCustomPrompt="1" type="title"/>
           </p:nvPr>
         </p:nvSpPr>
         <p:spPr>
@@ -2197,7 +2120,7 @@
           </a:prstGeom>
         </p:spPr>
         <p:txBody>
-          <a:bodyPr spcFirstLastPara="1" wrap="square" lIns="91425" tIns="91425" rIns="91425" bIns="91425" anchor="b" anchorCtr="0">
+          <a:bodyPr anchorCtr="0" anchor="b" bIns="91425" lIns="91425" spcFirstLastPara="1" rIns="91425" wrap="square" tIns="91425">
             <a:normAutofit/>
           </a:bodyPr>
           <a:lstStyle>
@@ -2311,11 +2234,9 @@
       <p:sp>
         <p:nvSpPr>
           <p:cNvPr id="46" name="Google Shape;46;p11"/>
-          <p:cNvSpPr txBox="1">
-            <a:spLocks noGrp="1"/>
-          </p:cNvSpPr>
+          <p:cNvSpPr txBox="1"/>
           <p:nvPr>
-            <p:ph type="body" idx="1"/>
+            <p:ph idx="1" type="body"/>
           </p:nvPr>
         </p:nvSpPr>
         <p:spPr>
@@ -2328,11 +2249,11 @@
           </a:prstGeom>
         </p:spPr>
         <p:txBody>
-          <a:bodyPr spcFirstLastPara="1" wrap="square" lIns="91425" tIns="91425" rIns="91425" bIns="91425" anchor="t" anchorCtr="0">
+          <a:bodyPr anchorCtr="0" anchor="t" bIns="91425" lIns="91425" spcFirstLastPara="1" rIns="91425" wrap="square" tIns="91425">
             <a:normAutofit/>
           </a:bodyPr>
           <a:lstStyle>
-            <a:lvl1pPr marL="457200" lvl="0" indent="-342900" algn="ctr">
+            <a:lvl1pPr indent="-342900" lvl="0" marL="457200" algn="ctr">
               <a:spcBef>
                 <a:spcPts val="0"/>
               </a:spcBef>
@@ -2343,7 +2264,7 @@
               <a:buChar char="●"/>
               <a:defRPr/>
             </a:lvl1pPr>
-            <a:lvl2pPr marL="914400" lvl="1" indent="-317500" algn="ctr">
+            <a:lvl2pPr indent="-317500" lvl="1" marL="914400" algn="ctr">
               <a:spcBef>
                 <a:spcPts val="0"/>
               </a:spcBef>
@@ -2354,7 +2275,7 @@
               <a:buChar char="○"/>
               <a:defRPr/>
             </a:lvl2pPr>
-            <a:lvl3pPr marL="1371600" lvl="2" indent="-317500" algn="ctr">
+            <a:lvl3pPr indent="-317500" lvl="2" marL="1371600" algn="ctr">
               <a:spcBef>
                 <a:spcPts val="0"/>
               </a:spcBef>
@@ -2365,7 +2286,7 @@
               <a:buChar char="■"/>
               <a:defRPr/>
             </a:lvl3pPr>
-            <a:lvl4pPr marL="1828800" lvl="3" indent="-317500" algn="ctr">
+            <a:lvl4pPr indent="-317500" lvl="3" marL="1828800" algn="ctr">
               <a:spcBef>
                 <a:spcPts val="0"/>
               </a:spcBef>
@@ -2376,7 +2297,7 @@
               <a:buChar char="●"/>
               <a:defRPr/>
             </a:lvl4pPr>
-            <a:lvl5pPr marL="2286000" lvl="4" indent="-317500" algn="ctr">
+            <a:lvl5pPr indent="-317500" lvl="4" marL="2286000" algn="ctr">
               <a:spcBef>
                 <a:spcPts val="0"/>
               </a:spcBef>
@@ -2387,7 +2308,7 @@
               <a:buChar char="○"/>
               <a:defRPr/>
             </a:lvl5pPr>
-            <a:lvl6pPr marL="2743200" lvl="5" indent="-317500" algn="ctr">
+            <a:lvl6pPr indent="-317500" lvl="5" marL="2743200" algn="ctr">
               <a:spcBef>
                 <a:spcPts val="0"/>
               </a:spcBef>
@@ -2398,7 +2319,7 @@
               <a:buChar char="■"/>
               <a:defRPr/>
             </a:lvl6pPr>
-            <a:lvl7pPr marL="3200400" lvl="6" indent="-317500" algn="ctr">
+            <a:lvl7pPr indent="-317500" lvl="6" marL="3200400" algn="ctr">
               <a:spcBef>
                 <a:spcPts val="0"/>
               </a:spcBef>
@@ -2409,7 +2330,7 @@
               <a:buChar char="●"/>
               <a:defRPr/>
             </a:lvl7pPr>
-            <a:lvl8pPr marL="3657600" lvl="7" indent="-317500" algn="ctr">
+            <a:lvl8pPr indent="-317500" lvl="7" marL="3657600" algn="ctr">
               <a:spcBef>
                 <a:spcPts val="0"/>
               </a:spcBef>
@@ -2420,7 +2341,7 @@
               <a:buChar char="○"/>
               <a:defRPr/>
             </a:lvl8pPr>
-            <a:lvl9pPr marL="4114800" lvl="8" indent="-317500" algn="ctr">
+            <a:lvl9pPr indent="-317500" lvl="8" marL="4114800" algn="ctr">
               <a:spcBef>
                 <a:spcPts val="0"/>
               </a:spcBef>
@@ -2429,77 +2350,73 @@
               </a:spcAft>
               <a:buSzPts val="1400"/>
               <a:buChar char="■"/>
+              <a:defRPr/>
+            </a:lvl9pPr>
+          </a:lstStyle>
+          <a:p/>
+        </p:txBody>
+      </p:sp>
+      <p:sp>
+        <p:nvSpPr>
+          <p:cNvPr id="47" name="Google Shape;47;p11"/>
+          <p:cNvSpPr txBox="1"/>
+          <p:nvPr>
+            <p:ph idx="12" type="sldNum"/>
+          </p:nvPr>
+        </p:nvSpPr>
+        <p:spPr>
+          <a:xfrm>
+            <a:off x="8472458" y="4663217"/>
+            <a:ext cx="548700" cy="393600"/>
+          </a:xfrm>
+          <a:prstGeom prst="rect">
+            <a:avLst/>
+          </a:prstGeom>
+        </p:spPr>
+        <p:txBody>
+          <a:bodyPr anchorCtr="0" anchor="ctr" bIns="91425" lIns="91425" spcFirstLastPara="1" rIns="91425" wrap="square" tIns="91425">
+            <a:normAutofit/>
+          </a:bodyPr>
+          <a:lstStyle>
+            <a:lvl1pPr lvl="0">
+              <a:buNone/>
+              <a:defRPr/>
+            </a:lvl1pPr>
+            <a:lvl2pPr lvl="1">
+              <a:buNone/>
+              <a:defRPr/>
+            </a:lvl2pPr>
+            <a:lvl3pPr lvl="2">
+              <a:buNone/>
+              <a:defRPr/>
+            </a:lvl3pPr>
+            <a:lvl4pPr lvl="3">
+              <a:buNone/>
+              <a:defRPr/>
+            </a:lvl4pPr>
+            <a:lvl5pPr lvl="4">
+              <a:buNone/>
+              <a:defRPr/>
+            </a:lvl5pPr>
+            <a:lvl6pPr lvl="5">
+              <a:buNone/>
+              <a:defRPr/>
+            </a:lvl6pPr>
+            <a:lvl7pPr lvl="6">
+              <a:buNone/>
+              <a:defRPr/>
+            </a:lvl7pPr>
+            <a:lvl8pPr lvl="7">
+              <a:buNone/>
+              <a:defRPr/>
+            </a:lvl8pPr>
+            <a:lvl9pPr lvl="8">
+              <a:buNone/>
               <a:defRPr/>
             </a:lvl9pPr>
           </a:lstStyle>
           <a:p>
-            <a:endParaRPr/>
-          </a:p>
-        </p:txBody>
-      </p:sp>
-      <p:sp>
-        <p:nvSpPr>
-          <p:cNvPr id="47" name="Google Shape;47;p11"/>
-          <p:cNvSpPr txBox="1">
-            <a:spLocks noGrp="1"/>
-          </p:cNvSpPr>
-          <p:nvPr>
-            <p:ph type="sldNum" idx="12"/>
-          </p:nvPr>
-        </p:nvSpPr>
-        <p:spPr>
-          <a:xfrm>
-            <a:off x="8472458" y="4663217"/>
-            <a:ext cx="548700" cy="393600"/>
-          </a:xfrm>
-          <a:prstGeom prst="rect">
-            <a:avLst/>
-          </a:prstGeom>
-        </p:spPr>
-        <p:txBody>
-          <a:bodyPr spcFirstLastPara="1" wrap="square" lIns="91425" tIns="91425" rIns="91425" bIns="91425" anchor="ctr" anchorCtr="0">
-            <a:normAutofit/>
-          </a:bodyPr>
-          <a:lstStyle>
-            <a:lvl1pPr lvl="0">
-              <a:buNone/>
-              <a:defRPr/>
-            </a:lvl1pPr>
-            <a:lvl2pPr lvl="1">
-              <a:buNone/>
-              <a:defRPr/>
-            </a:lvl2pPr>
-            <a:lvl3pPr lvl="2">
-              <a:buNone/>
-              <a:defRPr/>
-            </a:lvl3pPr>
-            <a:lvl4pPr lvl="3">
-              <a:buNone/>
-              <a:defRPr/>
-            </a:lvl4pPr>
-            <a:lvl5pPr lvl="4">
-              <a:buNone/>
-              <a:defRPr/>
-            </a:lvl5pPr>
-            <a:lvl6pPr lvl="5">
-              <a:buNone/>
-              <a:defRPr/>
-            </a:lvl6pPr>
-            <a:lvl7pPr lvl="6">
-              <a:buNone/>
-              <a:defRPr/>
-            </a:lvl7pPr>
-            <a:lvl8pPr lvl="7">
-              <a:buNone/>
-              <a:defRPr/>
-            </a:lvl8pPr>
-            <a:lvl9pPr lvl="8">
-              <a:buNone/>
-              <a:defRPr/>
-            </a:lvl9pPr>
-          </a:lstStyle>
-          <a:p>
-            <a:pPr marL="0" lvl="0" indent="0" algn="r" rtl="0">
+            <a:pPr indent="0" lvl="0" marL="0" rtl="0" algn="r">
               <a:spcBef>
                 <a:spcPts val="0"/>
               </a:spcBef>
@@ -2525,11 +2442,11 @@
 </file>
 
 <file path=ppt/slideLayouts/slideLayout11.xml><?xml version="1.0" encoding="utf-8"?>
-<p:sldLayout xmlns:a="http://schemas.openxmlformats.org/drawingml/2006/main" xmlns:r="http://schemas.openxmlformats.org/officeDocument/2006/relationships" xmlns:p="http://schemas.openxmlformats.org/presentationml/2006/main" matchingName="Blank" type="blank">
+<p:sldLayout xmlns:a="http://schemas.openxmlformats.org/drawingml/2006/main" xmlns:r="http://schemas.openxmlformats.org/officeDocument/2006/relationships" xmlns:mc="http://schemas.openxmlformats.org/markup-compatibility/2006" xmlns:mv="urn:schemas-microsoft-com:mac:vml" xmlns:p="http://schemas.openxmlformats.org/presentationml/2006/main" xmlns:c="http://schemas.openxmlformats.org/drawingml/2006/chart" xmlns:dgm="http://schemas.openxmlformats.org/drawingml/2006/diagram" xmlns:o="urn:schemas-microsoft-com:office:office" xmlns:v="urn:schemas-microsoft-com:vml" xmlns:pvml="urn:schemas-microsoft-com:office:powerpoint" xmlns:com="http://schemas.openxmlformats.org/drawingml/2006/compatibility" xmlns:p14="http://schemas.microsoft.com/office/powerpoint/2010/main" xmlns:p15="http://schemas.microsoft.com/office/powerpoint/2012/main" xmlns:ahyp="http://schemas.microsoft.com/office/drawing/2018/hyperlinkcolor" matchingName="Blank" type="blank">
   <p:cSld name="BLANK">
     <p:spTree>
       <p:nvGrpSpPr>
-        <p:cNvPr id="1" name="Shape 48"/>
+        <p:cNvPr id="48" name="Shape 48"/>
         <p:cNvGrpSpPr/>
         <p:nvPr/>
       </p:nvGrpSpPr>
@@ -2544,11 +2461,9 @@
       <p:sp>
         <p:nvSpPr>
           <p:cNvPr id="49" name="Google Shape;49;p12"/>
-          <p:cNvSpPr txBox="1">
-            <a:spLocks noGrp="1"/>
-          </p:cNvSpPr>
+          <p:cNvSpPr txBox="1"/>
           <p:nvPr>
-            <p:ph type="sldNum" idx="12"/>
+            <p:ph idx="12" type="sldNum"/>
           </p:nvPr>
         </p:nvSpPr>
         <p:spPr>
@@ -2561,7 +2476,7 @@
           </a:prstGeom>
         </p:spPr>
         <p:txBody>
-          <a:bodyPr spcFirstLastPara="1" wrap="square" lIns="91425" tIns="91425" rIns="91425" bIns="91425" anchor="ctr" anchorCtr="0">
+          <a:bodyPr anchorCtr="0" anchor="ctr" bIns="91425" lIns="91425" spcFirstLastPara="1" rIns="91425" wrap="square" tIns="91425">
             <a:normAutofit/>
           </a:bodyPr>
           <a:lstStyle>
@@ -2603,7 +2518,7 @@
             </a:lvl9pPr>
           </a:lstStyle>
           <a:p>
-            <a:pPr marL="0" lvl="0" indent="0" algn="r" rtl="0">
+            <a:pPr indent="0" lvl="0" marL="0" rtl="0" algn="r">
               <a:spcBef>
                 <a:spcPts val="0"/>
               </a:spcBef>
@@ -2629,11 +2544,11 @@
 </file>
 
 <file path=ppt/slideLayouts/slideLayout2.xml><?xml version="1.0" encoding="utf-8"?>
-<p:sldLayout xmlns:a="http://schemas.openxmlformats.org/drawingml/2006/main" xmlns:r="http://schemas.openxmlformats.org/officeDocument/2006/relationships" xmlns:p="http://schemas.openxmlformats.org/presentationml/2006/main" matchingName="Section header" type="secHead">
+<p:sldLayout xmlns:a="http://schemas.openxmlformats.org/drawingml/2006/main" xmlns:r="http://schemas.openxmlformats.org/officeDocument/2006/relationships" xmlns:mc="http://schemas.openxmlformats.org/markup-compatibility/2006" xmlns:mv="urn:schemas-microsoft-com:mac:vml" xmlns:p="http://schemas.openxmlformats.org/presentationml/2006/main" xmlns:c="http://schemas.openxmlformats.org/drawingml/2006/chart" xmlns:dgm="http://schemas.openxmlformats.org/drawingml/2006/diagram" xmlns:o="urn:schemas-microsoft-com:office:office" xmlns:v="urn:schemas-microsoft-com:vml" xmlns:pvml="urn:schemas-microsoft-com:office:powerpoint" xmlns:com="http://schemas.openxmlformats.org/drawingml/2006/compatibility" xmlns:p14="http://schemas.microsoft.com/office/powerpoint/2010/main" xmlns:p15="http://schemas.microsoft.com/office/powerpoint/2012/main" xmlns:ahyp="http://schemas.microsoft.com/office/drawing/2018/hyperlinkcolor" matchingName="Section header" type="secHead">
   <p:cSld name="SECTION_HEADER">
     <p:spTree>
       <p:nvGrpSpPr>
-        <p:cNvPr id="1" name="Shape 13"/>
+        <p:cNvPr id="13" name="Shape 13"/>
         <p:cNvGrpSpPr/>
         <p:nvPr/>
       </p:nvGrpSpPr>
@@ -2648,9 +2563,7 @@
       <p:sp>
         <p:nvSpPr>
           <p:cNvPr id="14" name="Google Shape;14;p3"/>
-          <p:cNvSpPr txBox="1">
-            <a:spLocks noGrp="1"/>
-          </p:cNvSpPr>
+          <p:cNvSpPr txBox="1"/>
           <p:nvPr>
             <p:ph type="title"/>
           </p:nvPr>
@@ -2665,7 +2578,7 @@
           </a:prstGeom>
         </p:spPr>
         <p:txBody>
-          <a:bodyPr spcFirstLastPara="1" wrap="square" lIns="91425" tIns="91425" rIns="91425" bIns="91425" anchor="ctr" anchorCtr="0">
+          <a:bodyPr anchorCtr="0" anchor="ctr" bIns="91425" lIns="91425" spcFirstLastPara="1" rIns="91425" wrap="square" tIns="91425">
             <a:normAutofit/>
           </a:bodyPr>
           <a:lstStyle>
@@ -2769,19 +2682,15 @@
               <a:defRPr sz="3600"/>
             </a:lvl9pPr>
           </a:lstStyle>
-          <a:p>
-            <a:endParaRPr/>
-          </a:p>
+          <a:p/>
         </p:txBody>
       </p:sp>
       <p:sp>
         <p:nvSpPr>
           <p:cNvPr id="15" name="Google Shape;15;p3"/>
-          <p:cNvSpPr txBox="1">
-            <a:spLocks noGrp="1"/>
-          </p:cNvSpPr>
+          <p:cNvSpPr txBox="1"/>
           <p:nvPr>
-            <p:ph type="sldNum" idx="12"/>
+            <p:ph idx="12" type="sldNum"/>
           </p:nvPr>
         </p:nvSpPr>
         <p:spPr>
@@ -2794,7 +2703,7 @@
           </a:prstGeom>
         </p:spPr>
         <p:txBody>
-          <a:bodyPr spcFirstLastPara="1" wrap="square" lIns="91425" tIns="91425" rIns="91425" bIns="91425" anchor="ctr" anchorCtr="0">
+          <a:bodyPr anchorCtr="0" anchor="ctr" bIns="91425" lIns="91425" spcFirstLastPara="1" rIns="91425" wrap="square" tIns="91425">
             <a:normAutofit/>
           </a:bodyPr>
           <a:lstStyle>
@@ -2836,7 +2745,7 @@
             </a:lvl9pPr>
           </a:lstStyle>
           <a:p>
-            <a:pPr marL="0" lvl="0" indent="0" algn="r" rtl="0">
+            <a:pPr indent="0" lvl="0" marL="0" rtl="0" algn="r">
               <a:spcBef>
                 <a:spcPts val="0"/>
               </a:spcBef>
@@ -2862,11 +2771,11 @@
 </file>
 
 <file path=ppt/slideLayouts/slideLayout3.xml><?xml version="1.0" encoding="utf-8"?>
-<p:sldLayout xmlns:a="http://schemas.openxmlformats.org/drawingml/2006/main" xmlns:r="http://schemas.openxmlformats.org/officeDocument/2006/relationships" xmlns:p="http://schemas.openxmlformats.org/presentationml/2006/main" matchingName="Title and body" type="tx">
+<p:sldLayout xmlns:a="http://schemas.openxmlformats.org/drawingml/2006/main" xmlns:r="http://schemas.openxmlformats.org/officeDocument/2006/relationships" xmlns:mc="http://schemas.openxmlformats.org/markup-compatibility/2006" xmlns:mv="urn:schemas-microsoft-com:mac:vml" xmlns:p="http://schemas.openxmlformats.org/presentationml/2006/main" xmlns:c="http://schemas.openxmlformats.org/drawingml/2006/chart" xmlns:dgm="http://schemas.openxmlformats.org/drawingml/2006/diagram" xmlns:o="urn:schemas-microsoft-com:office:office" xmlns:v="urn:schemas-microsoft-com:vml" xmlns:pvml="urn:schemas-microsoft-com:office:powerpoint" xmlns:com="http://schemas.openxmlformats.org/drawingml/2006/compatibility" xmlns:p14="http://schemas.microsoft.com/office/powerpoint/2010/main" xmlns:p15="http://schemas.microsoft.com/office/powerpoint/2012/main" xmlns:ahyp="http://schemas.microsoft.com/office/drawing/2018/hyperlinkcolor" matchingName="Title and body" type="tx">
   <p:cSld name="TITLE_AND_BODY">
     <p:spTree>
       <p:nvGrpSpPr>
-        <p:cNvPr id="1" name="Shape 16"/>
+        <p:cNvPr id="16" name="Shape 16"/>
         <p:cNvGrpSpPr/>
         <p:nvPr/>
       </p:nvGrpSpPr>
@@ -2881,9 +2790,7 @@
       <p:sp>
         <p:nvSpPr>
           <p:cNvPr id="17" name="Google Shape;17;p4"/>
-          <p:cNvSpPr txBox="1">
-            <a:spLocks noGrp="1"/>
-          </p:cNvSpPr>
+          <p:cNvSpPr txBox="1"/>
           <p:nvPr>
             <p:ph type="title"/>
           </p:nvPr>
@@ -2898,7 +2805,7 @@
           </a:prstGeom>
         </p:spPr>
         <p:txBody>
-          <a:bodyPr spcFirstLastPara="1" wrap="square" lIns="91425" tIns="91425" rIns="91425" bIns="91425" anchor="t" anchorCtr="0">
+          <a:bodyPr anchorCtr="0" anchor="t" bIns="91425" lIns="91425" spcFirstLastPara="1" rIns="91425" wrap="square" tIns="91425">
             <a:normAutofit/>
           </a:bodyPr>
           <a:lstStyle>
@@ -2998,207 +2905,199 @@
                 <a:spcPts val="0"/>
               </a:spcAft>
               <a:buSzPts val="2800"/>
+              <a:buNone/>
+              <a:defRPr/>
+            </a:lvl9pPr>
+          </a:lstStyle>
+          <a:p/>
+        </p:txBody>
+      </p:sp>
+      <p:sp>
+        <p:nvSpPr>
+          <p:cNvPr id="18" name="Google Shape;18;p4"/>
+          <p:cNvSpPr txBox="1"/>
+          <p:nvPr>
+            <p:ph idx="1" type="body"/>
+          </p:nvPr>
+        </p:nvSpPr>
+        <p:spPr>
+          <a:xfrm>
+            <a:off x="311700" y="1152475"/>
+            <a:ext cx="8520600" cy="3416400"/>
+          </a:xfrm>
+          <a:prstGeom prst="rect">
+            <a:avLst/>
+          </a:prstGeom>
+        </p:spPr>
+        <p:txBody>
+          <a:bodyPr anchorCtr="0" anchor="t" bIns="91425" lIns="91425" spcFirstLastPara="1" rIns="91425" wrap="square" tIns="91425">
+            <a:normAutofit/>
+          </a:bodyPr>
+          <a:lstStyle>
+            <a:lvl1pPr indent="-342900" lvl="0" marL="457200">
+              <a:spcBef>
+                <a:spcPts val="0"/>
+              </a:spcBef>
+              <a:spcAft>
+                <a:spcPts val="0"/>
+              </a:spcAft>
+              <a:buSzPts val="1800"/>
+              <a:buChar char="●"/>
+              <a:defRPr/>
+            </a:lvl1pPr>
+            <a:lvl2pPr indent="-317500" lvl="1" marL="914400">
+              <a:spcBef>
+                <a:spcPts val="0"/>
+              </a:spcBef>
+              <a:spcAft>
+                <a:spcPts val="0"/>
+              </a:spcAft>
+              <a:buSzPts val="1400"/>
+              <a:buChar char="○"/>
+              <a:defRPr/>
+            </a:lvl2pPr>
+            <a:lvl3pPr indent="-317500" lvl="2" marL="1371600">
+              <a:spcBef>
+                <a:spcPts val="0"/>
+              </a:spcBef>
+              <a:spcAft>
+                <a:spcPts val="0"/>
+              </a:spcAft>
+              <a:buSzPts val="1400"/>
+              <a:buChar char="■"/>
+              <a:defRPr/>
+            </a:lvl3pPr>
+            <a:lvl4pPr indent="-317500" lvl="3" marL="1828800">
+              <a:spcBef>
+                <a:spcPts val="0"/>
+              </a:spcBef>
+              <a:spcAft>
+                <a:spcPts val="0"/>
+              </a:spcAft>
+              <a:buSzPts val="1400"/>
+              <a:buChar char="●"/>
+              <a:defRPr/>
+            </a:lvl4pPr>
+            <a:lvl5pPr indent="-317500" lvl="4" marL="2286000">
+              <a:spcBef>
+                <a:spcPts val="0"/>
+              </a:spcBef>
+              <a:spcAft>
+                <a:spcPts val="0"/>
+              </a:spcAft>
+              <a:buSzPts val="1400"/>
+              <a:buChar char="○"/>
+              <a:defRPr/>
+            </a:lvl5pPr>
+            <a:lvl6pPr indent="-317500" lvl="5" marL="2743200">
+              <a:spcBef>
+                <a:spcPts val="0"/>
+              </a:spcBef>
+              <a:spcAft>
+                <a:spcPts val="0"/>
+              </a:spcAft>
+              <a:buSzPts val="1400"/>
+              <a:buChar char="■"/>
+              <a:defRPr/>
+            </a:lvl6pPr>
+            <a:lvl7pPr indent="-317500" lvl="6" marL="3200400">
+              <a:spcBef>
+                <a:spcPts val="0"/>
+              </a:spcBef>
+              <a:spcAft>
+                <a:spcPts val="0"/>
+              </a:spcAft>
+              <a:buSzPts val="1400"/>
+              <a:buChar char="●"/>
+              <a:defRPr/>
+            </a:lvl7pPr>
+            <a:lvl8pPr indent="-317500" lvl="7" marL="3657600">
+              <a:spcBef>
+                <a:spcPts val="0"/>
+              </a:spcBef>
+              <a:spcAft>
+                <a:spcPts val="0"/>
+              </a:spcAft>
+              <a:buSzPts val="1400"/>
+              <a:buChar char="○"/>
+              <a:defRPr/>
+            </a:lvl8pPr>
+            <a:lvl9pPr indent="-317500" lvl="8" marL="4114800">
+              <a:spcBef>
+                <a:spcPts val="0"/>
+              </a:spcBef>
+              <a:spcAft>
+                <a:spcPts val="0"/>
+              </a:spcAft>
+              <a:buSzPts val="1400"/>
+              <a:buChar char="■"/>
+              <a:defRPr/>
+            </a:lvl9pPr>
+          </a:lstStyle>
+          <a:p/>
+        </p:txBody>
+      </p:sp>
+      <p:sp>
+        <p:nvSpPr>
+          <p:cNvPr id="19" name="Google Shape;19;p4"/>
+          <p:cNvSpPr txBox="1"/>
+          <p:nvPr>
+            <p:ph idx="12" type="sldNum"/>
+          </p:nvPr>
+        </p:nvSpPr>
+        <p:spPr>
+          <a:xfrm>
+            <a:off x="8472458" y="4663217"/>
+            <a:ext cx="548700" cy="393600"/>
+          </a:xfrm>
+          <a:prstGeom prst="rect">
+            <a:avLst/>
+          </a:prstGeom>
+        </p:spPr>
+        <p:txBody>
+          <a:bodyPr anchorCtr="0" anchor="ctr" bIns="91425" lIns="91425" spcFirstLastPara="1" rIns="91425" wrap="square" tIns="91425">
+            <a:normAutofit/>
+          </a:bodyPr>
+          <a:lstStyle>
+            <a:lvl1pPr lvl="0">
+              <a:buNone/>
+              <a:defRPr/>
+            </a:lvl1pPr>
+            <a:lvl2pPr lvl="1">
+              <a:buNone/>
+              <a:defRPr/>
+            </a:lvl2pPr>
+            <a:lvl3pPr lvl="2">
+              <a:buNone/>
+              <a:defRPr/>
+            </a:lvl3pPr>
+            <a:lvl4pPr lvl="3">
+              <a:buNone/>
+              <a:defRPr/>
+            </a:lvl4pPr>
+            <a:lvl5pPr lvl="4">
+              <a:buNone/>
+              <a:defRPr/>
+            </a:lvl5pPr>
+            <a:lvl6pPr lvl="5">
+              <a:buNone/>
+              <a:defRPr/>
+            </a:lvl6pPr>
+            <a:lvl7pPr lvl="6">
+              <a:buNone/>
+              <a:defRPr/>
+            </a:lvl7pPr>
+            <a:lvl8pPr lvl="7">
+              <a:buNone/>
+              <a:defRPr/>
+            </a:lvl8pPr>
+            <a:lvl9pPr lvl="8">
               <a:buNone/>
               <a:defRPr/>
             </a:lvl9pPr>
           </a:lstStyle>
           <a:p>
-            <a:endParaRPr/>
-          </a:p>
-        </p:txBody>
-      </p:sp>
-      <p:sp>
-        <p:nvSpPr>
-          <p:cNvPr id="18" name="Google Shape;18;p4"/>
-          <p:cNvSpPr txBox="1">
-            <a:spLocks noGrp="1"/>
-          </p:cNvSpPr>
-          <p:nvPr>
-            <p:ph type="body" idx="1"/>
-          </p:nvPr>
-        </p:nvSpPr>
-        <p:spPr>
-          <a:xfrm>
-            <a:off x="311700" y="1152475"/>
-            <a:ext cx="8520600" cy="3416400"/>
-          </a:xfrm>
-          <a:prstGeom prst="rect">
-            <a:avLst/>
-          </a:prstGeom>
-        </p:spPr>
-        <p:txBody>
-          <a:bodyPr spcFirstLastPara="1" wrap="square" lIns="91425" tIns="91425" rIns="91425" bIns="91425" anchor="t" anchorCtr="0">
-            <a:normAutofit/>
-          </a:bodyPr>
-          <a:lstStyle>
-            <a:lvl1pPr marL="457200" lvl="0" indent="-342900">
-              <a:spcBef>
-                <a:spcPts val="0"/>
-              </a:spcBef>
-              <a:spcAft>
-                <a:spcPts val="0"/>
-              </a:spcAft>
-              <a:buSzPts val="1800"/>
-              <a:buChar char="●"/>
-              <a:defRPr/>
-            </a:lvl1pPr>
-            <a:lvl2pPr marL="914400" lvl="1" indent="-317500">
-              <a:spcBef>
-                <a:spcPts val="0"/>
-              </a:spcBef>
-              <a:spcAft>
-                <a:spcPts val="0"/>
-              </a:spcAft>
-              <a:buSzPts val="1400"/>
-              <a:buChar char="○"/>
-              <a:defRPr/>
-            </a:lvl2pPr>
-            <a:lvl3pPr marL="1371600" lvl="2" indent="-317500">
-              <a:spcBef>
-                <a:spcPts val="0"/>
-              </a:spcBef>
-              <a:spcAft>
-                <a:spcPts val="0"/>
-              </a:spcAft>
-              <a:buSzPts val="1400"/>
-              <a:buChar char="■"/>
-              <a:defRPr/>
-            </a:lvl3pPr>
-            <a:lvl4pPr marL="1828800" lvl="3" indent="-317500">
-              <a:spcBef>
-                <a:spcPts val="0"/>
-              </a:spcBef>
-              <a:spcAft>
-                <a:spcPts val="0"/>
-              </a:spcAft>
-              <a:buSzPts val="1400"/>
-              <a:buChar char="●"/>
-              <a:defRPr/>
-            </a:lvl4pPr>
-            <a:lvl5pPr marL="2286000" lvl="4" indent="-317500">
-              <a:spcBef>
-                <a:spcPts val="0"/>
-              </a:spcBef>
-              <a:spcAft>
-                <a:spcPts val="0"/>
-              </a:spcAft>
-              <a:buSzPts val="1400"/>
-              <a:buChar char="○"/>
-              <a:defRPr/>
-            </a:lvl5pPr>
-            <a:lvl6pPr marL="2743200" lvl="5" indent="-317500">
-              <a:spcBef>
-                <a:spcPts val="0"/>
-              </a:spcBef>
-              <a:spcAft>
-                <a:spcPts val="0"/>
-              </a:spcAft>
-              <a:buSzPts val="1400"/>
-              <a:buChar char="■"/>
-              <a:defRPr/>
-            </a:lvl6pPr>
-            <a:lvl7pPr marL="3200400" lvl="6" indent="-317500">
-              <a:spcBef>
-                <a:spcPts val="0"/>
-              </a:spcBef>
-              <a:spcAft>
-                <a:spcPts val="0"/>
-              </a:spcAft>
-              <a:buSzPts val="1400"/>
-              <a:buChar char="●"/>
-              <a:defRPr/>
-            </a:lvl7pPr>
-            <a:lvl8pPr marL="3657600" lvl="7" indent="-317500">
-              <a:spcBef>
-                <a:spcPts val="0"/>
-              </a:spcBef>
-              <a:spcAft>
-                <a:spcPts val="0"/>
-              </a:spcAft>
-              <a:buSzPts val="1400"/>
-              <a:buChar char="○"/>
-              <a:defRPr/>
-            </a:lvl8pPr>
-            <a:lvl9pPr marL="4114800" lvl="8" indent="-317500">
-              <a:spcBef>
-                <a:spcPts val="0"/>
-              </a:spcBef>
-              <a:spcAft>
-                <a:spcPts val="0"/>
-              </a:spcAft>
-              <a:buSzPts val="1400"/>
-              <a:buChar char="■"/>
-              <a:defRPr/>
-            </a:lvl9pPr>
-          </a:lstStyle>
-          <a:p>
-            <a:endParaRPr/>
-          </a:p>
-        </p:txBody>
-      </p:sp>
-      <p:sp>
-        <p:nvSpPr>
-          <p:cNvPr id="19" name="Google Shape;19;p4"/>
-          <p:cNvSpPr txBox="1">
-            <a:spLocks noGrp="1"/>
-          </p:cNvSpPr>
-          <p:nvPr>
-            <p:ph type="sldNum" idx="12"/>
-          </p:nvPr>
-        </p:nvSpPr>
-        <p:spPr>
-          <a:xfrm>
-            <a:off x="8472458" y="4663217"/>
-            <a:ext cx="548700" cy="393600"/>
-          </a:xfrm>
-          <a:prstGeom prst="rect">
-            <a:avLst/>
-          </a:prstGeom>
-        </p:spPr>
-        <p:txBody>
-          <a:bodyPr spcFirstLastPara="1" wrap="square" lIns="91425" tIns="91425" rIns="91425" bIns="91425" anchor="ctr" anchorCtr="0">
-            <a:normAutofit/>
-          </a:bodyPr>
-          <a:lstStyle>
-            <a:lvl1pPr lvl="0">
-              <a:buNone/>
-              <a:defRPr/>
-            </a:lvl1pPr>
-            <a:lvl2pPr lvl="1">
-              <a:buNone/>
-              <a:defRPr/>
-            </a:lvl2pPr>
-            <a:lvl3pPr lvl="2">
-              <a:buNone/>
-              <a:defRPr/>
-            </a:lvl3pPr>
-            <a:lvl4pPr lvl="3">
-              <a:buNone/>
-              <a:defRPr/>
-            </a:lvl4pPr>
-            <a:lvl5pPr lvl="4">
-              <a:buNone/>
-              <a:defRPr/>
-            </a:lvl5pPr>
-            <a:lvl6pPr lvl="5">
-              <a:buNone/>
-              <a:defRPr/>
-            </a:lvl6pPr>
-            <a:lvl7pPr lvl="6">
-              <a:buNone/>
-              <a:defRPr/>
-            </a:lvl7pPr>
-            <a:lvl8pPr lvl="7">
-              <a:buNone/>
-              <a:defRPr/>
-            </a:lvl8pPr>
-            <a:lvl9pPr lvl="8">
-              <a:buNone/>
-              <a:defRPr/>
-            </a:lvl9pPr>
-          </a:lstStyle>
-          <a:p>
-            <a:pPr marL="0" lvl="0" indent="0" algn="r" rtl="0">
+            <a:pPr indent="0" lvl="0" marL="0" rtl="0" algn="r">
               <a:spcBef>
                 <a:spcPts val="0"/>
               </a:spcBef>
@@ -3224,11 +3123,11 @@
 </file>
 
 <file path=ppt/slideLayouts/slideLayout4.xml><?xml version="1.0" encoding="utf-8"?>
-<p:sldLayout xmlns:a="http://schemas.openxmlformats.org/drawingml/2006/main" xmlns:r="http://schemas.openxmlformats.org/officeDocument/2006/relationships" xmlns:p="http://schemas.openxmlformats.org/presentationml/2006/main" matchingName="Title and two columns" type="twoColTx">
+<p:sldLayout xmlns:a="http://schemas.openxmlformats.org/drawingml/2006/main" xmlns:r="http://schemas.openxmlformats.org/officeDocument/2006/relationships" xmlns:mc="http://schemas.openxmlformats.org/markup-compatibility/2006" xmlns:mv="urn:schemas-microsoft-com:mac:vml" xmlns:p="http://schemas.openxmlformats.org/presentationml/2006/main" xmlns:c="http://schemas.openxmlformats.org/drawingml/2006/chart" xmlns:dgm="http://schemas.openxmlformats.org/drawingml/2006/diagram" xmlns:o="urn:schemas-microsoft-com:office:office" xmlns:v="urn:schemas-microsoft-com:vml" xmlns:pvml="urn:schemas-microsoft-com:office:powerpoint" xmlns:com="http://schemas.openxmlformats.org/drawingml/2006/compatibility" xmlns:p14="http://schemas.microsoft.com/office/powerpoint/2010/main" xmlns:p15="http://schemas.microsoft.com/office/powerpoint/2012/main" xmlns:ahyp="http://schemas.microsoft.com/office/drawing/2018/hyperlinkcolor" matchingName="Title and two columns" type="twoColTx">
   <p:cSld name="TITLE_AND_TWO_COLUMNS">
     <p:spTree>
       <p:nvGrpSpPr>
-        <p:cNvPr id="1" name="Shape 20"/>
+        <p:cNvPr id="20" name="Shape 20"/>
         <p:cNvGrpSpPr/>
         <p:nvPr/>
       </p:nvGrpSpPr>
@@ -3243,9 +3142,7 @@
       <p:sp>
         <p:nvSpPr>
           <p:cNvPr id="21" name="Google Shape;21;p5"/>
-          <p:cNvSpPr txBox="1">
-            <a:spLocks noGrp="1"/>
-          </p:cNvSpPr>
+          <p:cNvSpPr txBox="1"/>
           <p:nvPr>
             <p:ph type="title"/>
           </p:nvPr>
@@ -3260,7 +3157,7 @@
           </a:prstGeom>
         </p:spPr>
         <p:txBody>
-          <a:bodyPr spcFirstLastPara="1" wrap="square" lIns="91425" tIns="91425" rIns="91425" bIns="91425" anchor="t" anchorCtr="0">
+          <a:bodyPr anchorCtr="0" anchor="t" bIns="91425" lIns="91425" spcFirstLastPara="1" rIns="91425" wrap="square" tIns="91425">
             <a:normAutofit/>
           </a:bodyPr>
           <a:lstStyle>
@@ -3364,19 +3261,15 @@
               <a:defRPr/>
             </a:lvl9pPr>
           </a:lstStyle>
-          <a:p>
-            <a:endParaRPr/>
-          </a:p>
+          <a:p/>
         </p:txBody>
       </p:sp>
       <p:sp>
         <p:nvSpPr>
           <p:cNvPr id="22" name="Google Shape;22;p5"/>
-          <p:cNvSpPr txBox="1">
-            <a:spLocks noGrp="1"/>
-          </p:cNvSpPr>
+          <p:cNvSpPr txBox="1"/>
           <p:nvPr>
-            <p:ph type="body" idx="1"/>
+            <p:ph idx="1" type="body"/>
           </p:nvPr>
         </p:nvSpPr>
         <p:spPr>
@@ -3389,11 +3282,11 @@
           </a:prstGeom>
         </p:spPr>
         <p:txBody>
-          <a:bodyPr spcFirstLastPara="1" wrap="square" lIns="91425" tIns="91425" rIns="91425" bIns="91425" anchor="t" anchorCtr="0">
+          <a:bodyPr anchorCtr="0" anchor="t" bIns="91425" lIns="91425" spcFirstLastPara="1" rIns="91425" wrap="square" tIns="91425">
             <a:normAutofit/>
           </a:bodyPr>
           <a:lstStyle>
-            <a:lvl1pPr marL="457200" lvl="0" indent="-317500">
+            <a:lvl1pPr indent="-317500" lvl="0" marL="457200">
               <a:spcBef>
                 <a:spcPts val="0"/>
               </a:spcBef>
@@ -3404,7 +3297,7 @@
               <a:buChar char="●"/>
               <a:defRPr sz="1400"/>
             </a:lvl1pPr>
-            <a:lvl2pPr marL="914400" lvl="1" indent="-304800">
+            <a:lvl2pPr indent="-304800" lvl="1" marL="914400">
               <a:spcBef>
                 <a:spcPts val="0"/>
               </a:spcBef>
@@ -3415,7 +3308,7 @@
               <a:buChar char="○"/>
               <a:defRPr sz="1200"/>
             </a:lvl2pPr>
-            <a:lvl3pPr marL="1371600" lvl="2" indent="-304800">
+            <a:lvl3pPr indent="-304800" lvl="2" marL="1371600">
               <a:spcBef>
                 <a:spcPts val="0"/>
               </a:spcBef>
@@ -3426,7 +3319,7 @@
               <a:buChar char="■"/>
               <a:defRPr sz="1200"/>
             </a:lvl3pPr>
-            <a:lvl4pPr marL="1828800" lvl="3" indent="-304800">
+            <a:lvl4pPr indent="-304800" lvl="3" marL="1828800">
               <a:spcBef>
                 <a:spcPts val="0"/>
               </a:spcBef>
@@ -3437,7 +3330,7 @@
               <a:buChar char="●"/>
               <a:defRPr sz="1200"/>
             </a:lvl4pPr>
-            <a:lvl5pPr marL="2286000" lvl="4" indent="-304800">
+            <a:lvl5pPr indent="-304800" lvl="4" marL="2286000">
               <a:spcBef>
                 <a:spcPts val="0"/>
               </a:spcBef>
@@ -3448,7 +3341,7 @@
               <a:buChar char="○"/>
               <a:defRPr sz="1200"/>
             </a:lvl5pPr>
-            <a:lvl6pPr marL="2743200" lvl="5" indent="-304800">
+            <a:lvl6pPr indent="-304800" lvl="5" marL="2743200">
               <a:spcBef>
                 <a:spcPts val="0"/>
               </a:spcBef>
@@ -3459,7 +3352,7 @@
               <a:buChar char="■"/>
               <a:defRPr sz="1200"/>
             </a:lvl6pPr>
-            <a:lvl7pPr marL="3200400" lvl="6" indent="-304800">
+            <a:lvl7pPr indent="-304800" lvl="6" marL="3200400">
               <a:spcBef>
                 <a:spcPts val="0"/>
               </a:spcBef>
@@ -3470,7 +3363,7 @@
               <a:buChar char="●"/>
               <a:defRPr sz="1200"/>
             </a:lvl7pPr>
-            <a:lvl8pPr marL="3657600" lvl="7" indent="-304800">
+            <a:lvl8pPr indent="-304800" lvl="7" marL="3657600">
               <a:spcBef>
                 <a:spcPts val="0"/>
               </a:spcBef>
@@ -3481,7 +3374,7 @@
               <a:buChar char="○"/>
               <a:defRPr sz="1200"/>
             </a:lvl8pPr>
-            <a:lvl9pPr marL="4114800" lvl="8" indent="-304800">
+            <a:lvl9pPr indent="-304800" lvl="8" marL="4114800">
               <a:spcBef>
                 <a:spcPts val="0"/>
               </a:spcBef>
@@ -3493,19 +3386,15 @@
               <a:defRPr sz="1200"/>
             </a:lvl9pPr>
           </a:lstStyle>
-          <a:p>
-            <a:endParaRPr/>
-          </a:p>
+          <a:p/>
         </p:txBody>
       </p:sp>
       <p:sp>
         <p:nvSpPr>
           <p:cNvPr id="23" name="Google Shape;23;p5"/>
-          <p:cNvSpPr txBox="1">
-            <a:spLocks noGrp="1"/>
-          </p:cNvSpPr>
+          <p:cNvSpPr txBox="1"/>
           <p:nvPr>
-            <p:ph type="body" idx="2"/>
+            <p:ph idx="2" type="body"/>
           </p:nvPr>
         </p:nvSpPr>
         <p:spPr>
@@ -3518,11 +3407,11 @@
           </a:prstGeom>
         </p:spPr>
         <p:txBody>
-          <a:bodyPr spcFirstLastPara="1" wrap="square" lIns="91425" tIns="91425" rIns="91425" bIns="91425" anchor="t" anchorCtr="0">
+          <a:bodyPr anchorCtr="0" anchor="t" bIns="91425" lIns="91425" spcFirstLastPara="1" rIns="91425" wrap="square" tIns="91425">
             <a:normAutofit/>
           </a:bodyPr>
           <a:lstStyle>
-            <a:lvl1pPr marL="457200" lvl="0" indent="-317500">
+            <a:lvl1pPr indent="-317500" lvl="0" marL="457200">
               <a:spcBef>
                 <a:spcPts val="0"/>
               </a:spcBef>
@@ -3533,7 +3422,7 @@
               <a:buChar char="●"/>
               <a:defRPr sz="1400"/>
             </a:lvl1pPr>
-            <a:lvl2pPr marL="914400" lvl="1" indent="-304800">
+            <a:lvl2pPr indent="-304800" lvl="1" marL="914400">
               <a:spcBef>
                 <a:spcPts val="0"/>
               </a:spcBef>
@@ -3544,7 +3433,7 @@
               <a:buChar char="○"/>
               <a:defRPr sz="1200"/>
             </a:lvl2pPr>
-            <a:lvl3pPr marL="1371600" lvl="2" indent="-304800">
+            <a:lvl3pPr indent="-304800" lvl="2" marL="1371600">
               <a:spcBef>
                 <a:spcPts val="0"/>
               </a:spcBef>
@@ -3555,7 +3444,7 @@
               <a:buChar char="■"/>
               <a:defRPr sz="1200"/>
             </a:lvl3pPr>
-            <a:lvl4pPr marL="1828800" lvl="3" indent="-304800">
+            <a:lvl4pPr indent="-304800" lvl="3" marL="1828800">
               <a:spcBef>
                 <a:spcPts val="0"/>
               </a:spcBef>
@@ -3566,7 +3455,7 @@
               <a:buChar char="●"/>
               <a:defRPr sz="1200"/>
             </a:lvl4pPr>
-            <a:lvl5pPr marL="2286000" lvl="4" indent="-304800">
+            <a:lvl5pPr indent="-304800" lvl="4" marL="2286000">
               <a:spcBef>
                 <a:spcPts val="0"/>
               </a:spcBef>
@@ -3577,7 +3466,7 @@
               <a:buChar char="○"/>
               <a:defRPr sz="1200"/>
             </a:lvl5pPr>
-            <a:lvl6pPr marL="2743200" lvl="5" indent="-304800">
+            <a:lvl6pPr indent="-304800" lvl="5" marL="2743200">
               <a:spcBef>
                 <a:spcPts val="0"/>
               </a:spcBef>
@@ -3588,7 +3477,7 @@
               <a:buChar char="■"/>
               <a:defRPr sz="1200"/>
             </a:lvl6pPr>
-            <a:lvl7pPr marL="3200400" lvl="6" indent="-304800">
+            <a:lvl7pPr indent="-304800" lvl="6" marL="3200400">
               <a:spcBef>
                 <a:spcPts val="0"/>
               </a:spcBef>
@@ -3599,7 +3488,7 @@
               <a:buChar char="●"/>
               <a:defRPr sz="1200"/>
             </a:lvl7pPr>
-            <a:lvl8pPr marL="3657600" lvl="7" indent="-304800">
+            <a:lvl8pPr indent="-304800" lvl="7" marL="3657600">
               <a:spcBef>
                 <a:spcPts val="0"/>
               </a:spcBef>
@@ -3610,7 +3499,7 @@
               <a:buChar char="○"/>
               <a:defRPr sz="1200"/>
             </a:lvl8pPr>
-            <a:lvl9pPr marL="4114800" lvl="8" indent="-304800">
+            <a:lvl9pPr indent="-304800" lvl="8" marL="4114800">
               <a:spcBef>
                 <a:spcPts val="0"/>
               </a:spcBef>
@@ -3622,19 +3511,15 @@
               <a:defRPr sz="1200"/>
             </a:lvl9pPr>
           </a:lstStyle>
-          <a:p>
-            <a:endParaRPr/>
-          </a:p>
+          <a:p/>
         </p:txBody>
       </p:sp>
       <p:sp>
         <p:nvSpPr>
           <p:cNvPr id="24" name="Google Shape;24;p5"/>
-          <p:cNvSpPr txBox="1">
-            <a:spLocks noGrp="1"/>
-          </p:cNvSpPr>
+          <p:cNvSpPr txBox="1"/>
           <p:nvPr>
-            <p:ph type="sldNum" idx="12"/>
+            <p:ph idx="12" type="sldNum"/>
           </p:nvPr>
         </p:nvSpPr>
         <p:spPr>
@@ -3647,7 +3532,7 @@
           </a:prstGeom>
         </p:spPr>
         <p:txBody>
-          <a:bodyPr spcFirstLastPara="1" wrap="square" lIns="91425" tIns="91425" rIns="91425" bIns="91425" anchor="ctr" anchorCtr="0">
+          <a:bodyPr anchorCtr="0" anchor="ctr" bIns="91425" lIns="91425" spcFirstLastPara="1" rIns="91425" wrap="square" tIns="91425">
             <a:normAutofit/>
           </a:bodyPr>
           <a:lstStyle>
@@ -3689,7 +3574,7 @@
             </a:lvl9pPr>
           </a:lstStyle>
           <a:p>
-            <a:pPr marL="0" lvl="0" indent="0" algn="r" rtl="0">
+            <a:pPr indent="0" lvl="0" marL="0" rtl="0" algn="r">
               <a:spcBef>
                 <a:spcPts val="0"/>
               </a:spcBef>
@@ -3715,11 +3600,11 @@
 </file>
 
 <file path=ppt/slideLayouts/slideLayout5.xml><?xml version="1.0" encoding="utf-8"?>
-<p:sldLayout xmlns:a="http://schemas.openxmlformats.org/drawingml/2006/main" xmlns:r="http://schemas.openxmlformats.org/officeDocument/2006/relationships" xmlns:p="http://schemas.openxmlformats.org/presentationml/2006/main" matchingName="Title only" type="titleOnly">
+<p:sldLayout xmlns:a="http://schemas.openxmlformats.org/drawingml/2006/main" xmlns:r="http://schemas.openxmlformats.org/officeDocument/2006/relationships" xmlns:mc="http://schemas.openxmlformats.org/markup-compatibility/2006" xmlns:mv="urn:schemas-microsoft-com:mac:vml" xmlns:p="http://schemas.openxmlformats.org/presentationml/2006/main" xmlns:c="http://schemas.openxmlformats.org/drawingml/2006/chart" xmlns:dgm="http://schemas.openxmlformats.org/drawingml/2006/diagram" xmlns:o="urn:schemas-microsoft-com:office:office" xmlns:v="urn:schemas-microsoft-com:vml" xmlns:pvml="urn:schemas-microsoft-com:office:powerpoint" xmlns:com="http://schemas.openxmlformats.org/drawingml/2006/compatibility" xmlns:p14="http://schemas.microsoft.com/office/powerpoint/2010/main" xmlns:p15="http://schemas.microsoft.com/office/powerpoint/2012/main" xmlns:ahyp="http://schemas.microsoft.com/office/drawing/2018/hyperlinkcolor" matchingName="Title only" type="titleOnly">
   <p:cSld name="TITLE_ONLY">
     <p:spTree>
       <p:nvGrpSpPr>
-        <p:cNvPr id="1" name="Shape 25"/>
+        <p:cNvPr id="25" name="Shape 25"/>
         <p:cNvGrpSpPr/>
         <p:nvPr/>
       </p:nvGrpSpPr>
@@ -3734,9 +3619,7 @@
       <p:sp>
         <p:nvSpPr>
           <p:cNvPr id="26" name="Google Shape;26;p6"/>
-          <p:cNvSpPr txBox="1">
-            <a:spLocks noGrp="1"/>
-          </p:cNvSpPr>
+          <p:cNvSpPr txBox="1"/>
           <p:nvPr>
             <p:ph type="title"/>
           </p:nvPr>
@@ -3751,7 +3634,7 @@
           </a:prstGeom>
         </p:spPr>
         <p:txBody>
-          <a:bodyPr spcFirstLastPara="1" wrap="square" lIns="91425" tIns="91425" rIns="91425" bIns="91425" anchor="t" anchorCtr="0">
+          <a:bodyPr anchorCtr="0" anchor="t" bIns="91425" lIns="91425" spcFirstLastPara="1" rIns="91425" wrap="square" tIns="91425">
             <a:normAutofit/>
           </a:bodyPr>
           <a:lstStyle>
@@ -3851,78 +3734,74 @@
                 <a:spcPts val="0"/>
               </a:spcAft>
               <a:buSzPts val="2800"/>
+              <a:buNone/>
+              <a:defRPr/>
+            </a:lvl9pPr>
+          </a:lstStyle>
+          <a:p/>
+        </p:txBody>
+      </p:sp>
+      <p:sp>
+        <p:nvSpPr>
+          <p:cNvPr id="27" name="Google Shape;27;p6"/>
+          <p:cNvSpPr txBox="1"/>
+          <p:nvPr>
+            <p:ph idx="12" type="sldNum"/>
+          </p:nvPr>
+        </p:nvSpPr>
+        <p:spPr>
+          <a:xfrm>
+            <a:off x="8472458" y="4663217"/>
+            <a:ext cx="548700" cy="393600"/>
+          </a:xfrm>
+          <a:prstGeom prst="rect">
+            <a:avLst/>
+          </a:prstGeom>
+        </p:spPr>
+        <p:txBody>
+          <a:bodyPr anchorCtr="0" anchor="ctr" bIns="91425" lIns="91425" spcFirstLastPara="1" rIns="91425" wrap="square" tIns="91425">
+            <a:normAutofit/>
+          </a:bodyPr>
+          <a:lstStyle>
+            <a:lvl1pPr lvl="0">
+              <a:buNone/>
+              <a:defRPr/>
+            </a:lvl1pPr>
+            <a:lvl2pPr lvl="1">
+              <a:buNone/>
+              <a:defRPr/>
+            </a:lvl2pPr>
+            <a:lvl3pPr lvl="2">
+              <a:buNone/>
+              <a:defRPr/>
+            </a:lvl3pPr>
+            <a:lvl4pPr lvl="3">
+              <a:buNone/>
+              <a:defRPr/>
+            </a:lvl4pPr>
+            <a:lvl5pPr lvl="4">
+              <a:buNone/>
+              <a:defRPr/>
+            </a:lvl5pPr>
+            <a:lvl6pPr lvl="5">
+              <a:buNone/>
+              <a:defRPr/>
+            </a:lvl6pPr>
+            <a:lvl7pPr lvl="6">
+              <a:buNone/>
+              <a:defRPr/>
+            </a:lvl7pPr>
+            <a:lvl8pPr lvl="7">
+              <a:buNone/>
+              <a:defRPr/>
+            </a:lvl8pPr>
+            <a:lvl9pPr lvl="8">
               <a:buNone/>
               <a:defRPr/>
             </a:lvl9pPr>
           </a:lstStyle>
           <a:p>
-            <a:endParaRPr/>
-          </a:p>
-        </p:txBody>
-      </p:sp>
-      <p:sp>
-        <p:nvSpPr>
-          <p:cNvPr id="27" name="Google Shape;27;p6"/>
-          <p:cNvSpPr txBox="1">
-            <a:spLocks noGrp="1"/>
-          </p:cNvSpPr>
-          <p:nvPr>
-            <p:ph type="sldNum" idx="12"/>
-          </p:nvPr>
-        </p:nvSpPr>
-        <p:spPr>
-          <a:xfrm>
-            <a:off x="8472458" y="4663217"/>
-            <a:ext cx="548700" cy="393600"/>
-          </a:xfrm>
-          <a:prstGeom prst="rect">
-            <a:avLst/>
-          </a:prstGeom>
-        </p:spPr>
-        <p:txBody>
-          <a:bodyPr spcFirstLastPara="1" wrap="square" lIns="91425" tIns="91425" rIns="91425" bIns="91425" anchor="ctr" anchorCtr="0">
-            <a:normAutofit/>
-          </a:bodyPr>
-          <a:lstStyle>
-            <a:lvl1pPr lvl="0">
-              <a:buNone/>
-              <a:defRPr/>
-            </a:lvl1pPr>
-            <a:lvl2pPr lvl="1">
-              <a:buNone/>
-              <a:defRPr/>
-            </a:lvl2pPr>
-            <a:lvl3pPr lvl="2">
-              <a:buNone/>
-              <a:defRPr/>
-            </a:lvl3pPr>
-            <a:lvl4pPr lvl="3">
-              <a:buNone/>
-              <a:defRPr/>
-            </a:lvl4pPr>
-            <a:lvl5pPr lvl="4">
-              <a:buNone/>
-              <a:defRPr/>
-            </a:lvl5pPr>
-            <a:lvl6pPr lvl="5">
-              <a:buNone/>
-              <a:defRPr/>
-            </a:lvl6pPr>
-            <a:lvl7pPr lvl="6">
-              <a:buNone/>
-              <a:defRPr/>
-            </a:lvl7pPr>
-            <a:lvl8pPr lvl="7">
-              <a:buNone/>
-              <a:defRPr/>
-            </a:lvl8pPr>
-            <a:lvl9pPr lvl="8">
-              <a:buNone/>
-              <a:defRPr/>
-            </a:lvl9pPr>
-          </a:lstStyle>
-          <a:p>
-            <a:pPr marL="0" lvl="0" indent="0" algn="r" rtl="0">
+            <a:pPr indent="0" lvl="0" marL="0" rtl="0" algn="r">
               <a:spcBef>
                 <a:spcPts val="0"/>
               </a:spcBef>
@@ -3948,11 +3827,11 @@
 </file>
 
 <file path=ppt/slideLayouts/slideLayout6.xml><?xml version="1.0" encoding="utf-8"?>
-<p:sldLayout xmlns:a="http://schemas.openxmlformats.org/drawingml/2006/main" xmlns:r="http://schemas.openxmlformats.org/officeDocument/2006/relationships" xmlns:p="http://schemas.openxmlformats.org/presentationml/2006/main" matchingName="One column text">
+<p:sldLayout xmlns:a="http://schemas.openxmlformats.org/drawingml/2006/main" xmlns:r="http://schemas.openxmlformats.org/officeDocument/2006/relationships" xmlns:mc="http://schemas.openxmlformats.org/markup-compatibility/2006" xmlns:mv="urn:schemas-microsoft-com:mac:vml" xmlns:p="http://schemas.openxmlformats.org/presentationml/2006/main" xmlns:c="http://schemas.openxmlformats.org/drawingml/2006/chart" xmlns:dgm="http://schemas.openxmlformats.org/drawingml/2006/diagram" xmlns:o="urn:schemas-microsoft-com:office:office" xmlns:v="urn:schemas-microsoft-com:vml" xmlns:pvml="urn:schemas-microsoft-com:office:powerpoint" xmlns:com="http://schemas.openxmlformats.org/drawingml/2006/compatibility" xmlns:p14="http://schemas.microsoft.com/office/powerpoint/2010/main" xmlns:p15="http://schemas.microsoft.com/office/powerpoint/2012/main" xmlns:ahyp="http://schemas.microsoft.com/office/drawing/2018/hyperlinkcolor" matchingName="One column text">
   <p:cSld name="ONE_COLUMN_TEXT">
     <p:spTree>
       <p:nvGrpSpPr>
-        <p:cNvPr id="1" name="Shape 28"/>
+        <p:cNvPr id="28" name="Shape 28"/>
         <p:cNvGrpSpPr/>
         <p:nvPr/>
       </p:nvGrpSpPr>
@@ -3967,9 +3846,7 @@
       <p:sp>
         <p:nvSpPr>
           <p:cNvPr id="29" name="Google Shape;29;p7"/>
-          <p:cNvSpPr txBox="1">
-            <a:spLocks noGrp="1"/>
-          </p:cNvSpPr>
+          <p:cNvSpPr txBox="1"/>
           <p:nvPr>
             <p:ph type="title"/>
           </p:nvPr>
@@ -3984,7 +3861,7 @@
           </a:prstGeom>
         </p:spPr>
         <p:txBody>
-          <a:bodyPr spcFirstLastPara="1" wrap="square" lIns="91425" tIns="91425" rIns="91425" bIns="91425" anchor="b" anchorCtr="0">
+          <a:bodyPr anchorCtr="0" anchor="b" bIns="91425" lIns="91425" spcFirstLastPara="1" rIns="91425" wrap="square" tIns="91425">
             <a:normAutofit/>
           </a:bodyPr>
           <a:lstStyle>
@@ -4088,19 +3965,15 @@
               <a:defRPr sz="2400"/>
             </a:lvl9pPr>
           </a:lstStyle>
-          <a:p>
-            <a:endParaRPr/>
-          </a:p>
+          <a:p/>
         </p:txBody>
       </p:sp>
       <p:sp>
         <p:nvSpPr>
           <p:cNvPr id="30" name="Google Shape;30;p7"/>
-          <p:cNvSpPr txBox="1">
-            <a:spLocks noGrp="1"/>
-          </p:cNvSpPr>
+          <p:cNvSpPr txBox="1"/>
           <p:nvPr>
-            <p:ph type="body" idx="1"/>
+            <p:ph idx="1" type="body"/>
           </p:nvPr>
         </p:nvSpPr>
         <p:spPr>
@@ -4113,11 +3986,11 @@
           </a:prstGeom>
         </p:spPr>
         <p:txBody>
-          <a:bodyPr spcFirstLastPara="1" wrap="square" lIns="91425" tIns="91425" rIns="91425" bIns="91425" anchor="t" anchorCtr="0">
+          <a:bodyPr anchorCtr="0" anchor="t" bIns="91425" lIns="91425" spcFirstLastPara="1" rIns="91425" wrap="square" tIns="91425">
             <a:normAutofit/>
           </a:bodyPr>
           <a:lstStyle>
-            <a:lvl1pPr marL="457200" lvl="0" indent="-304800">
+            <a:lvl1pPr indent="-304800" lvl="0" marL="457200">
               <a:spcBef>
                 <a:spcPts val="0"/>
               </a:spcBef>
@@ -4128,7 +4001,7 @@
               <a:buChar char="●"/>
               <a:defRPr sz="1200"/>
             </a:lvl1pPr>
-            <a:lvl2pPr marL="914400" lvl="1" indent="-304800">
+            <a:lvl2pPr indent="-304800" lvl="1" marL="914400">
               <a:spcBef>
                 <a:spcPts val="0"/>
               </a:spcBef>
@@ -4139,7 +4012,7 @@
               <a:buChar char="○"/>
               <a:defRPr sz="1200"/>
             </a:lvl2pPr>
-            <a:lvl3pPr marL="1371600" lvl="2" indent="-304800">
+            <a:lvl3pPr indent="-304800" lvl="2" marL="1371600">
               <a:spcBef>
                 <a:spcPts val="0"/>
               </a:spcBef>
@@ -4150,7 +4023,7 @@
               <a:buChar char="■"/>
               <a:defRPr sz="1200"/>
             </a:lvl3pPr>
-            <a:lvl4pPr marL="1828800" lvl="3" indent="-304800">
+            <a:lvl4pPr indent="-304800" lvl="3" marL="1828800">
               <a:spcBef>
                 <a:spcPts val="0"/>
               </a:spcBef>
@@ -4161,7 +4034,7 @@
               <a:buChar char="●"/>
               <a:defRPr sz="1200"/>
             </a:lvl4pPr>
-            <a:lvl5pPr marL="2286000" lvl="4" indent="-304800">
+            <a:lvl5pPr indent="-304800" lvl="4" marL="2286000">
               <a:spcBef>
                 <a:spcPts val="0"/>
               </a:spcBef>
@@ -4172,7 +4045,7 @@
               <a:buChar char="○"/>
               <a:defRPr sz="1200"/>
             </a:lvl5pPr>
-            <a:lvl6pPr marL="2743200" lvl="5" indent="-304800">
+            <a:lvl6pPr indent="-304800" lvl="5" marL="2743200">
               <a:spcBef>
                 <a:spcPts val="0"/>
               </a:spcBef>
@@ -4183,7 +4056,7 @@
               <a:buChar char="■"/>
               <a:defRPr sz="1200"/>
             </a:lvl6pPr>
-            <a:lvl7pPr marL="3200400" lvl="6" indent="-304800">
+            <a:lvl7pPr indent="-304800" lvl="6" marL="3200400">
               <a:spcBef>
                 <a:spcPts val="0"/>
               </a:spcBef>
@@ -4194,7 +4067,7 @@
               <a:buChar char="●"/>
               <a:defRPr sz="1200"/>
             </a:lvl7pPr>
-            <a:lvl8pPr marL="3657600" lvl="7" indent="-304800">
+            <a:lvl8pPr indent="-304800" lvl="7" marL="3657600">
               <a:spcBef>
                 <a:spcPts val="0"/>
               </a:spcBef>
@@ -4205,7 +4078,7 @@
               <a:buChar char="○"/>
               <a:defRPr sz="1200"/>
             </a:lvl8pPr>
-            <a:lvl9pPr marL="4114800" lvl="8" indent="-304800">
+            <a:lvl9pPr indent="-304800" lvl="8" marL="4114800">
               <a:spcBef>
                 <a:spcPts val="0"/>
               </a:spcBef>
@@ -4217,19 +4090,15 @@
               <a:defRPr sz="1200"/>
             </a:lvl9pPr>
           </a:lstStyle>
-          <a:p>
-            <a:endParaRPr/>
-          </a:p>
+          <a:p/>
         </p:txBody>
       </p:sp>
       <p:sp>
         <p:nvSpPr>
           <p:cNvPr id="31" name="Google Shape;31;p7"/>
-          <p:cNvSpPr txBox="1">
-            <a:spLocks noGrp="1"/>
-          </p:cNvSpPr>
+          <p:cNvSpPr txBox="1"/>
           <p:nvPr>
-            <p:ph type="sldNum" idx="12"/>
+            <p:ph idx="12" type="sldNum"/>
           </p:nvPr>
         </p:nvSpPr>
         <p:spPr>
@@ -4242,7 +4111,7 @@
           </a:prstGeom>
         </p:spPr>
         <p:txBody>
-          <a:bodyPr spcFirstLastPara="1" wrap="square" lIns="91425" tIns="91425" rIns="91425" bIns="91425" anchor="ctr" anchorCtr="0">
+          <a:bodyPr anchorCtr="0" anchor="ctr" bIns="91425" lIns="91425" spcFirstLastPara="1" rIns="91425" wrap="square" tIns="91425">
             <a:normAutofit/>
           </a:bodyPr>
           <a:lstStyle>
@@ -4284,7 +4153,7 @@
             </a:lvl9pPr>
           </a:lstStyle>
           <a:p>
-            <a:pPr marL="0" lvl="0" indent="0" algn="r" rtl="0">
+            <a:pPr indent="0" lvl="0" marL="0" rtl="0" algn="r">
               <a:spcBef>
                 <a:spcPts val="0"/>
               </a:spcBef>
@@ -4310,11 +4179,11 @@
 </file>
 
 <file path=ppt/slideLayouts/slideLayout7.xml><?xml version="1.0" encoding="utf-8"?>
-<p:sldLayout xmlns:a="http://schemas.openxmlformats.org/drawingml/2006/main" xmlns:r="http://schemas.openxmlformats.org/officeDocument/2006/relationships" xmlns:p="http://schemas.openxmlformats.org/presentationml/2006/main" matchingName="Main point">
+<p:sldLayout xmlns:a="http://schemas.openxmlformats.org/drawingml/2006/main" xmlns:r="http://schemas.openxmlformats.org/officeDocument/2006/relationships" xmlns:mc="http://schemas.openxmlformats.org/markup-compatibility/2006" xmlns:mv="urn:schemas-microsoft-com:mac:vml" xmlns:p="http://schemas.openxmlformats.org/presentationml/2006/main" xmlns:c="http://schemas.openxmlformats.org/drawingml/2006/chart" xmlns:dgm="http://schemas.openxmlformats.org/drawingml/2006/diagram" xmlns:o="urn:schemas-microsoft-com:office:office" xmlns:v="urn:schemas-microsoft-com:vml" xmlns:pvml="urn:schemas-microsoft-com:office:powerpoint" xmlns:com="http://schemas.openxmlformats.org/drawingml/2006/compatibility" xmlns:p14="http://schemas.microsoft.com/office/powerpoint/2010/main" xmlns:p15="http://schemas.microsoft.com/office/powerpoint/2012/main" xmlns:ahyp="http://schemas.microsoft.com/office/drawing/2018/hyperlinkcolor" matchingName="Main point">
   <p:cSld name="MAIN_POINT">
     <p:spTree>
       <p:nvGrpSpPr>
-        <p:cNvPr id="1" name="Shape 32"/>
+        <p:cNvPr id="32" name="Shape 32"/>
         <p:cNvGrpSpPr/>
         <p:nvPr/>
       </p:nvGrpSpPr>
@@ -4329,9 +4198,7 @@
       <p:sp>
         <p:nvSpPr>
           <p:cNvPr id="33" name="Google Shape;33;p8"/>
-          <p:cNvSpPr txBox="1">
-            <a:spLocks noGrp="1"/>
-          </p:cNvSpPr>
+          <p:cNvSpPr txBox="1"/>
           <p:nvPr>
             <p:ph type="title"/>
           </p:nvPr>
@@ -4346,7 +4213,7 @@
           </a:prstGeom>
         </p:spPr>
         <p:txBody>
-          <a:bodyPr spcFirstLastPara="1" wrap="square" lIns="91425" tIns="91425" rIns="91425" bIns="91425" anchor="ctr" anchorCtr="0">
+          <a:bodyPr anchorCtr="0" anchor="ctr" bIns="91425" lIns="91425" spcFirstLastPara="1" rIns="91425" wrap="square" tIns="91425">
             <a:normAutofit/>
           </a:bodyPr>
           <a:lstStyle>
@@ -4450,19 +4317,15 @@
               <a:defRPr sz="4800"/>
             </a:lvl9pPr>
           </a:lstStyle>
-          <a:p>
-            <a:endParaRPr/>
-          </a:p>
+          <a:p/>
         </p:txBody>
       </p:sp>
       <p:sp>
         <p:nvSpPr>
           <p:cNvPr id="34" name="Google Shape;34;p8"/>
-          <p:cNvSpPr txBox="1">
-            <a:spLocks noGrp="1"/>
-          </p:cNvSpPr>
+          <p:cNvSpPr txBox="1"/>
           <p:nvPr>
-            <p:ph type="sldNum" idx="12"/>
+            <p:ph idx="12" type="sldNum"/>
           </p:nvPr>
         </p:nvSpPr>
         <p:spPr>
@@ -4475,7 +4338,7 @@
           </a:prstGeom>
         </p:spPr>
         <p:txBody>
-          <a:bodyPr spcFirstLastPara="1" wrap="square" lIns="91425" tIns="91425" rIns="91425" bIns="91425" anchor="ctr" anchorCtr="0">
+          <a:bodyPr anchorCtr="0" anchor="ctr" bIns="91425" lIns="91425" spcFirstLastPara="1" rIns="91425" wrap="square" tIns="91425">
             <a:normAutofit/>
           </a:bodyPr>
           <a:lstStyle>
@@ -4517,7 +4380,7 @@
             </a:lvl9pPr>
           </a:lstStyle>
           <a:p>
-            <a:pPr marL="0" lvl="0" indent="0" algn="r" rtl="0">
+            <a:pPr indent="0" lvl="0" marL="0" rtl="0" algn="r">
               <a:spcBef>
                 <a:spcPts val="0"/>
               </a:spcBef>
@@ -4543,11 +4406,11 @@
 </file>
 
 <file path=ppt/slideLayouts/slideLayout8.xml><?xml version="1.0" encoding="utf-8"?>
-<p:sldLayout xmlns:a="http://schemas.openxmlformats.org/drawingml/2006/main" xmlns:r="http://schemas.openxmlformats.org/officeDocument/2006/relationships" xmlns:p="http://schemas.openxmlformats.org/presentationml/2006/main" matchingName="Section title and description">
+<p:sldLayout xmlns:a="http://schemas.openxmlformats.org/drawingml/2006/main" xmlns:r="http://schemas.openxmlformats.org/officeDocument/2006/relationships" xmlns:mc="http://schemas.openxmlformats.org/markup-compatibility/2006" xmlns:mv="urn:schemas-microsoft-com:mac:vml" xmlns:p="http://schemas.openxmlformats.org/presentationml/2006/main" xmlns:c="http://schemas.openxmlformats.org/drawingml/2006/chart" xmlns:dgm="http://schemas.openxmlformats.org/drawingml/2006/diagram" xmlns:o="urn:schemas-microsoft-com:office:office" xmlns:v="urn:schemas-microsoft-com:vml" xmlns:pvml="urn:schemas-microsoft-com:office:powerpoint" xmlns:com="http://schemas.openxmlformats.org/drawingml/2006/compatibility" xmlns:p14="http://schemas.microsoft.com/office/powerpoint/2010/main" xmlns:p15="http://schemas.microsoft.com/office/powerpoint/2012/main" xmlns:ahyp="http://schemas.microsoft.com/office/drawing/2018/hyperlinkcolor" matchingName="Section title and description">
   <p:cSld name="SECTION_TITLE_AND_DESCRIPTION">
     <p:spTree>
       <p:nvGrpSpPr>
-        <p:cNvPr id="1" name="Shape 35"/>
+        <p:cNvPr id="35" name="Shape 35"/>
         <p:cNvGrpSpPr/>
         <p:nvPr/>
       </p:nvGrpSpPr>
@@ -4581,12 +4444,12 @@
           </a:ln>
         </p:spPr>
         <p:txBody>
-          <a:bodyPr spcFirstLastPara="1" wrap="square" lIns="91425" tIns="91425" rIns="91425" bIns="91425" anchor="ctr" anchorCtr="0">
+          <a:bodyPr anchorCtr="0" anchor="ctr" bIns="91425" lIns="91425" spcFirstLastPara="1" rIns="91425" wrap="square" tIns="91425">
             <a:noAutofit/>
           </a:bodyPr>
           <a:lstStyle/>
           <a:p>
-            <a:pPr marL="0" lvl="0" indent="0" algn="l" rtl="0">
+            <a:pPr indent="0" lvl="0" marL="0" rtl="0" algn="l">
               <a:spcBef>
                 <a:spcPts val="0"/>
               </a:spcBef>
@@ -4595,6 +4458,9 @@
               </a:spcAft>
               <a:buNone/>
             </a:pPr>
+            <a:r>
+              <a:t/>
+            </a:r>
             <a:endParaRPr/>
           </a:p>
         </p:txBody>
@@ -4602,9 +4468,7 @@
       <p:sp>
         <p:nvSpPr>
           <p:cNvPr id="37" name="Google Shape;37;p9"/>
-          <p:cNvSpPr txBox="1">
-            <a:spLocks noGrp="1"/>
-          </p:cNvSpPr>
+          <p:cNvSpPr txBox="1"/>
           <p:nvPr>
             <p:ph type="title"/>
           </p:nvPr>
@@ -4619,7 +4483,7 @@
           </a:prstGeom>
         </p:spPr>
         <p:txBody>
-          <a:bodyPr spcFirstLastPara="1" wrap="square" lIns="91425" tIns="91425" rIns="91425" bIns="91425" anchor="b" anchorCtr="0">
+          <a:bodyPr anchorCtr="0" anchor="b" bIns="91425" lIns="91425" spcFirstLastPara="1" rIns="91425" wrap="square" tIns="91425">
             <a:normAutofit/>
           </a:bodyPr>
           <a:lstStyle>
@@ -4723,19 +4587,15 @@
               <a:defRPr sz="4200"/>
             </a:lvl9pPr>
           </a:lstStyle>
-          <a:p>
-            <a:endParaRPr/>
-          </a:p>
+          <a:p/>
         </p:txBody>
       </p:sp>
       <p:sp>
         <p:nvSpPr>
           <p:cNvPr id="38" name="Google Shape;38;p9"/>
-          <p:cNvSpPr txBox="1">
-            <a:spLocks noGrp="1"/>
-          </p:cNvSpPr>
+          <p:cNvSpPr txBox="1"/>
           <p:nvPr>
-            <p:ph type="subTitle" idx="1"/>
+            <p:ph idx="1" type="subTitle"/>
           </p:nvPr>
         </p:nvSpPr>
         <p:spPr>
@@ -4748,7 +4608,7 @@
           </a:prstGeom>
         </p:spPr>
         <p:txBody>
-          <a:bodyPr spcFirstLastPara="1" wrap="square" lIns="91425" tIns="91425" rIns="91425" bIns="91425" anchor="t" anchorCtr="0">
+          <a:bodyPr anchorCtr="0" anchor="t" bIns="91425" lIns="91425" spcFirstLastPara="1" rIns="91425" wrap="square" tIns="91425">
             <a:normAutofit/>
           </a:bodyPr>
           <a:lstStyle>
@@ -4879,19 +4739,15 @@
               <a:defRPr sz="2100"/>
             </a:lvl9pPr>
           </a:lstStyle>
-          <a:p>
-            <a:endParaRPr/>
-          </a:p>
+          <a:p/>
         </p:txBody>
       </p:sp>
       <p:sp>
         <p:nvSpPr>
           <p:cNvPr id="39" name="Google Shape;39;p9"/>
-          <p:cNvSpPr txBox="1">
-            <a:spLocks noGrp="1"/>
-          </p:cNvSpPr>
+          <p:cNvSpPr txBox="1"/>
           <p:nvPr>
-            <p:ph type="body" idx="2"/>
+            <p:ph idx="2" type="body"/>
           </p:nvPr>
         </p:nvSpPr>
         <p:spPr>
@@ -4904,11 +4760,11 @@
           </a:prstGeom>
         </p:spPr>
         <p:txBody>
-          <a:bodyPr spcFirstLastPara="1" wrap="square" lIns="91425" tIns="91425" rIns="91425" bIns="91425" anchor="ctr" anchorCtr="0">
+          <a:bodyPr anchorCtr="0" anchor="ctr" bIns="91425" lIns="91425" spcFirstLastPara="1" rIns="91425" wrap="square" tIns="91425">
             <a:normAutofit/>
           </a:bodyPr>
           <a:lstStyle>
-            <a:lvl1pPr marL="457200" lvl="0" indent="-342900">
+            <a:lvl1pPr indent="-342900" lvl="0" marL="457200">
               <a:spcBef>
                 <a:spcPts val="0"/>
               </a:spcBef>
@@ -4919,7 +4775,7 @@
               <a:buChar char="●"/>
               <a:defRPr/>
             </a:lvl1pPr>
-            <a:lvl2pPr marL="914400" lvl="1" indent="-317500">
+            <a:lvl2pPr indent="-317500" lvl="1" marL="914400">
               <a:spcBef>
                 <a:spcPts val="0"/>
               </a:spcBef>
@@ -4930,7 +4786,7 @@
               <a:buChar char="○"/>
               <a:defRPr/>
             </a:lvl2pPr>
-            <a:lvl3pPr marL="1371600" lvl="2" indent="-317500">
+            <a:lvl3pPr indent="-317500" lvl="2" marL="1371600">
               <a:spcBef>
                 <a:spcPts val="0"/>
               </a:spcBef>
@@ -4941,7 +4797,7 @@
               <a:buChar char="■"/>
               <a:defRPr/>
             </a:lvl3pPr>
-            <a:lvl4pPr marL="1828800" lvl="3" indent="-317500">
+            <a:lvl4pPr indent="-317500" lvl="3" marL="1828800">
               <a:spcBef>
                 <a:spcPts val="0"/>
               </a:spcBef>
@@ -4952,7 +4808,7 @@
               <a:buChar char="●"/>
               <a:defRPr/>
             </a:lvl4pPr>
-            <a:lvl5pPr marL="2286000" lvl="4" indent="-317500">
+            <a:lvl5pPr indent="-317500" lvl="4" marL="2286000">
               <a:spcBef>
                 <a:spcPts val="0"/>
               </a:spcBef>
@@ -4963,7 +4819,7 @@
               <a:buChar char="○"/>
               <a:defRPr/>
             </a:lvl5pPr>
-            <a:lvl6pPr marL="2743200" lvl="5" indent="-317500">
+            <a:lvl6pPr indent="-317500" lvl="5" marL="2743200">
               <a:spcBef>
                 <a:spcPts val="0"/>
               </a:spcBef>
@@ -4974,7 +4830,7 @@
               <a:buChar char="■"/>
               <a:defRPr/>
             </a:lvl6pPr>
-            <a:lvl7pPr marL="3200400" lvl="6" indent="-317500">
+            <a:lvl7pPr indent="-317500" lvl="6" marL="3200400">
               <a:spcBef>
                 <a:spcPts val="0"/>
               </a:spcBef>
@@ -4985,7 +4841,7 @@
               <a:buChar char="●"/>
               <a:defRPr/>
             </a:lvl7pPr>
-            <a:lvl8pPr marL="3657600" lvl="7" indent="-317500">
+            <a:lvl8pPr indent="-317500" lvl="7" marL="3657600">
               <a:spcBef>
                 <a:spcPts val="0"/>
               </a:spcBef>
@@ -4996,7 +4852,7 @@
               <a:buChar char="○"/>
               <a:defRPr/>
             </a:lvl8pPr>
-            <a:lvl9pPr marL="4114800" lvl="8" indent="-317500">
+            <a:lvl9pPr indent="-317500" lvl="8" marL="4114800">
               <a:spcBef>
                 <a:spcPts val="0"/>
               </a:spcBef>
@@ -5005,77 +4861,73 @@
               </a:spcAft>
               <a:buSzPts val="1400"/>
               <a:buChar char="■"/>
+              <a:defRPr/>
+            </a:lvl9pPr>
+          </a:lstStyle>
+          <a:p/>
+        </p:txBody>
+      </p:sp>
+      <p:sp>
+        <p:nvSpPr>
+          <p:cNvPr id="40" name="Google Shape;40;p9"/>
+          <p:cNvSpPr txBox="1"/>
+          <p:nvPr>
+            <p:ph idx="12" type="sldNum"/>
+          </p:nvPr>
+        </p:nvSpPr>
+        <p:spPr>
+          <a:xfrm>
+            <a:off x="8472458" y="4663217"/>
+            <a:ext cx="548700" cy="393600"/>
+          </a:xfrm>
+          <a:prstGeom prst="rect">
+            <a:avLst/>
+          </a:prstGeom>
+        </p:spPr>
+        <p:txBody>
+          <a:bodyPr anchorCtr="0" anchor="ctr" bIns="91425" lIns="91425" spcFirstLastPara="1" rIns="91425" wrap="square" tIns="91425">
+            <a:normAutofit/>
+          </a:bodyPr>
+          <a:lstStyle>
+            <a:lvl1pPr lvl="0">
+              <a:buNone/>
+              <a:defRPr/>
+            </a:lvl1pPr>
+            <a:lvl2pPr lvl="1">
+              <a:buNone/>
+              <a:defRPr/>
+            </a:lvl2pPr>
+            <a:lvl3pPr lvl="2">
+              <a:buNone/>
+              <a:defRPr/>
+            </a:lvl3pPr>
+            <a:lvl4pPr lvl="3">
+              <a:buNone/>
+              <a:defRPr/>
+            </a:lvl4pPr>
+            <a:lvl5pPr lvl="4">
+              <a:buNone/>
+              <a:defRPr/>
+            </a:lvl5pPr>
+            <a:lvl6pPr lvl="5">
+              <a:buNone/>
+              <a:defRPr/>
+            </a:lvl6pPr>
+            <a:lvl7pPr lvl="6">
+              <a:buNone/>
+              <a:defRPr/>
+            </a:lvl7pPr>
+            <a:lvl8pPr lvl="7">
+              <a:buNone/>
+              <a:defRPr/>
+            </a:lvl8pPr>
+            <a:lvl9pPr lvl="8">
+              <a:buNone/>
               <a:defRPr/>
             </a:lvl9pPr>
           </a:lstStyle>
           <a:p>
-            <a:endParaRPr/>
-          </a:p>
-        </p:txBody>
-      </p:sp>
-      <p:sp>
-        <p:nvSpPr>
-          <p:cNvPr id="40" name="Google Shape;40;p9"/>
-          <p:cNvSpPr txBox="1">
-            <a:spLocks noGrp="1"/>
-          </p:cNvSpPr>
-          <p:nvPr>
-            <p:ph type="sldNum" idx="12"/>
-          </p:nvPr>
-        </p:nvSpPr>
-        <p:spPr>
-          <a:xfrm>
-            <a:off x="8472458" y="4663217"/>
-            <a:ext cx="548700" cy="393600"/>
-          </a:xfrm>
-          <a:prstGeom prst="rect">
-            <a:avLst/>
-          </a:prstGeom>
-        </p:spPr>
-        <p:txBody>
-          <a:bodyPr spcFirstLastPara="1" wrap="square" lIns="91425" tIns="91425" rIns="91425" bIns="91425" anchor="ctr" anchorCtr="0">
-            <a:normAutofit/>
-          </a:bodyPr>
-          <a:lstStyle>
-            <a:lvl1pPr lvl="0">
-              <a:buNone/>
-              <a:defRPr/>
-            </a:lvl1pPr>
-            <a:lvl2pPr lvl="1">
-              <a:buNone/>
-              <a:defRPr/>
-            </a:lvl2pPr>
-            <a:lvl3pPr lvl="2">
-              <a:buNone/>
-              <a:defRPr/>
-            </a:lvl3pPr>
-            <a:lvl4pPr lvl="3">
-              <a:buNone/>
-              <a:defRPr/>
-            </a:lvl4pPr>
-            <a:lvl5pPr lvl="4">
-              <a:buNone/>
-              <a:defRPr/>
-            </a:lvl5pPr>
-            <a:lvl6pPr lvl="5">
-              <a:buNone/>
-              <a:defRPr/>
-            </a:lvl6pPr>
-            <a:lvl7pPr lvl="6">
-              <a:buNone/>
-              <a:defRPr/>
-            </a:lvl7pPr>
-            <a:lvl8pPr lvl="7">
-              <a:buNone/>
-              <a:defRPr/>
-            </a:lvl8pPr>
-            <a:lvl9pPr lvl="8">
-              <a:buNone/>
-              <a:defRPr/>
-            </a:lvl9pPr>
-          </a:lstStyle>
-          <a:p>
-            <a:pPr marL="0" lvl="0" indent="0" algn="r" rtl="0">
+            <a:pPr indent="0" lvl="0" marL="0" rtl="0" algn="r">
               <a:spcBef>
                 <a:spcPts val="0"/>
               </a:spcBef>
@@ -5101,11 +4953,11 @@
 </file>
 
 <file path=ppt/slideLayouts/slideLayout9.xml><?xml version="1.0" encoding="utf-8"?>
-<p:sldLayout xmlns:a="http://schemas.openxmlformats.org/drawingml/2006/main" xmlns:r="http://schemas.openxmlformats.org/officeDocument/2006/relationships" xmlns:p="http://schemas.openxmlformats.org/presentationml/2006/main" matchingName="Caption">
+<p:sldLayout xmlns:a="http://schemas.openxmlformats.org/drawingml/2006/main" xmlns:r="http://schemas.openxmlformats.org/officeDocument/2006/relationships" xmlns:mc="http://schemas.openxmlformats.org/markup-compatibility/2006" xmlns:mv="urn:schemas-microsoft-com:mac:vml" xmlns:p="http://schemas.openxmlformats.org/presentationml/2006/main" xmlns:c="http://schemas.openxmlformats.org/drawingml/2006/chart" xmlns:dgm="http://schemas.openxmlformats.org/drawingml/2006/diagram" xmlns:o="urn:schemas-microsoft-com:office:office" xmlns:v="urn:schemas-microsoft-com:vml" xmlns:pvml="urn:schemas-microsoft-com:office:powerpoint" xmlns:com="http://schemas.openxmlformats.org/drawingml/2006/compatibility" xmlns:p14="http://schemas.microsoft.com/office/powerpoint/2010/main" xmlns:p15="http://schemas.microsoft.com/office/powerpoint/2012/main" xmlns:ahyp="http://schemas.microsoft.com/office/drawing/2018/hyperlinkcolor" matchingName="Caption">
   <p:cSld name="CAPTION_ONLY">
     <p:spTree>
       <p:nvGrpSpPr>
-        <p:cNvPr id="1" name="Shape 41"/>
+        <p:cNvPr id="41" name="Shape 41"/>
         <p:cNvGrpSpPr/>
         <p:nvPr/>
       </p:nvGrpSpPr>
@@ -5120,11 +4972,9 @@
       <p:sp>
         <p:nvSpPr>
           <p:cNvPr id="42" name="Google Shape;42;p10"/>
-          <p:cNvSpPr txBox="1">
-            <a:spLocks noGrp="1"/>
-          </p:cNvSpPr>
+          <p:cNvSpPr txBox="1"/>
           <p:nvPr>
-            <p:ph type="body" idx="1"/>
+            <p:ph idx="1" type="body"/>
           </p:nvPr>
         </p:nvSpPr>
         <p:spPr>
@@ -5137,11 +4987,11 @@
           </a:prstGeom>
         </p:spPr>
         <p:txBody>
-          <a:bodyPr spcFirstLastPara="1" wrap="square" lIns="91425" tIns="91425" rIns="91425" bIns="91425" anchor="ctr" anchorCtr="0">
+          <a:bodyPr anchorCtr="0" anchor="ctr" bIns="91425" lIns="91425" spcFirstLastPara="1" rIns="91425" wrap="square" tIns="91425">
             <a:normAutofit/>
           </a:bodyPr>
           <a:lstStyle>
-            <a:lvl1pPr marL="457200" lvl="0" indent="-228600">
+            <a:lvl1pPr indent="-228600" lvl="0" marL="457200">
               <a:lnSpc>
                 <a:spcPct val="100000"/>
               </a:lnSpc>
@@ -5156,19 +5006,15 @@
               <a:defRPr/>
             </a:lvl1pPr>
           </a:lstStyle>
-          <a:p>
-            <a:endParaRPr/>
-          </a:p>
+          <a:p/>
         </p:txBody>
       </p:sp>
       <p:sp>
         <p:nvSpPr>
           <p:cNvPr id="43" name="Google Shape;43;p10"/>
-          <p:cNvSpPr txBox="1">
-            <a:spLocks noGrp="1"/>
-          </p:cNvSpPr>
+          <p:cNvSpPr txBox="1"/>
           <p:nvPr>
-            <p:ph type="sldNum" idx="12"/>
+            <p:ph idx="12" type="sldNum"/>
           </p:nvPr>
         </p:nvSpPr>
         <p:spPr>
@@ -5181,7 +5027,7 @@
           </a:prstGeom>
         </p:spPr>
         <p:txBody>
-          <a:bodyPr spcFirstLastPara="1" wrap="square" lIns="91425" tIns="91425" rIns="91425" bIns="91425" anchor="ctr" anchorCtr="0">
+          <a:bodyPr anchorCtr="0" anchor="ctr" bIns="91425" lIns="91425" spcFirstLastPara="1" rIns="91425" wrap="square" tIns="91425">
             <a:normAutofit/>
           </a:bodyPr>
           <a:lstStyle>
@@ -5223,7 +5069,7 @@
             </a:lvl9pPr>
           </a:lstStyle>
           <a:p>
-            <a:pPr marL="0" lvl="0" indent="0" algn="r" rtl="0">
+            <a:pPr indent="0" lvl="0" marL="0" rtl="0" algn="r">
               <a:spcBef>
                 <a:spcPts val="0"/>
               </a:spcBef>
@@ -5249,19 +5095,18 @@
 </file>
 
 <file path=ppt/slideMasters/slideMaster1.xml><?xml version="1.0" encoding="utf-8"?>
-<p:sldMaster xmlns:a="http://schemas.openxmlformats.org/drawingml/2006/main" xmlns:r="http://schemas.openxmlformats.org/officeDocument/2006/relationships" xmlns:p="http://schemas.openxmlformats.org/presentationml/2006/main">
+<p:sldMaster xmlns:a="http://schemas.openxmlformats.org/drawingml/2006/main" xmlns:r="http://schemas.openxmlformats.org/officeDocument/2006/relationships" xmlns:mc="http://schemas.openxmlformats.org/markup-compatibility/2006" xmlns:mv="urn:schemas-microsoft-com:mac:vml" xmlns:p="http://schemas.openxmlformats.org/presentationml/2006/main" xmlns:c="http://schemas.openxmlformats.org/drawingml/2006/chart" xmlns:dgm="http://schemas.openxmlformats.org/drawingml/2006/diagram" xmlns:o="urn:schemas-microsoft-com:office:office" xmlns:v="urn:schemas-microsoft-com:vml" xmlns:pvml="urn:schemas-microsoft-com:office:powerpoint" xmlns:com="http://schemas.openxmlformats.org/drawingml/2006/compatibility" xmlns:p14="http://schemas.microsoft.com/office/powerpoint/2010/main" xmlns:p15="http://schemas.microsoft.com/office/powerpoint/2012/main" xmlns:ahyp="http://schemas.microsoft.com/office/drawing/2018/hyperlinkcolor">
   <p:cSld name="simple-light-2">
     <p:bg>
       <p:bgPr>
         <a:solidFill>
           <a:schemeClr val="lt1"/>
         </a:solidFill>
-        <a:effectLst/>
       </p:bgPr>
     </p:bg>
     <p:spTree>
       <p:nvGrpSpPr>
-        <p:cNvPr id="1" name="Shape 5"/>
+        <p:cNvPr id="5" name="Shape 5"/>
         <p:cNvGrpSpPr/>
         <p:nvPr/>
       </p:nvGrpSpPr>
@@ -5276,9 +5121,7 @@
       <p:sp>
         <p:nvSpPr>
           <p:cNvPr id="6" name="Google Shape;6;p1"/>
-          <p:cNvSpPr txBox="1">
-            <a:spLocks noGrp="1"/>
-          </p:cNvSpPr>
+          <p:cNvSpPr txBox="1"/>
           <p:nvPr>
             <p:ph type="title"/>
           </p:nvPr>
@@ -5297,7 +5140,7 @@
           </a:ln>
         </p:spPr>
         <p:txBody>
-          <a:bodyPr spcFirstLastPara="1" wrap="square" lIns="91425" tIns="91425" rIns="91425" bIns="91425" anchor="t" anchorCtr="0">
+          <a:bodyPr anchorCtr="0" anchor="t" bIns="91425" lIns="91425" spcFirstLastPara="1" rIns="91425" wrap="square" tIns="91425">
             <a:normAutofit/>
           </a:bodyPr>
           <a:lstStyle>
@@ -5464,19 +5307,15 @@
               </a:defRPr>
             </a:lvl9pPr>
           </a:lstStyle>
-          <a:p>
-            <a:endParaRPr/>
-          </a:p>
+          <a:p/>
         </p:txBody>
       </p:sp>
       <p:sp>
         <p:nvSpPr>
           <p:cNvPr id="7" name="Google Shape;7;p1"/>
-          <p:cNvSpPr txBox="1">
-            <a:spLocks noGrp="1"/>
-          </p:cNvSpPr>
+          <p:cNvSpPr txBox="1"/>
           <p:nvPr>
-            <p:ph type="body" idx="1"/>
+            <p:ph idx="1" type="body"/>
           </p:nvPr>
         </p:nvSpPr>
         <p:spPr>
@@ -5493,11 +5332,11 @@
           </a:ln>
         </p:spPr>
         <p:txBody>
-          <a:bodyPr spcFirstLastPara="1" wrap="square" lIns="91425" tIns="91425" rIns="91425" bIns="91425" anchor="t" anchorCtr="0">
+          <a:bodyPr anchorCtr="0" anchor="t" bIns="91425" lIns="91425" spcFirstLastPara="1" rIns="91425" wrap="square" tIns="91425">
             <a:normAutofit/>
           </a:bodyPr>
           <a:lstStyle>
-            <a:lvl1pPr marL="457200" lvl="0" indent="-342900">
+            <a:lvl1pPr indent="-342900" lvl="0" marL="457200">
               <a:lnSpc>
                 <a:spcPct val="115000"/>
               </a:lnSpc>
@@ -5518,7 +5357,7 @@
                 </a:solidFill>
               </a:defRPr>
             </a:lvl1pPr>
-            <a:lvl2pPr marL="914400" lvl="1" indent="-317500">
+            <a:lvl2pPr indent="-317500" lvl="1" marL="914400">
               <a:lnSpc>
                 <a:spcPct val="115000"/>
               </a:lnSpc>
@@ -5539,7 +5378,7 @@
                 </a:solidFill>
               </a:defRPr>
             </a:lvl2pPr>
-            <a:lvl3pPr marL="1371600" lvl="2" indent="-317500">
+            <a:lvl3pPr indent="-317500" lvl="2" marL="1371600">
               <a:lnSpc>
                 <a:spcPct val="115000"/>
               </a:lnSpc>
@@ -5560,7 +5399,7 @@
                 </a:solidFill>
               </a:defRPr>
             </a:lvl3pPr>
-            <a:lvl4pPr marL="1828800" lvl="3" indent="-317500">
+            <a:lvl4pPr indent="-317500" lvl="3" marL="1828800">
               <a:lnSpc>
                 <a:spcPct val="115000"/>
               </a:lnSpc>
@@ -5581,7 +5420,7 @@
                 </a:solidFill>
               </a:defRPr>
             </a:lvl4pPr>
-            <a:lvl5pPr marL="2286000" lvl="4" indent="-317500">
+            <a:lvl5pPr indent="-317500" lvl="4" marL="2286000">
               <a:lnSpc>
                 <a:spcPct val="115000"/>
               </a:lnSpc>
@@ -5602,7 +5441,7 @@
                 </a:solidFill>
               </a:defRPr>
             </a:lvl5pPr>
-            <a:lvl6pPr marL="2743200" lvl="5" indent="-317500">
+            <a:lvl6pPr indent="-317500" lvl="5" marL="2743200">
               <a:lnSpc>
                 <a:spcPct val="115000"/>
               </a:lnSpc>
@@ -5623,7 +5462,7 @@
                 </a:solidFill>
               </a:defRPr>
             </a:lvl6pPr>
-            <a:lvl7pPr marL="3200400" lvl="6" indent="-317500">
+            <a:lvl7pPr indent="-317500" lvl="6" marL="3200400">
               <a:lnSpc>
                 <a:spcPct val="115000"/>
               </a:lnSpc>
@@ -5644,7 +5483,7 @@
                 </a:solidFill>
               </a:defRPr>
             </a:lvl7pPr>
-            <a:lvl8pPr marL="3657600" lvl="7" indent="-317500">
+            <a:lvl8pPr indent="-317500" lvl="7" marL="3657600">
               <a:lnSpc>
                 <a:spcPct val="115000"/>
               </a:lnSpc>
@@ -5665,7 +5504,7 @@
                 </a:solidFill>
               </a:defRPr>
             </a:lvl8pPr>
-            <a:lvl9pPr marL="4114800" lvl="8" indent="-317500">
+            <a:lvl9pPr indent="-317500" lvl="8" marL="4114800">
               <a:lnSpc>
                 <a:spcPct val="115000"/>
               </a:lnSpc>
@@ -5687,19 +5526,15 @@
               </a:defRPr>
             </a:lvl9pPr>
           </a:lstStyle>
-          <a:p>
-            <a:endParaRPr/>
-          </a:p>
+          <a:p/>
         </p:txBody>
       </p:sp>
       <p:sp>
         <p:nvSpPr>
           <p:cNvPr id="8" name="Google Shape;8;p1"/>
-          <p:cNvSpPr txBox="1">
-            <a:spLocks noGrp="1"/>
-          </p:cNvSpPr>
+          <p:cNvSpPr txBox="1"/>
           <p:nvPr>
-            <p:ph type="sldNum" idx="12"/>
+            <p:ph idx="12" type="sldNum"/>
           </p:nvPr>
         </p:nvSpPr>
         <p:spPr>
@@ -5716,7 +5551,7 @@
           </a:ln>
         </p:spPr>
         <p:txBody>
-          <a:bodyPr spcFirstLastPara="1" wrap="square" lIns="91425" tIns="91425" rIns="91425" bIns="91425" anchor="ctr" anchorCtr="0">
+          <a:bodyPr anchorCtr="0" anchor="ctr" bIns="91425" lIns="91425" spcFirstLastPara="1" rIns="91425" wrap="square" tIns="91425">
             <a:normAutofit/>
           </a:bodyPr>
           <a:lstStyle>
@@ -5794,7 +5629,7 @@
             </a:lvl9pPr>
           </a:lstStyle>
           <a:p>
-            <a:pPr marL="0" lvl="0" indent="0" algn="r" rtl="0">
+            <a:pPr indent="0" lvl="0" marL="0" rtl="0" algn="r">
               <a:spcBef>
                 <a:spcPts val="0"/>
               </a:spcBef>
@@ -5813,7 +5648,7 @@
       </p:sp>
     </p:spTree>
   </p:cSld>
-  <p:clrMap bg1="lt1" tx1="dk1" bg2="dk2" tx2="lt2" accent1="accent1" accent2="accent2" accent3="accent3" accent4="accent4" accent5="accent5" accent6="accent6" hlink="hlink" folHlink="folHlink"/>
+  <p:clrMap accent1="accent1" accent2="accent2" accent3="accent3" accent4="accent4" accent5="accent5" accent6="accent6" bg1="lt1" bg2="dk2" tx1="dk1" tx2="lt2" folHlink="folHlink" hlink="hlink"/>
   <p:sldLayoutIdLst>
     <p:sldLayoutId id="2147483648" r:id="rId1"/>
     <p:sldLayoutId id="2147483649" r:id="rId2"/>
@@ -5827,10 +5662,10 @@
     <p:sldLayoutId id="2147483657" r:id="rId10"/>
     <p:sldLayoutId id="2147483658" r:id="rId11"/>
   </p:sldLayoutIdLst>
-  <p:hf sldNum="0" hdr="0" ftr="0" dt="0"/>
+  <p:hf dt="0" ftr="0" hdr="0" sldNum="0"/>
   <p:txStyles>
     <p:titleStyle>
-      <a:defPPr marR="0" lvl="0" algn="l" rtl="0">
+      <a:defPPr lvl="0" marR="0" rtl="0" algn="l">
         <a:lnSpc>
           <a:spcPct val="100000"/>
         </a:lnSpc>
@@ -5841,7 +5676,7 @@
           <a:spcPts val="0"/>
         </a:spcAft>
       </a:defPPr>
-      <a:lvl1pPr marR="0" lvl="0" algn="l" rtl="0">
+      <a:lvl1pPr lvl="0" marR="0" rtl="0" algn="l">
         <a:lnSpc>
           <a:spcPct val="100000"/>
         </a:lnSpc>
@@ -5855,7 +5690,7 @@
           <a:srgbClr val="000000"/>
         </a:buClr>
         <a:buFont typeface="Arial"/>
-        <a:defRPr sz="1400" b="0" i="0" u="none" strike="noStrike" cap="none">
+        <a:defRPr b="0" i="0" sz="1400" u="none" cap="none" strike="noStrike">
           <a:solidFill>
             <a:srgbClr val="000000"/>
           </a:solidFill>
@@ -5865,7 +5700,7 @@
           <a:sym typeface="Arial"/>
         </a:defRPr>
       </a:lvl1pPr>
-      <a:lvl2pPr marR="0" lvl="1" algn="l" rtl="0">
+      <a:lvl2pPr lvl="1" marR="0" rtl="0" algn="l">
         <a:lnSpc>
           <a:spcPct val="100000"/>
         </a:lnSpc>
@@ -5879,7 +5714,7 @@
           <a:srgbClr val="000000"/>
         </a:buClr>
         <a:buFont typeface="Arial"/>
-        <a:defRPr sz="1400" b="0" i="0" u="none" strike="noStrike" cap="none">
+        <a:defRPr b="0" i="0" sz="1400" u="none" cap="none" strike="noStrike">
           <a:solidFill>
             <a:srgbClr val="000000"/>
           </a:solidFill>
@@ -5889,7 +5724,7 @@
           <a:sym typeface="Arial"/>
         </a:defRPr>
       </a:lvl2pPr>
-      <a:lvl3pPr marR="0" lvl="2" algn="l" rtl="0">
+      <a:lvl3pPr lvl="2" marR="0" rtl="0" algn="l">
         <a:lnSpc>
           <a:spcPct val="100000"/>
         </a:lnSpc>
@@ -5903,7 +5738,7 @@
           <a:srgbClr val="000000"/>
         </a:buClr>
         <a:buFont typeface="Arial"/>
-        <a:defRPr sz="1400" b="0" i="0" u="none" strike="noStrike" cap="none">
+        <a:defRPr b="0" i="0" sz="1400" u="none" cap="none" strike="noStrike">
           <a:solidFill>
             <a:srgbClr val="000000"/>
           </a:solidFill>
@@ -5913,7 +5748,7 @@
           <a:sym typeface="Arial"/>
         </a:defRPr>
       </a:lvl3pPr>
-      <a:lvl4pPr marR="0" lvl="3" algn="l" rtl="0">
+      <a:lvl4pPr lvl="3" marR="0" rtl="0" algn="l">
         <a:lnSpc>
           <a:spcPct val="100000"/>
         </a:lnSpc>
@@ -5927,7 +5762,7 @@
           <a:srgbClr val="000000"/>
         </a:buClr>
         <a:buFont typeface="Arial"/>
-        <a:defRPr sz="1400" b="0" i="0" u="none" strike="noStrike" cap="none">
+        <a:defRPr b="0" i="0" sz="1400" u="none" cap="none" strike="noStrike">
           <a:solidFill>
             <a:srgbClr val="000000"/>
           </a:solidFill>
@@ -5937,7 +5772,7 @@
           <a:sym typeface="Arial"/>
         </a:defRPr>
       </a:lvl4pPr>
-      <a:lvl5pPr marR="0" lvl="4" algn="l" rtl="0">
+      <a:lvl5pPr lvl="4" marR="0" rtl="0" algn="l">
         <a:lnSpc>
           <a:spcPct val="100000"/>
         </a:lnSpc>
@@ -5951,7 +5786,7 @@
           <a:srgbClr val="000000"/>
         </a:buClr>
         <a:buFont typeface="Arial"/>
-        <a:defRPr sz="1400" b="0" i="0" u="none" strike="noStrike" cap="none">
+        <a:defRPr b="0" i="0" sz="1400" u="none" cap="none" strike="noStrike">
           <a:solidFill>
             <a:srgbClr val="000000"/>
           </a:solidFill>
@@ -5961,7 +5796,7 @@
           <a:sym typeface="Arial"/>
         </a:defRPr>
       </a:lvl5pPr>
-      <a:lvl6pPr marR="0" lvl="5" algn="l" rtl="0">
+      <a:lvl6pPr lvl="5" marR="0" rtl="0" algn="l">
         <a:lnSpc>
           <a:spcPct val="100000"/>
         </a:lnSpc>
@@ -5975,7 +5810,7 @@
           <a:srgbClr val="000000"/>
         </a:buClr>
         <a:buFont typeface="Arial"/>
-        <a:defRPr sz="1400" b="0" i="0" u="none" strike="noStrike" cap="none">
+        <a:defRPr b="0" i="0" sz="1400" u="none" cap="none" strike="noStrike">
           <a:solidFill>
             <a:srgbClr val="000000"/>
           </a:solidFill>
@@ -5985,7 +5820,7 @@
           <a:sym typeface="Arial"/>
         </a:defRPr>
       </a:lvl6pPr>
-      <a:lvl7pPr marR="0" lvl="6" algn="l" rtl="0">
+      <a:lvl7pPr lvl="6" marR="0" rtl="0" algn="l">
         <a:lnSpc>
           <a:spcPct val="100000"/>
         </a:lnSpc>
@@ -5999,7 +5834,7 @@
           <a:srgbClr val="000000"/>
         </a:buClr>
         <a:buFont typeface="Arial"/>
-        <a:defRPr sz="1400" b="0" i="0" u="none" strike="noStrike" cap="none">
+        <a:defRPr b="0" i="0" sz="1400" u="none" cap="none" strike="noStrike">
           <a:solidFill>
             <a:srgbClr val="000000"/>
           </a:solidFill>
@@ -6009,7 +5844,7 @@
           <a:sym typeface="Arial"/>
         </a:defRPr>
       </a:lvl7pPr>
-      <a:lvl8pPr marR="0" lvl="7" algn="l" rtl="0">
+      <a:lvl8pPr lvl="7" marR="0" rtl="0" algn="l">
         <a:lnSpc>
           <a:spcPct val="100000"/>
         </a:lnSpc>
@@ -6023,7 +5858,7 @@
           <a:srgbClr val="000000"/>
         </a:buClr>
         <a:buFont typeface="Arial"/>
-        <a:defRPr sz="1400" b="0" i="0" u="none" strike="noStrike" cap="none">
+        <a:defRPr b="0" i="0" sz="1400" u="none" cap="none" strike="noStrike">
           <a:solidFill>
             <a:srgbClr val="000000"/>
           </a:solidFill>
@@ -6033,7 +5868,7 @@
           <a:sym typeface="Arial"/>
         </a:defRPr>
       </a:lvl8pPr>
-      <a:lvl9pPr marR="0" lvl="8" algn="l" rtl="0">
+      <a:lvl9pPr lvl="8" marR="0" rtl="0" algn="l">
         <a:lnSpc>
           <a:spcPct val="100000"/>
         </a:lnSpc>
@@ -6047,7 +5882,7 @@
           <a:srgbClr val="000000"/>
         </a:buClr>
         <a:buFont typeface="Arial"/>
-        <a:defRPr sz="1400" b="0" i="0" u="none" strike="noStrike" cap="none">
+        <a:defRPr b="0" i="0" sz="1400" u="none" cap="none" strike="noStrike">
           <a:solidFill>
             <a:srgbClr val="000000"/>
           </a:solidFill>
@@ -6059,7 +5894,7 @@
       </a:lvl9pPr>
     </p:titleStyle>
     <p:bodyStyle>
-      <a:defPPr marR="0" lvl="0" algn="l" rtl="0">
+      <a:defPPr lvl="0" marR="0" rtl="0" algn="l">
         <a:lnSpc>
           <a:spcPct val="100000"/>
         </a:lnSpc>
@@ -6070,7 +5905,7 @@
           <a:spcPts val="0"/>
         </a:spcAft>
       </a:defPPr>
-      <a:lvl1pPr marR="0" lvl="0" algn="l" rtl="0">
+      <a:lvl1pPr lvl="0" marR="0" rtl="0" algn="l">
         <a:lnSpc>
           <a:spcPct val="100000"/>
         </a:lnSpc>
@@ -6084,7 +5919,7 @@
           <a:srgbClr val="000000"/>
         </a:buClr>
         <a:buFont typeface="Arial"/>
-        <a:defRPr sz="1400" b="0" i="0" u="none" strike="noStrike" cap="none">
+        <a:defRPr b="0" i="0" sz="1400" u="none" cap="none" strike="noStrike">
           <a:solidFill>
             <a:srgbClr val="000000"/>
           </a:solidFill>
@@ -6094,7 +5929,7 @@
           <a:sym typeface="Arial"/>
         </a:defRPr>
       </a:lvl1pPr>
-      <a:lvl2pPr marR="0" lvl="1" algn="l" rtl="0">
+      <a:lvl2pPr lvl="1" marR="0" rtl="0" algn="l">
         <a:lnSpc>
           <a:spcPct val="100000"/>
         </a:lnSpc>
@@ -6108,7 +5943,7 @@
           <a:srgbClr val="000000"/>
         </a:buClr>
         <a:buFont typeface="Arial"/>
-        <a:defRPr sz="1400" b="0" i="0" u="none" strike="noStrike" cap="none">
+        <a:defRPr b="0" i="0" sz="1400" u="none" cap="none" strike="noStrike">
           <a:solidFill>
             <a:srgbClr val="000000"/>
           </a:solidFill>
@@ -6118,7 +5953,7 @@
           <a:sym typeface="Arial"/>
         </a:defRPr>
       </a:lvl2pPr>
-      <a:lvl3pPr marR="0" lvl="2" algn="l" rtl="0">
+      <a:lvl3pPr lvl="2" marR="0" rtl="0" algn="l">
         <a:lnSpc>
           <a:spcPct val="100000"/>
         </a:lnSpc>
@@ -6132,7 +5967,7 @@
           <a:srgbClr val="000000"/>
         </a:buClr>
         <a:buFont typeface="Arial"/>
-        <a:defRPr sz="1400" b="0" i="0" u="none" strike="noStrike" cap="none">
+        <a:defRPr b="0" i="0" sz="1400" u="none" cap="none" strike="noStrike">
           <a:solidFill>
             <a:srgbClr val="000000"/>
           </a:solidFill>
@@ -6142,7 +5977,7 @@
           <a:sym typeface="Arial"/>
         </a:defRPr>
       </a:lvl3pPr>
-      <a:lvl4pPr marR="0" lvl="3" algn="l" rtl="0">
+      <a:lvl4pPr lvl="3" marR="0" rtl="0" algn="l">
         <a:lnSpc>
           <a:spcPct val="100000"/>
         </a:lnSpc>
@@ -6156,7 +5991,7 @@
           <a:srgbClr val="000000"/>
         </a:buClr>
         <a:buFont typeface="Arial"/>
-        <a:defRPr sz="1400" b="0" i="0" u="none" strike="noStrike" cap="none">
+        <a:defRPr b="0" i="0" sz="1400" u="none" cap="none" strike="noStrike">
           <a:solidFill>
             <a:srgbClr val="000000"/>
           </a:solidFill>
@@ -6166,7 +6001,7 @@
           <a:sym typeface="Arial"/>
         </a:defRPr>
       </a:lvl4pPr>
-      <a:lvl5pPr marR="0" lvl="4" algn="l" rtl="0">
+      <a:lvl5pPr lvl="4" marR="0" rtl="0" algn="l">
         <a:lnSpc>
           <a:spcPct val="100000"/>
         </a:lnSpc>
@@ -6180,7 +6015,7 @@
           <a:srgbClr val="000000"/>
         </a:buClr>
         <a:buFont typeface="Arial"/>
-        <a:defRPr sz="1400" b="0" i="0" u="none" strike="noStrike" cap="none">
+        <a:defRPr b="0" i="0" sz="1400" u="none" cap="none" strike="noStrike">
           <a:solidFill>
             <a:srgbClr val="000000"/>
           </a:solidFill>
@@ -6190,7 +6025,7 @@
           <a:sym typeface="Arial"/>
         </a:defRPr>
       </a:lvl5pPr>
-      <a:lvl6pPr marR="0" lvl="5" algn="l" rtl="0">
+      <a:lvl6pPr lvl="5" marR="0" rtl="0" algn="l">
         <a:lnSpc>
           <a:spcPct val="100000"/>
         </a:lnSpc>
@@ -6204,7 +6039,7 @@
           <a:srgbClr val="000000"/>
         </a:buClr>
         <a:buFont typeface="Arial"/>
-        <a:defRPr sz="1400" b="0" i="0" u="none" strike="noStrike" cap="none">
+        <a:defRPr b="0" i="0" sz="1400" u="none" cap="none" strike="noStrike">
           <a:solidFill>
             <a:srgbClr val="000000"/>
           </a:solidFill>
@@ -6214,7 +6049,7 @@
           <a:sym typeface="Arial"/>
         </a:defRPr>
       </a:lvl6pPr>
-      <a:lvl7pPr marR="0" lvl="6" algn="l" rtl="0">
+      <a:lvl7pPr lvl="6" marR="0" rtl="0" algn="l">
         <a:lnSpc>
           <a:spcPct val="100000"/>
         </a:lnSpc>
@@ -6228,7 +6063,7 @@
           <a:srgbClr val="000000"/>
         </a:buClr>
         <a:buFont typeface="Arial"/>
-        <a:defRPr sz="1400" b="0" i="0" u="none" strike="noStrike" cap="none">
+        <a:defRPr b="0" i="0" sz="1400" u="none" cap="none" strike="noStrike">
           <a:solidFill>
             <a:srgbClr val="000000"/>
           </a:solidFill>
@@ -6238,7 +6073,7 @@
           <a:sym typeface="Arial"/>
         </a:defRPr>
       </a:lvl7pPr>
-      <a:lvl8pPr marR="0" lvl="7" algn="l" rtl="0">
+      <a:lvl8pPr lvl="7" marR="0" rtl="0" algn="l">
         <a:lnSpc>
           <a:spcPct val="100000"/>
         </a:lnSpc>
@@ -6252,7 +6087,7 @@
           <a:srgbClr val="000000"/>
         </a:buClr>
         <a:buFont typeface="Arial"/>
-        <a:defRPr sz="1400" b="0" i="0" u="none" strike="noStrike" cap="none">
+        <a:defRPr b="0" i="0" sz="1400" u="none" cap="none" strike="noStrike">
           <a:solidFill>
             <a:srgbClr val="000000"/>
           </a:solidFill>
@@ -6262,7 +6097,7 @@
           <a:sym typeface="Arial"/>
         </a:defRPr>
       </a:lvl8pPr>
-      <a:lvl9pPr marR="0" lvl="8" algn="l" rtl="0">
+      <a:lvl9pPr lvl="8" marR="0" rtl="0" algn="l">
         <a:lnSpc>
           <a:spcPct val="100000"/>
         </a:lnSpc>
@@ -6276,7 +6111,7 @@
           <a:srgbClr val="000000"/>
         </a:buClr>
         <a:buFont typeface="Arial"/>
-        <a:defRPr sz="1400" b="0" i="0" u="none" strike="noStrike" cap="none">
+        <a:defRPr b="0" i="0" sz="1400" u="none" cap="none" strike="noStrike">
           <a:solidFill>
             <a:srgbClr val="000000"/>
           </a:solidFill>
@@ -6288,7 +6123,7 @@
       </a:lvl9pPr>
     </p:bodyStyle>
     <p:otherStyle>
-      <a:defPPr marR="0" lvl="0" algn="l" rtl="0">
+      <a:defPPr lvl="0" marR="0" rtl="0" algn="l">
         <a:lnSpc>
           <a:spcPct val="100000"/>
         </a:lnSpc>
@@ -6299,7 +6134,7 @@
           <a:spcPts val="0"/>
         </a:spcAft>
       </a:defPPr>
-      <a:lvl1pPr marR="0" lvl="0" algn="l" rtl="0">
+      <a:lvl1pPr lvl="0" marR="0" rtl="0" algn="l">
         <a:lnSpc>
           <a:spcPct val="100000"/>
         </a:lnSpc>
@@ -6313,7 +6148,7 @@
           <a:srgbClr val="000000"/>
         </a:buClr>
         <a:buFont typeface="Arial"/>
-        <a:defRPr sz="1400" b="0" i="0" u="none" strike="noStrike" cap="none">
+        <a:defRPr b="0" i="0" sz="1400" u="none" cap="none" strike="noStrike">
           <a:solidFill>
             <a:srgbClr val="000000"/>
           </a:solidFill>
@@ -6323,7 +6158,7 @@
           <a:sym typeface="Arial"/>
         </a:defRPr>
       </a:lvl1pPr>
-      <a:lvl2pPr marR="0" lvl="1" algn="l" rtl="0">
+      <a:lvl2pPr lvl="1" marR="0" rtl="0" algn="l">
         <a:lnSpc>
           <a:spcPct val="100000"/>
         </a:lnSpc>
@@ -6337,7 +6172,7 @@
           <a:srgbClr val="000000"/>
         </a:buClr>
         <a:buFont typeface="Arial"/>
-        <a:defRPr sz="1400" b="0" i="0" u="none" strike="noStrike" cap="none">
+        <a:defRPr b="0" i="0" sz="1400" u="none" cap="none" strike="noStrike">
           <a:solidFill>
             <a:srgbClr val="000000"/>
           </a:solidFill>
@@ -6347,7 +6182,7 @@
           <a:sym typeface="Arial"/>
         </a:defRPr>
       </a:lvl2pPr>
-      <a:lvl3pPr marR="0" lvl="2" algn="l" rtl="0">
+      <a:lvl3pPr lvl="2" marR="0" rtl="0" algn="l">
         <a:lnSpc>
           <a:spcPct val="100000"/>
         </a:lnSpc>
@@ -6361,7 +6196,7 @@
           <a:srgbClr val="000000"/>
         </a:buClr>
         <a:buFont typeface="Arial"/>
-        <a:defRPr sz="1400" b="0" i="0" u="none" strike="noStrike" cap="none">
+        <a:defRPr b="0" i="0" sz="1400" u="none" cap="none" strike="noStrike">
           <a:solidFill>
             <a:srgbClr val="000000"/>
           </a:solidFill>
@@ -6371,7 +6206,7 @@
           <a:sym typeface="Arial"/>
         </a:defRPr>
       </a:lvl3pPr>
-      <a:lvl4pPr marR="0" lvl="3" algn="l" rtl="0">
+      <a:lvl4pPr lvl="3" marR="0" rtl="0" algn="l">
         <a:lnSpc>
           <a:spcPct val="100000"/>
         </a:lnSpc>
@@ -6385,7 +6220,7 @@
           <a:srgbClr val="000000"/>
         </a:buClr>
         <a:buFont typeface="Arial"/>
-        <a:defRPr sz="1400" b="0" i="0" u="none" strike="noStrike" cap="none">
+        <a:defRPr b="0" i="0" sz="1400" u="none" cap="none" strike="noStrike">
           <a:solidFill>
             <a:srgbClr val="000000"/>
           </a:solidFill>
@@ -6395,7 +6230,7 @@
           <a:sym typeface="Arial"/>
         </a:defRPr>
       </a:lvl4pPr>
-      <a:lvl5pPr marR="0" lvl="4" algn="l" rtl="0">
+      <a:lvl5pPr lvl="4" marR="0" rtl="0" algn="l">
         <a:lnSpc>
           <a:spcPct val="100000"/>
         </a:lnSpc>
@@ -6409,7 +6244,7 @@
           <a:srgbClr val="000000"/>
         </a:buClr>
         <a:buFont typeface="Arial"/>
-        <a:defRPr sz="1400" b="0" i="0" u="none" strike="noStrike" cap="none">
+        <a:defRPr b="0" i="0" sz="1400" u="none" cap="none" strike="noStrike">
           <a:solidFill>
             <a:srgbClr val="000000"/>
           </a:solidFill>
@@ -6419,7 +6254,7 @@
           <a:sym typeface="Arial"/>
         </a:defRPr>
       </a:lvl5pPr>
-      <a:lvl6pPr marR="0" lvl="5" algn="l" rtl="0">
+      <a:lvl6pPr lvl="5" marR="0" rtl="0" algn="l">
         <a:lnSpc>
           <a:spcPct val="100000"/>
         </a:lnSpc>
@@ -6433,7 +6268,7 @@
           <a:srgbClr val="000000"/>
         </a:buClr>
         <a:buFont typeface="Arial"/>
-        <a:defRPr sz="1400" b="0" i="0" u="none" strike="noStrike" cap="none">
+        <a:defRPr b="0" i="0" sz="1400" u="none" cap="none" strike="noStrike">
           <a:solidFill>
             <a:srgbClr val="000000"/>
           </a:solidFill>
@@ -6443,7 +6278,7 @@
           <a:sym typeface="Arial"/>
         </a:defRPr>
       </a:lvl6pPr>
-      <a:lvl7pPr marR="0" lvl="6" algn="l" rtl="0">
+      <a:lvl7pPr lvl="6" marR="0" rtl="0" algn="l">
         <a:lnSpc>
           <a:spcPct val="100000"/>
         </a:lnSpc>
@@ -6457,7 +6292,7 @@
           <a:srgbClr val="000000"/>
         </a:buClr>
         <a:buFont typeface="Arial"/>
-        <a:defRPr sz="1400" b="0" i="0" u="none" strike="noStrike" cap="none">
+        <a:defRPr b="0" i="0" sz="1400" u="none" cap="none" strike="noStrike">
           <a:solidFill>
             <a:srgbClr val="000000"/>
           </a:solidFill>
@@ -6467,7 +6302,7 @@
           <a:sym typeface="Arial"/>
         </a:defRPr>
       </a:lvl7pPr>
-      <a:lvl8pPr marR="0" lvl="7" algn="l" rtl="0">
+      <a:lvl8pPr lvl="7" marR="0" rtl="0" algn="l">
         <a:lnSpc>
           <a:spcPct val="100000"/>
         </a:lnSpc>
@@ -6481,7 +6316,7 @@
           <a:srgbClr val="000000"/>
         </a:buClr>
         <a:buFont typeface="Arial"/>
-        <a:defRPr sz="1400" b="0" i="0" u="none" strike="noStrike" cap="none">
+        <a:defRPr b="0" i="0" sz="1400" u="none" cap="none" strike="noStrike">
           <a:solidFill>
             <a:srgbClr val="000000"/>
           </a:solidFill>
@@ -6491,7 +6326,7 @@
           <a:sym typeface="Arial"/>
         </a:defRPr>
       </a:lvl8pPr>
-      <a:lvl9pPr marR="0" lvl="8" algn="l" rtl="0">
+      <a:lvl9pPr lvl="8" marR="0" rtl="0" algn="l">
         <a:lnSpc>
           <a:spcPct val="100000"/>
         </a:lnSpc>
@@ -6505,7 +6340,7 @@
           <a:srgbClr val="000000"/>
         </a:buClr>
         <a:buFont typeface="Arial"/>
-        <a:defRPr sz="1400" b="0" i="0" u="none" strike="noStrike" cap="none">
+        <a:defRPr b="0" i="0" sz="1400" u="none" cap="none" strike="noStrike">
           <a:solidFill>
             <a:srgbClr val="000000"/>
           </a:solidFill>
@@ -6521,11 +6356,11 @@
 </file>
 
 <file path=ppt/slides/slide1.xml><?xml version="1.0" encoding="utf-8"?>
-<p:sld xmlns:a="http://schemas.openxmlformats.org/drawingml/2006/main" xmlns:r="http://schemas.openxmlformats.org/officeDocument/2006/relationships" xmlns:p="http://schemas.openxmlformats.org/presentationml/2006/main">
+<p:sld xmlns:a="http://schemas.openxmlformats.org/drawingml/2006/main" xmlns:r="http://schemas.openxmlformats.org/officeDocument/2006/relationships" xmlns:mc="http://schemas.openxmlformats.org/markup-compatibility/2006" xmlns:mv="urn:schemas-microsoft-com:mac:vml" xmlns:p="http://schemas.openxmlformats.org/presentationml/2006/main" xmlns:c="http://schemas.openxmlformats.org/drawingml/2006/chart" xmlns:dgm="http://schemas.openxmlformats.org/drawingml/2006/diagram" xmlns:o="urn:schemas-microsoft-com:office:office" xmlns:v="urn:schemas-microsoft-com:vml" xmlns:pvml="urn:schemas-microsoft-com:office:powerpoint" xmlns:com="http://schemas.openxmlformats.org/drawingml/2006/compatibility" xmlns:p14="http://schemas.microsoft.com/office/powerpoint/2010/main" xmlns:p15="http://schemas.microsoft.com/office/powerpoint/2012/main" xmlns:ahyp="http://schemas.microsoft.com/office/drawing/2018/hyperlinkcolor">
   <p:cSld>
     <p:spTree>
       <p:nvGrpSpPr>
-        <p:cNvPr id="1" name="Shape 53"/>
+        <p:cNvPr id="53" name="Shape 53"/>
         <p:cNvGrpSpPr/>
         <p:nvPr/>
       </p:nvGrpSpPr>
@@ -6559,12 +6394,12 @@
           </a:ln>
         </p:spPr>
         <p:txBody>
-          <a:bodyPr spcFirstLastPara="1" wrap="square" lIns="91425" tIns="91425" rIns="91425" bIns="91425" anchor="ctr" anchorCtr="0">
+          <a:bodyPr anchorCtr="0" anchor="ctr" bIns="91425" lIns="91425" spcFirstLastPara="1" rIns="91425" wrap="square" tIns="91425">
             <a:noAutofit/>
           </a:bodyPr>
           <a:lstStyle/>
           <a:p>
-            <a:pPr marL="0" lvl="0" indent="0" algn="l" rtl="0">
+            <a:pPr indent="0" lvl="0" marL="0" rtl="0" algn="l">
               <a:spcBef>
                 <a:spcPts val="0"/>
               </a:spcBef>
@@ -6573,6 +6408,9 @@
               </a:spcAft>
               <a:buNone/>
             </a:pPr>
+            <a:r>
+              <a:t/>
+            </a:r>
             <a:endParaRPr/>
           </a:p>
         </p:txBody>
@@ -6590,29 +6428,29 @@
           </a:xfrm>
           <a:prstGeom prst="diagStripe">
             <a:avLst>
-              <a:gd name="adj" fmla="val 50000"/>
+              <a:gd fmla="val 50000" name="adj"/>
             </a:avLst>
           </a:prstGeom>
           <a:solidFill>
             <a:srgbClr val="FFC971"/>
           </a:solidFill>
-          <a:ln w="9525" cap="flat" cmpd="sng">
+          <a:ln cap="flat" cmpd="sng" w="9525">
             <a:solidFill>
               <a:srgbClr val="FFC971"/>
             </a:solidFill>
             <a:prstDash val="solid"/>
             <a:round/>
-            <a:headEnd type="none" w="sm" len="sm"/>
-            <a:tailEnd type="none" w="sm" len="sm"/>
+            <a:headEnd len="sm" w="sm" type="none"/>
+            <a:tailEnd len="sm" w="sm" type="none"/>
           </a:ln>
         </p:spPr>
         <p:txBody>
-          <a:bodyPr spcFirstLastPara="1" wrap="square" lIns="91425" tIns="91425" rIns="91425" bIns="91425" anchor="ctr" anchorCtr="0">
+          <a:bodyPr anchorCtr="0" anchor="ctr" bIns="91425" lIns="91425" spcFirstLastPara="1" rIns="91425" wrap="square" tIns="91425">
             <a:noAutofit/>
           </a:bodyPr>
           <a:lstStyle/>
           <a:p>
-            <a:pPr marL="0" lvl="0" indent="0" algn="l" rtl="0">
+            <a:pPr indent="0" lvl="0" marL="0" rtl="0" algn="l">
               <a:spcBef>
                 <a:spcPts val="0"/>
               </a:spcBef>
@@ -6621,6 +6459,9 @@
               </a:spcAft>
               <a:buNone/>
             </a:pPr>
+            <a:r>
+              <a:t/>
+            </a:r>
             <a:endParaRPr/>
           </a:p>
         </p:txBody>
@@ -6645,12 +6486,12 @@
           </a:ln>
         </p:spPr>
         <p:txBody>
-          <a:bodyPr spcFirstLastPara="1" wrap="square" lIns="91425" tIns="91425" rIns="91425" bIns="91425" anchor="b" anchorCtr="0">
-            <a:noAutofit/>
+          <a:bodyPr anchorCtr="0" anchor="b" bIns="91425" lIns="91425" spcFirstLastPara="1" rIns="91425" wrap="square" tIns="91425">
+            <a:normAutofit/>
           </a:bodyPr>
           <a:lstStyle/>
           <a:p>
-            <a:pPr marL="0" lvl="0" indent="0" algn="ctr" rtl="0">
+            <a:pPr indent="0" lvl="0" marL="0" rtl="0" algn="ctr">
               <a:spcBef>
                 <a:spcPts val="0"/>
               </a:spcBef>
@@ -6700,12 +6541,12 @@
           </a:ln>
         </p:spPr>
         <p:txBody>
-          <a:bodyPr spcFirstLastPara="1" wrap="square" lIns="91425" tIns="91425" rIns="91425" bIns="91425" anchor="t" anchorCtr="0">
+          <a:bodyPr anchorCtr="0" anchor="t" bIns="91425" lIns="91425" spcFirstLastPara="1" rIns="91425" wrap="square" tIns="91425">
             <a:noAutofit/>
           </a:bodyPr>
           <a:lstStyle/>
           <a:p>
-            <a:pPr marL="0" lvl="0" indent="0" algn="ctr" rtl="0">
+            <a:pPr indent="0" lvl="0" marL="0" rtl="0" algn="ctr">
               <a:spcBef>
                 <a:spcPts val="0"/>
               </a:spcBef>
@@ -6751,7 +6592,7 @@
           </a:xfrm>
           <a:prstGeom prst="donut">
             <a:avLst>
-              <a:gd name="adj" fmla="val 25000"/>
+              <a:gd fmla="val 25000" name="adj"/>
             </a:avLst>
           </a:prstGeom>
           <a:solidFill>
@@ -6762,12 +6603,12 @@
           </a:ln>
         </p:spPr>
         <p:txBody>
-          <a:bodyPr spcFirstLastPara="1" wrap="square" lIns="91425" tIns="91425" rIns="91425" bIns="91425" anchor="ctr" anchorCtr="0">
+          <a:bodyPr anchorCtr="0" anchor="ctr" bIns="91425" lIns="91425" spcFirstLastPara="1" rIns="91425" wrap="square" tIns="91425">
             <a:noAutofit/>
           </a:bodyPr>
           <a:lstStyle/>
           <a:p>
-            <a:pPr marL="0" lvl="0" indent="0" algn="l" rtl="0">
+            <a:pPr indent="0" lvl="0" marL="0" rtl="0" algn="l">
               <a:spcBef>
                 <a:spcPts val="0"/>
               </a:spcBef>
@@ -6776,6 +6617,9 @@
               </a:spcAft>
               <a:buNone/>
             </a:pPr>
+            <a:r>
+              <a:t/>
+            </a:r>
             <a:endParaRPr/>
           </a:p>
         </p:txBody>
@@ -6789,11 +6633,11 @@
 </file>
 
 <file path=ppt/slides/slide10.xml><?xml version="1.0" encoding="utf-8"?>
-<p:sld xmlns:a="http://schemas.openxmlformats.org/drawingml/2006/main" xmlns:r="http://schemas.openxmlformats.org/officeDocument/2006/relationships" xmlns:p="http://schemas.openxmlformats.org/presentationml/2006/main">
+<p:sld xmlns:a="http://schemas.openxmlformats.org/drawingml/2006/main" xmlns:r="http://schemas.openxmlformats.org/officeDocument/2006/relationships" xmlns:mc="http://schemas.openxmlformats.org/markup-compatibility/2006" xmlns:mv="urn:schemas-microsoft-com:mac:vml" xmlns:p="http://schemas.openxmlformats.org/presentationml/2006/main" xmlns:c="http://schemas.openxmlformats.org/drawingml/2006/chart" xmlns:dgm="http://schemas.openxmlformats.org/drawingml/2006/diagram" xmlns:o="urn:schemas-microsoft-com:office:office" xmlns:v="urn:schemas-microsoft-com:vml" xmlns:pvml="urn:schemas-microsoft-com:office:powerpoint" xmlns:com="http://schemas.openxmlformats.org/drawingml/2006/compatibility" xmlns:p14="http://schemas.microsoft.com/office/powerpoint/2010/main" xmlns:p15="http://schemas.microsoft.com/office/powerpoint/2012/main" xmlns:ahyp="http://schemas.microsoft.com/office/drawing/2018/hyperlinkcolor">
   <p:cSld>
     <p:spTree>
       <p:nvGrpSpPr>
-        <p:cNvPr id="1" name="Shape 159"/>
+        <p:cNvPr id="159" name="Shape 159"/>
         <p:cNvGrpSpPr/>
         <p:nvPr/>
       </p:nvGrpSpPr>
@@ -6818,7 +6662,7 @@
           </a:xfrm>
           <a:prstGeom prst="donut">
             <a:avLst>
-              <a:gd name="adj" fmla="val 25000"/>
+              <a:gd fmla="val 25000" name="adj"/>
             </a:avLst>
           </a:prstGeom>
           <a:solidFill>
@@ -6829,12 +6673,12 @@
           </a:ln>
         </p:spPr>
         <p:txBody>
-          <a:bodyPr spcFirstLastPara="1" wrap="square" lIns="91425" tIns="91425" rIns="91425" bIns="91425" anchor="ctr" anchorCtr="0">
+          <a:bodyPr anchorCtr="0" anchor="ctr" bIns="91425" lIns="91425" spcFirstLastPara="1" rIns="91425" wrap="square" tIns="91425">
             <a:noAutofit/>
           </a:bodyPr>
           <a:lstStyle/>
           <a:p>
-            <a:pPr marL="0" lvl="0" indent="0" algn="l" rtl="0">
+            <a:pPr indent="0" lvl="0" marL="0" rtl="0" algn="l">
               <a:spcBef>
                 <a:spcPts val="0"/>
               </a:spcBef>
@@ -6843,6 +6687,9 @@
               </a:spcAft>
               <a:buNone/>
             </a:pPr>
+            <a:r>
+              <a:t/>
+            </a:r>
             <a:endParaRPr/>
           </a:p>
         </p:txBody>
@@ -6860,7 +6707,7 @@
           </a:xfrm>
           <a:prstGeom prst="diagStripe">
             <a:avLst>
-              <a:gd name="adj" fmla="val 50000"/>
+              <a:gd fmla="val 50000" name="adj"/>
             </a:avLst>
           </a:prstGeom>
           <a:solidFill>
@@ -6871,12 +6718,12 @@
           </a:ln>
         </p:spPr>
         <p:txBody>
-          <a:bodyPr spcFirstLastPara="1" wrap="square" lIns="91425" tIns="91425" rIns="91425" bIns="91425" anchor="ctr" anchorCtr="0">
+          <a:bodyPr anchorCtr="0" anchor="ctr" bIns="91425" lIns="91425" spcFirstLastPara="1" rIns="91425" wrap="square" tIns="91425">
             <a:noAutofit/>
           </a:bodyPr>
           <a:lstStyle/>
           <a:p>
-            <a:pPr marL="0" lvl="0" indent="0" algn="l" rtl="0">
+            <a:pPr indent="0" lvl="0" marL="0" rtl="0" algn="l">
               <a:spcBef>
                 <a:spcPts val="0"/>
               </a:spcBef>
@@ -6885,6 +6732,9 @@
               </a:spcAft>
               <a:buNone/>
             </a:pPr>
+            <a:r>
+              <a:t/>
+            </a:r>
             <a:endParaRPr/>
           </a:p>
         </p:txBody>
@@ -6902,7 +6752,7 @@
           </a:xfrm>
           <a:prstGeom prst="diagStripe">
             <a:avLst>
-              <a:gd name="adj" fmla="val 50000"/>
+              <a:gd fmla="val 50000" name="adj"/>
             </a:avLst>
           </a:prstGeom>
           <a:solidFill>
@@ -6913,12 +6763,12 @@
           </a:ln>
         </p:spPr>
         <p:txBody>
-          <a:bodyPr spcFirstLastPara="1" wrap="square" lIns="91425" tIns="91425" rIns="91425" bIns="91425" anchor="ctr" anchorCtr="0">
+          <a:bodyPr anchorCtr="0" anchor="ctr" bIns="91425" lIns="91425" spcFirstLastPara="1" rIns="91425" wrap="square" tIns="91425">
             <a:noAutofit/>
           </a:bodyPr>
           <a:lstStyle/>
           <a:p>
-            <a:pPr marL="0" lvl="0" indent="0" algn="l" rtl="0">
+            <a:pPr indent="0" lvl="0" marL="0" rtl="0" algn="l">
               <a:spcBef>
                 <a:spcPts val="0"/>
               </a:spcBef>
@@ -6927,6 +6777,9 @@
               </a:spcAft>
               <a:buNone/>
             </a:pPr>
+            <a:r>
+              <a:t/>
+            </a:r>
             <a:endParaRPr/>
           </a:p>
         </p:txBody>
@@ -6944,7 +6797,7 @@
           </a:xfrm>
           <a:prstGeom prst="diagStripe">
             <a:avLst>
-              <a:gd name="adj" fmla="val 50000"/>
+              <a:gd fmla="val 50000" name="adj"/>
             </a:avLst>
           </a:prstGeom>
           <a:solidFill>
@@ -6955,12 +6808,12 @@
           </a:ln>
         </p:spPr>
         <p:txBody>
-          <a:bodyPr spcFirstLastPara="1" wrap="square" lIns="91425" tIns="91425" rIns="91425" bIns="91425" anchor="ctr" anchorCtr="0">
+          <a:bodyPr anchorCtr="0" anchor="ctr" bIns="91425" lIns="91425" spcFirstLastPara="1" rIns="91425" wrap="square" tIns="91425">
             <a:noAutofit/>
           </a:bodyPr>
           <a:lstStyle/>
           <a:p>
-            <a:pPr marL="0" lvl="0" indent="0" algn="l" rtl="0">
+            <a:pPr indent="0" lvl="0" marL="0" rtl="0" algn="l">
               <a:spcBef>
                 <a:spcPts val="0"/>
               </a:spcBef>
@@ -6969,6 +6822,9 @@
               </a:spcAft>
               <a:buNone/>
             </a:pPr>
+            <a:r>
+              <a:t/>
+            </a:r>
             <a:endParaRPr/>
           </a:p>
         </p:txBody>
@@ -6993,12 +6849,12 @@
           </a:ln>
         </p:spPr>
         <p:txBody>
-          <a:bodyPr spcFirstLastPara="1" wrap="square" lIns="91425" tIns="91425" rIns="91425" bIns="91425" anchor="b" anchorCtr="0">
-            <a:noAutofit/>
+          <a:bodyPr anchorCtr="0" anchor="b" bIns="91425" lIns="91425" spcFirstLastPara="1" rIns="91425" wrap="square" tIns="91425">
+            <a:normAutofit/>
           </a:bodyPr>
           <a:lstStyle/>
           <a:p>
-            <a:pPr marL="0" lvl="0" indent="0" algn="ctr" rtl="0">
+            <a:pPr indent="0" lvl="0" marL="0" rtl="0" algn="ctr">
               <a:spcBef>
                 <a:spcPts val="0"/>
               </a:spcBef>
@@ -7048,12 +6904,12 @@
           </a:ln>
         </p:spPr>
         <p:txBody>
-          <a:bodyPr spcFirstLastPara="1" wrap="square" lIns="91425" tIns="91425" rIns="91425" bIns="91425" anchor="t" anchorCtr="0">
+          <a:bodyPr anchorCtr="0" anchor="t" bIns="91425" lIns="91425" spcFirstLastPara="1" rIns="91425" wrap="square" tIns="91425">
             <a:noAutofit/>
           </a:bodyPr>
           <a:lstStyle/>
           <a:p>
-            <a:pPr marL="0" lvl="0" indent="0" algn="l" rtl="0">
+            <a:pPr indent="0" lvl="0" marL="0" rtl="0" algn="l">
               <a:lnSpc>
                 <a:spcPct val="115000"/>
               </a:lnSpc>
@@ -7065,6 +6921,9 @@
               </a:spcAft>
               <a:buNone/>
             </a:pPr>
+            <a:r>
+              <a:t/>
+            </a:r>
             <a:endParaRPr>
               <a:solidFill>
                 <a:srgbClr val="595959"/>
@@ -7086,11 +6945,11 @@
 </file>
 
 <file path=ppt/slides/slide2.xml><?xml version="1.0" encoding="utf-8"?>
-<p:sld xmlns:a="http://schemas.openxmlformats.org/drawingml/2006/main" xmlns:r="http://schemas.openxmlformats.org/officeDocument/2006/relationships" xmlns:p="http://schemas.openxmlformats.org/presentationml/2006/main">
+<p:sld xmlns:a="http://schemas.openxmlformats.org/drawingml/2006/main" xmlns:r="http://schemas.openxmlformats.org/officeDocument/2006/relationships" xmlns:mc="http://schemas.openxmlformats.org/markup-compatibility/2006" xmlns:mv="urn:schemas-microsoft-com:mac:vml" xmlns:p="http://schemas.openxmlformats.org/presentationml/2006/main" xmlns:c="http://schemas.openxmlformats.org/drawingml/2006/chart" xmlns:dgm="http://schemas.openxmlformats.org/drawingml/2006/diagram" xmlns:o="urn:schemas-microsoft-com:office:office" xmlns:v="urn:schemas-microsoft-com:vml" xmlns:pvml="urn:schemas-microsoft-com:office:powerpoint" xmlns:com="http://schemas.openxmlformats.org/drawingml/2006/compatibility" xmlns:p14="http://schemas.microsoft.com/office/powerpoint/2010/main" xmlns:p15="http://schemas.microsoft.com/office/powerpoint/2012/main" xmlns:ahyp="http://schemas.microsoft.com/office/drawing/2018/hyperlinkcolor">
   <p:cSld>
     <p:spTree>
       <p:nvGrpSpPr>
-        <p:cNvPr id="1" name="Shape 62"/>
+        <p:cNvPr id="62" name="Shape 62"/>
         <p:cNvGrpSpPr/>
         <p:nvPr/>
       </p:nvGrpSpPr>
@@ -7124,12 +6983,12 @@
           </a:ln>
         </p:spPr>
         <p:txBody>
-          <a:bodyPr spcFirstLastPara="1" wrap="square" lIns="91425" tIns="91425" rIns="91425" bIns="91425" anchor="ctr" anchorCtr="0">
+          <a:bodyPr anchorCtr="0" anchor="ctr" bIns="91425" lIns="91425" spcFirstLastPara="1" rIns="91425" wrap="square" tIns="91425">
             <a:noAutofit/>
           </a:bodyPr>
           <a:lstStyle/>
           <a:p>
-            <a:pPr marL="0" lvl="0" indent="0" algn="l" rtl="0">
+            <a:pPr indent="0" lvl="0" marL="0" rtl="0" algn="l">
               <a:spcBef>
                 <a:spcPts val="0"/>
               </a:spcBef>
@@ -7138,6 +6997,9 @@
               </a:spcAft>
               <a:buNone/>
             </a:pPr>
+            <a:r>
+              <a:t/>
+            </a:r>
             <a:endParaRPr/>
           </a:p>
         </p:txBody>
@@ -7164,12 +7026,12 @@
           </a:ln>
         </p:spPr>
         <p:txBody>
-          <a:bodyPr spcFirstLastPara="1" wrap="square" lIns="91425" tIns="91425" rIns="91425" bIns="91425" anchor="ctr" anchorCtr="0">
+          <a:bodyPr anchorCtr="0" anchor="ctr" bIns="91425" lIns="91425" spcFirstLastPara="1" rIns="91425" wrap="square" tIns="91425">
             <a:noAutofit/>
           </a:bodyPr>
           <a:lstStyle/>
           <a:p>
-            <a:pPr marL="0" lvl="0" indent="0" algn="l" rtl="0">
+            <a:pPr indent="0" lvl="0" marL="0" rtl="0" algn="l">
               <a:spcBef>
                 <a:spcPts val="0"/>
               </a:spcBef>
@@ -7178,6 +7040,9 @@
               </a:spcAft>
               <a:buNone/>
             </a:pPr>
+            <a:r>
+              <a:t/>
+            </a:r>
             <a:endParaRPr/>
           </a:p>
         </p:txBody>
@@ -7202,12 +7067,12 @@
           </a:ln>
         </p:spPr>
         <p:txBody>
-          <a:bodyPr spcFirstLastPara="1" wrap="square" lIns="91425" tIns="91425" rIns="91425" bIns="91425" anchor="t" anchorCtr="0">
-            <a:noAutofit/>
+          <a:bodyPr anchorCtr="0" anchor="t" bIns="91425" lIns="91425" spcFirstLastPara="1" rIns="91425" wrap="square" tIns="91425">
+            <a:normAutofit lnSpcReduction="10000"/>
           </a:bodyPr>
           <a:lstStyle/>
           <a:p>
-            <a:pPr marL="0" lvl="0" indent="0" algn="l" rtl="0">
+            <a:pPr indent="0" lvl="0" marL="0" rtl="0" algn="l">
               <a:spcBef>
                 <a:spcPts val="0"/>
               </a:spcBef>
@@ -7246,7 +7111,7 @@
         <p:spPr>
           <a:xfrm>
             <a:off x="311700" y="1152475"/>
-            <a:ext cx="7422525" cy="3416400"/>
+            <a:ext cx="8520600" cy="3416400"/>
           </a:xfrm>
           <a:prstGeom prst="rect">
             <a:avLst/>
@@ -7257,12 +7122,12 @@
           </a:ln>
         </p:spPr>
         <p:txBody>
-          <a:bodyPr spcFirstLastPara="1" wrap="square" lIns="91425" tIns="91425" rIns="91425" bIns="91425" anchor="t" anchorCtr="0">
+          <a:bodyPr anchorCtr="0" anchor="t" bIns="91425" lIns="91425" spcFirstLastPara="1" rIns="91425" wrap="square" tIns="91425">
             <a:noAutofit/>
           </a:bodyPr>
           <a:lstStyle/>
           <a:p>
-            <a:pPr marL="0" lvl="0" indent="0" algn="l" rtl="0">
+            <a:pPr indent="0" lvl="0" marL="0" rtl="0" algn="l">
               <a:lnSpc>
                 <a:spcPct val="115000"/>
               </a:lnSpc>
@@ -7320,12 +7185,12 @@
           </a:ln>
         </p:spPr>
         <p:txBody>
-          <a:bodyPr spcFirstLastPara="1" wrap="square" lIns="91425" tIns="91425" rIns="91425" bIns="91425" anchor="ctr" anchorCtr="0">
+          <a:bodyPr anchorCtr="0" anchor="ctr" bIns="91425" lIns="91425" spcFirstLastPara="1" rIns="91425" wrap="square" tIns="91425">
             <a:noAutofit/>
           </a:bodyPr>
           <a:lstStyle/>
           <a:p>
-            <a:pPr marL="0" lvl="0" indent="0" algn="l" rtl="0">
+            <a:pPr indent="0" lvl="0" marL="0" rtl="0" algn="l">
               <a:spcBef>
                 <a:spcPts val="0"/>
               </a:spcBef>
@@ -7334,6 +7199,9 @@
               </a:spcAft>
               <a:buNone/>
             </a:pPr>
+            <a:r>
+              <a:t/>
+            </a:r>
             <a:endParaRPr/>
           </a:p>
         </p:txBody>
@@ -7360,12 +7228,12 @@
           </a:ln>
         </p:spPr>
         <p:txBody>
-          <a:bodyPr spcFirstLastPara="1" wrap="square" lIns="91425" tIns="91425" rIns="91425" bIns="91425" anchor="ctr" anchorCtr="0">
+          <a:bodyPr anchorCtr="0" anchor="ctr" bIns="91425" lIns="91425" spcFirstLastPara="1" rIns="91425" wrap="square" tIns="91425">
             <a:noAutofit/>
           </a:bodyPr>
           <a:lstStyle/>
           <a:p>
-            <a:pPr marL="0" lvl="0" indent="0" algn="l" rtl="0">
+            <a:pPr indent="0" lvl="0" marL="0" rtl="0" algn="l">
               <a:spcBef>
                 <a:spcPts val="0"/>
               </a:spcBef>
@@ -7374,6 +7242,9 @@
               </a:spcAft>
               <a:buNone/>
             </a:pPr>
+            <a:r>
+              <a:t/>
+            </a:r>
             <a:endParaRPr/>
           </a:p>
         </p:txBody>
@@ -7387,11 +7258,11 @@
 </file>
 
 <file path=ppt/slides/slide3.xml><?xml version="1.0" encoding="utf-8"?>
-<p:sld xmlns:a="http://schemas.openxmlformats.org/drawingml/2006/main" xmlns:r="http://schemas.openxmlformats.org/officeDocument/2006/relationships" xmlns:p="http://schemas.openxmlformats.org/presentationml/2006/main">
+<p:sld xmlns:a="http://schemas.openxmlformats.org/drawingml/2006/main" xmlns:r="http://schemas.openxmlformats.org/officeDocument/2006/relationships" xmlns:mc="http://schemas.openxmlformats.org/markup-compatibility/2006" xmlns:mv="urn:schemas-microsoft-com:mac:vml" xmlns:p="http://schemas.openxmlformats.org/presentationml/2006/main" xmlns:c="http://schemas.openxmlformats.org/drawingml/2006/chart" xmlns:dgm="http://schemas.openxmlformats.org/drawingml/2006/diagram" xmlns:o="urn:schemas-microsoft-com:office:office" xmlns:v="urn:schemas-microsoft-com:vml" xmlns:pvml="urn:schemas-microsoft-com:office:powerpoint" xmlns:com="http://schemas.openxmlformats.org/drawingml/2006/compatibility" xmlns:p14="http://schemas.microsoft.com/office/powerpoint/2010/main" xmlns:p15="http://schemas.microsoft.com/office/powerpoint/2012/main" xmlns:ahyp="http://schemas.microsoft.com/office/drawing/2018/hyperlinkcolor">
   <p:cSld>
     <p:spTree>
       <p:nvGrpSpPr>
-        <p:cNvPr id="1" name="Shape 72"/>
+        <p:cNvPr id="72" name="Shape 72"/>
         <p:cNvGrpSpPr/>
         <p:nvPr/>
       </p:nvGrpSpPr>
@@ -7425,12 +7296,12 @@
           </a:ln>
         </p:spPr>
         <p:txBody>
-          <a:bodyPr spcFirstLastPara="1" wrap="square" lIns="91425" tIns="91425" rIns="91425" bIns="91425" anchor="ctr" anchorCtr="0">
+          <a:bodyPr anchorCtr="0" anchor="ctr" bIns="91425" lIns="91425" spcFirstLastPara="1" rIns="91425" wrap="square" tIns="91425">
             <a:noAutofit/>
           </a:bodyPr>
           <a:lstStyle/>
           <a:p>
-            <a:pPr marL="0" lvl="0" indent="0" algn="l" rtl="0">
+            <a:pPr indent="0" lvl="0" marL="0" rtl="0" algn="l">
               <a:spcBef>
                 <a:spcPts val="0"/>
               </a:spcBef>
@@ -7439,6 +7310,9 @@
               </a:spcAft>
               <a:buNone/>
             </a:pPr>
+            <a:r>
+              <a:t/>
+            </a:r>
             <a:endParaRPr/>
           </a:p>
         </p:txBody>
@@ -7465,12 +7339,12 @@
           </a:ln>
         </p:spPr>
         <p:txBody>
-          <a:bodyPr spcFirstLastPara="1" wrap="square" lIns="91425" tIns="91425" rIns="91425" bIns="91425" anchor="ctr" anchorCtr="0">
+          <a:bodyPr anchorCtr="0" anchor="ctr" bIns="91425" lIns="91425" spcFirstLastPara="1" rIns="91425" wrap="square" tIns="91425">
             <a:noAutofit/>
           </a:bodyPr>
           <a:lstStyle/>
           <a:p>
-            <a:pPr marL="0" lvl="0" indent="0" algn="l" rtl="0">
+            <a:pPr indent="0" lvl="0" marL="0" rtl="0" algn="l">
               <a:spcBef>
                 <a:spcPts val="0"/>
               </a:spcBef>
@@ -7479,6 +7353,9 @@
               </a:spcAft>
               <a:buNone/>
             </a:pPr>
+            <a:r>
+              <a:t/>
+            </a:r>
             <a:endParaRPr/>
           </a:p>
         </p:txBody>
@@ -7505,12 +7382,12 @@
           </a:ln>
         </p:spPr>
         <p:txBody>
-          <a:bodyPr spcFirstLastPara="1" wrap="square" lIns="91425" tIns="91425" rIns="91425" bIns="91425" anchor="ctr" anchorCtr="0">
+          <a:bodyPr anchorCtr="0" anchor="ctr" bIns="91425" lIns="91425" spcFirstLastPara="1" rIns="91425" wrap="square" tIns="91425">
             <a:noAutofit/>
           </a:bodyPr>
           <a:lstStyle/>
           <a:p>
-            <a:pPr marL="0" lvl="0" indent="0" algn="l" rtl="0">
+            <a:pPr indent="0" lvl="0" marL="0" rtl="0" algn="l">
               <a:spcBef>
                 <a:spcPts val="0"/>
               </a:spcBef>
@@ -7519,6 +7396,9 @@
               </a:spcAft>
               <a:buNone/>
             </a:pPr>
+            <a:r>
+              <a:t/>
+            </a:r>
             <a:endParaRPr/>
           </a:p>
         </p:txBody>
@@ -7545,12 +7425,12 @@
           </a:ln>
         </p:spPr>
         <p:txBody>
-          <a:bodyPr spcFirstLastPara="1" wrap="square" lIns="91425" tIns="91425" rIns="91425" bIns="91425" anchor="ctr" anchorCtr="0">
+          <a:bodyPr anchorCtr="0" anchor="ctr" bIns="91425" lIns="91425" spcFirstLastPara="1" rIns="91425" wrap="square" tIns="91425">
             <a:noAutofit/>
           </a:bodyPr>
           <a:lstStyle/>
           <a:p>
-            <a:pPr marL="0" lvl="0" indent="0" algn="l" rtl="0">
+            <a:pPr indent="0" lvl="0" marL="0" rtl="0" algn="l">
               <a:spcBef>
                 <a:spcPts val="0"/>
               </a:spcBef>
@@ -7559,6 +7439,9 @@
               </a:spcAft>
               <a:buNone/>
             </a:pPr>
+            <a:r>
+              <a:t/>
+            </a:r>
             <a:endParaRPr/>
           </a:p>
         </p:txBody>
@@ -7583,12 +7466,12 @@
           </a:ln>
         </p:spPr>
         <p:txBody>
-          <a:bodyPr spcFirstLastPara="1" wrap="square" lIns="91425" tIns="91425" rIns="91425" bIns="91425" anchor="t" anchorCtr="0">
-            <a:noAutofit/>
+          <a:bodyPr anchorCtr="0" anchor="t" bIns="91425" lIns="91425" spcFirstLastPara="1" rIns="91425" wrap="square" tIns="91425">
+            <a:normAutofit lnSpcReduction="10000"/>
           </a:bodyPr>
           <a:lstStyle/>
           <a:p>
-            <a:pPr marL="0" lvl="0" indent="0" algn="l" rtl="0">
+            <a:pPr indent="0" lvl="0" marL="0" rtl="0" algn="l">
               <a:spcBef>
                 <a:spcPts val="0"/>
               </a:spcBef>
@@ -7626,8 +7509,8 @@
         </p:nvSpPr>
         <p:spPr>
           <a:xfrm>
-            <a:off x="311699" y="1152475"/>
-            <a:ext cx="3545925" cy="3416400"/>
+            <a:off x="311700" y="1152475"/>
+            <a:ext cx="3999900" cy="3416400"/>
           </a:xfrm>
           <a:prstGeom prst="rect">
             <a:avLst/>
@@ -7638,12 +7521,12 @@
           </a:ln>
         </p:spPr>
         <p:txBody>
-          <a:bodyPr spcFirstLastPara="1" wrap="square" lIns="91425" tIns="91425" rIns="91425" bIns="91425" anchor="t" anchorCtr="0">
+          <a:bodyPr anchorCtr="0" anchor="t" bIns="91425" lIns="91425" spcFirstLastPara="1" rIns="91425" wrap="square" tIns="91425">
             <a:noAutofit/>
           </a:bodyPr>
           <a:lstStyle/>
           <a:p>
-            <a:pPr marL="0" lvl="0" indent="0" algn="l" rtl="0">
+            <a:pPr indent="0" lvl="0" marL="0" rtl="0" algn="l">
               <a:lnSpc>
                 <a:spcPct val="115000"/>
               </a:lnSpc>
@@ -7656,7 +7539,7 @@
               <a:buNone/>
             </a:pPr>
             <a:r>
-              <a:rPr lang="en" dirty="0">
+              <a:rPr lang="en">
                 <a:solidFill>
                   <a:srgbClr val="595959"/>
                 </a:solidFill>
@@ -7667,7 +7550,7 @@
               </a:rPr>
               <a:t>$text.leftbox</a:t>
             </a:r>
-            <a:endParaRPr dirty="0">
+            <a:endParaRPr>
               <a:solidFill>
                 <a:srgbClr val="595959"/>
               </a:solidFill>
@@ -7687,8 +7570,8 @@
         </p:nvSpPr>
         <p:spPr>
           <a:xfrm>
-            <a:off x="4572000" y="1152475"/>
-            <a:ext cx="3082875" cy="3416400"/>
+            <a:off x="4832400" y="1152475"/>
+            <a:ext cx="3999900" cy="3416400"/>
           </a:xfrm>
           <a:prstGeom prst="rect">
             <a:avLst/>
@@ -7699,12 +7582,12 @@
           </a:ln>
         </p:spPr>
         <p:txBody>
-          <a:bodyPr spcFirstLastPara="1" wrap="square" lIns="91425" tIns="91425" rIns="91425" bIns="91425" anchor="t" anchorCtr="0">
+          <a:bodyPr anchorCtr="0" anchor="t" bIns="91425" lIns="91425" spcFirstLastPara="1" rIns="91425" wrap="square" tIns="91425">
             <a:noAutofit/>
           </a:bodyPr>
           <a:lstStyle/>
           <a:p>
-            <a:pPr marL="0" lvl="0" indent="0" algn="l" rtl="0">
+            <a:pPr indent="0" lvl="0" marL="0" rtl="0" algn="l">
               <a:lnSpc>
                 <a:spcPct val="115000"/>
               </a:lnSpc>
@@ -7717,7 +7600,7 @@
               <a:buNone/>
             </a:pPr>
             <a:r>
-              <a:rPr lang="en" dirty="0">
+              <a:rPr lang="en">
                 <a:solidFill>
                   <a:schemeClr val="dk2"/>
                 </a:solidFill>
@@ -7728,7 +7611,7 @@
               </a:rPr>
               <a:t>$text.rightbox</a:t>
             </a:r>
-            <a:endParaRPr dirty="0">
+            <a:endParaRPr>
               <a:solidFill>
                 <a:srgbClr val="595959"/>
               </a:solidFill>
@@ -7749,11 +7632,11 @@
 </file>
 
 <file path=ppt/slides/slide4.xml><?xml version="1.0" encoding="utf-8"?>
-<p:sld xmlns:a="http://schemas.openxmlformats.org/drawingml/2006/main" xmlns:r="http://schemas.openxmlformats.org/officeDocument/2006/relationships" xmlns:p="http://schemas.openxmlformats.org/presentationml/2006/main">
+<p:sld xmlns:a="http://schemas.openxmlformats.org/drawingml/2006/main" xmlns:r="http://schemas.openxmlformats.org/officeDocument/2006/relationships" xmlns:mc="http://schemas.openxmlformats.org/markup-compatibility/2006" xmlns:mv="urn:schemas-microsoft-com:mac:vml" xmlns:p="http://schemas.openxmlformats.org/presentationml/2006/main" xmlns:c="http://schemas.openxmlformats.org/drawingml/2006/chart" xmlns:dgm="http://schemas.openxmlformats.org/drawingml/2006/diagram" xmlns:o="urn:schemas-microsoft-com:office:office" xmlns:v="urn:schemas-microsoft-com:vml" xmlns:pvml="urn:schemas-microsoft-com:office:powerpoint" xmlns:com="http://schemas.openxmlformats.org/drawingml/2006/compatibility" xmlns:p14="http://schemas.microsoft.com/office/powerpoint/2010/main" xmlns:p15="http://schemas.microsoft.com/office/powerpoint/2012/main" xmlns:ahyp="http://schemas.microsoft.com/office/drawing/2018/hyperlinkcolor">
   <p:cSld>
     <p:spTree>
       <p:nvGrpSpPr>
-        <p:cNvPr id="1" name="Shape 83"/>
+        <p:cNvPr id="83" name="Shape 83"/>
         <p:cNvGrpSpPr/>
         <p:nvPr/>
       </p:nvGrpSpPr>
@@ -7778,7 +7661,7 @@
           </a:xfrm>
           <a:prstGeom prst="donut">
             <a:avLst>
-              <a:gd name="adj" fmla="val 25000"/>
+              <a:gd fmla="val 25000" name="adj"/>
             </a:avLst>
           </a:prstGeom>
           <a:solidFill>
@@ -7789,12 +7672,12 @@
           </a:ln>
         </p:spPr>
         <p:txBody>
-          <a:bodyPr spcFirstLastPara="1" wrap="square" lIns="91425" tIns="91425" rIns="91425" bIns="91425" anchor="ctr" anchorCtr="0">
+          <a:bodyPr anchorCtr="0" anchor="ctr" bIns="91425" lIns="91425" spcFirstLastPara="1" rIns="91425" wrap="square" tIns="91425">
             <a:noAutofit/>
           </a:bodyPr>
           <a:lstStyle/>
           <a:p>
-            <a:pPr marL="0" lvl="0" indent="0" algn="l" rtl="0">
+            <a:pPr indent="0" lvl="0" marL="0" rtl="0" algn="l">
               <a:spcBef>
                 <a:spcPts val="0"/>
               </a:spcBef>
@@ -7803,6 +7686,9 @@
               </a:spcAft>
               <a:buNone/>
             </a:pPr>
+            <a:r>
+              <a:t/>
+            </a:r>
             <a:endParaRPr/>
           </a:p>
         </p:txBody>
@@ -7820,7 +7706,7 @@
           </a:xfrm>
           <a:prstGeom prst="diagStripe">
             <a:avLst>
-              <a:gd name="adj" fmla="val 50000"/>
+              <a:gd fmla="val 50000" name="adj"/>
             </a:avLst>
           </a:prstGeom>
           <a:solidFill>
@@ -7831,12 +7717,12 @@
           </a:ln>
         </p:spPr>
         <p:txBody>
-          <a:bodyPr spcFirstLastPara="1" wrap="square" lIns="91425" tIns="91425" rIns="91425" bIns="91425" anchor="ctr" anchorCtr="0">
+          <a:bodyPr anchorCtr="0" anchor="ctr" bIns="91425" lIns="91425" spcFirstLastPara="1" rIns="91425" wrap="square" tIns="91425">
             <a:noAutofit/>
           </a:bodyPr>
           <a:lstStyle/>
           <a:p>
-            <a:pPr marL="0" lvl="0" indent="0" algn="l" rtl="0">
+            <a:pPr indent="0" lvl="0" marL="0" rtl="0" algn="l">
               <a:spcBef>
                 <a:spcPts val="0"/>
               </a:spcBef>
@@ -7845,6 +7731,9 @@
               </a:spcAft>
               <a:buNone/>
             </a:pPr>
+            <a:r>
+              <a:t/>
+            </a:r>
             <a:endParaRPr/>
           </a:p>
         </p:txBody>
@@ -7862,7 +7751,7 @@
           </a:xfrm>
           <a:prstGeom prst="diagStripe">
             <a:avLst>
-              <a:gd name="adj" fmla="val 50000"/>
+              <a:gd fmla="val 50000" name="adj"/>
             </a:avLst>
           </a:prstGeom>
           <a:solidFill>
@@ -7873,12 +7762,12 @@
           </a:ln>
         </p:spPr>
         <p:txBody>
-          <a:bodyPr spcFirstLastPara="1" wrap="square" lIns="91425" tIns="91425" rIns="91425" bIns="91425" anchor="ctr" anchorCtr="0">
+          <a:bodyPr anchorCtr="0" anchor="ctr" bIns="91425" lIns="91425" spcFirstLastPara="1" rIns="91425" wrap="square" tIns="91425">
             <a:noAutofit/>
           </a:bodyPr>
           <a:lstStyle/>
           <a:p>
-            <a:pPr marL="0" lvl="0" indent="0" algn="l" rtl="0">
+            <a:pPr indent="0" lvl="0" marL="0" rtl="0" algn="l">
               <a:spcBef>
                 <a:spcPts val="0"/>
               </a:spcBef>
@@ -7887,6 +7776,9 @@
               </a:spcAft>
               <a:buNone/>
             </a:pPr>
+            <a:r>
+              <a:t/>
+            </a:r>
             <a:endParaRPr/>
           </a:p>
         </p:txBody>
@@ -7904,7 +7796,7 @@
           </a:xfrm>
           <a:prstGeom prst="diagStripe">
             <a:avLst>
-              <a:gd name="adj" fmla="val 50000"/>
+              <a:gd fmla="val 50000" name="adj"/>
             </a:avLst>
           </a:prstGeom>
           <a:solidFill>
@@ -7915,12 +7807,12 @@
           </a:ln>
         </p:spPr>
         <p:txBody>
-          <a:bodyPr spcFirstLastPara="1" wrap="square" lIns="91425" tIns="91425" rIns="91425" bIns="91425" anchor="ctr" anchorCtr="0">
+          <a:bodyPr anchorCtr="0" anchor="ctr" bIns="91425" lIns="91425" spcFirstLastPara="1" rIns="91425" wrap="square" tIns="91425">
             <a:noAutofit/>
           </a:bodyPr>
           <a:lstStyle/>
           <a:p>
-            <a:pPr marL="0" lvl="0" indent="0" algn="l" rtl="0">
+            <a:pPr indent="0" lvl="0" marL="0" rtl="0" algn="l">
               <a:spcBef>
                 <a:spcPts val="0"/>
               </a:spcBef>
@@ -7929,6 +7821,9 @@
               </a:spcAft>
               <a:buNone/>
             </a:pPr>
+            <a:r>
+              <a:t/>
+            </a:r>
             <a:endParaRPr/>
           </a:p>
         </p:txBody>
@@ -7953,12 +7848,12 @@
           </a:ln>
         </p:spPr>
         <p:txBody>
-          <a:bodyPr spcFirstLastPara="1" wrap="square" lIns="91425" tIns="91425" rIns="91425" bIns="91425" anchor="b" anchorCtr="0">
-            <a:noAutofit/>
+          <a:bodyPr anchorCtr="0" anchor="b" bIns="91425" lIns="91425" spcFirstLastPara="1" rIns="91425" wrap="square" tIns="91425">
+            <a:normAutofit fontScale="62500"/>
           </a:bodyPr>
           <a:lstStyle/>
           <a:p>
-            <a:pPr marL="0" lvl="0" indent="0" algn="ctr" rtl="0">
+            <a:pPr indent="0" lvl="0" marL="0" rtl="0" algn="ctr">
               <a:spcBef>
                 <a:spcPts val="0"/>
               </a:spcBef>
@@ -8008,12 +7903,12 @@
           </a:ln>
         </p:spPr>
         <p:txBody>
-          <a:bodyPr spcFirstLastPara="1" wrap="square" lIns="91425" tIns="91425" rIns="91425" bIns="91425" anchor="t" anchorCtr="0">
+          <a:bodyPr anchorCtr="0" anchor="t" bIns="91425" lIns="91425" spcFirstLastPara="1" rIns="91425" wrap="square" tIns="91425">
             <a:noAutofit/>
           </a:bodyPr>
           <a:lstStyle/>
           <a:p>
-            <a:pPr marL="0" lvl="0" indent="0" algn="ctr" rtl="0">
+            <a:pPr indent="0" lvl="0" marL="0" rtl="0" algn="ctr">
               <a:lnSpc>
                 <a:spcPct val="115000"/>
               </a:lnSpc>
@@ -8058,11 +7953,11 @@
 </file>
 
 <file path=ppt/slides/slide5.xml><?xml version="1.0" encoding="utf-8"?>
-<p:sld xmlns:a="http://schemas.openxmlformats.org/drawingml/2006/main" xmlns:r="http://schemas.openxmlformats.org/officeDocument/2006/relationships" xmlns:p="http://schemas.openxmlformats.org/presentationml/2006/main">
+<p:sld xmlns:a="http://schemas.openxmlformats.org/drawingml/2006/main" xmlns:r="http://schemas.openxmlformats.org/officeDocument/2006/relationships" xmlns:mc="http://schemas.openxmlformats.org/markup-compatibility/2006" xmlns:mv="urn:schemas-microsoft-com:mac:vml" xmlns:p="http://schemas.openxmlformats.org/presentationml/2006/main" xmlns:c="http://schemas.openxmlformats.org/drawingml/2006/chart" xmlns:dgm="http://schemas.openxmlformats.org/drawingml/2006/diagram" xmlns:o="urn:schemas-microsoft-com:office:office" xmlns:v="urn:schemas-microsoft-com:vml" xmlns:pvml="urn:schemas-microsoft-com:office:powerpoint" xmlns:com="http://schemas.openxmlformats.org/drawingml/2006/compatibility" xmlns:p14="http://schemas.microsoft.com/office/powerpoint/2010/main" xmlns:p15="http://schemas.microsoft.com/office/powerpoint/2012/main" xmlns:ahyp="http://schemas.microsoft.com/office/drawing/2018/hyperlinkcolor">
   <p:cSld>
     <p:spTree>
       <p:nvGrpSpPr>
-        <p:cNvPr id="1" name="Shape 93"/>
+        <p:cNvPr id="93" name="Shape 93"/>
         <p:cNvGrpSpPr/>
         <p:nvPr/>
       </p:nvGrpSpPr>
@@ -8096,12 +7991,12 @@
           </a:ln>
         </p:spPr>
         <p:txBody>
-          <a:bodyPr spcFirstLastPara="1" wrap="square" lIns="91425" tIns="91425" rIns="91425" bIns="91425" anchor="ctr" anchorCtr="0">
+          <a:bodyPr anchorCtr="0" anchor="ctr" bIns="91425" lIns="91425" spcFirstLastPara="1" rIns="91425" wrap="square" tIns="91425">
             <a:noAutofit/>
           </a:bodyPr>
           <a:lstStyle/>
           <a:p>
-            <a:pPr marL="0" lvl="0" indent="0" algn="l" rtl="0">
+            <a:pPr indent="0" lvl="0" marL="0" rtl="0" algn="l">
               <a:spcBef>
                 <a:spcPts val="0"/>
               </a:spcBef>
@@ -8110,6 +8005,9 @@
               </a:spcAft>
               <a:buNone/>
             </a:pPr>
+            <a:r>
+              <a:t/>
+            </a:r>
             <a:endParaRPr/>
           </a:p>
         </p:txBody>
@@ -8136,12 +8034,12 @@
           </a:ln>
         </p:spPr>
         <p:txBody>
-          <a:bodyPr spcFirstLastPara="1" wrap="square" lIns="91425" tIns="91425" rIns="91425" bIns="91425" anchor="ctr" anchorCtr="0">
+          <a:bodyPr anchorCtr="0" anchor="ctr" bIns="91425" lIns="91425" spcFirstLastPara="1" rIns="91425" wrap="square" tIns="91425">
             <a:noAutofit/>
           </a:bodyPr>
           <a:lstStyle/>
           <a:p>
-            <a:pPr marL="0" lvl="0" indent="0" algn="l" rtl="0">
+            <a:pPr indent="0" lvl="0" marL="0" rtl="0" algn="l">
               <a:spcBef>
                 <a:spcPts val="0"/>
               </a:spcBef>
@@ -8150,6 +8048,9 @@
               </a:spcAft>
               <a:buNone/>
             </a:pPr>
+            <a:r>
+              <a:t/>
+            </a:r>
             <a:endParaRPr/>
           </a:p>
         </p:txBody>
@@ -8174,12 +8075,12 @@
           </a:ln>
         </p:spPr>
         <p:txBody>
-          <a:bodyPr spcFirstLastPara="1" wrap="square" lIns="91425" tIns="91425" rIns="91425" bIns="91425" anchor="ctr" anchorCtr="0">
+          <a:bodyPr anchorCtr="0" anchor="ctr" bIns="91425" lIns="91425" spcFirstLastPara="1" rIns="91425" wrap="square" tIns="91425">
             <a:noAutofit/>
           </a:bodyPr>
           <a:lstStyle/>
           <a:p>
-            <a:pPr marL="0" lvl="0" indent="0" algn="ctr" rtl="0">
+            <a:pPr indent="0" lvl="0" marL="0" rtl="0" algn="ctr">
               <a:lnSpc>
                 <a:spcPct val="115000"/>
               </a:lnSpc>
@@ -8229,12 +8130,12 @@
           </a:ln>
         </p:spPr>
         <p:txBody>
-          <a:bodyPr spcFirstLastPara="1" wrap="square" lIns="91425" tIns="91425" rIns="91425" bIns="91425" anchor="ctr" anchorCtr="0">
+          <a:bodyPr anchorCtr="0" anchor="ctr" bIns="91425" lIns="91425" spcFirstLastPara="1" rIns="91425" wrap="square" tIns="91425">
             <a:normAutofit/>
           </a:bodyPr>
           <a:lstStyle/>
           <a:p>
-            <a:pPr marL="0" lvl="0" indent="0" algn="l" rtl="0">
+            <a:pPr indent="0" lvl="0" marL="0" rtl="0" algn="l">
               <a:lnSpc>
                 <a:spcPct val="115000"/>
               </a:lnSpc>
@@ -8284,12 +8185,12 @@
           </a:ln>
         </p:spPr>
         <p:txBody>
-          <a:bodyPr spcFirstLastPara="1" wrap="square" lIns="91425" tIns="91425" rIns="91425" bIns="91425" anchor="ctr" anchorCtr="0">
+          <a:bodyPr anchorCtr="0" anchor="ctr" bIns="91425" lIns="91425" spcFirstLastPara="1" rIns="91425" wrap="square" tIns="91425">
             <a:noAutofit/>
           </a:bodyPr>
           <a:lstStyle/>
           <a:p>
-            <a:pPr marL="0" lvl="0" indent="0" algn="ctr" rtl="0">
+            <a:pPr indent="0" lvl="0" marL="0" rtl="0" algn="ctr">
               <a:lnSpc>
                 <a:spcPct val="115000"/>
               </a:lnSpc>
@@ -8339,12 +8240,12 @@
           </a:ln>
         </p:spPr>
         <p:txBody>
-          <a:bodyPr spcFirstLastPara="1" wrap="square" lIns="91425" tIns="91425" rIns="91425" bIns="91425" anchor="ctr" anchorCtr="0">
+          <a:bodyPr anchorCtr="0" anchor="ctr" bIns="91425" lIns="91425" spcFirstLastPara="1" rIns="91425" wrap="square" tIns="91425">
             <a:normAutofit/>
           </a:bodyPr>
           <a:lstStyle/>
           <a:p>
-            <a:pPr marL="0" marR="0" lvl="0" indent="0" algn="l" rtl="0">
+            <a:pPr indent="0" lvl="0" marL="0" marR="0" rtl="0" algn="l">
               <a:lnSpc>
                 <a:spcPct val="115000"/>
               </a:lnSpc>
@@ -8394,12 +8295,12 @@
           </a:ln>
         </p:spPr>
         <p:txBody>
-          <a:bodyPr spcFirstLastPara="1" wrap="square" lIns="91425" tIns="91425" rIns="91425" bIns="91425" anchor="ctr" anchorCtr="0">
+          <a:bodyPr anchorCtr="0" anchor="ctr" bIns="91425" lIns="91425" spcFirstLastPara="1" rIns="91425" wrap="square" tIns="91425">
             <a:noAutofit/>
           </a:bodyPr>
           <a:lstStyle/>
           <a:p>
-            <a:pPr marL="0" lvl="0" indent="0" algn="ctr" rtl="0">
+            <a:pPr indent="0" lvl="0" marL="0" rtl="0" algn="ctr">
               <a:lnSpc>
                 <a:spcPct val="115000"/>
               </a:lnSpc>
@@ -8449,12 +8350,12 @@
           </a:ln>
         </p:spPr>
         <p:txBody>
-          <a:bodyPr spcFirstLastPara="1" wrap="square" lIns="91425" tIns="91425" rIns="91425" bIns="91425" anchor="ctr" anchorCtr="0">
+          <a:bodyPr anchorCtr="0" anchor="ctr" bIns="91425" lIns="91425" spcFirstLastPara="1" rIns="91425" wrap="square" tIns="91425">
             <a:normAutofit/>
           </a:bodyPr>
           <a:lstStyle/>
           <a:p>
-            <a:pPr marL="0" marR="0" lvl="0" indent="0" algn="l" rtl="0">
+            <a:pPr indent="0" lvl="0" marL="0" marR="0" rtl="0" algn="l">
               <a:lnSpc>
                 <a:spcPct val="115000"/>
               </a:lnSpc>
@@ -8504,12 +8405,12 @@
           </a:ln>
         </p:spPr>
         <p:txBody>
-          <a:bodyPr spcFirstLastPara="1" wrap="square" lIns="91425" tIns="91425" rIns="91425" bIns="91425" anchor="ctr" anchorCtr="0">
+          <a:bodyPr anchorCtr="0" anchor="ctr" bIns="91425" lIns="91425" spcFirstLastPara="1" rIns="91425" wrap="square" tIns="91425">
             <a:noAutofit/>
           </a:bodyPr>
           <a:lstStyle/>
           <a:p>
-            <a:pPr marL="0" lvl="0" indent="0" algn="ctr" rtl="0">
+            <a:pPr indent="0" lvl="0" marL="0" rtl="0" algn="ctr">
               <a:lnSpc>
                 <a:spcPct val="115000"/>
               </a:lnSpc>
@@ -8559,12 +8460,12 @@
           </a:ln>
         </p:spPr>
         <p:txBody>
-          <a:bodyPr spcFirstLastPara="1" wrap="square" lIns="91425" tIns="91425" rIns="91425" bIns="91425" anchor="ctr" anchorCtr="0">
+          <a:bodyPr anchorCtr="0" anchor="ctr" bIns="91425" lIns="91425" spcFirstLastPara="1" rIns="91425" wrap="square" tIns="91425">
             <a:normAutofit/>
           </a:bodyPr>
           <a:lstStyle/>
           <a:p>
-            <a:pPr marL="0" marR="0" lvl="0" indent="0" algn="l" rtl="0">
+            <a:pPr indent="0" lvl="0" marL="0" marR="0" rtl="0" algn="l">
               <a:lnSpc>
                 <a:spcPct val="115000"/>
               </a:lnSpc>
@@ -8614,12 +8515,12 @@
           </a:ln>
         </p:spPr>
         <p:txBody>
-          <a:bodyPr spcFirstLastPara="1" wrap="square" lIns="91425" tIns="91425" rIns="91425" bIns="91425" anchor="ctr" anchorCtr="0">
+          <a:bodyPr anchorCtr="0" anchor="ctr" bIns="91425" lIns="91425" spcFirstLastPara="1" rIns="91425" wrap="square" tIns="91425">
             <a:noAutofit/>
           </a:bodyPr>
           <a:lstStyle/>
           <a:p>
-            <a:pPr marL="0" lvl="0" indent="0" algn="ctr" rtl="0">
+            <a:pPr indent="0" lvl="0" marL="0" rtl="0" algn="ctr">
               <a:lnSpc>
                 <a:spcPct val="115000"/>
               </a:lnSpc>
@@ -8669,12 +8570,12 @@
           </a:ln>
         </p:spPr>
         <p:txBody>
-          <a:bodyPr spcFirstLastPara="1" wrap="square" lIns="91425" tIns="91425" rIns="91425" bIns="91425" anchor="ctr" anchorCtr="0">
+          <a:bodyPr anchorCtr="0" anchor="ctr" bIns="91425" lIns="91425" spcFirstLastPara="1" rIns="91425" wrap="square" tIns="91425">
             <a:normAutofit/>
           </a:bodyPr>
           <a:lstStyle/>
           <a:p>
-            <a:pPr marL="0" marR="0" lvl="0" indent="0" algn="l" rtl="0">
+            <a:pPr indent="0" lvl="0" marL="0" marR="0" rtl="0" algn="l">
               <a:lnSpc>
                 <a:spcPct val="115000"/>
               </a:lnSpc>
@@ -8724,12 +8625,12 @@
           </a:ln>
         </p:spPr>
         <p:txBody>
-          <a:bodyPr spcFirstLastPara="1" wrap="square" lIns="91425" tIns="91425" rIns="91425" bIns="91425" anchor="t" anchorCtr="0">
-            <a:noAutofit/>
+          <a:bodyPr anchorCtr="0" anchor="t" bIns="91425" lIns="91425" spcFirstLastPara="1" rIns="91425" wrap="square" tIns="91425">
+            <a:normAutofit lnSpcReduction="10000"/>
           </a:bodyPr>
           <a:lstStyle/>
           <a:p>
-            <a:pPr marL="0" lvl="0" indent="0" algn="l" rtl="0">
+            <a:pPr indent="0" lvl="0" marL="0" rtl="0" algn="l">
               <a:spcBef>
                 <a:spcPts val="0"/>
               </a:spcBef>
@@ -8768,11 +8669,11 @@
 </file>
 
 <file path=ppt/slides/slide6.xml><?xml version="1.0" encoding="utf-8"?>
-<p:sld xmlns:a="http://schemas.openxmlformats.org/drawingml/2006/main" xmlns:r="http://schemas.openxmlformats.org/officeDocument/2006/relationships" xmlns:p="http://schemas.openxmlformats.org/presentationml/2006/main">
+<p:sld xmlns:a="http://schemas.openxmlformats.org/drawingml/2006/main" xmlns:r="http://schemas.openxmlformats.org/officeDocument/2006/relationships" xmlns:mc="http://schemas.openxmlformats.org/markup-compatibility/2006" xmlns:mv="urn:schemas-microsoft-com:mac:vml" xmlns:p="http://schemas.openxmlformats.org/presentationml/2006/main" xmlns:c="http://schemas.openxmlformats.org/drawingml/2006/chart" xmlns:dgm="http://schemas.openxmlformats.org/drawingml/2006/diagram" xmlns:o="urn:schemas-microsoft-com:office:office" xmlns:v="urn:schemas-microsoft-com:vml" xmlns:pvml="urn:schemas-microsoft-com:office:powerpoint" xmlns:com="http://schemas.openxmlformats.org/drawingml/2006/compatibility" xmlns:p14="http://schemas.microsoft.com/office/powerpoint/2010/main" xmlns:p15="http://schemas.microsoft.com/office/powerpoint/2012/main" xmlns:ahyp="http://schemas.microsoft.com/office/drawing/2018/hyperlinkcolor">
   <p:cSld>
     <p:spTree>
       <p:nvGrpSpPr>
-        <p:cNvPr id="1" name="Shape 110"/>
+        <p:cNvPr id="110" name="Shape 110"/>
         <p:cNvGrpSpPr/>
         <p:nvPr/>
       </p:nvGrpSpPr>
@@ -8806,12 +8707,12 @@
           </a:ln>
         </p:spPr>
         <p:txBody>
-          <a:bodyPr spcFirstLastPara="1" wrap="square" lIns="91425" tIns="91425" rIns="91425" bIns="91425" anchor="ctr" anchorCtr="0">
+          <a:bodyPr anchorCtr="0" anchor="ctr" bIns="91425" lIns="91425" spcFirstLastPara="1" rIns="91425" wrap="square" tIns="91425">
             <a:noAutofit/>
           </a:bodyPr>
           <a:lstStyle/>
           <a:p>
-            <a:pPr marL="0" lvl="0" indent="0" algn="l" rtl="0">
+            <a:pPr indent="0" lvl="0" marL="0" rtl="0" algn="l">
               <a:spcBef>
                 <a:spcPts val="0"/>
               </a:spcBef>
@@ -8820,6 +8721,9 @@
               </a:spcAft>
               <a:buNone/>
             </a:pPr>
+            <a:r>
+              <a:t/>
+            </a:r>
             <a:endParaRPr/>
           </a:p>
         </p:txBody>
@@ -8846,12 +8750,12 @@
           </a:ln>
         </p:spPr>
         <p:txBody>
-          <a:bodyPr spcFirstLastPara="1" wrap="square" lIns="91425" tIns="91425" rIns="91425" bIns="91425" anchor="ctr" anchorCtr="0">
+          <a:bodyPr anchorCtr="0" anchor="ctr" bIns="91425" lIns="91425" spcFirstLastPara="1" rIns="91425" wrap="square" tIns="91425">
             <a:noAutofit/>
           </a:bodyPr>
           <a:lstStyle/>
           <a:p>
-            <a:pPr marL="0" lvl="0" indent="0" algn="l" rtl="0">
+            <a:pPr indent="0" lvl="0" marL="0" rtl="0" algn="l">
               <a:spcBef>
                 <a:spcPts val="0"/>
               </a:spcBef>
@@ -8860,6 +8764,9 @@
               </a:spcAft>
               <a:buNone/>
             </a:pPr>
+            <a:r>
+              <a:t/>
+            </a:r>
             <a:endParaRPr/>
           </a:p>
         </p:txBody>
@@ -8884,12 +8791,12 @@
           </a:ln>
         </p:spPr>
         <p:txBody>
-          <a:bodyPr spcFirstLastPara="1" wrap="square" lIns="91425" tIns="91425" rIns="91425" bIns="91425" anchor="ctr" anchorCtr="0">
+          <a:bodyPr anchorCtr="0" anchor="ctr" bIns="91425" lIns="91425" spcFirstLastPara="1" rIns="91425" wrap="square" tIns="91425">
             <a:noAutofit/>
           </a:bodyPr>
           <a:lstStyle/>
           <a:p>
-            <a:pPr marL="0" lvl="0" indent="0" algn="ctr" rtl="0">
+            <a:pPr indent="0" lvl="0" marL="0" rtl="0" algn="ctr">
               <a:lnSpc>
                 <a:spcPct val="115000"/>
               </a:lnSpc>
@@ -8939,12 +8846,12 @@
           </a:ln>
         </p:spPr>
         <p:txBody>
-          <a:bodyPr spcFirstLastPara="1" wrap="square" lIns="91425" tIns="91425" rIns="91425" bIns="91425" anchor="ctr" anchorCtr="0">
+          <a:bodyPr anchorCtr="0" anchor="ctr" bIns="91425" lIns="91425" spcFirstLastPara="1" rIns="91425" wrap="square" tIns="91425">
             <a:normAutofit/>
           </a:bodyPr>
           <a:lstStyle/>
           <a:p>
-            <a:pPr marL="0" lvl="0" indent="0" algn="l" rtl="0">
+            <a:pPr indent="0" lvl="0" marL="0" rtl="0" algn="l">
               <a:lnSpc>
                 <a:spcPct val="115000"/>
               </a:lnSpc>
@@ -8994,12 +8901,12 @@
           </a:ln>
         </p:spPr>
         <p:txBody>
-          <a:bodyPr spcFirstLastPara="1" wrap="square" lIns="91425" tIns="91425" rIns="91425" bIns="91425" anchor="ctr" anchorCtr="0">
+          <a:bodyPr anchorCtr="0" anchor="ctr" bIns="91425" lIns="91425" spcFirstLastPara="1" rIns="91425" wrap="square" tIns="91425">
             <a:noAutofit/>
           </a:bodyPr>
           <a:lstStyle/>
           <a:p>
-            <a:pPr marL="0" lvl="0" indent="0" algn="ctr" rtl="0">
+            <a:pPr indent="0" lvl="0" marL="0" rtl="0" algn="ctr">
               <a:lnSpc>
                 <a:spcPct val="115000"/>
               </a:lnSpc>
@@ -9049,12 +8956,12 @@
           </a:ln>
         </p:spPr>
         <p:txBody>
-          <a:bodyPr spcFirstLastPara="1" wrap="square" lIns="91425" tIns="91425" rIns="91425" bIns="91425" anchor="ctr" anchorCtr="0">
+          <a:bodyPr anchorCtr="0" anchor="ctr" bIns="91425" lIns="91425" spcFirstLastPara="1" rIns="91425" wrap="square" tIns="91425">
             <a:normAutofit/>
           </a:bodyPr>
           <a:lstStyle/>
           <a:p>
-            <a:pPr marL="0" marR="0" lvl="0" indent="0" algn="l" rtl="0">
+            <a:pPr indent="0" lvl="0" marL="0" marR="0" rtl="0" algn="l">
               <a:lnSpc>
                 <a:spcPct val="115000"/>
               </a:lnSpc>
@@ -9104,12 +9011,12 @@
           </a:ln>
         </p:spPr>
         <p:txBody>
-          <a:bodyPr spcFirstLastPara="1" wrap="square" lIns="91425" tIns="91425" rIns="91425" bIns="91425" anchor="ctr" anchorCtr="0">
+          <a:bodyPr anchorCtr="0" anchor="ctr" bIns="91425" lIns="91425" spcFirstLastPara="1" rIns="91425" wrap="square" tIns="91425">
             <a:noAutofit/>
           </a:bodyPr>
           <a:lstStyle/>
           <a:p>
-            <a:pPr marL="0" lvl="0" indent="0" algn="ctr" rtl="0">
+            <a:pPr indent="0" lvl="0" marL="0" rtl="0" algn="ctr">
               <a:lnSpc>
                 <a:spcPct val="115000"/>
               </a:lnSpc>
@@ -9159,12 +9066,12 @@
           </a:ln>
         </p:spPr>
         <p:txBody>
-          <a:bodyPr spcFirstLastPara="1" wrap="square" lIns="91425" tIns="91425" rIns="91425" bIns="91425" anchor="ctr" anchorCtr="0">
+          <a:bodyPr anchorCtr="0" anchor="ctr" bIns="91425" lIns="91425" spcFirstLastPara="1" rIns="91425" wrap="square" tIns="91425">
             <a:normAutofit/>
           </a:bodyPr>
           <a:lstStyle/>
           <a:p>
-            <a:pPr marL="0" marR="0" lvl="0" indent="0" algn="l" rtl="0">
+            <a:pPr indent="0" lvl="0" marL="0" marR="0" rtl="0" algn="l">
               <a:lnSpc>
                 <a:spcPct val="115000"/>
               </a:lnSpc>
@@ -9214,12 +9121,12 @@
           </a:ln>
         </p:spPr>
         <p:txBody>
-          <a:bodyPr spcFirstLastPara="1" wrap="square" lIns="91425" tIns="91425" rIns="91425" bIns="91425" anchor="ctr" anchorCtr="0">
+          <a:bodyPr anchorCtr="0" anchor="ctr" bIns="91425" lIns="91425" spcFirstLastPara="1" rIns="91425" wrap="square" tIns="91425">
             <a:noAutofit/>
           </a:bodyPr>
           <a:lstStyle/>
           <a:p>
-            <a:pPr marL="0" lvl="0" indent="0" algn="ctr" rtl="0">
+            <a:pPr indent="0" lvl="0" marL="0" rtl="0" algn="ctr">
               <a:lnSpc>
                 <a:spcPct val="115000"/>
               </a:lnSpc>
@@ -9269,12 +9176,12 @@
           </a:ln>
         </p:spPr>
         <p:txBody>
-          <a:bodyPr spcFirstLastPara="1" wrap="square" lIns="91425" tIns="91425" rIns="91425" bIns="91425" anchor="ctr" anchorCtr="0">
+          <a:bodyPr anchorCtr="0" anchor="ctr" bIns="91425" lIns="91425" spcFirstLastPara="1" rIns="91425" wrap="square" tIns="91425">
             <a:normAutofit/>
           </a:bodyPr>
           <a:lstStyle/>
           <a:p>
-            <a:pPr marL="0" marR="0" lvl="0" indent="0" algn="l" rtl="0">
+            <a:pPr indent="0" lvl="0" marL="0" marR="0" rtl="0" algn="l">
               <a:lnSpc>
                 <a:spcPct val="115000"/>
               </a:lnSpc>
@@ -9324,12 +9231,12 @@
           </a:ln>
         </p:spPr>
         <p:txBody>
-          <a:bodyPr spcFirstLastPara="1" wrap="square" lIns="91425" tIns="91425" rIns="91425" bIns="91425" anchor="t" anchorCtr="0">
-            <a:noAutofit/>
+          <a:bodyPr anchorCtr="0" anchor="t" bIns="91425" lIns="91425" spcFirstLastPara="1" rIns="91425" wrap="square" tIns="91425">
+            <a:normAutofit lnSpcReduction="10000"/>
           </a:bodyPr>
           <a:lstStyle/>
           <a:p>
-            <a:pPr marL="0" lvl="0" indent="0" algn="l" rtl="0">
+            <a:pPr indent="0" lvl="0" marL="0" rtl="0" algn="l">
               <a:spcBef>
                 <a:spcPts val="0"/>
               </a:spcBef>
@@ -9368,11 +9275,11 @@
 </file>
 
 <file path=ppt/slides/slide7.xml><?xml version="1.0" encoding="utf-8"?>
-<p:sld xmlns:a="http://schemas.openxmlformats.org/drawingml/2006/main" xmlns:r="http://schemas.openxmlformats.org/officeDocument/2006/relationships" xmlns:p="http://schemas.openxmlformats.org/presentationml/2006/main">
+<p:sld xmlns:a="http://schemas.openxmlformats.org/drawingml/2006/main" xmlns:r="http://schemas.openxmlformats.org/officeDocument/2006/relationships" xmlns:mc="http://schemas.openxmlformats.org/markup-compatibility/2006" xmlns:mv="urn:schemas-microsoft-com:mac:vml" xmlns:p="http://schemas.openxmlformats.org/presentationml/2006/main" xmlns:c="http://schemas.openxmlformats.org/drawingml/2006/chart" xmlns:dgm="http://schemas.openxmlformats.org/drawingml/2006/diagram" xmlns:o="urn:schemas-microsoft-com:office:office" xmlns:v="urn:schemas-microsoft-com:vml" xmlns:pvml="urn:schemas-microsoft-com:office:powerpoint" xmlns:com="http://schemas.openxmlformats.org/drawingml/2006/compatibility" xmlns:p14="http://schemas.microsoft.com/office/powerpoint/2010/main" xmlns:p15="http://schemas.microsoft.com/office/powerpoint/2012/main" xmlns:ahyp="http://schemas.microsoft.com/office/drawing/2018/hyperlinkcolor">
   <p:cSld>
     <p:spTree>
       <p:nvGrpSpPr>
-        <p:cNvPr id="1" name="Shape 125"/>
+        <p:cNvPr id="125" name="Shape 125"/>
         <p:cNvGrpSpPr/>
         <p:nvPr/>
       </p:nvGrpSpPr>
@@ -9406,12 +9313,12 @@
           </a:ln>
         </p:spPr>
         <p:txBody>
-          <a:bodyPr spcFirstLastPara="1" wrap="square" lIns="91425" tIns="91425" rIns="91425" bIns="91425" anchor="ctr" anchorCtr="0">
+          <a:bodyPr anchorCtr="0" anchor="ctr" bIns="91425" lIns="91425" spcFirstLastPara="1" rIns="91425" wrap="square" tIns="91425">
             <a:noAutofit/>
           </a:bodyPr>
           <a:lstStyle/>
           <a:p>
-            <a:pPr marL="0" lvl="0" indent="0" algn="l" rtl="0">
+            <a:pPr indent="0" lvl="0" marL="0" rtl="0" algn="l">
               <a:spcBef>
                 <a:spcPts val="0"/>
               </a:spcBef>
@@ -9420,6 +9327,9 @@
               </a:spcAft>
               <a:buNone/>
             </a:pPr>
+            <a:r>
+              <a:t/>
+            </a:r>
             <a:endParaRPr/>
           </a:p>
         </p:txBody>
@@ -9446,12 +9356,12 @@
           </a:ln>
         </p:spPr>
         <p:txBody>
-          <a:bodyPr spcFirstLastPara="1" wrap="square" lIns="91425" tIns="91425" rIns="91425" bIns="91425" anchor="ctr" anchorCtr="0">
+          <a:bodyPr anchorCtr="0" anchor="ctr" bIns="91425" lIns="91425" spcFirstLastPara="1" rIns="91425" wrap="square" tIns="91425">
             <a:noAutofit/>
           </a:bodyPr>
           <a:lstStyle/>
           <a:p>
-            <a:pPr marL="0" lvl="0" indent="0" algn="l" rtl="0">
+            <a:pPr indent="0" lvl="0" marL="0" rtl="0" algn="l">
               <a:spcBef>
                 <a:spcPts val="0"/>
               </a:spcBef>
@@ -9460,6 +9370,9 @@
               </a:spcAft>
               <a:buNone/>
             </a:pPr>
+            <a:r>
+              <a:t/>
+            </a:r>
             <a:endParaRPr/>
           </a:p>
         </p:txBody>
@@ -9484,12 +9397,12 @@
           </a:ln>
         </p:spPr>
         <p:txBody>
-          <a:bodyPr spcFirstLastPara="1" wrap="square" lIns="91425" tIns="91425" rIns="91425" bIns="91425" anchor="ctr" anchorCtr="0">
+          <a:bodyPr anchorCtr="0" anchor="ctr" bIns="91425" lIns="91425" spcFirstLastPara="1" rIns="91425" wrap="square" tIns="91425">
             <a:noAutofit/>
           </a:bodyPr>
           <a:lstStyle/>
           <a:p>
-            <a:pPr marL="0" lvl="0" indent="0" algn="ctr" rtl="0">
+            <a:pPr indent="0" lvl="0" marL="0" rtl="0" algn="ctr">
               <a:lnSpc>
                 <a:spcPct val="115000"/>
               </a:lnSpc>
@@ -9539,12 +9452,12 @@
           </a:ln>
         </p:spPr>
         <p:txBody>
-          <a:bodyPr spcFirstLastPara="1" wrap="square" lIns="91425" tIns="91425" rIns="91425" bIns="91425" anchor="ctr" anchorCtr="0">
+          <a:bodyPr anchorCtr="0" anchor="ctr" bIns="91425" lIns="91425" spcFirstLastPara="1" rIns="91425" wrap="square" tIns="91425">
             <a:normAutofit/>
           </a:bodyPr>
           <a:lstStyle/>
           <a:p>
-            <a:pPr marL="0" lvl="0" indent="0" algn="l" rtl="0">
+            <a:pPr indent="0" lvl="0" marL="0" rtl="0" algn="l">
               <a:lnSpc>
                 <a:spcPct val="115000"/>
               </a:lnSpc>
@@ -9594,12 +9507,12 @@
           </a:ln>
         </p:spPr>
         <p:txBody>
-          <a:bodyPr spcFirstLastPara="1" wrap="square" lIns="91425" tIns="91425" rIns="91425" bIns="91425" anchor="ctr" anchorCtr="0">
+          <a:bodyPr anchorCtr="0" anchor="ctr" bIns="91425" lIns="91425" spcFirstLastPara="1" rIns="91425" wrap="square" tIns="91425">
             <a:noAutofit/>
           </a:bodyPr>
           <a:lstStyle/>
           <a:p>
-            <a:pPr marL="0" lvl="0" indent="0" algn="ctr" rtl="0">
+            <a:pPr indent="0" lvl="0" marL="0" rtl="0" algn="ctr">
               <a:lnSpc>
                 <a:spcPct val="115000"/>
               </a:lnSpc>
@@ -9649,12 +9562,12 @@
           </a:ln>
         </p:spPr>
         <p:txBody>
-          <a:bodyPr spcFirstLastPara="1" wrap="square" lIns="91425" tIns="91425" rIns="91425" bIns="91425" anchor="ctr" anchorCtr="0">
+          <a:bodyPr anchorCtr="0" anchor="ctr" bIns="91425" lIns="91425" spcFirstLastPara="1" rIns="91425" wrap="square" tIns="91425">
             <a:normAutofit/>
           </a:bodyPr>
           <a:lstStyle/>
           <a:p>
-            <a:pPr marL="0" marR="0" lvl="0" indent="0" algn="l" rtl="0">
+            <a:pPr indent="0" lvl="0" marL="0" marR="0" rtl="0" algn="l">
               <a:lnSpc>
                 <a:spcPct val="115000"/>
               </a:lnSpc>
@@ -9704,12 +9617,12 @@
           </a:ln>
         </p:spPr>
         <p:txBody>
-          <a:bodyPr spcFirstLastPara="1" wrap="square" lIns="91425" tIns="91425" rIns="91425" bIns="91425" anchor="ctr" anchorCtr="0">
+          <a:bodyPr anchorCtr="0" anchor="ctr" bIns="91425" lIns="91425" spcFirstLastPara="1" rIns="91425" wrap="square" tIns="91425">
             <a:noAutofit/>
           </a:bodyPr>
           <a:lstStyle/>
           <a:p>
-            <a:pPr marL="0" lvl="0" indent="0" algn="ctr" rtl="0">
+            <a:pPr indent="0" lvl="0" marL="0" rtl="0" algn="ctr">
               <a:lnSpc>
                 <a:spcPct val="115000"/>
               </a:lnSpc>
@@ -9759,12 +9672,12 @@
           </a:ln>
         </p:spPr>
         <p:txBody>
-          <a:bodyPr spcFirstLastPara="1" wrap="square" lIns="91425" tIns="91425" rIns="91425" bIns="91425" anchor="ctr" anchorCtr="0">
+          <a:bodyPr anchorCtr="0" anchor="ctr" bIns="91425" lIns="91425" spcFirstLastPara="1" rIns="91425" wrap="square" tIns="91425">
             <a:normAutofit/>
           </a:bodyPr>
           <a:lstStyle/>
           <a:p>
-            <a:pPr marL="0" marR="0" lvl="0" indent="0" algn="l" rtl="0">
+            <a:pPr indent="0" lvl="0" marL="0" marR="0" rtl="0" algn="l">
               <a:lnSpc>
                 <a:spcPct val="115000"/>
               </a:lnSpc>
@@ -9814,12 +9727,12 @@
           </a:ln>
         </p:spPr>
         <p:txBody>
-          <a:bodyPr spcFirstLastPara="1" wrap="square" lIns="91425" tIns="91425" rIns="91425" bIns="91425" anchor="t" anchorCtr="0">
-            <a:noAutofit/>
+          <a:bodyPr anchorCtr="0" anchor="t" bIns="91425" lIns="91425" spcFirstLastPara="1" rIns="91425" wrap="square" tIns="91425">
+            <a:normAutofit lnSpcReduction="10000"/>
           </a:bodyPr>
           <a:lstStyle/>
           <a:p>
-            <a:pPr marL="0" lvl="0" indent="0" algn="l" rtl="0">
+            <a:pPr indent="0" lvl="0" marL="0" rtl="0" algn="l">
               <a:spcBef>
                 <a:spcPts val="0"/>
               </a:spcBef>
@@ -9858,11 +9771,11 @@
 </file>
 
 <file path=ppt/slides/slide8.xml><?xml version="1.0" encoding="utf-8"?>
-<p:sld xmlns:a="http://schemas.openxmlformats.org/drawingml/2006/main" xmlns:r="http://schemas.openxmlformats.org/officeDocument/2006/relationships" xmlns:p="http://schemas.openxmlformats.org/presentationml/2006/main">
+<p:sld xmlns:a="http://schemas.openxmlformats.org/drawingml/2006/main" xmlns:r="http://schemas.openxmlformats.org/officeDocument/2006/relationships" xmlns:mc="http://schemas.openxmlformats.org/markup-compatibility/2006" xmlns:mv="urn:schemas-microsoft-com:mac:vml" xmlns:p="http://schemas.openxmlformats.org/presentationml/2006/main" xmlns:c="http://schemas.openxmlformats.org/drawingml/2006/chart" xmlns:dgm="http://schemas.openxmlformats.org/drawingml/2006/diagram" xmlns:o="urn:schemas-microsoft-com:office:office" xmlns:v="urn:schemas-microsoft-com:vml" xmlns:pvml="urn:schemas-microsoft-com:office:powerpoint" xmlns:com="http://schemas.openxmlformats.org/drawingml/2006/compatibility" xmlns:p14="http://schemas.microsoft.com/office/powerpoint/2010/main" xmlns:p15="http://schemas.microsoft.com/office/powerpoint/2012/main" xmlns:ahyp="http://schemas.microsoft.com/office/drawing/2018/hyperlinkcolor">
   <p:cSld>
     <p:spTree>
       <p:nvGrpSpPr>
-        <p:cNvPr id="1" name="Shape 138"/>
+        <p:cNvPr id="138" name="Shape 138"/>
         <p:cNvGrpSpPr/>
         <p:nvPr/>
       </p:nvGrpSpPr>
@@ -9896,12 +9809,12 @@
           </a:ln>
         </p:spPr>
         <p:txBody>
-          <a:bodyPr spcFirstLastPara="1" wrap="square" lIns="91425" tIns="91425" rIns="91425" bIns="91425" anchor="ctr" anchorCtr="0">
+          <a:bodyPr anchorCtr="0" anchor="ctr" bIns="91425" lIns="91425" spcFirstLastPara="1" rIns="91425" wrap="square" tIns="91425">
             <a:noAutofit/>
           </a:bodyPr>
           <a:lstStyle/>
           <a:p>
-            <a:pPr marL="0" lvl="0" indent="0" algn="l" rtl="0">
+            <a:pPr indent="0" lvl="0" marL="0" rtl="0" algn="l">
               <a:spcBef>
                 <a:spcPts val="0"/>
               </a:spcBef>
@@ -9910,6 +9823,9 @@
               </a:spcAft>
               <a:buNone/>
             </a:pPr>
+            <a:r>
+              <a:t/>
+            </a:r>
             <a:endParaRPr/>
           </a:p>
         </p:txBody>
@@ -9936,12 +9852,12 @@
           </a:ln>
         </p:spPr>
         <p:txBody>
-          <a:bodyPr spcFirstLastPara="1" wrap="square" lIns="91425" tIns="91425" rIns="91425" bIns="91425" anchor="ctr" anchorCtr="0">
+          <a:bodyPr anchorCtr="0" anchor="ctr" bIns="91425" lIns="91425" spcFirstLastPara="1" rIns="91425" wrap="square" tIns="91425">
             <a:noAutofit/>
           </a:bodyPr>
           <a:lstStyle/>
           <a:p>
-            <a:pPr marL="0" lvl="0" indent="0" algn="l" rtl="0">
+            <a:pPr indent="0" lvl="0" marL="0" rtl="0" algn="l">
               <a:spcBef>
                 <a:spcPts val="0"/>
               </a:spcBef>
@@ -9950,6 +9866,9 @@
               </a:spcAft>
               <a:buNone/>
             </a:pPr>
+            <a:r>
+              <a:t/>
+            </a:r>
             <a:endParaRPr/>
           </a:p>
         </p:txBody>
@@ -9974,12 +9893,12 @@
           </a:ln>
         </p:spPr>
         <p:txBody>
-          <a:bodyPr spcFirstLastPara="1" wrap="square" lIns="91425" tIns="91425" rIns="91425" bIns="91425" anchor="ctr" anchorCtr="0">
+          <a:bodyPr anchorCtr="0" anchor="ctr" bIns="91425" lIns="91425" spcFirstLastPara="1" rIns="91425" wrap="square" tIns="91425">
             <a:noAutofit/>
           </a:bodyPr>
           <a:lstStyle/>
           <a:p>
-            <a:pPr marL="0" lvl="0" indent="0" algn="ctr" rtl="0">
+            <a:pPr indent="0" lvl="0" marL="0" rtl="0" algn="ctr">
               <a:lnSpc>
                 <a:spcPct val="115000"/>
               </a:lnSpc>
@@ -10029,12 +9948,12 @@
           </a:ln>
         </p:spPr>
         <p:txBody>
-          <a:bodyPr spcFirstLastPara="1" wrap="square" lIns="91425" tIns="91425" rIns="91425" bIns="91425" anchor="ctr" anchorCtr="0">
+          <a:bodyPr anchorCtr="0" anchor="ctr" bIns="91425" lIns="91425" spcFirstLastPara="1" rIns="91425" wrap="square" tIns="91425">
             <a:normAutofit/>
           </a:bodyPr>
           <a:lstStyle/>
           <a:p>
-            <a:pPr marL="0" lvl="0" indent="0" algn="l" rtl="0">
+            <a:pPr indent="0" lvl="0" marL="0" rtl="0" algn="l">
               <a:lnSpc>
                 <a:spcPct val="115000"/>
               </a:lnSpc>
@@ -10084,12 +10003,12 @@
           </a:ln>
         </p:spPr>
         <p:txBody>
-          <a:bodyPr spcFirstLastPara="1" wrap="square" lIns="91425" tIns="91425" rIns="91425" bIns="91425" anchor="ctr" anchorCtr="0">
+          <a:bodyPr anchorCtr="0" anchor="ctr" bIns="91425" lIns="91425" spcFirstLastPara="1" rIns="91425" wrap="square" tIns="91425">
             <a:noAutofit/>
           </a:bodyPr>
           <a:lstStyle/>
           <a:p>
-            <a:pPr marL="0" lvl="0" indent="0" algn="ctr" rtl="0">
+            <a:pPr indent="0" lvl="0" marL="0" rtl="0" algn="ctr">
               <a:lnSpc>
                 <a:spcPct val="115000"/>
               </a:lnSpc>
@@ -10139,12 +10058,12 @@
           </a:ln>
         </p:spPr>
         <p:txBody>
-          <a:bodyPr spcFirstLastPara="1" wrap="square" lIns="91425" tIns="91425" rIns="91425" bIns="91425" anchor="ctr" anchorCtr="0">
+          <a:bodyPr anchorCtr="0" anchor="ctr" bIns="91425" lIns="91425" spcFirstLastPara="1" rIns="91425" wrap="square" tIns="91425">
             <a:normAutofit/>
           </a:bodyPr>
           <a:lstStyle/>
           <a:p>
-            <a:pPr marL="0" marR="0" lvl="0" indent="0" algn="l" rtl="0">
+            <a:pPr indent="0" lvl="0" marL="0" marR="0" rtl="0" algn="l">
               <a:lnSpc>
                 <a:spcPct val="115000"/>
               </a:lnSpc>
@@ -10194,12 +10113,12 @@
           </a:ln>
         </p:spPr>
         <p:txBody>
-          <a:bodyPr spcFirstLastPara="1" wrap="square" lIns="91425" tIns="91425" rIns="91425" bIns="91425" anchor="t" anchorCtr="0">
-            <a:noAutofit/>
+          <a:bodyPr anchorCtr="0" anchor="t" bIns="91425" lIns="91425" spcFirstLastPara="1" rIns="91425" wrap="square" tIns="91425">
+            <a:normAutofit lnSpcReduction="10000"/>
           </a:bodyPr>
           <a:lstStyle/>
           <a:p>
-            <a:pPr marL="0" lvl="0" indent="0" algn="l" rtl="0">
+            <a:pPr indent="0" lvl="0" marL="0" rtl="0" algn="l">
               <a:spcBef>
                 <a:spcPts val="0"/>
               </a:spcBef>
@@ -10238,11 +10157,11 @@
 </file>
 
 <file path=ppt/slides/slide9.xml><?xml version="1.0" encoding="utf-8"?>
-<p:sld xmlns:a="http://schemas.openxmlformats.org/drawingml/2006/main" xmlns:r="http://schemas.openxmlformats.org/officeDocument/2006/relationships" xmlns:p="http://schemas.openxmlformats.org/presentationml/2006/main">
+<p:sld xmlns:a="http://schemas.openxmlformats.org/drawingml/2006/main" xmlns:r="http://schemas.openxmlformats.org/officeDocument/2006/relationships" xmlns:mc="http://schemas.openxmlformats.org/markup-compatibility/2006" xmlns:mv="urn:schemas-microsoft-com:mac:vml" xmlns:p="http://schemas.openxmlformats.org/presentationml/2006/main" xmlns:c="http://schemas.openxmlformats.org/drawingml/2006/chart" xmlns:dgm="http://schemas.openxmlformats.org/drawingml/2006/diagram" xmlns:o="urn:schemas-microsoft-com:office:office" xmlns:v="urn:schemas-microsoft-com:vml" xmlns:pvml="urn:schemas-microsoft-com:office:powerpoint" xmlns:com="http://schemas.openxmlformats.org/drawingml/2006/compatibility" xmlns:p14="http://schemas.microsoft.com/office/powerpoint/2010/main" xmlns:p15="http://schemas.microsoft.com/office/powerpoint/2012/main" xmlns:ahyp="http://schemas.microsoft.com/office/drawing/2018/hyperlinkcolor">
   <p:cSld>
     <p:spTree>
       <p:nvGrpSpPr>
-        <p:cNvPr id="1" name="Shape 149"/>
+        <p:cNvPr id="149" name="Shape 149"/>
         <p:cNvGrpSpPr/>
         <p:nvPr/>
       </p:nvGrpSpPr>
@@ -10267,7 +10186,7 @@
           </a:xfrm>
           <a:prstGeom prst="donut">
             <a:avLst>
-              <a:gd name="adj" fmla="val 25000"/>
+              <a:gd fmla="val 25000" name="adj"/>
             </a:avLst>
           </a:prstGeom>
           <a:solidFill>
@@ -10278,12 +10197,12 @@
           </a:ln>
         </p:spPr>
         <p:txBody>
-          <a:bodyPr spcFirstLastPara="1" wrap="square" lIns="91425" tIns="91425" rIns="91425" bIns="91425" anchor="ctr" anchorCtr="0">
+          <a:bodyPr anchorCtr="0" anchor="ctr" bIns="91425" lIns="91425" spcFirstLastPara="1" rIns="91425" wrap="square" tIns="91425">
             <a:noAutofit/>
           </a:bodyPr>
           <a:lstStyle/>
           <a:p>
-            <a:pPr marL="0" lvl="0" indent="0" algn="l" rtl="0">
+            <a:pPr indent="0" lvl="0" marL="0" rtl="0" algn="l">
               <a:spcBef>
                 <a:spcPts val="0"/>
               </a:spcBef>
@@ -10292,6 +10211,9 @@
               </a:spcAft>
               <a:buNone/>
             </a:pPr>
+            <a:r>
+              <a:t/>
+            </a:r>
             <a:endParaRPr/>
           </a:p>
         </p:txBody>
@@ -10309,7 +10231,7 @@
           </a:xfrm>
           <a:prstGeom prst="diagStripe">
             <a:avLst>
-              <a:gd name="adj" fmla="val 50000"/>
+              <a:gd fmla="val 50000" name="adj"/>
             </a:avLst>
           </a:prstGeom>
           <a:solidFill>
@@ -10320,12 +10242,12 @@
           </a:ln>
         </p:spPr>
         <p:txBody>
-          <a:bodyPr spcFirstLastPara="1" wrap="square" lIns="91425" tIns="91425" rIns="91425" bIns="91425" anchor="ctr" anchorCtr="0">
+          <a:bodyPr anchorCtr="0" anchor="ctr" bIns="91425" lIns="91425" spcFirstLastPara="1" rIns="91425" wrap="square" tIns="91425">
             <a:noAutofit/>
           </a:bodyPr>
           <a:lstStyle/>
           <a:p>
-            <a:pPr marL="0" lvl="0" indent="0" algn="l" rtl="0">
+            <a:pPr indent="0" lvl="0" marL="0" rtl="0" algn="l">
               <a:spcBef>
                 <a:spcPts val="0"/>
               </a:spcBef>
@@ -10334,6 +10256,9 @@
               </a:spcAft>
               <a:buNone/>
             </a:pPr>
+            <a:r>
+              <a:t/>
+            </a:r>
             <a:endParaRPr/>
           </a:p>
         </p:txBody>
@@ -10351,7 +10276,7 @@
           </a:xfrm>
           <a:prstGeom prst="diagStripe">
             <a:avLst>
-              <a:gd name="adj" fmla="val 50000"/>
+              <a:gd fmla="val 50000" name="adj"/>
             </a:avLst>
           </a:prstGeom>
           <a:solidFill>
@@ -10362,12 +10287,12 @@
           </a:ln>
         </p:spPr>
         <p:txBody>
-          <a:bodyPr spcFirstLastPara="1" wrap="square" lIns="91425" tIns="91425" rIns="91425" bIns="91425" anchor="ctr" anchorCtr="0">
+          <a:bodyPr anchorCtr="0" anchor="ctr" bIns="91425" lIns="91425" spcFirstLastPara="1" rIns="91425" wrap="square" tIns="91425">
             <a:noAutofit/>
           </a:bodyPr>
           <a:lstStyle/>
           <a:p>
-            <a:pPr marL="0" lvl="0" indent="0" algn="l" rtl="0">
+            <a:pPr indent="0" lvl="0" marL="0" rtl="0" algn="l">
               <a:spcBef>
                 <a:spcPts val="0"/>
               </a:spcBef>
@@ -10376,6 +10301,9 @@
               </a:spcAft>
               <a:buNone/>
             </a:pPr>
+            <a:r>
+              <a:t/>
+            </a:r>
             <a:endParaRPr/>
           </a:p>
         </p:txBody>
@@ -10393,7 +10321,7 @@
           </a:xfrm>
           <a:prstGeom prst="diagStripe">
             <a:avLst>
-              <a:gd name="adj" fmla="val 50000"/>
+              <a:gd fmla="val 50000" name="adj"/>
             </a:avLst>
           </a:prstGeom>
           <a:solidFill>
@@ -10404,12 +10332,12 @@
           </a:ln>
         </p:spPr>
         <p:txBody>
-          <a:bodyPr spcFirstLastPara="1" wrap="square" lIns="91425" tIns="91425" rIns="91425" bIns="91425" anchor="ctr" anchorCtr="0">
+          <a:bodyPr anchorCtr="0" anchor="ctr" bIns="91425" lIns="91425" spcFirstLastPara="1" rIns="91425" wrap="square" tIns="91425">
             <a:noAutofit/>
           </a:bodyPr>
           <a:lstStyle/>
           <a:p>
-            <a:pPr marL="0" lvl="0" indent="0" algn="l" rtl="0">
+            <a:pPr indent="0" lvl="0" marL="0" rtl="0" algn="l">
               <a:spcBef>
                 <a:spcPts val="0"/>
               </a:spcBef>
@@ -10418,6 +10346,9 @@
               </a:spcAft>
               <a:buNone/>
             </a:pPr>
+            <a:r>
+              <a:t/>
+            </a:r>
             <a:endParaRPr/>
           </a:p>
         </p:txBody>
@@ -10442,12 +10373,12 @@
           </a:ln>
         </p:spPr>
         <p:txBody>
-          <a:bodyPr spcFirstLastPara="1" wrap="square" lIns="91425" tIns="91425" rIns="91425" bIns="91425" anchor="b" anchorCtr="0">
+          <a:bodyPr anchorCtr="0" anchor="b" bIns="91425" lIns="91425" spcFirstLastPara="1" rIns="91425" wrap="square" tIns="91425">
             <a:noAutofit/>
           </a:bodyPr>
           <a:lstStyle/>
           <a:p>
-            <a:pPr marL="0" lvl="0" indent="0" algn="ctr" rtl="0">
+            <a:pPr indent="0" lvl="0" marL="0" rtl="0" algn="ctr">
               <a:spcBef>
                 <a:spcPts val="0"/>
               </a:spcBef>
@@ -10497,12 +10428,12 @@
           </a:ln>
         </p:spPr>
         <p:txBody>
-          <a:bodyPr spcFirstLastPara="1" wrap="square" lIns="91425" tIns="91425" rIns="91425" bIns="91425" anchor="t" anchorCtr="0">
+          <a:bodyPr anchorCtr="0" anchor="t" bIns="91425" lIns="91425" spcFirstLastPara="1" rIns="91425" wrap="square" tIns="91425">
             <a:noAutofit/>
           </a:bodyPr>
           <a:lstStyle/>
           <a:p>
-            <a:pPr marL="0" lvl="0" indent="0" algn="l" rtl="0">
+            <a:pPr indent="0" lvl="0" marL="0" rtl="0" algn="l">
               <a:lnSpc>
                 <a:spcPct val="115000"/>
               </a:lnSpc>
@@ -10514,6 +10445,9 @@
               </a:spcAft>
               <a:buNone/>
             </a:pPr>
+            <a:r>
+              <a:t/>
+            </a:r>
             <a:endParaRPr>
               <a:solidFill>
                 <a:srgbClr val="595959"/>
@@ -10535,7 +10469,286 @@
 </file>
 
 <file path=ppt/theme/theme1.xml><?xml version="1.0" encoding="utf-8"?>
-<a:theme xmlns:a="http://schemas.openxmlformats.org/drawingml/2006/main" name="Simple Light">
+<a:theme xmlns:a="http://schemas.openxmlformats.org/drawingml/2006/main" xmlns:r="http://schemas.openxmlformats.org/officeDocument/2006/relationships">
+  <a:themeElements>
+    <a:clrScheme name="Default">
+      <a:dk1>
+        <a:srgbClr val="000000"/>
+      </a:dk1>
+      <a:lt1>
+        <a:srgbClr val="FFFFFF"/>
+      </a:lt1>
+      <a:dk2>
+        <a:srgbClr val="158158"/>
+      </a:dk2>
+      <a:lt2>
+        <a:srgbClr val="F3F3F3"/>
+      </a:lt2>
+      <a:accent1>
+        <a:srgbClr val="058DC7"/>
+      </a:accent1>
+      <a:accent2>
+        <a:srgbClr val="50B432"/>
+      </a:accent2>
+      <a:accent3>
+        <a:srgbClr val="ED561B"/>
+      </a:accent3>
+      <a:accent4>
+        <a:srgbClr val="EDEF00"/>
+      </a:accent4>
+      <a:accent5>
+        <a:srgbClr val="24CBE5"/>
+      </a:accent5>
+      <a:accent6>
+        <a:srgbClr val="64E572"/>
+      </a:accent6>
+      <a:hlink>
+        <a:srgbClr val="2200CC"/>
+      </a:hlink>
+      <a:folHlink>
+        <a:srgbClr val="551A8B"/>
+      </a:folHlink>
+    </a:clrScheme>
+    <a:fontScheme name="Office">
+      <a:majorFont>
+        <a:latin typeface="Arial"/>
+        <a:ea typeface=""/>
+        <a:cs typeface=""/>
+        <a:font script="Jpan" typeface="ＭＳ Ｐゴシック"/>
+        <a:font script="Hang" typeface="맑은 고딕"/>
+        <a:font script="Hans" typeface="宋体"/>
+        <a:font script="Hant" typeface="新細明體"/>
+        <a:font script="Arab" typeface="Times New Roman"/>
+        <a:font script="Hebr" typeface="Times New Roman"/>
+        <a:font script="Thai" typeface="Angsana New"/>
+        <a:font script="Ethi" typeface="Nyala"/>
+        <a:font script="Beng" typeface="Vrinda"/>
+        <a:font script="Gujr" typeface="Shruti"/>
+        <a:font script="Khmr" typeface="MoolBoran"/>
+        <a:font script="Knda" typeface="Tunga"/>
+        <a:font script="Guru" typeface="Raavi"/>
+        <a:font script="Cans" typeface="Euphemia"/>
+        <a:font script="Cher" typeface="Plantagenet Cherokee"/>
+        <a:font script="Yiii" typeface="Microsoft Yi Baiti"/>
+        <a:font script="Tibt" typeface="Microsoft Himalaya"/>
+        <a:font script="Thaa" typeface="MV Boli"/>
+        <a:font script="Deva" typeface="Mangal"/>
+        <a:font script="Telu" typeface="Gautami"/>
+        <a:font script="Taml" typeface="Latha"/>
+        <a:font script="Syrc" typeface="Estrangelo Edessa"/>
+        <a:font script="Orya" typeface="Kalinga"/>
+        <a:font script="Mlym" typeface="Kartika"/>
+        <a:font script="Laoo" typeface="DokChampa"/>
+        <a:font script="Sinh" typeface="Iskoola Pota"/>
+        <a:font script="Mong" typeface="Mongolian Baiti"/>
+        <a:font script="Viet" typeface="Times New Roman"/>
+        <a:font script="Uigh" typeface="Microsoft Uighur"/>
+        <a:font script="Geor" typeface="Sylfaen"/>
+      </a:majorFont>
+      <a:minorFont>
+        <a:latin typeface="Arial"/>
+        <a:ea typeface=""/>
+        <a:cs typeface=""/>
+        <a:font script="Jpan" typeface="ＭＳ Ｐゴシック"/>
+        <a:font script="Hang" typeface="맑은 고딕"/>
+        <a:font script="Hans" typeface="宋体"/>
+        <a:font script="Hant" typeface="新細明體"/>
+        <a:font script="Arab" typeface="Arial"/>
+        <a:font script="Hebr" typeface="Arial"/>
+        <a:font script="Thai" typeface="Cordia New"/>
+        <a:font script="Ethi" typeface="Nyala"/>
+        <a:font script="Beng" typeface="Vrinda"/>
+        <a:font script="Gujr" typeface="Shruti"/>
+        <a:font script="Khmr" typeface="DaunPenh"/>
+        <a:font script="Knda" typeface="Tunga"/>
+        <a:font script="Guru" typeface="Raavi"/>
+        <a:font script="Cans" typeface="Euphemia"/>
+        <a:font script="Cher" typeface="Plantagenet Cherokee"/>
+        <a:font script="Yiii" typeface="Microsoft Yi Baiti"/>
+        <a:font script="Tibt" typeface="Microsoft Himalaya"/>
+        <a:font script="Thaa" typeface="MV Boli"/>
+        <a:font script="Deva" typeface="Mangal"/>
+        <a:font script="Telu" typeface="Gautami"/>
+        <a:font script="Taml" typeface="Latha"/>
+        <a:font script="Syrc" typeface="Estrangelo Edessa"/>
+        <a:font script="Orya" typeface="Kalinga"/>
+        <a:font script="Mlym" typeface="Kartika"/>
+        <a:font script="Laoo" typeface="DokChampa"/>
+        <a:font script="Sinh" typeface="Iskoola Pota"/>
+        <a:font script="Mong" typeface="Mongolian Baiti"/>
+        <a:font script="Viet" typeface="Arial"/>
+        <a:font script="Uigh" typeface="Microsoft Uighur"/>
+        <a:font script="Geor" typeface="Sylfaen"/>
+      </a:minorFont>
+    </a:fontScheme>
+    <a:fmtScheme name="Office">
+      <a:fillStyleLst>
+        <a:solidFill>
+          <a:schemeClr val="phClr"/>
+        </a:solidFill>
+        <a:gradFill rotWithShape="1">
+          <a:gsLst>
+            <a:gs pos="0">
+              <a:schemeClr val="phClr">
+                <a:tint val="50000"/>
+                <a:satMod val="300000"/>
+              </a:schemeClr>
+            </a:gs>
+            <a:gs pos="35000">
+              <a:schemeClr val="phClr">
+                <a:tint val="37000"/>
+                <a:satMod val="300000"/>
+              </a:schemeClr>
+            </a:gs>
+            <a:gs pos="100000">
+              <a:schemeClr val="phClr">
+                <a:tint val="15000"/>
+                <a:satMod val="350000"/>
+              </a:schemeClr>
+            </a:gs>
+          </a:gsLst>
+          <a:lin ang="16200000" scaled="1"/>
+        </a:gradFill>
+        <a:gradFill rotWithShape="1">
+          <a:gsLst>
+            <a:gs pos="0">
+              <a:schemeClr val="phClr">
+                <a:tint val="100000"/>
+                <a:shade val="100000"/>
+                <a:satMod val="130000"/>
+              </a:schemeClr>
+            </a:gs>
+            <a:gs pos="100000">
+              <a:schemeClr val="phClr">
+                <a:tint val="50000"/>
+                <a:shade val="100000"/>
+                <a:satMod val="350000"/>
+              </a:schemeClr>
+            </a:gs>
+          </a:gsLst>
+          <a:lin ang="16200000" scaled="0"/>
+        </a:gradFill>
+      </a:fillStyleLst>
+      <a:lnStyleLst>
+        <a:ln w="9525" cap="flat" cmpd="sng" algn="ctr">
+          <a:solidFill>
+            <a:schemeClr val="phClr">
+              <a:shade val="95000"/>
+              <a:satMod val="105000"/>
+            </a:schemeClr>
+          </a:solidFill>
+          <a:prstDash val="solid"/>
+        </a:ln>
+        <a:ln w="25400" cap="flat" cmpd="sng" algn="ctr">
+          <a:solidFill>
+            <a:schemeClr val="phClr"/>
+          </a:solidFill>
+          <a:prstDash val="solid"/>
+        </a:ln>
+        <a:ln w="38100" cap="flat" cmpd="sng" algn="ctr">
+          <a:solidFill>
+            <a:schemeClr val="phClr"/>
+          </a:solidFill>
+          <a:prstDash val="solid"/>
+        </a:ln>
+      </a:lnStyleLst>
+      <a:effectStyleLst>
+        <a:effectStyle>
+          <a:effectLst>
+            <a:outerShdw blurRad="40000" dist="20000" dir="5400000" rotWithShape="0">
+              <a:srgbClr val="000000">
+                <a:alpha val="38000"/>
+              </a:srgbClr>
+            </a:outerShdw>
+          </a:effectLst>
+        </a:effectStyle>
+        <a:effectStyle>
+          <a:effectLst>
+            <a:outerShdw blurRad="40000" dist="23000" dir="5400000" rotWithShape="0">
+              <a:srgbClr val="000000">
+                <a:alpha val="35000"/>
+              </a:srgbClr>
+            </a:outerShdw>
+          </a:effectLst>
+        </a:effectStyle>
+        <a:effectStyle>
+          <a:effectLst>
+            <a:outerShdw blurRad="40000" dist="23000" dir="5400000" rotWithShape="0">
+              <a:srgbClr val="000000">
+                <a:alpha val="35000"/>
+              </a:srgbClr>
+            </a:outerShdw>
+          </a:effectLst>
+          <a:scene3d>
+            <a:camera prst="orthographicFront">
+              <a:rot lat="0" lon="0" rev="0"/>
+            </a:camera>
+            <a:lightRig rig="threePt" dir="t">
+              <a:rot lat="0" lon="0" rev="1200000"/>
+            </a:lightRig>
+          </a:scene3d>
+          <a:sp3d>
+            <a:bevelT w="63500" h="25400"/>
+          </a:sp3d>
+        </a:effectStyle>
+      </a:effectStyleLst>
+      <a:bgFillStyleLst>
+        <a:solidFill>
+          <a:schemeClr val="phClr"/>
+        </a:solidFill>
+        <a:gradFill rotWithShape="1">
+          <a:gsLst>
+            <a:gs pos="0">
+              <a:schemeClr val="phClr">
+                <a:tint val="40000"/>
+                <a:satMod val="350000"/>
+              </a:schemeClr>
+            </a:gs>
+            <a:gs pos="40000">
+              <a:schemeClr val="phClr">
+                <a:tint val="45000"/>
+                <a:shade val="99000"/>
+                <a:satMod val="350000"/>
+              </a:schemeClr>
+            </a:gs>
+            <a:gs pos="100000">
+              <a:schemeClr val="phClr">
+                <a:shade val="20000"/>
+                <a:satMod val="255000"/>
+              </a:schemeClr>
+            </a:gs>
+          </a:gsLst>
+          <a:path path="circle">
+            <a:fillToRect l="50000" t="-80000" r="50000" b="180000"/>
+          </a:path>
+        </a:gradFill>
+        <a:gradFill rotWithShape="1">
+          <a:gsLst>
+            <a:gs pos="0">
+              <a:schemeClr val="phClr">
+                <a:tint val="80000"/>
+                <a:satMod val="300000"/>
+              </a:schemeClr>
+            </a:gs>
+            <a:gs pos="100000">
+              <a:schemeClr val="phClr">
+                <a:shade val="30000"/>
+                <a:satMod val="200000"/>
+              </a:schemeClr>
+            </a:gs>
+          </a:gsLst>
+          <a:path path="circle">
+            <a:fillToRect l="50000" t="50000" r="50000" b="50000"/>
+          </a:path>
+        </a:gradFill>
+      </a:bgFillStyleLst>
+    </a:fmtScheme>
+  </a:themeElements>
+</a:theme>
+</file>
+
+<file path=ppt/theme/theme2.xml><?xml version="1.0" encoding="utf-8"?>
+<a:theme xmlns:a="http://schemas.openxmlformats.org/drawingml/2006/main" xmlns:r="http://schemas.openxmlformats.org/officeDocument/2006/relationships" name="Simple Light">
   <a:themeElements>
     <a:clrScheme name="Simple Light">
       <a:dk1>
@@ -10810,288 +11023,5 @@
       </a:bgFillStyleLst>
     </a:fmtScheme>
   </a:themeElements>
-  <a:objectDefaults/>
-  <a:extraClrSchemeLst/>
-</a:theme>
-</file>
-
-<file path=ppt/theme/theme2.xml><?xml version="1.0" encoding="utf-8"?>
-<a:theme xmlns:a="http://schemas.openxmlformats.org/drawingml/2006/main">
-  <a:themeElements>
-    <a:clrScheme name="Default">
-      <a:dk1>
-        <a:srgbClr val="000000"/>
-      </a:dk1>
-      <a:lt1>
-        <a:srgbClr val="FFFFFF"/>
-      </a:lt1>
-      <a:dk2>
-        <a:srgbClr val="158158"/>
-      </a:dk2>
-      <a:lt2>
-        <a:srgbClr val="F3F3F3"/>
-      </a:lt2>
-      <a:accent1>
-        <a:srgbClr val="058DC7"/>
-      </a:accent1>
-      <a:accent2>
-        <a:srgbClr val="50B432"/>
-      </a:accent2>
-      <a:accent3>
-        <a:srgbClr val="ED561B"/>
-      </a:accent3>
-      <a:accent4>
-        <a:srgbClr val="EDEF00"/>
-      </a:accent4>
-      <a:accent5>
-        <a:srgbClr val="24CBE5"/>
-      </a:accent5>
-      <a:accent6>
-        <a:srgbClr val="64E572"/>
-      </a:accent6>
-      <a:hlink>
-        <a:srgbClr val="2200CC"/>
-      </a:hlink>
-      <a:folHlink>
-        <a:srgbClr val="551A8B"/>
-      </a:folHlink>
-    </a:clrScheme>
-    <a:fontScheme name="Office">
-      <a:majorFont>
-        <a:latin typeface="Arial"/>
-        <a:ea typeface=""/>
-        <a:cs typeface=""/>
-        <a:font script="Jpan" typeface="ＭＳ Ｐゴシック"/>
-        <a:font script="Hang" typeface="맑은 고딕"/>
-        <a:font script="Hans" typeface="宋体"/>
-        <a:font script="Hant" typeface="新細明體"/>
-        <a:font script="Arab" typeface="Times New Roman"/>
-        <a:font script="Hebr" typeface="Times New Roman"/>
-        <a:font script="Thai" typeface="Angsana New"/>
-        <a:font script="Ethi" typeface="Nyala"/>
-        <a:font script="Beng" typeface="Vrinda"/>
-        <a:font script="Gujr" typeface="Shruti"/>
-        <a:font script="Khmr" typeface="MoolBoran"/>
-        <a:font script="Knda" typeface="Tunga"/>
-        <a:font script="Guru" typeface="Raavi"/>
-        <a:font script="Cans" typeface="Euphemia"/>
-        <a:font script="Cher" typeface="Plantagenet Cherokee"/>
-        <a:font script="Yiii" typeface="Microsoft Yi Baiti"/>
-        <a:font script="Tibt" typeface="Microsoft Himalaya"/>
-        <a:font script="Thaa" typeface="MV Boli"/>
-        <a:font script="Deva" typeface="Mangal"/>
-        <a:font script="Telu" typeface="Gautami"/>
-        <a:font script="Taml" typeface="Latha"/>
-        <a:font script="Syrc" typeface="Estrangelo Edessa"/>
-        <a:font script="Orya" typeface="Kalinga"/>
-        <a:font script="Mlym" typeface="Kartika"/>
-        <a:font script="Laoo" typeface="DokChampa"/>
-        <a:font script="Sinh" typeface="Iskoola Pota"/>
-        <a:font script="Mong" typeface="Mongolian Baiti"/>
-        <a:font script="Viet" typeface="Times New Roman"/>
-        <a:font script="Uigh" typeface="Microsoft Uighur"/>
-        <a:font script="Geor" typeface="Sylfaen"/>
-      </a:majorFont>
-      <a:minorFont>
-        <a:latin typeface="Arial"/>
-        <a:ea typeface=""/>
-        <a:cs typeface=""/>
-        <a:font script="Jpan" typeface="ＭＳ Ｐゴシック"/>
-        <a:font script="Hang" typeface="맑은 고딕"/>
-        <a:font script="Hans" typeface="宋体"/>
-        <a:font script="Hant" typeface="新細明體"/>
-        <a:font script="Arab" typeface="Arial"/>
-        <a:font script="Hebr" typeface="Arial"/>
-        <a:font script="Thai" typeface="Cordia New"/>
-        <a:font script="Ethi" typeface="Nyala"/>
-        <a:font script="Beng" typeface="Vrinda"/>
-        <a:font script="Gujr" typeface="Shruti"/>
-        <a:font script="Khmr" typeface="DaunPenh"/>
-        <a:font script="Knda" typeface="Tunga"/>
-        <a:font script="Guru" typeface="Raavi"/>
-        <a:font script="Cans" typeface="Euphemia"/>
-        <a:font script="Cher" typeface="Plantagenet Cherokee"/>
-        <a:font script="Yiii" typeface="Microsoft Yi Baiti"/>
-        <a:font script="Tibt" typeface="Microsoft Himalaya"/>
-        <a:font script="Thaa" typeface="MV Boli"/>
-        <a:font script="Deva" typeface="Mangal"/>
-        <a:font script="Telu" typeface="Gautami"/>
-        <a:font script="Taml" typeface="Latha"/>
-        <a:font script="Syrc" typeface="Estrangelo Edessa"/>
-        <a:font script="Orya" typeface="Kalinga"/>
-        <a:font script="Mlym" typeface="Kartika"/>
-        <a:font script="Laoo" typeface="DokChampa"/>
-        <a:font script="Sinh" typeface="Iskoola Pota"/>
-        <a:font script="Mong" typeface="Mongolian Baiti"/>
-        <a:font script="Viet" typeface="Arial"/>
-        <a:font script="Uigh" typeface="Microsoft Uighur"/>
-        <a:font script="Geor" typeface="Sylfaen"/>
-      </a:minorFont>
-    </a:fontScheme>
-    <a:fmtScheme name="Office">
-      <a:fillStyleLst>
-        <a:solidFill>
-          <a:schemeClr val="phClr"/>
-        </a:solidFill>
-        <a:gradFill rotWithShape="1">
-          <a:gsLst>
-            <a:gs pos="0">
-              <a:schemeClr val="phClr">
-                <a:tint val="50000"/>
-                <a:satMod val="300000"/>
-              </a:schemeClr>
-            </a:gs>
-            <a:gs pos="35000">
-              <a:schemeClr val="phClr">
-                <a:tint val="37000"/>
-                <a:satMod val="300000"/>
-              </a:schemeClr>
-            </a:gs>
-            <a:gs pos="100000">
-              <a:schemeClr val="phClr">
-                <a:tint val="15000"/>
-                <a:satMod val="350000"/>
-              </a:schemeClr>
-            </a:gs>
-          </a:gsLst>
-          <a:lin ang="16200000" scaled="1"/>
-        </a:gradFill>
-        <a:gradFill rotWithShape="1">
-          <a:gsLst>
-            <a:gs pos="0">
-              <a:schemeClr val="phClr">
-                <a:tint val="100000"/>
-                <a:shade val="100000"/>
-                <a:satMod val="130000"/>
-              </a:schemeClr>
-            </a:gs>
-            <a:gs pos="100000">
-              <a:schemeClr val="phClr">
-                <a:tint val="50000"/>
-                <a:shade val="100000"/>
-                <a:satMod val="350000"/>
-              </a:schemeClr>
-            </a:gs>
-          </a:gsLst>
-          <a:lin ang="16200000" scaled="0"/>
-        </a:gradFill>
-      </a:fillStyleLst>
-      <a:lnStyleLst>
-        <a:ln w="9525" cap="flat" cmpd="sng" algn="ctr">
-          <a:solidFill>
-            <a:schemeClr val="phClr">
-              <a:shade val="95000"/>
-              <a:satMod val="105000"/>
-            </a:schemeClr>
-          </a:solidFill>
-          <a:prstDash val="solid"/>
-        </a:ln>
-        <a:ln w="25400" cap="flat" cmpd="sng" algn="ctr">
-          <a:solidFill>
-            <a:schemeClr val="phClr"/>
-          </a:solidFill>
-          <a:prstDash val="solid"/>
-        </a:ln>
-        <a:ln w="38100" cap="flat" cmpd="sng" algn="ctr">
-          <a:solidFill>
-            <a:schemeClr val="phClr"/>
-          </a:solidFill>
-          <a:prstDash val="solid"/>
-        </a:ln>
-      </a:lnStyleLst>
-      <a:effectStyleLst>
-        <a:effectStyle>
-          <a:effectLst>
-            <a:outerShdw blurRad="40000" dist="20000" dir="5400000" rotWithShape="0">
-              <a:srgbClr val="000000">
-                <a:alpha val="38000"/>
-              </a:srgbClr>
-            </a:outerShdw>
-          </a:effectLst>
-        </a:effectStyle>
-        <a:effectStyle>
-          <a:effectLst>
-            <a:outerShdw blurRad="40000" dist="23000" dir="5400000" rotWithShape="0">
-              <a:srgbClr val="000000">
-                <a:alpha val="35000"/>
-              </a:srgbClr>
-            </a:outerShdw>
-          </a:effectLst>
-        </a:effectStyle>
-        <a:effectStyle>
-          <a:effectLst>
-            <a:outerShdw blurRad="40000" dist="23000" dir="5400000" rotWithShape="0">
-              <a:srgbClr val="000000">
-                <a:alpha val="35000"/>
-              </a:srgbClr>
-            </a:outerShdw>
-          </a:effectLst>
-          <a:scene3d>
-            <a:camera prst="orthographicFront">
-              <a:rot lat="0" lon="0" rev="0"/>
-            </a:camera>
-            <a:lightRig rig="threePt" dir="t">
-              <a:rot lat="0" lon="0" rev="1200000"/>
-            </a:lightRig>
-          </a:scene3d>
-          <a:sp3d>
-            <a:bevelT w="63500" h="25400"/>
-          </a:sp3d>
-        </a:effectStyle>
-      </a:effectStyleLst>
-      <a:bgFillStyleLst>
-        <a:solidFill>
-          <a:schemeClr val="phClr"/>
-        </a:solidFill>
-        <a:gradFill rotWithShape="1">
-          <a:gsLst>
-            <a:gs pos="0">
-              <a:schemeClr val="phClr">
-                <a:tint val="40000"/>
-                <a:satMod val="350000"/>
-              </a:schemeClr>
-            </a:gs>
-            <a:gs pos="40000">
-              <a:schemeClr val="phClr">
-                <a:tint val="45000"/>
-                <a:shade val="99000"/>
-                <a:satMod val="350000"/>
-              </a:schemeClr>
-            </a:gs>
-            <a:gs pos="100000">
-              <a:schemeClr val="phClr">
-                <a:shade val="20000"/>
-                <a:satMod val="255000"/>
-              </a:schemeClr>
-            </a:gs>
-          </a:gsLst>
-          <a:path path="circle">
-            <a:fillToRect l="50000" t="-80000" r="50000" b="180000"/>
-          </a:path>
-        </a:gradFill>
-        <a:gradFill rotWithShape="1">
-          <a:gsLst>
-            <a:gs pos="0">
-              <a:schemeClr val="phClr">
-                <a:tint val="80000"/>
-                <a:satMod val="300000"/>
-              </a:schemeClr>
-            </a:gs>
-            <a:gs pos="100000">
-              <a:schemeClr val="phClr">
-                <a:shade val="30000"/>
-                <a:satMod val="200000"/>
-              </a:schemeClr>
-            </a:gs>
-          </a:gsLst>
-          <a:path path="circle">
-            <a:fillToRect l="50000" t="50000" r="50000" b="50000"/>
-          </a:path>
-        </a:gradFill>
-      </a:bgFillStyleLst>
-    </a:fmtScheme>
-  </a:themeElements>
-  <a:objectDefaults/>
-  <a:extraClrSchemeLst/>
 </a:theme>
 </file>
--- a/themes/mellow_yellow.pptx
+++ b/themes/mellow_yellow.pptx
@@ -1,49 +1,49 @@
 
 <file path=ppt/presentation.xml><?xml version="1.0" encoding="utf-8"?>
-<p:presentation xmlns:a="http://schemas.openxmlformats.org/drawingml/2006/main" xmlns:r="http://schemas.openxmlformats.org/officeDocument/2006/relationships" xmlns:mc="http://schemas.openxmlformats.org/markup-compatibility/2006" xmlns:mv="urn:schemas-microsoft-com:mac:vml" xmlns:p="http://schemas.openxmlformats.org/presentationml/2006/main" xmlns:c="http://schemas.openxmlformats.org/drawingml/2006/chart" xmlns:dgm="http://schemas.openxmlformats.org/drawingml/2006/diagram" xmlns:o="urn:schemas-microsoft-com:office:office" xmlns:v="urn:schemas-microsoft-com:vml" xmlns:pvml="urn:schemas-microsoft-com:office:powerpoint" xmlns:com="http://schemas.openxmlformats.org/drawingml/2006/compatibility" xmlns:p14="http://schemas.microsoft.com/office/powerpoint/2010/main" xmlns:p15="http://schemas.microsoft.com/office/powerpoint/2012/main" xmlns:ahyp="http://schemas.microsoft.com/office/drawing/2018/hyperlinkcolor" autoCompressPictures="0" embedTrueTypeFonts="1" strictFirstAndLastChars="0" saveSubsetFonts="1">
+<p:presentation xmlns:a="http://schemas.openxmlformats.org/drawingml/2006/main" xmlns:r="http://schemas.openxmlformats.org/officeDocument/2006/relationships" xmlns:p="http://schemas.openxmlformats.org/presentationml/2006/main" strictFirstAndLastChars="0" embedTrueTypeFonts="1" saveSubsetFonts="1" autoCompressPictures="0">
   <p:sldMasterIdLst>
-    <p:sldMasterId id="2147483659" r:id="rId4"/>
+    <p:sldMasterId id="2147483659" r:id="rId1"/>
   </p:sldMasterIdLst>
   <p:notesMasterIdLst>
-    <p:notesMasterId r:id="rId5"/>
+    <p:notesMasterId r:id="rId12"/>
   </p:notesMasterIdLst>
   <p:sldIdLst>
-    <p:sldId id="256" r:id="rId6"/>
-    <p:sldId id="257" r:id="rId7"/>
-    <p:sldId id="258" r:id="rId8"/>
-    <p:sldId id="259" r:id="rId9"/>
-    <p:sldId id="260" r:id="rId10"/>
-    <p:sldId id="261" r:id="rId11"/>
-    <p:sldId id="262" r:id="rId12"/>
-    <p:sldId id="263" r:id="rId13"/>
-    <p:sldId id="264" r:id="rId14"/>
-    <p:sldId id="265" r:id="rId15"/>
+    <p:sldId id="256" r:id="rId2"/>
+    <p:sldId id="257" r:id="rId3"/>
+    <p:sldId id="258" r:id="rId4"/>
+    <p:sldId id="259" r:id="rId5"/>
+    <p:sldId id="260" r:id="rId6"/>
+    <p:sldId id="261" r:id="rId7"/>
+    <p:sldId id="262" r:id="rId8"/>
+    <p:sldId id="263" r:id="rId9"/>
+    <p:sldId id="264" r:id="rId10"/>
+    <p:sldId id="265" r:id="rId11"/>
   </p:sldIdLst>
-  <p:sldSz cy="5143500" cx="9144000"/>
+  <p:sldSz cx="9144000" cy="5143500" type="screen16x9"/>
   <p:notesSz cx="6858000" cy="9144000"/>
   <p:embeddedFontLst>
     <p:embeddedFont>
-      <p:font typeface="Oswald Light"/>
+      <p:font typeface="Bungee" pitchFamily="2" charset="0"/>
+      <p:regular r:id="rId13"/>
+    </p:embeddedFont>
+    <p:embeddedFont>
+      <p:font typeface="Oswald" panose="00000500000000000000" pitchFamily="2" charset="0"/>
+      <p:regular r:id="rId14"/>
+      <p:bold r:id="rId15"/>
+    </p:embeddedFont>
+    <p:embeddedFont>
+      <p:font typeface="Oswald Light" panose="00000400000000000000" pitchFamily="2" charset="0"/>
       <p:regular r:id="rId16"/>
       <p:bold r:id="rId17"/>
     </p:embeddedFont>
     <p:embeddedFont>
-      <p:font typeface="Bungee"/>
+      <p:font typeface="Oswald SemiBold" panose="00000700000000000000" pitchFamily="2" charset="0"/>
       <p:regular r:id="rId18"/>
-    </p:embeddedFont>
-    <p:embeddedFont>
-      <p:font typeface="Oswald SemiBold"/>
-      <p:regular r:id="rId19"/>
-      <p:bold r:id="rId20"/>
-    </p:embeddedFont>
-    <p:embeddedFont>
-      <p:font typeface="Oswald"/>
-      <p:regular r:id="rId21"/>
-      <p:bold r:id="rId22"/>
+      <p:bold r:id="rId19"/>
     </p:embeddedFont>
   </p:embeddedFontLst>
   <p:defaultTextStyle>
-    <a:defPPr lvl="0" marR="0" rtl="0" algn="l">
+    <a:defPPr marR="0" lvl="0" algn="l" rtl="0">
       <a:lnSpc>
         <a:spcPct val="100000"/>
       </a:lnSpc>
@@ -54,7 +54,7 @@
         <a:spcPts val="0"/>
       </a:spcAft>
     </a:defPPr>
-    <a:lvl1pPr lvl="0" marR="0" rtl="0" algn="l">
+    <a:lvl1pPr marR="0" lvl="0" algn="l" rtl="0">
       <a:lnSpc>
         <a:spcPct val="100000"/>
       </a:lnSpc>
@@ -68,7 +68,7 @@
         <a:srgbClr val="000000"/>
       </a:buClr>
       <a:buFont typeface="Arial"/>
-      <a:defRPr b="0" i="0" sz="1400" u="none" cap="none" strike="noStrike">
+      <a:defRPr sz="1400" b="0" i="0" u="none" strike="noStrike" cap="none">
         <a:solidFill>
           <a:srgbClr val="000000"/>
         </a:solidFill>
@@ -78,7 +78,7 @@
         <a:sym typeface="Arial"/>
       </a:defRPr>
     </a:lvl1pPr>
-    <a:lvl2pPr lvl="1" marR="0" rtl="0" algn="l">
+    <a:lvl2pPr marR="0" lvl="1" algn="l" rtl="0">
       <a:lnSpc>
         <a:spcPct val="100000"/>
       </a:lnSpc>
@@ -92,7 +92,7 @@
         <a:srgbClr val="000000"/>
       </a:buClr>
       <a:buFont typeface="Arial"/>
-      <a:defRPr b="0" i="0" sz="1400" u="none" cap="none" strike="noStrike">
+      <a:defRPr sz="1400" b="0" i="0" u="none" strike="noStrike" cap="none">
         <a:solidFill>
           <a:srgbClr val="000000"/>
         </a:solidFill>
@@ -102,7 +102,7 @@
         <a:sym typeface="Arial"/>
       </a:defRPr>
     </a:lvl2pPr>
-    <a:lvl3pPr lvl="2" marR="0" rtl="0" algn="l">
+    <a:lvl3pPr marR="0" lvl="2" algn="l" rtl="0">
       <a:lnSpc>
         <a:spcPct val="100000"/>
       </a:lnSpc>
@@ -116,7 +116,7 @@
         <a:srgbClr val="000000"/>
       </a:buClr>
       <a:buFont typeface="Arial"/>
-      <a:defRPr b="0" i="0" sz="1400" u="none" cap="none" strike="noStrike">
+      <a:defRPr sz="1400" b="0" i="0" u="none" strike="noStrike" cap="none">
         <a:solidFill>
           <a:srgbClr val="000000"/>
         </a:solidFill>
@@ -126,7 +126,7 @@
         <a:sym typeface="Arial"/>
       </a:defRPr>
     </a:lvl3pPr>
-    <a:lvl4pPr lvl="3" marR="0" rtl="0" algn="l">
+    <a:lvl4pPr marR="0" lvl="3" algn="l" rtl="0">
       <a:lnSpc>
         <a:spcPct val="100000"/>
       </a:lnSpc>
@@ -140,7 +140,7 @@
         <a:srgbClr val="000000"/>
       </a:buClr>
       <a:buFont typeface="Arial"/>
-      <a:defRPr b="0" i="0" sz="1400" u="none" cap="none" strike="noStrike">
+      <a:defRPr sz="1400" b="0" i="0" u="none" strike="noStrike" cap="none">
         <a:solidFill>
           <a:srgbClr val="000000"/>
         </a:solidFill>
@@ -150,7 +150,7 @@
         <a:sym typeface="Arial"/>
       </a:defRPr>
     </a:lvl4pPr>
-    <a:lvl5pPr lvl="4" marR="0" rtl="0" algn="l">
+    <a:lvl5pPr marR="0" lvl="4" algn="l" rtl="0">
       <a:lnSpc>
         <a:spcPct val="100000"/>
       </a:lnSpc>
@@ -164,7 +164,7 @@
         <a:srgbClr val="000000"/>
       </a:buClr>
       <a:buFont typeface="Arial"/>
-      <a:defRPr b="0" i="0" sz="1400" u="none" cap="none" strike="noStrike">
+      <a:defRPr sz="1400" b="0" i="0" u="none" strike="noStrike" cap="none">
         <a:solidFill>
           <a:srgbClr val="000000"/>
         </a:solidFill>
@@ -174,7 +174,7 @@
         <a:sym typeface="Arial"/>
       </a:defRPr>
     </a:lvl5pPr>
-    <a:lvl6pPr lvl="5" marR="0" rtl="0" algn="l">
+    <a:lvl6pPr marR="0" lvl="5" algn="l" rtl="0">
       <a:lnSpc>
         <a:spcPct val="100000"/>
       </a:lnSpc>
@@ -188,7 +188,7 @@
         <a:srgbClr val="000000"/>
       </a:buClr>
       <a:buFont typeface="Arial"/>
-      <a:defRPr b="0" i="0" sz="1400" u="none" cap="none" strike="noStrike">
+      <a:defRPr sz="1400" b="0" i="0" u="none" strike="noStrike" cap="none">
         <a:solidFill>
           <a:srgbClr val="000000"/>
         </a:solidFill>
@@ -198,7 +198,7 @@
         <a:sym typeface="Arial"/>
       </a:defRPr>
     </a:lvl6pPr>
-    <a:lvl7pPr lvl="6" marR="0" rtl="0" algn="l">
+    <a:lvl7pPr marR="0" lvl="6" algn="l" rtl="0">
       <a:lnSpc>
         <a:spcPct val="100000"/>
       </a:lnSpc>
@@ -212,7 +212,7 @@
         <a:srgbClr val="000000"/>
       </a:buClr>
       <a:buFont typeface="Arial"/>
-      <a:defRPr b="0" i="0" sz="1400" u="none" cap="none" strike="noStrike">
+      <a:defRPr sz="1400" b="0" i="0" u="none" strike="noStrike" cap="none">
         <a:solidFill>
           <a:srgbClr val="000000"/>
         </a:solidFill>
@@ -222,7 +222,7 @@
         <a:sym typeface="Arial"/>
       </a:defRPr>
     </a:lvl7pPr>
-    <a:lvl8pPr lvl="7" marR="0" rtl="0" algn="l">
+    <a:lvl8pPr marR="0" lvl="7" algn="l" rtl="0">
       <a:lnSpc>
         <a:spcPct val="100000"/>
       </a:lnSpc>
@@ -236,7 +236,7 @@
         <a:srgbClr val="000000"/>
       </a:buClr>
       <a:buFont typeface="Arial"/>
-      <a:defRPr b="0" i="0" sz="1400" u="none" cap="none" strike="noStrike">
+      <a:defRPr sz="1400" b="0" i="0" u="none" strike="noStrike" cap="none">
         <a:solidFill>
           <a:srgbClr val="000000"/>
         </a:solidFill>
@@ -246,7 +246,7 @@
         <a:sym typeface="Arial"/>
       </a:defRPr>
     </a:lvl8pPr>
-    <a:lvl9pPr lvl="8" marR="0" rtl="0" algn="l">
+    <a:lvl9pPr marR="0" lvl="8" algn="l" rtl="0">
       <a:lnSpc>
         <a:spcPct val="100000"/>
       </a:lnSpc>
@@ -260,7 +260,7 @@
         <a:srgbClr val="000000"/>
       </a:buClr>
       <a:buFont typeface="Arial"/>
-      <a:defRPr b="0" i="0" sz="1400" u="none" cap="none" strike="noStrike">
+      <a:defRPr sz="1400" b="0" i="0" u="none" strike="noStrike" cap="none">
         <a:solidFill>
           <a:srgbClr val="000000"/>
         </a:solidFill>
@@ -273,7 +273,7 @@
   </p:defaultTextStyle>
   <p:extLst>
     <p:ext uri="{EFAFB233-063F-42B5-8137-9DF3F51BA10A}">
-      <p15:sldGuideLst>
+      <p15:sldGuideLst xmlns:p15="http://schemas.microsoft.com/office/powerpoint/2012/main">
         <p15:guide id="1" orient="horz" pos="1620">
           <p15:clr>
             <a:srgbClr val="747775"/>
@@ -291,11 +291,16 @@
 </file>
 
 <file path=ppt/notesMasters/notesMaster1.xml><?xml version="1.0" encoding="utf-8"?>
-<p:notesMaster xmlns:a="http://schemas.openxmlformats.org/drawingml/2006/main" xmlns:r="http://schemas.openxmlformats.org/officeDocument/2006/relationships" xmlns:mc="http://schemas.openxmlformats.org/markup-compatibility/2006" xmlns:mv="urn:schemas-microsoft-com:mac:vml" xmlns:p="http://schemas.openxmlformats.org/presentationml/2006/main" xmlns:c="http://schemas.openxmlformats.org/drawingml/2006/chart" xmlns:dgm="http://schemas.openxmlformats.org/drawingml/2006/diagram" xmlns:o="urn:schemas-microsoft-com:office:office" xmlns:v="urn:schemas-microsoft-com:vml" xmlns:pvml="urn:schemas-microsoft-com:office:powerpoint" xmlns:com="http://schemas.openxmlformats.org/drawingml/2006/compatibility" xmlns:p14="http://schemas.microsoft.com/office/powerpoint/2010/main" xmlns:p15="http://schemas.microsoft.com/office/powerpoint/2012/main" xmlns:ahyp="http://schemas.microsoft.com/office/drawing/2018/hyperlinkcolor">
+<p:notesMaster xmlns:a="http://schemas.openxmlformats.org/drawingml/2006/main" xmlns:r="http://schemas.openxmlformats.org/officeDocument/2006/relationships" xmlns:p="http://schemas.openxmlformats.org/presentationml/2006/main">
   <p:cSld>
+    <p:bg>
+      <p:bgRef idx="1001">
+        <a:schemeClr val="bg1"/>
+      </p:bgRef>
+    </p:bg>
     <p:spTree>
       <p:nvGrpSpPr>
-        <p:cNvPr id="2" name="Shape 2"/>
+        <p:cNvPr id="1" name="Shape 2"/>
         <p:cNvGrpSpPr/>
         <p:nvPr/>
       </p:nvGrpSpPr>
@@ -310,9 +315,11 @@
       <p:sp>
         <p:nvSpPr>
           <p:cNvPr id="3" name="Google Shape;3;n"/>
-          <p:cNvSpPr/>
+          <p:cNvSpPr>
+            <a:spLocks noGrp="1" noRot="1" noChangeAspect="1"/>
+          </p:cNvSpPr>
           <p:nvPr>
-            <p:ph idx="2" type="sldImg"/>
+            <p:ph type="sldImg" idx="2"/>
           </p:nvPr>
         </p:nvSpPr>
         <p:spPr>
@@ -321,9 +328,13 @@
             <a:ext cx="6096075" cy="3429000"/>
           </a:xfrm>
           <a:custGeom>
-            <a:rect b="b" l="l" r="r" t="t"/>
+            <a:avLst/>
+            <a:gdLst/>
+            <a:ahLst/>
+            <a:cxnLst/>
+            <a:rect l="l" t="t" r="r" b="b"/>
             <a:pathLst>
-              <a:path extrusionOk="0" h="120000" w="120000">
+              <a:path w="120000" h="120000" extrusionOk="0">
                 <a:moveTo>
                   <a:pt x="0" y="0"/>
                 </a:moveTo>
@@ -341,23 +352,25 @@
             </a:pathLst>
           </a:custGeom>
           <a:noFill/>
-          <a:ln cap="flat" cmpd="sng" w="9525">
+          <a:ln w="9525" cap="flat" cmpd="sng">
             <a:solidFill>
               <a:srgbClr val="000000"/>
             </a:solidFill>
             <a:prstDash val="solid"/>
             <a:round/>
-            <a:headEnd len="sm" w="sm" type="none"/>
-            <a:tailEnd len="sm" w="sm" type="none"/>
+            <a:headEnd type="none" w="sm" len="sm"/>
+            <a:tailEnd type="none" w="sm" len="sm"/>
           </a:ln>
         </p:spPr>
       </p:sp>
       <p:sp>
         <p:nvSpPr>
           <p:cNvPr id="4" name="Google Shape;4;n"/>
-          <p:cNvSpPr txBox="1"/>
+          <p:cNvSpPr txBox="1">
+            <a:spLocks noGrp="1"/>
+          </p:cNvSpPr>
           <p:nvPr>
-            <p:ph idx="1" type="body"/>
+            <p:ph type="body" idx="1"/>
           </p:nvPr>
         </p:nvSpPr>
         <p:spPr>
@@ -374,11 +387,11 @@
           </a:ln>
         </p:spPr>
         <p:txBody>
-          <a:bodyPr anchorCtr="0" anchor="t" bIns="91425" lIns="91425" spcFirstLastPara="1" rIns="91425" wrap="square" tIns="91425">
+          <a:bodyPr spcFirstLastPara="1" wrap="square" lIns="91425" tIns="91425" rIns="91425" bIns="91425" anchor="t" anchorCtr="0">
             <a:noAutofit/>
           </a:bodyPr>
           <a:lstStyle>
-            <a:lvl1pPr indent="-298450" lvl="0" marL="457200">
+            <a:lvl1pPr marL="457200" lvl="0" indent="-298450">
               <a:spcBef>
                 <a:spcPts val="0"/>
               </a:spcBef>
@@ -389,7 +402,7 @@
               <a:buChar char="●"/>
               <a:defRPr sz="1100"/>
             </a:lvl1pPr>
-            <a:lvl2pPr indent="-298450" lvl="1" marL="914400">
+            <a:lvl2pPr marL="914400" lvl="1" indent="-298450">
               <a:spcBef>
                 <a:spcPts val="0"/>
               </a:spcBef>
@@ -400,7 +413,7 @@
               <a:buChar char="○"/>
               <a:defRPr sz="1100"/>
             </a:lvl2pPr>
-            <a:lvl3pPr indent="-298450" lvl="2" marL="1371600">
+            <a:lvl3pPr marL="1371600" lvl="2" indent="-298450">
               <a:spcBef>
                 <a:spcPts val="0"/>
               </a:spcBef>
@@ -411,7 +424,7 @@
               <a:buChar char="■"/>
               <a:defRPr sz="1100"/>
             </a:lvl3pPr>
-            <a:lvl4pPr indent="-298450" lvl="3" marL="1828800">
+            <a:lvl4pPr marL="1828800" lvl="3" indent="-298450">
               <a:spcBef>
                 <a:spcPts val="0"/>
               </a:spcBef>
@@ -422,7 +435,7 @@
               <a:buChar char="●"/>
               <a:defRPr sz="1100"/>
             </a:lvl4pPr>
-            <a:lvl5pPr indent="-298450" lvl="4" marL="2286000">
+            <a:lvl5pPr marL="2286000" lvl="4" indent="-298450">
               <a:spcBef>
                 <a:spcPts val="0"/>
               </a:spcBef>
@@ -433,7 +446,7 @@
               <a:buChar char="○"/>
               <a:defRPr sz="1100"/>
             </a:lvl5pPr>
-            <a:lvl6pPr indent="-298450" lvl="5" marL="2743200">
+            <a:lvl6pPr marL="2743200" lvl="5" indent="-298450">
               <a:spcBef>
                 <a:spcPts val="0"/>
               </a:spcBef>
@@ -444,7 +457,7 @@
               <a:buChar char="■"/>
               <a:defRPr sz="1100"/>
             </a:lvl6pPr>
-            <a:lvl7pPr indent="-298450" lvl="6" marL="3200400">
+            <a:lvl7pPr marL="3200400" lvl="6" indent="-298450">
               <a:spcBef>
                 <a:spcPts val="0"/>
               </a:spcBef>
@@ -455,7 +468,7 @@
               <a:buChar char="●"/>
               <a:defRPr sz="1100"/>
             </a:lvl7pPr>
-            <a:lvl8pPr indent="-298450" lvl="7" marL="3657600">
+            <a:lvl8pPr marL="3657600" lvl="7" indent="-298450">
               <a:spcBef>
                 <a:spcPts val="0"/>
               </a:spcBef>
@@ -466,7 +479,7 @@
               <a:buChar char="○"/>
               <a:defRPr sz="1100"/>
             </a:lvl8pPr>
-            <a:lvl9pPr indent="-298450" lvl="8" marL="4114800">
+            <a:lvl9pPr marL="4114800" lvl="8" indent="-298450">
               <a:spcBef>
                 <a:spcPts val="0"/>
               </a:spcBef>
@@ -478,14 +491,16 @@
               <a:defRPr sz="1100"/>
             </a:lvl9pPr>
           </a:lstStyle>
-          <a:p/>
+          <a:p>
+            <a:endParaRPr/>
+          </a:p>
         </p:txBody>
       </p:sp>
     </p:spTree>
   </p:cSld>
-  <p:clrMap accent1="accent1" accent2="accent2" accent3="accent3" accent4="accent4" accent5="accent5" accent6="accent6" bg1="lt1" bg2="dk2" tx1="dk1" tx2="lt2" folHlink="folHlink" hlink="hlink"/>
+  <p:clrMap bg1="lt1" tx1="dk1" bg2="dk2" tx2="lt2" accent1="accent1" accent2="accent2" accent3="accent3" accent4="accent4" accent5="accent5" accent6="accent6" hlink="hlink" folHlink="folHlink"/>
   <p:notesStyle>
-    <a:defPPr lvl="0" marR="0" rtl="0" algn="l">
+    <a:defPPr marR="0" lvl="0" algn="l" rtl="0">
       <a:lnSpc>
         <a:spcPct val="100000"/>
       </a:lnSpc>
@@ -496,7 +511,7 @@
         <a:spcPts val="0"/>
       </a:spcAft>
     </a:defPPr>
-    <a:lvl1pPr lvl="0" marR="0" rtl="0" algn="l">
+    <a:lvl1pPr marR="0" lvl="0" algn="l" rtl="0">
       <a:lnSpc>
         <a:spcPct val="100000"/>
       </a:lnSpc>
@@ -510,7 +525,7 @@
         <a:srgbClr val="000000"/>
       </a:buClr>
       <a:buFont typeface="Arial"/>
-      <a:defRPr b="0" i="0" sz="1400" u="none" cap="none" strike="noStrike">
+      <a:defRPr sz="1400" b="0" i="0" u="none" strike="noStrike" cap="none">
         <a:solidFill>
           <a:srgbClr val="000000"/>
         </a:solidFill>
@@ -520,7 +535,7 @@
         <a:sym typeface="Arial"/>
       </a:defRPr>
     </a:lvl1pPr>
-    <a:lvl2pPr lvl="1" marR="0" rtl="0" algn="l">
+    <a:lvl2pPr marR="0" lvl="1" algn="l" rtl="0">
       <a:lnSpc>
         <a:spcPct val="100000"/>
       </a:lnSpc>
@@ -534,7 +549,7 @@
         <a:srgbClr val="000000"/>
       </a:buClr>
       <a:buFont typeface="Arial"/>
-      <a:defRPr b="0" i="0" sz="1400" u="none" cap="none" strike="noStrike">
+      <a:defRPr sz="1400" b="0" i="0" u="none" strike="noStrike" cap="none">
         <a:solidFill>
           <a:srgbClr val="000000"/>
         </a:solidFill>
@@ -544,7 +559,7 @@
         <a:sym typeface="Arial"/>
       </a:defRPr>
     </a:lvl2pPr>
-    <a:lvl3pPr lvl="2" marR="0" rtl="0" algn="l">
+    <a:lvl3pPr marR="0" lvl="2" algn="l" rtl="0">
       <a:lnSpc>
         <a:spcPct val="100000"/>
       </a:lnSpc>
@@ -558,7 +573,7 @@
         <a:srgbClr val="000000"/>
       </a:buClr>
       <a:buFont typeface="Arial"/>
-      <a:defRPr b="0" i="0" sz="1400" u="none" cap="none" strike="noStrike">
+      <a:defRPr sz="1400" b="0" i="0" u="none" strike="noStrike" cap="none">
         <a:solidFill>
           <a:srgbClr val="000000"/>
         </a:solidFill>
@@ -568,7 +583,7 @@
         <a:sym typeface="Arial"/>
       </a:defRPr>
     </a:lvl3pPr>
-    <a:lvl4pPr lvl="3" marR="0" rtl="0" algn="l">
+    <a:lvl4pPr marR="0" lvl="3" algn="l" rtl="0">
       <a:lnSpc>
         <a:spcPct val="100000"/>
       </a:lnSpc>
@@ -582,7 +597,7 @@
         <a:srgbClr val="000000"/>
       </a:buClr>
       <a:buFont typeface="Arial"/>
-      <a:defRPr b="0" i="0" sz="1400" u="none" cap="none" strike="noStrike">
+      <a:defRPr sz="1400" b="0" i="0" u="none" strike="noStrike" cap="none">
         <a:solidFill>
           <a:srgbClr val="000000"/>
         </a:solidFill>
@@ -592,7 +607,7 @@
         <a:sym typeface="Arial"/>
       </a:defRPr>
     </a:lvl4pPr>
-    <a:lvl5pPr lvl="4" marR="0" rtl="0" algn="l">
+    <a:lvl5pPr marR="0" lvl="4" algn="l" rtl="0">
       <a:lnSpc>
         <a:spcPct val="100000"/>
       </a:lnSpc>
@@ -606,7 +621,7 @@
         <a:srgbClr val="000000"/>
       </a:buClr>
       <a:buFont typeface="Arial"/>
-      <a:defRPr b="0" i="0" sz="1400" u="none" cap="none" strike="noStrike">
+      <a:defRPr sz="1400" b="0" i="0" u="none" strike="noStrike" cap="none">
         <a:solidFill>
           <a:srgbClr val="000000"/>
         </a:solidFill>
@@ -616,7 +631,7 @@
         <a:sym typeface="Arial"/>
       </a:defRPr>
     </a:lvl5pPr>
-    <a:lvl6pPr lvl="5" marR="0" rtl="0" algn="l">
+    <a:lvl6pPr marR="0" lvl="5" algn="l" rtl="0">
       <a:lnSpc>
         <a:spcPct val="100000"/>
       </a:lnSpc>
@@ -630,7 +645,7 @@
         <a:srgbClr val="000000"/>
       </a:buClr>
       <a:buFont typeface="Arial"/>
-      <a:defRPr b="0" i="0" sz="1400" u="none" cap="none" strike="noStrike">
+      <a:defRPr sz="1400" b="0" i="0" u="none" strike="noStrike" cap="none">
         <a:solidFill>
           <a:srgbClr val="000000"/>
         </a:solidFill>
@@ -640,7 +655,7 @@
         <a:sym typeface="Arial"/>
       </a:defRPr>
     </a:lvl6pPr>
-    <a:lvl7pPr lvl="6" marR="0" rtl="0" algn="l">
+    <a:lvl7pPr marR="0" lvl="6" algn="l" rtl="0">
       <a:lnSpc>
         <a:spcPct val="100000"/>
       </a:lnSpc>
@@ -654,7 +669,7 @@
         <a:srgbClr val="000000"/>
       </a:buClr>
       <a:buFont typeface="Arial"/>
-      <a:defRPr b="0" i="0" sz="1400" u="none" cap="none" strike="noStrike">
+      <a:defRPr sz="1400" b="0" i="0" u="none" strike="noStrike" cap="none">
         <a:solidFill>
           <a:srgbClr val="000000"/>
         </a:solidFill>
@@ -664,7 +679,7 @@
         <a:sym typeface="Arial"/>
       </a:defRPr>
     </a:lvl7pPr>
-    <a:lvl8pPr lvl="7" marR="0" rtl="0" algn="l">
+    <a:lvl8pPr marR="0" lvl="7" algn="l" rtl="0">
       <a:lnSpc>
         <a:spcPct val="100000"/>
       </a:lnSpc>
@@ -678,7 +693,7 @@
         <a:srgbClr val="000000"/>
       </a:buClr>
       <a:buFont typeface="Arial"/>
-      <a:defRPr b="0" i="0" sz="1400" u="none" cap="none" strike="noStrike">
+      <a:defRPr sz="1400" b="0" i="0" u="none" strike="noStrike" cap="none">
         <a:solidFill>
           <a:srgbClr val="000000"/>
         </a:solidFill>
@@ -688,7 +703,7 @@
         <a:sym typeface="Arial"/>
       </a:defRPr>
     </a:lvl8pPr>
-    <a:lvl9pPr lvl="8" marR="0" rtl="0" algn="l">
+    <a:lvl9pPr marR="0" lvl="8" algn="l" rtl="0">
       <a:lnSpc>
         <a:spcPct val="100000"/>
       </a:lnSpc>
@@ -702,7 +717,7 @@
         <a:srgbClr val="000000"/>
       </a:buClr>
       <a:buFont typeface="Arial"/>
-      <a:defRPr b="0" i="0" sz="1400" u="none" cap="none" strike="noStrike">
+      <a:defRPr sz="1400" b="0" i="0" u="none" strike="noStrike" cap="none">
         <a:solidFill>
           <a:srgbClr val="000000"/>
         </a:solidFill>
@@ -717,11 +732,11 @@
 </file>
 
 <file path=ppt/notesSlides/notesSlide1.xml><?xml version="1.0" encoding="utf-8"?>
-<p:notes xmlns:a="http://schemas.openxmlformats.org/drawingml/2006/main" xmlns:r="http://schemas.openxmlformats.org/officeDocument/2006/relationships" xmlns:mc="http://schemas.openxmlformats.org/markup-compatibility/2006" xmlns:mv="urn:schemas-microsoft-com:mac:vml" xmlns:p="http://schemas.openxmlformats.org/presentationml/2006/main" xmlns:c="http://schemas.openxmlformats.org/drawingml/2006/chart" xmlns:dgm="http://schemas.openxmlformats.org/drawingml/2006/diagram" xmlns:o="urn:schemas-microsoft-com:office:office" xmlns:v="urn:schemas-microsoft-com:vml" xmlns:pvml="urn:schemas-microsoft-com:office:powerpoint" xmlns:com="http://schemas.openxmlformats.org/drawingml/2006/compatibility" xmlns:p14="http://schemas.microsoft.com/office/powerpoint/2010/main" xmlns:p15="http://schemas.microsoft.com/office/powerpoint/2012/main" xmlns:ahyp="http://schemas.microsoft.com/office/drawing/2018/hyperlinkcolor" showMasterPhAnim="0" showMasterSp="0">
+<p:notes xmlns:a="http://schemas.openxmlformats.org/drawingml/2006/main" xmlns:r="http://schemas.openxmlformats.org/officeDocument/2006/relationships" xmlns:p="http://schemas.openxmlformats.org/presentationml/2006/main" showMasterSp="0" showMasterPhAnim="0">
   <p:cSld>
     <p:spTree>
       <p:nvGrpSpPr>
-        <p:cNvPr id="50" name="Shape 50"/>
+        <p:cNvPr id="1" name="Shape 50"/>
         <p:cNvGrpSpPr/>
         <p:nvPr/>
       </p:nvGrpSpPr>
@@ -736,9 +751,11 @@
       <p:sp>
         <p:nvSpPr>
           <p:cNvPr id="51" name="Google Shape;51;p:notes"/>
-          <p:cNvSpPr/>
+          <p:cNvSpPr>
+            <a:spLocks noGrp="1" noRot="1" noChangeAspect="1"/>
+          </p:cNvSpPr>
           <p:nvPr>
-            <p:ph idx="2" type="sldImg"/>
+            <p:ph type="sldImg" idx="2"/>
           </p:nvPr>
         </p:nvSpPr>
         <p:spPr>
@@ -747,9 +764,13 @@
             <a:ext cx="6096075" cy="3429000"/>
           </a:xfrm>
           <a:custGeom>
-            <a:rect b="b" l="l" r="r" t="t"/>
+            <a:avLst/>
+            <a:gdLst/>
+            <a:ahLst/>
+            <a:cxnLst/>
+            <a:rect l="l" t="t" r="r" b="b"/>
             <a:pathLst>
-              <a:path extrusionOk="0" h="120000" w="120000">
+              <a:path w="120000" h="120000" extrusionOk="0">
                 <a:moveTo>
                   <a:pt x="0" y="0"/>
                 </a:moveTo>
@@ -771,9 +792,11 @@
       <p:sp>
         <p:nvSpPr>
           <p:cNvPr id="52" name="Google Shape;52;p:notes"/>
-          <p:cNvSpPr txBox="1"/>
+          <p:cNvSpPr txBox="1">
+            <a:spLocks noGrp="1"/>
+          </p:cNvSpPr>
           <p:nvPr>
-            <p:ph idx="1" type="body"/>
+            <p:ph type="body" idx="1"/>
           </p:nvPr>
         </p:nvSpPr>
         <p:spPr>
@@ -786,12 +809,12 @@
           </a:prstGeom>
         </p:spPr>
         <p:txBody>
-          <a:bodyPr anchorCtr="0" anchor="t" bIns="91425" lIns="91425" spcFirstLastPara="1" rIns="91425" wrap="square" tIns="91425">
+          <a:bodyPr spcFirstLastPara="1" wrap="square" lIns="91425" tIns="91425" rIns="91425" bIns="91425" anchor="t" anchorCtr="0">
             <a:noAutofit/>
           </a:bodyPr>
           <a:lstStyle/>
           <a:p>
-            <a:pPr indent="0" lvl="0" marL="0" rtl="0" algn="l">
+            <a:pPr marL="0" lvl="0" indent="0" algn="l" rtl="0">
               <a:spcBef>
                 <a:spcPts val="0"/>
               </a:spcBef>
@@ -800,9 +823,6 @@
               </a:spcAft>
               <a:buNone/>
             </a:pPr>
-            <a:r>
-              <a:t/>
-            </a:r>
             <a:endParaRPr/>
           </a:p>
         </p:txBody>
@@ -816,11 +836,11 @@
 </file>
 
 <file path=ppt/notesSlides/notesSlide10.xml><?xml version="1.0" encoding="utf-8"?>
-<p:notes xmlns:a="http://schemas.openxmlformats.org/drawingml/2006/main" xmlns:r="http://schemas.openxmlformats.org/officeDocument/2006/relationships" xmlns:mc="http://schemas.openxmlformats.org/markup-compatibility/2006" xmlns:mv="urn:schemas-microsoft-com:mac:vml" xmlns:p="http://schemas.openxmlformats.org/presentationml/2006/main" xmlns:c="http://schemas.openxmlformats.org/drawingml/2006/chart" xmlns:dgm="http://schemas.openxmlformats.org/drawingml/2006/diagram" xmlns:o="urn:schemas-microsoft-com:office:office" xmlns:v="urn:schemas-microsoft-com:vml" xmlns:pvml="urn:schemas-microsoft-com:office:powerpoint" xmlns:com="http://schemas.openxmlformats.org/drawingml/2006/compatibility" xmlns:p14="http://schemas.microsoft.com/office/powerpoint/2010/main" xmlns:p15="http://schemas.microsoft.com/office/powerpoint/2012/main" xmlns:ahyp="http://schemas.microsoft.com/office/drawing/2018/hyperlinkcolor" showMasterPhAnim="0" showMasterSp="0">
+<p:notes xmlns:a="http://schemas.openxmlformats.org/drawingml/2006/main" xmlns:r="http://schemas.openxmlformats.org/officeDocument/2006/relationships" xmlns:p="http://schemas.openxmlformats.org/presentationml/2006/main" showMasterSp="0" showMasterPhAnim="0">
   <p:cSld>
     <p:spTree>
       <p:nvGrpSpPr>
-        <p:cNvPr id="156" name="Shape 156"/>
+        <p:cNvPr id="1" name="Shape 156"/>
         <p:cNvGrpSpPr/>
         <p:nvPr/>
       </p:nvGrpSpPr>
@@ -835,9 +855,11 @@
       <p:sp>
         <p:nvSpPr>
           <p:cNvPr id="157" name="Google Shape;157;g2a2c8ed4687_0_161:notes"/>
-          <p:cNvSpPr/>
+          <p:cNvSpPr>
+            <a:spLocks noGrp="1" noRot="1" noChangeAspect="1"/>
+          </p:cNvSpPr>
           <p:nvPr>
-            <p:ph idx="2" type="sldImg"/>
+            <p:ph type="sldImg" idx="2"/>
           </p:nvPr>
         </p:nvSpPr>
         <p:spPr>
@@ -846,9 +868,13 @@
             <a:ext cx="6096000" cy="3429000"/>
           </a:xfrm>
           <a:custGeom>
-            <a:rect b="b" l="l" r="r" t="t"/>
+            <a:avLst/>
+            <a:gdLst/>
+            <a:ahLst/>
+            <a:cxnLst/>
+            <a:rect l="l" t="t" r="r" b="b"/>
             <a:pathLst>
-              <a:path extrusionOk="0" h="120000" w="120000">
+              <a:path w="120000" h="120000" extrusionOk="0">
                 <a:moveTo>
                   <a:pt x="0" y="0"/>
                 </a:moveTo>
@@ -870,9 +896,11 @@
       <p:sp>
         <p:nvSpPr>
           <p:cNvPr id="158" name="Google Shape;158;g2a2c8ed4687_0_161:notes"/>
-          <p:cNvSpPr txBox="1"/>
+          <p:cNvSpPr txBox="1">
+            <a:spLocks noGrp="1"/>
+          </p:cNvSpPr>
           <p:nvPr>
-            <p:ph idx="1" type="body"/>
+            <p:ph type="body" idx="1"/>
           </p:nvPr>
         </p:nvSpPr>
         <p:spPr>
@@ -885,12 +913,12 @@
           </a:prstGeom>
         </p:spPr>
         <p:txBody>
-          <a:bodyPr anchorCtr="0" anchor="t" bIns="91425" lIns="91425" spcFirstLastPara="1" rIns="91425" wrap="square" tIns="91425">
+          <a:bodyPr spcFirstLastPara="1" wrap="square" lIns="91425" tIns="91425" rIns="91425" bIns="91425" anchor="t" anchorCtr="0">
             <a:noAutofit/>
           </a:bodyPr>
           <a:lstStyle/>
           <a:p>
-            <a:pPr indent="0" lvl="0" marL="0" rtl="0" algn="l">
+            <a:pPr marL="0" lvl="0" indent="0" algn="l" rtl="0">
               <a:spcBef>
                 <a:spcPts val="0"/>
               </a:spcBef>
@@ -899,9 +927,6 @@
               </a:spcAft>
               <a:buNone/>
             </a:pPr>
-            <a:r>
-              <a:t/>
-            </a:r>
             <a:endParaRPr/>
           </a:p>
         </p:txBody>
@@ -915,11 +940,11 @@
 </file>
 
 <file path=ppt/notesSlides/notesSlide2.xml><?xml version="1.0" encoding="utf-8"?>
-<p:notes xmlns:a="http://schemas.openxmlformats.org/drawingml/2006/main" xmlns:r="http://schemas.openxmlformats.org/officeDocument/2006/relationships" xmlns:mc="http://schemas.openxmlformats.org/markup-compatibility/2006" xmlns:mv="urn:schemas-microsoft-com:mac:vml" xmlns:p="http://schemas.openxmlformats.org/presentationml/2006/main" xmlns:c="http://schemas.openxmlformats.org/drawingml/2006/chart" xmlns:dgm="http://schemas.openxmlformats.org/drawingml/2006/diagram" xmlns:o="urn:schemas-microsoft-com:office:office" xmlns:v="urn:schemas-microsoft-com:vml" xmlns:pvml="urn:schemas-microsoft-com:office:powerpoint" xmlns:com="http://schemas.openxmlformats.org/drawingml/2006/compatibility" xmlns:p14="http://schemas.microsoft.com/office/powerpoint/2010/main" xmlns:p15="http://schemas.microsoft.com/office/powerpoint/2012/main" xmlns:ahyp="http://schemas.microsoft.com/office/drawing/2018/hyperlinkcolor" showMasterPhAnim="0" showMasterSp="0">
+<p:notes xmlns:a="http://schemas.openxmlformats.org/drawingml/2006/main" xmlns:r="http://schemas.openxmlformats.org/officeDocument/2006/relationships" xmlns:p="http://schemas.openxmlformats.org/presentationml/2006/main" showMasterSp="0" showMasterPhAnim="0">
   <p:cSld>
     <p:spTree>
       <p:nvGrpSpPr>
-        <p:cNvPr id="59" name="Shape 59"/>
+        <p:cNvPr id="1" name="Shape 59"/>
         <p:cNvGrpSpPr/>
         <p:nvPr/>
       </p:nvGrpSpPr>
@@ -934,20 +959,26 @@
       <p:sp>
         <p:nvSpPr>
           <p:cNvPr id="60" name="Google Shape;60;g2a2c8ed4687_0_6:notes"/>
-          <p:cNvSpPr/>
+          <p:cNvSpPr>
+            <a:spLocks noGrp="1" noRot="1" noChangeAspect="1"/>
+          </p:cNvSpPr>
           <p:nvPr>
-            <p:ph idx="2" type="sldImg"/>
+            <p:ph type="sldImg" idx="2"/>
           </p:nvPr>
         </p:nvSpPr>
         <p:spPr>
           <a:xfrm>
-            <a:off x="381300" y="685800"/>
+            <a:off x="381000" y="685800"/>
             <a:ext cx="6096000" cy="3429000"/>
           </a:xfrm>
           <a:custGeom>
-            <a:rect b="b" l="l" r="r" t="t"/>
+            <a:avLst/>
+            <a:gdLst/>
+            <a:ahLst/>
+            <a:cxnLst/>
+            <a:rect l="l" t="t" r="r" b="b"/>
             <a:pathLst>
-              <a:path extrusionOk="0" h="120000" w="120000">
+              <a:path w="120000" h="120000" extrusionOk="0">
                 <a:moveTo>
                   <a:pt x="0" y="0"/>
                 </a:moveTo>
@@ -969,9 +1000,11 @@
       <p:sp>
         <p:nvSpPr>
           <p:cNvPr id="61" name="Google Shape;61;g2a2c8ed4687_0_6:notes"/>
-          <p:cNvSpPr txBox="1"/>
+          <p:cNvSpPr txBox="1">
+            <a:spLocks noGrp="1"/>
+          </p:cNvSpPr>
           <p:nvPr>
-            <p:ph idx="1" type="body"/>
+            <p:ph type="body" idx="1"/>
           </p:nvPr>
         </p:nvSpPr>
         <p:spPr>
@@ -984,12 +1017,12 @@
           </a:prstGeom>
         </p:spPr>
         <p:txBody>
-          <a:bodyPr anchorCtr="0" anchor="t" bIns="91425" lIns="91425" spcFirstLastPara="1" rIns="91425" wrap="square" tIns="91425">
+          <a:bodyPr spcFirstLastPara="1" wrap="square" lIns="91425" tIns="91425" rIns="91425" bIns="91425" anchor="t" anchorCtr="0">
             <a:noAutofit/>
           </a:bodyPr>
           <a:lstStyle/>
           <a:p>
-            <a:pPr indent="0" lvl="0" marL="0" rtl="0" algn="l">
+            <a:pPr marL="0" lvl="0" indent="0" algn="l" rtl="0">
               <a:spcBef>
                 <a:spcPts val="0"/>
               </a:spcBef>
@@ -998,9 +1031,6 @@
               </a:spcAft>
               <a:buNone/>
             </a:pPr>
-            <a:r>
-              <a:t/>
-            </a:r>
             <a:endParaRPr/>
           </a:p>
         </p:txBody>
@@ -1014,11 +1044,11 @@
 </file>
 
 <file path=ppt/notesSlides/notesSlide3.xml><?xml version="1.0" encoding="utf-8"?>
-<p:notes xmlns:a="http://schemas.openxmlformats.org/drawingml/2006/main" xmlns:r="http://schemas.openxmlformats.org/officeDocument/2006/relationships" xmlns:mc="http://schemas.openxmlformats.org/markup-compatibility/2006" xmlns:mv="urn:schemas-microsoft-com:mac:vml" xmlns:p="http://schemas.openxmlformats.org/presentationml/2006/main" xmlns:c="http://schemas.openxmlformats.org/drawingml/2006/chart" xmlns:dgm="http://schemas.openxmlformats.org/drawingml/2006/diagram" xmlns:o="urn:schemas-microsoft-com:office:office" xmlns:v="urn:schemas-microsoft-com:vml" xmlns:pvml="urn:schemas-microsoft-com:office:powerpoint" xmlns:com="http://schemas.openxmlformats.org/drawingml/2006/compatibility" xmlns:p14="http://schemas.microsoft.com/office/powerpoint/2010/main" xmlns:p15="http://schemas.microsoft.com/office/powerpoint/2012/main" xmlns:ahyp="http://schemas.microsoft.com/office/drawing/2018/hyperlinkcolor" showMasterPhAnim="0" showMasterSp="0">
+<p:notes xmlns:a="http://schemas.openxmlformats.org/drawingml/2006/main" xmlns:r="http://schemas.openxmlformats.org/officeDocument/2006/relationships" xmlns:p="http://schemas.openxmlformats.org/presentationml/2006/main" showMasterSp="0" showMasterPhAnim="0">
   <p:cSld>
     <p:spTree>
       <p:nvGrpSpPr>
-        <p:cNvPr id="69" name="Shape 69"/>
+        <p:cNvPr id="1" name="Shape 69"/>
         <p:cNvGrpSpPr/>
         <p:nvPr/>
       </p:nvGrpSpPr>
@@ -1033,9 +1063,11 @@
       <p:sp>
         <p:nvSpPr>
           <p:cNvPr id="70" name="Google Shape;70;g2a2c8ed4687_0_26:notes"/>
-          <p:cNvSpPr/>
+          <p:cNvSpPr>
+            <a:spLocks noGrp="1" noRot="1" noChangeAspect="1"/>
+          </p:cNvSpPr>
           <p:nvPr>
-            <p:ph idx="2" type="sldImg"/>
+            <p:ph type="sldImg" idx="2"/>
           </p:nvPr>
         </p:nvSpPr>
         <p:spPr>
@@ -1044,9 +1076,13 @@
             <a:ext cx="6096000" cy="3429000"/>
           </a:xfrm>
           <a:custGeom>
-            <a:rect b="b" l="l" r="r" t="t"/>
+            <a:avLst/>
+            <a:gdLst/>
+            <a:ahLst/>
+            <a:cxnLst/>
+            <a:rect l="l" t="t" r="r" b="b"/>
             <a:pathLst>
-              <a:path extrusionOk="0" h="120000" w="120000">
+              <a:path w="120000" h="120000" extrusionOk="0">
                 <a:moveTo>
                   <a:pt x="0" y="0"/>
                 </a:moveTo>
@@ -1068,9 +1104,11 @@
       <p:sp>
         <p:nvSpPr>
           <p:cNvPr id="71" name="Google Shape;71;g2a2c8ed4687_0_26:notes"/>
-          <p:cNvSpPr txBox="1"/>
+          <p:cNvSpPr txBox="1">
+            <a:spLocks noGrp="1"/>
+          </p:cNvSpPr>
           <p:nvPr>
-            <p:ph idx="1" type="body"/>
+            <p:ph type="body" idx="1"/>
           </p:nvPr>
         </p:nvSpPr>
         <p:spPr>
@@ -1083,12 +1121,12 @@
           </a:prstGeom>
         </p:spPr>
         <p:txBody>
-          <a:bodyPr anchorCtr="0" anchor="t" bIns="91425" lIns="91425" spcFirstLastPara="1" rIns="91425" wrap="square" tIns="91425">
+          <a:bodyPr spcFirstLastPara="1" wrap="square" lIns="91425" tIns="91425" rIns="91425" bIns="91425" anchor="t" anchorCtr="0">
             <a:noAutofit/>
           </a:bodyPr>
           <a:lstStyle/>
           <a:p>
-            <a:pPr indent="0" lvl="0" marL="0" rtl="0" algn="l">
+            <a:pPr marL="0" lvl="0" indent="0" algn="l" rtl="0">
               <a:spcBef>
                 <a:spcPts val="0"/>
               </a:spcBef>
@@ -1097,9 +1135,6 @@
               </a:spcAft>
               <a:buNone/>
             </a:pPr>
-            <a:r>
-              <a:t/>
-            </a:r>
             <a:endParaRPr/>
           </a:p>
         </p:txBody>
@@ -1113,11 +1148,11 @@
 </file>
 
 <file path=ppt/notesSlides/notesSlide4.xml><?xml version="1.0" encoding="utf-8"?>
-<p:notes xmlns:a="http://schemas.openxmlformats.org/drawingml/2006/main" xmlns:r="http://schemas.openxmlformats.org/officeDocument/2006/relationships" xmlns:mc="http://schemas.openxmlformats.org/markup-compatibility/2006" xmlns:mv="urn:schemas-microsoft-com:mac:vml" xmlns:p="http://schemas.openxmlformats.org/presentationml/2006/main" xmlns:c="http://schemas.openxmlformats.org/drawingml/2006/chart" xmlns:dgm="http://schemas.openxmlformats.org/drawingml/2006/diagram" xmlns:o="urn:schemas-microsoft-com:office:office" xmlns:v="urn:schemas-microsoft-com:vml" xmlns:pvml="urn:schemas-microsoft-com:office:powerpoint" xmlns:com="http://schemas.openxmlformats.org/drawingml/2006/compatibility" xmlns:p14="http://schemas.microsoft.com/office/powerpoint/2010/main" xmlns:p15="http://schemas.microsoft.com/office/powerpoint/2012/main" xmlns:ahyp="http://schemas.microsoft.com/office/drawing/2018/hyperlinkcolor" showMasterPhAnim="0" showMasterSp="0">
+<p:notes xmlns:a="http://schemas.openxmlformats.org/drawingml/2006/main" xmlns:r="http://schemas.openxmlformats.org/officeDocument/2006/relationships" xmlns:p="http://schemas.openxmlformats.org/presentationml/2006/main" showMasterSp="0" showMasterPhAnim="0">
   <p:cSld>
     <p:spTree>
       <p:nvGrpSpPr>
-        <p:cNvPr id="80" name="Shape 80"/>
+        <p:cNvPr id="1" name="Shape 80"/>
         <p:cNvGrpSpPr/>
         <p:nvPr/>
       </p:nvGrpSpPr>
@@ -1132,9 +1167,11 @@
       <p:sp>
         <p:nvSpPr>
           <p:cNvPr id="81" name="Google Shape;81;g2a2c8ed4687_0_45:notes"/>
-          <p:cNvSpPr/>
+          <p:cNvSpPr>
+            <a:spLocks noGrp="1" noRot="1" noChangeAspect="1"/>
+          </p:cNvSpPr>
           <p:nvPr>
-            <p:ph idx="2" type="sldImg"/>
+            <p:ph type="sldImg" idx="2"/>
           </p:nvPr>
         </p:nvSpPr>
         <p:spPr>
@@ -1143,9 +1180,13 @@
             <a:ext cx="6096000" cy="3429000"/>
           </a:xfrm>
           <a:custGeom>
-            <a:rect b="b" l="l" r="r" t="t"/>
+            <a:avLst/>
+            <a:gdLst/>
+            <a:ahLst/>
+            <a:cxnLst/>
+            <a:rect l="l" t="t" r="r" b="b"/>
             <a:pathLst>
-              <a:path extrusionOk="0" h="120000" w="120000">
+              <a:path w="120000" h="120000" extrusionOk="0">
                 <a:moveTo>
                   <a:pt x="0" y="0"/>
                 </a:moveTo>
@@ -1167,9 +1208,11 @@
       <p:sp>
         <p:nvSpPr>
           <p:cNvPr id="82" name="Google Shape;82;g2a2c8ed4687_0_45:notes"/>
-          <p:cNvSpPr txBox="1"/>
+          <p:cNvSpPr txBox="1">
+            <a:spLocks noGrp="1"/>
+          </p:cNvSpPr>
           <p:nvPr>
-            <p:ph idx="1" type="body"/>
+            <p:ph type="body" idx="1"/>
           </p:nvPr>
         </p:nvSpPr>
         <p:spPr>
@@ -1182,12 +1225,12 @@
           </a:prstGeom>
         </p:spPr>
         <p:txBody>
-          <a:bodyPr anchorCtr="0" anchor="t" bIns="91425" lIns="91425" spcFirstLastPara="1" rIns="91425" wrap="square" tIns="91425">
+          <a:bodyPr spcFirstLastPara="1" wrap="square" lIns="91425" tIns="91425" rIns="91425" bIns="91425" anchor="t" anchorCtr="0">
             <a:noAutofit/>
           </a:bodyPr>
           <a:lstStyle/>
           <a:p>
-            <a:pPr indent="0" lvl="0" marL="0" rtl="0" algn="l">
+            <a:pPr marL="0" lvl="0" indent="0" algn="l" rtl="0">
               <a:spcBef>
                 <a:spcPts val="0"/>
               </a:spcBef>
@@ -1196,9 +1239,6 @@
               </a:spcAft>
               <a:buNone/>
             </a:pPr>
-            <a:r>
-              <a:t/>
-            </a:r>
             <a:endParaRPr/>
           </a:p>
         </p:txBody>
@@ -1212,11 +1252,11 @@
 </file>
 
 <file path=ppt/notesSlides/notesSlide5.xml><?xml version="1.0" encoding="utf-8"?>
-<p:notes xmlns:a="http://schemas.openxmlformats.org/drawingml/2006/main" xmlns:r="http://schemas.openxmlformats.org/officeDocument/2006/relationships" xmlns:mc="http://schemas.openxmlformats.org/markup-compatibility/2006" xmlns:mv="urn:schemas-microsoft-com:mac:vml" xmlns:p="http://schemas.openxmlformats.org/presentationml/2006/main" xmlns:c="http://schemas.openxmlformats.org/drawingml/2006/chart" xmlns:dgm="http://schemas.openxmlformats.org/drawingml/2006/diagram" xmlns:o="urn:schemas-microsoft-com:office:office" xmlns:v="urn:schemas-microsoft-com:vml" xmlns:pvml="urn:schemas-microsoft-com:office:powerpoint" xmlns:com="http://schemas.openxmlformats.org/drawingml/2006/compatibility" xmlns:p14="http://schemas.microsoft.com/office/powerpoint/2010/main" xmlns:p15="http://schemas.microsoft.com/office/powerpoint/2012/main" xmlns:ahyp="http://schemas.microsoft.com/office/drawing/2018/hyperlinkcolor" showMasterPhAnim="0" showMasterSp="0">
+<p:notes xmlns:a="http://schemas.openxmlformats.org/drawingml/2006/main" xmlns:r="http://schemas.openxmlformats.org/officeDocument/2006/relationships" xmlns:p="http://schemas.openxmlformats.org/presentationml/2006/main" showMasterSp="0" showMasterPhAnim="0">
   <p:cSld>
     <p:spTree>
       <p:nvGrpSpPr>
-        <p:cNvPr id="90" name="Shape 90"/>
+        <p:cNvPr id="1" name="Shape 90"/>
         <p:cNvGrpSpPr/>
         <p:nvPr/>
       </p:nvGrpSpPr>
@@ -1231,9 +1271,11 @@
       <p:sp>
         <p:nvSpPr>
           <p:cNvPr id="91" name="Google Shape;91;g2a2c8ed4687_0_66:notes"/>
-          <p:cNvSpPr/>
+          <p:cNvSpPr>
+            <a:spLocks noGrp="1" noRot="1" noChangeAspect="1"/>
+          </p:cNvSpPr>
           <p:nvPr>
-            <p:ph idx="2" type="sldImg"/>
+            <p:ph type="sldImg" idx="2"/>
           </p:nvPr>
         </p:nvSpPr>
         <p:spPr>
@@ -1242,9 +1284,13 @@
             <a:ext cx="6096000" cy="3429000"/>
           </a:xfrm>
           <a:custGeom>
-            <a:rect b="b" l="l" r="r" t="t"/>
+            <a:avLst/>
+            <a:gdLst/>
+            <a:ahLst/>
+            <a:cxnLst/>
+            <a:rect l="l" t="t" r="r" b="b"/>
             <a:pathLst>
-              <a:path extrusionOk="0" h="120000" w="120000">
+              <a:path w="120000" h="120000" extrusionOk="0">
                 <a:moveTo>
                   <a:pt x="0" y="0"/>
                 </a:moveTo>
@@ -1266,9 +1312,11 @@
       <p:sp>
         <p:nvSpPr>
           <p:cNvPr id="92" name="Google Shape;92;g2a2c8ed4687_0_66:notes"/>
-          <p:cNvSpPr txBox="1"/>
+          <p:cNvSpPr txBox="1">
+            <a:spLocks noGrp="1"/>
+          </p:cNvSpPr>
           <p:nvPr>
-            <p:ph idx="1" type="body"/>
+            <p:ph type="body" idx="1"/>
           </p:nvPr>
         </p:nvSpPr>
         <p:spPr>
@@ -1281,12 +1329,12 @@
           </a:prstGeom>
         </p:spPr>
         <p:txBody>
-          <a:bodyPr anchorCtr="0" anchor="t" bIns="91425" lIns="91425" spcFirstLastPara="1" rIns="91425" wrap="square" tIns="91425">
+          <a:bodyPr spcFirstLastPara="1" wrap="square" lIns="91425" tIns="91425" rIns="91425" bIns="91425" anchor="t" anchorCtr="0">
             <a:noAutofit/>
           </a:bodyPr>
           <a:lstStyle/>
           <a:p>
-            <a:pPr indent="0" lvl="0" marL="0" rtl="0" algn="l">
+            <a:pPr marL="0" lvl="0" indent="0" algn="l" rtl="0">
               <a:spcBef>
                 <a:spcPts val="0"/>
               </a:spcBef>
@@ -1295,9 +1343,6 @@
               </a:spcAft>
               <a:buNone/>
             </a:pPr>
-            <a:r>
-              <a:t/>
-            </a:r>
             <a:endParaRPr/>
           </a:p>
         </p:txBody>
@@ -1311,11 +1356,11 @@
 </file>
 
 <file path=ppt/notesSlides/notesSlide6.xml><?xml version="1.0" encoding="utf-8"?>
-<p:notes xmlns:a="http://schemas.openxmlformats.org/drawingml/2006/main" xmlns:r="http://schemas.openxmlformats.org/officeDocument/2006/relationships" xmlns:mc="http://schemas.openxmlformats.org/markup-compatibility/2006" xmlns:mv="urn:schemas-microsoft-com:mac:vml" xmlns:p="http://schemas.openxmlformats.org/presentationml/2006/main" xmlns:c="http://schemas.openxmlformats.org/drawingml/2006/chart" xmlns:dgm="http://schemas.openxmlformats.org/drawingml/2006/diagram" xmlns:o="urn:schemas-microsoft-com:office:office" xmlns:v="urn:schemas-microsoft-com:vml" xmlns:pvml="urn:schemas-microsoft-com:office:powerpoint" xmlns:com="http://schemas.openxmlformats.org/drawingml/2006/compatibility" xmlns:p14="http://schemas.microsoft.com/office/powerpoint/2010/main" xmlns:p15="http://schemas.microsoft.com/office/powerpoint/2012/main" xmlns:ahyp="http://schemas.microsoft.com/office/drawing/2018/hyperlinkcolor" showMasterPhAnim="0" showMasterSp="0">
+<p:notes xmlns:a="http://schemas.openxmlformats.org/drawingml/2006/main" xmlns:r="http://schemas.openxmlformats.org/officeDocument/2006/relationships" xmlns:p="http://schemas.openxmlformats.org/presentationml/2006/main" showMasterSp="0" showMasterPhAnim="0">
   <p:cSld>
     <p:spTree>
       <p:nvGrpSpPr>
-        <p:cNvPr id="107" name="Shape 107"/>
+        <p:cNvPr id="1" name="Shape 107"/>
         <p:cNvGrpSpPr/>
         <p:nvPr/>
       </p:nvGrpSpPr>
@@ -1330,9 +1375,11 @@
       <p:sp>
         <p:nvSpPr>
           <p:cNvPr id="108" name="Google Shape;108;g2a2c8ed4687_0_84:notes"/>
-          <p:cNvSpPr/>
+          <p:cNvSpPr>
+            <a:spLocks noGrp="1" noRot="1" noChangeAspect="1"/>
+          </p:cNvSpPr>
           <p:nvPr>
-            <p:ph idx="2" type="sldImg"/>
+            <p:ph type="sldImg" idx="2"/>
           </p:nvPr>
         </p:nvSpPr>
         <p:spPr>
@@ -1341,9 +1388,13 @@
             <a:ext cx="6096000" cy="3429000"/>
           </a:xfrm>
           <a:custGeom>
-            <a:rect b="b" l="l" r="r" t="t"/>
+            <a:avLst/>
+            <a:gdLst/>
+            <a:ahLst/>
+            <a:cxnLst/>
+            <a:rect l="l" t="t" r="r" b="b"/>
             <a:pathLst>
-              <a:path extrusionOk="0" h="120000" w="120000">
+              <a:path w="120000" h="120000" extrusionOk="0">
                 <a:moveTo>
                   <a:pt x="0" y="0"/>
                 </a:moveTo>
@@ -1365,9 +1416,11 @@
       <p:sp>
         <p:nvSpPr>
           <p:cNvPr id="109" name="Google Shape;109;g2a2c8ed4687_0_84:notes"/>
-          <p:cNvSpPr txBox="1"/>
+          <p:cNvSpPr txBox="1">
+            <a:spLocks noGrp="1"/>
+          </p:cNvSpPr>
           <p:nvPr>
-            <p:ph idx="1" type="body"/>
+            <p:ph type="body" idx="1"/>
           </p:nvPr>
         </p:nvSpPr>
         <p:spPr>
@@ -1380,12 +1433,12 @@
           </a:prstGeom>
         </p:spPr>
         <p:txBody>
-          <a:bodyPr anchorCtr="0" anchor="t" bIns="91425" lIns="91425" spcFirstLastPara="1" rIns="91425" wrap="square" tIns="91425">
+          <a:bodyPr spcFirstLastPara="1" wrap="square" lIns="91425" tIns="91425" rIns="91425" bIns="91425" anchor="t" anchorCtr="0">
             <a:noAutofit/>
           </a:bodyPr>
           <a:lstStyle/>
           <a:p>
-            <a:pPr indent="0" lvl="0" marL="0" rtl="0" algn="l">
+            <a:pPr marL="0" lvl="0" indent="0" algn="l" rtl="0">
               <a:spcBef>
                 <a:spcPts val="0"/>
               </a:spcBef>
@@ -1394,9 +1447,6 @@
               </a:spcAft>
               <a:buNone/>
             </a:pPr>
-            <a:r>
-              <a:t/>
-            </a:r>
             <a:endParaRPr/>
           </a:p>
         </p:txBody>
@@ -1410,11 +1460,11 @@
 </file>
 
 <file path=ppt/notesSlides/notesSlide7.xml><?xml version="1.0" encoding="utf-8"?>
-<p:notes xmlns:a="http://schemas.openxmlformats.org/drawingml/2006/main" xmlns:r="http://schemas.openxmlformats.org/officeDocument/2006/relationships" xmlns:mc="http://schemas.openxmlformats.org/markup-compatibility/2006" xmlns:mv="urn:schemas-microsoft-com:mac:vml" xmlns:p="http://schemas.openxmlformats.org/presentationml/2006/main" xmlns:c="http://schemas.openxmlformats.org/drawingml/2006/chart" xmlns:dgm="http://schemas.openxmlformats.org/drawingml/2006/diagram" xmlns:o="urn:schemas-microsoft-com:office:office" xmlns:v="urn:schemas-microsoft-com:vml" xmlns:pvml="urn:schemas-microsoft-com:office:powerpoint" xmlns:com="http://schemas.openxmlformats.org/drawingml/2006/compatibility" xmlns:p14="http://schemas.microsoft.com/office/powerpoint/2010/main" xmlns:p15="http://schemas.microsoft.com/office/powerpoint/2012/main" xmlns:ahyp="http://schemas.microsoft.com/office/drawing/2018/hyperlinkcolor" showMasterPhAnim="0" showMasterSp="0">
+<p:notes xmlns:a="http://schemas.openxmlformats.org/drawingml/2006/main" xmlns:r="http://schemas.openxmlformats.org/officeDocument/2006/relationships" xmlns:p="http://schemas.openxmlformats.org/presentationml/2006/main" showMasterSp="0" showMasterPhAnim="0">
   <p:cSld>
     <p:spTree>
       <p:nvGrpSpPr>
-        <p:cNvPr id="122" name="Shape 122"/>
+        <p:cNvPr id="1" name="Shape 122"/>
         <p:cNvGrpSpPr/>
         <p:nvPr/>
       </p:nvGrpSpPr>
@@ -1429,9 +1479,11 @@
       <p:sp>
         <p:nvSpPr>
           <p:cNvPr id="123" name="Google Shape;123;g2a2c8ed4687_0_100:notes"/>
-          <p:cNvSpPr/>
+          <p:cNvSpPr>
+            <a:spLocks noGrp="1" noRot="1" noChangeAspect="1"/>
+          </p:cNvSpPr>
           <p:nvPr>
-            <p:ph idx="2" type="sldImg"/>
+            <p:ph type="sldImg" idx="2"/>
           </p:nvPr>
         </p:nvSpPr>
         <p:spPr>
@@ -1440,9 +1492,13 @@
             <a:ext cx="6096000" cy="3429000"/>
           </a:xfrm>
           <a:custGeom>
-            <a:rect b="b" l="l" r="r" t="t"/>
+            <a:avLst/>
+            <a:gdLst/>
+            <a:ahLst/>
+            <a:cxnLst/>
+            <a:rect l="l" t="t" r="r" b="b"/>
             <a:pathLst>
-              <a:path extrusionOk="0" h="120000" w="120000">
+              <a:path w="120000" h="120000" extrusionOk="0">
                 <a:moveTo>
                   <a:pt x="0" y="0"/>
                 </a:moveTo>
@@ -1464,9 +1520,11 @@
       <p:sp>
         <p:nvSpPr>
           <p:cNvPr id="124" name="Google Shape;124;g2a2c8ed4687_0_100:notes"/>
-          <p:cNvSpPr txBox="1"/>
+          <p:cNvSpPr txBox="1">
+            <a:spLocks noGrp="1"/>
+          </p:cNvSpPr>
           <p:nvPr>
-            <p:ph idx="1" type="body"/>
+            <p:ph type="body" idx="1"/>
           </p:nvPr>
         </p:nvSpPr>
         <p:spPr>
@@ -1479,12 +1537,12 @@
           </a:prstGeom>
         </p:spPr>
         <p:txBody>
-          <a:bodyPr anchorCtr="0" anchor="t" bIns="91425" lIns="91425" spcFirstLastPara="1" rIns="91425" wrap="square" tIns="91425">
+          <a:bodyPr spcFirstLastPara="1" wrap="square" lIns="91425" tIns="91425" rIns="91425" bIns="91425" anchor="t" anchorCtr="0">
             <a:noAutofit/>
           </a:bodyPr>
           <a:lstStyle/>
           <a:p>
-            <a:pPr indent="0" lvl="0" marL="0" rtl="0" algn="l">
+            <a:pPr marL="0" lvl="0" indent="0" algn="l" rtl="0">
               <a:spcBef>
                 <a:spcPts val="0"/>
               </a:spcBef>
@@ -1493,9 +1551,6 @@
               </a:spcAft>
               <a:buNone/>
             </a:pPr>
-            <a:r>
-              <a:t/>
-            </a:r>
             <a:endParaRPr/>
           </a:p>
         </p:txBody>
@@ -1509,11 +1564,11 @@
 </file>
 
 <file path=ppt/notesSlides/notesSlide8.xml><?xml version="1.0" encoding="utf-8"?>
-<p:notes xmlns:a="http://schemas.openxmlformats.org/drawingml/2006/main" xmlns:r="http://schemas.openxmlformats.org/officeDocument/2006/relationships" xmlns:mc="http://schemas.openxmlformats.org/markup-compatibility/2006" xmlns:mv="urn:schemas-microsoft-com:mac:vml" xmlns:p="http://schemas.openxmlformats.org/presentationml/2006/main" xmlns:c="http://schemas.openxmlformats.org/drawingml/2006/chart" xmlns:dgm="http://schemas.openxmlformats.org/drawingml/2006/diagram" xmlns:o="urn:schemas-microsoft-com:office:office" xmlns:v="urn:schemas-microsoft-com:vml" xmlns:pvml="urn:schemas-microsoft-com:office:powerpoint" xmlns:com="http://schemas.openxmlformats.org/drawingml/2006/compatibility" xmlns:p14="http://schemas.microsoft.com/office/powerpoint/2010/main" xmlns:p15="http://schemas.microsoft.com/office/powerpoint/2012/main" xmlns:ahyp="http://schemas.microsoft.com/office/drawing/2018/hyperlinkcolor" showMasterPhAnim="0" showMasterSp="0">
+<p:notes xmlns:a="http://schemas.openxmlformats.org/drawingml/2006/main" xmlns:r="http://schemas.openxmlformats.org/officeDocument/2006/relationships" xmlns:p="http://schemas.openxmlformats.org/presentationml/2006/main" showMasterSp="0" showMasterPhAnim="0">
   <p:cSld>
     <p:spTree>
       <p:nvGrpSpPr>
-        <p:cNvPr id="135" name="Shape 135"/>
+        <p:cNvPr id="1" name="Shape 135"/>
         <p:cNvGrpSpPr/>
         <p:nvPr/>
       </p:nvGrpSpPr>
@@ -1528,9 +1583,11 @@
       <p:sp>
         <p:nvSpPr>
           <p:cNvPr id="136" name="Google Shape;136;g2a2c8ed4687_0_116:notes"/>
-          <p:cNvSpPr/>
+          <p:cNvSpPr>
+            <a:spLocks noGrp="1" noRot="1" noChangeAspect="1"/>
+          </p:cNvSpPr>
           <p:nvPr>
-            <p:ph idx="2" type="sldImg"/>
+            <p:ph type="sldImg" idx="2"/>
           </p:nvPr>
         </p:nvSpPr>
         <p:spPr>
@@ -1539,9 +1596,13 @@
             <a:ext cx="6096000" cy="3429000"/>
           </a:xfrm>
           <a:custGeom>
-            <a:rect b="b" l="l" r="r" t="t"/>
+            <a:avLst/>
+            <a:gdLst/>
+            <a:ahLst/>
+            <a:cxnLst/>
+            <a:rect l="l" t="t" r="r" b="b"/>
             <a:pathLst>
-              <a:path extrusionOk="0" h="120000" w="120000">
+              <a:path w="120000" h="120000" extrusionOk="0">
                 <a:moveTo>
                   <a:pt x="0" y="0"/>
                 </a:moveTo>
@@ -1563,9 +1624,11 @@
       <p:sp>
         <p:nvSpPr>
           <p:cNvPr id="137" name="Google Shape;137;g2a2c8ed4687_0_116:notes"/>
-          <p:cNvSpPr txBox="1"/>
+          <p:cNvSpPr txBox="1">
+            <a:spLocks noGrp="1"/>
+          </p:cNvSpPr>
           <p:nvPr>
-            <p:ph idx="1" type="body"/>
+            <p:ph type="body" idx="1"/>
           </p:nvPr>
         </p:nvSpPr>
         <p:spPr>
@@ -1578,12 +1641,12 @@
           </a:prstGeom>
         </p:spPr>
         <p:txBody>
-          <a:bodyPr anchorCtr="0" anchor="t" bIns="91425" lIns="91425" spcFirstLastPara="1" rIns="91425" wrap="square" tIns="91425">
+          <a:bodyPr spcFirstLastPara="1" wrap="square" lIns="91425" tIns="91425" rIns="91425" bIns="91425" anchor="t" anchorCtr="0">
             <a:noAutofit/>
           </a:bodyPr>
           <a:lstStyle/>
           <a:p>
-            <a:pPr indent="0" lvl="0" marL="0" rtl="0" algn="l">
+            <a:pPr marL="0" lvl="0" indent="0" algn="l" rtl="0">
               <a:spcBef>
                 <a:spcPts val="0"/>
               </a:spcBef>
@@ -1592,9 +1655,6 @@
               </a:spcAft>
               <a:buNone/>
             </a:pPr>
-            <a:r>
-              <a:t/>
-            </a:r>
             <a:endParaRPr/>
           </a:p>
         </p:txBody>
@@ -1608,11 +1668,11 @@
 </file>
 
 <file path=ppt/notesSlides/notesSlide9.xml><?xml version="1.0" encoding="utf-8"?>
-<p:notes xmlns:a="http://schemas.openxmlformats.org/drawingml/2006/main" xmlns:r="http://schemas.openxmlformats.org/officeDocument/2006/relationships" xmlns:mc="http://schemas.openxmlformats.org/markup-compatibility/2006" xmlns:mv="urn:schemas-microsoft-com:mac:vml" xmlns:p="http://schemas.openxmlformats.org/presentationml/2006/main" xmlns:c="http://schemas.openxmlformats.org/drawingml/2006/chart" xmlns:dgm="http://schemas.openxmlformats.org/drawingml/2006/diagram" xmlns:o="urn:schemas-microsoft-com:office:office" xmlns:v="urn:schemas-microsoft-com:vml" xmlns:pvml="urn:schemas-microsoft-com:office:powerpoint" xmlns:com="http://schemas.openxmlformats.org/drawingml/2006/compatibility" xmlns:p14="http://schemas.microsoft.com/office/powerpoint/2010/main" xmlns:p15="http://schemas.microsoft.com/office/powerpoint/2012/main" xmlns:ahyp="http://schemas.microsoft.com/office/drawing/2018/hyperlinkcolor" showMasterPhAnim="0" showMasterSp="0">
+<p:notes xmlns:a="http://schemas.openxmlformats.org/drawingml/2006/main" xmlns:r="http://schemas.openxmlformats.org/officeDocument/2006/relationships" xmlns:p="http://schemas.openxmlformats.org/presentationml/2006/main" showMasterSp="0" showMasterPhAnim="0">
   <p:cSld>
     <p:spTree>
       <p:nvGrpSpPr>
-        <p:cNvPr id="146" name="Shape 146"/>
+        <p:cNvPr id="1" name="Shape 146"/>
         <p:cNvGrpSpPr/>
         <p:nvPr/>
       </p:nvGrpSpPr>
@@ -1627,9 +1687,11 @@
       <p:sp>
         <p:nvSpPr>
           <p:cNvPr id="147" name="Google Shape;147;g2a2c8ed4687_0_151:notes"/>
-          <p:cNvSpPr/>
+          <p:cNvSpPr>
+            <a:spLocks noGrp="1" noRot="1" noChangeAspect="1"/>
+          </p:cNvSpPr>
           <p:nvPr>
-            <p:ph idx="2" type="sldImg"/>
+            <p:ph type="sldImg" idx="2"/>
           </p:nvPr>
         </p:nvSpPr>
         <p:spPr>
@@ -1638,9 +1700,13 @@
             <a:ext cx="6096000" cy="3429000"/>
           </a:xfrm>
           <a:custGeom>
-            <a:rect b="b" l="l" r="r" t="t"/>
+            <a:avLst/>
+            <a:gdLst/>
+            <a:ahLst/>
+            <a:cxnLst/>
+            <a:rect l="l" t="t" r="r" b="b"/>
             <a:pathLst>
-              <a:path extrusionOk="0" h="120000" w="120000">
+              <a:path w="120000" h="120000" extrusionOk="0">
                 <a:moveTo>
                   <a:pt x="0" y="0"/>
                 </a:moveTo>
@@ -1662,9 +1728,11 @@
       <p:sp>
         <p:nvSpPr>
           <p:cNvPr id="148" name="Google Shape;148;g2a2c8ed4687_0_151:notes"/>
-          <p:cNvSpPr txBox="1"/>
+          <p:cNvSpPr txBox="1">
+            <a:spLocks noGrp="1"/>
+          </p:cNvSpPr>
           <p:nvPr>
-            <p:ph idx="1" type="body"/>
+            <p:ph type="body" idx="1"/>
           </p:nvPr>
         </p:nvSpPr>
         <p:spPr>
@@ -1677,12 +1745,12 @@
           </a:prstGeom>
         </p:spPr>
         <p:txBody>
-          <a:bodyPr anchorCtr="0" anchor="t" bIns="91425" lIns="91425" spcFirstLastPara="1" rIns="91425" wrap="square" tIns="91425">
+          <a:bodyPr spcFirstLastPara="1" wrap="square" lIns="91425" tIns="91425" rIns="91425" bIns="91425" anchor="t" anchorCtr="0">
             <a:noAutofit/>
           </a:bodyPr>
           <a:lstStyle/>
           <a:p>
-            <a:pPr indent="0" lvl="0" marL="0" rtl="0" algn="l">
+            <a:pPr marL="0" lvl="0" indent="0" algn="l" rtl="0">
               <a:spcBef>
                 <a:spcPts val="0"/>
               </a:spcBef>
@@ -1691,9 +1759,6 @@
               </a:spcAft>
               <a:buNone/>
             </a:pPr>
-            <a:r>
-              <a:t/>
-            </a:r>
             <a:endParaRPr/>
           </a:p>
         </p:txBody>
@@ -1707,11 +1772,11 @@
 </file>
 
 <file path=ppt/slideLayouts/slideLayout1.xml><?xml version="1.0" encoding="utf-8"?>
-<p:sldLayout xmlns:a="http://schemas.openxmlformats.org/drawingml/2006/main" xmlns:r="http://schemas.openxmlformats.org/officeDocument/2006/relationships" xmlns:mc="http://schemas.openxmlformats.org/markup-compatibility/2006" xmlns:mv="urn:schemas-microsoft-com:mac:vml" xmlns:p="http://schemas.openxmlformats.org/presentationml/2006/main" xmlns:c="http://schemas.openxmlformats.org/drawingml/2006/chart" xmlns:dgm="http://schemas.openxmlformats.org/drawingml/2006/diagram" xmlns:o="urn:schemas-microsoft-com:office:office" xmlns:v="urn:schemas-microsoft-com:vml" xmlns:pvml="urn:schemas-microsoft-com:office:powerpoint" xmlns:com="http://schemas.openxmlformats.org/drawingml/2006/compatibility" xmlns:p14="http://schemas.microsoft.com/office/powerpoint/2010/main" xmlns:p15="http://schemas.microsoft.com/office/powerpoint/2012/main" xmlns:ahyp="http://schemas.microsoft.com/office/drawing/2018/hyperlinkcolor" matchingName="Title slide" type="title">
+<p:sldLayout xmlns:a="http://schemas.openxmlformats.org/drawingml/2006/main" xmlns:r="http://schemas.openxmlformats.org/officeDocument/2006/relationships" xmlns:p="http://schemas.openxmlformats.org/presentationml/2006/main" matchingName="Title slide" type="title">
   <p:cSld name="TITLE">
     <p:spTree>
       <p:nvGrpSpPr>
-        <p:cNvPr id="9" name="Shape 9"/>
+        <p:cNvPr id="1" name="Shape 9"/>
         <p:cNvGrpSpPr/>
         <p:nvPr/>
       </p:nvGrpSpPr>
@@ -1726,7 +1791,9 @@
       <p:sp>
         <p:nvSpPr>
           <p:cNvPr id="10" name="Google Shape;10;p2"/>
-          <p:cNvSpPr txBox="1"/>
+          <p:cNvSpPr txBox="1">
+            <a:spLocks noGrp="1"/>
+          </p:cNvSpPr>
           <p:nvPr>
             <p:ph type="ctrTitle"/>
           </p:nvPr>
@@ -1741,7 +1808,7 @@
           </a:prstGeom>
         </p:spPr>
         <p:txBody>
-          <a:bodyPr anchorCtr="0" anchor="b" bIns="91425" lIns="91425" spcFirstLastPara="1" rIns="91425" wrap="square" tIns="91425">
+          <a:bodyPr spcFirstLastPara="1" wrap="square" lIns="91425" tIns="91425" rIns="91425" bIns="91425" anchor="b" anchorCtr="0">
             <a:normAutofit/>
           </a:bodyPr>
           <a:lstStyle>
@@ -1845,15 +1912,19 @@
               <a:defRPr sz="5200"/>
             </a:lvl9pPr>
           </a:lstStyle>
-          <a:p/>
+          <a:p>
+            <a:endParaRPr/>
+          </a:p>
         </p:txBody>
       </p:sp>
       <p:sp>
         <p:nvSpPr>
           <p:cNvPr id="11" name="Google Shape;11;p2"/>
-          <p:cNvSpPr txBox="1"/>
+          <p:cNvSpPr txBox="1">
+            <a:spLocks noGrp="1"/>
+          </p:cNvSpPr>
           <p:nvPr>
-            <p:ph idx="1" type="subTitle"/>
+            <p:ph type="subTitle" idx="1"/>
           </p:nvPr>
         </p:nvSpPr>
         <p:spPr>
@@ -1866,7 +1937,7 @@
           </a:prstGeom>
         </p:spPr>
         <p:txBody>
-          <a:bodyPr anchorCtr="0" anchor="t" bIns="91425" lIns="91425" spcFirstLastPara="1" rIns="91425" wrap="square" tIns="91425">
+          <a:bodyPr spcFirstLastPara="1" wrap="square" lIns="91425" tIns="91425" rIns="91425" bIns="91425" anchor="t" anchorCtr="0">
             <a:normAutofit/>
           </a:bodyPr>
           <a:lstStyle>
@@ -1997,15 +2068,19 @@
               <a:defRPr sz="2800"/>
             </a:lvl9pPr>
           </a:lstStyle>
-          <a:p/>
+          <a:p>
+            <a:endParaRPr/>
+          </a:p>
         </p:txBody>
       </p:sp>
       <p:sp>
         <p:nvSpPr>
           <p:cNvPr id="12" name="Google Shape;12;p2"/>
-          <p:cNvSpPr txBox="1"/>
+          <p:cNvSpPr txBox="1">
+            <a:spLocks noGrp="1"/>
+          </p:cNvSpPr>
           <p:nvPr>
-            <p:ph idx="12" type="sldNum"/>
+            <p:ph type="sldNum" idx="12"/>
           </p:nvPr>
         </p:nvSpPr>
         <p:spPr>
@@ -2018,7 +2093,7 @@
           </a:prstGeom>
         </p:spPr>
         <p:txBody>
-          <a:bodyPr anchorCtr="0" anchor="ctr" bIns="91425" lIns="91425" spcFirstLastPara="1" rIns="91425" wrap="square" tIns="91425">
+          <a:bodyPr spcFirstLastPara="1" wrap="square" lIns="91425" tIns="91425" rIns="91425" bIns="91425" anchor="ctr" anchorCtr="0">
             <a:normAutofit/>
           </a:bodyPr>
           <a:lstStyle>
@@ -2060,7 +2135,7 @@
             </a:lvl9pPr>
           </a:lstStyle>
           <a:p>
-            <a:pPr indent="0" lvl="0" marL="0" rtl="0" algn="r">
+            <a:pPr marL="0" lvl="0" indent="0" algn="r" rtl="0">
               <a:spcBef>
                 <a:spcPts val="0"/>
               </a:spcBef>
@@ -2086,11 +2161,11 @@
 </file>
 
 <file path=ppt/slideLayouts/slideLayout10.xml><?xml version="1.0" encoding="utf-8"?>
-<p:sldLayout xmlns:a="http://schemas.openxmlformats.org/drawingml/2006/main" xmlns:r="http://schemas.openxmlformats.org/officeDocument/2006/relationships" xmlns:mc="http://schemas.openxmlformats.org/markup-compatibility/2006" xmlns:mv="urn:schemas-microsoft-com:mac:vml" xmlns:p="http://schemas.openxmlformats.org/presentationml/2006/main" xmlns:c="http://schemas.openxmlformats.org/drawingml/2006/chart" xmlns:dgm="http://schemas.openxmlformats.org/drawingml/2006/diagram" xmlns:o="urn:schemas-microsoft-com:office:office" xmlns:v="urn:schemas-microsoft-com:vml" xmlns:pvml="urn:schemas-microsoft-com:office:powerpoint" xmlns:com="http://schemas.openxmlformats.org/drawingml/2006/compatibility" xmlns:p14="http://schemas.microsoft.com/office/powerpoint/2010/main" xmlns:p15="http://schemas.microsoft.com/office/powerpoint/2012/main" xmlns:ahyp="http://schemas.microsoft.com/office/drawing/2018/hyperlinkcolor" matchingName="Big number">
+<p:sldLayout xmlns:a="http://schemas.openxmlformats.org/drawingml/2006/main" xmlns:r="http://schemas.openxmlformats.org/officeDocument/2006/relationships" xmlns:p="http://schemas.openxmlformats.org/presentationml/2006/main" matchingName="Big number">
   <p:cSld name="BIG_NUMBER">
     <p:spTree>
       <p:nvGrpSpPr>
-        <p:cNvPr id="44" name="Shape 44"/>
+        <p:cNvPr id="1" name="Shape 44"/>
         <p:cNvGrpSpPr/>
         <p:nvPr/>
       </p:nvGrpSpPr>
@@ -2105,9 +2180,11 @@
       <p:sp>
         <p:nvSpPr>
           <p:cNvPr id="45" name="Google Shape;45;p11"/>
-          <p:cNvSpPr txBox="1"/>
+          <p:cNvSpPr txBox="1">
+            <a:spLocks noGrp="1"/>
+          </p:cNvSpPr>
           <p:nvPr>
-            <p:ph hasCustomPrompt="1" type="title"/>
+            <p:ph type="title" hasCustomPrompt="1"/>
           </p:nvPr>
         </p:nvSpPr>
         <p:spPr>
@@ -2120,7 +2197,7 @@
           </a:prstGeom>
         </p:spPr>
         <p:txBody>
-          <a:bodyPr anchorCtr="0" anchor="b" bIns="91425" lIns="91425" spcFirstLastPara="1" rIns="91425" wrap="square" tIns="91425">
+          <a:bodyPr spcFirstLastPara="1" wrap="square" lIns="91425" tIns="91425" rIns="91425" bIns="91425" anchor="b" anchorCtr="0">
             <a:normAutofit/>
           </a:bodyPr>
           <a:lstStyle>
@@ -2234,9 +2311,11 @@
       <p:sp>
         <p:nvSpPr>
           <p:cNvPr id="46" name="Google Shape;46;p11"/>
-          <p:cNvSpPr txBox="1"/>
+          <p:cNvSpPr txBox="1">
+            <a:spLocks noGrp="1"/>
+          </p:cNvSpPr>
           <p:nvPr>
-            <p:ph idx="1" type="body"/>
+            <p:ph type="body" idx="1"/>
           </p:nvPr>
         </p:nvSpPr>
         <p:spPr>
@@ -2249,11 +2328,11 @@
           </a:prstGeom>
         </p:spPr>
         <p:txBody>
-          <a:bodyPr anchorCtr="0" anchor="t" bIns="91425" lIns="91425" spcFirstLastPara="1" rIns="91425" wrap="square" tIns="91425">
+          <a:bodyPr spcFirstLastPara="1" wrap="square" lIns="91425" tIns="91425" rIns="91425" bIns="91425" anchor="t" anchorCtr="0">
             <a:normAutofit/>
           </a:bodyPr>
           <a:lstStyle>
-            <a:lvl1pPr indent="-342900" lvl="0" marL="457200" algn="ctr">
+            <a:lvl1pPr marL="457200" lvl="0" indent="-342900" algn="ctr">
               <a:spcBef>
                 <a:spcPts val="0"/>
               </a:spcBef>
@@ -2264,7 +2343,7 @@
               <a:buChar char="●"/>
               <a:defRPr/>
             </a:lvl1pPr>
-            <a:lvl2pPr indent="-317500" lvl="1" marL="914400" algn="ctr">
+            <a:lvl2pPr marL="914400" lvl="1" indent="-317500" algn="ctr">
               <a:spcBef>
                 <a:spcPts val="0"/>
               </a:spcBef>
@@ -2275,7 +2354,7 @@
               <a:buChar char="○"/>
               <a:defRPr/>
             </a:lvl2pPr>
-            <a:lvl3pPr indent="-317500" lvl="2" marL="1371600" algn="ctr">
+            <a:lvl3pPr marL="1371600" lvl="2" indent="-317500" algn="ctr">
               <a:spcBef>
                 <a:spcPts val="0"/>
               </a:spcBef>
@@ -2286,7 +2365,7 @@
               <a:buChar char="■"/>
               <a:defRPr/>
             </a:lvl3pPr>
-            <a:lvl4pPr indent="-317500" lvl="3" marL="1828800" algn="ctr">
+            <a:lvl4pPr marL="1828800" lvl="3" indent="-317500" algn="ctr">
               <a:spcBef>
                 <a:spcPts val="0"/>
               </a:spcBef>
@@ -2297,7 +2376,7 @@
               <a:buChar char="●"/>
               <a:defRPr/>
             </a:lvl4pPr>
-            <a:lvl5pPr indent="-317500" lvl="4" marL="2286000" algn="ctr">
+            <a:lvl5pPr marL="2286000" lvl="4" indent="-317500" algn="ctr">
               <a:spcBef>
                 <a:spcPts val="0"/>
               </a:spcBef>
@@ -2308,7 +2387,7 @@
               <a:buChar char="○"/>
               <a:defRPr/>
             </a:lvl5pPr>
-            <a:lvl6pPr indent="-317500" lvl="5" marL="2743200" algn="ctr">
+            <a:lvl6pPr marL="2743200" lvl="5" indent="-317500" algn="ctr">
               <a:spcBef>
                 <a:spcPts val="0"/>
               </a:spcBef>
@@ -2319,7 +2398,7 @@
               <a:buChar char="■"/>
               <a:defRPr/>
             </a:lvl6pPr>
-            <a:lvl7pPr indent="-317500" lvl="6" marL="3200400" algn="ctr">
+            <a:lvl7pPr marL="3200400" lvl="6" indent="-317500" algn="ctr">
               <a:spcBef>
                 <a:spcPts val="0"/>
               </a:spcBef>
@@ -2330,7 +2409,7 @@
               <a:buChar char="●"/>
               <a:defRPr/>
             </a:lvl7pPr>
-            <a:lvl8pPr indent="-317500" lvl="7" marL="3657600" algn="ctr">
+            <a:lvl8pPr marL="3657600" lvl="7" indent="-317500" algn="ctr">
               <a:spcBef>
                 <a:spcPts val="0"/>
               </a:spcBef>
@@ -2341,7 +2420,7 @@
               <a:buChar char="○"/>
               <a:defRPr/>
             </a:lvl8pPr>
-            <a:lvl9pPr indent="-317500" lvl="8" marL="4114800" algn="ctr">
+            <a:lvl9pPr marL="4114800" lvl="8" indent="-317500" algn="ctr">
               <a:spcBef>
                 <a:spcPts val="0"/>
               </a:spcBef>
@@ -2353,15 +2432,19 @@
               <a:defRPr/>
             </a:lvl9pPr>
           </a:lstStyle>
-          <a:p/>
+          <a:p>
+            <a:endParaRPr/>
+          </a:p>
         </p:txBody>
       </p:sp>
       <p:sp>
         <p:nvSpPr>
           <p:cNvPr id="47" name="Google Shape;47;p11"/>
-          <p:cNvSpPr txBox="1"/>
+          <p:cNvSpPr txBox="1">
+            <a:spLocks noGrp="1"/>
+          </p:cNvSpPr>
           <p:nvPr>
-            <p:ph idx="12" type="sldNum"/>
+            <p:ph type="sldNum" idx="12"/>
           </p:nvPr>
         </p:nvSpPr>
         <p:spPr>
@@ -2374,7 +2457,7 @@
           </a:prstGeom>
         </p:spPr>
         <p:txBody>
-          <a:bodyPr anchorCtr="0" anchor="ctr" bIns="91425" lIns="91425" spcFirstLastPara="1" rIns="91425" wrap="square" tIns="91425">
+          <a:bodyPr spcFirstLastPara="1" wrap="square" lIns="91425" tIns="91425" rIns="91425" bIns="91425" anchor="ctr" anchorCtr="0">
             <a:normAutofit/>
           </a:bodyPr>
           <a:lstStyle>
@@ -2416,7 +2499,7 @@
             </a:lvl9pPr>
           </a:lstStyle>
           <a:p>
-            <a:pPr indent="0" lvl="0" marL="0" rtl="0" algn="r">
+            <a:pPr marL="0" lvl="0" indent="0" algn="r" rtl="0">
               <a:spcBef>
                 <a:spcPts val="0"/>
               </a:spcBef>
@@ -2442,11 +2525,11 @@
 </file>
 
 <file path=ppt/slideLayouts/slideLayout11.xml><?xml version="1.0" encoding="utf-8"?>
-<p:sldLayout xmlns:a="http://schemas.openxmlformats.org/drawingml/2006/main" xmlns:r="http://schemas.openxmlformats.org/officeDocument/2006/relationships" xmlns:mc="http://schemas.openxmlformats.org/markup-compatibility/2006" xmlns:mv="urn:schemas-microsoft-com:mac:vml" xmlns:p="http://schemas.openxmlformats.org/presentationml/2006/main" xmlns:c="http://schemas.openxmlformats.org/drawingml/2006/chart" xmlns:dgm="http://schemas.openxmlformats.org/drawingml/2006/diagram" xmlns:o="urn:schemas-microsoft-com:office:office" xmlns:v="urn:schemas-microsoft-com:vml" xmlns:pvml="urn:schemas-microsoft-com:office:powerpoint" xmlns:com="http://schemas.openxmlformats.org/drawingml/2006/compatibility" xmlns:p14="http://schemas.microsoft.com/office/powerpoint/2010/main" xmlns:p15="http://schemas.microsoft.com/office/powerpoint/2012/main" xmlns:ahyp="http://schemas.microsoft.com/office/drawing/2018/hyperlinkcolor" matchingName="Blank" type="blank">
+<p:sldLayout xmlns:a="http://schemas.openxmlformats.org/drawingml/2006/main" xmlns:r="http://schemas.openxmlformats.org/officeDocument/2006/relationships" xmlns:p="http://schemas.openxmlformats.org/presentationml/2006/main" matchingName="Blank" type="blank">
   <p:cSld name="BLANK">
     <p:spTree>
       <p:nvGrpSpPr>
-        <p:cNvPr id="48" name="Shape 48"/>
+        <p:cNvPr id="1" name="Shape 48"/>
         <p:cNvGrpSpPr/>
         <p:nvPr/>
       </p:nvGrpSpPr>
@@ -2461,9 +2544,11 @@
       <p:sp>
         <p:nvSpPr>
           <p:cNvPr id="49" name="Google Shape;49;p12"/>
-          <p:cNvSpPr txBox="1"/>
+          <p:cNvSpPr txBox="1">
+            <a:spLocks noGrp="1"/>
+          </p:cNvSpPr>
           <p:nvPr>
-            <p:ph idx="12" type="sldNum"/>
+            <p:ph type="sldNum" idx="12"/>
           </p:nvPr>
         </p:nvSpPr>
         <p:spPr>
@@ -2476,7 +2561,7 @@
           </a:prstGeom>
         </p:spPr>
         <p:txBody>
-          <a:bodyPr anchorCtr="0" anchor="ctr" bIns="91425" lIns="91425" spcFirstLastPara="1" rIns="91425" wrap="square" tIns="91425">
+          <a:bodyPr spcFirstLastPara="1" wrap="square" lIns="91425" tIns="91425" rIns="91425" bIns="91425" anchor="ctr" anchorCtr="0">
             <a:normAutofit/>
           </a:bodyPr>
           <a:lstStyle>
@@ -2518,7 +2603,7 @@
             </a:lvl9pPr>
           </a:lstStyle>
           <a:p>
-            <a:pPr indent="0" lvl="0" marL="0" rtl="0" algn="r">
+            <a:pPr marL="0" lvl="0" indent="0" algn="r" rtl="0">
               <a:spcBef>
                 <a:spcPts val="0"/>
               </a:spcBef>
@@ -2544,11 +2629,11 @@
 </file>
 
 <file path=ppt/slideLayouts/slideLayout2.xml><?xml version="1.0" encoding="utf-8"?>
-<p:sldLayout xmlns:a="http://schemas.openxmlformats.org/drawingml/2006/main" xmlns:r="http://schemas.openxmlformats.org/officeDocument/2006/relationships" xmlns:mc="http://schemas.openxmlformats.org/markup-compatibility/2006" xmlns:mv="urn:schemas-microsoft-com:mac:vml" xmlns:p="http://schemas.openxmlformats.org/presentationml/2006/main" xmlns:c="http://schemas.openxmlformats.org/drawingml/2006/chart" xmlns:dgm="http://schemas.openxmlformats.org/drawingml/2006/diagram" xmlns:o="urn:schemas-microsoft-com:office:office" xmlns:v="urn:schemas-microsoft-com:vml" xmlns:pvml="urn:schemas-microsoft-com:office:powerpoint" xmlns:com="http://schemas.openxmlformats.org/drawingml/2006/compatibility" xmlns:p14="http://schemas.microsoft.com/office/powerpoint/2010/main" xmlns:p15="http://schemas.microsoft.com/office/powerpoint/2012/main" xmlns:ahyp="http://schemas.microsoft.com/office/drawing/2018/hyperlinkcolor" matchingName="Section header" type="secHead">
+<p:sldLayout xmlns:a="http://schemas.openxmlformats.org/drawingml/2006/main" xmlns:r="http://schemas.openxmlformats.org/officeDocument/2006/relationships" xmlns:p="http://schemas.openxmlformats.org/presentationml/2006/main" matchingName="Section header" type="secHead">
   <p:cSld name="SECTION_HEADER">
     <p:spTree>
       <p:nvGrpSpPr>
-        <p:cNvPr id="13" name="Shape 13"/>
+        <p:cNvPr id="1" name="Shape 13"/>
         <p:cNvGrpSpPr/>
         <p:nvPr/>
       </p:nvGrpSpPr>
@@ -2563,7 +2648,9 @@
       <p:sp>
         <p:nvSpPr>
           <p:cNvPr id="14" name="Google Shape;14;p3"/>
-          <p:cNvSpPr txBox="1"/>
+          <p:cNvSpPr txBox="1">
+            <a:spLocks noGrp="1"/>
+          </p:cNvSpPr>
           <p:nvPr>
             <p:ph type="title"/>
           </p:nvPr>
@@ -2578,7 +2665,7 @@
           </a:prstGeom>
         </p:spPr>
         <p:txBody>
-          <a:bodyPr anchorCtr="0" anchor="ctr" bIns="91425" lIns="91425" spcFirstLastPara="1" rIns="91425" wrap="square" tIns="91425">
+          <a:bodyPr spcFirstLastPara="1" wrap="square" lIns="91425" tIns="91425" rIns="91425" bIns="91425" anchor="ctr" anchorCtr="0">
             <a:normAutofit/>
           </a:bodyPr>
           <a:lstStyle>
@@ -2682,15 +2769,19 @@
               <a:defRPr sz="3600"/>
             </a:lvl9pPr>
           </a:lstStyle>
-          <a:p/>
+          <a:p>
+            <a:endParaRPr/>
+          </a:p>
         </p:txBody>
       </p:sp>
       <p:sp>
         <p:nvSpPr>
           <p:cNvPr id="15" name="Google Shape;15;p3"/>
-          <p:cNvSpPr txBox="1"/>
+          <p:cNvSpPr txBox="1">
+            <a:spLocks noGrp="1"/>
+          </p:cNvSpPr>
           <p:nvPr>
-            <p:ph idx="12" type="sldNum"/>
+            <p:ph type="sldNum" idx="12"/>
           </p:nvPr>
         </p:nvSpPr>
         <p:spPr>
@@ -2703,7 +2794,7 @@
           </a:prstGeom>
         </p:spPr>
         <p:txBody>
-          <a:bodyPr anchorCtr="0" anchor="ctr" bIns="91425" lIns="91425" spcFirstLastPara="1" rIns="91425" wrap="square" tIns="91425">
+          <a:bodyPr spcFirstLastPara="1" wrap="square" lIns="91425" tIns="91425" rIns="91425" bIns="91425" anchor="ctr" anchorCtr="0">
             <a:normAutofit/>
           </a:bodyPr>
           <a:lstStyle>
@@ -2745,7 +2836,7 @@
             </a:lvl9pPr>
           </a:lstStyle>
           <a:p>
-            <a:pPr indent="0" lvl="0" marL="0" rtl="0" algn="r">
+            <a:pPr marL="0" lvl="0" indent="0" algn="r" rtl="0">
               <a:spcBef>
                 <a:spcPts val="0"/>
               </a:spcBef>
@@ -2771,11 +2862,11 @@
 </file>
 
 <file path=ppt/slideLayouts/slideLayout3.xml><?xml version="1.0" encoding="utf-8"?>
-<p:sldLayout xmlns:a="http://schemas.openxmlformats.org/drawingml/2006/main" xmlns:r="http://schemas.openxmlformats.org/officeDocument/2006/relationships" xmlns:mc="http://schemas.openxmlformats.org/markup-compatibility/2006" xmlns:mv="urn:schemas-microsoft-com:mac:vml" xmlns:p="http://schemas.openxmlformats.org/presentationml/2006/main" xmlns:c="http://schemas.openxmlformats.org/drawingml/2006/chart" xmlns:dgm="http://schemas.openxmlformats.org/drawingml/2006/diagram" xmlns:o="urn:schemas-microsoft-com:office:office" xmlns:v="urn:schemas-microsoft-com:vml" xmlns:pvml="urn:schemas-microsoft-com:office:powerpoint" xmlns:com="http://schemas.openxmlformats.org/drawingml/2006/compatibility" xmlns:p14="http://schemas.microsoft.com/office/powerpoint/2010/main" xmlns:p15="http://schemas.microsoft.com/office/powerpoint/2012/main" xmlns:ahyp="http://schemas.microsoft.com/office/drawing/2018/hyperlinkcolor" matchingName="Title and body" type="tx">
+<p:sldLayout xmlns:a="http://schemas.openxmlformats.org/drawingml/2006/main" xmlns:r="http://schemas.openxmlformats.org/officeDocument/2006/relationships" xmlns:p="http://schemas.openxmlformats.org/presentationml/2006/main" matchingName="Title and body" type="tx">
   <p:cSld name="TITLE_AND_BODY">
     <p:spTree>
       <p:nvGrpSpPr>
-        <p:cNvPr id="16" name="Shape 16"/>
+        <p:cNvPr id="1" name="Shape 16"/>
         <p:cNvGrpSpPr/>
         <p:nvPr/>
       </p:nvGrpSpPr>
@@ -2790,7 +2881,9 @@
       <p:sp>
         <p:nvSpPr>
           <p:cNvPr id="17" name="Google Shape;17;p4"/>
-          <p:cNvSpPr txBox="1"/>
+          <p:cNvSpPr txBox="1">
+            <a:spLocks noGrp="1"/>
+          </p:cNvSpPr>
           <p:nvPr>
             <p:ph type="title"/>
           </p:nvPr>
@@ -2805,7 +2898,7 @@
           </a:prstGeom>
         </p:spPr>
         <p:txBody>
-          <a:bodyPr anchorCtr="0" anchor="t" bIns="91425" lIns="91425" spcFirstLastPara="1" rIns="91425" wrap="square" tIns="91425">
+          <a:bodyPr spcFirstLastPara="1" wrap="square" lIns="91425" tIns="91425" rIns="91425" bIns="91425" anchor="t" anchorCtr="0">
             <a:normAutofit/>
           </a:bodyPr>
           <a:lstStyle>
@@ -2909,15 +3002,19 @@
               <a:defRPr/>
             </a:lvl9pPr>
           </a:lstStyle>
-          <a:p/>
+          <a:p>
+            <a:endParaRPr/>
+          </a:p>
         </p:txBody>
       </p:sp>
       <p:sp>
         <p:nvSpPr>
           <p:cNvPr id="18" name="Google Shape;18;p4"/>
-          <p:cNvSpPr txBox="1"/>
+          <p:cNvSpPr txBox="1">
+            <a:spLocks noGrp="1"/>
+          </p:cNvSpPr>
           <p:nvPr>
-            <p:ph idx="1" type="body"/>
+            <p:ph type="body" idx="1"/>
           </p:nvPr>
         </p:nvSpPr>
         <p:spPr>
@@ -2930,11 +3027,11 @@
           </a:prstGeom>
         </p:spPr>
         <p:txBody>
-          <a:bodyPr anchorCtr="0" anchor="t" bIns="91425" lIns="91425" spcFirstLastPara="1" rIns="91425" wrap="square" tIns="91425">
+          <a:bodyPr spcFirstLastPara="1" wrap="square" lIns="91425" tIns="91425" rIns="91425" bIns="91425" anchor="t" anchorCtr="0">
             <a:normAutofit/>
           </a:bodyPr>
           <a:lstStyle>
-            <a:lvl1pPr indent="-342900" lvl="0" marL="457200">
+            <a:lvl1pPr marL="457200" lvl="0" indent="-342900">
               <a:spcBef>
                 <a:spcPts val="0"/>
               </a:spcBef>
@@ -2945,7 +3042,7 @@
               <a:buChar char="●"/>
               <a:defRPr/>
             </a:lvl1pPr>
-            <a:lvl2pPr indent="-317500" lvl="1" marL="914400">
+            <a:lvl2pPr marL="914400" lvl="1" indent="-317500">
               <a:spcBef>
                 <a:spcPts val="0"/>
               </a:spcBef>
@@ -2956,7 +3053,7 @@
               <a:buChar char="○"/>
               <a:defRPr/>
             </a:lvl2pPr>
-            <a:lvl3pPr indent="-317500" lvl="2" marL="1371600">
+            <a:lvl3pPr marL="1371600" lvl="2" indent="-317500">
               <a:spcBef>
                 <a:spcPts val="0"/>
               </a:spcBef>
@@ -2967,7 +3064,7 @@
               <a:buChar char="■"/>
               <a:defRPr/>
             </a:lvl3pPr>
-            <a:lvl4pPr indent="-317500" lvl="3" marL="1828800">
+            <a:lvl4pPr marL="1828800" lvl="3" indent="-317500">
               <a:spcBef>
                 <a:spcPts val="0"/>
               </a:spcBef>
@@ -2978,7 +3075,7 @@
               <a:buChar char="●"/>
               <a:defRPr/>
             </a:lvl4pPr>
-            <a:lvl5pPr indent="-317500" lvl="4" marL="2286000">
+            <a:lvl5pPr marL="2286000" lvl="4" indent="-317500">
               <a:spcBef>
                 <a:spcPts val="0"/>
               </a:spcBef>
@@ -2989,7 +3086,7 @@
               <a:buChar char="○"/>
               <a:defRPr/>
             </a:lvl5pPr>
-            <a:lvl6pPr indent="-317500" lvl="5" marL="2743200">
+            <a:lvl6pPr marL="2743200" lvl="5" indent="-317500">
               <a:spcBef>
                 <a:spcPts val="0"/>
               </a:spcBef>
@@ -3000,7 +3097,7 @@
               <a:buChar char="■"/>
               <a:defRPr/>
             </a:lvl6pPr>
-            <a:lvl7pPr indent="-317500" lvl="6" marL="3200400">
+            <a:lvl7pPr marL="3200400" lvl="6" indent="-317500">
               <a:spcBef>
                 <a:spcPts val="0"/>
               </a:spcBef>
@@ -3011,7 +3108,7 @@
               <a:buChar char="●"/>
               <a:defRPr/>
             </a:lvl7pPr>
-            <a:lvl8pPr indent="-317500" lvl="7" marL="3657600">
+            <a:lvl8pPr marL="3657600" lvl="7" indent="-317500">
               <a:spcBef>
                 <a:spcPts val="0"/>
               </a:spcBef>
@@ -3022,7 +3119,7 @@
               <a:buChar char="○"/>
               <a:defRPr/>
             </a:lvl8pPr>
-            <a:lvl9pPr indent="-317500" lvl="8" marL="4114800">
+            <a:lvl9pPr marL="4114800" lvl="8" indent="-317500">
               <a:spcBef>
                 <a:spcPts val="0"/>
               </a:spcBef>
@@ -3034,15 +3131,19 @@
               <a:defRPr/>
             </a:lvl9pPr>
           </a:lstStyle>
-          <a:p/>
+          <a:p>
+            <a:endParaRPr/>
+          </a:p>
         </p:txBody>
       </p:sp>
       <p:sp>
         <p:nvSpPr>
           <p:cNvPr id="19" name="Google Shape;19;p4"/>
-          <p:cNvSpPr txBox="1"/>
+          <p:cNvSpPr txBox="1">
+            <a:spLocks noGrp="1"/>
+          </p:cNvSpPr>
           <p:nvPr>
-            <p:ph idx="12" type="sldNum"/>
+            <p:ph type="sldNum" idx="12"/>
           </p:nvPr>
         </p:nvSpPr>
         <p:spPr>
@@ -3055,7 +3156,7 @@
           </a:prstGeom>
         </p:spPr>
         <p:txBody>
-          <a:bodyPr anchorCtr="0" anchor="ctr" bIns="91425" lIns="91425" spcFirstLastPara="1" rIns="91425" wrap="square" tIns="91425">
+          <a:bodyPr spcFirstLastPara="1" wrap="square" lIns="91425" tIns="91425" rIns="91425" bIns="91425" anchor="ctr" anchorCtr="0">
             <a:normAutofit/>
           </a:bodyPr>
           <a:lstStyle>
@@ -3097,7 +3198,7 @@
             </a:lvl9pPr>
           </a:lstStyle>
           <a:p>
-            <a:pPr indent="0" lvl="0" marL="0" rtl="0" algn="r">
+            <a:pPr marL="0" lvl="0" indent="0" algn="r" rtl="0">
               <a:spcBef>
                 <a:spcPts val="0"/>
               </a:spcBef>
@@ -3123,11 +3224,11 @@
 </file>
 
 <file path=ppt/slideLayouts/slideLayout4.xml><?xml version="1.0" encoding="utf-8"?>
-<p:sldLayout xmlns:a="http://schemas.openxmlformats.org/drawingml/2006/main" xmlns:r="http://schemas.openxmlformats.org/officeDocument/2006/relationships" xmlns:mc="http://schemas.openxmlformats.org/markup-compatibility/2006" xmlns:mv="urn:schemas-microsoft-com:mac:vml" xmlns:p="http://schemas.openxmlformats.org/presentationml/2006/main" xmlns:c="http://schemas.openxmlformats.org/drawingml/2006/chart" xmlns:dgm="http://schemas.openxmlformats.org/drawingml/2006/diagram" xmlns:o="urn:schemas-microsoft-com:office:office" xmlns:v="urn:schemas-microsoft-com:vml" xmlns:pvml="urn:schemas-microsoft-com:office:powerpoint" xmlns:com="http://schemas.openxmlformats.org/drawingml/2006/compatibility" xmlns:p14="http://schemas.microsoft.com/office/powerpoint/2010/main" xmlns:p15="http://schemas.microsoft.com/office/powerpoint/2012/main" xmlns:ahyp="http://schemas.microsoft.com/office/drawing/2018/hyperlinkcolor" matchingName="Title and two columns" type="twoColTx">
+<p:sldLayout xmlns:a="http://schemas.openxmlformats.org/drawingml/2006/main" xmlns:r="http://schemas.openxmlformats.org/officeDocument/2006/relationships" xmlns:p="http://schemas.openxmlformats.org/presentationml/2006/main" matchingName="Title and two columns" type="twoColTx">
   <p:cSld name="TITLE_AND_TWO_COLUMNS">
     <p:spTree>
       <p:nvGrpSpPr>
-        <p:cNvPr id="20" name="Shape 20"/>
+        <p:cNvPr id="1" name="Shape 20"/>
         <p:cNvGrpSpPr/>
         <p:nvPr/>
       </p:nvGrpSpPr>
@@ -3142,7 +3243,9 @@
       <p:sp>
         <p:nvSpPr>
           <p:cNvPr id="21" name="Google Shape;21;p5"/>
-          <p:cNvSpPr txBox="1"/>
+          <p:cNvSpPr txBox="1">
+            <a:spLocks noGrp="1"/>
+          </p:cNvSpPr>
           <p:nvPr>
             <p:ph type="title"/>
           </p:nvPr>
@@ -3157,7 +3260,7 @@
           </a:prstGeom>
         </p:spPr>
         <p:txBody>
-          <a:bodyPr anchorCtr="0" anchor="t" bIns="91425" lIns="91425" spcFirstLastPara="1" rIns="91425" wrap="square" tIns="91425">
+          <a:bodyPr spcFirstLastPara="1" wrap="square" lIns="91425" tIns="91425" rIns="91425" bIns="91425" anchor="t" anchorCtr="0">
             <a:normAutofit/>
           </a:bodyPr>
           <a:lstStyle>
@@ -3261,15 +3364,19 @@
               <a:defRPr/>
             </a:lvl9pPr>
           </a:lstStyle>
-          <a:p/>
+          <a:p>
+            <a:endParaRPr/>
+          </a:p>
         </p:txBody>
       </p:sp>
       <p:sp>
         <p:nvSpPr>
           <p:cNvPr id="22" name="Google Shape;22;p5"/>
-          <p:cNvSpPr txBox="1"/>
+          <p:cNvSpPr txBox="1">
+            <a:spLocks noGrp="1"/>
+          </p:cNvSpPr>
           <p:nvPr>
-            <p:ph idx="1" type="body"/>
+            <p:ph type="body" idx="1"/>
           </p:nvPr>
         </p:nvSpPr>
         <p:spPr>
@@ -3282,11 +3389,11 @@
           </a:prstGeom>
         </p:spPr>
         <p:txBody>
-          <a:bodyPr anchorCtr="0" anchor="t" bIns="91425" lIns="91425" spcFirstLastPara="1" rIns="91425" wrap="square" tIns="91425">
+          <a:bodyPr spcFirstLastPara="1" wrap="square" lIns="91425" tIns="91425" rIns="91425" bIns="91425" anchor="t" anchorCtr="0">
             <a:normAutofit/>
           </a:bodyPr>
           <a:lstStyle>
-            <a:lvl1pPr indent="-317500" lvl="0" marL="457200">
+            <a:lvl1pPr marL="457200" lvl="0" indent="-317500">
               <a:spcBef>
                 <a:spcPts val="0"/>
               </a:spcBef>
@@ -3297,7 +3404,7 @@
               <a:buChar char="●"/>
               <a:defRPr sz="1400"/>
             </a:lvl1pPr>
-            <a:lvl2pPr indent="-304800" lvl="1" marL="914400">
+            <a:lvl2pPr marL="914400" lvl="1" indent="-304800">
               <a:spcBef>
                 <a:spcPts val="0"/>
               </a:spcBef>
@@ -3308,7 +3415,7 @@
               <a:buChar char="○"/>
               <a:defRPr sz="1200"/>
             </a:lvl2pPr>
-            <a:lvl3pPr indent="-304800" lvl="2" marL="1371600">
+            <a:lvl3pPr marL="1371600" lvl="2" indent="-304800">
               <a:spcBef>
                 <a:spcPts val="0"/>
               </a:spcBef>
@@ -3319,7 +3426,7 @@
               <a:buChar char="■"/>
               <a:defRPr sz="1200"/>
             </a:lvl3pPr>
-            <a:lvl4pPr indent="-304800" lvl="3" marL="1828800">
+            <a:lvl4pPr marL="1828800" lvl="3" indent="-304800">
               <a:spcBef>
                 <a:spcPts val="0"/>
               </a:spcBef>
@@ -3330,7 +3437,7 @@
               <a:buChar char="●"/>
               <a:defRPr sz="1200"/>
             </a:lvl4pPr>
-            <a:lvl5pPr indent="-304800" lvl="4" marL="2286000">
+            <a:lvl5pPr marL="2286000" lvl="4" indent="-304800">
               <a:spcBef>
                 <a:spcPts val="0"/>
               </a:spcBef>
@@ -3341,7 +3448,7 @@
               <a:buChar char="○"/>
               <a:defRPr sz="1200"/>
             </a:lvl5pPr>
-            <a:lvl6pPr indent="-304800" lvl="5" marL="2743200">
+            <a:lvl6pPr marL="2743200" lvl="5" indent="-304800">
               <a:spcBef>
                 <a:spcPts val="0"/>
               </a:spcBef>
@@ -3352,7 +3459,7 @@
               <a:buChar char="■"/>
               <a:defRPr sz="1200"/>
             </a:lvl6pPr>
-            <a:lvl7pPr indent="-304800" lvl="6" marL="3200400">
+            <a:lvl7pPr marL="3200400" lvl="6" indent="-304800">
               <a:spcBef>
                 <a:spcPts val="0"/>
               </a:spcBef>
@@ -3363,7 +3470,7 @@
               <a:buChar char="●"/>
               <a:defRPr sz="1200"/>
             </a:lvl7pPr>
-            <a:lvl8pPr indent="-304800" lvl="7" marL="3657600">
+            <a:lvl8pPr marL="3657600" lvl="7" indent="-304800">
               <a:spcBef>
                 <a:spcPts val="0"/>
               </a:spcBef>
@@ -3374,7 +3481,7 @@
               <a:buChar char="○"/>
               <a:defRPr sz="1200"/>
             </a:lvl8pPr>
-            <a:lvl9pPr indent="-304800" lvl="8" marL="4114800">
+            <a:lvl9pPr marL="4114800" lvl="8" indent="-304800">
               <a:spcBef>
                 <a:spcPts val="0"/>
               </a:spcBef>
@@ -3386,15 +3493,19 @@
               <a:defRPr sz="1200"/>
             </a:lvl9pPr>
           </a:lstStyle>
-          <a:p/>
+          <a:p>
+            <a:endParaRPr/>
+          </a:p>
         </p:txBody>
       </p:sp>
       <p:sp>
         <p:nvSpPr>
           <p:cNvPr id="23" name="Google Shape;23;p5"/>
-          <p:cNvSpPr txBox="1"/>
+          <p:cNvSpPr txBox="1">
+            <a:spLocks noGrp="1"/>
+          </p:cNvSpPr>
           <p:nvPr>
-            <p:ph idx="2" type="body"/>
+            <p:ph type="body" idx="2"/>
           </p:nvPr>
         </p:nvSpPr>
         <p:spPr>
@@ -3407,11 +3518,11 @@
           </a:prstGeom>
         </p:spPr>
         <p:txBody>
-          <a:bodyPr anchorCtr="0" anchor="t" bIns="91425" lIns="91425" spcFirstLastPara="1" rIns="91425" wrap="square" tIns="91425">
+          <a:bodyPr spcFirstLastPara="1" wrap="square" lIns="91425" tIns="91425" rIns="91425" bIns="91425" anchor="t" anchorCtr="0">
             <a:normAutofit/>
           </a:bodyPr>
           <a:lstStyle>
-            <a:lvl1pPr indent="-317500" lvl="0" marL="457200">
+            <a:lvl1pPr marL="457200" lvl="0" indent="-317500">
               <a:spcBef>
                 <a:spcPts val="0"/>
               </a:spcBef>
@@ -3422,7 +3533,7 @@
               <a:buChar char="●"/>
               <a:defRPr sz="1400"/>
             </a:lvl1pPr>
-            <a:lvl2pPr indent="-304800" lvl="1" marL="914400">
+            <a:lvl2pPr marL="914400" lvl="1" indent="-304800">
               <a:spcBef>
                 <a:spcPts val="0"/>
               </a:spcBef>
@@ -3433,7 +3544,7 @@
               <a:buChar char="○"/>
               <a:defRPr sz="1200"/>
             </a:lvl2pPr>
-            <a:lvl3pPr indent="-304800" lvl="2" marL="1371600">
+            <a:lvl3pPr marL="1371600" lvl="2" indent="-304800">
               <a:spcBef>
                 <a:spcPts val="0"/>
               </a:spcBef>
@@ -3444,7 +3555,7 @@
               <a:buChar char="■"/>
               <a:defRPr sz="1200"/>
             </a:lvl3pPr>
-            <a:lvl4pPr indent="-304800" lvl="3" marL="1828800">
+            <a:lvl4pPr marL="1828800" lvl="3" indent="-304800">
               <a:spcBef>
                 <a:spcPts val="0"/>
               </a:spcBef>
@@ -3455,7 +3566,7 @@
               <a:buChar char="●"/>
               <a:defRPr sz="1200"/>
             </a:lvl4pPr>
-            <a:lvl5pPr indent="-304800" lvl="4" marL="2286000">
+            <a:lvl5pPr marL="2286000" lvl="4" indent="-304800">
               <a:spcBef>
                 <a:spcPts val="0"/>
               </a:spcBef>
@@ -3466,7 +3577,7 @@
               <a:buChar char="○"/>
               <a:defRPr sz="1200"/>
             </a:lvl5pPr>
-            <a:lvl6pPr indent="-304800" lvl="5" marL="2743200">
+            <a:lvl6pPr marL="2743200" lvl="5" indent="-304800">
               <a:spcBef>
                 <a:spcPts val="0"/>
               </a:spcBef>
@@ -3477,7 +3588,7 @@
               <a:buChar char="■"/>
               <a:defRPr sz="1200"/>
             </a:lvl6pPr>
-            <a:lvl7pPr indent="-304800" lvl="6" marL="3200400">
+            <a:lvl7pPr marL="3200400" lvl="6" indent="-304800">
               <a:spcBef>
                 <a:spcPts val="0"/>
               </a:spcBef>
@@ -3488,7 +3599,7 @@
               <a:buChar char="●"/>
               <a:defRPr sz="1200"/>
             </a:lvl7pPr>
-            <a:lvl8pPr indent="-304800" lvl="7" marL="3657600">
+            <a:lvl8pPr marL="3657600" lvl="7" indent="-304800">
               <a:spcBef>
                 <a:spcPts val="0"/>
               </a:spcBef>
@@ -3499,7 +3610,7 @@
               <a:buChar char="○"/>
               <a:defRPr sz="1200"/>
             </a:lvl8pPr>
-            <a:lvl9pPr indent="-304800" lvl="8" marL="4114800">
+            <a:lvl9pPr marL="4114800" lvl="8" indent="-304800">
               <a:spcBef>
                 <a:spcPts val="0"/>
               </a:spcBef>
@@ -3511,15 +3622,19 @@
               <a:defRPr sz="1200"/>
             </a:lvl9pPr>
           </a:lstStyle>
-          <a:p/>
+          <a:p>
+            <a:endParaRPr/>
+          </a:p>
         </p:txBody>
       </p:sp>
       <p:sp>
         <p:nvSpPr>
           <p:cNvPr id="24" name="Google Shape;24;p5"/>
-          <p:cNvSpPr txBox="1"/>
+          <p:cNvSpPr txBox="1">
+            <a:spLocks noGrp="1"/>
+          </p:cNvSpPr>
           <p:nvPr>
-            <p:ph idx="12" type="sldNum"/>
+            <p:ph type="sldNum" idx="12"/>
           </p:nvPr>
         </p:nvSpPr>
         <p:spPr>
@@ -3532,7 +3647,7 @@
           </a:prstGeom>
         </p:spPr>
         <p:txBody>
-          <a:bodyPr anchorCtr="0" anchor="ctr" bIns="91425" lIns="91425" spcFirstLastPara="1" rIns="91425" wrap="square" tIns="91425">
+          <a:bodyPr spcFirstLastPara="1" wrap="square" lIns="91425" tIns="91425" rIns="91425" bIns="91425" anchor="ctr" anchorCtr="0">
             <a:normAutofit/>
           </a:bodyPr>
           <a:lstStyle>
@@ -3574,7 +3689,7 @@
             </a:lvl9pPr>
           </a:lstStyle>
           <a:p>
-            <a:pPr indent="0" lvl="0" marL="0" rtl="0" algn="r">
+            <a:pPr marL="0" lvl="0" indent="0" algn="r" rtl="0">
               <a:spcBef>
                 <a:spcPts val="0"/>
               </a:spcBef>
@@ -3600,11 +3715,11 @@
 </file>
 
 <file path=ppt/slideLayouts/slideLayout5.xml><?xml version="1.0" encoding="utf-8"?>
-<p:sldLayout xmlns:a="http://schemas.openxmlformats.org/drawingml/2006/main" xmlns:r="http://schemas.openxmlformats.org/officeDocument/2006/relationships" xmlns:mc="http://schemas.openxmlformats.org/markup-compatibility/2006" xmlns:mv="urn:schemas-microsoft-com:mac:vml" xmlns:p="http://schemas.openxmlformats.org/presentationml/2006/main" xmlns:c="http://schemas.openxmlformats.org/drawingml/2006/chart" xmlns:dgm="http://schemas.openxmlformats.org/drawingml/2006/diagram" xmlns:o="urn:schemas-microsoft-com:office:office" xmlns:v="urn:schemas-microsoft-com:vml" xmlns:pvml="urn:schemas-microsoft-com:office:powerpoint" xmlns:com="http://schemas.openxmlformats.org/drawingml/2006/compatibility" xmlns:p14="http://schemas.microsoft.com/office/powerpoint/2010/main" xmlns:p15="http://schemas.microsoft.com/office/powerpoint/2012/main" xmlns:ahyp="http://schemas.microsoft.com/office/drawing/2018/hyperlinkcolor" matchingName="Title only" type="titleOnly">
+<p:sldLayout xmlns:a="http://schemas.openxmlformats.org/drawingml/2006/main" xmlns:r="http://schemas.openxmlformats.org/officeDocument/2006/relationships" xmlns:p="http://schemas.openxmlformats.org/presentationml/2006/main" matchingName="Title only" type="titleOnly">
   <p:cSld name="TITLE_ONLY">
     <p:spTree>
       <p:nvGrpSpPr>
-        <p:cNvPr id="25" name="Shape 25"/>
+        <p:cNvPr id="1" name="Shape 25"/>
         <p:cNvGrpSpPr/>
         <p:nvPr/>
       </p:nvGrpSpPr>
@@ -3619,7 +3734,9 @@
       <p:sp>
         <p:nvSpPr>
           <p:cNvPr id="26" name="Google Shape;26;p6"/>
-          <p:cNvSpPr txBox="1"/>
+          <p:cNvSpPr txBox="1">
+            <a:spLocks noGrp="1"/>
+          </p:cNvSpPr>
           <p:nvPr>
             <p:ph type="title"/>
           </p:nvPr>
@@ -3634,7 +3751,7 @@
           </a:prstGeom>
         </p:spPr>
         <p:txBody>
-          <a:bodyPr anchorCtr="0" anchor="t" bIns="91425" lIns="91425" spcFirstLastPara="1" rIns="91425" wrap="square" tIns="91425">
+          <a:bodyPr spcFirstLastPara="1" wrap="square" lIns="91425" tIns="91425" rIns="91425" bIns="91425" anchor="t" anchorCtr="0">
             <a:normAutofit/>
           </a:bodyPr>
           <a:lstStyle>
@@ -3738,15 +3855,19 @@
               <a:defRPr/>
             </a:lvl9pPr>
           </a:lstStyle>
-          <a:p/>
+          <a:p>
+            <a:endParaRPr/>
+          </a:p>
         </p:txBody>
       </p:sp>
       <p:sp>
         <p:nvSpPr>
           <p:cNvPr id="27" name="Google Shape;27;p6"/>
-          <p:cNvSpPr txBox="1"/>
+          <p:cNvSpPr txBox="1">
+            <a:spLocks noGrp="1"/>
+          </p:cNvSpPr>
           <p:nvPr>
-            <p:ph idx="12" type="sldNum"/>
+            <p:ph type="sldNum" idx="12"/>
           </p:nvPr>
         </p:nvSpPr>
         <p:spPr>
@@ -3759,7 +3880,7 @@
           </a:prstGeom>
         </p:spPr>
         <p:txBody>
-          <a:bodyPr anchorCtr="0" anchor="ctr" bIns="91425" lIns="91425" spcFirstLastPara="1" rIns="91425" wrap="square" tIns="91425">
+          <a:bodyPr spcFirstLastPara="1" wrap="square" lIns="91425" tIns="91425" rIns="91425" bIns="91425" anchor="ctr" anchorCtr="0">
             <a:normAutofit/>
           </a:bodyPr>
           <a:lstStyle>
@@ -3801,7 +3922,7 @@
             </a:lvl9pPr>
           </a:lstStyle>
           <a:p>
-            <a:pPr indent="0" lvl="0" marL="0" rtl="0" algn="r">
+            <a:pPr marL="0" lvl="0" indent="0" algn="r" rtl="0">
               <a:spcBef>
                 <a:spcPts val="0"/>
               </a:spcBef>
@@ -3827,11 +3948,11 @@
 </file>
 
 <file path=ppt/slideLayouts/slideLayout6.xml><?xml version="1.0" encoding="utf-8"?>
-<p:sldLayout xmlns:a="http://schemas.openxmlformats.org/drawingml/2006/main" xmlns:r="http://schemas.openxmlformats.org/officeDocument/2006/relationships" xmlns:mc="http://schemas.openxmlformats.org/markup-compatibility/2006" xmlns:mv="urn:schemas-microsoft-com:mac:vml" xmlns:p="http://schemas.openxmlformats.org/presentationml/2006/main" xmlns:c="http://schemas.openxmlformats.org/drawingml/2006/chart" xmlns:dgm="http://schemas.openxmlformats.org/drawingml/2006/diagram" xmlns:o="urn:schemas-microsoft-com:office:office" xmlns:v="urn:schemas-microsoft-com:vml" xmlns:pvml="urn:schemas-microsoft-com:office:powerpoint" xmlns:com="http://schemas.openxmlformats.org/drawingml/2006/compatibility" xmlns:p14="http://schemas.microsoft.com/office/powerpoint/2010/main" xmlns:p15="http://schemas.microsoft.com/office/powerpoint/2012/main" xmlns:ahyp="http://schemas.microsoft.com/office/drawing/2018/hyperlinkcolor" matchingName="One column text">
+<p:sldLayout xmlns:a="http://schemas.openxmlformats.org/drawingml/2006/main" xmlns:r="http://schemas.openxmlformats.org/officeDocument/2006/relationships" xmlns:p="http://schemas.openxmlformats.org/presentationml/2006/main" matchingName="One column text">
   <p:cSld name="ONE_COLUMN_TEXT">
     <p:spTree>
       <p:nvGrpSpPr>
-        <p:cNvPr id="28" name="Shape 28"/>
+        <p:cNvPr id="1" name="Shape 28"/>
         <p:cNvGrpSpPr/>
         <p:nvPr/>
       </p:nvGrpSpPr>
@@ -3846,7 +3967,9 @@
       <p:sp>
         <p:nvSpPr>
           <p:cNvPr id="29" name="Google Shape;29;p7"/>
-          <p:cNvSpPr txBox="1"/>
+          <p:cNvSpPr txBox="1">
+            <a:spLocks noGrp="1"/>
+          </p:cNvSpPr>
           <p:nvPr>
             <p:ph type="title"/>
           </p:nvPr>
@@ -3861,7 +3984,7 @@
           </a:prstGeom>
         </p:spPr>
         <p:txBody>
-          <a:bodyPr anchorCtr="0" anchor="b" bIns="91425" lIns="91425" spcFirstLastPara="1" rIns="91425" wrap="square" tIns="91425">
+          <a:bodyPr spcFirstLastPara="1" wrap="square" lIns="91425" tIns="91425" rIns="91425" bIns="91425" anchor="b" anchorCtr="0">
             <a:normAutofit/>
           </a:bodyPr>
           <a:lstStyle>
@@ -3965,15 +4088,19 @@
               <a:defRPr sz="2400"/>
             </a:lvl9pPr>
           </a:lstStyle>
-          <a:p/>
+          <a:p>
+            <a:endParaRPr/>
+          </a:p>
         </p:txBody>
       </p:sp>
       <p:sp>
         <p:nvSpPr>
           <p:cNvPr id="30" name="Google Shape;30;p7"/>
-          <p:cNvSpPr txBox="1"/>
+          <p:cNvSpPr txBox="1">
+            <a:spLocks noGrp="1"/>
+          </p:cNvSpPr>
           <p:nvPr>
-            <p:ph idx="1" type="body"/>
+            <p:ph type="body" idx="1"/>
           </p:nvPr>
         </p:nvSpPr>
         <p:spPr>
@@ -3986,11 +4113,11 @@
           </a:prstGeom>
         </p:spPr>
         <p:txBody>
-          <a:bodyPr anchorCtr="0" anchor="t" bIns="91425" lIns="91425" spcFirstLastPara="1" rIns="91425" wrap="square" tIns="91425">
+          <a:bodyPr spcFirstLastPara="1" wrap="square" lIns="91425" tIns="91425" rIns="91425" bIns="91425" anchor="t" anchorCtr="0">
             <a:normAutofit/>
           </a:bodyPr>
           <a:lstStyle>
-            <a:lvl1pPr indent="-304800" lvl="0" marL="457200">
+            <a:lvl1pPr marL="457200" lvl="0" indent="-304800">
               <a:spcBef>
                 <a:spcPts val="0"/>
               </a:spcBef>
@@ -4001,7 +4128,7 @@
               <a:buChar char="●"/>
               <a:defRPr sz="1200"/>
             </a:lvl1pPr>
-            <a:lvl2pPr indent="-304800" lvl="1" marL="914400">
+            <a:lvl2pPr marL="914400" lvl="1" indent="-304800">
               <a:spcBef>
                 <a:spcPts val="0"/>
               </a:spcBef>
@@ -4012,7 +4139,7 @@
               <a:buChar char="○"/>
               <a:defRPr sz="1200"/>
             </a:lvl2pPr>
-            <a:lvl3pPr indent="-304800" lvl="2" marL="1371600">
+            <a:lvl3pPr marL="1371600" lvl="2" indent="-304800">
               <a:spcBef>
                 <a:spcPts val="0"/>
               </a:spcBef>
@@ -4023,7 +4150,7 @@
               <a:buChar char="■"/>
               <a:defRPr sz="1200"/>
             </a:lvl3pPr>
-            <a:lvl4pPr indent="-304800" lvl="3" marL="1828800">
+            <a:lvl4pPr marL="1828800" lvl="3" indent="-304800">
               <a:spcBef>
                 <a:spcPts val="0"/>
               </a:spcBef>
@@ -4034,7 +4161,7 @@
               <a:buChar char="●"/>
               <a:defRPr sz="1200"/>
             </a:lvl4pPr>
-            <a:lvl5pPr indent="-304800" lvl="4" marL="2286000">
+            <a:lvl5pPr marL="2286000" lvl="4" indent="-304800">
               <a:spcBef>
                 <a:spcPts val="0"/>
               </a:spcBef>
@@ -4045,7 +4172,7 @@
               <a:buChar char="○"/>
               <a:defRPr sz="1200"/>
             </a:lvl5pPr>
-            <a:lvl6pPr indent="-304800" lvl="5" marL="2743200">
+            <a:lvl6pPr marL="2743200" lvl="5" indent="-304800">
               <a:spcBef>
                 <a:spcPts val="0"/>
               </a:spcBef>
@@ -4056,7 +4183,7 @@
               <a:buChar char="■"/>
               <a:defRPr sz="1200"/>
             </a:lvl6pPr>
-            <a:lvl7pPr indent="-304800" lvl="6" marL="3200400">
+            <a:lvl7pPr marL="3200400" lvl="6" indent="-304800">
               <a:spcBef>
                 <a:spcPts val="0"/>
               </a:spcBef>
@@ -4067,7 +4194,7 @@
               <a:buChar char="●"/>
               <a:defRPr sz="1200"/>
             </a:lvl7pPr>
-            <a:lvl8pPr indent="-304800" lvl="7" marL="3657600">
+            <a:lvl8pPr marL="3657600" lvl="7" indent="-304800">
               <a:spcBef>
                 <a:spcPts val="0"/>
               </a:spcBef>
@@ -4078,7 +4205,7 @@
               <a:buChar char="○"/>
               <a:defRPr sz="1200"/>
             </a:lvl8pPr>
-            <a:lvl9pPr indent="-304800" lvl="8" marL="4114800">
+            <a:lvl9pPr marL="4114800" lvl="8" indent="-304800">
               <a:spcBef>
                 <a:spcPts val="0"/>
               </a:spcBef>
@@ -4090,15 +4217,19 @@
               <a:defRPr sz="1200"/>
             </a:lvl9pPr>
           </a:lstStyle>
-          <a:p/>
+          <a:p>
+            <a:endParaRPr/>
+          </a:p>
         </p:txBody>
       </p:sp>
       <p:sp>
         <p:nvSpPr>
           <p:cNvPr id="31" name="Google Shape;31;p7"/>
-          <p:cNvSpPr txBox="1"/>
+          <p:cNvSpPr txBox="1">
+            <a:spLocks noGrp="1"/>
+          </p:cNvSpPr>
           <p:nvPr>
-            <p:ph idx="12" type="sldNum"/>
+            <p:ph type="sldNum" idx="12"/>
           </p:nvPr>
         </p:nvSpPr>
         <p:spPr>
@@ -4111,7 +4242,7 @@
           </a:prstGeom>
         </p:spPr>
         <p:txBody>
-          <a:bodyPr anchorCtr="0" anchor="ctr" bIns="91425" lIns="91425" spcFirstLastPara="1" rIns="91425" wrap="square" tIns="91425">
+          <a:bodyPr spcFirstLastPara="1" wrap="square" lIns="91425" tIns="91425" rIns="91425" bIns="91425" anchor="ctr" anchorCtr="0">
             <a:normAutofit/>
           </a:bodyPr>
           <a:lstStyle>
@@ -4153,7 +4284,7 @@
             </a:lvl9pPr>
           </a:lstStyle>
           <a:p>
-            <a:pPr indent="0" lvl="0" marL="0" rtl="0" algn="r">
+            <a:pPr marL="0" lvl="0" indent="0" algn="r" rtl="0">
               <a:spcBef>
                 <a:spcPts val="0"/>
               </a:spcBef>
@@ -4179,11 +4310,11 @@
 </file>
 
 <file path=ppt/slideLayouts/slideLayout7.xml><?xml version="1.0" encoding="utf-8"?>
-<p:sldLayout xmlns:a="http://schemas.openxmlformats.org/drawingml/2006/main" xmlns:r="http://schemas.openxmlformats.org/officeDocument/2006/relationships" xmlns:mc="http://schemas.openxmlformats.org/markup-compatibility/2006" xmlns:mv="urn:schemas-microsoft-com:mac:vml" xmlns:p="http://schemas.openxmlformats.org/presentationml/2006/main" xmlns:c="http://schemas.openxmlformats.org/drawingml/2006/chart" xmlns:dgm="http://schemas.openxmlformats.org/drawingml/2006/diagram" xmlns:o="urn:schemas-microsoft-com:office:office" xmlns:v="urn:schemas-microsoft-com:vml" xmlns:pvml="urn:schemas-microsoft-com:office:powerpoint" xmlns:com="http://schemas.openxmlformats.org/drawingml/2006/compatibility" xmlns:p14="http://schemas.microsoft.com/office/powerpoint/2010/main" xmlns:p15="http://schemas.microsoft.com/office/powerpoint/2012/main" xmlns:ahyp="http://schemas.microsoft.com/office/drawing/2018/hyperlinkcolor" matchingName="Main point">
+<p:sldLayout xmlns:a="http://schemas.openxmlformats.org/drawingml/2006/main" xmlns:r="http://schemas.openxmlformats.org/officeDocument/2006/relationships" xmlns:p="http://schemas.openxmlformats.org/presentationml/2006/main" matchingName="Main point">
   <p:cSld name="MAIN_POINT">
     <p:spTree>
       <p:nvGrpSpPr>
-        <p:cNvPr id="32" name="Shape 32"/>
+        <p:cNvPr id="1" name="Shape 32"/>
         <p:cNvGrpSpPr/>
         <p:nvPr/>
       </p:nvGrpSpPr>
@@ -4198,7 +4329,9 @@
       <p:sp>
         <p:nvSpPr>
           <p:cNvPr id="33" name="Google Shape;33;p8"/>
-          <p:cNvSpPr txBox="1"/>
+          <p:cNvSpPr txBox="1">
+            <a:spLocks noGrp="1"/>
+          </p:cNvSpPr>
           <p:nvPr>
             <p:ph type="title"/>
           </p:nvPr>
@@ -4213,7 +4346,7 @@
           </a:prstGeom>
         </p:spPr>
         <p:txBody>
-          <a:bodyPr anchorCtr="0" anchor="ctr" bIns="91425" lIns="91425" spcFirstLastPara="1" rIns="91425" wrap="square" tIns="91425">
+          <a:bodyPr spcFirstLastPara="1" wrap="square" lIns="91425" tIns="91425" rIns="91425" bIns="91425" anchor="ctr" anchorCtr="0">
             <a:normAutofit/>
           </a:bodyPr>
           <a:lstStyle>
@@ -4317,15 +4450,19 @@
               <a:defRPr sz="4800"/>
             </a:lvl9pPr>
           </a:lstStyle>
-          <a:p/>
+          <a:p>
+            <a:endParaRPr/>
+          </a:p>
         </p:txBody>
       </p:sp>
       <p:sp>
         <p:nvSpPr>
           <p:cNvPr id="34" name="Google Shape;34;p8"/>
-          <p:cNvSpPr txBox="1"/>
+          <p:cNvSpPr txBox="1">
+            <a:spLocks noGrp="1"/>
+          </p:cNvSpPr>
           <p:nvPr>
-            <p:ph idx="12" type="sldNum"/>
+            <p:ph type="sldNum" idx="12"/>
           </p:nvPr>
         </p:nvSpPr>
         <p:spPr>
@@ -4338,7 +4475,7 @@
           </a:prstGeom>
         </p:spPr>
         <p:txBody>
-          <a:bodyPr anchorCtr="0" anchor="ctr" bIns="91425" lIns="91425" spcFirstLastPara="1" rIns="91425" wrap="square" tIns="91425">
+          <a:bodyPr spcFirstLastPara="1" wrap="square" lIns="91425" tIns="91425" rIns="91425" bIns="91425" anchor="ctr" anchorCtr="0">
             <a:normAutofit/>
           </a:bodyPr>
           <a:lstStyle>
@@ -4380,7 +4517,7 @@
             </a:lvl9pPr>
           </a:lstStyle>
           <a:p>
-            <a:pPr indent="0" lvl="0" marL="0" rtl="0" algn="r">
+            <a:pPr marL="0" lvl="0" indent="0" algn="r" rtl="0">
               <a:spcBef>
                 <a:spcPts val="0"/>
               </a:spcBef>
@@ -4406,11 +4543,11 @@
 </file>
 
 <file path=ppt/slideLayouts/slideLayout8.xml><?xml version="1.0" encoding="utf-8"?>
-<p:sldLayout xmlns:a="http://schemas.openxmlformats.org/drawingml/2006/main" xmlns:r="http://schemas.openxmlformats.org/officeDocument/2006/relationships" xmlns:mc="http://schemas.openxmlformats.org/markup-compatibility/2006" xmlns:mv="urn:schemas-microsoft-com:mac:vml" xmlns:p="http://schemas.openxmlformats.org/presentationml/2006/main" xmlns:c="http://schemas.openxmlformats.org/drawingml/2006/chart" xmlns:dgm="http://schemas.openxmlformats.org/drawingml/2006/diagram" xmlns:o="urn:schemas-microsoft-com:office:office" xmlns:v="urn:schemas-microsoft-com:vml" xmlns:pvml="urn:schemas-microsoft-com:office:powerpoint" xmlns:com="http://schemas.openxmlformats.org/drawingml/2006/compatibility" xmlns:p14="http://schemas.microsoft.com/office/powerpoint/2010/main" xmlns:p15="http://schemas.microsoft.com/office/powerpoint/2012/main" xmlns:ahyp="http://schemas.microsoft.com/office/drawing/2018/hyperlinkcolor" matchingName="Section title and description">
+<p:sldLayout xmlns:a="http://schemas.openxmlformats.org/drawingml/2006/main" xmlns:r="http://schemas.openxmlformats.org/officeDocument/2006/relationships" xmlns:p="http://schemas.openxmlformats.org/presentationml/2006/main" matchingName="Section title and description">
   <p:cSld name="SECTION_TITLE_AND_DESCRIPTION">
     <p:spTree>
       <p:nvGrpSpPr>
-        <p:cNvPr id="35" name="Shape 35"/>
+        <p:cNvPr id="1" name="Shape 35"/>
         <p:cNvGrpSpPr/>
         <p:nvPr/>
       </p:nvGrpSpPr>
@@ -4444,12 +4581,12 @@
           </a:ln>
         </p:spPr>
         <p:txBody>
-          <a:bodyPr anchorCtr="0" anchor="ctr" bIns="91425" lIns="91425" spcFirstLastPara="1" rIns="91425" wrap="square" tIns="91425">
+          <a:bodyPr spcFirstLastPara="1" wrap="square" lIns="91425" tIns="91425" rIns="91425" bIns="91425" anchor="ctr" anchorCtr="0">
             <a:noAutofit/>
           </a:bodyPr>
           <a:lstStyle/>
           <a:p>
-            <a:pPr indent="0" lvl="0" marL="0" rtl="0" algn="l">
+            <a:pPr marL="0" lvl="0" indent="0" algn="l" rtl="0">
               <a:spcBef>
                 <a:spcPts val="0"/>
               </a:spcBef>
@@ -4458,9 +4595,6 @@
               </a:spcAft>
               <a:buNone/>
             </a:pPr>
-            <a:r>
-              <a:t/>
-            </a:r>
             <a:endParaRPr/>
           </a:p>
         </p:txBody>
@@ -4468,7 +4602,9 @@
       <p:sp>
         <p:nvSpPr>
           <p:cNvPr id="37" name="Google Shape;37;p9"/>
-          <p:cNvSpPr txBox="1"/>
+          <p:cNvSpPr txBox="1">
+            <a:spLocks noGrp="1"/>
+          </p:cNvSpPr>
           <p:nvPr>
             <p:ph type="title"/>
           </p:nvPr>
@@ -4483,7 +4619,7 @@
           </a:prstGeom>
         </p:spPr>
         <p:txBody>
-          <a:bodyPr anchorCtr="0" anchor="b" bIns="91425" lIns="91425" spcFirstLastPara="1" rIns="91425" wrap="square" tIns="91425">
+          <a:bodyPr spcFirstLastPara="1" wrap="square" lIns="91425" tIns="91425" rIns="91425" bIns="91425" anchor="b" anchorCtr="0">
             <a:normAutofit/>
           </a:bodyPr>
           <a:lstStyle>
@@ -4587,15 +4723,19 @@
               <a:defRPr sz="4200"/>
             </a:lvl9pPr>
           </a:lstStyle>
-          <a:p/>
+          <a:p>
+            <a:endParaRPr/>
+          </a:p>
         </p:txBody>
       </p:sp>
       <p:sp>
         <p:nvSpPr>
           <p:cNvPr id="38" name="Google Shape;38;p9"/>
-          <p:cNvSpPr txBox="1"/>
+          <p:cNvSpPr txBox="1">
+            <a:spLocks noGrp="1"/>
+          </p:cNvSpPr>
           <p:nvPr>
-            <p:ph idx="1" type="subTitle"/>
+            <p:ph type="subTitle" idx="1"/>
           </p:nvPr>
         </p:nvSpPr>
         <p:spPr>
@@ -4608,7 +4748,7 @@
           </a:prstGeom>
         </p:spPr>
         <p:txBody>
-          <a:bodyPr anchorCtr="0" anchor="t" bIns="91425" lIns="91425" spcFirstLastPara="1" rIns="91425" wrap="square" tIns="91425">
+          <a:bodyPr spcFirstLastPara="1" wrap="square" lIns="91425" tIns="91425" rIns="91425" bIns="91425" anchor="t" anchorCtr="0">
             <a:normAutofit/>
           </a:bodyPr>
           <a:lstStyle>
@@ -4739,15 +4879,19 @@
               <a:defRPr sz="2100"/>
             </a:lvl9pPr>
           </a:lstStyle>
-          <a:p/>
+          <a:p>
+            <a:endParaRPr/>
+          </a:p>
         </p:txBody>
       </p:sp>
       <p:sp>
         <p:nvSpPr>
           <p:cNvPr id="39" name="Google Shape;39;p9"/>
-          <p:cNvSpPr txBox="1"/>
+          <p:cNvSpPr txBox="1">
+            <a:spLocks noGrp="1"/>
+          </p:cNvSpPr>
           <p:nvPr>
-            <p:ph idx="2" type="body"/>
+            <p:ph type="body" idx="2"/>
           </p:nvPr>
         </p:nvSpPr>
         <p:spPr>
@@ -4760,11 +4904,11 @@
           </a:prstGeom>
         </p:spPr>
         <p:txBody>
-          <a:bodyPr anchorCtr="0" anchor="ctr" bIns="91425" lIns="91425" spcFirstLastPara="1" rIns="91425" wrap="square" tIns="91425">
+          <a:bodyPr spcFirstLastPara="1" wrap="square" lIns="91425" tIns="91425" rIns="91425" bIns="91425" anchor="ctr" anchorCtr="0">
             <a:normAutofit/>
           </a:bodyPr>
           <a:lstStyle>
-            <a:lvl1pPr indent="-342900" lvl="0" marL="457200">
+            <a:lvl1pPr marL="457200" lvl="0" indent="-342900">
               <a:spcBef>
                 <a:spcPts val="0"/>
               </a:spcBef>
@@ -4775,7 +4919,7 @@
               <a:buChar char="●"/>
               <a:defRPr/>
             </a:lvl1pPr>
-            <a:lvl2pPr indent="-317500" lvl="1" marL="914400">
+            <a:lvl2pPr marL="914400" lvl="1" indent="-317500">
               <a:spcBef>
                 <a:spcPts val="0"/>
               </a:spcBef>
@@ -4786,7 +4930,7 @@
               <a:buChar char="○"/>
               <a:defRPr/>
             </a:lvl2pPr>
-            <a:lvl3pPr indent="-317500" lvl="2" marL="1371600">
+            <a:lvl3pPr marL="1371600" lvl="2" indent="-317500">
               <a:spcBef>
                 <a:spcPts val="0"/>
               </a:spcBef>
@@ -4797,7 +4941,7 @@
               <a:buChar char="■"/>
               <a:defRPr/>
             </a:lvl3pPr>
-            <a:lvl4pPr indent="-317500" lvl="3" marL="1828800">
+            <a:lvl4pPr marL="1828800" lvl="3" indent="-317500">
               <a:spcBef>
                 <a:spcPts val="0"/>
               </a:spcBef>
@@ -4808,7 +4952,7 @@
               <a:buChar char="●"/>
               <a:defRPr/>
             </a:lvl4pPr>
-            <a:lvl5pPr indent="-317500" lvl="4" marL="2286000">
+            <a:lvl5pPr marL="2286000" lvl="4" indent="-317500">
               <a:spcBef>
                 <a:spcPts val="0"/>
               </a:spcBef>
@@ -4819,7 +4963,7 @@
               <a:buChar char="○"/>
               <a:defRPr/>
             </a:lvl5pPr>
-            <a:lvl6pPr indent="-317500" lvl="5" marL="2743200">
+            <a:lvl6pPr marL="2743200" lvl="5" indent="-317500">
               <a:spcBef>
                 <a:spcPts val="0"/>
               </a:spcBef>
@@ -4830,7 +4974,7 @@
               <a:buChar char="■"/>
               <a:defRPr/>
             </a:lvl6pPr>
-            <a:lvl7pPr indent="-317500" lvl="6" marL="3200400">
+            <a:lvl7pPr marL="3200400" lvl="6" indent="-317500">
               <a:spcBef>
                 <a:spcPts val="0"/>
               </a:spcBef>
@@ -4841,7 +4985,7 @@
               <a:buChar char="●"/>
               <a:defRPr/>
             </a:lvl7pPr>
-            <a:lvl8pPr indent="-317500" lvl="7" marL="3657600">
+            <a:lvl8pPr marL="3657600" lvl="7" indent="-317500">
               <a:spcBef>
                 <a:spcPts val="0"/>
               </a:spcBef>
@@ -4852,7 +4996,7 @@
               <a:buChar char="○"/>
               <a:defRPr/>
             </a:lvl8pPr>
-            <a:lvl9pPr indent="-317500" lvl="8" marL="4114800">
+            <a:lvl9pPr marL="4114800" lvl="8" indent="-317500">
               <a:spcBef>
                 <a:spcPts val="0"/>
               </a:spcBef>
@@ -4864,15 +5008,19 @@
               <a:defRPr/>
             </a:lvl9pPr>
           </a:lstStyle>
-          <a:p/>
+          <a:p>
+            <a:endParaRPr/>
+          </a:p>
         </p:txBody>
       </p:sp>
       <p:sp>
         <p:nvSpPr>
           <p:cNvPr id="40" name="Google Shape;40;p9"/>
-          <p:cNvSpPr txBox="1"/>
+          <p:cNvSpPr txBox="1">
+            <a:spLocks noGrp="1"/>
+          </p:cNvSpPr>
           <p:nvPr>
-            <p:ph idx="12" type="sldNum"/>
+            <p:ph type="sldNum" idx="12"/>
           </p:nvPr>
         </p:nvSpPr>
         <p:spPr>
@@ -4885,7 +5033,7 @@
           </a:prstGeom>
         </p:spPr>
         <p:txBody>
-          <a:bodyPr anchorCtr="0" anchor="ctr" bIns="91425" lIns="91425" spcFirstLastPara="1" rIns="91425" wrap="square" tIns="91425">
+          <a:bodyPr spcFirstLastPara="1" wrap="square" lIns="91425" tIns="91425" rIns="91425" bIns="91425" anchor="ctr" anchorCtr="0">
             <a:normAutofit/>
           </a:bodyPr>
           <a:lstStyle>
@@ -4927,7 +5075,7 @@
             </a:lvl9pPr>
           </a:lstStyle>
           <a:p>
-            <a:pPr indent="0" lvl="0" marL="0" rtl="0" algn="r">
+            <a:pPr marL="0" lvl="0" indent="0" algn="r" rtl="0">
               <a:spcBef>
                 <a:spcPts val="0"/>
               </a:spcBef>
@@ -4953,11 +5101,11 @@
 </file>
 
 <file path=ppt/slideLayouts/slideLayout9.xml><?xml version="1.0" encoding="utf-8"?>
-<p:sldLayout xmlns:a="http://schemas.openxmlformats.org/drawingml/2006/main" xmlns:r="http://schemas.openxmlformats.org/officeDocument/2006/relationships" xmlns:mc="http://schemas.openxmlformats.org/markup-compatibility/2006" xmlns:mv="urn:schemas-microsoft-com:mac:vml" xmlns:p="http://schemas.openxmlformats.org/presentationml/2006/main" xmlns:c="http://schemas.openxmlformats.org/drawingml/2006/chart" xmlns:dgm="http://schemas.openxmlformats.org/drawingml/2006/diagram" xmlns:o="urn:schemas-microsoft-com:office:office" xmlns:v="urn:schemas-microsoft-com:vml" xmlns:pvml="urn:schemas-microsoft-com:office:powerpoint" xmlns:com="http://schemas.openxmlformats.org/drawingml/2006/compatibility" xmlns:p14="http://schemas.microsoft.com/office/powerpoint/2010/main" xmlns:p15="http://schemas.microsoft.com/office/powerpoint/2012/main" xmlns:ahyp="http://schemas.microsoft.com/office/drawing/2018/hyperlinkcolor" matchingName="Caption">
+<p:sldLayout xmlns:a="http://schemas.openxmlformats.org/drawingml/2006/main" xmlns:r="http://schemas.openxmlformats.org/officeDocument/2006/relationships" xmlns:p="http://schemas.openxmlformats.org/presentationml/2006/main" matchingName="Caption">
   <p:cSld name="CAPTION_ONLY">
     <p:spTree>
       <p:nvGrpSpPr>
-        <p:cNvPr id="41" name="Shape 41"/>
+        <p:cNvPr id="1" name="Shape 41"/>
         <p:cNvGrpSpPr/>
         <p:nvPr/>
       </p:nvGrpSpPr>
@@ -4972,9 +5120,11 @@
       <p:sp>
         <p:nvSpPr>
           <p:cNvPr id="42" name="Google Shape;42;p10"/>
-          <p:cNvSpPr txBox="1"/>
+          <p:cNvSpPr txBox="1">
+            <a:spLocks noGrp="1"/>
+          </p:cNvSpPr>
           <p:nvPr>
-            <p:ph idx="1" type="body"/>
+            <p:ph type="body" idx="1"/>
           </p:nvPr>
         </p:nvSpPr>
         <p:spPr>
@@ -4987,11 +5137,11 @@
           </a:prstGeom>
         </p:spPr>
         <p:txBody>
-          <a:bodyPr anchorCtr="0" anchor="ctr" bIns="91425" lIns="91425" spcFirstLastPara="1" rIns="91425" wrap="square" tIns="91425">
+          <a:bodyPr spcFirstLastPara="1" wrap="square" lIns="91425" tIns="91425" rIns="91425" bIns="91425" anchor="ctr" anchorCtr="0">
             <a:normAutofit/>
           </a:bodyPr>
           <a:lstStyle>
-            <a:lvl1pPr indent="-228600" lvl="0" marL="457200">
+            <a:lvl1pPr marL="457200" lvl="0" indent="-228600">
               <a:lnSpc>
                 <a:spcPct val="100000"/>
               </a:lnSpc>
@@ -5006,15 +5156,19 @@
               <a:defRPr/>
             </a:lvl1pPr>
           </a:lstStyle>
-          <a:p/>
+          <a:p>
+            <a:endParaRPr/>
+          </a:p>
         </p:txBody>
       </p:sp>
       <p:sp>
         <p:nvSpPr>
           <p:cNvPr id="43" name="Google Shape;43;p10"/>
-          <p:cNvSpPr txBox="1"/>
+          <p:cNvSpPr txBox="1">
+            <a:spLocks noGrp="1"/>
+          </p:cNvSpPr>
           <p:nvPr>
-            <p:ph idx="12" type="sldNum"/>
+            <p:ph type="sldNum" idx="12"/>
           </p:nvPr>
         </p:nvSpPr>
         <p:spPr>
@@ -5027,7 +5181,7 @@
           </a:prstGeom>
         </p:spPr>
         <p:txBody>
-          <a:bodyPr anchorCtr="0" anchor="ctr" bIns="91425" lIns="91425" spcFirstLastPara="1" rIns="91425" wrap="square" tIns="91425">
+          <a:bodyPr spcFirstLastPara="1" wrap="square" lIns="91425" tIns="91425" rIns="91425" bIns="91425" anchor="ctr" anchorCtr="0">
             <a:normAutofit/>
           </a:bodyPr>
           <a:lstStyle>
@@ -5069,7 +5223,7 @@
             </a:lvl9pPr>
           </a:lstStyle>
           <a:p>
-            <a:pPr indent="0" lvl="0" marL="0" rtl="0" algn="r">
+            <a:pPr marL="0" lvl="0" indent="0" algn="r" rtl="0">
               <a:spcBef>
                 <a:spcPts val="0"/>
               </a:spcBef>
@@ -5095,18 +5249,19 @@
 </file>
 
 <file path=ppt/slideMasters/slideMaster1.xml><?xml version="1.0" encoding="utf-8"?>
-<p:sldMaster xmlns:a="http://schemas.openxmlformats.org/drawingml/2006/main" xmlns:r="http://schemas.openxmlformats.org/officeDocument/2006/relationships" xmlns:mc="http://schemas.openxmlformats.org/markup-compatibility/2006" xmlns:mv="urn:schemas-microsoft-com:mac:vml" xmlns:p="http://schemas.openxmlformats.org/presentationml/2006/main" xmlns:c="http://schemas.openxmlformats.org/drawingml/2006/chart" xmlns:dgm="http://schemas.openxmlformats.org/drawingml/2006/diagram" xmlns:o="urn:schemas-microsoft-com:office:office" xmlns:v="urn:schemas-microsoft-com:vml" xmlns:pvml="urn:schemas-microsoft-com:office:powerpoint" xmlns:com="http://schemas.openxmlformats.org/drawingml/2006/compatibility" xmlns:p14="http://schemas.microsoft.com/office/powerpoint/2010/main" xmlns:p15="http://schemas.microsoft.com/office/powerpoint/2012/main" xmlns:ahyp="http://schemas.microsoft.com/office/drawing/2018/hyperlinkcolor">
+<p:sldMaster xmlns:a="http://schemas.openxmlformats.org/drawingml/2006/main" xmlns:r="http://schemas.openxmlformats.org/officeDocument/2006/relationships" xmlns:p="http://schemas.openxmlformats.org/presentationml/2006/main">
   <p:cSld name="simple-light-2">
     <p:bg>
       <p:bgPr>
         <a:solidFill>
           <a:schemeClr val="lt1"/>
         </a:solidFill>
+        <a:effectLst/>
       </p:bgPr>
     </p:bg>
     <p:spTree>
       <p:nvGrpSpPr>
-        <p:cNvPr id="5" name="Shape 5"/>
+        <p:cNvPr id="1" name="Shape 5"/>
         <p:cNvGrpSpPr/>
         <p:nvPr/>
       </p:nvGrpSpPr>
@@ -5121,7 +5276,9 @@
       <p:sp>
         <p:nvSpPr>
           <p:cNvPr id="6" name="Google Shape;6;p1"/>
-          <p:cNvSpPr txBox="1"/>
+          <p:cNvSpPr txBox="1">
+            <a:spLocks noGrp="1"/>
+          </p:cNvSpPr>
           <p:nvPr>
             <p:ph type="title"/>
           </p:nvPr>
@@ -5140,7 +5297,7 @@
           </a:ln>
         </p:spPr>
         <p:txBody>
-          <a:bodyPr anchorCtr="0" anchor="t" bIns="91425" lIns="91425" spcFirstLastPara="1" rIns="91425" wrap="square" tIns="91425">
+          <a:bodyPr spcFirstLastPara="1" wrap="square" lIns="91425" tIns="91425" rIns="91425" bIns="91425" anchor="t" anchorCtr="0">
             <a:normAutofit/>
           </a:bodyPr>
           <a:lstStyle>
@@ -5307,15 +5464,19 @@
               </a:defRPr>
             </a:lvl9pPr>
           </a:lstStyle>
-          <a:p/>
+          <a:p>
+            <a:endParaRPr/>
+          </a:p>
         </p:txBody>
       </p:sp>
       <p:sp>
         <p:nvSpPr>
           <p:cNvPr id="7" name="Google Shape;7;p1"/>
-          <p:cNvSpPr txBox="1"/>
+          <p:cNvSpPr txBox="1">
+            <a:spLocks noGrp="1"/>
+          </p:cNvSpPr>
           <p:nvPr>
-            <p:ph idx="1" type="body"/>
+            <p:ph type="body" idx="1"/>
           </p:nvPr>
         </p:nvSpPr>
         <p:spPr>
@@ -5332,11 +5493,11 @@
           </a:ln>
         </p:spPr>
         <p:txBody>
-          <a:bodyPr anchorCtr="0" anchor="t" bIns="91425" lIns="91425" spcFirstLastPara="1" rIns="91425" wrap="square" tIns="91425">
+          <a:bodyPr spcFirstLastPara="1" wrap="square" lIns="91425" tIns="91425" rIns="91425" bIns="91425" anchor="t" anchorCtr="0">
             <a:normAutofit/>
           </a:bodyPr>
           <a:lstStyle>
-            <a:lvl1pPr indent="-342900" lvl="0" marL="457200">
+            <a:lvl1pPr marL="457200" lvl="0" indent="-342900">
               <a:lnSpc>
                 <a:spcPct val="115000"/>
               </a:lnSpc>
@@ -5357,7 +5518,7 @@
                 </a:solidFill>
               </a:defRPr>
             </a:lvl1pPr>
-            <a:lvl2pPr indent="-317500" lvl="1" marL="914400">
+            <a:lvl2pPr marL="914400" lvl="1" indent="-317500">
               <a:lnSpc>
                 <a:spcPct val="115000"/>
               </a:lnSpc>
@@ -5378,7 +5539,7 @@
                 </a:solidFill>
               </a:defRPr>
             </a:lvl2pPr>
-            <a:lvl3pPr indent="-317500" lvl="2" marL="1371600">
+            <a:lvl3pPr marL="1371600" lvl="2" indent="-317500">
               <a:lnSpc>
                 <a:spcPct val="115000"/>
               </a:lnSpc>
@@ -5399,7 +5560,7 @@
                 </a:solidFill>
               </a:defRPr>
             </a:lvl3pPr>
-            <a:lvl4pPr indent="-317500" lvl="3" marL="1828800">
+            <a:lvl4pPr marL="1828800" lvl="3" indent="-317500">
               <a:lnSpc>
                 <a:spcPct val="115000"/>
               </a:lnSpc>
@@ -5420,7 +5581,7 @@
                 </a:solidFill>
               </a:defRPr>
             </a:lvl4pPr>
-            <a:lvl5pPr indent="-317500" lvl="4" marL="2286000">
+            <a:lvl5pPr marL="2286000" lvl="4" indent="-317500">
               <a:lnSpc>
                 <a:spcPct val="115000"/>
               </a:lnSpc>
@@ -5441,7 +5602,7 @@
                 </a:solidFill>
               </a:defRPr>
             </a:lvl5pPr>
-            <a:lvl6pPr indent="-317500" lvl="5" marL="2743200">
+            <a:lvl6pPr marL="2743200" lvl="5" indent="-317500">
               <a:lnSpc>
                 <a:spcPct val="115000"/>
               </a:lnSpc>
@@ -5462,7 +5623,7 @@
                 </a:solidFill>
               </a:defRPr>
             </a:lvl6pPr>
-            <a:lvl7pPr indent="-317500" lvl="6" marL="3200400">
+            <a:lvl7pPr marL="3200400" lvl="6" indent="-317500">
               <a:lnSpc>
                 <a:spcPct val="115000"/>
               </a:lnSpc>
@@ -5483,7 +5644,7 @@
                 </a:solidFill>
               </a:defRPr>
             </a:lvl7pPr>
-            <a:lvl8pPr indent="-317500" lvl="7" marL="3657600">
+            <a:lvl8pPr marL="3657600" lvl="7" indent="-317500">
               <a:lnSpc>
                 <a:spcPct val="115000"/>
               </a:lnSpc>
@@ -5504,7 +5665,7 @@
                 </a:solidFill>
               </a:defRPr>
             </a:lvl8pPr>
-            <a:lvl9pPr indent="-317500" lvl="8" marL="4114800">
+            <a:lvl9pPr marL="4114800" lvl="8" indent="-317500">
               <a:lnSpc>
                 <a:spcPct val="115000"/>
               </a:lnSpc>
@@ -5526,15 +5687,19 @@
               </a:defRPr>
             </a:lvl9pPr>
           </a:lstStyle>
-          <a:p/>
+          <a:p>
+            <a:endParaRPr/>
+          </a:p>
         </p:txBody>
       </p:sp>
       <p:sp>
         <p:nvSpPr>
           <p:cNvPr id="8" name="Google Shape;8;p1"/>
-          <p:cNvSpPr txBox="1"/>
+          <p:cNvSpPr txBox="1">
+            <a:spLocks noGrp="1"/>
+          </p:cNvSpPr>
           <p:nvPr>
-            <p:ph idx="12" type="sldNum"/>
+            <p:ph type="sldNum" idx="12"/>
           </p:nvPr>
         </p:nvSpPr>
         <p:spPr>
@@ -5551,7 +5716,7 @@
           </a:ln>
         </p:spPr>
         <p:txBody>
-          <a:bodyPr anchorCtr="0" anchor="ctr" bIns="91425" lIns="91425" spcFirstLastPara="1" rIns="91425" wrap="square" tIns="91425">
+          <a:bodyPr spcFirstLastPara="1" wrap="square" lIns="91425" tIns="91425" rIns="91425" bIns="91425" anchor="ctr" anchorCtr="0">
             <a:normAutofit/>
           </a:bodyPr>
           <a:lstStyle>
@@ -5629,7 +5794,7 @@
             </a:lvl9pPr>
           </a:lstStyle>
           <a:p>
-            <a:pPr indent="0" lvl="0" marL="0" rtl="0" algn="r">
+            <a:pPr marL="0" lvl="0" indent="0" algn="r" rtl="0">
               <a:spcBef>
                 <a:spcPts val="0"/>
               </a:spcBef>
@@ -5648,7 +5813,7 @@
       </p:sp>
     </p:spTree>
   </p:cSld>
-  <p:clrMap accent1="accent1" accent2="accent2" accent3="accent3" accent4="accent4" accent5="accent5" accent6="accent6" bg1="lt1" bg2="dk2" tx1="dk1" tx2="lt2" folHlink="folHlink" hlink="hlink"/>
+  <p:clrMap bg1="lt1" tx1="dk1" bg2="dk2" tx2="lt2" accent1="accent1" accent2="accent2" accent3="accent3" accent4="accent4" accent5="accent5" accent6="accent6" hlink="hlink" folHlink="folHlink"/>
   <p:sldLayoutIdLst>
     <p:sldLayoutId id="2147483648" r:id="rId1"/>
     <p:sldLayoutId id="2147483649" r:id="rId2"/>
@@ -5662,10 +5827,10 @@
     <p:sldLayoutId id="2147483657" r:id="rId10"/>
     <p:sldLayoutId id="2147483658" r:id="rId11"/>
   </p:sldLayoutIdLst>
-  <p:hf dt="0" ftr="0" hdr="0" sldNum="0"/>
+  <p:hf sldNum="0" hdr="0" ftr="0" dt="0"/>
   <p:txStyles>
     <p:titleStyle>
-      <a:defPPr lvl="0" marR="0" rtl="0" algn="l">
+      <a:defPPr marR="0" lvl="0" algn="l" rtl="0">
         <a:lnSpc>
           <a:spcPct val="100000"/>
         </a:lnSpc>
@@ -5676,7 +5841,7 @@
           <a:spcPts val="0"/>
         </a:spcAft>
       </a:defPPr>
-      <a:lvl1pPr lvl="0" marR="0" rtl="0" algn="l">
+      <a:lvl1pPr marR="0" lvl="0" algn="l" rtl="0">
         <a:lnSpc>
           <a:spcPct val="100000"/>
         </a:lnSpc>
@@ -5690,7 +5855,7 @@
           <a:srgbClr val="000000"/>
         </a:buClr>
         <a:buFont typeface="Arial"/>
-        <a:defRPr b="0" i="0" sz="1400" u="none" cap="none" strike="noStrike">
+        <a:defRPr sz="1400" b="0" i="0" u="none" strike="noStrike" cap="none">
           <a:solidFill>
             <a:srgbClr val="000000"/>
           </a:solidFill>
@@ -5700,7 +5865,7 @@
           <a:sym typeface="Arial"/>
         </a:defRPr>
       </a:lvl1pPr>
-      <a:lvl2pPr lvl="1" marR="0" rtl="0" algn="l">
+      <a:lvl2pPr marR="0" lvl="1" algn="l" rtl="0">
         <a:lnSpc>
           <a:spcPct val="100000"/>
         </a:lnSpc>
@@ -5714,7 +5879,7 @@
           <a:srgbClr val="000000"/>
         </a:buClr>
         <a:buFont typeface="Arial"/>
-        <a:defRPr b="0" i="0" sz="1400" u="none" cap="none" strike="noStrike">
+        <a:defRPr sz="1400" b="0" i="0" u="none" strike="noStrike" cap="none">
           <a:solidFill>
             <a:srgbClr val="000000"/>
           </a:solidFill>
@@ -5724,7 +5889,7 @@
           <a:sym typeface="Arial"/>
         </a:defRPr>
       </a:lvl2pPr>
-      <a:lvl3pPr lvl="2" marR="0" rtl="0" algn="l">
+      <a:lvl3pPr marR="0" lvl="2" algn="l" rtl="0">
         <a:lnSpc>
           <a:spcPct val="100000"/>
         </a:lnSpc>
@@ -5738,7 +5903,7 @@
           <a:srgbClr val="000000"/>
         </a:buClr>
         <a:buFont typeface="Arial"/>
-        <a:defRPr b="0" i="0" sz="1400" u="none" cap="none" strike="noStrike">
+        <a:defRPr sz="1400" b="0" i="0" u="none" strike="noStrike" cap="none">
           <a:solidFill>
             <a:srgbClr val="000000"/>
           </a:solidFill>
@@ -5748,7 +5913,7 @@
           <a:sym typeface="Arial"/>
         </a:defRPr>
       </a:lvl3pPr>
-      <a:lvl4pPr lvl="3" marR="0" rtl="0" algn="l">
+      <a:lvl4pPr marR="0" lvl="3" algn="l" rtl="0">
         <a:lnSpc>
           <a:spcPct val="100000"/>
         </a:lnSpc>
@@ -5762,7 +5927,7 @@
           <a:srgbClr val="000000"/>
         </a:buClr>
         <a:buFont typeface="Arial"/>
-        <a:defRPr b="0" i="0" sz="1400" u="none" cap="none" strike="noStrike">
+        <a:defRPr sz="1400" b="0" i="0" u="none" strike="noStrike" cap="none">
           <a:solidFill>
             <a:srgbClr val="000000"/>
           </a:solidFill>
@@ -5772,7 +5937,7 @@
           <a:sym typeface="Arial"/>
         </a:defRPr>
       </a:lvl4pPr>
-      <a:lvl5pPr lvl="4" marR="0" rtl="0" algn="l">
+      <a:lvl5pPr marR="0" lvl="4" algn="l" rtl="0">
         <a:lnSpc>
           <a:spcPct val="100000"/>
         </a:lnSpc>
@@ -5786,7 +5951,7 @@
           <a:srgbClr val="000000"/>
         </a:buClr>
         <a:buFont typeface="Arial"/>
-        <a:defRPr b="0" i="0" sz="1400" u="none" cap="none" strike="noStrike">
+        <a:defRPr sz="1400" b="0" i="0" u="none" strike="noStrike" cap="none">
           <a:solidFill>
             <a:srgbClr val="000000"/>
           </a:solidFill>
@@ -5796,7 +5961,7 @@
           <a:sym typeface="Arial"/>
         </a:defRPr>
       </a:lvl5pPr>
-      <a:lvl6pPr lvl="5" marR="0" rtl="0" algn="l">
+      <a:lvl6pPr marR="0" lvl="5" algn="l" rtl="0">
         <a:lnSpc>
           <a:spcPct val="100000"/>
         </a:lnSpc>
@@ -5810,7 +5975,7 @@
           <a:srgbClr val="000000"/>
         </a:buClr>
         <a:buFont typeface="Arial"/>
-        <a:defRPr b="0" i="0" sz="1400" u="none" cap="none" strike="noStrike">
+        <a:defRPr sz="1400" b="0" i="0" u="none" strike="noStrike" cap="none">
           <a:solidFill>
             <a:srgbClr val="000000"/>
           </a:solidFill>
@@ -5820,7 +5985,7 @@
           <a:sym typeface="Arial"/>
         </a:defRPr>
       </a:lvl6pPr>
-      <a:lvl7pPr lvl="6" marR="0" rtl="0" algn="l">
+      <a:lvl7pPr marR="0" lvl="6" algn="l" rtl="0">
         <a:lnSpc>
           <a:spcPct val="100000"/>
         </a:lnSpc>
@@ -5834,7 +5999,7 @@
           <a:srgbClr val="000000"/>
         </a:buClr>
         <a:buFont typeface="Arial"/>
-        <a:defRPr b="0" i="0" sz="1400" u="none" cap="none" strike="noStrike">
+        <a:defRPr sz="1400" b="0" i="0" u="none" strike="noStrike" cap="none">
           <a:solidFill>
             <a:srgbClr val="000000"/>
           </a:solidFill>
@@ -5844,7 +6009,7 @@
           <a:sym typeface="Arial"/>
         </a:defRPr>
       </a:lvl7pPr>
-      <a:lvl8pPr lvl="7" marR="0" rtl="0" algn="l">
+      <a:lvl8pPr marR="0" lvl="7" algn="l" rtl="0">
         <a:lnSpc>
           <a:spcPct val="100000"/>
         </a:lnSpc>
@@ -5858,7 +6023,7 @@
           <a:srgbClr val="000000"/>
         </a:buClr>
         <a:buFont typeface="Arial"/>
-        <a:defRPr b="0" i="0" sz="1400" u="none" cap="none" strike="noStrike">
+        <a:defRPr sz="1400" b="0" i="0" u="none" strike="noStrike" cap="none">
           <a:solidFill>
             <a:srgbClr val="000000"/>
           </a:solidFill>
@@ -5868,7 +6033,7 @@
           <a:sym typeface="Arial"/>
         </a:defRPr>
       </a:lvl8pPr>
-      <a:lvl9pPr lvl="8" marR="0" rtl="0" algn="l">
+      <a:lvl9pPr marR="0" lvl="8" algn="l" rtl="0">
         <a:lnSpc>
           <a:spcPct val="100000"/>
         </a:lnSpc>
@@ -5882,7 +6047,7 @@
           <a:srgbClr val="000000"/>
         </a:buClr>
         <a:buFont typeface="Arial"/>
-        <a:defRPr b="0" i="0" sz="1400" u="none" cap="none" strike="noStrike">
+        <a:defRPr sz="1400" b="0" i="0" u="none" strike="noStrike" cap="none">
           <a:solidFill>
             <a:srgbClr val="000000"/>
           </a:solidFill>
@@ -5894,7 +6059,7 @@
       </a:lvl9pPr>
     </p:titleStyle>
     <p:bodyStyle>
-      <a:defPPr lvl="0" marR="0" rtl="0" algn="l">
+      <a:defPPr marR="0" lvl="0" algn="l" rtl="0">
         <a:lnSpc>
           <a:spcPct val="100000"/>
         </a:lnSpc>
@@ -5905,7 +6070,7 @@
           <a:spcPts val="0"/>
         </a:spcAft>
       </a:defPPr>
-      <a:lvl1pPr lvl="0" marR="0" rtl="0" algn="l">
+      <a:lvl1pPr marR="0" lvl="0" algn="l" rtl="0">
         <a:lnSpc>
           <a:spcPct val="100000"/>
         </a:lnSpc>
@@ -5919,7 +6084,7 @@
           <a:srgbClr val="000000"/>
         </a:buClr>
         <a:buFont typeface="Arial"/>
-        <a:defRPr b="0" i="0" sz="1400" u="none" cap="none" strike="noStrike">
+        <a:defRPr sz="1400" b="0" i="0" u="none" strike="noStrike" cap="none">
           <a:solidFill>
             <a:srgbClr val="000000"/>
           </a:solidFill>
@@ -5929,7 +6094,7 @@
           <a:sym typeface="Arial"/>
         </a:defRPr>
       </a:lvl1pPr>
-      <a:lvl2pPr lvl="1" marR="0" rtl="0" algn="l">
+      <a:lvl2pPr marR="0" lvl="1" algn="l" rtl="0">
         <a:lnSpc>
           <a:spcPct val="100000"/>
         </a:lnSpc>
@@ -5943,7 +6108,7 @@
           <a:srgbClr val="000000"/>
         </a:buClr>
         <a:buFont typeface="Arial"/>
-        <a:defRPr b="0" i="0" sz="1400" u="none" cap="none" strike="noStrike">
+        <a:defRPr sz="1400" b="0" i="0" u="none" strike="noStrike" cap="none">
           <a:solidFill>
             <a:srgbClr val="000000"/>
           </a:solidFill>
@@ -5953,7 +6118,7 @@
           <a:sym typeface="Arial"/>
         </a:defRPr>
       </a:lvl2pPr>
-      <a:lvl3pPr lvl="2" marR="0" rtl="0" algn="l">
+      <a:lvl3pPr marR="0" lvl="2" algn="l" rtl="0">
         <a:lnSpc>
           <a:spcPct val="100000"/>
         </a:lnSpc>
@@ -5967,7 +6132,7 @@
           <a:srgbClr val="000000"/>
         </a:buClr>
         <a:buFont typeface="Arial"/>
-        <a:defRPr b="0" i="0" sz="1400" u="none" cap="none" strike="noStrike">
+        <a:defRPr sz="1400" b="0" i="0" u="none" strike="noStrike" cap="none">
           <a:solidFill>
             <a:srgbClr val="000000"/>
           </a:solidFill>
@@ -5977,7 +6142,7 @@
           <a:sym typeface="Arial"/>
         </a:defRPr>
       </a:lvl3pPr>
-      <a:lvl4pPr lvl="3" marR="0" rtl="0" algn="l">
+      <a:lvl4pPr marR="0" lvl="3" algn="l" rtl="0">
         <a:lnSpc>
           <a:spcPct val="100000"/>
         </a:lnSpc>
@@ -5991,7 +6156,7 @@
           <a:srgbClr val="000000"/>
         </a:buClr>
         <a:buFont typeface="Arial"/>
-        <a:defRPr b="0" i="0" sz="1400" u="none" cap="none" strike="noStrike">
+        <a:defRPr sz="1400" b="0" i="0" u="none" strike="noStrike" cap="none">
           <a:solidFill>
             <a:srgbClr val="000000"/>
           </a:solidFill>
@@ -6001,7 +6166,7 @@
           <a:sym typeface="Arial"/>
         </a:defRPr>
       </a:lvl4pPr>
-      <a:lvl5pPr lvl="4" marR="0" rtl="0" algn="l">
+      <a:lvl5pPr marR="0" lvl="4" algn="l" rtl="0">
         <a:lnSpc>
           <a:spcPct val="100000"/>
         </a:lnSpc>
@@ -6015,7 +6180,7 @@
           <a:srgbClr val="000000"/>
         </a:buClr>
         <a:buFont typeface="Arial"/>
-        <a:defRPr b="0" i="0" sz="1400" u="none" cap="none" strike="noStrike">
+        <a:defRPr sz="1400" b="0" i="0" u="none" strike="noStrike" cap="none">
           <a:solidFill>
             <a:srgbClr val="000000"/>
           </a:solidFill>
@@ -6025,7 +6190,7 @@
           <a:sym typeface="Arial"/>
         </a:defRPr>
       </a:lvl5pPr>
-      <a:lvl6pPr lvl="5" marR="0" rtl="0" algn="l">
+      <a:lvl6pPr marR="0" lvl="5" algn="l" rtl="0">
         <a:lnSpc>
           <a:spcPct val="100000"/>
         </a:lnSpc>
@@ -6039,7 +6204,7 @@
           <a:srgbClr val="000000"/>
         </a:buClr>
         <a:buFont typeface="Arial"/>
-        <a:defRPr b="0" i="0" sz="1400" u="none" cap="none" strike="noStrike">
+        <a:defRPr sz="1400" b="0" i="0" u="none" strike="noStrike" cap="none">
           <a:solidFill>
             <a:srgbClr val="000000"/>
           </a:solidFill>
@@ -6049,7 +6214,7 @@
           <a:sym typeface="Arial"/>
         </a:defRPr>
       </a:lvl6pPr>
-      <a:lvl7pPr lvl="6" marR="0" rtl="0" algn="l">
+      <a:lvl7pPr marR="0" lvl="6" algn="l" rtl="0">
         <a:lnSpc>
           <a:spcPct val="100000"/>
         </a:lnSpc>
@@ -6063,7 +6228,7 @@
           <a:srgbClr val="000000"/>
         </a:buClr>
         <a:buFont typeface="Arial"/>
-        <a:defRPr b="0" i="0" sz="1400" u="none" cap="none" strike="noStrike">
+        <a:defRPr sz="1400" b="0" i="0" u="none" strike="noStrike" cap="none">
           <a:solidFill>
             <a:srgbClr val="000000"/>
           </a:solidFill>
@@ -6073,7 +6238,7 @@
           <a:sym typeface="Arial"/>
         </a:defRPr>
       </a:lvl7pPr>
-      <a:lvl8pPr lvl="7" marR="0" rtl="0" algn="l">
+      <a:lvl8pPr marR="0" lvl="7" algn="l" rtl="0">
         <a:lnSpc>
           <a:spcPct val="100000"/>
         </a:lnSpc>
@@ -6087,7 +6252,7 @@
           <a:srgbClr val="000000"/>
         </a:buClr>
         <a:buFont typeface="Arial"/>
-        <a:defRPr b="0" i="0" sz="1400" u="none" cap="none" strike="noStrike">
+        <a:defRPr sz="1400" b="0" i="0" u="none" strike="noStrike" cap="none">
           <a:solidFill>
             <a:srgbClr val="000000"/>
           </a:solidFill>
@@ -6097,7 +6262,7 @@
           <a:sym typeface="Arial"/>
         </a:defRPr>
       </a:lvl8pPr>
-      <a:lvl9pPr lvl="8" marR="0" rtl="0" algn="l">
+      <a:lvl9pPr marR="0" lvl="8" algn="l" rtl="0">
         <a:lnSpc>
           <a:spcPct val="100000"/>
         </a:lnSpc>
@@ -6111,7 +6276,7 @@
           <a:srgbClr val="000000"/>
         </a:buClr>
         <a:buFont typeface="Arial"/>
-        <a:defRPr b="0" i="0" sz="1400" u="none" cap="none" strike="noStrike">
+        <a:defRPr sz="1400" b="0" i="0" u="none" strike="noStrike" cap="none">
           <a:solidFill>
             <a:srgbClr val="000000"/>
           </a:solidFill>
@@ -6123,7 +6288,7 @@
       </a:lvl9pPr>
     </p:bodyStyle>
     <p:otherStyle>
-      <a:defPPr lvl="0" marR="0" rtl="0" algn="l">
+      <a:defPPr marR="0" lvl="0" algn="l" rtl="0">
         <a:lnSpc>
           <a:spcPct val="100000"/>
         </a:lnSpc>
@@ -6134,7 +6299,7 @@
           <a:spcPts val="0"/>
         </a:spcAft>
       </a:defPPr>
-      <a:lvl1pPr lvl="0" marR="0" rtl="0" algn="l">
+      <a:lvl1pPr marR="0" lvl="0" algn="l" rtl="0">
         <a:lnSpc>
           <a:spcPct val="100000"/>
         </a:lnSpc>
@@ -6148,7 +6313,7 @@
           <a:srgbClr val="000000"/>
         </a:buClr>
         <a:buFont typeface="Arial"/>
-        <a:defRPr b="0" i="0" sz="1400" u="none" cap="none" strike="noStrike">
+        <a:defRPr sz="1400" b="0" i="0" u="none" strike="noStrike" cap="none">
           <a:solidFill>
             <a:srgbClr val="000000"/>
           </a:solidFill>
@@ -6158,7 +6323,7 @@
           <a:sym typeface="Arial"/>
         </a:defRPr>
       </a:lvl1pPr>
-      <a:lvl2pPr lvl="1" marR="0" rtl="0" algn="l">
+      <a:lvl2pPr marR="0" lvl="1" algn="l" rtl="0">
         <a:lnSpc>
           <a:spcPct val="100000"/>
         </a:lnSpc>
@@ -6172,7 +6337,7 @@
           <a:srgbClr val="000000"/>
         </a:buClr>
         <a:buFont typeface="Arial"/>
-        <a:defRPr b="0" i="0" sz="1400" u="none" cap="none" strike="noStrike">
+        <a:defRPr sz="1400" b="0" i="0" u="none" strike="noStrike" cap="none">
           <a:solidFill>
             <a:srgbClr val="000000"/>
           </a:solidFill>
@@ -6182,7 +6347,7 @@
           <a:sym typeface="Arial"/>
         </a:defRPr>
       </a:lvl2pPr>
-      <a:lvl3pPr lvl="2" marR="0" rtl="0" algn="l">
+      <a:lvl3pPr marR="0" lvl="2" algn="l" rtl="0">
         <a:lnSpc>
           <a:spcPct val="100000"/>
         </a:lnSpc>
@@ -6196,7 +6361,7 @@
           <a:srgbClr val="000000"/>
         </a:buClr>
         <a:buFont typeface="Arial"/>
-        <a:defRPr b="0" i="0" sz="1400" u="none" cap="none" strike="noStrike">
+        <a:defRPr sz="1400" b="0" i="0" u="none" strike="noStrike" cap="none">
           <a:solidFill>
             <a:srgbClr val="000000"/>
           </a:solidFill>
@@ -6206,7 +6371,7 @@
           <a:sym typeface="Arial"/>
         </a:defRPr>
       </a:lvl3pPr>
-      <a:lvl4pPr lvl="3" marR="0" rtl="0" algn="l">
+      <a:lvl4pPr marR="0" lvl="3" algn="l" rtl="0">
         <a:lnSpc>
           <a:spcPct val="100000"/>
         </a:lnSpc>
@@ -6220,7 +6385,7 @@
           <a:srgbClr val="000000"/>
         </a:buClr>
         <a:buFont typeface="Arial"/>
-        <a:defRPr b="0" i="0" sz="1400" u="none" cap="none" strike="noStrike">
+        <a:defRPr sz="1400" b="0" i="0" u="none" strike="noStrike" cap="none">
           <a:solidFill>
             <a:srgbClr val="000000"/>
           </a:solidFill>
@@ -6230,7 +6395,7 @@
           <a:sym typeface="Arial"/>
         </a:defRPr>
       </a:lvl4pPr>
-      <a:lvl5pPr lvl="4" marR="0" rtl="0" algn="l">
+      <a:lvl5pPr marR="0" lvl="4" algn="l" rtl="0">
         <a:lnSpc>
           <a:spcPct val="100000"/>
         </a:lnSpc>
@@ -6244,7 +6409,7 @@
           <a:srgbClr val="000000"/>
         </a:buClr>
         <a:buFont typeface="Arial"/>
-        <a:defRPr b="0" i="0" sz="1400" u="none" cap="none" strike="noStrike">
+        <a:defRPr sz="1400" b="0" i="0" u="none" strike="noStrike" cap="none">
           <a:solidFill>
             <a:srgbClr val="000000"/>
           </a:solidFill>
@@ -6254,7 +6419,7 @@
           <a:sym typeface="Arial"/>
         </a:defRPr>
       </a:lvl5pPr>
-      <a:lvl6pPr lvl="5" marR="0" rtl="0" algn="l">
+      <a:lvl6pPr marR="0" lvl="5" algn="l" rtl="0">
         <a:lnSpc>
           <a:spcPct val="100000"/>
         </a:lnSpc>
@@ -6268,7 +6433,7 @@
           <a:srgbClr val="000000"/>
         </a:buClr>
         <a:buFont typeface="Arial"/>
-        <a:defRPr b="0" i="0" sz="1400" u="none" cap="none" strike="noStrike">
+        <a:defRPr sz="1400" b="0" i="0" u="none" strike="noStrike" cap="none">
           <a:solidFill>
             <a:srgbClr val="000000"/>
           </a:solidFill>
@@ -6278,7 +6443,7 @@
           <a:sym typeface="Arial"/>
         </a:defRPr>
       </a:lvl6pPr>
-      <a:lvl7pPr lvl="6" marR="0" rtl="0" algn="l">
+      <a:lvl7pPr marR="0" lvl="6" algn="l" rtl="0">
         <a:lnSpc>
           <a:spcPct val="100000"/>
         </a:lnSpc>
@@ -6292,7 +6457,7 @@
           <a:srgbClr val="000000"/>
         </a:buClr>
         <a:buFont typeface="Arial"/>
-        <a:defRPr b="0" i="0" sz="1400" u="none" cap="none" strike="noStrike">
+        <a:defRPr sz="1400" b="0" i="0" u="none" strike="noStrike" cap="none">
           <a:solidFill>
             <a:srgbClr val="000000"/>
           </a:solidFill>
@@ -6302,7 +6467,7 @@
           <a:sym typeface="Arial"/>
         </a:defRPr>
       </a:lvl7pPr>
-      <a:lvl8pPr lvl="7" marR="0" rtl="0" algn="l">
+      <a:lvl8pPr marR="0" lvl="7" algn="l" rtl="0">
         <a:lnSpc>
           <a:spcPct val="100000"/>
         </a:lnSpc>
@@ -6316,7 +6481,7 @@
           <a:srgbClr val="000000"/>
         </a:buClr>
         <a:buFont typeface="Arial"/>
-        <a:defRPr b="0" i="0" sz="1400" u="none" cap="none" strike="noStrike">
+        <a:defRPr sz="1400" b="0" i="0" u="none" strike="noStrike" cap="none">
           <a:solidFill>
             <a:srgbClr val="000000"/>
           </a:solidFill>
@@ -6326,7 +6491,7 @@
           <a:sym typeface="Arial"/>
         </a:defRPr>
       </a:lvl8pPr>
-      <a:lvl9pPr lvl="8" marR="0" rtl="0" algn="l">
+      <a:lvl9pPr marR="0" lvl="8" algn="l" rtl="0">
         <a:lnSpc>
           <a:spcPct val="100000"/>
         </a:lnSpc>
@@ -6340,7 +6505,7 @@
           <a:srgbClr val="000000"/>
         </a:buClr>
         <a:buFont typeface="Arial"/>
-        <a:defRPr b="0" i="0" sz="1400" u="none" cap="none" strike="noStrike">
+        <a:defRPr sz="1400" b="0" i="0" u="none" strike="noStrike" cap="none">
           <a:solidFill>
             <a:srgbClr val="000000"/>
           </a:solidFill>
@@ -6356,11 +6521,11 @@
 </file>
 
 <file path=ppt/slides/slide1.xml><?xml version="1.0" encoding="utf-8"?>
-<p:sld xmlns:a="http://schemas.openxmlformats.org/drawingml/2006/main" xmlns:r="http://schemas.openxmlformats.org/officeDocument/2006/relationships" xmlns:mc="http://schemas.openxmlformats.org/markup-compatibility/2006" xmlns:mv="urn:schemas-microsoft-com:mac:vml" xmlns:p="http://schemas.openxmlformats.org/presentationml/2006/main" xmlns:c="http://schemas.openxmlformats.org/drawingml/2006/chart" xmlns:dgm="http://schemas.openxmlformats.org/drawingml/2006/diagram" xmlns:o="urn:schemas-microsoft-com:office:office" xmlns:v="urn:schemas-microsoft-com:vml" xmlns:pvml="urn:schemas-microsoft-com:office:powerpoint" xmlns:com="http://schemas.openxmlformats.org/drawingml/2006/compatibility" xmlns:p14="http://schemas.microsoft.com/office/powerpoint/2010/main" xmlns:p15="http://schemas.microsoft.com/office/powerpoint/2012/main" xmlns:ahyp="http://schemas.microsoft.com/office/drawing/2018/hyperlinkcolor">
+<p:sld xmlns:a="http://schemas.openxmlformats.org/drawingml/2006/main" xmlns:r="http://schemas.openxmlformats.org/officeDocument/2006/relationships" xmlns:p="http://schemas.openxmlformats.org/presentationml/2006/main">
   <p:cSld>
     <p:spTree>
       <p:nvGrpSpPr>
-        <p:cNvPr id="53" name="Shape 53"/>
+        <p:cNvPr id="1" name="Shape 53"/>
         <p:cNvGrpSpPr/>
         <p:nvPr/>
       </p:nvGrpSpPr>
@@ -6394,12 +6559,12 @@
           </a:ln>
         </p:spPr>
         <p:txBody>
-          <a:bodyPr anchorCtr="0" anchor="ctr" bIns="91425" lIns="91425" spcFirstLastPara="1" rIns="91425" wrap="square" tIns="91425">
+          <a:bodyPr spcFirstLastPara="1" wrap="square" lIns="91425" tIns="91425" rIns="91425" bIns="91425" anchor="ctr" anchorCtr="0">
             <a:noAutofit/>
           </a:bodyPr>
           <a:lstStyle/>
           <a:p>
-            <a:pPr indent="0" lvl="0" marL="0" rtl="0" algn="l">
+            <a:pPr marL="0" lvl="0" indent="0" algn="l" rtl="0">
               <a:spcBef>
                 <a:spcPts val="0"/>
               </a:spcBef>
@@ -6408,9 +6573,6 @@
               </a:spcAft>
               <a:buNone/>
             </a:pPr>
-            <a:r>
-              <a:t/>
-            </a:r>
             <a:endParaRPr/>
           </a:p>
         </p:txBody>
@@ -6428,29 +6590,29 @@
           </a:xfrm>
           <a:prstGeom prst="diagStripe">
             <a:avLst>
-              <a:gd fmla="val 50000" name="adj"/>
+              <a:gd name="adj" fmla="val 50000"/>
             </a:avLst>
           </a:prstGeom>
           <a:solidFill>
             <a:srgbClr val="FFC971"/>
           </a:solidFill>
-          <a:ln cap="flat" cmpd="sng" w="9525">
+          <a:ln w="9525" cap="flat" cmpd="sng">
             <a:solidFill>
               <a:srgbClr val="FFC971"/>
             </a:solidFill>
             <a:prstDash val="solid"/>
             <a:round/>
-            <a:headEnd len="sm" w="sm" type="none"/>
-            <a:tailEnd len="sm" w="sm" type="none"/>
+            <a:headEnd type="none" w="sm" len="sm"/>
+            <a:tailEnd type="none" w="sm" len="sm"/>
           </a:ln>
         </p:spPr>
         <p:txBody>
-          <a:bodyPr anchorCtr="0" anchor="ctr" bIns="91425" lIns="91425" spcFirstLastPara="1" rIns="91425" wrap="square" tIns="91425">
+          <a:bodyPr spcFirstLastPara="1" wrap="square" lIns="91425" tIns="91425" rIns="91425" bIns="91425" anchor="ctr" anchorCtr="0">
             <a:noAutofit/>
           </a:bodyPr>
           <a:lstStyle/>
           <a:p>
-            <a:pPr indent="0" lvl="0" marL="0" rtl="0" algn="l">
+            <a:pPr marL="0" lvl="0" indent="0" algn="l" rtl="0">
               <a:spcBef>
                 <a:spcPts val="0"/>
               </a:spcBef>
@@ -6459,9 +6621,6 @@
               </a:spcAft>
               <a:buNone/>
             </a:pPr>
-            <a:r>
-              <a:t/>
-            </a:r>
             <a:endParaRPr/>
           </a:p>
         </p:txBody>
@@ -6486,12 +6645,12 @@
           </a:ln>
         </p:spPr>
         <p:txBody>
-          <a:bodyPr anchorCtr="0" anchor="b" bIns="91425" lIns="91425" spcFirstLastPara="1" rIns="91425" wrap="square" tIns="91425">
+          <a:bodyPr spcFirstLastPara="1" wrap="square" lIns="91425" tIns="91425" rIns="91425" bIns="91425" anchor="b" anchorCtr="0">
             <a:normAutofit/>
           </a:bodyPr>
           <a:lstStyle/>
           <a:p>
-            <a:pPr indent="0" lvl="0" marL="0" rtl="0" algn="ctr">
+            <a:pPr marL="0" lvl="0" indent="0" algn="ctr" rtl="0">
               <a:spcBef>
                 <a:spcPts val="0"/>
               </a:spcBef>
@@ -6541,12 +6700,12 @@
           </a:ln>
         </p:spPr>
         <p:txBody>
-          <a:bodyPr anchorCtr="0" anchor="t" bIns="91425" lIns="91425" spcFirstLastPara="1" rIns="91425" wrap="square" tIns="91425">
+          <a:bodyPr spcFirstLastPara="1" wrap="square" lIns="91425" tIns="91425" rIns="91425" bIns="91425" anchor="t" anchorCtr="0">
             <a:noAutofit/>
           </a:bodyPr>
           <a:lstStyle/>
           <a:p>
-            <a:pPr indent="0" lvl="0" marL="0" rtl="0" algn="ctr">
+            <a:pPr marL="0" lvl="0" indent="0" algn="ctr" rtl="0">
               <a:spcBef>
                 <a:spcPts val="0"/>
               </a:spcBef>
@@ -6592,7 +6751,7 @@
           </a:xfrm>
           <a:prstGeom prst="donut">
             <a:avLst>
-              <a:gd fmla="val 25000" name="adj"/>
+              <a:gd name="adj" fmla="val 25000"/>
             </a:avLst>
           </a:prstGeom>
           <a:solidFill>
@@ -6603,12 +6762,12 @@
           </a:ln>
         </p:spPr>
         <p:txBody>
-          <a:bodyPr anchorCtr="0" anchor="ctr" bIns="91425" lIns="91425" spcFirstLastPara="1" rIns="91425" wrap="square" tIns="91425">
+          <a:bodyPr spcFirstLastPara="1" wrap="square" lIns="91425" tIns="91425" rIns="91425" bIns="91425" anchor="ctr" anchorCtr="0">
             <a:noAutofit/>
           </a:bodyPr>
           <a:lstStyle/>
           <a:p>
-            <a:pPr indent="0" lvl="0" marL="0" rtl="0" algn="l">
+            <a:pPr marL="0" lvl="0" indent="0" algn="l" rtl="0">
               <a:spcBef>
                 <a:spcPts val="0"/>
               </a:spcBef>
@@ -6617,9 +6776,6 @@
               </a:spcAft>
               <a:buNone/>
             </a:pPr>
-            <a:r>
-              <a:t/>
-            </a:r>
             <a:endParaRPr/>
           </a:p>
         </p:txBody>
@@ -6633,11 +6789,11 @@
 </file>
 
 <file path=ppt/slides/slide10.xml><?xml version="1.0" encoding="utf-8"?>
-<p:sld xmlns:a="http://schemas.openxmlformats.org/drawingml/2006/main" xmlns:r="http://schemas.openxmlformats.org/officeDocument/2006/relationships" xmlns:mc="http://schemas.openxmlformats.org/markup-compatibility/2006" xmlns:mv="urn:schemas-microsoft-com:mac:vml" xmlns:p="http://schemas.openxmlformats.org/presentationml/2006/main" xmlns:c="http://schemas.openxmlformats.org/drawingml/2006/chart" xmlns:dgm="http://schemas.openxmlformats.org/drawingml/2006/diagram" xmlns:o="urn:schemas-microsoft-com:office:office" xmlns:v="urn:schemas-microsoft-com:vml" xmlns:pvml="urn:schemas-microsoft-com:office:powerpoint" xmlns:com="http://schemas.openxmlformats.org/drawingml/2006/compatibility" xmlns:p14="http://schemas.microsoft.com/office/powerpoint/2010/main" xmlns:p15="http://schemas.microsoft.com/office/powerpoint/2012/main" xmlns:ahyp="http://schemas.microsoft.com/office/drawing/2018/hyperlinkcolor">
+<p:sld xmlns:a="http://schemas.openxmlformats.org/drawingml/2006/main" xmlns:r="http://schemas.openxmlformats.org/officeDocument/2006/relationships" xmlns:p="http://schemas.openxmlformats.org/presentationml/2006/main">
   <p:cSld>
     <p:spTree>
       <p:nvGrpSpPr>
-        <p:cNvPr id="159" name="Shape 159"/>
+        <p:cNvPr id="1" name="Shape 159"/>
         <p:cNvGrpSpPr/>
         <p:nvPr/>
       </p:nvGrpSpPr>
@@ -6662,7 +6818,7 @@
           </a:xfrm>
           <a:prstGeom prst="donut">
             <a:avLst>
-              <a:gd fmla="val 25000" name="adj"/>
+              <a:gd name="adj" fmla="val 25000"/>
             </a:avLst>
           </a:prstGeom>
           <a:solidFill>
@@ -6673,12 +6829,12 @@
           </a:ln>
         </p:spPr>
         <p:txBody>
-          <a:bodyPr anchorCtr="0" anchor="ctr" bIns="91425" lIns="91425" spcFirstLastPara="1" rIns="91425" wrap="square" tIns="91425">
+          <a:bodyPr spcFirstLastPara="1" wrap="square" lIns="91425" tIns="91425" rIns="91425" bIns="91425" anchor="ctr" anchorCtr="0">
             <a:noAutofit/>
           </a:bodyPr>
           <a:lstStyle/>
           <a:p>
-            <a:pPr indent="0" lvl="0" marL="0" rtl="0" algn="l">
+            <a:pPr marL="0" lvl="0" indent="0" algn="l" rtl="0">
               <a:spcBef>
                 <a:spcPts val="0"/>
               </a:spcBef>
@@ -6687,9 +6843,6 @@
               </a:spcAft>
               <a:buNone/>
             </a:pPr>
-            <a:r>
-              <a:t/>
-            </a:r>
             <a:endParaRPr/>
           </a:p>
         </p:txBody>
@@ -6707,7 +6860,7 @@
           </a:xfrm>
           <a:prstGeom prst="diagStripe">
             <a:avLst>
-              <a:gd fmla="val 50000" name="adj"/>
+              <a:gd name="adj" fmla="val 50000"/>
             </a:avLst>
           </a:prstGeom>
           <a:solidFill>
@@ -6718,12 +6871,12 @@
           </a:ln>
         </p:spPr>
         <p:txBody>
-          <a:bodyPr anchorCtr="0" anchor="ctr" bIns="91425" lIns="91425" spcFirstLastPara="1" rIns="91425" wrap="square" tIns="91425">
+          <a:bodyPr spcFirstLastPara="1" wrap="square" lIns="91425" tIns="91425" rIns="91425" bIns="91425" anchor="ctr" anchorCtr="0">
             <a:noAutofit/>
           </a:bodyPr>
           <a:lstStyle/>
           <a:p>
-            <a:pPr indent="0" lvl="0" marL="0" rtl="0" algn="l">
+            <a:pPr marL="0" lvl="0" indent="0" algn="l" rtl="0">
               <a:spcBef>
                 <a:spcPts val="0"/>
               </a:spcBef>
@@ -6732,9 +6885,6 @@
               </a:spcAft>
               <a:buNone/>
             </a:pPr>
-            <a:r>
-              <a:t/>
-            </a:r>
             <a:endParaRPr/>
           </a:p>
         </p:txBody>
@@ -6752,7 +6902,7 @@
           </a:xfrm>
           <a:prstGeom prst="diagStripe">
             <a:avLst>
-              <a:gd fmla="val 50000" name="adj"/>
+              <a:gd name="adj" fmla="val 50000"/>
             </a:avLst>
           </a:prstGeom>
           <a:solidFill>
@@ -6763,12 +6913,12 @@
           </a:ln>
         </p:spPr>
         <p:txBody>
-          <a:bodyPr anchorCtr="0" anchor="ctr" bIns="91425" lIns="91425" spcFirstLastPara="1" rIns="91425" wrap="square" tIns="91425">
+          <a:bodyPr spcFirstLastPara="1" wrap="square" lIns="91425" tIns="91425" rIns="91425" bIns="91425" anchor="ctr" anchorCtr="0">
             <a:noAutofit/>
           </a:bodyPr>
           <a:lstStyle/>
           <a:p>
-            <a:pPr indent="0" lvl="0" marL="0" rtl="0" algn="l">
+            <a:pPr marL="0" lvl="0" indent="0" algn="l" rtl="0">
               <a:spcBef>
                 <a:spcPts val="0"/>
               </a:spcBef>
@@ -6777,9 +6927,6 @@
               </a:spcAft>
               <a:buNone/>
             </a:pPr>
-            <a:r>
-              <a:t/>
-            </a:r>
             <a:endParaRPr/>
           </a:p>
         </p:txBody>
@@ -6797,7 +6944,7 @@
           </a:xfrm>
           <a:prstGeom prst="diagStripe">
             <a:avLst>
-              <a:gd fmla="val 50000" name="adj"/>
+              <a:gd name="adj" fmla="val 50000"/>
             </a:avLst>
           </a:prstGeom>
           <a:solidFill>
@@ -6808,12 +6955,12 @@
           </a:ln>
         </p:spPr>
         <p:txBody>
-          <a:bodyPr anchorCtr="0" anchor="ctr" bIns="91425" lIns="91425" spcFirstLastPara="1" rIns="91425" wrap="square" tIns="91425">
+          <a:bodyPr spcFirstLastPara="1" wrap="square" lIns="91425" tIns="91425" rIns="91425" bIns="91425" anchor="ctr" anchorCtr="0">
             <a:noAutofit/>
           </a:bodyPr>
           <a:lstStyle/>
           <a:p>
-            <a:pPr indent="0" lvl="0" marL="0" rtl="0" algn="l">
+            <a:pPr marL="0" lvl="0" indent="0" algn="l" rtl="0">
               <a:spcBef>
                 <a:spcPts val="0"/>
               </a:spcBef>
@@ -6822,9 +6969,6 @@
               </a:spcAft>
               <a:buNone/>
             </a:pPr>
-            <a:r>
-              <a:t/>
-            </a:r>
             <a:endParaRPr/>
           </a:p>
         </p:txBody>
@@ -6849,12 +6993,12 @@
           </a:ln>
         </p:spPr>
         <p:txBody>
-          <a:bodyPr anchorCtr="0" anchor="b" bIns="91425" lIns="91425" spcFirstLastPara="1" rIns="91425" wrap="square" tIns="91425">
+          <a:bodyPr spcFirstLastPara="1" wrap="square" lIns="91425" tIns="91425" rIns="91425" bIns="91425" anchor="b" anchorCtr="0">
             <a:normAutofit/>
           </a:bodyPr>
           <a:lstStyle/>
           <a:p>
-            <a:pPr indent="0" lvl="0" marL="0" rtl="0" algn="ctr">
+            <a:pPr marL="0" lvl="0" indent="0" algn="ctr" rtl="0">
               <a:spcBef>
                 <a:spcPts val="0"/>
               </a:spcBef>
@@ -6904,12 +7048,12 @@
           </a:ln>
         </p:spPr>
         <p:txBody>
-          <a:bodyPr anchorCtr="0" anchor="t" bIns="91425" lIns="91425" spcFirstLastPara="1" rIns="91425" wrap="square" tIns="91425">
+          <a:bodyPr spcFirstLastPara="1" wrap="square" lIns="91425" tIns="91425" rIns="91425" bIns="91425" anchor="t" anchorCtr="0">
             <a:noAutofit/>
           </a:bodyPr>
           <a:lstStyle/>
           <a:p>
-            <a:pPr indent="0" lvl="0" marL="0" rtl="0" algn="l">
+            <a:pPr marL="0" lvl="0" indent="0" algn="l" rtl="0">
               <a:lnSpc>
                 <a:spcPct val="115000"/>
               </a:lnSpc>
@@ -6921,9 +7065,6 @@
               </a:spcAft>
               <a:buNone/>
             </a:pPr>
-            <a:r>
-              <a:t/>
-            </a:r>
             <a:endParaRPr>
               <a:solidFill>
                 <a:srgbClr val="595959"/>
@@ -6945,11 +7086,11 @@
 </file>
 
 <file path=ppt/slides/slide2.xml><?xml version="1.0" encoding="utf-8"?>
-<p:sld xmlns:a="http://schemas.openxmlformats.org/drawingml/2006/main" xmlns:r="http://schemas.openxmlformats.org/officeDocument/2006/relationships" xmlns:mc="http://schemas.openxmlformats.org/markup-compatibility/2006" xmlns:mv="urn:schemas-microsoft-com:mac:vml" xmlns:p="http://schemas.openxmlformats.org/presentationml/2006/main" xmlns:c="http://schemas.openxmlformats.org/drawingml/2006/chart" xmlns:dgm="http://schemas.openxmlformats.org/drawingml/2006/diagram" xmlns:o="urn:schemas-microsoft-com:office:office" xmlns:v="urn:schemas-microsoft-com:vml" xmlns:pvml="urn:schemas-microsoft-com:office:powerpoint" xmlns:com="http://schemas.openxmlformats.org/drawingml/2006/compatibility" xmlns:p14="http://schemas.microsoft.com/office/powerpoint/2010/main" xmlns:p15="http://schemas.microsoft.com/office/powerpoint/2012/main" xmlns:ahyp="http://schemas.microsoft.com/office/drawing/2018/hyperlinkcolor">
+<p:sld xmlns:a="http://schemas.openxmlformats.org/drawingml/2006/main" xmlns:r="http://schemas.openxmlformats.org/officeDocument/2006/relationships" xmlns:p="http://schemas.openxmlformats.org/presentationml/2006/main">
   <p:cSld>
     <p:spTree>
       <p:nvGrpSpPr>
-        <p:cNvPr id="62" name="Shape 62"/>
+        <p:cNvPr id="1" name="Shape 62"/>
         <p:cNvGrpSpPr/>
         <p:nvPr/>
       </p:nvGrpSpPr>
@@ -6983,12 +7124,12 @@
           </a:ln>
         </p:spPr>
         <p:txBody>
-          <a:bodyPr anchorCtr="0" anchor="ctr" bIns="91425" lIns="91425" spcFirstLastPara="1" rIns="91425" wrap="square" tIns="91425">
+          <a:bodyPr spcFirstLastPara="1" wrap="square" lIns="91425" tIns="91425" rIns="91425" bIns="91425" anchor="ctr" anchorCtr="0">
             <a:noAutofit/>
           </a:bodyPr>
           <a:lstStyle/>
           <a:p>
-            <a:pPr indent="0" lvl="0" marL="0" rtl="0" algn="l">
+            <a:pPr marL="0" lvl="0" indent="0" algn="l" rtl="0">
               <a:spcBef>
                 <a:spcPts val="0"/>
               </a:spcBef>
@@ -6997,9 +7138,6 @@
               </a:spcAft>
               <a:buNone/>
             </a:pPr>
-            <a:r>
-              <a:t/>
-            </a:r>
             <a:endParaRPr/>
           </a:p>
         </p:txBody>
@@ -7026,12 +7164,12 @@
           </a:ln>
         </p:spPr>
         <p:txBody>
-          <a:bodyPr anchorCtr="0" anchor="ctr" bIns="91425" lIns="91425" spcFirstLastPara="1" rIns="91425" wrap="square" tIns="91425">
+          <a:bodyPr spcFirstLastPara="1" wrap="square" lIns="91425" tIns="91425" rIns="91425" bIns="91425" anchor="ctr" anchorCtr="0">
             <a:noAutofit/>
           </a:bodyPr>
           <a:lstStyle/>
           <a:p>
-            <a:pPr indent="0" lvl="0" marL="0" rtl="0" algn="l">
+            <a:pPr marL="0" lvl="0" indent="0" algn="l" rtl="0">
               <a:spcBef>
                 <a:spcPts val="0"/>
               </a:spcBef>
@@ -7040,9 +7178,6 @@
               </a:spcAft>
               <a:buNone/>
             </a:pPr>
-            <a:r>
-              <a:t/>
-            </a:r>
             <a:endParaRPr/>
           </a:p>
         </p:txBody>
@@ -7067,12 +7202,12 @@
           </a:ln>
         </p:spPr>
         <p:txBody>
-          <a:bodyPr anchorCtr="0" anchor="t" bIns="91425" lIns="91425" spcFirstLastPara="1" rIns="91425" wrap="square" tIns="91425">
+          <a:bodyPr spcFirstLastPara="1" wrap="square" lIns="91425" tIns="91425" rIns="91425" bIns="91425" anchor="t" anchorCtr="0">
             <a:normAutofit lnSpcReduction="10000"/>
           </a:bodyPr>
           <a:lstStyle/>
           <a:p>
-            <a:pPr indent="0" lvl="0" marL="0" rtl="0" algn="l">
+            <a:pPr marL="0" lvl="0" indent="0" algn="l" rtl="0">
               <a:spcBef>
                 <a:spcPts val="0"/>
               </a:spcBef>
@@ -7111,7 +7246,7 @@
         <p:spPr>
           <a:xfrm>
             <a:off x="311700" y="1152475"/>
-            <a:ext cx="8520600" cy="3416400"/>
+            <a:ext cx="7698500" cy="3416400"/>
           </a:xfrm>
           <a:prstGeom prst="rect">
             <a:avLst/>
@@ -7122,12 +7257,12 @@
           </a:ln>
         </p:spPr>
         <p:txBody>
-          <a:bodyPr anchorCtr="0" anchor="t" bIns="91425" lIns="91425" spcFirstLastPara="1" rIns="91425" wrap="square" tIns="91425">
+          <a:bodyPr spcFirstLastPara="1" wrap="square" lIns="91425" tIns="91425" rIns="91425" bIns="91425" anchor="t" anchorCtr="0">
             <a:noAutofit/>
           </a:bodyPr>
           <a:lstStyle/>
           <a:p>
-            <a:pPr indent="0" lvl="0" marL="0" rtl="0" algn="l">
+            <a:pPr marL="0" lvl="0" indent="0" algn="l" rtl="0">
               <a:lnSpc>
                 <a:spcPct val="115000"/>
               </a:lnSpc>
@@ -7185,12 +7320,12 @@
           </a:ln>
         </p:spPr>
         <p:txBody>
-          <a:bodyPr anchorCtr="0" anchor="ctr" bIns="91425" lIns="91425" spcFirstLastPara="1" rIns="91425" wrap="square" tIns="91425">
+          <a:bodyPr spcFirstLastPara="1" wrap="square" lIns="91425" tIns="91425" rIns="91425" bIns="91425" anchor="ctr" anchorCtr="0">
             <a:noAutofit/>
           </a:bodyPr>
           <a:lstStyle/>
           <a:p>
-            <a:pPr indent="0" lvl="0" marL="0" rtl="0" algn="l">
+            <a:pPr marL="0" lvl="0" indent="0" algn="l" rtl="0">
               <a:spcBef>
                 <a:spcPts val="0"/>
               </a:spcBef>
@@ -7199,9 +7334,6 @@
               </a:spcAft>
               <a:buNone/>
             </a:pPr>
-            <a:r>
-              <a:t/>
-            </a:r>
             <a:endParaRPr/>
           </a:p>
         </p:txBody>
@@ -7228,12 +7360,12 @@
           </a:ln>
         </p:spPr>
         <p:txBody>
-          <a:bodyPr anchorCtr="0" anchor="ctr" bIns="91425" lIns="91425" spcFirstLastPara="1" rIns="91425" wrap="square" tIns="91425">
+          <a:bodyPr spcFirstLastPara="1" wrap="square" lIns="91425" tIns="91425" rIns="91425" bIns="91425" anchor="ctr" anchorCtr="0">
             <a:noAutofit/>
           </a:bodyPr>
           <a:lstStyle/>
           <a:p>
-            <a:pPr indent="0" lvl="0" marL="0" rtl="0" algn="l">
+            <a:pPr marL="0" lvl="0" indent="0" algn="l" rtl="0">
               <a:spcBef>
                 <a:spcPts val="0"/>
               </a:spcBef>
@@ -7242,9 +7374,6 @@
               </a:spcAft>
               <a:buNone/>
             </a:pPr>
-            <a:r>
-              <a:t/>
-            </a:r>
             <a:endParaRPr/>
           </a:p>
         </p:txBody>
@@ -7258,11 +7387,11 @@
 </file>
 
 <file path=ppt/slides/slide3.xml><?xml version="1.0" encoding="utf-8"?>
-<p:sld xmlns:a="http://schemas.openxmlformats.org/drawingml/2006/main" xmlns:r="http://schemas.openxmlformats.org/officeDocument/2006/relationships" xmlns:mc="http://schemas.openxmlformats.org/markup-compatibility/2006" xmlns:mv="urn:schemas-microsoft-com:mac:vml" xmlns:p="http://schemas.openxmlformats.org/presentationml/2006/main" xmlns:c="http://schemas.openxmlformats.org/drawingml/2006/chart" xmlns:dgm="http://schemas.openxmlformats.org/drawingml/2006/diagram" xmlns:o="urn:schemas-microsoft-com:office:office" xmlns:v="urn:schemas-microsoft-com:vml" xmlns:pvml="urn:schemas-microsoft-com:office:powerpoint" xmlns:com="http://schemas.openxmlformats.org/drawingml/2006/compatibility" xmlns:p14="http://schemas.microsoft.com/office/powerpoint/2010/main" xmlns:p15="http://schemas.microsoft.com/office/powerpoint/2012/main" xmlns:ahyp="http://schemas.microsoft.com/office/drawing/2018/hyperlinkcolor">
+<p:sld xmlns:a="http://schemas.openxmlformats.org/drawingml/2006/main" xmlns:r="http://schemas.openxmlformats.org/officeDocument/2006/relationships" xmlns:p="http://schemas.openxmlformats.org/presentationml/2006/main">
   <p:cSld>
     <p:spTree>
       <p:nvGrpSpPr>
-        <p:cNvPr id="72" name="Shape 72"/>
+        <p:cNvPr id="1" name="Shape 72"/>
         <p:cNvGrpSpPr/>
         <p:nvPr/>
       </p:nvGrpSpPr>
@@ -7296,12 +7425,12 @@
           </a:ln>
         </p:spPr>
         <p:txBody>
-          <a:bodyPr anchorCtr="0" anchor="ctr" bIns="91425" lIns="91425" spcFirstLastPara="1" rIns="91425" wrap="square" tIns="91425">
+          <a:bodyPr spcFirstLastPara="1" wrap="square" lIns="91425" tIns="91425" rIns="91425" bIns="91425" anchor="ctr" anchorCtr="0">
             <a:noAutofit/>
           </a:bodyPr>
           <a:lstStyle/>
           <a:p>
-            <a:pPr indent="0" lvl="0" marL="0" rtl="0" algn="l">
+            <a:pPr marL="0" lvl="0" indent="0" algn="l" rtl="0">
               <a:spcBef>
                 <a:spcPts val="0"/>
               </a:spcBef>
@@ -7310,9 +7439,6 @@
               </a:spcAft>
               <a:buNone/>
             </a:pPr>
-            <a:r>
-              <a:t/>
-            </a:r>
             <a:endParaRPr/>
           </a:p>
         </p:txBody>
@@ -7339,12 +7465,12 @@
           </a:ln>
         </p:spPr>
         <p:txBody>
-          <a:bodyPr anchorCtr="0" anchor="ctr" bIns="91425" lIns="91425" spcFirstLastPara="1" rIns="91425" wrap="square" tIns="91425">
+          <a:bodyPr spcFirstLastPara="1" wrap="square" lIns="91425" tIns="91425" rIns="91425" bIns="91425" anchor="ctr" anchorCtr="0">
             <a:noAutofit/>
           </a:bodyPr>
           <a:lstStyle/>
           <a:p>
-            <a:pPr indent="0" lvl="0" marL="0" rtl="0" algn="l">
+            <a:pPr marL="0" lvl="0" indent="0" algn="l" rtl="0">
               <a:spcBef>
                 <a:spcPts val="0"/>
               </a:spcBef>
@@ -7353,9 +7479,6 @@
               </a:spcAft>
               <a:buNone/>
             </a:pPr>
-            <a:r>
-              <a:t/>
-            </a:r>
             <a:endParaRPr/>
           </a:p>
         </p:txBody>
@@ -7382,12 +7505,12 @@
           </a:ln>
         </p:spPr>
         <p:txBody>
-          <a:bodyPr anchorCtr="0" anchor="ctr" bIns="91425" lIns="91425" spcFirstLastPara="1" rIns="91425" wrap="square" tIns="91425">
+          <a:bodyPr spcFirstLastPara="1" wrap="square" lIns="91425" tIns="91425" rIns="91425" bIns="91425" anchor="ctr" anchorCtr="0">
             <a:noAutofit/>
           </a:bodyPr>
           <a:lstStyle/>
           <a:p>
-            <a:pPr indent="0" lvl="0" marL="0" rtl="0" algn="l">
+            <a:pPr marL="0" lvl="0" indent="0" algn="l" rtl="0">
               <a:spcBef>
                 <a:spcPts val="0"/>
               </a:spcBef>
@@ -7396,9 +7519,6 @@
               </a:spcAft>
               <a:buNone/>
             </a:pPr>
-            <a:r>
-              <a:t/>
-            </a:r>
             <a:endParaRPr/>
           </a:p>
         </p:txBody>
@@ -7425,12 +7545,12 @@
           </a:ln>
         </p:spPr>
         <p:txBody>
-          <a:bodyPr anchorCtr="0" anchor="ctr" bIns="91425" lIns="91425" spcFirstLastPara="1" rIns="91425" wrap="square" tIns="91425">
+          <a:bodyPr spcFirstLastPara="1" wrap="square" lIns="91425" tIns="91425" rIns="91425" bIns="91425" anchor="ctr" anchorCtr="0">
             <a:noAutofit/>
           </a:bodyPr>
           <a:lstStyle/>
           <a:p>
-            <a:pPr indent="0" lvl="0" marL="0" rtl="0" algn="l">
+            <a:pPr marL="0" lvl="0" indent="0" algn="l" rtl="0">
               <a:spcBef>
                 <a:spcPts val="0"/>
               </a:spcBef>
@@ -7439,9 +7559,6 @@
               </a:spcAft>
               <a:buNone/>
             </a:pPr>
-            <a:r>
-              <a:t/>
-            </a:r>
             <a:endParaRPr/>
           </a:p>
         </p:txBody>
@@ -7466,12 +7583,12 @@
           </a:ln>
         </p:spPr>
         <p:txBody>
-          <a:bodyPr anchorCtr="0" anchor="t" bIns="91425" lIns="91425" spcFirstLastPara="1" rIns="91425" wrap="square" tIns="91425">
+          <a:bodyPr spcFirstLastPara="1" wrap="square" lIns="91425" tIns="91425" rIns="91425" bIns="91425" anchor="t" anchorCtr="0">
             <a:normAutofit lnSpcReduction="10000"/>
           </a:bodyPr>
           <a:lstStyle/>
           <a:p>
-            <a:pPr indent="0" lvl="0" marL="0" rtl="0" algn="l">
+            <a:pPr marL="0" lvl="0" indent="0" algn="l" rtl="0">
               <a:spcBef>
                 <a:spcPts val="0"/>
               </a:spcBef>
@@ -7521,12 +7638,12 @@
           </a:ln>
         </p:spPr>
         <p:txBody>
-          <a:bodyPr anchorCtr="0" anchor="t" bIns="91425" lIns="91425" spcFirstLastPara="1" rIns="91425" wrap="square" tIns="91425">
+          <a:bodyPr spcFirstLastPara="1" wrap="square" lIns="91425" tIns="91425" rIns="91425" bIns="91425" anchor="t" anchorCtr="0">
             <a:noAutofit/>
           </a:bodyPr>
           <a:lstStyle/>
           <a:p>
-            <a:pPr indent="0" lvl="0" marL="0" rtl="0" algn="l">
+            <a:pPr marL="0" lvl="0" indent="0" algn="l" rtl="0">
               <a:lnSpc>
                 <a:spcPct val="115000"/>
               </a:lnSpc>
@@ -7582,12 +7699,12 @@
           </a:ln>
         </p:spPr>
         <p:txBody>
-          <a:bodyPr anchorCtr="0" anchor="t" bIns="91425" lIns="91425" spcFirstLastPara="1" rIns="91425" wrap="square" tIns="91425">
+          <a:bodyPr spcFirstLastPara="1" wrap="square" lIns="91425" tIns="91425" rIns="91425" bIns="91425" anchor="t" anchorCtr="0">
             <a:noAutofit/>
           </a:bodyPr>
           <a:lstStyle/>
           <a:p>
-            <a:pPr indent="0" lvl="0" marL="0" rtl="0" algn="l">
+            <a:pPr marL="0" lvl="0" indent="0" algn="l" rtl="0">
               <a:lnSpc>
                 <a:spcPct val="115000"/>
               </a:lnSpc>
@@ -7632,11 +7749,11 @@
 </file>
 
 <file path=ppt/slides/slide4.xml><?xml version="1.0" encoding="utf-8"?>
-<p:sld xmlns:a="http://schemas.openxmlformats.org/drawingml/2006/main" xmlns:r="http://schemas.openxmlformats.org/officeDocument/2006/relationships" xmlns:mc="http://schemas.openxmlformats.org/markup-compatibility/2006" xmlns:mv="urn:schemas-microsoft-com:mac:vml" xmlns:p="http://schemas.openxmlformats.org/presentationml/2006/main" xmlns:c="http://schemas.openxmlformats.org/drawingml/2006/chart" xmlns:dgm="http://schemas.openxmlformats.org/drawingml/2006/diagram" xmlns:o="urn:schemas-microsoft-com:office:office" xmlns:v="urn:schemas-microsoft-com:vml" xmlns:pvml="urn:schemas-microsoft-com:office:powerpoint" xmlns:com="http://schemas.openxmlformats.org/drawingml/2006/compatibility" xmlns:p14="http://schemas.microsoft.com/office/powerpoint/2010/main" xmlns:p15="http://schemas.microsoft.com/office/powerpoint/2012/main" xmlns:ahyp="http://schemas.microsoft.com/office/drawing/2018/hyperlinkcolor">
+<p:sld xmlns:a="http://schemas.openxmlformats.org/drawingml/2006/main" xmlns:r="http://schemas.openxmlformats.org/officeDocument/2006/relationships" xmlns:p="http://schemas.openxmlformats.org/presentationml/2006/main">
   <p:cSld>
     <p:spTree>
       <p:nvGrpSpPr>
-        <p:cNvPr id="83" name="Shape 83"/>
+        <p:cNvPr id="1" name="Shape 83"/>
         <p:cNvGrpSpPr/>
         <p:nvPr/>
       </p:nvGrpSpPr>
@@ -7661,7 +7778,7 @@
           </a:xfrm>
           <a:prstGeom prst="donut">
             <a:avLst>
-              <a:gd fmla="val 25000" name="adj"/>
+              <a:gd name="adj" fmla="val 25000"/>
             </a:avLst>
           </a:prstGeom>
           <a:solidFill>
@@ -7672,12 +7789,12 @@
           </a:ln>
         </p:spPr>
         <p:txBody>
-          <a:bodyPr anchorCtr="0" anchor="ctr" bIns="91425" lIns="91425" spcFirstLastPara="1" rIns="91425" wrap="square" tIns="91425">
+          <a:bodyPr spcFirstLastPara="1" wrap="square" lIns="91425" tIns="91425" rIns="91425" bIns="91425" anchor="ctr" anchorCtr="0">
             <a:noAutofit/>
           </a:bodyPr>
           <a:lstStyle/>
           <a:p>
-            <a:pPr indent="0" lvl="0" marL="0" rtl="0" algn="l">
+            <a:pPr marL="0" lvl="0" indent="0" algn="l" rtl="0">
               <a:spcBef>
                 <a:spcPts val="0"/>
               </a:spcBef>
@@ -7686,9 +7803,6 @@
               </a:spcAft>
               <a:buNone/>
             </a:pPr>
-            <a:r>
-              <a:t/>
-            </a:r>
             <a:endParaRPr/>
           </a:p>
         </p:txBody>
@@ -7706,7 +7820,7 @@
           </a:xfrm>
           <a:prstGeom prst="diagStripe">
             <a:avLst>
-              <a:gd fmla="val 50000" name="adj"/>
+              <a:gd name="adj" fmla="val 50000"/>
             </a:avLst>
           </a:prstGeom>
           <a:solidFill>
@@ -7717,12 +7831,12 @@
           </a:ln>
         </p:spPr>
         <p:txBody>
-          <a:bodyPr anchorCtr="0" anchor="ctr" bIns="91425" lIns="91425" spcFirstLastPara="1" rIns="91425" wrap="square" tIns="91425">
+          <a:bodyPr spcFirstLastPara="1" wrap="square" lIns="91425" tIns="91425" rIns="91425" bIns="91425" anchor="ctr" anchorCtr="0">
             <a:noAutofit/>
           </a:bodyPr>
           <a:lstStyle/>
           <a:p>
-            <a:pPr indent="0" lvl="0" marL="0" rtl="0" algn="l">
+            <a:pPr marL="0" lvl="0" indent="0" algn="l" rtl="0">
               <a:spcBef>
                 <a:spcPts val="0"/>
               </a:spcBef>
@@ -7731,9 +7845,6 @@
               </a:spcAft>
               <a:buNone/>
             </a:pPr>
-            <a:r>
-              <a:t/>
-            </a:r>
             <a:endParaRPr/>
           </a:p>
         </p:txBody>
@@ -7751,7 +7862,7 @@
           </a:xfrm>
           <a:prstGeom prst="diagStripe">
             <a:avLst>
-              <a:gd fmla="val 50000" name="adj"/>
+              <a:gd name="adj" fmla="val 50000"/>
             </a:avLst>
           </a:prstGeom>
           <a:solidFill>
@@ -7762,12 +7873,12 @@
           </a:ln>
         </p:spPr>
         <p:txBody>
-          <a:bodyPr anchorCtr="0" anchor="ctr" bIns="91425" lIns="91425" spcFirstLastPara="1" rIns="91425" wrap="square" tIns="91425">
+          <a:bodyPr spcFirstLastPara="1" wrap="square" lIns="91425" tIns="91425" rIns="91425" bIns="91425" anchor="ctr" anchorCtr="0">
             <a:noAutofit/>
           </a:bodyPr>
           <a:lstStyle/>
           <a:p>
-            <a:pPr indent="0" lvl="0" marL="0" rtl="0" algn="l">
+            <a:pPr marL="0" lvl="0" indent="0" algn="l" rtl="0">
               <a:spcBef>
                 <a:spcPts val="0"/>
               </a:spcBef>
@@ -7776,9 +7887,6 @@
               </a:spcAft>
               <a:buNone/>
             </a:pPr>
-            <a:r>
-              <a:t/>
-            </a:r>
             <a:endParaRPr/>
           </a:p>
         </p:txBody>
@@ -7796,7 +7904,7 @@
           </a:xfrm>
           <a:prstGeom prst="diagStripe">
             <a:avLst>
-              <a:gd fmla="val 50000" name="adj"/>
+              <a:gd name="adj" fmla="val 50000"/>
             </a:avLst>
           </a:prstGeom>
           <a:solidFill>
@@ -7807,12 +7915,12 @@
           </a:ln>
         </p:spPr>
         <p:txBody>
-          <a:bodyPr anchorCtr="0" anchor="ctr" bIns="91425" lIns="91425" spcFirstLastPara="1" rIns="91425" wrap="square" tIns="91425">
+          <a:bodyPr spcFirstLastPara="1" wrap="square" lIns="91425" tIns="91425" rIns="91425" bIns="91425" anchor="ctr" anchorCtr="0">
             <a:noAutofit/>
           </a:bodyPr>
           <a:lstStyle/>
           <a:p>
-            <a:pPr indent="0" lvl="0" marL="0" rtl="0" algn="l">
+            <a:pPr marL="0" lvl="0" indent="0" algn="l" rtl="0">
               <a:spcBef>
                 <a:spcPts val="0"/>
               </a:spcBef>
@@ -7821,9 +7929,6 @@
               </a:spcAft>
               <a:buNone/>
             </a:pPr>
-            <a:r>
-              <a:t/>
-            </a:r>
             <a:endParaRPr/>
           </a:p>
         </p:txBody>
@@ -7848,12 +7953,12 @@
           </a:ln>
         </p:spPr>
         <p:txBody>
-          <a:bodyPr anchorCtr="0" anchor="b" bIns="91425" lIns="91425" spcFirstLastPara="1" rIns="91425" wrap="square" tIns="91425">
+          <a:bodyPr spcFirstLastPara="1" wrap="square" lIns="91425" tIns="91425" rIns="91425" bIns="91425" anchor="b" anchorCtr="0">
             <a:normAutofit fontScale="62500"/>
           </a:bodyPr>
           <a:lstStyle/>
           <a:p>
-            <a:pPr indent="0" lvl="0" marL="0" rtl="0" algn="ctr">
+            <a:pPr marL="0" lvl="0" indent="0" algn="ctr" rtl="0">
               <a:spcBef>
                 <a:spcPts val="0"/>
               </a:spcBef>
@@ -7903,12 +8008,12 @@
           </a:ln>
         </p:spPr>
         <p:txBody>
-          <a:bodyPr anchorCtr="0" anchor="t" bIns="91425" lIns="91425" spcFirstLastPara="1" rIns="91425" wrap="square" tIns="91425">
+          <a:bodyPr spcFirstLastPara="1" wrap="square" lIns="91425" tIns="91425" rIns="91425" bIns="91425" anchor="t" anchorCtr="0">
             <a:noAutofit/>
           </a:bodyPr>
           <a:lstStyle/>
           <a:p>
-            <a:pPr indent="0" lvl="0" marL="0" rtl="0" algn="ctr">
+            <a:pPr marL="0" lvl="0" indent="0" algn="ctr" rtl="0">
               <a:lnSpc>
                 <a:spcPct val="115000"/>
               </a:lnSpc>
@@ -7953,11 +8058,11 @@
 </file>
 
 <file path=ppt/slides/slide5.xml><?xml version="1.0" encoding="utf-8"?>
-<p:sld xmlns:a="http://schemas.openxmlformats.org/drawingml/2006/main" xmlns:r="http://schemas.openxmlformats.org/officeDocument/2006/relationships" xmlns:mc="http://schemas.openxmlformats.org/markup-compatibility/2006" xmlns:mv="urn:schemas-microsoft-com:mac:vml" xmlns:p="http://schemas.openxmlformats.org/presentationml/2006/main" xmlns:c="http://schemas.openxmlformats.org/drawingml/2006/chart" xmlns:dgm="http://schemas.openxmlformats.org/drawingml/2006/diagram" xmlns:o="urn:schemas-microsoft-com:office:office" xmlns:v="urn:schemas-microsoft-com:vml" xmlns:pvml="urn:schemas-microsoft-com:office:powerpoint" xmlns:com="http://schemas.openxmlformats.org/drawingml/2006/compatibility" xmlns:p14="http://schemas.microsoft.com/office/powerpoint/2010/main" xmlns:p15="http://schemas.microsoft.com/office/powerpoint/2012/main" xmlns:ahyp="http://schemas.microsoft.com/office/drawing/2018/hyperlinkcolor">
+<p:sld xmlns:a="http://schemas.openxmlformats.org/drawingml/2006/main" xmlns:r="http://schemas.openxmlformats.org/officeDocument/2006/relationships" xmlns:p="http://schemas.openxmlformats.org/presentationml/2006/main">
   <p:cSld>
     <p:spTree>
       <p:nvGrpSpPr>
-        <p:cNvPr id="93" name="Shape 93"/>
+        <p:cNvPr id="1" name="Shape 93"/>
         <p:cNvGrpSpPr/>
         <p:nvPr/>
       </p:nvGrpSpPr>
@@ -7991,12 +8096,12 @@
           </a:ln>
         </p:spPr>
         <p:txBody>
-          <a:bodyPr anchorCtr="0" anchor="ctr" bIns="91425" lIns="91425" spcFirstLastPara="1" rIns="91425" wrap="square" tIns="91425">
+          <a:bodyPr spcFirstLastPara="1" wrap="square" lIns="91425" tIns="91425" rIns="91425" bIns="91425" anchor="ctr" anchorCtr="0">
             <a:noAutofit/>
           </a:bodyPr>
           <a:lstStyle/>
           <a:p>
-            <a:pPr indent="0" lvl="0" marL="0" rtl="0" algn="l">
+            <a:pPr marL="0" lvl="0" indent="0" algn="l" rtl="0">
               <a:spcBef>
                 <a:spcPts val="0"/>
               </a:spcBef>
@@ -8005,9 +8110,6 @@
               </a:spcAft>
               <a:buNone/>
             </a:pPr>
-            <a:r>
-              <a:t/>
-            </a:r>
             <a:endParaRPr/>
           </a:p>
         </p:txBody>
@@ -8034,12 +8136,12 @@
           </a:ln>
         </p:spPr>
         <p:txBody>
-          <a:bodyPr anchorCtr="0" anchor="ctr" bIns="91425" lIns="91425" spcFirstLastPara="1" rIns="91425" wrap="square" tIns="91425">
+          <a:bodyPr spcFirstLastPara="1" wrap="square" lIns="91425" tIns="91425" rIns="91425" bIns="91425" anchor="ctr" anchorCtr="0">
             <a:noAutofit/>
           </a:bodyPr>
           <a:lstStyle/>
           <a:p>
-            <a:pPr indent="0" lvl="0" marL="0" rtl="0" algn="l">
+            <a:pPr marL="0" lvl="0" indent="0" algn="l" rtl="0">
               <a:spcBef>
                 <a:spcPts val="0"/>
               </a:spcBef>
@@ -8048,9 +8150,6 @@
               </a:spcAft>
               <a:buNone/>
             </a:pPr>
-            <a:r>
-              <a:t/>
-            </a:r>
             <a:endParaRPr/>
           </a:p>
         </p:txBody>
@@ -8075,12 +8174,12 @@
           </a:ln>
         </p:spPr>
         <p:txBody>
-          <a:bodyPr anchorCtr="0" anchor="ctr" bIns="91425" lIns="91425" spcFirstLastPara="1" rIns="91425" wrap="square" tIns="91425">
+          <a:bodyPr spcFirstLastPara="1" wrap="square" lIns="91425" tIns="91425" rIns="91425" bIns="91425" anchor="ctr" anchorCtr="0">
             <a:noAutofit/>
           </a:bodyPr>
           <a:lstStyle/>
           <a:p>
-            <a:pPr indent="0" lvl="0" marL="0" rtl="0" algn="ctr">
+            <a:pPr marL="0" lvl="0" indent="0" algn="ctr" rtl="0">
               <a:lnSpc>
                 <a:spcPct val="115000"/>
               </a:lnSpc>
@@ -8130,12 +8229,12 @@
           </a:ln>
         </p:spPr>
         <p:txBody>
-          <a:bodyPr anchorCtr="0" anchor="ctr" bIns="91425" lIns="91425" spcFirstLastPara="1" rIns="91425" wrap="square" tIns="91425">
+          <a:bodyPr spcFirstLastPara="1" wrap="square" lIns="91425" tIns="91425" rIns="91425" bIns="91425" anchor="ctr" anchorCtr="0">
             <a:normAutofit/>
           </a:bodyPr>
           <a:lstStyle/>
           <a:p>
-            <a:pPr indent="0" lvl="0" marL="0" rtl="0" algn="l">
+            <a:pPr marL="0" lvl="0" indent="0" algn="l" rtl="0">
               <a:lnSpc>
                 <a:spcPct val="115000"/>
               </a:lnSpc>
@@ -8185,12 +8284,12 @@
           </a:ln>
         </p:spPr>
         <p:txBody>
-          <a:bodyPr anchorCtr="0" anchor="ctr" bIns="91425" lIns="91425" spcFirstLastPara="1" rIns="91425" wrap="square" tIns="91425">
+          <a:bodyPr spcFirstLastPara="1" wrap="square" lIns="91425" tIns="91425" rIns="91425" bIns="91425" anchor="ctr" anchorCtr="0">
             <a:noAutofit/>
           </a:bodyPr>
           <a:lstStyle/>
           <a:p>
-            <a:pPr indent="0" lvl="0" marL="0" rtl="0" algn="ctr">
+            <a:pPr marL="0" lvl="0" indent="0" algn="ctr" rtl="0">
               <a:lnSpc>
                 <a:spcPct val="115000"/>
               </a:lnSpc>
@@ -8240,12 +8339,12 @@
           </a:ln>
         </p:spPr>
         <p:txBody>
-          <a:bodyPr anchorCtr="0" anchor="ctr" bIns="91425" lIns="91425" spcFirstLastPara="1" rIns="91425" wrap="square" tIns="91425">
+          <a:bodyPr spcFirstLastPara="1" wrap="square" lIns="91425" tIns="91425" rIns="91425" bIns="91425" anchor="ctr" anchorCtr="0">
             <a:normAutofit/>
           </a:bodyPr>
           <a:lstStyle/>
           <a:p>
-            <a:pPr indent="0" lvl="0" marL="0" marR="0" rtl="0" algn="l">
+            <a:pPr marL="0" marR="0" lvl="0" indent="0" algn="l" rtl="0">
               <a:lnSpc>
                 <a:spcPct val="115000"/>
               </a:lnSpc>
@@ -8295,12 +8394,12 @@
           </a:ln>
         </p:spPr>
         <p:txBody>
-          <a:bodyPr anchorCtr="0" anchor="ctr" bIns="91425" lIns="91425" spcFirstLastPara="1" rIns="91425" wrap="square" tIns="91425">
+          <a:bodyPr spcFirstLastPara="1" wrap="square" lIns="91425" tIns="91425" rIns="91425" bIns="91425" anchor="ctr" anchorCtr="0">
             <a:noAutofit/>
           </a:bodyPr>
           <a:lstStyle/>
           <a:p>
-            <a:pPr indent="0" lvl="0" marL="0" rtl="0" algn="ctr">
+            <a:pPr marL="0" lvl="0" indent="0" algn="ctr" rtl="0">
               <a:lnSpc>
                 <a:spcPct val="115000"/>
               </a:lnSpc>
@@ -8350,12 +8449,12 @@
           </a:ln>
         </p:spPr>
         <p:txBody>
-          <a:bodyPr anchorCtr="0" anchor="ctr" bIns="91425" lIns="91425" spcFirstLastPara="1" rIns="91425" wrap="square" tIns="91425">
+          <a:bodyPr spcFirstLastPara="1" wrap="square" lIns="91425" tIns="91425" rIns="91425" bIns="91425" anchor="ctr" anchorCtr="0">
             <a:normAutofit/>
           </a:bodyPr>
           <a:lstStyle/>
           <a:p>
-            <a:pPr indent="0" lvl="0" marL="0" marR="0" rtl="0" algn="l">
+            <a:pPr marL="0" marR="0" lvl="0" indent="0" algn="l" rtl="0">
               <a:lnSpc>
                 <a:spcPct val="115000"/>
               </a:lnSpc>
@@ -8405,12 +8504,12 @@
           </a:ln>
         </p:spPr>
         <p:txBody>
-          <a:bodyPr anchorCtr="0" anchor="ctr" bIns="91425" lIns="91425" spcFirstLastPara="1" rIns="91425" wrap="square" tIns="91425">
+          <a:bodyPr spcFirstLastPara="1" wrap="square" lIns="91425" tIns="91425" rIns="91425" bIns="91425" anchor="ctr" anchorCtr="0">
             <a:noAutofit/>
           </a:bodyPr>
           <a:lstStyle/>
           <a:p>
-            <a:pPr indent="0" lvl="0" marL="0" rtl="0" algn="ctr">
+            <a:pPr marL="0" lvl="0" indent="0" algn="ctr" rtl="0">
               <a:lnSpc>
                 <a:spcPct val="115000"/>
               </a:lnSpc>
@@ -8460,12 +8559,12 @@
           </a:ln>
         </p:spPr>
         <p:txBody>
-          <a:bodyPr anchorCtr="0" anchor="ctr" bIns="91425" lIns="91425" spcFirstLastPara="1" rIns="91425" wrap="square" tIns="91425">
+          <a:bodyPr spcFirstLastPara="1" wrap="square" lIns="91425" tIns="91425" rIns="91425" bIns="91425" anchor="ctr" anchorCtr="0">
             <a:normAutofit/>
           </a:bodyPr>
           <a:lstStyle/>
           <a:p>
-            <a:pPr indent="0" lvl="0" marL="0" marR="0" rtl="0" algn="l">
+            <a:pPr marL="0" marR="0" lvl="0" indent="0" algn="l" rtl="0">
               <a:lnSpc>
                 <a:spcPct val="115000"/>
               </a:lnSpc>
@@ -8515,12 +8614,12 @@
           </a:ln>
         </p:spPr>
         <p:txBody>
-          <a:bodyPr anchorCtr="0" anchor="ctr" bIns="91425" lIns="91425" spcFirstLastPara="1" rIns="91425" wrap="square" tIns="91425">
+          <a:bodyPr spcFirstLastPara="1" wrap="square" lIns="91425" tIns="91425" rIns="91425" bIns="91425" anchor="ctr" anchorCtr="0">
             <a:noAutofit/>
           </a:bodyPr>
           <a:lstStyle/>
           <a:p>
-            <a:pPr indent="0" lvl="0" marL="0" rtl="0" algn="ctr">
+            <a:pPr marL="0" lvl="0" indent="0" algn="ctr" rtl="0">
               <a:lnSpc>
                 <a:spcPct val="115000"/>
               </a:lnSpc>
@@ -8570,12 +8669,12 @@
           </a:ln>
         </p:spPr>
         <p:txBody>
-          <a:bodyPr anchorCtr="0" anchor="ctr" bIns="91425" lIns="91425" spcFirstLastPara="1" rIns="91425" wrap="square" tIns="91425">
+          <a:bodyPr spcFirstLastPara="1" wrap="square" lIns="91425" tIns="91425" rIns="91425" bIns="91425" anchor="ctr" anchorCtr="0">
             <a:normAutofit/>
           </a:bodyPr>
           <a:lstStyle/>
           <a:p>
-            <a:pPr indent="0" lvl="0" marL="0" marR="0" rtl="0" algn="l">
+            <a:pPr marL="0" marR="0" lvl="0" indent="0" algn="l" rtl="0">
               <a:lnSpc>
                 <a:spcPct val="115000"/>
               </a:lnSpc>
@@ -8625,12 +8724,12 @@
           </a:ln>
         </p:spPr>
         <p:txBody>
-          <a:bodyPr anchorCtr="0" anchor="t" bIns="91425" lIns="91425" spcFirstLastPara="1" rIns="91425" wrap="square" tIns="91425">
+          <a:bodyPr spcFirstLastPara="1" wrap="square" lIns="91425" tIns="91425" rIns="91425" bIns="91425" anchor="t" anchorCtr="0">
             <a:normAutofit lnSpcReduction="10000"/>
           </a:bodyPr>
           <a:lstStyle/>
           <a:p>
-            <a:pPr indent="0" lvl="0" marL="0" rtl="0" algn="l">
+            <a:pPr marL="0" lvl="0" indent="0" algn="l" rtl="0">
               <a:spcBef>
                 <a:spcPts val="0"/>
               </a:spcBef>
@@ -8669,11 +8768,11 @@
 </file>
 
 <file path=ppt/slides/slide6.xml><?xml version="1.0" encoding="utf-8"?>
-<p:sld xmlns:a="http://schemas.openxmlformats.org/drawingml/2006/main" xmlns:r="http://schemas.openxmlformats.org/officeDocument/2006/relationships" xmlns:mc="http://schemas.openxmlformats.org/markup-compatibility/2006" xmlns:mv="urn:schemas-microsoft-com:mac:vml" xmlns:p="http://schemas.openxmlformats.org/presentationml/2006/main" xmlns:c="http://schemas.openxmlformats.org/drawingml/2006/chart" xmlns:dgm="http://schemas.openxmlformats.org/drawingml/2006/diagram" xmlns:o="urn:schemas-microsoft-com:office:office" xmlns:v="urn:schemas-microsoft-com:vml" xmlns:pvml="urn:schemas-microsoft-com:office:powerpoint" xmlns:com="http://schemas.openxmlformats.org/drawingml/2006/compatibility" xmlns:p14="http://schemas.microsoft.com/office/powerpoint/2010/main" xmlns:p15="http://schemas.microsoft.com/office/powerpoint/2012/main" xmlns:ahyp="http://schemas.microsoft.com/office/drawing/2018/hyperlinkcolor">
+<p:sld xmlns:a="http://schemas.openxmlformats.org/drawingml/2006/main" xmlns:r="http://schemas.openxmlformats.org/officeDocument/2006/relationships" xmlns:p="http://schemas.openxmlformats.org/presentationml/2006/main">
   <p:cSld>
     <p:spTree>
       <p:nvGrpSpPr>
-        <p:cNvPr id="110" name="Shape 110"/>
+        <p:cNvPr id="1" name="Shape 110"/>
         <p:cNvGrpSpPr/>
         <p:nvPr/>
       </p:nvGrpSpPr>
@@ -8707,12 +8806,12 @@
           </a:ln>
         </p:spPr>
         <p:txBody>
-          <a:bodyPr anchorCtr="0" anchor="ctr" bIns="91425" lIns="91425" spcFirstLastPara="1" rIns="91425" wrap="square" tIns="91425">
+          <a:bodyPr spcFirstLastPara="1" wrap="square" lIns="91425" tIns="91425" rIns="91425" bIns="91425" anchor="ctr" anchorCtr="0">
             <a:noAutofit/>
           </a:bodyPr>
           <a:lstStyle/>
           <a:p>
-            <a:pPr indent="0" lvl="0" marL="0" rtl="0" algn="l">
+            <a:pPr marL="0" lvl="0" indent="0" algn="l" rtl="0">
               <a:spcBef>
                 <a:spcPts val="0"/>
               </a:spcBef>
@@ -8721,9 +8820,6 @@
               </a:spcAft>
               <a:buNone/>
             </a:pPr>
-            <a:r>
-              <a:t/>
-            </a:r>
             <a:endParaRPr/>
           </a:p>
         </p:txBody>
@@ -8750,12 +8846,12 @@
           </a:ln>
         </p:spPr>
         <p:txBody>
-          <a:bodyPr anchorCtr="0" anchor="ctr" bIns="91425" lIns="91425" spcFirstLastPara="1" rIns="91425" wrap="square" tIns="91425">
+          <a:bodyPr spcFirstLastPara="1" wrap="square" lIns="91425" tIns="91425" rIns="91425" bIns="91425" anchor="ctr" anchorCtr="0">
             <a:noAutofit/>
           </a:bodyPr>
           <a:lstStyle/>
           <a:p>
-            <a:pPr indent="0" lvl="0" marL="0" rtl="0" algn="l">
+            <a:pPr marL="0" lvl="0" indent="0" algn="l" rtl="0">
               <a:spcBef>
                 <a:spcPts val="0"/>
               </a:spcBef>
@@ -8764,9 +8860,6 @@
               </a:spcAft>
               <a:buNone/>
             </a:pPr>
-            <a:r>
-              <a:t/>
-            </a:r>
             <a:endParaRPr/>
           </a:p>
         </p:txBody>
@@ -8791,12 +8884,12 @@
           </a:ln>
         </p:spPr>
         <p:txBody>
-          <a:bodyPr anchorCtr="0" anchor="ctr" bIns="91425" lIns="91425" spcFirstLastPara="1" rIns="91425" wrap="square" tIns="91425">
+          <a:bodyPr spcFirstLastPara="1" wrap="square" lIns="91425" tIns="91425" rIns="91425" bIns="91425" anchor="ctr" anchorCtr="0">
             <a:noAutofit/>
           </a:bodyPr>
           <a:lstStyle/>
           <a:p>
-            <a:pPr indent="0" lvl="0" marL="0" rtl="0" algn="ctr">
+            <a:pPr marL="0" lvl="0" indent="0" algn="ctr" rtl="0">
               <a:lnSpc>
                 <a:spcPct val="115000"/>
               </a:lnSpc>
@@ -8846,12 +8939,12 @@
           </a:ln>
         </p:spPr>
         <p:txBody>
-          <a:bodyPr anchorCtr="0" anchor="ctr" bIns="91425" lIns="91425" spcFirstLastPara="1" rIns="91425" wrap="square" tIns="91425">
+          <a:bodyPr spcFirstLastPara="1" wrap="square" lIns="91425" tIns="91425" rIns="91425" bIns="91425" anchor="ctr" anchorCtr="0">
             <a:normAutofit/>
           </a:bodyPr>
           <a:lstStyle/>
           <a:p>
-            <a:pPr indent="0" lvl="0" marL="0" rtl="0" algn="l">
+            <a:pPr marL="0" lvl="0" indent="0" algn="l" rtl="0">
               <a:lnSpc>
                 <a:spcPct val="115000"/>
               </a:lnSpc>
@@ -8901,12 +8994,12 @@
           </a:ln>
         </p:spPr>
         <p:txBody>
-          <a:bodyPr anchorCtr="0" anchor="ctr" bIns="91425" lIns="91425" spcFirstLastPara="1" rIns="91425" wrap="square" tIns="91425">
+          <a:bodyPr spcFirstLastPara="1" wrap="square" lIns="91425" tIns="91425" rIns="91425" bIns="91425" anchor="ctr" anchorCtr="0">
             <a:noAutofit/>
           </a:bodyPr>
           <a:lstStyle/>
           <a:p>
-            <a:pPr indent="0" lvl="0" marL="0" rtl="0" algn="ctr">
+            <a:pPr marL="0" lvl="0" indent="0" algn="ctr" rtl="0">
               <a:lnSpc>
                 <a:spcPct val="115000"/>
               </a:lnSpc>
@@ -8956,12 +9049,12 @@
           </a:ln>
         </p:spPr>
         <p:txBody>
-          <a:bodyPr anchorCtr="0" anchor="ctr" bIns="91425" lIns="91425" spcFirstLastPara="1" rIns="91425" wrap="square" tIns="91425">
+          <a:bodyPr spcFirstLastPara="1" wrap="square" lIns="91425" tIns="91425" rIns="91425" bIns="91425" anchor="ctr" anchorCtr="0">
             <a:normAutofit/>
           </a:bodyPr>
           <a:lstStyle/>
           <a:p>
-            <a:pPr indent="0" lvl="0" marL="0" marR="0" rtl="0" algn="l">
+            <a:pPr marL="0" marR="0" lvl="0" indent="0" algn="l" rtl="0">
               <a:lnSpc>
                 <a:spcPct val="115000"/>
               </a:lnSpc>
@@ -9011,12 +9104,12 @@
           </a:ln>
         </p:spPr>
         <p:txBody>
-          <a:bodyPr anchorCtr="0" anchor="ctr" bIns="91425" lIns="91425" spcFirstLastPara="1" rIns="91425" wrap="square" tIns="91425">
+          <a:bodyPr spcFirstLastPara="1" wrap="square" lIns="91425" tIns="91425" rIns="91425" bIns="91425" anchor="ctr" anchorCtr="0">
             <a:noAutofit/>
           </a:bodyPr>
           <a:lstStyle/>
           <a:p>
-            <a:pPr indent="0" lvl="0" marL="0" rtl="0" algn="ctr">
+            <a:pPr marL="0" lvl="0" indent="0" algn="ctr" rtl="0">
               <a:lnSpc>
                 <a:spcPct val="115000"/>
               </a:lnSpc>
@@ -9066,12 +9159,12 @@
           </a:ln>
         </p:spPr>
         <p:txBody>
-          <a:bodyPr anchorCtr="0" anchor="ctr" bIns="91425" lIns="91425" spcFirstLastPara="1" rIns="91425" wrap="square" tIns="91425">
+          <a:bodyPr spcFirstLastPara="1" wrap="square" lIns="91425" tIns="91425" rIns="91425" bIns="91425" anchor="ctr" anchorCtr="0">
             <a:normAutofit/>
           </a:bodyPr>
           <a:lstStyle/>
           <a:p>
-            <a:pPr indent="0" lvl="0" marL="0" marR="0" rtl="0" algn="l">
+            <a:pPr marL="0" marR="0" lvl="0" indent="0" algn="l" rtl="0">
               <a:lnSpc>
                 <a:spcPct val="115000"/>
               </a:lnSpc>
@@ -9121,12 +9214,12 @@
           </a:ln>
         </p:spPr>
         <p:txBody>
-          <a:bodyPr anchorCtr="0" anchor="ctr" bIns="91425" lIns="91425" spcFirstLastPara="1" rIns="91425" wrap="square" tIns="91425">
+          <a:bodyPr spcFirstLastPara="1" wrap="square" lIns="91425" tIns="91425" rIns="91425" bIns="91425" anchor="ctr" anchorCtr="0">
             <a:noAutofit/>
           </a:bodyPr>
           <a:lstStyle/>
           <a:p>
-            <a:pPr indent="0" lvl="0" marL="0" rtl="0" algn="ctr">
+            <a:pPr marL="0" lvl="0" indent="0" algn="ctr" rtl="0">
               <a:lnSpc>
                 <a:spcPct val="115000"/>
               </a:lnSpc>
@@ -9176,12 +9269,12 @@
           </a:ln>
         </p:spPr>
         <p:txBody>
-          <a:bodyPr anchorCtr="0" anchor="ctr" bIns="91425" lIns="91425" spcFirstLastPara="1" rIns="91425" wrap="square" tIns="91425">
+          <a:bodyPr spcFirstLastPara="1" wrap="square" lIns="91425" tIns="91425" rIns="91425" bIns="91425" anchor="ctr" anchorCtr="0">
             <a:normAutofit/>
           </a:bodyPr>
           <a:lstStyle/>
           <a:p>
-            <a:pPr indent="0" lvl="0" marL="0" marR="0" rtl="0" algn="l">
+            <a:pPr marL="0" marR="0" lvl="0" indent="0" algn="l" rtl="0">
               <a:lnSpc>
                 <a:spcPct val="115000"/>
               </a:lnSpc>
@@ -9231,12 +9324,12 @@
           </a:ln>
         </p:spPr>
         <p:txBody>
-          <a:bodyPr anchorCtr="0" anchor="t" bIns="91425" lIns="91425" spcFirstLastPara="1" rIns="91425" wrap="square" tIns="91425">
+          <a:bodyPr spcFirstLastPara="1" wrap="square" lIns="91425" tIns="91425" rIns="91425" bIns="91425" anchor="t" anchorCtr="0">
             <a:normAutofit lnSpcReduction="10000"/>
           </a:bodyPr>
           <a:lstStyle/>
           <a:p>
-            <a:pPr indent="0" lvl="0" marL="0" rtl="0" algn="l">
+            <a:pPr marL="0" lvl="0" indent="0" algn="l" rtl="0">
               <a:spcBef>
                 <a:spcPts val="0"/>
               </a:spcBef>
@@ -9275,11 +9368,11 @@
 </file>
 
 <file path=ppt/slides/slide7.xml><?xml version="1.0" encoding="utf-8"?>
-<p:sld xmlns:a="http://schemas.openxmlformats.org/drawingml/2006/main" xmlns:r="http://schemas.openxmlformats.org/officeDocument/2006/relationships" xmlns:mc="http://schemas.openxmlformats.org/markup-compatibility/2006" xmlns:mv="urn:schemas-microsoft-com:mac:vml" xmlns:p="http://schemas.openxmlformats.org/presentationml/2006/main" xmlns:c="http://schemas.openxmlformats.org/drawingml/2006/chart" xmlns:dgm="http://schemas.openxmlformats.org/drawingml/2006/diagram" xmlns:o="urn:schemas-microsoft-com:office:office" xmlns:v="urn:schemas-microsoft-com:vml" xmlns:pvml="urn:schemas-microsoft-com:office:powerpoint" xmlns:com="http://schemas.openxmlformats.org/drawingml/2006/compatibility" xmlns:p14="http://schemas.microsoft.com/office/powerpoint/2010/main" xmlns:p15="http://schemas.microsoft.com/office/powerpoint/2012/main" xmlns:ahyp="http://schemas.microsoft.com/office/drawing/2018/hyperlinkcolor">
+<p:sld xmlns:a="http://schemas.openxmlformats.org/drawingml/2006/main" xmlns:r="http://schemas.openxmlformats.org/officeDocument/2006/relationships" xmlns:p="http://schemas.openxmlformats.org/presentationml/2006/main">
   <p:cSld>
     <p:spTree>
       <p:nvGrpSpPr>
-        <p:cNvPr id="125" name="Shape 125"/>
+        <p:cNvPr id="1" name="Shape 125"/>
         <p:cNvGrpSpPr/>
         <p:nvPr/>
       </p:nvGrpSpPr>
@@ -9313,12 +9406,12 @@
           </a:ln>
         </p:spPr>
         <p:txBody>
-          <a:bodyPr anchorCtr="0" anchor="ctr" bIns="91425" lIns="91425" spcFirstLastPara="1" rIns="91425" wrap="square" tIns="91425">
+          <a:bodyPr spcFirstLastPara="1" wrap="square" lIns="91425" tIns="91425" rIns="91425" bIns="91425" anchor="ctr" anchorCtr="0">
             <a:noAutofit/>
           </a:bodyPr>
           <a:lstStyle/>
           <a:p>
-            <a:pPr indent="0" lvl="0" marL="0" rtl="0" algn="l">
+            <a:pPr marL="0" lvl="0" indent="0" algn="l" rtl="0">
               <a:spcBef>
                 <a:spcPts val="0"/>
               </a:spcBef>
@@ -9327,9 +9420,6 @@
               </a:spcAft>
               <a:buNone/>
             </a:pPr>
-            <a:r>
-              <a:t/>
-            </a:r>
             <a:endParaRPr/>
           </a:p>
         </p:txBody>
@@ -9356,12 +9446,12 @@
           </a:ln>
         </p:spPr>
         <p:txBody>
-          <a:bodyPr anchorCtr="0" anchor="ctr" bIns="91425" lIns="91425" spcFirstLastPara="1" rIns="91425" wrap="square" tIns="91425">
+          <a:bodyPr spcFirstLastPara="1" wrap="square" lIns="91425" tIns="91425" rIns="91425" bIns="91425" anchor="ctr" anchorCtr="0">
             <a:noAutofit/>
           </a:bodyPr>
           <a:lstStyle/>
           <a:p>
-            <a:pPr indent="0" lvl="0" marL="0" rtl="0" algn="l">
+            <a:pPr marL="0" lvl="0" indent="0" algn="l" rtl="0">
               <a:spcBef>
                 <a:spcPts val="0"/>
               </a:spcBef>
@@ -9370,9 +9460,6 @@
               </a:spcAft>
               <a:buNone/>
             </a:pPr>
-            <a:r>
-              <a:t/>
-            </a:r>
             <a:endParaRPr/>
           </a:p>
         </p:txBody>
@@ -9397,12 +9484,12 @@
           </a:ln>
         </p:spPr>
         <p:txBody>
-          <a:bodyPr anchorCtr="0" anchor="ctr" bIns="91425" lIns="91425" spcFirstLastPara="1" rIns="91425" wrap="square" tIns="91425">
+          <a:bodyPr spcFirstLastPara="1" wrap="square" lIns="91425" tIns="91425" rIns="91425" bIns="91425" anchor="ctr" anchorCtr="0">
             <a:noAutofit/>
           </a:bodyPr>
           <a:lstStyle/>
           <a:p>
-            <a:pPr indent="0" lvl="0" marL="0" rtl="0" algn="ctr">
+            <a:pPr marL="0" lvl="0" indent="0" algn="ctr" rtl="0">
               <a:lnSpc>
                 <a:spcPct val="115000"/>
               </a:lnSpc>
@@ -9452,12 +9539,12 @@
           </a:ln>
         </p:spPr>
         <p:txBody>
-          <a:bodyPr anchorCtr="0" anchor="ctr" bIns="91425" lIns="91425" spcFirstLastPara="1" rIns="91425" wrap="square" tIns="91425">
+          <a:bodyPr spcFirstLastPara="1" wrap="square" lIns="91425" tIns="91425" rIns="91425" bIns="91425" anchor="ctr" anchorCtr="0">
             <a:normAutofit/>
           </a:bodyPr>
           <a:lstStyle/>
           <a:p>
-            <a:pPr indent="0" lvl="0" marL="0" rtl="0" algn="l">
+            <a:pPr marL="0" lvl="0" indent="0" algn="l" rtl="0">
               <a:lnSpc>
                 <a:spcPct val="115000"/>
               </a:lnSpc>
@@ -9507,12 +9594,12 @@
           </a:ln>
         </p:spPr>
         <p:txBody>
-          <a:bodyPr anchorCtr="0" anchor="ctr" bIns="91425" lIns="91425" spcFirstLastPara="1" rIns="91425" wrap="square" tIns="91425">
+          <a:bodyPr spcFirstLastPara="1" wrap="square" lIns="91425" tIns="91425" rIns="91425" bIns="91425" anchor="ctr" anchorCtr="0">
             <a:noAutofit/>
           </a:bodyPr>
           <a:lstStyle/>
           <a:p>
-            <a:pPr indent="0" lvl="0" marL="0" rtl="0" algn="ctr">
+            <a:pPr marL="0" lvl="0" indent="0" algn="ctr" rtl="0">
               <a:lnSpc>
                 <a:spcPct val="115000"/>
               </a:lnSpc>
@@ -9562,12 +9649,12 @@
           </a:ln>
         </p:spPr>
         <p:txBody>
-          <a:bodyPr anchorCtr="0" anchor="ctr" bIns="91425" lIns="91425" spcFirstLastPara="1" rIns="91425" wrap="square" tIns="91425">
+          <a:bodyPr spcFirstLastPara="1" wrap="square" lIns="91425" tIns="91425" rIns="91425" bIns="91425" anchor="ctr" anchorCtr="0">
             <a:normAutofit/>
           </a:bodyPr>
           <a:lstStyle/>
           <a:p>
-            <a:pPr indent="0" lvl="0" marL="0" marR="0" rtl="0" algn="l">
+            <a:pPr marL="0" marR="0" lvl="0" indent="0" algn="l" rtl="0">
               <a:lnSpc>
                 <a:spcPct val="115000"/>
               </a:lnSpc>
@@ -9617,12 +9704,12 @@
           </a:ln>
         </p:spPr>
         <p:txBody>
-          <a:bodyPr anchorCtr="0" anchor="ctr" bIns="91425" lIns="91425" spcFirstLastPara="1" rIns="91425" wrap="square" tIns="91425">
+          <a:bodyPr spcFirstLastPara="1" wrap="square" lIns="91425" tIns="91425" rIns="91425" bIns="91425" anchor="ctr" anchorCtr="0">
             <a:noAutofit/>
           </a:bodyPr>
           <a:lstStyle/>
           <a:p>
-            <a:pPr indent="0" lvl="0" marL="0" rtl="0" algn="ctr">
+            <a:pPr marL="0" lvl="0" indent="0" algn="ctr" rtl="0">
               <a:lnSpc>
                 <a:spcPct val="115000"/>
               </a:lnSpc>
@@ -9672,12 +9759,12 @@
           </a:ln>
         </p:spPr>
         <p:txBody>
-          <a:bodyPr anchorCtr="0" anchor="ctr" bIns="91425" lIns="91425" spcFirstLastPara="1" rIns="91425" wrap="square" tIns="91425">
+          <a:bodyPr spcFirstLastPara="1" wrap="square" lIns="91425" tIns="91425" rIns="91425" bIns="91425" anchor="ctr" anchorCtr="0">
             <a:normAutofit/>
           </a:bodyPr>
           <a:lstStyle/>
           <a:p>
-            <a:pPr indent="0" lvl="0" marL="0" marR="0" rtl="0" algn="l">
+            <a:pPr marL="0" marR="0" lvl="0" indent="0" algn="l" rtl="0">
               <a:lnSpc>
                 <a:spcPct val="115000"/>
               </a:lnSpc>
@@ -9727,12 +9814,12 @@
           </a:ln>
         </p:spPr>
         <p:txBody>
-          <a:bodyPr anchorCtr="0" anchor="t" bIns="91425" lIns="91425" spcFirstLastPara="1" rIns="91425" wrap="square" tIns="91425">
+          <a:bodyPr spcFirstLastPara="1" wrap="square" lIns="91425" tIns="91425" rIns="91425" bIns="91425" anchor="t" anchorCtr="0">
             <a:normAutofit lnSpcReduction="10000"/>
           </a:bodyPr>
           <a:lstStyle/>
           <a:p>
-            <a:pPr indent="0" lvl="0" marL="0" rtl="0" algn="l">
+            <a:pPr marL="0" lvl="0" indent="0" algn="l" rtl="0">
               <a:spcBef>
                 <a:spcPts val="0"/>
               </a:spcBef>
@@ -9771,11 +9858,11 @@
 </file>
 
 <file path=ppt/slides/slide8.xml><?xml version="1.0" encoding="utf-8"?>
-<p:sld xmlns:a="http://schemas.openxmlformats.org/drawingml/2006/main" xmlns:r="http://schemas.openxmlformats.org/officeDocument/2006/relationships" xmlns:mc="http://schemas.openxmlformats.org/markup-compatibility/2006" xmlns:mv="urn:schemas-microsoft-com:mac:vml" xmlns:p="http://schemas.openxmlformats.org/presentationml/2006/main" xmlns:c="http://schemas.openxmlformats.org/drawingml/2006/chart" xmlns:dgm="http://schemas.openxmlformats.org/drawingml/2006/diagram" xmlns:o="urn:schemas-microsoft-com:office:office" xmlns:v="urn:schemas-microsoft-com:vml" xmlns:pvml="urn:schemas-microsoft-com:office:powerpoint" xmlns:com="http://schemas.openxmlformats.org/drawingml/2006/compatibility" xmlns:p14="http://schemas.microsoft.com/office/powerpoint/2010/main" xmlns:p15="http://schemas.microsoft.com/office/powerpoint/2012/main" xmlns:ahyp="http://schemas.microsoft.com/office/drawing/2018/hyperlinkcolor">
+<p:sld xmlns:a="http://schemas.openxmlformats.org/drawingml/2006/main" xmlns:r="http://schemas.openxmlformats.org/officeDocument/2006/relationships" xmlns:p="http://schemas.openxmlformats.org/presentationml/2006/main">
   <p:cSld>
     <p:spTree>
       <p:nvGrpSpPr>
-        <p:cNvPr id="138" name="Shape 138"/>
+        <p:cNvPr id="1" name="Shape 138"/>
         <p:cNvGrpSpPr/>
         <p:nvPr/>
       </p:nvGrpSpPr>
@@ -9809,12 +9896,12 @@
           </a:ln>
         </p:spPr>
         <p:txBody>
-          <a:bodyPr anchorCtr="0" anchor="ctr" bIns="91425" lIns="91425" spcFirstLastPara="1" rIns="91425" wrap="square" tIns="91425">
+          <a:bodyPr spcFirstLastPara="1" wrap="square" lIns="91425" tIns="91425" rIns="91425" bIns="91425" anchor="ctr" anchorCtr="0">
             <a:noAutofit/>
           </a:bodyPr>
           <a:lstStyle/>
           <a:p>
-            <a:pPr indent="0" lvl="0" marL="0" rtl="0" algn="l">
+            <a:pPr marL="0" lvl="0" indent="0" algn="l" rtl="0">
               <a:spcBef>
                 <a:spcPts val="0"/>
               </a:spcBef>
@@ -9823,9 +9910,6 @@
               </a:spcAft>
               <a:buNone/>
             </a:pPr>
-            <a:r>
-              <a:t/>
-            </a:r>
             <a:endParaRPr/>
           </a:p>
         </p:txBody>
@@ -9852,12 +9936,12 @@
           </a:ln>
         </p:spPr>
         <p:txBody>
-          <a:bodyPr anchorCtr="0" anchor="ctr" bIns="91425" lIns="91425" spcFirstLastPara="1" rIns="91425" wrap="square" tIns="91425">
+          <a:bodyPr spcFirstLastPara="1" wrap="square" lIns="91425" tIns="91425" rIns="91425" bIns="91425" anchor="ctr" anchorCtr="0">
             <a:noAutofit/>
           </a:bodyPr>
           <a:lstStyle/>
           <a:p>
-            <a:pPr indent="0" lvl="0" marL="0" rtl="0" algn="l">
+            <a:pPr marL="0" lvl="0" indent="0" algn="l" rtl="0">
               <a:spcBef>
                 <a:spcPts val="0"/>
               </a:spcBef>
@@ -9866,9 +9950,6 @@
               </a:spcAft>
               <a:buNone/>
             </a:pPr>
-            <a:r>
-              <a:t/>
-            </a:r>
             <a:endParaRPr/>
           </a:p>
         </p:txBody>
@@ -9893,12 +9974,12 @@
           </a:ln>
         </p:spPr>
         <p:txBody>
-          <a:bodyPr anchorCtr="0" anchor="ctr" bIns="91425" lIns="91425" spcFirstLastPara="1" rIns="91425" wrap="square" tIns="91425">
+          <a:bodyPr spcFirstLastPara="1" wrap="square" lIns="91425" tIns="91425" rIns="91425" bIns="91425" anchor="ctr" anchorCtr="0">
             <a:noAutofit/>
           </a:bodyPr>
           <a:lstStyle/>
           <a:p>
-            <a:pPr indent="0" lvl="0" marL="0" rtl="0" algn="ctr">
+            <a:pPr marL="0" lvl="0" indent="0" algn="ctr" rtl="0">
               <a:lnSpc>
                 <a:spcPct val="115000"/>
               </a:lnSpc>
@@ -9948,12 +10029,12 @@
           </a:ln>
         </p:spPr>
         <p:txBody>
-          <a:bodyPr anchorCtr="0" anchor="ctr" bIns="91425" lIns="91425" spcFirstLastPara="1" rIns="91425" wrap="square" tIns="91425">
+          <a:bodyPr spcFirstLastPara="1" wrap="square" lIns="91425" tIns="91425" rIns="91425" bIns="91425" anchor="ctr" anchorCtr="0">
             <a:normAutofit/>
           </a:bodyPr>
           <a:lstStyle/>
           <a:p>
-            <a:pPr indent="0" lvl="0" marL="0" rtl="0" algn="l">
+            <a:pPr marL="0" lvl="0" indent="0" algn="l" rtl="0">
               <a:lnSpc>
                 <a:spcPct val="115000"/>
               </a:lnSpc>
@@ -10003,12 +10084,12 @@
           </a:ln>
         </p:spPr>
         <p:txBody>
-          <a:bodyPr anchorCtr="0" anchor="ctr" bIns="91425" lIns="91425" spcFirstLastPara="1" rIns="91425" wrap="square" tIns="91425">
+          <a:bodyPr spcFirstLastPara="1" wrap="square" lIns="91425" tIns="91425" rIns="91425" bIns="91425" anchor="ctr" anchorCtr="0">
             <a:noAutofit/>
           </a:bodyPr>
           <a:lstStyle/>
           <a:p>
-            <a:pPr indent="0" lvl="0" marL="0" rtl="0" algn="ctr">
+            <a:pPr marL="0" lvl="0" indent="0" algn="ctr" rtl="0">
               <a:lnSpc>
                 <a:spcPct val="115000"/>
               </a:lnSpc>
@@ -10058,12 +10139,12 @@
           </a:ln>
         </p:spPr>
         <p:txBody>
-          <a:bodyPr anchorCtr="0" anchor="ctr" bIns="91425" lIns="91425" spcFirstLastPara="1" rIns="91425" wrap="square" tIns="91425">
+          <a:bodyPr spcFirstLastPara="1" wrap="square" lIns="91425" tIns="91425" rIns="91425" bIns="91425" anchor="ctr" anchorCtr="0">
             <a:normAutofit/>
           </a:bodyPr>
           <a:lstStyle/>
           <a:p>
-            <a:pPr indent="0" lvl="0" marL="0" marR="0" rtl="0" algn="l">
+            <a:pPr marL="0" marR="0" lvl="0" indent="0" algn="l" rtl="0">
               <a:lnSpc>
                 <a:spcPct val="115000"/>
               </a:lnSpc>
@@ -10113,12 +10194,12 @@
           </a:ln>
         </p:spPr>
         <p:txBody>
-          <a:bodyPr anchorCtr="0" anchor="t" bIns="91425" lIns="91425" spcFirstLastPara="1" rIns="91425" wrap="square" tIns="91425">
+          <a:bodyPr spcFirstLastPara="1" wrap="square" lIns="91425" tIns="91425" rIns="91425" bIns="91425" anchor="t" anchorCtr="0">
             <a:normAutofit lnSpcReduction="10000"/>
           </a:bodyPr>
           <a:lstStyle/>
           <a:p>
-            <a:pPr indent="0" lvl="0" marL="0" rtl="0" algn="l">
+            <a:pPr marL="0" lvl="0" indent="0" algn="l" rtl="0">
               <a:spcBef>
                 <a:spcPts val="0"/>
               </a:spcBef>
@@ -10157,11 +10238,11 @@
 </file>
 
 <file path=ppt/slides/slide9.xml><?xml version="1.0" encoding="utf-8"?>
-<p:sld xmlns:a="http://schemas.openxmlformats.org/drawingml/2006/main" xmlns:r="http://schemas.openxmlformats.org/officeDocument/2006/relationships" xmlns:mc="http://schemas.openxmlformats.org/markup-compatibility/2006" xmlns:mv="urn:schemas-microsoft-com:mac:vml" xmlns:p="http://schemas.openxmlformats.org/presentationml/2006/main" xmlns:c="http://schemas.openxmlformats.org/drawingml/2006/chart" xmlns:dgm="http://schemas.openxmlformats.org/drawingml/2006/diagram" xmlns:o="urn:schemas-microsoft-com:office:office" xmlns:v="urn:schemas-microsoft-com:vml" xmlns:pvml="urn:schemas-microsoft-com:office:powerpoint" xmlns:com="http://schemas.openxmlformats.org/drawingml/2006/compatibility" xmlns:p14="http://schemas.microsoft.com/office/powerpoint/2010/main" xmlns:p15="http://schemas.microsoft.com/office/powerpoint/2012/main" xmlns:ahyp="http://schemas.microsoft.com/office/drawing/2018/hyperlinkcolor">
+<p:sld xmlns:a="http://schemas.openxmlformats.org/drawingml/2006/main" xmlns:r="http://schemas.openxmlformats.org/officeDocument/2006/relationships" xmlns:p="http://schemas.openxmlformats.org/presentationml/2006/main">
   <p:cSld>
     <p:spTree>
       <p:nvGrpSpPr>
-        <p:cNvPr id="149" name="Shape 149"/>
+        <p:cNvPr id="1" name="Shape 149"/>
         <p:cNvGrpSpPr/>
         <p:nvPr/>
       </p:nvGrpSpPr>
@@ -10186,7 +10267,7 @@
           </a:xfrm>
           <a:prstGeom prst="donut">
             <a:avLst>
-              <a:gd fmla="val 25000" name="adj"/>
+              <a:gd name="adj" fmla="val 25000"/>
             </a:avLst>
           </a:prstGeom>
           <a:solidFill>
@@ -10197,12 +10278,12 @@
           </a:ln>
         </p:spPr>
         <p:txBody>
-          <a:bodyPr anchorCtr="0" anchor="ctr" bIns="91425" lIns="91425" spcFirstLastPara="1" rIns="91425" wrap="square" tIns="91425">
+          <a:bodyPr spcFirstLastPara="1" wrap="square" lIns="91425" tIns="91425" rIns="91425" bIns="91425" anchor="ctr" anchorCtr="0">
             <a:noAutofit/>
           </a:bodyPr>
           <a:lstStyle/>
           <a:p>
-            <a:pPr indent="0" lvl="0" marL="0" rtl="0" algn="l">
+            <a:pPr marL="0" lvl="0" indent="0" algn="l" rtl="0">
               <a:spcBef>
                 <a:spcPts val="0"/>
               </a:spcBef>
@@ -10211,9 +10292,6 @@
               </a:spcAft>
               <a:buNone/>
             </a:pPr>
-            <a:r>
-              <a:t/>
-            </a:r>
             <a:endParaRPr/>
           </a:p>
         </p:txBody>
@@ -10231,7 +10309,7 @@
           </a:xfrm>
           <a:prstGeom prst="diagStripe">
             <a:avLst>
-              <a:gd fmla="val 50000" name="adj"/>
+              <a:gd name="adj" fmla="val 50000"/>
             </a:avLst>
           </a:prstGeom>
           <a:solidFill>
@@ -10242,12 +10320,12 @@
           </a:ln>
         </p:spPr>
         <p:txBody>
-          <a:bodyPr anchorCtr="0" anchor="ctr" bIns="91425" lIns="91425" spcFirstLastPara="1" rIns="91425" wrap="square" tIns="91425">
+          <a:bodyPr spcFirstLastPara="1" wrap="square" lIns="91425" tIns="91425" rIns="91425" bIns="91425" anchor="ctr" anchorCtr="0">
             <a:noAutofit/>
           </a:bodyPr>
           <a:lstStyle/>
           <a:p>
-            <a:pPr indent="0" lvl="0" marL="0" rtl="0" algn="l">
+            <a:pPr marL="0" lvl="0" indent="0" algn="l" rtl="0">
               <a:spcBef>
                 <a:spcPts val="0"/>
               </a:spcBef>
@@ -10256,9 +10334,6 @@
               </a:spcAft>
               <a:buNone/>
             </a:pPr>
-            <a:r>
-              <a:t/>
-            </a:r>
             <a:endParaRPr/>
           </a:p>
         </p:txBody>
@@ -10276,7 +10351,7 @@
           </a:xfrm>
           <a:prstGeom prst="diagStripe">
             <a:avLst>
-              <a:gd fmla="val 50000" name="adj"/>
+              <a:gd name="adj" fmla="val 50000"/>
             </a:avLst>
           </a:prstGeom>
           <a:solidFill>
@@ -10287,12 +10362,12 @@
           </a:ln>
         </p:spPr>
         <p:txBody>
-          <a:bodyPr anchorCtr="0" anchor="ctr" bIns="91425" lIns="91425" spcFirstLastPara="1" rIns="91425" wrap="square" tIns="91425">
+          <a:bodyPr spcFirstLastPara="1" wrap="square" lIns="91425" tIns="91425" rIns="91425" bIns="91425" anchor="ctr" anchorCtr="0">
             <a:noAutofit/>
           </a:bodyPr>
           <a:lstStyle/>
           <a:p>
-            <a:pPr indent="0" lvl="0" marL="0" rtl="0" algn="l">
+            <a:pPr marL="0" lvl="0" indent="0" algn="l" rtl="0">
               <a:spcBef>
                 <a:spcPts val="0"/>
               </a:spcBef>
@@ -10301,9 +10376,6 @@
               </a:spcAft>
               <a:buNone/>
             </a:pPr>
-            <a:r>
-              <a:t/>
-            </a:r>
             <a:endParaRPr/>
           </a:p>
         </p:txBody>
@@ -10321,7 +10393,7 @@
           </a:xfrm>
           <a:prstGeom prst="diagStripe">
             <a:avLst>
-              <a:gd fmla="val 50000" name="adj"/>
+              <a:gd name="adj" fmla="val 50000"/>
             </a:avLst>
           </a:prstGeom>
           <a:solidFill>
@@ -10332,12 +10404,12 @@
           </a:ln>
         </p:spPr>
         <p:txBody>
-          <a:bodyPr anchorCtr="0" anchor="ctr" bIns="91425" lIns="91425" spcFirstLastPara="1" rIns="91425" wrap="square" tIns="91425">
+          <a:bodyPr spcFirstLastPara="1" wrap="square" lIns="91425" tIns="91425" rIns="91425" bIns="91425" anchor="ctr" anchorCtr="0">
             <a:noAutofit/>
           </a:bodyPr>
           <a:lstStyle/>
           <a:p>
-            <a:pPr indent="0" lvl="0" marL="0" rtl="0" algn="l">
+            <a:pPr marL="0" lvl="0" indent="0" algn="l" rtl="0">
               <a:spcBef>
                 <a:spcPts val="0"/>
               </a:spcBef>
@@ -10346,9 +10418,6 @@
               </a:spcAft>
               <a:buNone/>
             </a:pPr>
-            <a:r>
-              <a:t/>
-            </a:r>
             <a:endParaRPr/>
           </a:p>
         </p:txBody>
@@ -10373,12 +10442,12 @@
           </a:ln>
         </p:spPr>
         <p:txBody>
-          <a:bodyPr anchorCtr="0" anchor="b" bIns="91425" lIns="91425" spcFirstLastPara="1" rIns="91425" wrap="square" tIns="91425">
+          <a:bodyPr spcFirstLastPara="1" wrap="square" lIns="91425" tIns="91425" rIns="91425" bIns="91425" anchor="b" anchorCtr="0">
             <a:noAutofit/>
           </a:bodyPr>
           <a:lstStyle/>
           <a:p>
-            <a:pPr indent="0" lvl="0" marL="0" rtl="0" algn="ctr">
+            <a:pPr marL="0" lvl="0" indent="0" algn="ctr" rtl="0">
               <a:spcBef>
                 <a:spcPts val="0"/>
               </a:spcBef>
@@ -10428,12 +10497,12 @@
           </a:ln>
         </p:spPr>
         <p:txBody>
-          <a:bodyPr anchorCtr="0" anchor="t" bIns="91425" lIns="91425" spcFirstLastPara="1" rIns="91425" wrap="square" tIns="91425">
+          <a:bodyPr spcFirstLastPara="1" wrap="square" lIns="91425" tIns="91425" rIns="91425" bIns="91425" anchor="t" anchorCtr="0">
             <a:noAutofit/>
           </a:bodyPr>
           <a:lstStyle/>
           <a:p>
-            <a:pPr indent="0" lvl="0" marL="0" rtl="0" algn="l">
+            <a:pPr marL="0" lvl="0" indent="0" algn="l" rtl="0">
               <a:lnSpc>
                 <a:spcPct val="115000"/>
               </a:lnSpc>
@@ -10445,9 +10514,6 @@
               </a:spcAft>
               <a:buNone/>
             </a:pPr>
-            <a:r>
-              <a:t/>
-            </a:r>
             <a:endParaRPr>
               <a:solidFill>
                 <a:srgbClr val="595959"/>
@@ -10469,7 +10535,288 @@
 </file>
 
 <file path=ppt/theme/theme1.xml><?xml version="1.0" encoding="utf-8"?>
-<a:theme xmlns:a="http://schemas.openxmlformats.org/drawingml/2006/main" xmlns:r="http://schemas.openxmlformats.org/officeDocument/2006/relationships">
+<a:theme xmlns:a="http://schemas.openxmlformats.org/drawingml/2006/main" name="Simple Light">
+  <a:themeElements>
+    <a:clrScheme name="Simple Light">
+      <a:dk1>
+        <a:srgbClr val="000000"/>
+      </a:dk1>
+      <a:lt1>
+        <a:srgbClr val="FFFFFF"/>
+      </a:lt1>
+      <a:dk2>
+        <a:srgbClr val="595959"/>
+      </a:dk2>
+      <a:lt2>
+        <a:srgbClr val="EEEEEE"/>
+      </a:lt2>
+      <a:accent1>
+        <a:srgbClr val="4285F4"/>
+      </a:accent1>
+      <a:accent2>
+        <a:srgbClr val="212121"/>
+      </a:accent2>
+      <a:accent3>
+        <a:srgbClr val="78909C"/>
+      </a:accent3>
+      <a:accent4>
+        <a:srgbClr val="FFAB40"/>
+      </a:accent4>
+      <a:accent5>
+        <a:srgbClr val="0097A7"/>
+      </a:accent5>
+      <a:accent6>
+        <a:srgbClr val="EEFF41"/>
+      </a:accent6>
+      <a:hlink>
+        <a:srgbClr val="0097A7"/>
+      </a:hlink>
+      <a:folHlink>
+        <a:srgbClr val="0097A7"/>
+      </a:folHlink>
+    </a:clrScheme>
+    <a:fontScheme name="Office">
+      <a:majorFont>
+        <a:latin typeface="Arial"/>
+        <a:ea typeface=""/>
+        <a:cs typeface=""/>
+        <a:font script="Jpan" typeface="ＭＳ Ｐゴシック"/>
+        <a:font script="Hang" typeface="맑은 고딕"/>
+        <a:font script="Hans" typeface="宋体"/>
+        <a:font script="Hant" typeface="新細明體"/>
+        <a:font script="Arab" typeface="Times New Roman"/>
+        <a:font script="Hebr" typeface="Times New Roman"/>
+        <a:font script="Thai" typeface="Angsana New"/>
+        <a:font script="Ethi" typeface="Nyala"/>
+        <a:font script="Beng" typeface="Vrinda"/>
+        <a:font script="Gujr" typeface="Shruti"/>
+        <a:font script="Khmr" typeface="MoolBoran"/>
+        <a:font script="Knda" typeface="Tunga"/>
+        <a:font script="Guru" typeface="Raavi"/>
+        <a:font script="Cans" typeface="Euphemia"/>
+        <a:font script="Cher" typeface="Plantagenet Cherokee"/>
+        <a:font script="Yiii" typeface="Microsoft Yi Baiti"/>
+        <a:font script="Tibt" typeface="Microsoft Himalaya"/>
+        <a:font script="Thaa" typeface="MV Boli"/>
+        <a:font script="Deva" typeface="Mangal"/>
+        <a:font script="Telu" typeface="Gautami"/>
+        <a:font script="Taml" typeface="Latha"/>
+        <a:font script="Syrc" typeface="Estrangelo Edessa"/>
+        <a:font script="Orya" typeface="Kalinga"/>
+        <a:font script="Mlym" typeface="Kartika"/>
+        <a:font script="Laoo" typeface="DokChampa"/>
+        <a:font script="Sinh" typeface="Iskoola Pota"/>
+        <a:font script="Mong" typeface="Mongolian Baiti"/>
+        <a:font script="Viet" typeface="Times New Roman"/>
+        <a:font script="Uigh" typeface="Microsoft Uighur"/>
+        <a:font script="Geor" typeface="Sylfaen"/>
+      </a:majorFont>
+      <a:minorFont>
+        <a:latin typeface="Arial"/>
+        <a:ea typeface=""/>
+        <a:cs typeface=""/>
+        <a:font script="Jpan" typeface="ＭＳ Ｐゴシック"/>
+        <a:font script="Hang" typeface="맑은 고딕"/>
+        <a:font script="Hans" typeface="宋体"/>
+        <a:font script="Hant" typeface="新細明體"/>
+        <a:font script="Arab" typeface="Arial"/>
+        <a:font script="Hebr" typeface="Arial"/>
+        <a:font script="Thai" typeface="Cordia New"/>
+        <a:font script="Ethi" typeface="Nyala"/>
+        <a:font script="Beng" typeface="Vrinda"/>
+        <a:font script="Gujr" typeface="Shruti"/>
+        <a:font script="Khmr" typeface="DaunPenh"/>
+        <a:font script="Knda" typeface="Tunga"/>
+        <a:font script="Guru" typeface="Raavi"/>
+        <a:font script="Cans" typeface="Euphemia"/>
+        <a:font script="Cher" typeface="Plantagenet Cherokee"/>
+        <a:font script="Yiii" typeface="Microsoft Yi Baiti"/>
+        <a:font script="Tibt" typeface="Microsoft Himalaya"/>
+        <a:font script="Thaa" typeface="MV Boli"/>
+        <a:font script="Deva" typeface="Mangal"/>
+        <a:font script="Telu" typeface="Gautami"/>
+        <a:font script="Taml" typeface="Latha"/>
+        <a:font script="Syrc" typeface="Estrangelo Edessa"/>
+        <a:font script="Orya" typeface="Kalinga"/>
+        <a:font script="Mlym" typeface="Kartika"/>
+        <a:font script="Laoo" typeface="DokChampa"/>
+        <a:font script="Sinh" typeface="Iskoola Pota"/>
+        <a:font script="Mong" typeface="Mongolian Baiti"/>
+        <a:font script="Viet" typeface="Arial"/>
+        <a:font script="Uigh" typeface="Microsoft Uighur"/>
+        <a:font script="Geor" typeface="Sylfaen"/>
+      </a:minorFont>
+    </a:fontScheme>
+    <a:fmtScheme name="Office">
+      <a:fillStyleLst>
+        <a:solidFill>
+          <a:schemeClr val="phClr"/>
+        </a:solidFill>
+        <a:gradFill rotWithShape="1">
+          <a:gsLst>
+            <a:gs pos="0">
+              <a:schemeClr val="phClr">
+                <a:tint val="50000"/>
+                <a:satMod val="300000"/>
+              </a:schemeClr>
+            </a:gs>
+            <a:gs pos="35000">
+              <a:schemeClr val="phClr">
+                <a:tint val="37000"/>
+                <a:satMod val="300000"/>
+              </a:schemeClr>
+            </a:gs>
+            <a:gs pos="100000">
+              <a:schemeClr val="phClr">
+                <a:tint val="15000"/>
+                <a:satMod val="350000"/>
+              </a:schemeClr>
+            </a:gs>
+          </a:gsLst>
+          <a:lin ang="16200000" scaled="1"/>
+        </a:gradFill>
+        <a:gradFill rotWithShape="1">
+          <a:gsLst>
+            <a:gs pos="0">
+              <a:schemeClr val="phClr">
+                <a:tint val="100000"/>
+                <a:shade val="100000"/>
+                <a:satMod val="130000"/>
+              </a:schemeClr>
+            </a:gs>
+            <a:gs pos="100000">
+              <a:schemeClr val="phClr">
+                <a:tint val="50000"/>
+                <a:shade val="100000"/>
+                <a:satMod val="350000"/>
+              </a:schemeClr>
+            </a:gs>
+          </a:gsLst>
+          <a:lin ang="16200000" scaled="0"/>
+        </a:gradFill>
+      </a:fillStyleLst>
+      <a:lnStyleLst>
+        <a:ln w="9525" cap="flat" cmpd="sng" algn="ctr">
+          <a:solidFill>
+            <a:schemeClr val="phClr">
+              <a:shade val="95000"/>
+              <a:satMod val="105000"/>
+            </a:schemeClr>
+          </a:solidFill>
+          <a:prstDash val="solid"/>
+        </a:ln>
+        <a:ln w="25400" cap="flat" cmpd="sng" algn="ctr">
+          <a:solidFill>
+            <a:schemeClr val="phClr"/>
+          </a:solidFill>
+          <a:prstDash val="solid"/>
+        </a:ln>
+        <a:ln w="38100" cap="flat" cmpd="sng" algn="ctr">
+          <a:solidFill>
+            <a:schemeClr val="phClr"/>
+          </a:solidFill>
+          <a:prstDash val="solid"/>
+        </a:ln>
+      </a:lnStyleLst>
+      <a:effectStyleLst>
+        <a:effectStyle>
+          <a:effectLst>
+            <a:outerShdw blurRad="40000" dist="20000" dir="5400000" rotWithShape="0">
+              <a:srgbClr val="000000">
+                <a:alpha val="38000"/>
+              </a:srgbClr>
+            </a:outerShdw>
+          </a:effectLst>
+        </a:effectStyle>
+        <a:effectStyle>
+          <a:effectLst>
+            <a:outerShdw blurRad="40000" dist="23000" dir="5400000" rotWithShape="0">
+              <a:srgbClr val="000000">
+                <a:alpha val="35000"/>
+              </a:srgbClr>
+            </a:outerShdw>
+          </a:effectLst>
+        </a:effectStyle>
+        <a:effectStyle>
+          <a:effectLst>
+            <a:outerShdw blurRad="40000" dist="23000" dir="5400000" rotWithShape="0">
+              <a:srgbClr val="000000">
+                <a:alpha val="35000"/>
+              </a:srgbClr>
+            </a:outerShdw>
+          </a:effectLst>
+          <a:scene3d>
+            <a:camera prst="orthographicFront">
+              <a:rot lat="0" lon="0" rev="0"/>
+            </a:camera>
+            <a:lightRig rig="threePt" dir="t">
+              <a:rot lat="0" lon="0" rev="1200000"/>
+            </a:lightRig>
+          </a:scene3d>
+          <a:sp3d>
+            <a:bevelT w="63500" h="25400"/>
+          </a:sp3d>
+        </a:effectStyle>
+      </a:effectStyleLst>
+      <a:bgFillStyleLst>
+        <a:solidFill>
+          <a:schemeClr val="phClr"/>
+        </a:solidFill>
+        <a:gradFill rotWithShape="1">
+          <a:gsLst>
+            <a:gs pos="0">
+              <a:schemeClr val="phClr">
+                <a:tint val="40000"/>
+                <a:satMod val="350000"/>
+              </a:schemeClr>
+            </a:gs>
+            <a:gs pos="40000">
+              <a:schemeClr val="phClr">
+                <a:tint val="45000"/>
+                <a:shade val="99000"/>
+                <a:satMod val="350000"/>
+              </a:schemeClr>
+            </a:gs>
+            <a:gs pos="100000">
+              <a:schemeClr val="phClr">
+                <a:shade val="20000"/>
+                <a:satMod val="255000"/>
+              </a:schemeClr>
+            </a:gs>
+          </a:gsLst>
+          <a:path path="circle">
+            <a:fillToRect l="50000" t="-80000" r="50000" b="180000"/>
+          </a:path>
+        </a:gradFill>
+        <a:gradFill rotWithShape="1">
+          <a:gsLst>
+            <a:gs pos="0">
+              <a:schemeClr val="phClr">
+                <a:tint val="80000"/>
+                <a:satMod val="300000"/>
+              </a:schemeClr>
+            </a:gs>
+            <a:gs pos="100000">
+              <a:schemeClr val="phClr">
+                <a:shade val="30000"/>
+                <a:satMod val="200000"/>
+              </a:schemeClr>
+            </a:gs>
+          </a:gsLst>
+          <a:path path="circle">
+            <a:fillToRect l="50000" t="50000" r="50000" b="50000"/>
+          </a:path>
+        </a:gradFill>
+      </a:bgFillStyleLst>
+    </a:fmtScheme>
+  </a:themeElements>
+  <a:objectDefaults/>
+  <a:extraClrSchemeLst/>
+</a:theme>
+</file>
+
+<file path=ppt/theme/theme2.xml><?xml version="1.0" encoding="utf-8"?>
+<a:theme xmlns:a="http://schemas.openxmlformats.org/drawingml/2006/main">
   <a:themeElements>
     <a:clrScheme name="Default">
       <a:dk1>
@@ -10744,284 +11091,7 @@
       </a:bgFillStyleLst>
     </a:fmtScheme>
   </a:themeElements>
-</a:theme>
-</file>
-
-<file path=ppt/theme/theme2.xml><?xml version="1.0" encoding="utf-8"?>
-<a:theme xmlns:a="http://schemas.openxmlformats.org/drawingml/2006/main" xmlns:r="http://schemas.openxmlformats.org/officeDocument/2006/relationships" name="Simple Light">
-  <a:themeElements>
-    <a:clrScheme name="Simple Light">
-      <a:dk1>
-        <a:srgbClr val="000000"/>
-      </a:dk1>
-      <a:lt1>
-        <a:srgbClr val="FFFFFF"/>
-      </a:lt1>
-      <a:dk2>
-        <a:srgbClr val="595959"/>
-      </a:dk2>
-      <a:lt2>
-        <a:srgbClr val="EEEEEE"/>
-      </a:lt2>
-      <a:accent1>
-        <a:srgbClr val="4285F4"/>
-      </a:accent1>
-      <a:accent2>
-        <a:srgbClr val="212121"/>
-      </a:accent2>
-      <a:accent3>
-        <a:srgbClr val="78909C"/>
-      </a:accent3>
-      <a:accent4>
-        <a:srgbClr val="FFAB40"/>
-      </a:accent4>
-      <a:accent5>
-        <a:srgbClr val="0097A7"/>
-      </a:accent5>
-      <a:accent6>
-        <a:srgbClr val="EEFF41"/>
-      </a:accent6>
-      <a:hlink>
-        <a:srgbClr val="0097A7"/>
-      </a:hlink>
-      <a:folHlink>
-        <a:srgbClr val="0097A7"/>
-      </a:folHlink>
-    </a:clrScheme>
-    <a:fontScheme name="Office">
-      <a:majorFont>
-        <a:latin typeface="Arial"/>
-        <a:ea typeface=""/>
-        <a:cs typeface=""/>
-        <a:font script="Jpan" typeface="ＭＳ Ｐゴシック"/>
-        <a:font script="Hang" typeface="맑은 고딕"/>
-        <a:font script="Hans" typeface="宋体"/>
-        <a:font script="Hant" typeface="新細明體"/>
-        <a:font script="Arab" typeface="Times New Roman"/>
-        <a:font script="Hebr" typeface="Times New Roman"/>
-        <a:font script="Thai" typeface="Angsana New"/>
-        <a:font script="Ethi" typeface="Nyala"/>
-        <a:font script="Beng" typeface="Vrinda"/>
-        <a:font script="Gujr" typeface="Shruti"/>
-        <a:font script="Khmr" typeface="MoolBoran"/>
-        <a:font script="Knda" typeface="Tunga"/>
-        <a:font script="Guru" typeface="Raavi"/>
-        <a:font script="Cans" typeface="Euphemia"/>
-        <a:font script="Cher" typeface="Plantagenet Cherokee"/>
-        <a:font script="Yiii" typeface="Microsoft Yi Baiti"/>
-        <a:font script="Tibt" typeface="Microsoft Himalaya"/>
-        <a:font script="Thaa" typeface="MV Boli"/>
-        <a:font script="Deva" typeface="Mangal"/>
-        <a:font script="Telu" typeface="Gautami"/>
-        <a:font script="Taml" typeface="Latha"/>
-        <a:font script="Syrc" typeface="Estrangelo Edessa"/>
-        <a:font script="Orya" typeface="Kalinga"/>
-        <a:font script="Mlym" typeface="Kartika"/>
-        <a:font script="Laoo" typeface="DokChampa"/>
-        <a:font script="Sinh" typeface="Iskoola Pota"/>
-        <a:font script="Mong" typeface="Mongolian Baiti"/>
-        <a:font script="Viet" typeface="Times New Roman"/>
-        <a:font script="Uigh" typeface="Microsoft Uighur"/>
-        <a:font script="Geor" typeface="Sylfaen"/>
-      </a:majorFont>
-      <a:minorFont>
-        <a:latin typeface="Arial"/>
-        <a:ea typeface=""/>
-        <a:cs typeface=""/>
-        <a:font script="Jpan" typeface="ＭＳ Ｐゴシック"/>
-        <a:font script="Hang" typeface="맑은 고딕"/>
-        <a:font script="Hans" typeface="宋体"/>
-        <a:font script="Hant" typeface="新細明體"/>
-        <a:font script="Arab" typeface="Arial"/>
-        <a:font script="Hebr" typeface="Arial"/>
-        <a:font script="Thai" typeface="Cordia New"/>
-        <a:font script="Ethi" typeface="Nyala"/>
-        <a:font script="Beng" typeface="Vrinda"/>
-        <a:font script="Gujr" typeface="Shruti"/>
-        <a:font script="Khmr" typeface="DaunPenh"/>
-        <a:font script="Knda" typeface="Tunga"/>
-        <a:font script="Guru" typeface="Raavi"/>
-        <a:font script="Cans" typeface="Euphemia"/>
-        <a:font script="Cher" typeface="Plantagenet Cherokee"/>
-        <a:font script="Yiii" typeface="Microsoft Yi Baiti"/>
-        <a:font script="Tibt" typeface="Microsoft Himalaya"/>
-        <a:font script="Thaa" typeface="MV Boli"/>
-        <a:font script="Deva" typeface="Mangal"/>
-        <a:font script="Telu" typeface="Gautami"/>
-        <a:font script="Taml" typeface="Latha"/>
-        <a:font script="Syrc" typeface="Estrangelo Edessa"/>
-        <a:font script="Orya" typeface="Kalinga"/>
-        <a:font script="Mlym" typeface="Kartika"/>
-        <a:font script="Laoo" typeface="DokChampa"/>
-        <a:font script="Sinh" typeface="Iskoola Pota"/>
-        <a:font script="Mong" typeface="Mongolian Baiti"/>
-        <a:font script="Viet" typeface="Arial"/>
-        <a:font script="Uigh" typeface="Microsoft Uighur"/>
-        <a:font script="Geor" typeface="Sylfaen"/>
-      </a:minorFont>
-    </a:fontScheme>
-    <a:fmtScheme name="Office">
-      <a:fillStyleLst>
-        <a:solidFill>
-          <a:schemeClr val="phClr"/>
-        </a:solidFill>
-        <a:gradFill rotWithShape="1">
-          <a:gsLst>
-            <a:gs pos="0">
-              <a:schemeClr val="phClr">
-                <a:tint val="50000"/>
-                <a:satMod val="300000"/>
-              </a:schemeClr>
-            </a:gs>
-            <a:gs pos="35000">
-              <a:schemeClr val="phClr">
-                <a:tint val="37000"/>
-                <a:satMod val="300000"/>
-              </a:schemeClr>
-            </a:gs>
-            <a:gs pos="100000">
-              <a:schemeClr val="phClr">
-                <a:tint val="15000"/>
-                <a:satMod val="350000"/>
-              </a:schemeClr>
-            </a:gs>
-          </a:gsLst>
-          <a:lin ang="16200000" scaled="1"/>
-        </a:gradFill>
-        <a:gradFill rotWithShape="1">
-          <a:gsLst>
-            <a:gs pos="0">
-              <a:schemeClr val="phClr">
-                <a:tint val="100000"/>
-                <a:shade val="100000"/>
-                <a:satMod val="130000"/>
-              </a:schemeClr>
-            </a:gs>
-            <a:gs pos="100000">
-              <a:schemeClr val="phClr">
-                <a:tint val="50000"/>
-                <a:shade val="100000"/>
-                <a:satMod val="350000"/>
-              </a:schemeClr>
-            </a:gs>
-          </a:gsLst>
-          <a:lin ang="16200000" scaled="0"/>
-        </a:gradFill>
-      </a:fillStyleLst>
-      <a:lnStyleLst>
-        <a:ln w="9525" cap="flat" cmpd="sng" algn="ctr">
-          <a:solidFill>
-            <a:schemeClr val="phClr">
-              <a:shade val="95000"/>
-              <a:satMod val="105000"/>
-            </a:schemeClr>
-          </a:solidFill>
-          <a:prstDash val="solid"/>
-        </a:ln>
-        <a:ln w="25400" cap="flat" cmpd="sng" algn="ctr">
-          <a:solidFill>
-            <a:schemeClr val="phClr"/>
-          </a:solidFill>
-          <a:prstDash val="solid"/>
-        </a:ln>
-        <a:ln w="38100" cap="flat" cmpd="sng" algn="ctr">
-          <a:solidFill>
-            <a:schemeClr val="phClr"/>
-          </a:solidFill>
-          <a:prstDash val="solid"/>
-        </a:ln>
-      </a:lnStyleLst>
-      <a:effectStyleLst>
-        <a:effectStyle>
-          <a:effectLst>
-            <a:outerShdw blurRad="40000" dist="20000" dir="5400000" rotWithShape="0">
-              <a:srgbClr val="000000">
-                <a:alpha val="38000"/>
-              </a:srgbClr>
-            </a:outerShdw>
-          </a:effectLst>
-        </a:effectStyle>
-        <a:effectStyle>
-          <a:effectLst>
-            <a:outerShdw blurRad="40000" dist="23000" dir="5400000" rotWithShape="0">
-              <a:srgbClr val="000000">
-                <a:alpha val="35000"/>
-              </a:srgbClr>
-            </a:outerShdw>
-          </a:effectLst>
-        </a:effectStyle>
-        <a:effectStyle>
-          <a:effectLst>
-            <a:outerShdw blurRad="40000" dist="23000" dir="5400000" rotWithShape="0">
-              <a:srgbClr val="000000">
-                <a:alpha val="35000"/>
-              </a:srgbClr>
-            </a:outerShdw>
-          </a:effectLst>
-          <a:scene3d>
-            <a:camera prst="orthographicFront">
-              <a:rot lat="0" lon="0" rev="0"/>
-            </a:camera>
-            <a:lightRig rig="threePt" dir="t">
-              <a:rot lat="0" lon="0" rev="1200000"/>
-            </a:lightRig>
-          </a:scene3d>
-          <a:sp3d>
-            <a:bevelT w="63500" h="25400"/>
-          </a:sp3d>
-        </a:effectStyle>
-      </a:effectStyleLst>
-      <a:bgFillStyleLst>
-        <a:solidFill>
-          <a:schemeClr val="phClr"/>
-        </a:solidFill>
-        <a:gradFill rotWithShape="1">
-          <a:gsLst>
-            <a:gs pos="0">
-              <a:schemeClr val="phClr">
-                <a:tint val="40000"/>
-                <a:satMod val="350000"/>
-              </a:schemeClr>
-            </a:gs>
-            <a:gs pos="40000">
-              <a:schemeClr val="phClr">
-                <a:tint val="45000"/>
-                <a:shade val="99000"/>
-                <a:satMod val="350000"/>
-              </a:schemeClr>
-            </a:gs>
-            <a:gs pos="100000">
-              <a:schemeClr val="phClr">
-                <a:shade val="20000"/>
-                <a:satMod val="255000"/>
-              </a:schemeClr>
-            </a:gs>
-          </a:gsLst>
-          <a:path path="circle">
-            <a:fillToRect l="50000" t="-80000" r="50000" b="180000"/>
-          </a:path>
-        </a:gradFill>
-        <a:gradFill rotWithShape="1">
-          <a:gsLst>
-            <a:gs pos="0">
-              <a:schemeClr val="phClr">
-                <a:tint val="80000"/>
-                <a:satMod val="300000"/>
-              </a:schemeClr>
-            </a:gs>
-            <a:gs pos="100000">
-              <a:schemeClr val="phClr">
-                <a:shade val="30000"/>
-                <a:satMod val="200000"/>
-              </a:schemeClr>
-            </a:gs>
-          </a:gsLst>
-          <a:path path="circle">
-            <a:fillToRect l="50000" t="50000" r="50000" b="50000"/>
-          </a:path>
-        </a:gradFill>
-      </a:bgFillStyleLst>
-    </a:fmtScheme>
-  </a:themeElements>
+  <a:objectDefaults/>
+  <a:extraClrSchemeLst/>
 </a:theme>
 </file>